--- a/NoSQLWhirlwind supprting images.pptx
+++ b/NoSQLWhirlwind supprting images.pptx
@@ -5,60 +5,61 @@
     <p:sldMasterId id="2147483660" r:id="rId1"/>
   </p:sldMasterIdLst>
   <p:notesMasterIdLst>
-    <p:notesMasterId r:id="rId53"/>
+    <p:notesMasterId r:id="rId54"/>
   </p:notesMasterIdLst>
   <p:sldIdLst>
     <p:sldId id="268" r:id="rId2"/>
     <p:sldId id="290" r:id="rId3"/>
     <p:sldId id="315" r:id="rId4"/>
     <p:sldId id="261" r:id="rId5"/>
-    <p:sldId id="299" r:id="rId6"/>
-    <p:sldId id="285" r:id="rId7"/>
-    <p:sldId id="286" r:id="rId8"/>
-    <p:sldId id="287" r:id="rId9"/>
-    <p:sldId id="298" r:id="rId10"/>
-    <p:sldId id="288" r:id="rId11"/>
-    <p:sldId id="289" r:id="rId12"/>
-    <p:sldId id="292" r:id="rId13"/>
-    <p:sldId id="293" r:id="rId14"/>
-    <p:sldId id="294" r:id="rId15"/>
-    <p:sldId id="295" r:id="rId16"/>
-    <p:sldId id="296" r:id="rId17"/>
-    <p:sldId id="291" r:id="rId18"/>
-    <p:sldId id="297" r:id="rId19"/>
-    <p:sldId id="259" r:id="rId20"/>
-    <p:sldId id="258" r:id="rId21"/>
-    <p:sldId id="264" r:id="rId22"/>
-    <p:sldId id="260" r:id="rId23"/>
-    <p:sldId id="263" r:id="rId24"/>
-    <p:sldId id="266" r:id="rId25"/>
-    <p:sldId id="267" r:id="rId26"/>
-    <p:sldId id="256" r:id="rId27"/>
-    <p:sldId id="257" r:id="rId28"/>
-    <p:sldId id="282" r:id="rId29"/>
-    <p:sldId id="283" r:id="rId30"/>
-    <p:sldId id="265" r:id="rId31"/>
-    <p:sldId id="276" r:id="rId32"/>
-    <p:sldId id="272" r:id="rId33"/>
-    <p:sldId id="273" r:id="rId34"/>
-    <p:sldId id="284" r:id="rId35"/>
-    <p:sldId id="275" r:id="rId36"/>
-    <p:sldId id="269" r:id="rId37"/>
-    <p:sldId id="270" r:id="rId38"/>
-    <p:sldId id="271" r:id="rId39"/>
-    <p:sldId id="277" r:id="rId40"/>
-    <p:sldId id="279" r:id="rId41"/>
-    <p:sldId id="278" r:id="rId42"/>
-    <p:sldId id="301" r:id="rId43"/>
-    <p:sldId id="311" r:id="rId44"/>
-    <p:sldId id="307" r:id="rId45"/>
-    <p:sldId id="312" r:id="rId46"/>
-    <p:sldId id="313" r:id="rId47"/>
-    <p:sldId id="314" r:id="rId48"/>
-    <p:sldId id="306" r:id="rId49"/>
-    <p:sldId id="305" r:id="rId50"/>
-    <p:sldId id="303" r:id="rId51"/>
-    <p:sldId id="302" r:id="rId52"/>
+    <p:sldId id="316" r:id="rId6"/>
+    <p:sldId id="299" r:id="rId7"/>
+    <p:sldId id="285" r:id="rId8"/>
+    <p:sldId id="286" r:id="rId9"/>
+    <p:sldId id="287" r:id="rId10"/>
+    <p:sldId id="298" r:id="rId11"/>
+    <p:sldId id="288" r:id="rId12"/>
+    <p:sldId id="289" r:id="rId13"/>
+    <p:sldId id="292" r:id="rId14"/>
+    <p:sldId id="293" r:id="rId15"/>
+    <p:sldId id="294" r:id="rId16"/>
+    <p:sldId id="295" r:id="rId17"/>
+    <p:sldId id="296" r:id="rId18"/>
+    <p:sldId id="291" r:id="rId19"/>
+    <p:sldId id="297" r:id="rId20"/>
+    <p:sldId id="259" r:id="rId21"/>
+    <p:sldId id="258" r:id="rId22"/>
+    <p:sldId id="264" r:id="rId23"/>
+    <p:sldId id="260" r:id="rId24"/>
+    <p:sldId id="263" r:id="rId25"/>
+    <p:sldId id="266" r:id="rId26"/>
+    <p:sldId id="267" r:id="rId27"/>
+    <p:sldId id="256" r:id="rId28"/>
+    <p:sldId id="257" r:id="rId29"/>
+    <p:sldId id="282" r:id="rId30"/>
+    <p:sldId id="283" r:id="rId31"/>
+    <p:sldId id="265" r:id="rId32"/>
+    <p:sldId id="276" r:id="rId33"/>
+    <p:sldId id="272" r:id="rId34"/>
+    <p:sldId id="273" r:id="rId35"/>
+    <p:sldId id="284" r:id="rId36"/>
+    <p:sldId id="275" r:id="rId37"/>
+    <p:sldId id="269" r:id="rId38"/>
+    <p:sldId id="270" r:id="rId39"/>
+    <p:sldId id="271" r:id="rId40"/>
+    <p:sldId id="277" r:id="rId41"/>
+    <p:sldId id="279" r:id="rId42"/>
+    <p:sldId id="278" r:id="rId43"/>
+    <p:sldId id="301" r:id="rId44"/>
+    <p:sldId id="311" r:id="rId45"/>
+    <p:sldId id="307" r:id="rId46"/>
+    <p:sldId id="312" r:id="rId47"/>
+    <p:sldId id="313" r:id="rId48"/>
+    <p:sldId id="314" r:id="rId49"/>
+    <p:sldId id="306" r:id="rId50"/>
+    <p:sldId id="305" r:id="rId51"/>
+    <p:sldId id="303" r:id="rId52"/>
+    <p:sldId id="302" r:id="rId53"/>
   </p:sldIdLst>
   <p:sldSz cx="12192000" cy="6858000"/>
   <p:notesSz cx="6858000" cy="9144000"/>
@@ -170,6 +171,11 @@
           <p14:sldIdLst>
             <p14:sldId id="315"/>
             <p14:sldId id="261"/>
+          </p14:sldIdLst>
+        </p14:section>
+        <p14:section name="Redis" id="{90F7D580-AFFF-431C-B8B3-3C0F56EBEE83}">
+          <p14:sldIdLst>
+            <p14:sldId id="316"/>
             <p14:sldId id="299"/>
             <p14:sldId id="285"/>
             <p14:sldId id="286"/>
@@ -353,7 +359,7 @@
           <a:p>
             <a:fld id="{09204D5E-80CA-44E6-9838-6D2C437BFBFD}" type="datetimeFigureOut">
               <a:rPr lang="en-US" smtClean="0"/>
-              <a:t>3/19/2016</a:t>
+              <a:t>3/23/2016</a:t>
             </a:fld>
             <a:endParaRPr lang="en-US"/>
           </a:p>
@@ -769,7 +775,7 @@
           <a:p>
             <a:fld id="{A8728570-A238-4228-9102-6BFA6D1FEED5}" type="slidenum">
               <a:rPr lang="en-US" smtClean="0"/>
-              <a:t>15</a:t>
+              <a:t>16</a:t>
             </a:fld>
             <a:endParaRPr lang="en-US"/>
           </a:p>
@@ -853,7 +859,7 @@
           <a:p>
             <a:fld id="{A8728570-A238-4228-9102-6BFA6D1FEED5}" type="slidenum">
               <a:rPr lang="en-US" smtClean="0"/>
-              <a:t>16</a:t>
+              <a:t>17</a:t>
             </a:fld>
             <a:endParaRPr lang="en-US"/>
           </a:p>
@@ -937,7 +943,7 @@
           <a:p>
             <a:fld id="{A8728570-A238-4228-9102-6BFA6D1FEED5}" type="slidenum">
               <a:rPr lang="en-US" smtClean="0"/>
-              <a:t>17</a:t>
+              <a:t>18</a:t>
             </a:fld>
             <a:endParaRPr lang="en-US"/>
           </a:p>
@@ -1135,7 +1141,7 @@
           <a:p>
             <a:fld id="{A8728570-A238-4228-9102-6BFA6D1FEED5}" type="slidenum">
               <a:rPr lang="en-US" smtClean="0"/>
-              <a:t>6</a:t>
+              <a:t>7</a:t>
             </a:fld>
             <a:endParaRPr lang="en-US"/>
           </a:p>
@@ -1225,7 +1231,7 @@
           <a:p>
             <a:fld id="{A8728570-A238-4228-9102-6BFA6D1FEED5}" type="slidenum">
               <a:rPr lang="en-US" smtClean="0"/>
-              <a:t>7</a:t>
+              <a:t>8</a:t>
             </a:fld>
             <a:endParaRPr lang="en-US"/>
           </a:p>
@@ -1521,7 +1527,7 @@
           <a:p>
             <a:fld id="{A8728570-A238-4228-9102-6BFA6D1FEED5}" type="slidenum">
               <a:rPr lang="en-US" smtClean="0"/>
-              <a:t>8</a:t>
+              <a:t>9</a:t>
             </a:fld>
             <a:endParaRPr lang="en-US"/>
           </a:p>
@@ -1725,7 +1731,7 @@
           <a:p>
             <a:fld id="{A8728570-A238-4228-9102-6BFA6D1FEED5}" type="slidenum">
               <a:rPr lang="en-US" smtClean="0"/>
-              <a:t>10</a:t>
+              <a:t>11</a:t>
             </a:fld>
             <a:endParaRPr lang="en-US"/>
           </a:p>
@@ -1809,7 +1815,7 @@
           <a:p>
             <a:fld id="{A8728570-A238-4228-9102-6BFA6D1FEED5}" type="slidenum">
               <a:rPr lang="en-US" smtClean="0"/>
-              <a:t>12</a:t>
+              <a:t>13</a:t>
             </a:fld>
             <a:endParaRPr lang="en-US"/>
           </a:p>
@@ -1893,7 +1899,7 @@
           <a:p>
             <a:fld id="{A8728570-A238-4228-9102-6BFA6D1FEED5}" type="slidenum">
               <a:rPr lang="en-US" smtClean="0"/>
-              <a:t>13</a:t>
+              <a:t>14</a:t>
             </a:fld>
             <a:endParaRPr lang="en-US"/>
           </a:p>
@@ -1977,7 +1983,7 @@
           <a:p>
             <a:fld id="{4FC5875F-864E-904A-9895-73A722910F05}" type="slidenum">
               <a:rPr lang="en-US" smtClean="0"/>
-              <a:t>14</a:t>
+              <a:t>15</a:t>
             </a:fld>
             <a:endParaRPr lang="en-US"/>
           </a:p>
@@ -2127,7 +2133,7 @@
           <a:p>
             <a:fld id="{7D161F0C-C389-4F4C-A9F9-4D86F194D20A}" type="datetimeFigureOut">
               <a:rPr lang="en-US" smtClean="0"/>
-              <a:t>3/19/2016</a:t>
+              <a:t>3/23/2016</a:t>
             </a:fld>
             <a:endParaRPr lang="en-US"/>
           </a:p>
@@ -2297,7 +2303,7 @@
           <a:p>
             <a:fld id="{7D161F0C-C389-4F4C-A9F9-4D86F194D20A}" type="datetimeFigureOut">
               <a:rPr lang="en-US" smtClean="0"/>
-              <a:t>3/19/2016</a:t>
+              <a:t>3/23/2016</a:t>
             </a:fld>
             <a:endParaRPr lang="en-US"/>
           </a:p>
@@ -2477,7 +2483,7 @@
           <a:p>
             <a:fld id="{7D161F0C-C389-4F4C-A9F9-4D86F194D20A}" type="datetimeFigureOut">
               <a:rPr lang="en-US" smtClean="0"/>
-              <a:t>3/19/2016</a:t>
+              <a:t>3/23/2016</a:t>
             </a:fld>
             <a:endParaRPr lang="en-US"/>
           </a:p>
@@ -2647,7 +2653,7 @@
           <a:p>
             <a:fld id="{7D161F0C-C389-4F4C-A9F9-4D86F194D20A}" type="datetimeFigureOut">
               <a:rPr lang="en-US" smtClean="0"/>
-              <a:t>3/19/2016</a:t>
+              <a:t>3/23/2016</a:t>
             </a:fld>
             <a:endParaRPr lang="en-US"/>
           </a:p>
@@ -2893,7 +2899,7 @@
           <a:p>
             <a:fld id="{7D161F0C-C389-4F4C-A9F9-4D86F194D20A}" type="datetimeFigureOut">
               <a:rPr lang="en-US" smtClean="0"/>
-              <a:t>3/19/2016</a:t>
+              <a:t>3/23/2016</a:t>
             </a:fld>
             <a:endParaRPr lang="en-US"/>
           </a:p>
@@ -3125,7 +3131,7 @@
           <a:p>
             <a:fld id="{7D161F0C-C389-4F4C-A9F9-4D86F194D20A}" type="datetimeFigureOut">
               <a:rPr lang="en-US" smtClean="0"/>
-              <a:t>3/19/2016</a:t>
+              <a:t>3/23/2016</a:t>
             </a:fld>
             <a:endParaRPr lang="en-US"/>
           </a:p>
@@ -3492,7 +3498,7 @@
           <a:p>
             <a:fld id="{7D161F0C-C389-4F4C-A9F9-4D86F194D20A}" type="datetimeFigureOut">
               <a:rPr lang="en-US" smtClean="0"/>
-              <a:t>3/19/2016</a:t>
+              <a:t>3/23/2016</a:t>
             </a:fld>
             <a:endParaRPr lang="en-US"/>
           </a:p>
@@ -3610,7 +3616,7 @@
           <a:p>
             <a:fld id="{7D161F0C-C389-4F4C-A9F9-4D86F194D20A}" type="datetimeFigureOut">
               <a:rPr lang="en-US" smtClean="0"/>
-              <a:t>3/19/2016</a:t>
+              <a:t>3/23/2016</a:t>
             </a:fld>
             <a:endParaRPr lang="en-US"/>
           </a:p>
@@ -3705,7 +3711,7 @@
           <a:p>
             <a:fld id="{7D161F0C-C389-4F4C-A9F9-4D86F194D20A}" type="datetimeFigureOut">
               <a:rPr lang="en-US" smtClean="0"/>
-              <a:t>3/19/2016</a:t>
+              <a:t>3/23/2016</a:t>
             </a:fld>
             <a:endParaRPr lang="en-US"/>
           </a:p>
@@ -3982,7 +3988,7 @@
           <a:p>
             <a:fld id="{7D161F0C-C389-4F4C-A9F9-4D86F194D20A}" type="datetimeFigureOut">
               <a:rPr lang="en-US" smtClean="0"/>
-              <a:t>3/19/2016</a:t>
+              <a:t>3/23/2016</a:t>
             </a:fld>
             <a:endParaRPr lang="en-US"/>
           </a:p>
@@ -4239,7 +4245,7 @@
           <a:p>
             <a:fld id="{7D161F0C-C389-4F4C-A9F9-4D86F194D20A}" type="datetimeFigureOut">
               <a:rPr lang="en-US" smtClean="0"/>
-              <a:t>3/19/2016</a:t>
+              <a:t>3/23/2016</a:t>
             </a:fld>
             <a:endParaRPr lang="en-US"/>
           </a:p>
@@ -4452,7 +4458,7 @@
           <a:p>
             <a:fld id="{7D161F0C-C389-4F4C-A9F9-4D86F194D20A}" type="datetimeFigureOut">
               <a:rPr lang="en-US" smtClean="0"/>
-              <a:t>3/19/2016</a:t>
+              <a:t>3/23/2016</a:t>
             </a:fld>
             <a:endParaRPr lang="en-US"/>
           </a:p>
@@ -4933,6 +4939,216 @@
       </p:grpSpPr>
       <p:sp>
         <p:nvSpPr>
+          <p:cNvPr id="5" name="Oval 4"/>
+          <p:cNvSpPr/>
+          <p:nvPr/>
+        </p:nvSpPr>
+        <p:spPr>
+          <a:xfrm>
+            <a:off x="1828800" y="762000"/>
+            <a:ext cx="8458200" cy="5791200"/>
+          </a:xfrm>
+          <a:prstGeom prst="ellipse">
+            <a:avLst/>
+          </a:prstGeom>
+          <a:solidFill>
+            <a:schemeClr val="accent4">
+              <a:lumMod val="60000"/>
+              <a:lumOff val="40000"/>
+            </a:schemeClr>
+          </a:solidFill>
+        </p:spPr>
+        <p:style>
+          <a:lnRef idx="1">
+            <a:schemeClr val="accent1"/>
+          </a:lnRef>
+          <a:fillRef idx="3">
+            <a:schemeClr val="accent1"/>
+          </a:fillRef>
+          <a:effectRef idx="2">
+            <a:schemeClr val="accent1"/>
+          </a:effectRef>
+          <a:fontRef idx="minor">
+            <a:schemeClr val="lt1"/>
+          </a:fontRef>
+        </p:style>
+        <p:txBody>
+          <a:bodyPr rtlCol="0" anchor="t" anchorCtr="0"/>
+          <a:lstStyle/>
+          <a:p>
+            <a:pPr algn="ctr"/>
+            <a:r>
+              <a:rPr lang="en-US" sz="3600" dirty="0">
+                <a:solidFill>
+                  <a:schemeClr val="bg1"/>
+                </a:solidFill>
+              </a:rPr>
+              <a:t>All Databases</a:t>
+            </a:r>
+          </a:p>
+        </p:txBody>
+      </p:sp>
+      <p:sp>
+        <p:nvSpPr>
+          <p:cNvPr id="4" name="Oval 3"/>
+          <p:cNvSpPr/>
+          <p:nvPr/>
+        </p:nvSpPr>
+        <p:spPr>
+          <a:xfrm>
+            <a:off x="2438400" y="2362200"/>
+            <a:ext cx="3276600" cy="3200400"/>
+          </a:xfrm>
+          <a:prstGeom prst="ellipse">
+            <a:avLst/>
+          </a:prstGeom>
+        </p:spPr>
+        <p:style>
+          <a:lnRef idx="1">
+            <a:schemeClr val="accent1"/>
+          </a:lnRef>
+          <a:fillRef idx="3">
+            <a:schemeClr val="accent1"/>
+          </a:fillRef>
+          <a:effectRef idx="2">
+            <a:schemeClr val="accent1"/>
+          </a:effectRef>
+          <a:fontRef idx="minor">
+            <a:schemeClr val="lt1"/>
+          </a:fontRef>
+        </p:style>
+        <p:txBody>
+          <a:bodyPr rtlCol="0" anchor="ctr"/>
+          <a:lstStyle/>
+          <a:p>
+            <a:pPr algn="ctr"/>
+            <a:r>
+              <a:rPr lang="en-US" sz="2800" dirty="0">
+                <a:solidFill>
+                  <a:schemeClr val="accent3"/>
+                </a:solidFill>
+              </a:rPr>
+              <a:t>Relational Databases </a:t>
+            </a:r>
+            <a:r>
+              <a:rPr lang="en-US" dirty="0"/>
+              <a:t>(Oracle, </a:t>
+            </a:r>
+            <a:r>
+              <a:rPr lang="en-US" dirty="0" err="1"/>
+              <a:t>mySQL</a:t>
+            </a:r>
+            <a:r>
+              <a:rPr lang="en-US" dirty="0"/>
+              <a:t>, </a:t>
+            </a:r>
+            <a:r>
+              <a:rPr lang="en-US" dirty="0" err="1"/>
+              <a:t>Postgres</a:t>
+            </a:r>
+            <a:r>
+              <a:rPr lang="en-US" dirty="0"/>
+              <a:t>, SQL Server)</a:t>
+            </a:r>
+          </a:p>
+        </p:txBody>
+      </p:sp>
+      <p:sp>
+        <p:nvSpPr>
+          <p:cNvPr id="6" name="Oval 5"/>
+          <p:cNvSpPr/>
+          <p:nvPr/>
+        </p:nvSpPr>
+        <p:spPr>
+          <a:xfrm>
+            <a:off x="6019800" y="2438400"/>
+            <a:ext cx="3276600" cy="3124200"/>
+          </a:xfrm>
+          <a:prstGeom prst="ellipse">
+            <a:avLst/>
+          </a:prstGeom>
+        </p:spPr>
+        <p:style>
+          <a:lnRef idx="1">
+            <a:schemeClr val="accent1"/>
+          </a:lnRef>
+          <a:fillRef idx="3">
+            <a:schemeClr val="accent1"/>
+          </a:fillRef>
+          <a:effectRef idx="2">
+            <a:schemeClr val="accent1"/>
+          </a:effectRef>
+          <a:fontRef idx="minor">
+            <a:schemeClr val="lt1"/>
+          </a:fontRef>
+        </p:style>
+        <p:txBody>
+          <a:bodyPr rtlCol="0" anchor="ctr"/>
+          <a:lstStyle/>
+          <a:p>
+            <a:pPr algn="ctr"/>
+            <a:r>
+              <a:rPr lang="en-US" sz="2800" dirty="0">
+                <a:solidFill>
+                  <a:schemeClr val="accent3"/>
+                </a:solidFill>
+              </a:rPr>
+              <a:t>NoSQL</a:t>
+            </a:r>
+            <a:br>
+              <a:rPr lang="en-US" sz="2800" dirty="0">
+                <a:solidFill>
+                  <a:schemeClr val="accent3"/>
+                </a:solidFill>
+              </a:rPr>
+            </a:br>
+            <a:r>
+              <a:rPr lang="en-US" dirty="0"/>
+              <a:t>(MongoDB, Redis, Neo4J, Cassandra, </a:t>
+            </a:r>
+            <a:r>
+              <a:rPr lang="en-US" dirty="0" err="1"/>
+              <a:t>Hbase</a:t>
+            </a:r>
+            <a:r>
+              <a:rPr lang="en-US" dirty="0"/>
+              <a:t>)</a:t>
+            </a:r>
+          </a:p>
+        </p:txBody>
+      </p:sp>
+    </p:spTree>
+    <p:extLst>
+      <p:ext uri="{BB962C8B-B14F-4D97-AF65-F5344CB8AC3E}">
+        <p14:creationId xmlns:p14="http://schemas.microsoft.com/office/powerpoint/2010/main" val="349950768"/>
+      </p:ext>
+    </p:extLst>
+  </p:cSld>
+  <p:clrMapOvr>
+    <a:masterClrMapping/>
+  </p:clrMapOvr>
+</p:sld>
+</file>
+
+<file path=ppt/slides/slide11.xml><?xml version="1.0" encoding="utf-8"?>
+<p:sld xmlns:a="http://schemas.openxmlformats.org/drawingml/2006/main" xmlns:r="http://schemas.openxmlformats.org/officeDocument/2006/relationships" xmlns:p="http://schemas.openxmlformats.org/presentationml/2006/main">
+  <p:cSld>
+    <p:spTree>
+      <p:nvGrpSpPr>
+        <p:cNvPr id="1" name=""/>
+        <p:cNvGrpSpPr/>
+        <p:nvPr/>
+      </p:nvGrpSpPr>
+      <p:grpSpPr>
+        <a:xfrm>
+          <a:off x="0" y="0"/>
+          <a:ext cx="0" cy="0"/>
+          <a:chOff x="0" y="0"/>
+          <a:chExt cx="0" cy="0"/>
+        </a:xfrm>
+      </p:grpSpPr>
+      <p:sp>
+        <p:nvSpPr>
           <p:cNvPr id="4" name="TextBox 3"/>
           <p:cNvSpPr txBox="1"/>
           <p:nvPr/>
@@ -5214,7 +5430,7 @@
 </p:sld>
 </file>
 
-<file path=ppt/slides/slide11.xml><?xml version="1.0" encoding="utf-8"?>
+<file path=ppt/slides/slide12.xml><?xml version="1.0" encoding="utf-8"?>
 <p:sld xmlns:a="http://schemas.openxmlformats.org/drawingml/2006/main" xmlns:r="http://schemas.openxmlformats.org/officeDocument/2006/relationships" xmlns:p="http://schemas.openxmlformats.org/presentationml/2006/main">
   <p:cSld>
     <p:spTree>
@@ -6101,7 +6317,7 @@
 </p:sld>
 </file>
 
-<file path=ppt/slides/slide12.xml><?xml version="1.0" encoding="utf-8"?>
+<file path=ppt/slides/slide13.xml><?xml version="1.0" encoding="utf-8"?>
 <p:sld xmlns:a="http://schemas.openxmlformats.org/drawingml/2006/main" xmlns:r="http://schemas.openxmlformats.org/officeDocument/2006/relationships" xmlns:p="http://schemas.openxmlformats.org/presentationml/2006/main">
   <p:cSld>
     <p:spTree>
@@ -6200,7 +6416,7 @@
 </p:sld>
 </file>
 
-<file path=ppt/slides/slide13.xml><?xml version="1.0" encoding="utf-8"?>
+<file path=ppt/slides/slide14.xml><?xml version="1.0" encoding="utf-8"?>
 <p:sld xmlns:a="http://schemas.openxmlformats.org/drawingml/2006/main" xmlns:r="http://schemas.openxmlformats.org/officeDocument/2006/relationships" xmlns:p="http://schemas.openxmlformats.org/presentationml/2006/main">
   <p:cSld>
     <p:spTree>
@@ -6296,7 +6512,7 @@
 </p:sld>
 </file>
 
-<file path=ppt/slides/slide14.xml><?xml version="1.0" encoding="utf-8"?>
+<file path=ppt/slides/slide15.xml><?xml version="1.0" encoding="utf-8"?>
 <p:sld xmlns:a="http://schemas.openxmlformats.org/drawingml/2006/main" xmlns:r="http://schemas.openxmlformats.org/officeDocument/2006/relationships" xmlns:p="http://schemas.openxmlformats.org/presentationml/2006/main">
   <p:cSld>
     <p:spTree>
@@ -6392,14 +6608,14 @@
           </a:effectLst>
           <a:extLst>
             <a:ext uri="{909E8E84-426E-40dd-AFC4-6F175D3DCCD1}">
-              <a14:hiddenFill xmlns="" xmlns:a14="http://schemas.microsoft.com/office/drawing/2010/main">
+              <a14:hiddenFill xmlns:a14="http://schemas.microsoft.com/office/drawing/2010/main" xmlns="">
                 <a:solidFill>
                   <a:schemeClr val="accent1"/>
                 </a:solidFill>
               </a14:hiddenFill>
             </a:ext>
             <a:ext uri="{91240B29-F687-4f45-9708-019B960494DF}">
-              <a14:hiddenLine xmlns="" xmlns:a14="http://schemas.microsoft.com/office/drawing/2010/main" w="9525">
+              <a14:hiddenLine xmlns:a14="http://schemas.microsoft.com/office/drawing/2010/main" xmlns="" w="9525">
                 <a:solidFill>
                   <a:schemeClr val="tx1"/>
                 </a:solidFill>
@@ -6424,7 +6640,7 @@
 </p:sld>
 </file>
 
-<file path=ppt/slides/slide15.xml><?xml version="1.0" encoding="utf-8"?>
+<file path=ppt/slides/slide16.xml><?xml version="1.0" encoding="utf-8"?>
 <p:sld xmlns:a="http://schemas.openxmlformats.org/drawingml/2006/main" xmlns:r="http://schemas.openxmlformats.org/officeDocument/2006/relationships" xmlns:p="http://schemas.openxmlformats.org/presentationml/2006/main">
   <p:cSld>
     <p:spTree>
@@ -6618,7 +6834,7 @@
 </p:sld>
 </file>
 
-<file path=ppt/slides/slide16.xml><?xml version="1.0" encoding="utf-8"?>
+<file path=ppt/slides/slide17.xml><?xml version="1.0" encoding="utf-8"?>
 <p:sld xmlns:a="http://schemas.openxmlformats.org/drawingml/2006/main" xmlns:r="http://schemas.openxmlformats.org/officeDocument/2006/relationships" xmlns:p="http://schemas.openxmlformats.org/presentationml/2006/main">
   <p:cSld>
     <p:spTree>
@@ -6842,7 +7058,7 @@
 </p:sld>
 </file>
 
-<file path=ppt/slides/slide17.xml><?xml version="1.0" encoding="utf-8"?>
+<file path=ppt/slides/slide18.xml><?xml version="1.0" encoding="utf-8"?>
 <p:sld xmlns:a="http://schemas.openxmlformats.org/drawingml/2006/main" xmlns:r="http://schemas.openxmlformats.org/officeDocument/2006/relationships" xmlns:p="http://schemas.openxmlformats.org/presentationml/2006/main">
   <p:cSld>
     <p:spTree>
@@ -6894,14 +7110,14 @@
           </a:ln>
           <a:extLst>
             <a:ext uri="{909E8E84-426E-40dd-AFC4-6F175D3DCCD1}">
-              <a14:hiddenFill xmlns="" xmlns:a14="http://schemas.microsoft.com/office/drawing/2010/main">
+              <a14:hiddenFill xmlns:a14="http://schemas.microsoft.com/office/drawing/2010/main" xmlns="">
                 <a:solidFill>
                   <a:schemeClr val="accent1"/>
                 </a:solidFill>
               </a14:hiddenFill>
             </a:ext>
             <a:ext uri="{91240B29-F687-4f45-9708-019B960494DF}">
-              <a14:hiddenLine xmlns="" xmlns:a14="http://schemas.microsoft.com/office/drawing/2010/main" w="9525">
+              <a14:hiddenLine xmlns:a14="http://schemas.microsoft.com/office/drawing/2010/main" xmlns="" w="9525">
                 <a:solidFill>
                   <a:schemeClr val="tx1"/>
                 </a:solidFill>
@@ -7000,7 +7216,7 @@
 </p:sld>
 </file>
 
-<file path=ppt/slides/slide18.xml><?xml version="1.0" encoding="utf-8"?>
+<file path=ppt/slides/slide19.xml><?xml version="1.0" encoding="utf-8"?>
 <p:sld xmlns:a="http://schemas.openxmlformats.org/drawingml/2006/main" xmlns:r="http://schemas.openxmlformats.org/officeDocument/2006/relationships" xmlns:p="http://schemas.openxmlformats.org/presentationml/2006/main">
   <p:cSld>
     <p:spTree>
@@ -7243,91 +7459,6 @@
     <p:extLst>
       <p:ext uri="{BB962C8B-B14F-4D97-AF65-F5344CB8AC3E}">
         <p14:creationId xmlns:p14="http://schemas.microsoft.com/office/powerpoint/2010/main" val="1757116445"/>
-      </p:ext>
-    </p:extLst>
-  </p:cSld>
-  <p:clrMapOvr>
-    <a:masterClrMapping/>
-  </p:clrMapOvr>
-</p:sld>
-</file>
-
-<file path=ppt/slides/slide19.xml><?xml version="1.0" encoding="utf-8"?>
-<p:sld xmlns:a="http://schemas.openxmlformats.org/drawingml/2006/main" xmlns:r="http://schemas.openxmlformats.org/officeDocument/2006/relationships" xmlns:p="http://schemas.openxmlformats.org/presentationml/2006/main">
-  <p:cSld>
-    <p:spTree>
-      <p:nvGrpSpPr>
-        <p:cNvPr id="1" name=""/>
-        <p:cNvGrpSpPr/>
-        <p:nvPr/>
-      </p:nvGrpSpPr>
-      <p:grpSpPr>
-        <a:xfrm>
-          <a:off x="0" y="0"/>
-          <a:ext cx="0" cy="0"/>
-          <a:chOff x="0" y="0"/>
-          <a:chExt cx="0" cy="0"/>
-        </a:xfrm>
-      </p:grpSpPr>
-      <p:sp>
-        <p:nvSpPr>
-          <p:cNvPr id="2" name="Title 1"/>
-          <p:cNvSpPr>
-            <a:spLocks noGrp="1"/>
-          </p:cNvSpPr>
-          <p:nvPr>
-            <p:ph type="title"/>
-          </p:nvPr>
-        </p:nvSpPr>
-        <p:spPr/>
-        <p:txBody>
-          <a:bodyPr/>
-          <a:lstStyle/>
-          <a:p>
-            <a:r>
-              <a:rPr lang="en-US" dirty="0"/>
-              <a:t>Some stuff about history part 2</a:t>
-            </a:r>
-          </a:p>
-        </p:txBody>
-      </p:sp>
-      <p:sp>
-        <p:nvSpPr>
-          <p:cNvPr id="7" name="TextBox 6"/>
-          <p:cNvSpPr txBox="1"/>
-          <p:nvPr/>
-        </p:nvSpPr>
-        <p:spPr>
-          <a:xfrm>
-            <a:off x="2928395" y="2870522"/>
-            <a:ext cx="2609561" cy="369332"/>
-          </a:xfrm>
-          <a:prstGeom prst="rect">
-            <a:avLst/>
-          </a:prstGeom>
-          <a:noFill/>
-        </p:spPr>
-        <p:txBody>
-          <a:bodyPr wrap="none" rtlCol="0">
-            <a:spAutoFit/>
-          </a:bodyPr>
-          <a:lstStyle/>
-          <a:p>
-            <a:r>
-              <a:rPr lang="en-US" dirty="0" err="1"/>
-              <a:t>noSQL</a:t>
-            </a:r>
-            <a:r>
-              <a:rPr lang="en-US" dirty="0"/>
-              <a:t> history in one slide</a:t>
-            </a:r>
-          </a:p>
-        </p:txBody>
-      </p:sp>
-    </p:spTree>
-    <p:extLst>
-      <p:ext uri="{BB962C8B-B14F-4D97-AF65-F5344CB8AC3E}">
-        <p14:creationId xmlns:p14="http://schemas.microsoft.com/office/powerpoint/2010/main" val="1321359149"/>
       </p:ext>
     </p:extLst>
   </p:cSld>
@@ -7817,6 +7948,91 @@
       </p:grpSpPr>
       <p:sp>
         <p:nvSpPr>
+          <p:cNvPr id="2" name="Title 1"/>
+          <p:cNvSpPr>
+            <a:spLocks noGrp="1"/>
+          </p:cNvSpPr>
+          <p:nvPr>
+            <p:ph type="title"/>
+          </p:nvPr>
+        </p:nvSpPr>
+        <p:spPr/>
+        <p:txBody>
+          <a:bodyPr/>
+          <a:lstStyle/>
+          <a:p>
+            <a:r>
+              <a:rPr lang="en-US" dirty="0"/>
+              <a:t>Some stuff about history part 2</a:t>
+            </a:r>
+          </a:p>
+        </p:txBody>
+      </p:sp>
+      <p:sp>
+        <p:nvSpPr>
+          <p:cNvPr id="7" name="TextBox 6"/>
+          <p:cNvSpPr txBox="1"/>
+          <p:nvPr/>
+        </p:nvSpPr>
+        <p:spPr>
+          <a:xfrm>
+            <a:off x="2928395" y="2870522"/>
+            <a:ext cx="2609561" cy="369332"/>
+          </a:xfrm>
+          <a:prstGeom prst="rect">
+            <a:avLst/>
+          </a:prstGeom>
+          <a:noFill/>
+        </p:spPr>
+        <p:txBody>
+          <a:bodyPr wrap="none" rtlCol="0">
+            <a:spAutoFit/>
+          </a:bodyPr>
+          <a:lstStyle/>
+          <a:p>
+            <a:r>
+              <a:rPr lang="en-US" dirty="0" err="1"/>
+              <a:t>noSQL</a:t>
+            </a:r>
+            <a:r>
+              <a:rPr lang="en-US" dirty="0"/>
+              <a:t> history in one slide</a:t>
+            </a:r>
+          </a:p>
+        </p:txBody>
+      </p:sp>
+    </p:spTree>
+    <p:extLst>
+      <p:ext uri="{BB962C8B-B14F-4D97-AF65-F5344CB8AC3E}">
+        <p14:creationId xmlns:p14="http://schemas.microsoft.com/office/powerpoint/2010/main" val="1321359149"/>
+      </p:ext>
+    </p:extLst>
+  </p:cSld>
+  <p:clrMapOvr>
+    <a:masterClrMapping/>
+  </p:clrMapOvr>
+</p:sld>
+</file>
+
+<file path=ppt/slides/slide21.xml><?xml version="1.0" encoding="utf-8"?>
+<p:sld xmlns:a="http://schemas.openxmlformats.org/drawingml/2006/main" xmlns:r="http://schemas.openxmlformats.org/officeDocument/2006/relationships" xmlns:p="http://schemas.openxmlformats.org/presentationml/2006/main">
+  <p:cSld>
+    <p:spTree>
+      <p:nvGrpSpPr>
+        <p:cNvPr id="1" name=""/>
+        <p:cNvGrpSpPr/>
+        <p:nvPr/>
+      </p:nvGrpSpPr>
+      <p:grpSpPr>
+        <a:xfrm>
+          <a:off x="0" y="0"/>
+          <a:ext cx="0" cy="0"/>
+          <a:chOff x="0" y="0"/>
+          <a:chExt cx="0" cy="0"/>
+        </a:xfrm>
+      </p:grpSpPr>
+      <p:sp>
+        <p:nvSpPr>
           <p:cNvPr id="3" name="Content Placeholder 2"/>
           <p:cNvSpPr>
             <a:spLocks noGrp="1"/>
@@ -7973,7 +8189,7 @@
 </p:sld>
 </file>
 
-<file path=ppt/slides/slide21.xml><?xml version="1.0" encoding="utf-8"?>
+<file path=ppt/slides/slide22.xml><?xml version="1.0" encoding="utf-8"?>
 <p:sld xmlns:a="http://schemas.openxmlformats.org/drawingml/2006/main" xmlns:r="http://schemas.openxmlformats.org/officeDocument/2006/relationships" xmlns:p="http://schemas.openxmlformats.org/presentationml/2006/main">
   <p:cSld>
     <p:spTree>
@@ -8482,264 +8698,6 @@
 </p:sld>
 </file>
 
-<file path=ppt/slides/slide22.xml><?xml version="1.0" encoding="utf-8"?>
-<p:sld xmlns:a="http://schemas.openxmlformats.org/drawingml/2006/main" xmlns:r="http://schemas.openxmlformats.org/officeDocument/2006/relationships" xmlns:p="http://schemas.openxmlformats.org/presentationml/2006/main">
-  <p:cSld>
-    <p:spTree>
-      <p:nvGrpSpPr>
-        <p:cNvPr id="1" name=""/>
-        <p:cNvGrpSpPr/>
-        <p:nvPr/>
-      </p:nvGrpSpPr>
-      <p:grpSpPr>
-        <a:xfrm>
-          <a:off x="0" y="0"/>
-          <a:ext cx="0" cy="0"/>
-          <a:chOff x="0" y="0"/>
-          <a:chExt cx="0" cy="0"/>
-        </a:xfrm>
-      </p:grpSpPr>
-      <p:sp>
-        <p:nvSpPr>
-          <p:cNvPr id="2" name="Title 1"/>
-          <p:cNvSpPr>
-            <a:spLocks noGrp="1"/>
-          </p:cNvSpPr>
-          <p:nvPr>
-            <p:ph type="title"/>
-          </p:nvPr>
-        </p:nvSpPr>
-        <p:spPr/>
-        <p:txBody>
-          <a:bodyPr>
-            <a:normAutofit fontScale="90000"/>
-          </a:bodyPr>
-          <a:lstStyle/>
-          <a:p>
-            <a:r>
-              <a:rPr lang="en-US" dirty="0"/>
-              <a:t>This is a talk mainly for developers, architects, or maybe just people who want to learn how to learn</a:t>
-            </a:r>
-          </a:p>
-        </p:txBody>
-      </p:sp>
-      <p:sp>
-        <p:nvSpPr>
-          <p:cNvPr id="4" name="TextBox 3"/>
-          <p:cNvSpPr txBox="1"/>
-          <p:nvPr/>
-        </p:nvSpPr>
-        <p:spPr>
-          <a:xfrm>
-            <a:off x="838200" y="1925368"/>
-            <a:ext cx="8943975" cy="923330"/>
-          </a:xfrm>
-          <a:prstGeom prst="rect">
-            <a:avLst/>
-          </a:prstGeom>
-          <a:noFill/>
-        </p:spPr>
-        <p:txBody>
-          <a:bodyPr wrap="square" rtlCol="0">
-            <a:spAutoFit/>
-          </a:bodyPr>
-          <a:lstStyle/>
-          <a:p>
-            <a:pPr marL="285750" indent="-285750">
-              <a:buFont typeface="Arial" panose="020B0604020202020204" pitchFamily="34" charset="0"/>
-              <a:buChar char="•"/>
-            </a:pPr>
-            <a:r>
-              <a:rPr lang="en-US" dirty="0"/>
-              <a:t>Let’s take a step back and look at the profession of developers.</a:t>
-            </a:r>
-          </a:p>
-          <a:p>
-            <a:pPr marL="285750" indent="-285750">
-              <a:buFont typeface="Arial" panose="020B0604020202020204" pitchFamily="34" charset="0"/>
-              <a:buChar char="•"/>
-            </a:pPr>
-            <a:r>
-              <a:rPr lang="en-US" dirty="0"/>
-              <a:t>Many of you senior </a:t>
-            </a:r>
-            <a:r>
-              <a:rPr lang="en-US" dirty="0" err="1"/>
-              <a:t>peoplealready</a:t>
-            </a:r>
-            <a:r>
-              <a:rPr lang="en-US" dirty="0"/>
-              <a:t> know this stuff, but when I was starting out I didn’t and I think its good material for junior developers </a:t>
-            </a:r>
-          </a:p>
-        </p:txBody>
-      </p:sp>
-      <p:sp>
-        <p:nvSpPr>
-          <p:cNvPr id="7" name="TextBox 6"/>
-          <p:cNvSpPr txBox="1"/>
-          <p:nvPr/>
-        </p:nvSpPr>
-        <p:spPr>
-          <a:xfrm>
-            <a:off x="3096330" y="3724312"/>
-            <a:ext cx="3438314" cy="1754326"/>
-          </a:xfrm>
-          <a:prstGeom prst="rect">
-            <a:avLst/>
-          </a:prstGeom>
-          <a:noFill/>
-        </p:spPr>
-        <p:txBody>
-          <a:bodyPr wrap="none" rtlCol="0">
-            <a:spAutoFit/>
-          </a:bodyPr>
-          <a:lstStyle/>
-          <a:p>
-            <a:r>
-              <a:rPr lang="en-US" dirty="0"/>
-              <a:t>Enterprise is typically (companies):</a:t>
-            </a:r>
-          </a:p>
-          <a:p>
-            <a:pPr marL="285750" indent="-285750">
-              <a:buFont typeface="Arial" panose="020B0604020202020204" pitchFamily="34" charset="0"/>
-              <a:buChar char="•"/>
-            </a:pPr>
-            <a:r>
-              <a:rPr lang="en-US" dirty="0"/>
-              <a:t>Brownfield developer</a:t>
-            </a:r>
-          </a:p>
-          <a:p>
-            <a:pPr marL="285750" indent="-285750">
-              <a:buFont typeface="Arial" panose="020B0604020202020204" pitchFamily="34" charset="0"/>
-              <a:buChar char="•"/>
-            </a:pPr>
-            <a:r>
-              <a:rPr lang="en-US" dirty="0"/>
-              <a:t>Single stack (somewhat rigid)</a:t>
-            </a:r>
-          </a:p>
-          <a:p>
-            <a:pPr marL="285750" indent="-285750">
-              <a:buFont typeface="Arial" panose="020B0604020202020204" pitchFamily="34" charset="0"/>
-              <a:buChar char="•"/>
-            </a:pPr>
-            <a:r>
-              <a:rPr lang="en-US" dirty="0"/>
-              <a:t>Typically Java or C# based stack</a:t>
-            </a:r>
-          </a:p>
-          <a:p>
-            <a:pPr marL="285750" indent="-285750">
-              <a:buFont typeface="Arial" panose="020B0604020202020204" pitchFamily="34" charset="0"/>
-              <a:buChar char="•"/>
-            </a:pPr>
-            <a:endParaRPr lang="en-US" dirty="0"/>
-          </a:p>
-          <a:p>
-            <a:pPr marL="285750" indent="-285750">
-              <a:buFont typeface="Arial" panose="020B0604020202020204" pitchFamily="34" charset="0"/>
-              <a:buChar char="•"/>
-            </a:pPr>
-            <a:endParaRPr lang="en-US" dirty="0"/>
-          </a:p>
-        </p:txBody>
-      </p:sp>
-      <p:sp>
-        <p:nvSpPr>
-          <p:cNvPr id="8" name="TextBox 7"/>
-          <p:cNvSpPr txBox="1"/>
-          <p:nvPr/>
-        </p:nvSpPr>
-        <p:spPr>
-          <a:xfrm>
-            <a:off x="6962775" y="3728084"/>
-            <a:ext cx="4870564" cy="2031325"/>
-          </a:xfrm>
-          <a:prstGeom prst="rect">
-            <a:avLst/>
-          </a:prstGeom>
-          <a:noFill/>
-        </p:spPr>
-        <p:txBody>
-          <a:bodyPr wrap="none" rtlCol="0">
-            <a:spAutoFit/>
-          </a:bodyPr>
-          <a:lstStyle/>
-          <a:p>
-            <a:r>
-              <a:rPr lang="en-US" dirty="0"/>
-              <a:t>Other is typically (startup, indie):</a:t>
-            </a:r>
-          </a:p>
-          <a:p>
-            <a:pPr marL="285750" indent="-285750">
-              <a:buFont typeface="Arial" panose="020B0604020202020204" pitchFamily="34" charset="0"/>
-              <a:buChar char="•"/>
-            </a:pPr>
-            <a:r>
-              <a:rPr lang="en-US" dirty="0"/>
-              <a:t>Greenfield developer</a:t>
-            </a:r>
-          </a:p>
-          <a:p>
-            <a:pPr marL="285750" indent="-285750">
-              <a:buFont typeface="Arial" panose="020B0604020202020204" pitchFamily="34" charset="0"/>
-              <a:buChar char="•"/>
-            </a:pPr>
-            <a:r>
-              <a:rPr lang="en-US" dirty="0"/>
-              <a:t>Maybe more than one stack (less rigid)</a:t>
-            </a:r>
-          </a:p>
-          <a:p>
-            <a:pPr marL="285750" indent="-285750">
-              <a:buFont typeface="Arial" panose="020B0604020202020204" pitchFamily="34" charset="0"/>
-              <a:buChar char="•"/>
-            </a:pPr>
-            <a:r>
-              <a:rPr lang="en-US" dirty="0"/>
-              <a:t>Usually tend to be alternative or hipster stacks </a:t>
-            </a:r>
-            <a:br>
-              <a:rPr lang="en-US" dirty="0"/>
-            </a:br>
-            <a:r>
-              <a:rPr lang="en-US" dirty="0"/>
-              <a:t>like Ruby or Node.js</a:t>
-            </a:r>
-          </a:p>
-          <a:p>
-            <a:pPr marL="285750" indent="-285750">
-              <a:buFont typeface="Arial" panose="020B0604020202020204" pitchFamily="34" charset="0"/>
-              <a:buChar char="•"/>
-            </a:pPr>
-            <a:endParaRPr lang="en-US" dirty="0"/>
-          </a:p>
-          <a:p>
-            <a:pPr marL="285750" indent="-285750">
-              <a:buFont typeface="Arial" panose="020B0604020202020204" pitchFamily="34" charset="0"/>
-              <a:buChar char="•"/>
-            </a:pPr>
-            <a:endParaRPr lang="en-US" dirty="0"/>
-          </a:p>
-        </p:txBody>
-      </p:sp>
-    </p:spTree>
-    <p:extLst>
-      <p:ext uri="{BB962C8B-B14F-4D97-AF65-F5344CB8AC3E}">
-        <p14:creationId xmlns:p14="http://schemas.microsoft.com/office/powerpoint/2010/main" val="232480852"/>
-      </p:ext>
-    </p:extLst>
-  </p:cSld>
-  <p:clrMapOvr>
-    <a:masterClrMapping/>
-  </p:clrMapOvr>
-</p:sld>
-</file>
-
 <file path=ppt/slides/slide23.xml><?xml version="1.0" encoding="utf-8"?>
 <p:sld xmlns:a="http://schemas.openxmlformats.org/drawingml/2006/main" xmlns:r="http://schemas.openxmlformats.org/officeDocument/2006/relationships" xmlns:p="http://schemas.openxmlformats.org/presentationml/2006/main">
   <p:cSld>
@@ -8759,48 +8717,7 @@
       </p:grpSpPr>
       <p:sp>
         <p:nvSpPr>
-          <p:cNvPr id="4" name="TextBox 3"/>
-          <p:cNvSpPr txBox="1"/>
-          <p:nvPr/>
-        </p:nvSpPr>
-        <p:spPr>
-          <a:xfrm>
-            <a:off x="1250065" y="1956122"/>
-            <a:ext cx="8461996" cy="923330"/>
-          </a:xfrm>
-          <a:prstGeom prst="rect">
-            <a:avLst/>
-          </a:prstGeom>
-          <a:noFill/>
-        </p:spPr>
-        <p:txBody>
-          <a:bodyPr wrap="none" rtlCol="0">
-            <a:spAutoFit/>
-          </a:bodyPr>
-          <a:lstStyle/>
-          <a:p>
-            <a:r>
-              <a:rPr lang="en-US" dirty="0"/>
-              <a:t>There is no such thing as a developer who does not understand databases at some level.</a:t>
-            </a:r>
-          </a:p>
-          <a:p>
-            <a:r>
-              <a:rPr lang="en-US" dirty="0"/>
-              <a:t>Things are changing.</a:t>
-            </a:r>
-          </a:p>
-          <a:p>
-            <a:r>
-              <a:rPr lang="en-US" dirty="0"/>
-              <a:t>That rigidity at the bottom of the stack is being tested…becoming more amorphous.</a:t>
-            </a:r>
-          </a:p>
-        </p:txBody>
-      </p:sp>
-      <p:sp>
-        <p:nvSpPr>
-          <p:cNvPr id="5" name="Title 4"/>
+          <p:cNvPr id="2" name="Title 1"/>
           <p:cNvSpPr>
             <a:spLocks noGrp="1"/>
           </p:cNvSpPr>
@@ -8808,27 +8725,228 @@
             <p:ph type="title"/>
           </p:nvPr>
         </p:nvSpPr>
+        <p:spPr/>
+        <p:txBody>
+          <a:bodyPr>
+            <a:normAutofit fontScale="90000"/>
+          </a:bodyPr>
+          <a:lstStyle/>
+          <a:p>
+            <a:r>
+              <a:rPr lang="en-US" dirty="0"/>
+              <a:t>This is a talk mainly for developers, architects, or maybe just people who want to learn how to learn</a:t>
+            </a:r>
+          </a:p>
+        </p:txBody>
+      </p:sp>
+      <p:sp>
+        <p:nvSpPr>
+          <p:cNvPr id="4" name="TextBox 3"/>
+          <p:cNvSpPr txBox="1"/>
+          <p:nvPr/>
+        </p:nvSpPr>
         <p:spPr>
           <a:xfrm>
-            <a:off x="838199" y="723941"/>
-            <a:ext cx="10515600" cy="1325563"/>
-          </a:xfrm>
+            <a:off x="838200" y="1925368"/>
+            <a:ext cx="8943975" cy="923330"/>
+          </a:xfrm>
+          <a:prstGeom prst="rect">
+            <a:avLst/>
+          </a:prstGeom>
+          <a:noFill/>
         </p:spPr>
         <p:txBody>
-          <a:bodyPr/>
-          <a:lstStyle/>
-          <a:p>
+          <a:bodyPr wrap="square" rtlCol="0">
+            <a:spAutoFit/>
+          </a:bodyPr>
+          <a:lstStyle/>
+          <a:p>
+            <a:pPr marL="285750" indent="-285750">
+              <a:buFont typeface="Arial" panose="020B0604020202020204" pitchFamily="34" charset="0"/>
+              <a:buChar char="•"/>
+            </a:pPr>
             <a:r>
               <a:rPr lang="en-US" dirty="0"/>
-              <a:t>Why do I care?</a:t>
-            </a:r>
+              <a:t>Let’s take a step back and look at the profession of developers.</a:t>
+            </a:r>
+          </a:p>
+          <a:p>
+            <a:pPr marL="285750" indent="-285750">
+              <a:buFont typeface="Arial" panose="020B0604020202020204" pitchFamily="34" charset="0"/>
+              <a:buChar char="•"/>
+            </a:pPr>
+            <a:r>
+              <a:rPr lang="en-US" dirty="0"/>
+              <a:t>Many of you senior </a:t>
+            </a:r>
+            <a:r>
+              <a:rPr lang="en-US" dirty="0" err="1"/>
+              <a:t>peoplealready</a:t>
+            </a:r>
+            <a:r>
+              <a:rPr lang="en-US" dirty="0"/>
+              <a:t> know this stuff, but when I was starting out I didn’t and I think its good material for junior developers </a:t>
+            </a:r>
+          </a:p>
+        </p:txBody>
+      </p:sp>
+      <p:sp>
+        <p:nvSpPr>
+          <p:cNvPr id="7" name="TextBox 6"/>
+          <p:cNvSpPr txBox="1"/>
+          <p:nvPr/>
+        </p:nvSpPr>
+        <p:spPr>
+          <a:xfrm>
+            <a:off x="3096330" y="3724312"/>
+            <a:ext cx="3438314" cy="1754326"/>
+          </a:xfrm>
+          <a:prstGeom prst="rect">
+            <a:avLst/>
+          </a:prstGeom>
+          <a:noFill/>
+        </p:spPr>
+        <p:txBody>
+          <a:bodyPr wrap="none" rtlCol="0">
+            <a:spAutoFit/>
+          </a:bodyPr>
+          <a:lstStyle/>
+          <a:p>
+            <a:r>
+              <a:rPr lang="en-US" dirty="0"/>
+              <a:t>Enterprise is typically (companies):</a:t>
+            </a:r>
+          </a:p>
+          <a:p>
+            <a:pPr marL="285750" indent="-285750">
+              <a:buFont typeface="Arial" panose="020B0604020202020204" pitchFamily="34" charset="0"/>
+              <a:buChar char="•"/>
+            </a:pPr>
+            <a:r>
+              <a:rPr lang="en-US" dirty="0"/>
+              <a:t>Brownfield developer</a:t>
+            </a:r>
+          </a:p>
+          <a:p>
+            <a:pPr marL="285750" indent="-285750">
+              <a:buFont typeface="Arial" panose="020B0604020202020204" pitchFamily="34" charset="0"/>
+              <a:buChar char="•"/>
+            </a:pPr>
+            <a:r>
+              <a:rPr lang="en-US" dirty="0"/>
+              <a:t>Single stack (somewhat rigid)</a:t>
+            </a:r>
+          </a:p>
+          <a:p>
+            <a:pPr marL="285750" indent="-285750">
+              <a:buFont typeface="Arial" panose="020B0604020202020204" pitchFamily="34" charset="0"/>
+              <a:buChar char="•"/>
+            </a:pPr>
+            <a:r>
+              <a:rPr lang="en-US" dirty="0"/>
+              <a:t>Typically Java or C# based stack</a:t>
+            </a:r>
+          </a:p>
+          <a:p>
+            <a:pPr marL="285750" indent="-285750">
+              <a:buFont typeface="Arial" panose="020B0604020202020204" pitchFamily="34" charset="0"/>
+              <a:buChar char="•"/>
+            </a:pPr>
+            <a:endParaRPr lang="en-US" dirty="0"/>
+          </a:p>
+          <a:p>
+            <a:pPr marL="285750" indent="-285750">
+              <a:buFont typeface="Arial" panose="020B0604020202020204" pitchFamily="34" charset="0"/>
+              <a:buChar char="•"/>
+            </a:pPr>
+            <a:endParaRPr lang="en-US" dirty="0"/>
+          </a:p>
+        </p:txBody>
+      </p:sp>
+      <p:sp>
+        <p:nvSpPr>
+          <p:cNvPr id="8" name="TextBox 7"/>
+          <p:cNvSpPr txBox="1"/>
+          <p:nvPr/>
+        </p:nvSpPr>
+        <p:spPr>
+          <a:xfrm>
+            <a:off x="6962775" y="3728084"/>
+            <a:ext cx="4870564" cy="2031325"/>
+          </a:xfrm>
+          <a:prstGeom prst="rect">
+            <a:avLst/>
+          </a:prstGeom>
+          <a:noFill/>
+        </p:spPr>
+        <p:txBody>
+          <a:bodyPr wrap="none" rtlCol="0">
+            <a:spAutoFit/>
+          </a:bodyPr>
+          <a:lstStyle/>
+          <a:p>
+            <a:r>
+              <a:rPr lang="en-US" dirty="0"/>
+              <a:t>Other is typically (startup, indie):</a:t>
+            </a:r>
+          </a:p>
+          <a:p>
+            <a:pPr marL="285750" indent="-285750">
+              <a:buFont typeface="Arial" panose="020B0604020202020204" pitchFamily="34" charset="0"/>
+              <a:buChar char="•"/>
+            </a:pPr>
+            <a:r>
+              <a:rPr lang="en-US" dirty="0"/>
+              <a:t>Greenfield developer</a:t>
+            </a:r>
+          </a:p>
+          <a:p>
+            <a:pPr marL="285750" indent="-285750">
+              <a:buFont typeface="Arial" panose="020B0604020202020204" pitchFamily="34" charset="0"/>
+              <a:buChar char="•"/>
+            </a:pPr>
+            <a:r>
+              <a:rPr lang="en-US" dirty="0"/>
+              <a:t>Maybe more than one stack (less rigid)</a:t>
+            </a:r>
+          </a:p>
+          <a:p>
+            <a:pPr marL="285750" indent="-285750">
+              <a:buFont typeface="Arial" panose="020B0604020202020204" pitchFamily="34" charset="0"/>
+              <a:buChar char="•"/>
+            </a:pPr>
+            <a:r>
+              <a:rPr lang="en-US" dirty="0"/>
+              <a:t>Usually tend to be alternative or hipster stacks </a:t>
+            </a:r>
+            <a:br>
+              <a:rPr lang="en-US" dirty="0"/>
+            </a:br>
+            <a:r>
+              <a:rPr lang="en-US" dirty="0"/>
+              <a:t>like Ruby or Node.js</a:t>
+            </a:r>
+          </a:p>
+          <a:p>
+            <a:pPr marL="285750" indent="-285750">
+              <a:buFont typeface="Arial" panose="020B0604020202020204" pitchFamily="34" charset="0"/>
+              <a:buChar char="•"/>
+            </a:pPr>
+            <a:endParaRPr lang="en-US" dirty="0"/>
+          </a:p>
+          <a:p>
+            <a:pPr marL="285750" indent="-285750">
+              <a:buFont typeface="Arial" panose="020B0604020202020204" pitchFamily="34" charset="0"/>
+              <a:buChar char="•"/>
+            </a:pPr>
+            <a:endParaRPr lang="en-US" dirty="0"/>
           </a:p>
         </p:txBody>
       </p:sp>
     </p:spTree>
     <p:extLst>
       <p:ext uri="{BB962C8B-B14F-4D97-AF65-F5344CB8AC3E}">
-        <p14:creationId xmlns:p14="http://schemas.microsoft.com/office/powerpoint/2010/main" val="2654074325"/>
+        <p14:creationId xmlns:p14="http://schemas.microsoft.com/office/powerpoint/2010/main" val="232480852"/>
       </p:ext>
     </p:extLst>
   </p:cSld>
@@ -8857,6 +8975,104 @@
       </p:grpSpPr>
       <p:sp>
         <p:nvSpPr>
+          <p:cNvPr id="4" name="TextBox 3"/>
+          <p:cNvSpPr txBox="1"/>
+          <p:nvPr/>
+        </p:nvSpPr>
+        <p:spPr>
+          <a:xfrm>
+            <a:off x="1250065" y="1956122"/>
+            <a:ext cx="8461996" cy="923330"/>
+          </a:xfrm>
+          <a:prstGeom prst="rect">
+            <a:avLst/>
+          </a:prstGeom>
+          <a:noFill/>
+        </p:spPr>
+        <p:txBody>
+          <a:bodyPr wrap="none" rtlCol="0">
+            <a:spAutoFit/>
+          </a:bodyPr>
+          <a:lstStyle/>
+          <a:p>
+            <a:r>
+              <a:rPr lang="en-US" dirty="0"/>
+              <a:t>There is no such thing as a developer who does not understand databases at some level.</a:t>
+            </a:r>
+          </a:p>
+          <a:p>
+            <a:r>
+              <a:rPr lang="en-US" dirty="0"/>
+              <a:t>Things are changing.</a:t>
+            </a:r>
+          </a:p>
+          <a:p>
+            <a:r>
+              <a:rPr lang="en-US" dirty="0"/>
+              <a:t>That rigidity at the bottom of the stack is being tested…becoming more amorphous.</a:t>
+            </a:r>
+          </a:p>
+        </p:txBody>
+      </p:sp>
+      <p:sp>
+        <p:nvSpPr>
+          <p:cNvPr id="5" name="Title 4"/>
+          <p:cNvSpPr>
+            <a:spLocks noGrp="1"/>
+          </p:cNvSpPr>
+          <p:nvPr>
+            <p:ph type="title"/>
+          </p:nvPr>
+        </p:nvSpPr>
+        <p:spPr>
+          <a:xfrm>
+            <a:off x="838199" y="723941"/>
+            <a:ext cx="10515600" cy="1325563"/>
+          </a:xfrm>
+        </p:spPr>
+        <p:txBody>
+          <a:bodyPr/>
+          <a:lstStyle/>
+          <a:p>
+            <a:r>
+              <a:rPr lang="en-US" dirty="0"/>
+              <a:t>Why do I care?</a:t>
+            </a:r>
+          </a:p>
+        </p:txBody>
+      </p:sp>
+    </p:spTree>
+    <p:extLst>
+      <p:ext uri="{BB962C8B-B14F-4D97-AF65-F5344CB8AC3E}">
+        <p14:creationId xmlns:p14="http://schemas.microsoft.com/office/powerpoint/2010/main" val="2654074325"/>
+      </p:ext>
+    </p:extLst>
+  </p:cSld>
+  <p:clrMapOvr>
+    <a:masterClrMapping/>
+  </p:clrMapOvr>
+</p:sld>
+</file>
+
+<file path=ppt/slides/slide25.xml><?xml version="1.0" encoding="utf-8"?>
+<p:sld xmlns:a="http://schemas.openxmlformats.org/drawingml/2006/main" xmlns:r="http://schemas.openxmlformats.org/officeDocument/2006/relationships" xmlns:p="http://schemas.openxmlformats.org/presentationml/2006/main">
+  <p:cSld>
+    <p:spTree>
+      <p:nvGrpSpPr>
+        <p:cNvPr id="1" name=""/>
+        <p:cNvGrpSpPr/>
+        <p:nvPr/>
+      </p:nvGrpSpPr>
+      <p:grpSpPr>
+        <a:xfrm>
+          <a:off x="0" y="0"/>
+          <a:ext cx="0" cy="0"/>
+          <a:chOff x="0" y="0"/>
+          <a:chExt cx="0" cy="0"/>
+        </a:xfrm>
+      </p:grpSpPr>
+      <p:sp>
+        <p:nvSpPr>
           <p:cNvPr id="2" name="Title 1"/>
           <p:cNvSpPr>
             <a:spLocks noGrp="1"/>
@@ -8981,7 +9197,7 @@
 </p:sld>
 </file>
 
-<file path=ppt/slides/slide25.xml><?xml version="1.0" encoding="utf-8"?>
+<file path=ppt/slides/slide26.xml><?xml version="1.0" encoding="utf-8"?>
 <p:sld xmlns:a="http://schemas.openxmlformats.org/drawingml/2006/main" xmlns:r="http://schemas.openxmlformats.org/officeDocument/2006/relationships" xmlns:p="http://schemas.openxmlformats.org/presentationml/2006/main">
   <p:cSld>
     <p:spTree>
@@ -9156,7 +9372,7 @@
 </p:sld>
 </file>
 
-<file path=ppt/slides/slide26.xml><?xml version="1.0" encoding="utf-8"?>
+<file path=ppt/slides/slide27.xml><?xml version="1.0" encoding="utf-8"?>
 <p:sld xmlns:a="http://schemas.openxmlformats.org/drawingml/2006/main" xmlns:r="http://schemas.openxmlformats.org/officeDocument/2006/relationships" xmlns:p="http://schemas.openxmlformats.org/presentationml/2006/main">
   <p:cSld>
     <p:spTree>
@@ -10157,7 +10373,7 @@
 </p:sld>
 </file>
 
-<file path=ppt/slides/slide27.xml><?xml version="1.0" encoding="utf-8"?>
+<file path=ppt/slides/slide28.xml><?xml version="1.0" encoding="utf-8"?>
 <p:sld xmlns:a="http://schemas.openxmlformats.org/drawingml/2006/main" xmlns:r="http://schemas.openxmlformats.org/officeDocument/2006/relationships" xmlns:p="http://schemas.openxmlformats.org/presentationml/2006/main">
   <p:cSld>
     <p:spTree>
@@ -12401,98 +12617,6 @@
 </p:sld>
 </file>
 
-<file path=ppt/slides/slide28.xml><?xml version="1.0" encoding="utf-8"?>
-<p:sld xmlns:a="http://schemas.openxmlformats.org/drawingml/2006/main" xmlns:r="http://schemas.openxmlformats.org/officeDocument/2006/relationships" xmlns:p="http://schemas.openxmlformats.org/presentationml/2006/main">
-  <p:cSld>
-    <p:spTree>
-      <p:nvGrpSpPr>
-        <p:cNvPr id="1" name=""/>
-        <p:cNvGrpSpPr/>
-        <p:nvPr/>
-      </p:nvGrpSpPr>
-      <p:grpSpPr>
-        <a:xfrm>
-          <a:off x="0" y="0"/>
-          <a:ext cx="0" cy="0"/>
-          <a:chOff x="0" y="0"/>
-          <a:chExt cx="0" cy="0"/>
-        </a:xfrm>
-      </p:grpSpPr>
-      <p:sp>
-        <p:nvSpPr>
-          <p:cNvPr id="2" name="Title 1"/>
-          <p:cNvSpPr>
-            <a:spLocks noGrp="1"/>
-          </p:cNvSpPr>
-          <p:nvPr>
-            <p:ph type="title"/>
-          </p:nvPr>
-        </p:nvSpPr>
-        <p:spPr/>
-        <p:txBody>
-          <a:bodyPr/>
-          <a:lstStyle/>
-          <a:p>
-            <a:r>
-              <a:rPr lang="en-US" dirty="0"/>
-              <a:t>When To Use</a:t>
-            </a:r>
-          </a:p>
-        </p:txBody>
-      </p:sp>
-      <p:sp>
-        <p:nvSpPr>
-          <p:cNvPr id="3" name="Content Placeholder 2"/>
-          <p:cNvSpPr>
-            <a:spLocks noGrp="1"/>
-          </p:cNvSpPr>
-          <p:nvPr>
-            <p:ph idx="1"/>
-          </p:nvPr>
-        </p:nvSpPr>
-        <p:spPr/>
-        <p:txBody>
-          <a:bodyPr/>
-          <a:lstStyle/>
-          <a:p>
-            <a:r>
-              <a:rPr lang="en-US" dirty="0"/>
-              <a:t>Great for rapid prototyping.</a:t>
-            </a:r>
-          </a:p>
-          <a:p>
-            <a:r>
-              <a:rPr lang="en-US" dirty="0"/>
-              <a:t>Problems when modeled in a relational database that would involve many JOINS.</a:t>
-            </a:r>
-          </a:p>
-          <a:p>
-            <a:r>
-              <a:rPr lang="en-US" dirty="0"/>
-              <a:t>Want to work without an ORM.</a:t>
-            </a:r>
-          </a:p>
-          <a:p>
-            <a:r>
-              <a:rPr lang="en-US" dirty="0"/>
-              <a:t>You like living in 1993.</a:t>
-            </a:r>
-          </a:p>
-        </p:txBody>
-      </p:sp>
-    </p:spTree>
-    <p:extLst>
-      <p:ext uri="{BB962C8B-B14F-4D97-AF65-F5344CB8AC3E}">
-        <p14:creationId xmlns:p14="http://schemas.microsoft.com/office/powerpoint/2010/main" val="2359934797"/>
-      </p:ext>
-    </p:extLst>
-  </p:cSld>
-  <p:clrMapOvr>
-    <a:masterClrMapping/>
-  </p:clrMapOvr>
-</p:sld>
-</file>
-
 <file path=ppt/slides/slide29.xml><?xml version="1.0" encoding="utf-8"?>
 <p:sld xmlns:a="http://schemas.openxmlformats.org/drawingml/2006/main" xmlns:r="http://schemas.openxmlformats.org/officeDocument/2006/relationships" xmlns:p="http://schemas.openxmlformats.org/presentationml/2006/main">
   <p:cSld>
@@ -12527,7 +12651,7 @@
           <a:p>
             <a:r>
               <a:rPr lang="en-US" dirty="0"/>
-              <a:t>When Not To Use</a:t>
+              <a:t>When To Use</a:t>
             </a:r>
           </a:p>
         </p:txBody>
@@ -12549,19 +12673,25 @@
           <a:p>
             <a:r>
               <a:rPr lang="en-US" dirty="0"/>
-              <a:t>Heavy polyglot language environment where languages are very dissimilar (e.g. Ruby + C# + LISP)</a:t>
+              <a:t>Great for rapid prototyping.</a:t>
             </a:r>
           </a:p>
           <a:p>
             <a:r>
               <a:rPr lang="en-US" dirty="0"/>
-              <a:t>Underlying core language might change in the future.</a:t>
+              <a:t>Problems when modeled in a relational database that would involve many JOINS.</a:t>
             </a:r>
           </a:p>
           <a:p>
             <a:r>
               <a:rPr lang="en-US" dirty="0"/>
-              <a:t>???</a:t>
+              <a:t>Want to work without an ORM.</a:t>
+            </a:r>
+          </a:p>
+          <a:p>
+            <a:r>
+              <a:rPr lang="en-US" dirty="0"/>
+              <a:t>You like living in 1993.</a:t>
             </a:r>
           </a:p>
         </p:txBody>
@@ -12569,7 +12699,7 @@
     </p:spTree>
     <p:extLst>
       <p:ext uri="{BB962C8B-B14F-4D97-AF65-F5344CB8AC3E}">
-        <p14:creationId xmlns:p14="http://schemas.microsoft.com/office/powerpoint/2010/main" val="729640380"/>
+        <p14:creationId xmlns:p14="http://schemas.microsoft.com/office/powerpoint/2010/main" val="2359934797"/>
       </p:ext>
     </p:extLst>
   </p:cSld>
@@ -13641,6 +13771,92 @@
       </p:grpSpPr>
       <p:sp>
         <p:nvSpPr>
+          <p:cNvPr id="2" name="Title 1"/>
+          <p:cNvSpPr>
+            <a:spLocks noGrp="1"/>
+          </p:cNvSpPr>
+          <p:nvPr>
+            <p:ph type="title"/>
+          </p:nvPr>
+        </p:nvSpPr>
+        <p:spPr/>
+        <p:txBody>
+          <a:bodyPr/>
+          <a:lstStyle/>
+          <a:p>
+            <a:r>
+              <a:rPr lang="en-US" dirty="0"/>
+              <a:t>When Not To Use</a:t>
+            </a:r>
+          </a:p>
+        </p:txBody>
+      </p:sp>
+      <p:sp>
+        <p:nvSpPr>
+          <p:cNvPr id="3" name="Content Placeholder 2"/>
+          <p:cNvSpPr>
+            <a:spLocks noGrp="1"/>
+          </p:cNvSpPr>
+          <p:nvPr>
+            <p:ph idx="1"/>
+          </p:nvPr>
+        </p:nvSpPr>
+        <p:spPr/>
+        <p:txBody>
+          <a:bodyPr/>
+          <a:lstStyle/>
+          <a:p>
+            <a:r>
+              <a:rPr lang="en-US" dirty="0"/>
+              <a:t>Heavy polyglot language environment where languages are very dissimilar (e.g. Ruby + C# + LISP)</a:t>
+            </a:r>
+          </a:p>
+          <a:p>
+            <a:r>
+              <a:rPr lang="en-US" dirty="0"/>
+              <a:t>Underlying core language might change in the future.</a:t>
+            </a:r>
+          </a:p>
+          <a:p>
+            <a:r>
+              <a:rPr lang="en-US" dirty="0"/>
+              <a:t>???</a:t>
+            </a:r>
+          </a:p>
+        </p:txBody>
+      </p:sp>
+    </p:spTree>
+    <p:extLst>
+      <p:ext uri="{BB962C8B-B14F-4D97-AF65-F5344CB8AC3E}">
+        <p14:creationId xmlns:p14="http://schemas.microsoft.com/office/powerpoint/2010/main" val="729640380"/>
+      </p:ext>
+    </p:extLst>
+  </p:cSld>
+  <p:clrMapOvr>
+    <a:masterClrMapping/>
+  </p:clrMapOvr>
+</p:sld>
+</file>
+
+<file path=ppt/slides/slide31.xml><?xml version="1.0" encoding="utf-8"?>
+<p:sld xmlns:a="http://schemas.openxmlformats.org/drawingml/2006/main" xmlns:r="http://schemas.openxmlformats.org/officeDocument/2006/relationships" xmlns:p="http://schemas.openxmlformats.org/presentationml/2006/main">
+  <p:cSld>
+    <p:spTree>
+      <p:nvGrpSpPr>
+        <p:cNvPr id="1" name=""/>
+        <p:cNvGrpSpPr/>
+        <p:nvPr/>
+      </p:nvGrpSpPr>
+      <p:grpSpPr>
+        <a:xfrm>
+          <a:off x="0" y="0"/>
+          <a:ext cx="0" cy="0"/>
+          <a:chOff x="0" y="0"/>
+          <a:chExt cx="0" cy="0"/>
+        </a:xfrm>
+      </p:grpSpPr>
+      <p:sp>
+        <p:nvSpPr>
           <p:cNvPr id="4" name="TextBox 3"/>
           <p:cNvSpPr txBox="1"/>
           <p:nvPr/>
@@ -13886,7 +14102,7 @@
 </p:sld>
 </file>
 
-<file path=ppt/slides/slide31.xml><?xml version="1.0" encoding="utf-8"?>
+<file path=ppt/slides/slide32.xml><?xml version="1.0" encoding="utf-8"?>
 <p:sld xmlns:a="http://schemas.openxmlformats.org/drawingml/2006/main" xmlns:r="http://schemas.openxmlformats.org/officeDocument/2006/relationships" xmlns:p="http://schemas.openxmlformats.org/presentationml/2006/main">
   <p:cSld>
     <p:spTree>
@@ -13916,74 +14132,6 @@
 </p:sld>
 </file>
 
-<file path=ppt/slides/slide32.xml><?xml version="1.0" encoding="utf-8"?>
-<p:sld xmlns:a="http://schemas.openxmlformats.org/drawingml/2006/main" xmlns:r="http://schemas.openxmlformats.org/officeDocument/2006/relationships" xmlns:p="http://schemas.openxmlformats.org/presentationml/2006/main">
-  <p:cSld>
-    <p:spTree>
-      <p:nvGrpSpPr>
-        <p:cNvPr id="1" name=""/>
-        <p:cNvGrpSpPr/>
-        <p:nvPr/>
-      </p:nvGrpSpPr>
-      <p:grpSpPr>
-        <a:xfrm>
-          <a:off x="0" y="0"/>
-          <a:ext cx="0" cy="0"/>
-          <a:chOff x="0" y="0"/>
-          <a:chExt cx="0" cy="0"/>
-        </a:xfrm>
-      </p:grpSpPr>
-      <p:sp>
-        <p:nvSpPr>
-          <p:cNvPr id="2" name="Title 1"/>
-          <p:cNvSpPr>
-            <a:spLocks noGrp="1"/>
-          </p:cNvSpPr>
-          <p:nvPr>
-            <p:ph type="title"/>
-          </p:nvPr>
-        </p:nvSpPr>
-        <p:spPr/>
-        <p:txBody>
-          <a:bodyPr/>
-          <a:lstStyle/>
-          <a:p>
-            <a:endParaRPr lang="en-US"/>
-          </a:p>
-        </p:txBody>
-      </p:sp>
-      <p:sp>
-        <p:nvSpPr>
-          <p:cNvPr id="3" name="Content Placeholder 2"/>
-          <p:cNvSpPr>
-            <a:spLocks noGrp="1"/>
-          </p:cNvSpPr>
-          <p:nvPr>
-            <p:ph idx="1"/>
-          </p:nvPr>
-        </p:nvSpPr>
-        <p:spPr/>
-        <p:txBody>
-          <a:bodyPr/>
-          <a:lstStyle/>
-          <a:p>
-            <a:endParaRPr lang="en-US"/>
-          </a:p>
-        </p:txBody>
-      </p:sp>
-    </p:spTree>
-    <p:extLst>
-      <p:ext uri="{BB962C8B-B14F-4D97-AF65-F5344CB8AC3E}">
-        <p14:creationId xmlns:p14="http://schemas.microsoft.com/office/powerpoint/2010/main" val="1429485378"/>
-      </p:ext>
-    </p:extLst>
-  </p:cSld>
-  <p:clrMapOvr>
-    <a:masterClrMapping/>
-  </p:clrMapOvr>
-</p:sld>
-</file>
-
 <file path=ppt/slides/slide33.xml><?xml version="1.0" encoding="utf-8"?>
 <p:sld xmlns:a="http://schemas.openxmlformats.org/drawingml/2006/main" xmlns:r="http://schemas.openxmlformats.org/officeDocument/2006/relationships" xmlns:p="http://schemas.openxmlformats.org/presentationml/2006/main">
   <p:cSld>
@@ -14003,643 +14151,46 @@
       </p:grpSpPr>
       <p:sp>
         <p:nvSpPr>
-          <p:cNvPr id="4" name="Can 3"/>
-          <p:cNvSpPr/>
-          <p:nvPr/>
-        </p:nvSpPr>
-        <p:spPr>
-          <a:xfrm>
-            <a:off x="4186990" y="539015"/>
-            <a:ext cx="2069431" cy="2069431"/>
-          </a:xfrm>
-          <a:prstGeom prst="can">
-            <a:avLst/>
-          </a:prstGeom>
-        </p:spPr>
-        <p:style>
-          <a:lnRef idx="2">
-            <a:schemeClr val="accent1">
-              <a:shade val="50000"/>
-            </a:schemeClr>
-          </a:lnRef>
-          <a:fillRef idx="1">
-            <a:schemeClr val="accent1"/>
-          </a:fillRef>
-          <a:effectRef idx="0">
-            <a:schemeClr val="accent1"/>
-          </a:effectRef>
-          <a:fontRef idx="minor">
-            <a:schemeClr val="lt1"/>
-          </a:fontRef>
-        </p:style>
-        <p:txBody>
-          <a:bodyPr rtlCol="0" anchor="ctr"/>
-          <a:lstStyle/>
-          <a:p>
-            <a:pPr algn="ctr"/>
-            <a:r>
-              <a:rPr lang="en-US" dirty="0"/>
-              <a:t>Database</a:t>
-            </a:r>
-            <a:br>
-              <a:rPr lang="en-US" dirty="0"/>
-            </a:br>
-            <a:r>
-              <a:rPr lang="en-US" dirty="0"/>
-              <a:t>Management</a:t>
-            </a:r>
-            <a:br>
-              <a:rPr lang="en-US" dirty="0"/>
-            </a:br>
-            <a:r>
-              <a:rPr lang="en-US" dirty="0"/>
-              <a:t>System</a:t>
-            </a:r>
-          </a:p>
-        </p:txBody>
-      </p:sp>
-      <p:sp>
-        <p:nvSpPr>
-          <p:cNvPr id="5" name="Rounded Rectangle 4"/>
-          <p:cNvSpPr/>
-          <p:nvPr/>
-        </p:nvSpPr>
-        <p:spPr>
-          <a:xfrm>
-            <a:off x="481263" y="943275"/>
-            <a:ext cx="1992429" cy="856648"/>
-          </a:xfrm>
-          <a:prstGeom prst="roundRect">
-            <a:avLst/>
-          </a:prstGeom>
-          <a:solidFill>
-            <a:schemeClr val="accent3">
-              <a:lumMod val="60000"/>
-              <a:lumOff val="40000"/>
-            </a:schemeClr>
-          </a:solidFill>
-        </p:spPr>
-        <p:style>
-          <a:lnRef idx="2">
-            <a:schemeClr val="accent1">
-              <a:shade val="50000"/>
-            </a:schemeClr>
-          </a:lnRef>
-          <a:fillRef idx="1">
-            <a:schemeClr val="accent1"/>
-          </a:fillRef>
-          <a:effectRef idx="0">
-            <a:schemeClr val="accent1"/>
-          </a:effectRef>
-          <a:fontRef idx="minor">
-            <a:schemeClr val="lt1"/>
-          </a:fontRef>
-        </p:style>
-        <p:txBody>
-          <a:bodyPr rtlCol="0" anchor="ctr"/>
-          <a:lstStyle/>
-          <a:p>
-            <a:pPr algn="ctr"/>
-            <a:r>
-              <a:rPr lang="en-US" sz="2400" b="1" dirty="0">
-                <a:solidFill>
-                  <a:schemeClr val="tx1"/>
-                </a:solidFill>
-              </a:rPr>
-              <a:t>Client</a:t>
-            </a:r>
-          </a:p>
-        </p:txBody>
-      </p:sp>
-      <p:cxnSp>
-        <p:nvCxnSpPr>
-          <p:cNvPr id="7" name="Straight Arrow Connector 6"/>
-          <p:cNvCxnSpPr>
-            <a:stCxn id="5" idx="3"/>
-          </p:cNvCxnSpPr>
-          <p:nvPr/>
-        </p:nvCxnSpPr>
-        <p:spPr>
-          <a:xfrm>
-            <a:off x="2473692" y="1371599"/>
-            <a:ext cx="1713298" cy="0"/>
-          </a:xfrm>
-          <a:prstGeom prst="straightConnector1">
-            <a:avLst/>
-          </a:prstGeom>
-          <a:ln w="57150">
-            <a:solidFill>
-              <a:srgbClr val="FF0000"/>
-            </a:solidFill>
-            <a:tailEnd type="triangle"/>
-          </a:ln>
-        </p:spPr>
-        <p:style>
-          <a:lnRef idx="1">
-            <a:schemeClr val="accent1"/>
-          </a:lnRef>
-          <a:fillRef idx="0">
-            <a:schemeClr val="accent1"/>
-          </a:fillRef>
-          <a:effectRef idx="0">
-            <a:schemeClr val="accent1"/>
-          </a:effectRef>
-          <a:fontRef idx="minor">
-            <a:schemeClr val="tx1"/>
-          </a:fontRef>
-        </p:style>
-      </p:cxnSp>
-      <p:sp>
-        <p:nvSpPr>
-          <p:cNvPr id="12" name="Cloud 11"/>
-          <p:cNvSpPr/>
-          <p:nvPr/>
-        </p:nvSpPr>
-        <p:spPr>
-          <a:xfrm>
-            <a:off x="7834964" y="529389"/>
-            <a:ext cx="2464068" cy="686604"/>
-          </a:xfrm>
-          <a:prstGeom prst="cloud">
-            <a:avLst/>
-          </a:prstGeom>
-          <a:solidFill>
-            <a:schemeClr val="accent1">
-              <a:lumMod val="60000"/>
-              <a:lumOff val="40000"/>
-            </a:schemeClr>
-          </a:solidFill>
-        </p:spPr>
-        <p:style>
-          <a:lnRef idx="2">
-            <a:schemeClr val="accent1">
-              <a:shade val="50000"/>
-            </a:schemeClr>
-          </a:lnRef>
-          <a:fillRef idx="1">
-            <a:schemeClr val="accent1"/>
-          </a:fillRef>
-          <a:effectRef idx="0">
-            <a:schemeClr val="accent1"/>
-          </a:effectRef>
-          <a:fontRef idx="minor">
-            <a:schemeClr val="lt1"/>
-          </a:fontRef>
-        </p:style>
-        <p:txBody>
-          <a:bodyPr rtlCol="0" anchor="ctr"/>
-          <a:lstStyle/>
-          <a:p>
-            <a:pPr algn="ctr"/>
-            <a:r>
-              <a:rPr lang="en-US" dirty="0"/>
-              <a:t>Memory (RAM)</a:t>
-            </a:r>
-          </a:p>
-        </p:txBody>
-      </p:sp>
-      <p:sp>
-        <p:nvSpPr>
-          <p:cNvPr id="15" name="Teardrop 14"/>
-          <p:cNvSpPr/>
-          <p:nvPr/>
-        </p:nvSpPr>
-        <p:spPr>
-          <a:xfrm>
-            <a:off x="7093819" y="2444816"/>
-            <a:ext cx="3869356" cy="1973179"/>
-          </a:xfrm>
-          <a:prstGeom prst="teardrop">
-            <a:avLst/>
-          </a:prstGeom>
-          <a:solidFill>
-            <a:schemeClr val="bg2">
-              <a:lumMod val="75000"/>
-            </a:schemeClr>
-          </a:solidFill>
-        </p:spPr>
-        <p:style>
-          <a:lnRef idx="2">
-            <a:schemeClr val="accent1">
-              <a:shade val="50000"/>
-            </a:schemeClr>
-          </a:lnRef>
-          <a:fillRef idx="1">
-            <a:schemeClr val="accent1"/>
-          </a:fillRef>
-          <a:effectRef idx="0">
-            <a:schemeClr val="accent1"/>
-          </a:effectRef>
-          <a:fontRef idx="minor">
-            <a:schemeClr val="lt1"/>
-          </a:fontRef>
-        </p:style>
-        <p:txBody>
-          <a:bodyPr rtlCol="0" anchor="ctr"/>
-          <a:lstStyle/>
-          <a:p>
-            <a:pPr algn="ctr"/>
-            <a:r>
-              <a:rPr lang="en-US" dirty="0"/>
-              <a:t>Hard Drive</a:t>
-            </a:r>
-          </a:p>
-        </p:txBody>
-      </p:sp>
-      <p:cxnSp>
-        <p:nvCxnSpPr>
-          <p:cNvPr id="16" name="Straight Arrow Connector 15"/>
-          <p:cNvCxnSpPr>
-            <a:endCxn id="12" idx="2"/>
-          </p:cNvCxnSpPr>
-          <p:nvPr/>
-        </p:nvCxnSpPr>
-        <p:spPr>
-          <a:xfrm flipV="1">
-            <a:off x="6347860" y="872691"/>
-            <a:ext cx="1494747" cy="484472"/>
-          </a:xfrm>
-          <a:prstGeom prst="straightConnector1">
-            <a:avLst/>
-          </a:prstGeom>
-          <a:ln w="57150">
-            <a:solidFill>
-              <a:srgbClr val="FF0000"/>
-            </a:solidFill>
-            <a:prstDash val="sysDot"/>
-            <a:tailEnd type="triangle"/>
-          </a:ln>
-        </p:spPr>
-        <p:style>
-          <a:lnRef idx="1">
-            <a:schemeClr val="accent1"/>
-          </a:lnRef>
-          <a:fillRef idx="0">
-            <a:schemeClr val="accent1"/>
-          </a:fillRef>
-          <a:effectRef idx="0">
-            <a:schemeClr val="accent1"/>
-          </a:effectRef>
-          <a:fontRef idx="minor">
-            <a:schemeClr val="tx1"/>
-          </a:fontRef>
-        </p:style>
-      </p:cxnSp>
-      <p:cxnSp>
-        <p:nvCxnSpPr>
-          <p:cNvPr id="19" name="Straight Arrow Connector 18"/>
-          <p:cNvCxnSpPr>
-            <a:endCxn id="4" idx="4"/>
-          </p:cNvCxnSpPr>
-          <p:nvPr/>
-        </p:nvCxnSpPr>
-        <p:spPr>
-          <a:xfrm flipH="1">
-            <a:off x="6256421" y="1068404"/>
-            <a:ext cx="1578543" cy="505327"/>
-          </a:xfrm>
-          <a:prstGeom prst="straightConnector1">
-            <a:avLst/>
-          </a:prstGeom>
-          <a:ln w="57150">
-            <a:solidFill>
-              <a:srgbClr val="FFC000"/>
-            </a:solidFill>
-            <a:prstDash val="sysDot"/>
-            <a:tailEnd type="triangle"/>
-          </a:ln>
-        </p:spPr>
-        <p:style>
-          <a:lnRef idx="1">
-            <a:schemeClr val="accent1"/>
-          </a:lnRef>
-          <a:fillRef idx="0">
-            <a:schemeClr val="accent1"/>
-          </a:fillRef>
-          <a:effectRef idx="0">
-            <a:schemeClr val="accent1"/>
-          </a:effectRef>
-          <a:fontRef idx="minor">
-            <a:schemeClr val="tx1"/>
-          </a:fontRef>
-        </p:style>
-      </p:cxnSp>
-      <p:cxnSp>
-        <p:nvCxnSpPr>
-          <p:cNvPr id="21" name="Straight Arrow Connector 20"/>
-          <p:cNvCxnSpPr/>
-          <p:nvPr/>
-        </p:nvCxnSpPr>
-        <p:spPr>
-          <a:xfrm>
-            <a:off x="6256421" y="1861686"/>
-            <a:ext cx="1915427" cy="583130"/>
-          </a:xfrm>
-          <a:prstGeom prst="straightConnector1">
-            <a:avLst/>
-          </a:prstGeom>
-          <a:ln w="57150">
-            <a:solidFill>
-              <a:srgbClr val="FF0000"/>
-            </a:solidFill>
-            <a:prstDash val="sysDot"/>
-            <a:tailEnd type="triangle"/>
-          </a:ln>
-        </p:spPr>
-        <p:style>
-          <a:lnRef idx="1">
-            <a:schemeClr val="accent1"/>
-          </a:lnRef>
-          <a:fillRef idx="0">
-            <a:schemeClr val="accent1"/>
-          </a:fillRef>
-          <a:effectRef idx="0">
-            <a:schemeClr val="accent1"/>
-          </a:effectRef>
-          <a:fontRef idx="minor">
-            <a:schemeClr val="tx1"/>
-          </a:fontRef>
-        </p:style>
-      </p:cxnSp>
-      <p:sp>
-        <p:nvSpPr>
-          <p:cNvPr id="26" name="Flowchart: Connector 25"/>
-          <p:cNvSpPr/>
-          <p:nvPr/>
-        </p:nvSpPr>
-        <p:spPr>
-          <a:xfrm>
-            <a:off x="3349592" y="1032309"/>
-            <a:ext cx="308008" cy="250257"/>
-          </a:xfrm>
-          <a:prstGeom prst="flowChartConnector">
-            <a:avLst/>
-          </a:prstGeom>
-          <a:solidFill>
-            <a:srgbClr val="FFFF00"/>
-          </a:solidFill>
-        </p:spPr>
-        <p:style>
-          <a:lnRef idx="2">
-            <a:schemeClr val="accent1">
-              <a:shade val="50000"/>
-            </a:schemeClr>
-          </a:lnRef>
-          <a:fillRef idx="1">
-            <a:schemeClr val="accent1"/>
-          </a:fillRef>
-          <a:effectRef idx="0">
-            <a:schemeClr val="accent1"/>
-          </a:effectRef>
-          <a:fontRef idx="minor">
-            <a:schemeClr val="lt1"/>
-          </a:fontRef>
-        </p:style>
-        <p:txBody>
-          <a:bodyPr rtlCol="0" anchor="ctr"/>
-          <a:lstStyle/>
-          <a:p>
-            <a:pPr algn="ctr"/>
-            <a:r>
-              <a:rPr lang="en-US" b="1" dirty="0">
-                <a:solidFill>
-                  <a:schemeClr val="tx1"/>
-                </a:solidFill>
-              </a:rPr>
-              <a:t>1</a:t>
-            </a:r>
-          </a:p>
-        </p:txBody>
-      </p:sp>
-      <p:sp>
-        <p:nvSpPr>
-          <p:cNvPr id="28" name="Flowchart: Connector 27"/>
-          <p:cNvSpPr/>
-          <p:nvPr/>
-        </p:nvSpPr>
-        <p:spPr>
-          <a:xfrm>
-            <a:off x="6672713" y="790473"/>
-            <a:ext cx="308008" cy="250257"/>
-          </a:xfrm>
-          <a:prstGeom prst="flowChartConnector">
-            <a:avLst/>
-          </a:prstGeom>
-          <a:solidFill>
-            <a:srgbClr val="FFFF00"/>
-          </a:solidFill>
-        </p:spPr>
-        <p:style>
-          <a:lnRef idx="2">
-            <a:schemeClr val="accent1">
-              <a:shade val="50000"/>
-            </a:schemeClr>
-          </a:lnRef>
-          <a:fillRef idx="1">
-            <a:schemeClr val="accent1"/>
-          </a:fillRef>
-          <a:effectRef idx="0">
-            <a:schemeClr val="accent1"/>
-          </a:effectRef>
-          <a:fontRef idx="minor">
-            <a:schemeClr val="lt1"/>
-          </a:fontRef>
-        </p:style>
-        <p:txBody>
-          <a:bodyPr rtlCol="0" anchor="ctr"/>
-          <a:lstStyle/>
-          <a:p>
-            <a:pPr algn="ctr"/>
-            <a:r>
-              <a:rPr lang="en-US" b="1" dirty="0">
-                <a:solidFill>
-                  <a:schemeClr val="tx1"/>
-                </a:solidFill>
-              </a:rPr>
-              <a:t>2</a:t>
-            </a:r>
-          </a:p>
-        </p:txBody>
-      </p:sp>
-      <p:sp>
-        <p:nvSpPr>
-          <p:cNvPr id="29" name="Flowchart: Connector 28"/>
-          <p:cNvSpPr/>
-          <p:nvPr/>
-        </p:nvSpPr>
-        <p:spPr>
-          <a:xfrm>
-            <a:off x="7190072" y="1815164"/>
-            <a:ext cx="308008" cy="250257"/>
-          </a:xfrm>
-          <a:prstGeom prst="flowChartConnector">
-            <a:avLst/>
-          </a:prstGeom>
-          <a:solidFill>
-            <a:srgbClr val="FFFF00"/>
-          </a:solidFill>
-        </p:spPr>
-        <p:style>
-          <a:lnRef idx="2">
-            <a:schemeClr val="accent1">
-              <a:shade val="50000"/>
-            </a:schemeClr>
-          </a:lnRef>
-          <a:fillRef idx="1">
-            <a:schemeClr val="accent1"/>
-          </a:fillRef>
-          <a:effectRef idx="0">
-            <a:schemeClr val="accent1"/>
-          </a:effectRef>
-          <a:fontRef idx="minor">
-            <a:schemeClr val="lt1"/>
-          </a:fontRef>
-        </p:style>
-        <p:txBody>
-          <a:bodyPr rtlCol="0" anchor="ctr"/>
-          <a:lstStyle/>
-          <a:p>
-            <a:pPr algn="ctr"/>
-            <a:r>
-              <a:rPr lang="en-US" b="1" dirty="0">
-                <a:solidFill>
-                  <a:schemeClr val="tx1"/>
-                </a:solidFill>
-              </a:rPr>
-              <a:t>3</a:t>
-            </a:r>
-          </a:p>
-        </p:txBody>
-      </p:sp>
-      <p:cxnSp>
-        <p:nvCxnSpPr>
-          <p:cNvPr id="33" name="Straight Arrow Connector 32"/>
-          <p:cNvCxnSpPr/>
-          <p:nvPr/>
-        </p:nvCxnSpPr>
-        <p:spPr>
-          <a:xfrm flipH="1" flipV="1">
-            <a:off x="6347861" y="2093598"/>
-            <a:ext cx="1333099" cy="492388"/>
-          </a:xfrm>
-          <a:prstGeom prst="straightConnector1">
-            <a:avLst/>
-          </a:prstGeom>
-          <a:ln w="57150">
-            <a:solidFill>
-              <a:srgbClr val="FFC000"/>
-            </a:solidFill>
-            <a:prstDash val="sysDot"/>
-            <a:tailEnd type="triangle"/>
-          </a:ln>
-        </p:spPr>
-        <p:style>
-          <a:lnRef idx="1">
-            <a:schemeClr val="accent1"/>
-          </a:lnRef>
-          <a:fillRef idx="0">
-            <a:schemeClr val="accent1"/>
-          </a:fillRef>
-          <a:effectRef idx="0">
-            <a:schemeClr val="accent1"/>
-          </a:effectRef>
-          <a:fontRef idx="minor">
-            <a:schemeClr val="tx1"/>
-          </a:fontRef>
-        </p:style>
-      </p:cxnSp>
-      <p:sp>
-        <p:nvSpPr>
-          <p:cNvPr id="36" name="Flowchart: Connector 35"/>
-          <p:cNvSpPr/>
-          <p:nvPr/>
-        </p:nvSpPr>
-        <p:spPr>
-          <a:xfrm>
-            <a:off x="3335155" y="1690035"/>
-            <a:ext cx="308008" cy="250257"/>
-          </a:xfrm>
-          <a:prstGeom prst="flowChartConnector">
-            <a:avLst/>
-          </a:prstGeom>
-          <a:solidFill>
-            <a:srgbClr val="FFFF00"/>
-          </a:solidFill>
-        </p:spPr>
-        <p:style>
-          <a:lnRef idx="2">
-            <a:schemeClr val="accent1">
-              <a:shade val="50000"/>
-            </a:schemeClr>
-          </a:lnRef>
-          <a:fillRef idx="1">
-            <a:schemeClr val="accent1"/>
-          </a:fillRef>
-          <a:effectRef idx="0">
-            <a:schemeClr val="accent1"/>
-          </a:effectRef>
-          <a:fontRef idx="minor">
-            <a:schemeClr val="lt1"/>
-          </a:fontRef>
-        </p:style>
-        <p:txBody>
-          <a:bodyPr rtlCol="0" anchor="ctr"/>
-          <a:lstStyle/>
-          <a:p>
-            <a:pPr algn="ctr"/>
-            <a:r>
-              <a:rPr lang="en-US" b="1" dirty="0">
-                <a:solidFill>
-                  <a:schemeClr val="tx1"/>
-                </a:solidFill>
-              </a:rPr>
-              <a:t>4</a:t>
-            </a:r>
-          </a:p>
-        </p:txBody>
-      </p:sp>
-      <p:cxnSp>
-        <p:nvCxnSpPr>
-          <p:cNvPr id="37" name="Straight Arrow Connector 36"/>
-          <p:cNvCxnSpPr>
-            <a:stCxn id="4" idx="2"/>
-          </p:cNvCxnSpPr>
-          <p:nvPr/>
-        </p:nvCxnSpPr>
-        <p:spPr>
-          <a:xfrm flipH="1">
-            <a:off x="2473692" y="1573731"/>
-            <a:ext cx="1713298" cy="0"/>
-          </a:xfrm>
-          <a:prstGeom prst="straightConnector1">
-            <a:avLst/>
-          </a:prstGeom>
-          <a:ln w="57150">
-            <a:solidFill>
-              <a:srgbClr val="FF0000"/>
-            </a:solidFill>
-            <a:tailEnd type="triangle"/>
-          </a:ln>
-        </p:spPr>
-        <p:style>
-          <a:lnRef idx="1">
-            <a:schemeClr val="accent1"/>
-          </a:lnRef>
-          <a:fillRef idx="0">
-            <a:schemeClr val="accent1"/>
-          </a:fillRef>
-          <a:effectRef idx="0">
-            <a:schemeClr val="accent1"/>
-          </a:effectRef>
-          <a:fontRef idx="minor">
-            <a:schemeClr val="tx1"/>
-          </a:fontRef>
-        </p:style>
-      </p:cxnSp>
+          <p:cNvPr id="2" name="Title 1"/>
+          <p:cNvSpPr>
+            <a:spLocks noGrp="1"/>
+          </p:cNvSpPr>
+          <p:nvPr>
+            <p:ph type="title"/>
+          </p:nvPr>
+        </p:nvSpPr>
+        <p:spPr/>
+        <p:txBody>
+          <a:bodyPr/>
+          <a:lstStyle/>
+          <a:p>
+            <a:endParaRPr lang="en-US"/>
+          </a:p>
+        </p:txBody>
+      </p:sp>
+      <p:sp>
+        <p:nvSpPr>
+          <p:cNvPr id="3" name="Content Placeholder 2"/>
+          <p:cNvSpPr>
+            <a:spLocks noGrp="1"/>
+          </p:cNvSpPr>
+          <p:nvPr>
+            <p:ph idx="1"/>
+          </p:nvPr>
+        </p:nvSpPr>
+        <p:spPr/>
+        <p:txBody>
+          <a:bodyPr/>
+          <a:lstStyle/>
+          <a:p>
+            <a:endParaRPr lang="en-US"/>
+          </a:p>
+        </p:txBody>
+      </p:sp>
     </p:spTree>
     <p:extLst>
       <p:ext uri="{BB962C8B-B14F-4D97-AF65-F5344CB8AC3E}">
-        <p14:creationId xmlns:p14="http://schemas.microsoft.com/office/powerpoint/2010/main" val="2317317168"/>
+        <p14:creationId xmlns:p14="http://schemas.microsoft.com/office/powerpoint/2010/main" val="1429485378"/>
       </p:ext>
     </p:extLst>
   </p:cSld>
@@ -15071,6 +14622,671 @@
                   <a:schemeClr val="tx1"/>
                 </a:solidFill>
               </a:rPr>
+              <a:t>1</a:t>
+            </a:r>
+          </a:p>
+        </p:txBody>
+      </p:sp>
+      <p:sp>
+        <p:nvSpPr>
+          <p:cNvPr id="28" name="Flowchart: Connector 27"/>
+          <p:cNvSpPr/>
+          <p:nvPr/>
+        </p:nvSpPr>
+        <p:spPr>
+          <a:xfrm>
+            <a:off x="6672713" y="790473"/>
+            <a:ext cx="308008" cy="250257"/>
+          </a:xfrm>
+          <a:prstGeom prst="flowChartConnector">
+            <a:avLst/>
+          </a:prstGeom>
+          <a:solidFill>
+            <a:srgbClr val="FFFF00"/>
+          </a:solidFill>
+        </p:spPr>
+        <p:style>
+          <a:lnRef idx="2">
+            <a:schemeClr val="accent1">
+              <a:shade val="50000"/>
+            </a:schemeClr>
+          </a:lnRef>
+          <a:fillRef idx="1">
+            <a:schemeClr val="accent1"/>
+          </a:fillRef>
+          <a:effectRef idx="0">
+            <a:schemeClr val="accent1"/>
+          </a:effectRef>
+          <a:fontRef idx="minor">
+            <a:schemeClr val="lt1"/>
+          </a:fontRef>
+        </p:style>
+        <p:txBody>
+          <a:bodyPr rtlCol="0" anchor="ctr"/>
+          <a:lstStyle/>
+          <a:p>
+            <a:pPr algn="ctr"/>
+            <a:r>
+              <a:rPr lang="en-US" b="1" dirty="0">
+                <a:solidFill>
+                  <a:schemeClr val="tx1"/>
+                </a:solidFill>
+              </a:rPr>
+              <a:t>2</a:t>
+            </a:r>
+          </a:p>
+        </p:txBody>
+      </p:sp>
+      <p:sp>
+        <p:nvSpPr>
+          <p:cNvPr id="29" name="Flowchart: Connector 28"/>
+          <p:cNvSpPr/>
+          <p:nvPr/>
+        </p:nvSpPr>
+        <p:spPr>
+          <a:xfrm>
+            <a:off x="7190072" y="1815164"/>
+            <a:ext cx="308008" cy="250257"/>
+          </a:xfrm>
+          <a:prstGeom prst="flowChartConnector">
+            <a:avLst/>
+          </a:prstGeom>
+          <a:solidFill>
+            <a:srgbClr val="FFFF00"/>
+          </a:solidFill>
+        </p:spPr>
+        <p:style>
+          <a:lnRef idx="2">
+            <a:schemeClr val="accent1">
+              <a:shade val="50000"/>
+            </a:schemeClr>
+          </a:lnRef>
+          <a:fillRef idx="1">
+            <a:schemeClr val="accent1"/>
+          </a:fillRef>
+          <a:effectRef idx="0">
+            <a:schemeClr val="accent1"/>
+          </a:effectRef>
+          <a:fontRef idx="minor">
+            <a:schemeClr val="lt1"/>
+          </a:fontRef>
+        </p:style>
+        <p:txBody>
+          <a:bodyPr rtlCol="0" anchor="ctr"/>
+          <a:lstStyle/>
+          <a:p>
+            <a:pPr algn="ctr"/>
+            <a:r>
+              <a:rPr lang="en-US" b="1" dirty="0">
+                <a:solidFill>
+                  <a:schemeClr val="tx1"/>
+                </a:solidFill>
+              </a:rPr>
+              <a:t>3</a:t>
+            </a:r>
+          </a:p>
+        </p:txBody>
+      </p:sp>
+      <p:cxnSp>
+        <p:nvCxnSpPr>
+          <p:cNvPr id="33" name="Straight Arrow Connector 32"/>
+          <p:cNvCxnSpPr/>
+          <p:nvPr/>
+        </p:nvCxnSpPr>
+        <p:spPr>
+          <a:xfrm flipH="1" flipV="1">
+            <a:off x="6347861" y="2093598"/>
+            <a:ext cx="1333099" cy="492388"/>
+          </a:xfrm>
+          <a:prstGeom prst="straightConnector1">
+            <a:avLst/>
+          </a:prstGeom>
+          <a:ln w="57150">
+            <a:solidFill>
+              <a:srgbClr val="FFC000"/>
+            </a:solidFill>
+            <a:prstDash val="sysDot"/>
+            <a:tailEnd type="triangle"/>
+          </a:ln>
+        </p:spPr>
+        <p:style>
+          <a:lnRef idx="1">
+            <a:schemeClr val="accent1"/>
+          </a:lnRef>
+          <a:fillRef idx="0">
+            <a:schemeClr val="accent1"/>
+          </a:fillRef>
+          <a:effectRef idx="0">
+            <a:schemeClr val="accent1"/>
+          </a:effectRef>
+          <a:fontRef idx="minor">
+            <a:schemeClr val="tx1"/>
+          </a:fontRef>
+        </p:style>
+      </p:cxnSp>
+      <p:sp>
+        <p:nvSpPr>
+          <p:cNvPr id="36" name="Flowchart: Connector 35"/>
+          <p:cNvSpPr/>
+          <p:nvPr/>
+        </p:nvSpPr>
+        <p:spPr>
+          <a:xfrm>
+            <a:off x="3335155" y="1690035"/>
+            <a:ext cx="308008" cy="250257"/>
+          </a:xfrm>
+          <a:prstGeom prst="flowChartConnector">
+            <a:avLst/>
+          </a:prstGeom>
+          <a:solidFill>
+            <a:srgbClr val="FFFF00"/>
+          </a:solidFill>
+        </p:spPr>
+        <p:style>
+          <a:lnRef idx="2">
+            <a:schemeClr val="accent1">
+              <a:shade val="50000"/>
+            </a:schemeClr>
+          </a:lnRef>
+          <a:fillRef idx="1">
+            <a:schemeClr val="accent1"/>
+          </a:fillRef>
+          <a:effectRef idx="0">
+            <a:schemeClr val="accent1"/>
+          </a:effectRef>
+          <a:fontRef idx="minor">
+            <a:schemeClr val="lt1"/>
+          </a:fontRef>
+        </p:style>
+        <p:txBody>
+          <a:bodyPr rtlCol="0" anchor="ctr"/>
+          <a:lstStyle/>
+          <a:p>
+            <a:pPr algn="ctr"/>
+            <a:r>
+              <a:rPr lang="en-US" b="1" dirty="0">
+                <a:solidFill>
+                  <a:schemeClr val="tx1"/>
+                </a:solidFill>
+              </a:rPr>
+              <a:t>4</a:t>
+            </a:r>
+          </a:p>
+        </p:txBody>
+      </p:sp>
+      <p:cxnSp>
+        <p:nvCxnSpPr>
+          <p:cNvPr id="37" name="Straight Arrow Connector 36"/>
+          <p:cNvCxnSpPr>
+            <a:stCxn id="4" idx="2"/>
+          </p:cNvCxnSpPr>
+          <p:nvPr/>
+        </p:nvCxnSpPr>
+        <p:spPr>
+          <a:xfrm flipH="1">
+            <a:off x="2473692" y="1573731"/>
+            <a:ext cx="1713298" cy="0"/>
+          </a:xfrm>
+          <a:prstGeom prst="straightConnector1">
+            <a:avLst/>
+          </a:prstGeom>
+          <a:ln w="57150">
+            <a:solidFill>
+              <a:srgbClr val="FF0000"/>
+            </a:solidFill>
+            <a:tailEnd type="triangle"/>
+          </a:ln>
+        </p:spPr>
+        <p:style>
+          <a:lnRef idx="1">
+            <a:schemeClr val="accent1"/>
+          </a:lnRef>
+          <a:fillRef idx="0">
+            <a:schemeClr val="accent1"/>
+          </a:fillRef>
+          <a:effectRef idx="0">
+            <a:schemeClr val="accent1"/>
+          </a:effectRef>
+          <a:fontRef idx="minor">
+            <a:schemeClr val="tx1"/>
+          </a:fontRef>
+        </p:style>
+      </p:cxnSp>
+    </p:spTree>
+    <p:extLst>
+      <p:ext uri="{BB962C8B-B14F-4D97-AF65-F5344CB8AC3E}">
+        <p14:creationId xmlns:p14="http://schemas.microsoft.com/office/powerpoint/2010/main" val="2317317168"/>
+      </p:ext>
+    </p:extLst>
+  </p:cSld>
+  <p:clrMapOvr>
+    <a:masterClrMapping/>
+  </p:clrMapOvr>
+</p:sld>
+</file>
+
+<file path=ppt/slides/slide35.xml><?xml version="1.0" encoding="utf-8"?>
+<p:sld xmlns:a="http://schemas.openxmlformats.org/drawingml/2006/main" xmlns:r="http://schemas.openxmlformats.org/officeDocument/2006/relationships" xmlns:p="http://schemas.openxmlformats.org/presentationml/2006/main">
+  <p:cSld>
+    <p:spTree>
+      <p:nvGrpSpPr>
+        <p:cNvPr id="1" name=""/>
+        <p:cNvGrpSpPr/>
+        <p:nvPr/>
+      </p:nvGrpSpPr>
+      <p:grpSpPr>
+        <a:xfrm>
+          <a:off x="0" y="0"/>
+          <a:ext cx="0" cy="0"/>
+          <a:chOff x="0" y="0"/>
+          <a:chExt cx="0" cy="0"/>
+        </a:xfrm>
+      </p:grpSpPr>
+      <p:sp>
+        <p:nvSpPr>
+          <p:cNvPr id="4" name="Can 3"/>
+          <p:cNvSpPr/>
+          <p:nvPr/>
+        </p:nvSpPr>
+        <p:spPr>
+          <a:xfrm>
+            <a:off x="4186990" y="539015"/>
+            <a:ext cx="2069431" cy="2069431"/>
+          </a:xfrm>
+          <a:prstGeom prst="can">
+            <a:avLst/>
+          </a:prstGeom>
+        </p:spPr>
+        <p:style>
+          <a:lnRef idx="2">
+            <a:schemeClr val="accent1">
+              <a:shade val="50000"/>
+            </a:schemeClr>
+          </a:lnRef>
+          <a:fillRef idx="1">
+            <a:schemeClr val="accent1"/>
+          </a:fillRef>
+          <a:effectRef idx="0">
+            <a:schemeClr val="accent1"/>
+          </a:effectRef>
+          <a:fontRef idx="minor">
+            <a:schemeClr val="lt1"/>
+          </a:fontRef>
+        </p:style>
+        <p:txBody>
+          <a:bodyPr rtlCol="0" anchor="ctr"/>
+          <a:lstStyle/>
+          <a:p>
+            <a:pPr algn="ctr"/>
+            <a:r>
+              <a:rPr lang="en-US" dirty="0"/>
+              <a:t>Database</a:t>
+            </a:r>
+            <a:br>
+              <a:rPr lang="en-US" dirty="0"/>
+            </a:br>
+            <a:r>
+              <a:rPr lang="en-US" dirty="0"/>
+              <a:t>Management</a:t>
+            </a:r>
+            <a:br>
+              <a:rPr lang="en-US" dirty="0"/>
+            </a:br>
+            <a:r>
+              <a:rPr lang="en-US" dirty="0"/>
+              <a:t>System</a:t>
+            </a:r>
+          </a:p>
+        </p:txBody>
+      </p:sp>
+      <p:sp>
+        <p:nvSpPr>
+          <p:cNvPr id="5" name="Rounded Rectangle 4"/>
+          <p:cNvSpPr/>
+          <p:nvPr/>
+        </p:nvSpPr>
+        <p:spPr>
+          <a:xfrm>
+            <a:off x="481263" y="943275"/>
+            <a:ext cx="1992429" cy="856648"/>
+          </a:xfrm>
+          <a:prstGeom prst="roundRect">
+            <a:avLst/>
+          </a:prstGeom>
+          <a:solidFill>
+            <a:schemeClr val="accent3">
+              <a:lumMod val="60000"/>
+              <a:lumOff val="40000"/>
+            </a:schemeClr>
+          </a:solidFill>
+        </p:spPr>
+        <p:style>
+          <a:lnRef idx="2">
+            <a:schemeClr val="accent1">
+              <a:shade val="50000"/>
+            </a:schemeClr>
+          </a:lnRef>
+          <a:fillRef idx="1">
+            <a:schemeClr val="accent1"/>
+          </a:fillRef>
+          <a:effectRef idx="0">
+            <a:schemeClr val="accent1"/>
+          </a:effectRef>
+          <a:fontRef idx="minor">
+            <a:schemeClr val="lt1"/>
+          </a:fontRef>
+        </p:style>
+        <p:txBody>
+          <a:bodyPr rtlCol="0" anchor="ctr"/>
+          <a:lstStyle/>
+          <a:p>
+            <a:pPr algn="ctr"/>
+            <a:r>
+              <a:rPr lang="en-US" sz="2400" b="1" dirty="0">
+                <a:solidFill>
+                  <a:schemeClr val="tx1"/>
+                </a:solidFill>
+              </a:rPr>
+              <a:t>Client</a:t>
+            </a:r>
+          </a:p>
+        </p:txBody>
+      </p:sp>
+      <p:cxnSp>
+        <p:nvCxnSpPr>
+          <p:cNvPr id="7" name="Straight Arrow Connector 6"/>
+          <p:cNvCxnSpPr>
+            <a:stCxn id="5" idx="3"/>
+          </p:cNvCxnSpPr>
+          <p:nvPr/>
+        </p:nvCxnSpPr>
+        <p:spPr>
+          <a:xfrm>
+            <a:off x="2473692" y="1371599"/>
+            <a:ext cx="1713298" cy="0"/>
+          </a:xfrm>
+          <a:prstGeom prst="straightConnector1">
+            <a:avLst/>
+          </a:prstGeom>
+          <a:ln w="57150">
+            <a:solidFill>
+              <a:srgbClr val="FF0000"/>
+            </a:solidFill>
+            <a:tailEnd type="triangle"/>
+          </a:ln>
+        </p:spPr>
+        <p:style>
+          <a:lnRef idx="1">
+            <a:schemeClr val="accent1"/>
+          </a:lnRef>
+          <a:fillRef idx="0">
+            <a:schemeClr val="accent1"/>
+          </a:fillRef>
+          <a:effectRef idx="0">
+            <a:schemeClr val="accent1"/>
+          </a:effectRef>
+          <a:fontRef idx="minor">
+            <a:schemeClr val="tx1"/>
+          </a:fontRef>
+        </p:style>
+      </p:cxnSp>
+      <p:sp>
+        <p:nvSpPr>
+          <p:cNvPr id="12" name="Cloud 11"/>
+          <p:cNvSpPr/>
+          <p:nvPr/>
+        </p:nvSpPr>
+        <p:spPr>
+          <a:xfrm>
+            <a:off x="7834964" y="529389"/>
+            <a:ext cx="2464068" cy="686604"/>
+          </a:xfrm>
+          <a:prstGeom prst="cloud">
+            <a:avLst/>
+          </a:prstGeom>
+          <a:solidFill>
+            <a:schemeClr val="accent1">
+              <a:lumMod val="60000"/>
+              <a:lumOff val="40000"/>
+            </a:schemeClr>
+          </a:solidFill>
+        </p:spPr>
+        <p:style>
+          <a:lnRef idx="2">
+            <a:schemeClr val="accent1">
+              <a:shade val="50000"/>
+            </a:schemeClr>
+          </a:lnRef>
+          <a:fillRef idx="1">
+            <a:schemeClr val="accent1"/>
+          </a:fillRef>
+          <a:effectRef idx="0">
+            <a:schemeClr val="accent1"/>
+          </a:effectRef>
+          <a:fontRef idx="minor">
+            <a:schemeClr val="lt1"/>
+          </a:fontRef>
+        </p:style>
+        <p:txBody>
+          <a:bodyPr rtlCol="0" anchor="ctr"/>
+          <a:lstStyle/>
+          <a:p>
+            <a:pPr algn="ctr"/>
+            <a:r>
+              <a:rPr lang="en-US" dirty="0"/>
+              <a:t>Memory (RAM)</a:t>
+            </a:r>
+          </a:p>
+        </p:txBody>
+      </p:sp>
+      <p:sp>
+        <p:nvSpPr>
+          <p:cNvPr id="15" name="Teardrop 14"/>
+          <p:cNvSpPr/>
+          <p:nvPr/>
+        </p:nvSpPr>
+        <p:spPr>
+          <a:xfrm>
+            <a:off x="7093819" y="2444816"/>
+            <a:ext cx="3869356" cy="1973179"/>
+          </a:xfrm>
+          <a:prstGeom prst="teardrop">
+            <a:avLst/>
+          </a:prstGeom>
+          <a:solidFill>
+            <a:schemeClr val="bg2">
+              <a:lumMod val="75000"/>
+            </a:schemeClr>
+          </a:solidFill>
+        </p:spPr>
+        <p:style>
+          <a:lnRef idx="2">
+            <a:schemeClr val="accent1">
+              <a:shade val="50000"/>
+            </a:schemeClr>
+          </a:lnRef>
+          <a:fillRef idx="1">
+            <a:schemeClr val="accent1"/>
+          </a:fillRef>
+          <a:effectRef idx="0">
+            <a:schemeClr val="accent1"/>
+          </a:effectRef>
+          <a:fontRef idx="minor">
+            <a:schemeClr val="lt1"/>
+          </a:fontRef>
+        </p:style>
+        <p:txBody>
+          <a:bodyPr rtlCol="0" anchor="ctr"/>
+          <a:lstStyle/>
+          <a:p>
+            <a:pPr algn="ctr"/>
+            <a:r>
+              <a:rPr lang="en-US" dirty="0"/>
+              <a:t>Hard Drive</a:t>
+            </a:r>
+          </a:p>
+        </p:txBody>
+      </p:sp>
+      <p:cxnSp>
+        <p:nvCxnSpPr>
+          <p:cNvPr id="16" name="Straight Arrow Connector 15"/>
+          <p:cNvCxnSpPr>
+            <a:endCxn id="12" idx="2"/>
+          </p:cNvCxnSpPr>
+          <p:nvPr/>
+        </p:nvCxnSpPr>
+        <p:spPr>
+          <a:xfrm flipV="1">
+            <a:off x="6347860" y="872691"/>
+            <a:ext cx="1494747" cy="484472"/>
+          </a:xfrm>
+          <a:prstGeom prst="straightConnector1">
+            <a:avLst/>
+          </a:prstGeom>
+          <a:ln w="57150">
+            <a:solidFill>
+              <a:srgbClr val="FF0000"/>
+            </a:solidFill>
+            <a:prstDash val="sysDot"/>
+            <a:tailEnd type="triangle"/>
+          </a:ln>
+        </p:spPr>
+        <p:style>
+          <a:lnRef idx="1">
+            <a:schemeClr val="accent1"/>
+          </a:lnRef>
+          <a:fillRef idx="0">
+            <a:schemeClr val="accent1"/>
+          </a:fillRef>
+          <a:effectRef idx="0">
+            <a:schemeClr val="accent1"/>
+          </a:effectRef>
+          <a:fontRef idx="minor">
+            <a:schemeClr val="tx1"/>
+          </a:fontRef>
+        </p:style>
+      </p:cxnSp>
+      <p:cxnSp>
+        <p:nvCxnSpPr>
+          <p:cNvPr id="19" name="Straight Arrow Connector 18"/>
+          <p:cNvCxnSpPr>
+            <a:endCxn id="4" idx="4"/>
+          </p:cNvCxnSpPr>
+          <p:nvPr/>
+        </p:nvCxnSpPr>
+        <p:spPr>
+          <a:xfrm flipH="1">
+            <a:off x="6256421" y="1068404"/>
+            <a:ext cx="1578543" cy="505327"/>
+          </a:xfrm>
+          <a:prstGeom prst="straightConnector1">
+            <a:avLst/>
+          </a:prstGeom>
+          <a:ln w="57150">
+            <a:solidFill>
+              <a:srgbClr val="FFC000"/>
+            </a:solidFill>
+            <a:prstDash val="sysDot"/>
+            <a:tailEnd type="triangle"/>
+          </a:ln>
+        </p:spPr>
+        <p:style>
+          <a:lnRef idx="1">
+            <a:schemeClr val="accent1"/>
+          </a:lnRef>
+          <a:fillRef idx="0">
+            <a:schemeClr val="accent1"/>
+          </a:fillRef>
+          <a:effectRef idx="0">
+            <a:schemeClr val="accent1"/>
+          </a:effectRef>
+          <a:fontRef idx="minor">
+            <a:schemeClr val="tx1"/>
+          </a:fontRef>
+        </p:style>
+      </p:cxnSp>
+      <p:cxnSp>
+        <p:nvCxnSpPr>
+          <p:cNvPr id="21" name="Straight Arrow Connector 20"/>
+          <p:cNvCxnSpPr/>
+          <p:nvPr/>
+        </p:nvCxnSpPr>
+        <p:spPr>
+          <a:xfrm>
+            <a:off x="6256421" y="1861686"/>
+            <a:ext cx="1915427" cy="583130"/>
+          </a:xfrm>
+          <a:prstGeom prst="straightConnector1">
+            <a:avLst/>
+          </a:prstGeom>
+          <a:ln w="57150">
+            <a:solidFill>
+              <a:srgbClr val="FF0000"/>
+            </a:solidFill>
+            <a:prstDash val="sysDot"/>
+            <a:tailEnd type="triangle"/>
+          </a:ln>
+        </p:spPr>
+        <p:style>
+          <a:lnRef idx="1">
+            <a:schemeClr val="accent1"/>
+          </a:lnRef>
+          <a:fillRef idx="0">
+            <a:schemeClr val="accent1"/>
+          </a:fillRef>
+          <a:effectRef idx="0">
+            <a:schemeClr val="accent1"/>
+          </a:effectRef>
+          <a:fontRef idx="minor">
+            <a:schemeClr val="tx1"/>
+          </a:fontRef>
+        </p:style>
+      </p:cxnSp>
+      <p:sp>
+        <p:nvSpPr>
+          <p:cNvPr id="26" name="Flowchart: Connector 25"/>
+          <p:cNvSpPr/>
+          <p:nvPr/>
+        </p:nvSpPr>
+        <p:spPr>
+          <a:xfrm>
+            <a:off x="3349592" y="1032309"/>
+            <a:ext cx="308008" cy="250257"/>
+          </a:xfrm>
+          <a:prstGeom prst="flowChartConnector">
+            <a:avLst/>
+          </a:prstGeom>
+          <a:solidFill>
+            <a:srgbClr val="FFFF00"/>
+          </a:solidFill>
+        </p:spPr>
+        <p:style>
+          <a:lnRef idx="2">
+            <a:schemeClr val="accent1">
+              <a:shade val="50000"/>
+            </a:schemeClr>
+          </a:lnRef>
+          <a:fillRef idx="1">
+            <a:schemeClr val="accent1"/>
+          </a:fillRef>
+          <a:effectRef idx="0">
+            <a:schemeClr val="accent1"/>
+          </a:effectRef>
+          <a:fontRef idx="minor">
+            <a:schemeClr val="lt1"/>
+          </a:fontRef>
+        </p:style>
+        <p:txBody>
+          <a:bodyPr rtlCol="0" anchor="ctr"/>
+          <a:lstStyle/>
+          <a:p>
+            <a:pPr algn="ctr"/>
+            <a:r>
+              <a:rPr lang="en-US" b="1" dirty="0">
+                <a:solidFill>
+                  <a:schemeClr val="tx1"/>
+                </a:solidFill>
+              </a:rPr>
               <a:t>A</a:t>
             </a:r>
           </a:p>
@@ -15314,7 +15530,7 @@
 </p:sld>
 </file>
 
-<file path=ppt/slides/slide35.xml><?xml version="1.0" encoding="utf-8"?>
+<file path=ppt/slides/slide36.xml><?xml version="1.0" encoding="utf-8"?>
 <p:sld xmlns:a="http://schemas.openxmlformats.org/drawingml/2006/main" xmlns:r="http://schemas.openxmlformats.org/officeDocument/2006/relationships" xmlns:p="http://schemas.openxmlformats.org/presentationml/2006/main">
   <p:cSld>
     <p:spTree>
@@ -16007,162 +16223,6 @@
 </p:sld>
 </file>
 
-<file path=ppt/slides/slide36.xml><?xml version="1.0" encoding="utf-8"?>
-<p:sld xmlns:a="http://schemas.openxmlformats.org/drawingml/2006/main" xmlns:r="http://schemas.openxmlformats.org/officeDocument/2006/relationships" xmlns:p="http://schemas.openxmlformats.org/presentationml/2006/main">
-  <p:cSld>
-    <p:spTree>
-      <p:nvGrpSpPr>
-        <p:cNvPr id="1" name=""/>
-        <p:cNvGrpSpPr/>
-        <p:nvPr/>
-      </p:nvGrpSpPr>
-      <p:grpSpPr>
-        <a:xfrm>
-          <a:off x="0" y="0"/>
-          <a:ext cx="0" cy="0"/>
-          <a:chOff x="0" y="0"/>
-          <a:chExt cx="0" cy="0"/>
-        </a:xfrm>
-      </p:grpSpPr>
-      <p:sp>
-        <p:nvSpPr>
-          <p:cNvPr id="14" name="TextBox 13"/>
-          <p:cNvSpPr txBox="1"/>
-          <p:nvPr/>
-        </p:nvSpPr>
-        <p:spPr>
-          <a:xfrm>
-            <a:off x="600075" y="1876425"/>
-            <a:ext cx="10120848" cy="2308324"/>
-          </a:xfrm>
-          <a:prstGeom prst="rect">
-            <a:avLst/>
-          </a:prstGeom>
-          <a:noFill/>
-        </p:spPr>
-        <p:txBody>
-          <a:bodyPr wrap="none" rtlCol="0">
-            <a:spAutoFit/>
-          </a:bodyPr>
-          <a:lstStyle/>
-          <a:p>
-            <a:pPr marL="285750" indent="-285750">
-              <a:buFont typeface="Arial" panose="020B0604020202020204" pitchFamily="34" charset="0"/>
-              <a:buChar char="•"/>
-            </a:pPr>
-            <a:r>
-              <a:rPr lang="en-US" dirty="0"/>
-              <a:t>Useful in Big Data scenarios</a:t>
-            </a:r>
-          </a:p>
-          <a:p>
-            <a:pPr marL="285750" indent="-285750">
-              <a:buFont typeface="Arial" panose="020B0604020202020204" pitchFamily="34" charset="0"/>
-              <a:buChar char="•"/>
-            </a:pPr>
-            <a:r>
-              <a:rPr lang="en-US" dirty="0"/>
-              <a:t>There is no point to running this as a single node…you want to run this a as distributed set of nodes on </a:t>
-            </a:r>
-            <a:br>
-              <a:rPr lang="en-US" dirty="0"/>
-            </a:br>
-            <a:r>
-              <a:rPr lang="en-US" dirty="0"/>
-              <a:t>commodity hardware to get any real benefit from wide column</a:t>
-            </a:r>
-          </a:p>
-          <a:p>
-            <a:pPr marL="285750" indent="-285750">
-              <a:buFont typeface="Arial" panose="020B0604020202020204" pitchFamily="34" charset="0"/>
-              <a:buChar char="•"/>
-            </a:pPr>
-            <a:r>
-              <a:rPr lang="en-US" dirty="0"/>
-              <a:t>Memory considerations (working set) - Canonical example of computing average salary of users:</a:t>
-            </a:r>
-          </a:p>
-          <a:p>
-            <a:pPr marL="742950" lvl="1" indent="-285750">
-              <a:buFont typeface="Arial" panose="020B0604020202020204" pitchFamily="34" charset="0"/>
-              <a:buChar char="•"/>
-            </a:pPr>
-            <a:r>
-              <a:rPr lang="en-US" dirty="0"/>
-              <a:t>Show schema in RDMS/document</a:t>
-            </a:r>
-          </a:p>
-          <a:p>
-            <a:pPr marL="742950" lvl="1" indent="-285750">
-              <a:buFont typeface="Arial" panose="020B0604020202020204" pitchFamily="34" charset="0"/>
-              <a:buChar char="•"/>
-            </a:pPr>
-            <a:r>
-              <a:rPr lang="en-US" dirty="0"/>
-              <a:t>Show schema in Wide Column</a:t>
-            </a:r>
-          </a:p>
-          <a:p>
-            <a:pPr marL="285750" indent="-285750">
-              <a:buFont typeface="Arial" panose="020B0604020202020204" pitchFamily="34" charset="0"/>
-              <a:buChar char="•"/>
-            </a:pPr>
-            <a:r>
-              <a:rPr lang="en-US" dirty="0"/>
-              <a:t>Tend to be Eventually consistent</a:t>
-            </a:r>
-          </a:p>
-          <a:p>
-            <a:pPr marL="285750" indent="-285750">
-              <a:buFont typeface="Arial" panose="020B0604020202020204" pitchFamily="34" charset="0"/>
-              <a:buChar char="•"/>
-            </a:pPr>
-            <a:endParaRPr lang="en-US" dirty="0"/>
-          </a:p>
-        </p:txBody>
-      </p:sp>
-      <p:sp>
-        <p:nvSpPr>
-          <p:cNvPr id="16" name="TextBox 15"/>
-          <p:cNvSpPr txBox="1"/>
-          <p:nvPr/>
-        </p:nvSpPr>
-        <p:spPr>
-          <a:xfrm>
-            <a:off x="2638425" y="457200"/>
-            <a:ext cx="4157613" cy="584775"/>
-          </a:xfrm>
-          <a:prstGeom prst="rect">
-            <a:avLst/>
-          </a:prstGeom>
-          <a:noFill/>
-        </p:spPr>
-        <p:txBody>
-          <a:bodyPr wrap="none" rtlCol="0">
-            <a:spAutoFit/>
-          </a:bodyPr>
-          <a:lstStyle/>
-          <a:p>
-            <a:r>
-              <a:rPr lang="en-US" sz="4800" baseline="-25000" dirty="0"/>
-              <a:t>COLUMNAR DATABASES</a:t>
-            </a:r>
-          </a:p>
-        </p:txBody>
-      </p:sp>
-    </p:spTree>
-    <p:extLst>
-      <p:ext uri="{BB962C8B-B14F-4D97-AF65-F5344CB8AC3E}">
-        <p14:creationId xmlns:p14="http://schemas.microsoft.com/office/powerpoint/2010/main" val="2287619243"/>
-      </p:ext>
-    </p:extLst>
-  </p:cSld>
-  <p:clrMapOvr>
-    <a:masterClrMapping/>
-  </p:clrMapOvr>
-</p:sld>
-</file>
-
 <file path=ppt/slides/slide37.xml><?xml version="1.0" encoding="utf-8"?>
 <p:sld xmlns:a="http://schemas.openxmlformats.org/drawingml/2006/main" xmlns:r="http://schemas.openxmlformats.org/officeDocument/2006/relationships" xmlns:p="http://schemas.openxmlformats.org/presentationml/2006/main">
   <p:cSld>
@@ -16182,14 +16242,14 @@
       </p:grpSpPr>
       <p:sp>
         <p:nvSpPr>
-          <p:cNvPr id="5" name="TextBox 4"/>
+          <p:cNvPr id="14" name="TextBox 13"/>
           <p:cNvSpPr txBox="1"/>
           <p:nvPr/>
         </p:nvSpPr>
         <p:spPr>
           <a:xfrm>
-            <a:off x="3918715" y="1299685"/>
-            <a:ext cx="3442674" cy="1477328"/>
+            <a:off x="600075" y="1876425"/>
+            <a:ext cx="10120848" cy="2308324"/>
           </a:xfrm>
           <a:prstGeom prst="rect">
             <a:avLst/>
@@ -16208,7 +16268,7 @@
             </a:pPr>
             <a:r>
               <a:rPr lang="en-US" dirty="0"/>
-              <a:t>Show all users</a:t>
+              <a:t>Useful in Big Data scenarios</a:t>
             </a:r>
           </a:p>
           <a:p>
@@ -16218,7 +16278,14 @@
             </a:pPr>
             <a:r>
               <a:rPr lang="en-US" dirty="0"/>
-              <a:t>Show who a user is friends with</a:t>
+              <a:t>There is no point to running this as a single node…you want to run this a as distributed set of nodes on </a:t>
+            </a:r>
+            <a:br>
+              <a:rPr lang="en-US" dirty="0"/>
+            </a:br>
+            <a:r>
+              <a:rPr lang="en-US" dirty="0"/>
+              <a:t>commodity hardware to get any real benefit from wide column</a:t>
             </a:r>
           </a:p>
           <a:p>
@@ -16228,7 +16295,27 @@
             </a:pPr>
             <a:r>
               <a:rPr lang="en-US" dirty="0"/>
-              <a:t>Show all posts (default)</a:t>
+              <a:t>Memory considerations (working set) - Canonical example of computing average salary of users:</a:t>
+            </a:r>
+          </a:p>
+          <a:p>
+            <a:pPr marL="742950" lvl="1" indent="-285750">
+              <a:buFont typeface="Arial" panose="020B0604020202020204" pitchFamily="34" charset="0"/>
+              <a:buChar char="•"/>
+            </a:pPr>
+            <a:r>
+              <a:rPr lang="en-US" dirty="0"/>
+              <a:t>Show schema in RDMS/document</a:t>
+            </a:r>
+          </a:p>
+          <a:p>
+            <a:pPr marL="742950" lvl="1" indent="-285750">
+              <a:buFont typeface="Arial" panose="020B0604020202020204" pitchFamily="34" charset="0"/>
+              <a:buChar char="•"/>
+            </a:pPr>
+            <a:r>
+              <a:rPr lang="en-US" dirty="0"/>
+              <a:t>Show schema in Wide Column</a:t>
             </a:r>
           </a:p>
           <a:p>
@@ -16238,7 +16325,7 @@
             </a:pPr>
             <a:r>
               <a:rPr lang="en-US" dirty="0"/>
-              <a:t>Show all posts of a user</a:t>
+              <a:t>Tend to be Eventually consistent</a:t>
             </a:r>
           </a:p>
           <a:p>
@@ -16252,312 +16339,14 @@
       </p:sp>
       <p:sp>
         <p:nvSpPr>
-          <p:cNvPr id="6" name="Rectangle 5"/>
-          <p:cNvSpPr/>
+          <p:cNvPr id="16" name="TextBox 15"/>
+          <p:cNvSpPr txBox="1"/>
           <p:nvPr/>
         </p:nvSpPr>
         <p:spPr>
           <a:xfrm>
-            <a:off x="419100" y="1099660"/>
-            <a:ext cx="1295400" cy="1073705"/>
-          </a:xfrm>
-          <a:prstGeom prst="rect">
-            <a:avLst/>
-          </a:prstGeom>
-        </p:spPr>
-        <p:style>
-          <a:lnRef idx="2">
-            <a:schemeClr val="accent1">
-              <a:shade val="50000"/>
-            </a:schemeClr>
-          </a:lnRef>
-          <a:fillRef idx="1">
-            <a:schemeClr val="accent1"/>
-          </a:fillRef>
-          <a:effectRef idx="0">
-            <a:schemeClr val="accent1"/>
-          </a:effectRef>
-          <a:fontRef idx="minor">
-            <a:schemeClr val="lt1"/>
-          </a:fontRef>
-        </p:style>
-        <p:txBody>
-          <a:bodyPr rtlCol="0" anchor="ctr"/>
-          <a:lstStyle/>
-          <a:p>
-            <a:r>
-              <a:rPr lang="en-US" sz="1400" b="1" dirty="0">
-                <a:solidFill>
-                  <a:srgbClr val="FFFF00"/>
-                </a:solidFill>
-              </a:rPr>
-              <a:t>USERS</a:t>
-            </a:r>
-            <a:br>
-              <a:rPr lang="en-US" sz="1400" dirty="0"/>
-            </a:br>
-            <a:r>
-              <a:rPr lang="en-US" sz="1400" dirty="0"/>
-              <a:t>username</a:t>
-            </a:r>
-            <a:br>
-              <a:rPr lang="en-US" sz="1400" dirty="0"/>
-            </a:br>
-            <a:r>
-              <a:rPr lang="en-US" sz="1400" dirty="0"/>
-              <a:t>password</a:t>
-            </a:r>
-            <a:br>
-              <a:rPr lang="en-US" sz="1400" dirty="0"/>
-            </a:br>
-            <a:r>
-              <a:rPr lang="en-US" sz="1400" dirty="0"/>
-              <a:t>email</a:t>
-            </a:r>
-            <a:br>
-              <a:rPr lang="en-US" sz="1400" dirty="0"/>
-            </a:br>
-            <a:r>
-              <a:rPr lang="en-US" sz="1400" dirty="0"/>
-              <a:t>name</a:t>
-            </a:r>
-          </a:p>
-        </p:txBody>
-      </p:sp>
-      <p:sp>
-        <p:nvSpPr>
-          <p:cNvPr id="8" name="Rectangle 7"/>
-          <p:cNvSpPr/>
-          <p:nvPr/>
-        </p:nvSpPr>
-        <p:spPr>
-          <a:xfrm>
-            <a:off x="2066924" y="1099661"/>
-            <a:ext cx="1333501" cy="938688"/>
-          </a:xfrm>
-          <a:prstGeom prst="rect">
-            <a:avLst/>
-          </a:prstGeom>
-        </p:spPr>
-        <p:style>
-          <a:lnRef idx="2">
-            <a:schemeClr val="accent1">
-              <a:shade val="50000"/>
-            </a:schemeClr>
-          </a:lnRef>
-          <a:fillRef idx="1">
-            <a:schemeClr val="accent1"/>
-          </a:fillRef>
-          <a:effectRef idx="0">
-            <a:schemeClr val="accent1"/>
-          </a:effectRef>
-          <a:fontRef idx="minor">
-            <a:schemeClr val="lt1"/>
-          </a:fontRef>
-        </p:style>
-        <p:txBody>
-          <a:bodyPr rtlCol="0" anchor="ctr"/>
-          <a:lstStyle/>
-          <a:p>
-            <a:r>
-              <a:rPr lang="en-US" sz="1400" b="1" dirty="0">
-                <a:solidFill>
-                  <a:srgbClr val="FFFF00"/>
-                </a:solidFill>
-              </a:rPr>
-              <a:t>FRIENDS</a:t>
-            </a:r>
-            <a:br>
-              <a:rPr lang="en-US" sz="1400" dirty="0"/>
-            </a:br>
-            <a:r>
-              <a:rPr lang="en-US" sz="1400" dirty="0"/>
-              <a:t>username</a:t>
-            </a:r>
-            <a:br>
-              <a:rPr lang="en-US" sz="1400" dirty="0"/>
-            </a:br>
-            <a:r>
-              <a:rPr lang="en-US" sz="1400" dirty="0"/>
-              <a:t>friendsWith</a:t>
-            </a:r>
-          </a:p>
-        </p:txBody>
-      </p:sp>
-      <p:sp>
-        <p:nvSpPr>
-          <p:cNvPr id="9" name="Rectangle 8"/>
-          <p:cNvSpPr/>
-          <p:nvPr/>
-        </p:nvSpPr>
-        <p:spPr>
-          <a:xfrm>
-            <a:off x="2066925" y="2419021"/>
-            <a:ext cx="1333501" cy="938689"/>
-          </a:xfrm>
-          <a:prstGeom prst="rect">
-            <a:avLst/>
-          </a:prstGeom>
-        </p:spPr>
-        <p:style>
-          <a:lnRef idx="2">
-            <a:schemeClr val="accent1">
-              <a:shade val="50000"/>
-            </a:schemeClr>
-          </a:lnRef>
-          <a:fillRef idx="1">
-            <a:schemeClr val="accent1"/>
-          </a:fillRef>
-          <a:effectRef idx="0">
-            <a:schemeClr val="accent1"/>
-          </a:effectRef>
-          <a:fontRef idx="minor">
-            <a:schemeClr val="lt1"/>
-          </a:fontRef>
-        </p:style>
-        <p:txBody>
-          <a:bodyPr rtlCol="0" anchor="ctr"/>
-          <a:lstStyle/>
-          <a:p>
-            <a:r>
-              <a:rPr lang="en-US" sz="1400" b="1" dirty="0">
-                <a:solidFill>
-                  <a:srgbClr val="FFFF00"/>
-                </a:solidFill>
-              </a:rPr>
-              <a:t>POSTS</a:t>
-            </a:r>
-            <a:br>
-              <a:rPr lang="en-US" sz="1400" dirty="0"/>
-            </a:br>
-            <a:r>
-              <a:rPr lang="en-US" sz="1400" dirty="0"/>
-              <a:t>post_id (uuid)</a:t>
-            </a:r>
-            <a:br>
-              <a:rPr lang="en-US" sz="1400" dirty="0"/>
-            </a:br>
-            <a:r>
-              <a:rPr lang="en-US" sz="1400" dirty="0"/>
-              <a:t>username</a:t>
-            </a:r>
-            <a:br>
-              <a:rPr lang="en-US" sz="1400" dirty="0"/>
-            </a:br>
-            <a:r>
-              <a:rPr lang="en-US" sz="1400" dirty="0"/>
-              <a:t>body</a:t>
-            </a:r>
-          </a:p>
-        </p:txBody>
-      </p:sp>
-      <p:sp>
-        <p:nvSpPr>
-          <p:cNvPr id="10" name="Rectangle 9"/>
-          <p:cNvSpPr/>
-          <p:nvPr/>
-        </p:nvSpPr>
-        <p:spPr>
-          <a:xfrm>
-            <a:off x="419100" y="2419021"/>
-            <a:ext cx="1295400" cy="938688"/>
-          </a:xfrm>
-          <a:prstGeom prst="rect">
-            <a:avLst/>
-          </a:prstGeom>
-        </p:spPr>
-        <p:style>
-          <a:lnRef idx="2">
-            <a:schemeClr val="accent1">
-              <a:shade val="50000"/>
-            </a:schemeClr>
-          </a:lnRef>
-          <a:fillRef idx="1">
-            <a:schemeClr val="accent1"/>
-          </a:fillRef>
-          <a:effectRef idx="0">
-            <a:schemeClr val="accent1"/>
-          </a:effectRef>
-          <a:fontRef idx="minor">
-            <a:schemeClr val="lt1"/>
-          </a:fontRef>
-        </p:style>
-        <p:txBody>
-          <a:bodyPr rtlCol="0" anchor="ctr"/>
-          <a:lstStyle/>
-          <a:p>
-            <a:r>
-              <a:rPr lang="en-US" sz="1400" b="1" dirty="0">
-                <a:solidFill>
-                  <a:srgbClr val="FFFF00"/>
-                </a:solidFill>
-              </a:rPr>
-              <a:t>USERPOSTS</a:t>
-            </a:r>
-            <a:br>
-              <a:rPr lang="en-US" sz="1400" dirty="0"/>
-            </a:br>
-            <a:r>
-              <a:rPr lang="en-US" sz="1400" dirty="0"/>
-              <a:t>username</a:t>
-            </a:r>
-            <a:br>
-              <a:rPr lang="en-US" sz="1400" dirty="0"/>
-            </a:br>
-            <a:r>
-              <a:rPr lang="en-US" sz="1400" dirty="0"/>
-              <a:t>post_id</a:t>
-            </a:r>
-            <a:br>
-              <a:rPr lang="en-US" sz="1400" dirty="0"/>
-            </a:br>
-            <a:r>
-              <a:rPr lang="en-US" sz="1400" dirty="0"/>
-              <a:t>body</a:t>
-            </a:r>
-          </a:p>
-        </p:txBody>
-      </p:sp>
-      <p:cxnSp>
-        <p:nvCxnSpPr>
-          <p:cNvPr id="13" name="Straight Connector 12"/>
-          <p:cNvCxnSpPr/>
-          <p:nvPr/>
-        </p:nvCxnSpPr>
-        <p:spPr>
-          <a:xfrm flipV="1">
-            <a:off x="752475" y="447675"/>
-            <a:ext cx="8077200" cy="47625"/>
-          </a:xfrm>
-          <a:prstGeom prst="line">
-            <a:avLst/>
-          </a:prstGeom>
-        </p:spPr>
-        <p:style>
-          <a:lnRef idx="1">
-            <a:schemeClr val="accent1"/>
-          </a:lnRef>
-          <a:fillRef idx="0">
-            <a:schemeClr val="accent1"/>
-          </a:fillRef>
-          <a:effectRef idx="0">
-            <a:schemeClr val="accent1"/>
-          </a:effectRef>
-          <a:fontRef idx="minor">
-            <a:schemeClr val="tx1"/>
-          </a:fontRef>
-        </p:style>
-      </p:cxnSp>
-      <p:sp>
-        <p:nvSpPr>
-          <p:cNvPr id="2" name="TextBox 1"/>
-          <p:cNvSpPr txBox="1"/>
-          <p:nvPr/>
-        </p:nvSpPr>
-        <p:spPr>
-          <a:xfrm>
-            <a:off x="685800" y="4362450"/>
-            <a:ext cx="4261616" cy="369332"/>
+            <a:off x="2638425" y="457200"/>
+            <a:ext cx="4157613" cy="584775"/>
           </a:xfrm>
           <a:prstGeom prst="rect">
             <a:avLst/>
@@ -16571,8 +16360,8 @@
           <a:lstStyle/>
           <a:p>
             <a:r>
-              <a:rPr lang="en-US" dirty="0"/>
-              <a:t>Notice the schema has tons of repeat data  </a:t>
+              <a:rPr lang="en-US" sz="4800" baseline="-25000" dirty="0"/>
+              <a:t>COLUMNAR DATABASES</a:t>
             </a:r>
           </a:p>
         </p:txBody>
@@ -16580,7 +16369,7 @@
     </p:spTree>
     <p:extLst>
       <p:ext uri="{BB962C8B-B14F-4D97-AF65-F5344CB8AC3E}">
-        <p14:creationId xmlns:p14="http://schemas.microsoft.com/office/powerpoint/2010/main" val="4087515015"/>
+        <p14:creationId xmlns:p14="http://schemas.microsoft.com/office/powerpoint/2010/main" val="2287619243"/>
       </p:ext>
     </p:extLst>
   </p:cSld>
@@ -16609,76 +16398,405 @@
       </p:grpSpPr>
       <p:sp>
         <p:nvSpPr>
-          <p:cNvPr id="2" name="Title 1"/>
-          <p:cNvSpPr>
-            <a:spLocks noGrp="1"/>
-          </p:cNvSpPr>
-          <p:nvPr>
-            <p:ph type="title"/>
-          </p:nvPr>
-        </p:nvSpPr>
-        <p:spPr/>
-        <p:txBody>
-          <a:bodyPr/>
-          <a:lstStyle/>
-          <a:p>
+          <p:cNvPr id="5" name="TextBox 4"/>
+          <p:cNvSpPr txBox="1"/>
+          <p:nvPr/>
+        </p:nvSpPr>
+        <p:spPr>
+          <a:xfrm>
+            <a:off x="3918715" y="1299685"/>
+            <a:ext cx="3442674" cy="1477328"/>
+          </a:xfrm>
+          <a:prstGeom prst="rect">
+            <a:avLst/>
+          </a:prstGeom>
+          <a:noFill/>
+        </p:spPr>
+        <p:txBody>
+          <a:bodyPr wrap="none" rtlCol="0">
+            <a:spAutoFit/>
+          </a:bodyPr>
+          <a:lstStyle/>
+          <a:p>
+            <a:pPr marL="285750" indent="-285750">
+              <a:buFont typeface="Arial" panose="020B0604020202020204" pitchFamily="34" charset="0"/>
+              <a:buChar char="•"/>
+            </a:pPr>
             <a:r>
               <a:rPr lang="en-US" dirty="0"/>
-              <a:t>Things specific to Cassandra</a:t>
-            </a:r>
-          </a:p>
-        </p:txBody>
-      </p:sp>
-      <p:sp>
-        <p:nvSpPr>
-          <p:cNvPr id="3" name="Content Placeholder 2"/>
-          <p:cNvSpPr>
-            <a:spLocks noGrp="1"/>
-          </p:cNvSpPr>
-          <p:nvPr>
-            <p:ph idx="1"/>
-          </p:nvPr>
-        </p:nvSpPr>
-        <p:spPr/>
-        <p:txBody>
-          <a:bodyPr/>
-          <a:lstStyle/>
-          <a:p>
+              <a:t>Show all users</a:t>
+            </a:r>
+          </a:p>
+          <a:p>
+            <a:pPr marL="285750" indent="-285750">
+              <a:buFont typeface="Arial" panose="020B0604020202020204" pitchFamily="34" charset="0"/>
+              <a:buChar char="•"/>
+            </a:pPr>
             <a:r>
               <a:rPr lang="en-US" dirty="0"/>
-              <a:t>Optimizes on fast and durable writes.</a:t>
-            </a:r>
-          </a:p>
-          <a:p>
+              <a:t>Show who a user is friends with</a:t>
+            </a:r>
+          </a:p>
+          <a:p>
+            <a:pPr marL="285750" indent="-285750">
+              <a:buFont typeface="Arial" panose="020B0604020202020204" pitchFamily="34" charset="0"/>
+              <a:buChar char="•"/>
+            </a:pPr>
             <a:r>
               <a:rPr lang="en-US" dirty="0"/>
-              <a:t>Underlying data structure: Bloom Filter</a:t>
-            </a:r>
-          </a:p>
-          <a:p>
+              <a:t>Show all posts (default)</a:t>
+            </a:r>
+          </a:p>
+          <a:p>
+            <a:pPr marL="285750" indent="-285750">
+              <a:buFont typeface="Arial" panose="020B0604020202020204" pitchFamily="34" charset="0"/>
+              <a:buChar char="•"/>
+            </a:pPr>
             <a:r>
               <a:rPr lang="en-US" dirty="0"/>
-              <a:t>There a local mode for Windows (community edition). And its free.</a:t>
-            </a:r>
-          </a:p>
+              <a:t>Show all posts of a user</a:t>
+            </a:r>
+          </a:p>
+          <a:p>
+            <a:pPr marL="285750" indent="-285750">
+              <a:buFont typeface="Arial" panose="020B0604020202020204" pitchFamily="34" charset="0"/>
+              <a:buChar char="•"/>
+            </a:pPr>
+            <a:endParaRPr lang="en-US" dirty="0"/>
+          </a:p>
+        </p:txBody>
+      </p:sp>
+      <p:sp>
+        <p:nvSpPr>
+          <p:cNvPr id="6" name="Rectangle 5"/>
+          <p:cNvSpPr/>
+          <p:nvPr/>
+        </p:nvSpPr>
+        <p:spPr>
+          <a:xfrm>
+            <a:off x="419100" y="1099660"/>
+            <a:ext cx="1295400" cy="1073705"/>
+          </a:xfrm>
+          <a:prstGeom prst="rect">
+            <a:avLst/>
+          </a:prstGeom>
+        </p:spPr>
+        <p:style>
+          <a:lnRef idx="2">
+            <a:schemeClr val="accent1">
+              <a:shade val="50000"/>
+            </a:schemeClr>
+          </a:lnRef>
+          <a:fillRef idx="1">
+            <a:schemeClr val="accent1"/>
+          </a:fillRef>
+          <a:effectRef idx="0">
+            <a:schemeClr val="accent1"/>
+          </a:effectRef>
+          <a:fontRef idx="minor">
+            <a:schemeClr val="lt1"/>
+          </a:fontRef>
+        </p:style>
+        <p:txBody>
+          <a:bodyPr rtlCol="0" anchor="ctr"/>
+          <a:lstStyle/>
+          <a:p>
+            <a:r>
+              <a:rPr lang="en-US" sz="1400" b="1" dirty="0">
+                <a:solidFill>
+                  <a:srgbClr val="FFFF00"/>
+                </a:solidFill>
+              </a:rPr>
+              <a:t>USERS</a:t>
+            </a:r>
+            <a:br>
+              <a:rPr lang="en-US" sz="1400" dirty="0"/>
+            </a:br>
+            <a:r>
+              <a:rPr lang="en-US" sz="1400" dirty="0"/>
+              <a:t>username</a:t>
+            </a:r>
+            <a:br>
+              <a:rPr lang="en-US" sz="1400" dirty="0"/>
+            </a:br>
+            <a:r>
+              <a:rPr lang="en-US" sz="1400" dirty="0"/>
+              <a:t>password</a:t>
+            </a:r>
+            <a:br>
+              <a:rPr lang="en-US" sz="1400" dirty="0"/>
+            </a:br>
+            <a:r>
+              <a:rPr lang="en-US" sz="1400" dirty="0"/>
+              <a:t>email</a:t>
+            </a:r>
+            <a:br>
+              <a:rPr lang="en-US" sz="1400" dirty="0"/>
+            </a:br>
+            <a:r>
+              <a:rPr lang="en-US" sz="1400" dirty="0"/>
+              <a:t>name</a:t>
+            </a:r>
+          </a:p>
+        </p:txBody>
+      </p:sp>
+      <p:sp>
+        <p:nvSpPr>
+          <p:cNvPr id="8" name="Rectangle 7"/>
+          <p:cNvSpPr/>
+          <p:nvPr/>
+        </p:nvSpPr>
+        <p:spPr>
+          <a:xfrm>
+            <a:off x="2066924" y="1099661"/>
+            <a:ext cx="1333501" cy="938688"/>
+          </a:xfrm>
+          <a:prstGeom prst="rect">
+            <a:avLst/>
+          </a:prstGeom>
+        </p:spPr>
+        <p:style>
+          <a:lnRef idx="2">
+            <a:schemeClr val="accent1">
+              <a:shade val="50000"/>
+            </a:schemeClr>
+          </a:lnRef>
+          <a:fillRef idx="1">
+            <a:schemeClr val="accent1"/>
+          </a:fillRef>
+          <a:effectRef idx="0">
+            <a:schemeClr val="accent1"/>
+          </a:effectRef>
+          <a:fontRef idx="minor">
+            <a:schemeClr val="lt1"/>
+          </a:fontRef>
+        </p:style>
+        <p:txBody>
+          <a:bodyPr rtlCol="0" anchor="ctr"/>
+          <a:lstStyle/>
+          <a:p>
+            <a:r>
+              <a:rPr lang="en-US" sz="1400" b="1" dirty="0">
+                <a:solidFill>
+                  <a:srgbClr val="FFFF00"/>
+                </a:solidFill>
+              </a:rPr>
+              <a:t>FRIENDS</a:t>
+            </a:r>
+            <a:br>
+              <a:rPr lang="en-US" sz="1400" dirty="0"/>
+            </a:br>
+            <a:r>
+              <a:rPr lang="en-US" sz="1400" dirty="0"/>
+              <a:t>username</a:t>
+            </a:r>
+            <a:br>
+              <a:rPr lang="en-US" sz="1400" dirty="0"/>
+            </a:br>
+            <a:r>
+              <a:rPr lang="en-US" sz="1400" dirty="0"/>
+              <a:t>friendsWith</a:t>
+            </a:r>
+          </a:p>
+        </p:txBody>
+      </p:sp>
+      <p:sp>
+        <p:nvSpPr>
+          <p:cNvPr id="9" name="Rectangle 8"/>
+          <p:cNvSpPr/>
+          <p:nvPr/>
+        </p:nvSpPr>
+        <p:spPr>
+          <a:xfrm>
+            <a:off x="2066925" y="2419021"/>
+            <a:ext cx="1333501" cy="938689"/>
+          </a:xfrm>
+          <a:prstGeom prst="rect">
+            <a:avLst/>
+          </a:prstGeom>
+        </p:spPr>
+        <p:style>
+          <a:lnRef idx="2">
+            <a:schemeClr val="accent1">
+              <a:shade val="50000"/>
+            </a:schemeClr>
+          </a:lnRef>
+          <a:fillRef idx="1">
+            <a:schemeClr val="accent1"/>
+          </a:fillRef>
+          <a:effectRef idx="0">
+            <a:schemeClr val="accent1"/>
+          </a:effectRef>
+          <a:fontRef idx="minor">
+            <a:schemeClr val="lt1"/>
+          </a:fontRef>
+        </p:style>
+        <p:txBody>
+          <a:bodyPr rtlCol="0" anchor="ctr"/>
+          <a:lstStyle/>
+          <a:p>
+            <a:r>
+              <a:rPr lang="en-US" sz="1400" b="1" dirty="0">
+                <a:solidFill>
+                  <a:srgbClr val="FFFF00"/>
+                </a:solidFill>
+              </a:rPr>
+              <a:t>POSTS</a:t>
+            </a:r>
+            <a:br>
+              <a:rPr lang="en-US" sz="1400" dirty="0"/>
+            </a:br>
+            <a:r>
+              <a:rPr lang="en-US" sz="1400" dirty="0"/>
+              <a:t>post_id (uuid)</a:t>
+            </a:r>
+            <a:br>
+              <a:rPr lang="en-US" sz="1400" dirty="0"/>
+            </a:br>
+            <a:r>
+              <a:rPr lang="en-US" sz="1400" dirty="0"/>
+              <a:t>username</a:t>
+            </a:r>
+            <a:br>
+              <a:rPr lang="en-US" sz="1400" dirty="0"/>
+            </a:br>
+            <a:r>
+              <a:rPr lang="en-US" sz="1400" dirty="0"/>
+              <a:t>body</a:t>
+            </a:r>
+          </a:p>
+        </p:txBody>
+      </p:sp>
+      <p:sp>
+        <p:nvSpPr>
+          <p:cNvPr id="10" name="Rectangle 9"/>
+          <p:cNvSpPr/>
+          <p:nvPr/>
+        </p:nvSpPr>
+        <p:spPr>
+          <a:xfrm>
+            <a:off x="419100" y="2419021"/>
+            <a:ext cx="1295400" cy="938688"/>
+          </a:xfrm>
+          <a:prstGeom prst="rect">
+            <a:avLst/>
+          </a:prstGeom>
+        </p:spPr>
+        <p:style>
+          <a:lnRef idx="2">
+            <a:schemeClr val="accent1">
+              <a:shade val="50000"/>
+            </a:schemeClr>
+          </a:lnRef>
+          <a:fillRef idx="1">
+            <a:schemeClr val="accent1"/>
+          </a:fillRef>
+          <a:effectRef idx="0">
+            <a:schemeClr val="accent1"/>
+          </a:effectRef>
+          <a:fontRef idx="minor">
+            <a:schemeClr val="lt1"/>
+          </a:fontRef>
+        </p:style>
+        <p:txBody>
+          <a:bodyPr rtlCol="0" anchor="ctr"/>
+          <a:lstStyle/>
+          <a:p>
+            <a:r>
+              <a:rPr lang="en-US" sz="1400" b="1" dirty="0">
+                <a:solidFill>
+                  <a:srgbClr val="FFFF00"/>
+                </a:solidFill>
+              </a:rPr>
+              <a:t>USERPOSTS</a:t>
+            </a:r>
+            <a:br>
+              <a:rPr lang="en-US" sz="1400" dirty="0"/>
+            </a:br>
+            <a:r>
+              <a:rPr lang="en-US" sz="1400" dirty="0"/>
+              <a:t>username</a:t>
+            </a:r>
+            <a:br>
+              <a:rPr lang="en-US" sz="1400" dirty="0"/>
+            </a:br>
+            <a:r>
+              <a:rPr lang="en-US" sz="1400" dirty="0"/>
+              <a:t>post_id</a:t>
+            </a:r>
+            <a:br>
+              <a:rPr lang="en-US" sz="1400" dirty="0"/>
+            </a:br>
+            <a:r>
+              <a:rPr lang="en-US" sz="1400" dirty="0"/>
+              <a:t>body</a:t>
+            </a:r>
+          </a:p>
+        </p:txBody>
+      </p:sp>
+      <p:cxnSp>
+        <p:nvCxnSpPr>
+          <p:cNvPr id="13" name="Straight Connector 12"/>
+          <p:cNvCxnSpPr/>
+          <p:nvPr/>
+        </p:nvCxnSpPr>
+        <p:spPr>
+          <a:xfrm flipV="1">
+            <a:off x="752475" y="447675"/>
+            <a:ext cx="8077200" cy="47625"/>
+          </a:xfrm>
+          <a:prstGeom prst="line">
+            <a:avLst/>
+          </a:prstGeom>
+        </p:spPr>
+        <p:style>
+          <a:lnRef idx="1">
+            <a:schemeClr val="accent1"/>
+          </a:lnRef>
+          <a:fillRef idx="0">
+            <a:schemeClr val="accent1"/>
+          </a:fillRef>
+          <a:effectRef idx="0">
+            <a:schemeClr val="accent1"/>
+          </a:effectRef>
+          <a:fontRef idx="minor">
+            <a:schemeClr val="tx1"/>
+          </a:fontRef>
+        </p:style>
+      </p:cxnSp>
+      <p:sp>
+        <p:nvSpPr>
+          <p:cNvPr id="2" name="TextBox 1"/>
+          <p:cNvSpPr txBox="1"/>
+          <p:nvPr/>
+        </p:nvSpPr>
+        <p:spPr>
+          <a:xfrm>
+            <a:off x="685800" y="4362450"/>
+            <a:ext cx="4261616" cy="369332"/>
+          </a:xfrm>
+          <a:prstGeom prst="rect">
+            <a:avLst/>
+          </a:prstGeom>
+          <a:noFill/>
+        </p:spPr>
+        <p:txBody>
+          <a:bodyPr wrap="none" rtlCol="0">
+            <a:spAutoFit/>
+          </a:bodyPr>
+          <a:lstStyle/>
           <a:p>
             <a:r>
               <a:rPr lang="en-US" dirty="0"/>
-              <a:t>Has CQL which is like SQL (not all wide column are this nice!)</a:t>
-            </a:r>
-          </a:p>
-          <a:p>
-            <a:endParaRPr lang="en-US" dirty="0"/>
-          </a:p>
-          <a:p>
-            <a:endParaRPr lang="en-US" dirty="0"/>
+              <a:t>Notice the schema has tons of repeat data  </a:t>
+            </a:r>
           </a:p>
         </p:txBody>
       </p:sp>
     </p:spTree>
     <p:extLst>
       <p:ext uri="{BB962C8B-B14F-4D97-AF65-F5344CB8AC3E}">
-        <p14:creationId xmlns:p14="http://schemas.microsoft.com/office/powerpoint/2010/main" val="2546500980"/>
+        <p14:creationId xmlns:p14="http://schemas.microsoft.com/office/powerpoint/2010/main" val="4087515015"/>
       </p:ext>
     </p:extLst>
   </p:cSld>
@@ -16722,15 +16840,61 @@
           <a:p>
             <a:r>
               <a:rPr lang="en-US" dirty="0"/>
-              <a:t>When To Use?</a:t>
-            </a:r>
+              <a:t>Things specific to Cassandra</a:t>
+            </a:r>
+          </a:p>
+        </p:txBody>
+      </p:sp>
+      <p:sp>
+        <p:nvSpPr>
+          <p:cNvPr id="3" name="Content Placeholder 2"/>
+          <p:cNvSpPr>
+            <a:spLocks noGrp="1"/>
+          </p:cNvSpPr>
+          <p:nvPr>
+            <p:ph idx="1"/>
+          </p:nvPr>
+        </p:nvSpPr>
+        <p:spPr/>
+        <p:txBody>
+          <a:bodyPr/>
+          <a:lstStyle/>
+          <a:p>
+            <a:r>
+              <a:rPr lang="en-US" dirty="0"/>
+              <a:t>Optimizes on fast and durable writes.</a:t>
+            </a:r>
+          </a:p>
+          <a:p>
+            <a:r>
+              <a:rPr lang="en-US" dirty="0"/>
+              <a:t>Underlying data structure: Bloom Filter</a:t>
+            </a:r>
+          </a:p>
+          <a:p>
+            <a:r>
+              <a:rPr lang="en-US" dirty="0"/>
+              <a:t>There a local mode for Windows (community edition). And its free.</a:t>
+            </a:r>
+          </a:p>
+          <a:p>
+            <a:r>
+              <a:rPr lang="en-US" dirty="0"/>
+              <a:t>Has CQL which is like SQL (not all wide column are this nice!)</a:t>
+            </a:r>
+          </a:p>
+          <a:p>
+            <a:endParaRPr lang="en-US" dirty="0"/>
+          </a:p>
+          <a:p>
+            <a:endParaRPr lang="en-US" dirty="0"/>
           </a:p>
         </p:txBody>
       </p:sp>
     </p:spTree>
     <p:extLst>
       <p:ext uri="{BB962C8B-B14F-4D97-AF65-F5344CB8AC3E}">
-        <p14:creationId xmlns:p14="http://schemas.microsoft.com/office/powerpoint/2010/main" val="4043290513"/>
+        <p14:creationId xmlns:p14="http://schemas.microsoft.com/office/powerpoint/2010/main" val="2546500980"/>
       </p:ext>
     </p:extLst>
   </p:cSld>
@@ -17276,7 +17440,7 @@
           <a:p>
             <a:r>
               <a:rPr lang="en-US" dirty="0"/>
-              <a:t>When Not To Use?</a:t>
+              <a:t>When To Use?</a:t>
             </a:r>
           </a:p>
         </p:txBody>
@@ -17284,7 +17448,7 @@
     </p:spTree>
     <p:extLst>
       <p:ext uri="{BB962C8B-B14F-4D97-AF65-F5344CB8AC3E}">
-        <p14:creationId xmlns:p14="http://schemas.microsoft.com/office/powerpoint/2010/main" val="3324503949"/>
+        <p14:creationId xmlns:p14="http://schemas.microsoft.com/office/powerpoint/2010/main" val="4043290513"/>
       </p:ext>
     </p:extLst>
   </p:cSld>
@@ -17321,221 +17485,22 @@
             <p:ph type="title"/>
           </p:nvPr>
         </p:nvSpPr>
-        <p:spPr>
-          <a:xfrm>
-            <a:off x="751572" y="176572"/>
-            <a:ext cx="3493168" cy="1007632"/>
-          </a:xfrm>
-        </p:spPr>
+        <p:spPr/>
         <p:txBody>
           <a:bodyPr/>
           <a:lstStyle/>
           <a:p>
             <a:r>
-              <a:rPr lang="en-US" b="1" dirty="0">
-                <a:solidFill>
-                  <a:srgbClr val="FFFF00"/>
-                </a:solidFill>
-              </a:rPr>
-              <a:t>The Checklist</a:t>
-            </a:r>
-          </a:p>
-        </p:txBody>
-      </p:sp>
-      <p:sp>
-        <p:nvSpPr>
-          <p:cNvPr id="3" name="Content Placeholder 2"/>
-          <p:cNvSpPr>
-            <a:spLocks noGrp="1"/>
-          </p:cNvSpPr>
-          <p:nvPr>
-            <p:ph idx="1"/>
-          </p:nvPr>
-        </p:nvSpPr>
-        <p:spPr>
-          <a:xfrm>
-            <a:off x="389224" y="1184204"/>
-            <a:ext cx="10872334" cy="5149219"/>
-          </a:xfrm>
-        </p:spPr>
-        <p:txBody>
-          <a:bodyPr>
-            <a:normAutofit fontScale="62500" lnSpcReduction="20000"/>
-          </a:bodyPr>
-          <a:lstStyle/>
-          <a:p>
-            <a:pPr marL="514350" indent="-514350">
-              <a:buFont typeface="+mj-lt"/>
-              <a:buAutoNum type="arabicPeriod"/>
-            </a:pPr>
-            <a:r>
               <a:rPr lang="en-US" dirty="0"/>
-              <a:t>What category does this belong in? (Relational, Key-Value, Document, Graph, Columnar, Hybrid, Other)</a:t>
-            </a:r>
-          </a:p>
-          <a:p>
-            <a:pPr marL="514350" indent="-514350">
-              <a:buFont typeface="+mj-lt"/>
-              <a:buAutoNum type="arabicPeriod"/>
-            </a:pPr>
-            <a:r>
-              <a:rPr lang="en-US" dirty="0"/>
-              <a:t>What does this optimize on (i.e. do very well)? Reads, writes, transactions?</a:t>
-            </a:r>
-          </a:p>
-          <a:p>
-            <a:pPr marL="514350" indent="-514350">
-              <a:buFont typeface="+mj-lt"/>
-              <a:buAutoNum type="arabicPeriod"/>
-            </a:pPr>
-            <a:r>
-              <a:rPr lang="en-US" dirty="0"/>
-              <a:t>Is there a REST API? An SDK? Some native querying language?</a:t>
-            </a:r>
-          </a:p>
-          <a:p>
-            <a:pPr marL="514350" indent="-514350">
-              <a:buFont typeface="+mj-lt"/>
-              <a:buAutoNum type="arabicPeriod"/>
-            </a:pPr>
-            <a:r>
-              <a:rPr lang="en-US" dirty="0"/>
-              <a:t>Is the data format human readable: XML, JSON, etc. </a:t>
-            </a:r>
-          </a:p>
-          <a:p>
-            <a:pPr marL="514350" indent="-514350">
-              <a:buFont typeface="+mj-lt"/>
-              <a:buAutoNum type="arabicPeriod"/>
-            </a:pPr>
-            <a:r>
-              <a:rPr lang="en-US" dirty="0"/>
-              <a:t>Can it run on Windows? Linux? PAAS (Azure)?</a:t>
-            </a:r>
-          </a:p>
-          <a:p>
-            <a:pPr marL="514350" indent="-514350">
-              <a:buFont typeface="+mj-lt"/>
-              <a:buAutoNum type="arabicPeriod"/>
-            </a:pPr>
-            <a:r>
-              <a:rPr lang="en-US" dirty="0"/>
-              <a:t>Where does it fall on the CAP spectrum?</a:t>
-            </a:r>
-          </a:p>
-          <a:p>
-            <a:pPr marL="514350" indent="-514350">
-              <a:buFont typeface="+mj-lt"/>
-              <a:buAutoNum type="arabicPeriod"/>
-            </a:pPr>
-            <a:r>
-              <a:rPr lang="en-US" dirty="0"/>
-              <a:t>Auto-create database? Auto-create collections?</a:t>
-            </a:r>
-          </a:p>
-          <a:p>
-            <a:pPr marL="514350" indent="-514350">
-              <a:buFont typeface="+mj-lt"/>
-              <a:buAutoNum type="arabicPeriod"/>
-            </a:pPr>
-            <a:r>
-              <a:rPr lang="en-US" dirty="0"/>
-              <a:t>Is there a local mode?</a:t>
-            </a:r>
-          </a:p>
-          <a:p>
-            <a:pPr marL="514350" indent="-514350">
-              <a:buFont typeface="+mj-lt"/>
-              <a:buAutoNum type="arabicPeriod"/>
-            </a:pPr>
-            <a:r>
-              <a:rPr lang="en-US" dirty="0"/>
-              <a:t>Type of Indexing (Hash, B-tree, something else)</a:t>
-            </a:r>
-          </a:p>
-          <a:p>
-            <a:pPr marL="514350" indent="-514350">
-              <a:buFont typeface="+mj-lt"/>
-              <a:buAutoNum type="arabicPeriod"/>
-            </a:pPr>
-            <a:r>
-              <a:rPr lang="en-US" dirty="0"/>
-              <a:t>Does it support full-text search?</a:t>
-            </a:r>
-          </a:p>
-          <a:p>
-            <a:pPr marL="514350" indent="-514350">
-              <a:buFont typeface="+mj-lt"/>
-              <a:buAutoNum type="arabicPeriod"/>
-            </a:pPr>
-            <a:r>
-              <a:rPr lang="en-US" dirty="0"/>
-              <a:t>How does it scale? Support sharding?</a:t>
-            </a:r>
-          </a:p>
-          <a:p>
-            <a:pPr marL="514350" indent="-514350">
-              <a:buFont typeface="+mj-lt"/>
-              <a:buAutoNum type="arabicPeriod"/>
-            </a:pPr>
-            <a:r>
-              <a:rPr lang="en-US" dirty="0"/>
-              <a:t>How does it replicate? Master-slave or peer-peer?</a:t>
-            </a:r>
-          </a:p>
-          <a:p>
-            <a:pPr marL="514350" indent="-514350">
-              <a:buFont typeface="+mj-lt"/>
-              <a:buAutoNum type="arabicPeriod"/>
-            </a:pPr>
-            <a:r>
-              <a:rPr lang="en-US" dirty="0"/>
-              <a:t>Open Source?</a:t>
-            </a:r>
-          </a:p>
-          <a:p>
-            <a:pPr marL="514350" indent="-514350">
-              <a:buFont typeface="+mj-lt"/>
-              <a:buAutoNum type="arabicPeriod"/>
-            </a:pPr>
-            <a:r>
-              <a:rPr lang="en-US" dirty="0"/>
-              <a:t>Cost? If cloud based, how is this billed?</a:t>
-            </a:r>
-          </a:p>
-          <a:p>
-            <a:pPr marL="514350" indent="-514350">
-              <a:buFont typeface="+mj-lt"/>
-              <a:buAutoNum type="arabicPeriod"/>
-            </a:pPr>
-            <a:r>
-              <a:rPr lang="en-US" dirty="0"/>
-              <a:t>What kind of tooling is available? GUI based?</a:t>
-            </a:r>
-          </a:p>
-          <a:p>
-            <a:pPr marL="514350" indent="-514350">
-              <a:buFont typeface="+mj-lt"/>
-              <a:buAutoNum type="arabicPeriod"/>
-            </a:pPr>
-            <a:r>
-              <a:rPr lang="en-US" dirty="0"/>
-              <a:t>What are my options for technical support?</a:t>
-            </a:r>
-          </a:p>
-          <a:p>
-            <a:pPr marL="514350" indent="-514350">
-              <a:buFont typeface="+mj-lt"/>
-              <a:buAutoNum type="arabicPeriod"/>
-            </a:pPr>
-            <a:endParaRPr lang="en-US" dirty="0"/>
+              <a:t>When Not To Use?</a:t>
+            </a:r>
           </a:p>
         </p:txBody>
       </p:sp>
     </p:spTree>
     <p:extLst>
       <p:ext uri="{BB962C8B-B14F-4D97-AF65-F5344CB8AC3E}">
-        <p14:creationId xmlns:p14="http://schemas.microsoft.com/office/powerpoint/2010/main" val="2388893766"/>
+        <p14:creationId xmlns:p14="http://schemas.microsoft.com/office/powerpoint/2010/main" val="3324503949"/>
       </p:ext>
     </p:extLst>
   </p:cSld>
@@ -17564,202 +17529,229 @@
       </p:grpSpPr>
       <p:sp>
         <p:nvSpPr>
-          <p:cNvPr id="5" name="Rounded Rectangle 4"/>
-          <p:cNvSpPr/>
-          <p:nvPr/>
+          <p:cNvPr id="2" name="Title 1"/>
+          <p:cNvSpPr>
+            <a:spLocks noGrp="1"/>
+          </p:cNvSpPr>
+          <p:nvPr>
+            <p:ph type="title"/>
+          </p:nvPr>
         </p:nvSpPr>
         <p:spPr>
           <a:xfrm>
-            <a:off x="4210488" y="2367815"/>
-            <a:ext cx="3368842" cy="1299411"/>
-          </a:xfrm>
-          <a:prstGeom prst="roundRect">
-            <a:avLst/>
-          </a:prstGeom>
-          <a:effectLst>
-            <a:glow rad="63500">
-              <a:schemeClr val="accent1">
-                <a:satMod val="175000"/>
-                <a:alpha val="40000"/>
-              </a:schemeClr>
-            </a:glow>
-          </a:effectLst>
+            <a:off x="751572" y="176572"/>
+            <a:ext cx="3493168" cy="1007632"/>
+          </a:xfrm>
         </p:spPr>
-        <p:style>
-          <a:lnRef idx="2">
-            <a:schemeClr val="accent1">
-              <a:shade val="50000"/>
-            </a:schemeClr>
-          </a:lnRef>
-          <a:fillRef idx="1">
-            <a:schemeClr val="accent1"/>
-          </a:fillRef>
-          <a:effectRef idx="0">
-            <a:schemeClr val="accent1"/>
-          </a:effectRef>
-          <a:fontRef idx="minor">
-            <a:schemeClr val="lt1"/>
-          </a:fontRef>
-        </p:style>
-        <p:txBody>
-          <a:bodyPr rtlCol="0" anchor="ctr"/>
-          <a:lstStyle/>
-          <a:p>
-            <a:pPr algn="ctr"/>
-            <a:r>
-              <a:rPr lang="en-US" sz="4400" dirty="0"/>
-              <a:t>Familiar</a:t>
-            </a:r>
-          </a:p>
-        </p:txBody>
-      </p:sp>
-      <p:sp>
-        <p:nvSpPr>
-          <p:cNvPr id="8" name="Rounded Rectangle 7"/>
-          <p:cNvSpPr/>
-          <p:nvPr/>
-        </p:nvSpPr>
-        <p:spPr>
-          <a:xfrm>
-            <a:off x="519764" y="4812632"/>
-            <a:ext cx="3627120" cy="1357162"/>
-          </a:xfrm>
-          <a:prstGeom prst="roundRect">
-            <a:avLst/>
-          </a:prstGeom>
-          <a:solidFill>
-            <a:schemeClr val="accent2">
-              <a:lumMod val="75000"/>
-            </a:schemeClr>
-          </a:solidFill>
-          <a:effectLst>
-            <a:glow rad="63500">
-              <a:schemeClr val="accent1">
-                <a:satMod val="175000"/>
-                <a:alpha val="40000"/>
-              </a:schemeClr>
-            </a:glow>
-          </a:effectLst>
-        </p:spPr>
-        <p:style>
-          <a:lnRef idx="2">
-            <a:schemeClr val="accent1">
-              <a:shade val="50000"/>
-            </a:schemeClr>
-          </a:lnRef>
-          <a:fillRef idx="1">
-            <a:schemeClr val="accent1"/>
-          </a:fillRef>
-          <a:effectRef idx="0">
-            <a:schemeClr val="accent1"/>
-          </a:effectRef>
-          <a:fontRef idx="minor">
-            <a:schemeClr val="lt1"/>
-          </a:fontRef>
-        </p:style>
-        <p:txBody>
-          <a:bodyPr rtlCol="0" anchor="ctr"/>
-          <a:lstStyle/>
-          <a:p>
-            <a:pPr algn="ctr"/>
-            <a:r>
-              <a:rPr lang="en-US" sz="4400" dirty="0"/>
-              <a:t>Transactional</a:t>
-            </a:r>
-          </a:p>
-        </p:txBody>
-      </p:sp>
-      <p:sp>
-        <p:nvSpPr>
-          <p:cNvPr id="9" name="Rounded Rectangle 8"/>
-          <p:cNvSpPr/>
-          <p:nvPr/>
-        </p:nvSpPr>
-        <p:spPr>
-          <a:xfrm>
-            <a:off x="7623208" y="4649003"/>
-            <a:ext cx="3397718" cy="1453413"/>
-          </a:xfrm>
-          <a:prstGeom prst="roundRect">
-            <a:avLst/>
-          </a:prstGeom>
-          <a:solidFill>
-            <a:srgbClr val="FF0000"/>
-          </a:solidFill>
-          <a:effectLst>
-            <a:glow rad="63500">
-              <a:schemeClr val="accent1">
-                <a:satMod val="175000"/>
-                <a:alpha val="40000"/>
-              </a:schemeClr>
-            </a:glow>
-          </a:effectLst>
-        </p:spPr>
-        <p:style>
-          <a:lnRef idx="2">
-            <a:schemeClr val="accent1">
-              <a:shade val="50000"/>
-            </a:schemeClr>
-          </a:lnRef>
-          <a:fillRef idx="1">
-            <a:schemeClr val="accent1"/>
-          </a:fillRef>
-          <a:effectRef idx="0">
-            <a:schemeClr val="accent1"/>
-          </a:effectRef>
-          <a:fontRef idx="minor">
-            <a:schemeClr val="lt1"/>
-          </a:fontRef>
-        </p:style>
-        <p:txBody>
-          <a:bodyPr rtlCol="0" anchor="ctr"/>
-          <a:lstStyle/>
-          <a:p>
-            <a:pPr algn="ctr"/>
-            <a:r>
-              <a:rPr lang="en-US" sz="4400" dirty="0"/>
-              <a:t>Sandboxed</a:t>
-            </a:r>
-          </a:p>
-        </p:txBody>
-      </p:sp>
-      <p:sp>
-        <p:nvSpPr>
-          <p:cNvPr id="10" name="TextBox 9"/>
-          <p:cNvSpPr txBox="1"/>
-          <p:nvPr/>
-        </p:nvSpPr>
-        <p:spPr>
-          <a:xfrm>
-            <a:off x="673768" y="370375"/>
-            <a:ext cx="10442282" cy="1015663"/>
-          </a:xfrm>
-          <a:prstGeom prst="rect">
-            <a:avLst/>
-          </a:prstGeom>
-          <a:noFill/>
-        </p:spPr>
-        <p:txBody>
-          <a:bodyPr wrap="none" rtlCol="0">
-            <a:spAutoFit/>
-          </a:bodyPr>
-          <a:lstStyle/>
-          <a:p>
-            <a:r>
-              <a:rPr lang="en-US" sz="6000" dirty="0">
+        <p:txBody>
+          <a:bodyPr/>
+          <a:lstStyle/>
+          <a:p>
+            <a:r>
+              <a:rPr lang="en-US" b="1" dirty="0">
                 <a:solidFill>
                   <a:srgbClr val="FFFF00"/>
                 </a:solidFill>
               </a:rPr>
-              <a:t>Programmability in DocumentDB</a:t>
-            </a:r>
+              <a:t>The Checklist</a:t>
+            </a:r>
+          </a:p>
+        </p:txBody>
+      </p:sp>
+      <p:sp>
+        <p:nvSpPr>
+          <p:cNvPr id="3" name="Content Placeholder 2"/>
+          <p:cNvSpPr>
+            <a:spLocks noGrp="1"/>
+          </p:cNvSpPr>
+          <p:nvPr>
+            <p:ph idx="1"/>
+          </p:nvPr>
+        </p:nvSpPr>
+        <p:spPr>
+          <a:xfrm>
+            <a:off x="389224" y="1184204"/>
+            <a:ext cx="10872334" cy="5149219"/>
+          </a:xfrm>
+        </p:spPr>
+        <p:txBody>
+          <a:bodyPr>
+            <a:normAutofit fontScale="62500" lnSpcReduction="20000"/>
+          </a:bodyPr>
+          <a:lstStyle/>
+          <a:p>
+            <a:pPr marL="514350" indent="-514350">
+              <a:buFont typeface="+mj-lt"/>
+              <a:buAutoNum type="arabicPeriod"/>
+            </a:pPr>
+            <a:r>
+              <a:rPr lang="en-US" dirty="0"/>
+              <a:t>What category does this belong in? (Relational, Key-Value, Document, Graph, Columnar, Hybrid, Other)</a:t>
+            </a:r>
+          </a:p>
+          <a:p>
+            <a:pPr marL="514350" indent="-514350">
+              <a:buFont typeface="+mj-lt"/>
+              <a:buAutoNum type="arabicPeriod"/>
+            </a:pPr>
+            <a:r>
+              <a:rPr lang="en-US" dirty="0"/>
+              <a:t>What does this optimize on (i.e. do very well)? Reads, writes, transactions?</a:t>
+            </a:r>
+          </a:p>
+          <a:p>
+            <a:pPr marL="514350" indent="-514350">
+              <a:buFont typeface="+mj-lt"/>
+              <a:buAutoNum type="arabicPeriod"/>
+            </a:pPr>
+            <a:r>
+              <a:rPr lang="en-US" dirty="0"/>
+              <a:t>Is there a REST API? An SDK? Some native querying language?</a:t>
+            </a:r>
+          </a:p>
+          <a:p>
+            <a:pPr marL="514350" indent="-514350">
+              <a:buFont typeface="+mj-lt"/>
+              <a:buAutoNum type="arabicPeriod"/>
+            </a:pPr>
+            <a:r>
+              <a:rPr lang="en-US" dirty="0"/>
+              <a:t>Is the data format human readable: XML, JSON, etc. </a:t>
+            </a:r>
+          </a:p>
+          <a:p>
+            <a:pPr marL="514350" indent="-514350">
+              <a:buFont typeface="+mj-lt"/>
+              <a:buAutoNum type="arabicPeriod"/>
+            </a:pPr>
+            <a:r>
+              <a:rPr lang="en-US" dirty="0"/>
+              <a:t>Can it run on Windows? Linux? PAAS (Azure)?</a:t>
+            </a:r>
+          </a:p>
+          <a:p>
+            <a:pPr marL="514350" indent="-514350">
+              <a:buFont typeface="+mj-lt"/>
+              <a:buAutoNum type="arabicPeriod"/>
+            </a:pPr>
+            <a:r>
+              <a:rPr lang="en-US" dirty="0"/>
+              <a:t>Where does it fall on the CAP spectrum?</a:t>
+            </a:r>
+          </a:p>
+          <a:p>
+            <a:pPr marL="514350" indent="-514350">
+              <a:buFont typeface="+mj-lt"/>
+              <a:buAutoNum type="arabicPeriod"/>
+            </a:pPr>
+            <a:r>
+              <a:rPr lang="en-US" dirty="0"/>
+              <a:t>Auto-create database? Auto-create collections?</a:t>
+            </a:r>
+          </a:p>
+          <a:p>
+            <a:pPr marL="514350" indent="-514350">
+              <a:buFont typeface="+mj-lt"/>
+              <a:buAutoNum type="arabicPeriod"/>
+            </a:pPr>
+            <a:r>
+              <a:rPr lang="en-US" dirty="0"/>
+              <a:t>Is there a local mode?</a:t>
+            </a:r>
+          </a:p>
+          <a:p>
+            <a:pPr marL="514350" indent="-514350">
+              <a:buFont typeface="+mj-lt"/>
+              <a:buAutoNum type="arabicPeriod"/>
+            </a:pPr>
+            <a:r>
+              <a:rPr lang="en-US" dirty="0"/>
+              <a:t>Type of Indexing (Hash, B-tree, something else)</a:t>
+            </a:r>
+          </a:p>
+          <a:p>
+            <a:pPr marL="514350" indent="-514350">
+              <a:buFont typeface="+mj-lt"/>
+              <a:buAutoNum type="arabicPeriod"/>
+            </a:pPr>
+            <a:r>
+              <a:rPr lang="en-US" dirty="0"/>
+              <a:t>Does it support full-text search?</a:t>
+            </a:r>
+          </a:p>
+          <a:p>
+            <a:pPr marL="514350" indent="-514350">
+              <a:buFont typeface="+mj-lt"/>
+              <a:buAutoNum type="arabicPeriod"/>
+            </a:pPr>
+            <a:r>
+              <a:rPr lang="en-US" dirty="0"/>
+              <a:t>How does it scale? Support sharding?</a:t>
+            </a:r>
+          </a:p>
+          <a:p>
+            <a:pPr marL="514350" indent="-514350">
+              <a:buFont typeface="+mj-lt"/>
+              <a:buAutoNum type="arabicPeriod"/>
+            </a:pPr>
+            <a:r>
+              <a:rPr lang="en-US" dirty="0"/>
+              <a:t>How does it replicate? Master-slave or peer-peer?</a:t>
+            </a:r>
+          </a:p>
+          <a:p>
+            <a:pPr marL="514350" indent="-514350">
+              <a:buFont typeface="+mj-lt"/>
+              <a:buAutoNum type="arabicPeriod"/>
+            </a:pPr>
+            <a:r>
+              <a:rPr lang="en-US" dirty="0"/>
+              <a:t>Open Source?</a:t>
+            </a:r>
+          </a:p>
+          <a:p>
+            <a:pPr marL="514350" indent="-514350">
+              <a:buFont typeface="+mj-lt"/>
+              <a:buAutoNum type="arabicPeriod"/>
+            </a:pPr>
+            <a:r>
+              <a:rPr lang="en-US" dirty="0"/>
+              <a:t>Cost? If cloud based, how is this billed?</a:t>
+            </a:r>
+          </a:p>
+          <a:p>
+            <a:pPr marL="514350" indent="-514350">
+              <a:buFont typeface="+mj-lt"/>
+              <a:buAutoNum type="arabicPeriod"/>
+            </a:pPr>
+            <a:r>
+              <a:rPr lang="en-US" dirty="0"/>
+              <a:t>What kind of tooling is available? GUI based?</a:t>
+            </a:r>
+          </a:p>
+          <a:p>
+            <a:pPr marL="514350" indent="-514350">
+              <a:buFont typeface="+mj-lt"/>
+              <a:buAutoNum type="arabicPeriod"/>
+            </a:pPr>
+            <a:r>
+              <a:rPr lang="en-US" dirty="0"/>
+              <a:t>What are my options for technical support?</a:t>
+            </a:r>
+          </a:p>
+          <a:p>
+            <a:pPr marL="514350" indent="-514350">
+              <a:buFont typeface="+mj-lt"/>
+              <a:buAutoNum type="arabicPeriod"/>
+            </a:pPr>
+            <a:endParaRPr lang="en-US" dirty="0"/>
           </a:p>
         </p:txBody>
       </p:sp>
     </p:spTree>
     <p:extLst>
       <p:ext uri="{BB962C8B-B14F-4D97-AF65-F5344CB8AC3E}">
-        <p14:creationId xmlns:p14="http://schemas.microsoft.com/office/powerpoint/2010/main" val="3748666209"/>
+        <p14:creationId xmlns:p14="http://schemas.microsoft.com/office/powerpoint/2010/main" val="2388893766"/>
       </p:ext>
     </p:extLst>
   </p:cSld>
@@ -17788,6 +17780,230 @@
       </p:grpSpPr>
       <p:sp>
         <p:nvSpPr>
+          <p:cNvPr id="5" name="Rounded Rectangle 4"/>
+          <p:cNvSpPr/>
+          <p:nvPr/>
+        </p:nvSpPr>
+        <p:spPr>
+          <a:xfrm>
+            <a:off x="4210488" y="2367815"/>
+            <a:ext cx="3368842" cy="1299411"/>
+          </a:xfrm>
+          <a:prstGeom prst="roundRect">
+            <a:avLst/>
+          </a:prstGeom>
+          <a:effectLst>
+            <a:glow rad="63500">
+              <a:schemeClr val="accent1">
+                <a:satMod val="175000"/>
+                <a:alpha val="40000"/>
+              </a:schemeClr>
+            </a:glow>
+          </a:effectLst>
+        </p:spPr>
+        <p:style>
+          <a:lnRef idx="2">
+            <a:schemeClr val="accent1">
+              <a:shade val="50000"/>
+            </a:schemeClr>
+          </a:lnRef>
+          <a:fillRef idx="1">
+            <a:schemeClr val="accent1"/>
+          </a:fillRef>
+          <a:effectRef idx="0">
+            <a:schemeClr val="accent1"/>
+          </a:effectRef>
+          <a:fontRef idx="minor">
+            <a:schemeClr val="lt1"/>
+          </a:fontRef>
+        </p:style>
+        <p:txBody>
+          <a:bodyPr rtlCol="0" anchor="ctr"/>
+          <a:lstStyle/>
+          <a:p>
+            <a:pPr algn="ctr"/>
+            <a:r>
+              <a:rPr lang="en-US" sz="4400" dirty="0"/>
+              <a:t>Familiar</a:t>
+            </a:r>
+          </a:p>
+        </p:txBody>
+      </p:sp>
+      <p:sp>
+        <p:nvSpPr>
+          <p:cNvPr id="8" name="Rounded Rectangle 7"/>
+          <p:cNvSpPr/>
+          <p:nvPr/>
+        </p:nvSpPr>
+        <p:spPr>
+          <a:xfrm>
+            <a:off x="519764" y="4812632"/>
+            <a:ext cx="3627120" cy="1357162"/>
+          </a:xfrm>
+          <a:prstGeom prst="roundRect">
+            <a:avLst/>
+          </a:prstGeom>
+          <a:solidFill>
+            <a:schemeClr val="accent2">
+              <a:lumMod val="75000"/>
+            </a:schemeClr>
+          </a:solidFill>
+          <a:effectLst>
+            <a:glow rad="63500">
+              <a:schemeClr val="accent1">
+                <a:satMod val="175000"/>
+                <a:alpha val="40000"/>
+              </a:schemeClr>
+            </a:glow>
+          </a:effectLst>
+        </p:spPr>
+        <p:style>
+          <a:lnRef idx="2">
+            <a:schemeClr val="accent1">
+              <a:shade val="50000"/>
+            </a:schemeClr>
+          </a:lnRef>
+          <a:fillRef idx="1">
+            <a:schemeClr val="accent1"/>
+          </a:fillRef>
+          <a:effectRef idx="0">
+            <a:schemeClr val="accent1"/>
+          </a:effectRef>
+          <a:fontRef idx="minor">
+            <a:schemeClr val="lt1"/>
+          </a:fontRef>
+        </p:style>
+        <p:txBody>
+          <a:bodyPr rtlCol="0" anchor="ctr"/>
+          <a:lstStyle/>
+          <a:p>
+            <a:pPr algn="ctr"/>
+            <a:r>
+              <a:rPr lang="en-US" sz="4400" dirty="0"/>
+              <a:t>Transactional</a:t>
+            </a:r>
+          </a:p>
+        </p:txBody>
+      </p:sp>
+      <p:sp>
+        <p:nvSpPr>
+          <p:cNvPr id="9" name="Rounded Rectangle 8"/>
+          <p:cNvSpPr/>
+          <p:nvPr/>
+        </p:nvSpPr>
+        <p:spPr>
+          <a:xfrm>
+            <a:off x="7623208" y="4649003"/>
+            <a:ext cx="3397718" cy="1453413"/>
+          </a:xfrm>
+          <a:prstGeom prst="roundRect">
+            <a:avLst/>
+          </a:prstGeom>
+          <a:solidFill>
+            <a:srgbClr val="FF0000"/>
+          </a:solidFill>
+          <a:effectLst>
+            <a:glow rad="63500">
+              <a:schemeClr val="accent1">
+                <a:satMod val="175000"/>
+                <a:alpha val="40000"/>
+              </a:schemeClr>
+            </a:glow>
+          </a:effectLst>
+        </p:spPr>
+        <p:style>
+          <a:lnRef idx="2">
+            <a:schemeClr val="accent1">
+              <a:shade val="50000"/>
+            </a:schemeClr>
+          </a:lnRef>
+          <a:fillRef idx="1">
+            <a:schemeClr val="accent1"/>
+          </a:fillRef>
+          <a:effectRef idx="0">
+            <a:schemeClr val="accent1"/>
+          </a:effectRef>
+          <a:fontRef idx="minor">
+            <a:schemeClr val="lt1"/>
+          </a:fontRef>
+        </p:style>
+        <p:txBody>
+          <a:bodyPr rtlCol="0" anchor="ctr"/>
+          <a:lstStyle/>
+          <a:p>
+            <a:pPr algn="ctr"/>
+            <a:r>
+              <a:rPr lang="en-US" sz="4400" dirty="0"/>
+              <a:t>Sandboxed</a:t>
+            </a:r>
+          </a:p>
+        </p:txBody>
+      </p:sp>
+      <p:sp>
+        <p:nvSpPr>
+          <p:cNvPr id="10" name="TextBox 9"/>
+          <p:cNvSpPr txBox="1"/>
+          <p:nvPr/>
+        </p:nvSpPr>
+        <p:spPr>
+          <a:xfrm>
+            <a:off x="673768" y="370375"/>
+            <a:ext cx="10442282" cy="1015663"/>
+          </a:xfrm>
+          <a:prstGeom prst="rect">
+            <a:avLst/>
+          </a:prstGeom>
+          <a:noFill/>
+        </p:spPr>
+        <p:txBody>
+          <a:bodyPr wrap="none" rtlCol="0">
+            <a:spAutoFit/>
+          </a:bodyPr>
+          <a:lstStyle/>
+          <a:p>
+            <a:r>
+              <a:rPr lang="en-US" sz="6000" dirty="0">
+                <a:solidFill>
+                  <a:srgbClr val="FFFF00"/>
+                </a:solidFill>
+              </a:rPr>
+              <a:t>Programmability in DocumentDB</a:t>
+            </a:r>
+          </a:p>
+        </p:txBody>
+      </p:sp>
+    </p:spTree>
+    <p:extLst>
+      <p:ext uri="{BB962C8B-B14F-4D97-AF65-F5344CB8AC3E}">
+        <p14:creationId xmlns:p14="http://schemas.microsoft.com/office/powerpoint/2010/main" val="3748666209"/>
+      </p:ext>
+    </p:extLst>
+  </p:cSld>
+  <p:clrMapOvr>
+    <a:masterClrMapping/>
+  </p:clrMapOvr>
+</p:sld>
+</file>
+
+<file path=ppt/slides/slide44.xml><?xml version="1.0" encoding="utf-8"?>
+<p:sld xmlns:a="http://schemas.openxmlformats.org/drawingml/2006/main" xmlns:r="http://schemas.openxmlformats.org/officeDocument/2006/relationships" xmlns:p="http://schemas.openxmlformats.org/presentationml/2006/main">
+  <p:cSld>
+    <p:spTree>
+      <p:nvGrpSpPr>
+        <p:cNvPr id="1" name=""/>
+        <p:cNvGrpSpPr/>
+        <p:nvPr/>
+      </p:nvGrpSpPr>
+      <p:grpSpPr>
+        <a:xfrm>
+          <a:off x="0" y="0"/>
+          <a:ext cx="0" cy="0"/>
+          <a:chOff x="0" y="0"/>
+          <a:chExt cx="0" cy="0"/>
+        </a:xfrm>
+      </p:grpSpPr>
+      <p:sp>
+        <p:nvSpPr>
           <p:cNvPr id="4" name="TextBox 3"/>
           <p:cNvSpPr txBox="1"/>
           <p:nvPr/>
@@ -18040,7 +18256,7 @@
 </p:sld>
 </file>
 
-<file path=ppt/slides/slide44.xml><?xml version="1.0" encoding="utf-8"?>
+<file path=ppt/slides/slide45.xml><?xml version="1.0" encoding="utf-8"?>
 <p:sld xmlns:a="http://schemas.openxmlformats.org/drawingml/2006/main" xmlns:r="http://schemas.openxmlformats.org/officeDocument/2006/relationships" xmlns:p="http://schemas.openxmlformats.org/presentationml/2006/main">
   <p:cSld>
     <p:spTree>
@@ -19211,7 +19427,7 @@
 </p:sld>
 </file>
 
-<file path=ppt/slides/slide45.xml><?xml version="1.0" encoding="utf-8"?>
+<file path=ppt/slides/slide46.xml><?xml version="1.0" encoding="utf-8"?>
 <p:sld xmlns:a="http://schemas.openxmlformats.org/drawingml/2006/main" xmlns:r="http://schemas.openxmlformats.org/officeDocument/2006/relationships" xmlns:p="http://schemas.openxmlformats.org/presentationml/2006/main">
   <p:cSld>
     <p:spTree>
@@ -20390,7 +20606,7 @@
 </p:sld>
 </file>
 
-<file path=ppt/slides/slide46.xml><?xml version="1.0" encoding="utf-8"?>
+<file path=ppt/slides/slide47.xml><?xml version="1.0" encoding="utf-8"?>
 <p:sld xmlns:a="http://schemas.openxmlformats.org/drawingml/2006/main" xmlns:r="http://schemas.openxmlformats.org/officeDocument/2006/relationships" xmlns:p="http://schemas.openxmlformats.org/presentationml/2006/main">
   <p:cSld>
     <p:spTree>
@@ -21570,7 +21786,7 @@
 </p:sld>
 </file>
 
-<file path=ppt/slides/slide47.xml><?xml version="1.0" encoding="utf-8"?>
+<file path=ppt/slides/slide48.xml><?xml version="1.0" encoding="utf-8"?>
 <p:sld xmlns:a="http://schemas.openxmlformats.org/drawingml/2006/main" xmlns:r="http://schemas.openxmlformats.org/officeDocument/2006/relationships" xmlns:p="http://schemas.openxmlformats.org/presentationml/2006/main">
   <p:cSld>
     <p:spTree>
@@ -22756,7 +22972,7 @@
 </p:sld>
 </file>
 
-<file path=ppt/slides/slide48.xml><?xml version="1.0" encoding="utf-8"?>
+<file path=ppt/slides/slide49.xml><?xml version="1.0" encoding="utf-8"?>
 <p:sld xmlns:a="http://schemas.openxmlformats.org/drawingml/2006/main" xmlns:r="http://schemas.openxmlformats.org/officeDocument/2006/relationships" xmlns:p="http://schemas.openxmlformats.org/presentationml/2006/main">
   <p:cSld>
     <p:spTree>
@@ -22786,7 +23002,235 @@
 </p:sld>
 </file>
 
-<file path=ppt/slides/slide49.xml><?xml version="1.0" encoding="utf-8"?>
+<file path=ppt/slides/slide5.xml><?xml version="1.0" encoding="utf-8"?>
+<p:sld xmlns:a="http://schemas.openxmlformats.org/drawingml/2006/main" xmlns:r="http://schemas.openxmlformats.org/officeDocument/2006/relationships" xmlns:p="http://schemas.openxmlformats.org/presentationml/2006/main">
+  <p:cSld>
+    <p:spTree>
+      <p:nvGrpSpPr>
+        <p:cNvPr id="1" name=""/>
+        <p:cNvGrpSpPr/>
+        <p:nvPr/>
+      </p:nvGrpSpPr>
+      <p:grpSpPr>
+        <a:xfrm>
+          <a:off x="0" y="0"/>
+          <a:ext cx="0" cy="0"/>
+          <a:chOff x="0" y="0"/>
+          <a:chExt cx="0" cy="0"/>
+        </a:xfrm>
+      </p:grpSpPr>
+      <p:sp>
+        <p:nvSpPr>
+          <p:cNvPr id="4" name="Rectangle 3"/>
+          <p:cNvSpPr/>
+          <p:nvPr/>
+        </p:nvSpPr>
+        <p:spPr>
+          <a:xfrm>
+            <a:off x="1529345" y="1465006"/>
+            <a:ext cx="1887794" cy="2035278"/>
+          </a:xfrm>
+          <a:prstGeom prst="rect">
+            <a:avLst/>
+          </a:prstGeom>
+          <a:gradFill flip="none" rotWithShape="1">
+            <a:gsLst>
+              <a:gs pos="0">
+                <a:schemeClr val="accent1">
+                  <a:lumMod val="50000"/>
+                  <a:shade val="30000"/>
+                  <a:satMod val="115000"/>
+                </a:schemeClr>
+              </a:gs>
+              <a:gs pos="50000">
+                <a:schemeClr val="accent1">
+                  <a:lumMod val="50000"/>
+                  <a:shade val="67500"/>
+                  <a:satMod val="115000"/>
+                </a:schemeClr>
+              </a:gs>
+              <a:gs pos="100000">
+                <a:schemeClr val="accent1">
+                  <a:lumMod val="50000"/>
+                  <a:shade val="100000"/>
+                  <a:satMod val="115000"/>
+                </a:schemeClr>
+              </a:gs>
+            </a:gsLst>
+            <a:lin ang="5400000" scaled="1"/>
+            <a:tileRect/>
+          </a:gradFill>
+        </p:spPr>
+        <p:style>
+          <a:lnRef idx="2">
+            <a:schemeClr val="accent1">
+              <a:shade val="50000"/>
+            </a:schemeClr>
+          </a:lnRef>
+          <a:fillRef idx="1">
+            <a:schemeClr val="accent1"/>
+          </a:fillRef>
+          <a:effectRef idx="0">
+            <a:schemeClr val="accent1"/>
+          </a:effectRef>
+          <a:fontRef idx="minor">
+            <a:schemeClr val="lt1"/>
+          </a:fontRef>
+        </p:style>
+        <p:txBody>
+          <a:bodyPr rtlCol="0" anchor="ctr"/>
+          <a:lstStyle/>
+          <a:p>
+            <a:pPr algn="ctr"/>
+            <a:r>
+              <a:rPr lang="en-US" sz="3200" dirty="0"/>
+              <a:t>Products</a:t>
+            </a:r>
+          </a:p>
+        </p:txBody>
+      </p:sp>
+      <p:sp>
+        <p:nvSpPr>
+          <p:cNvPr id="5" name="Rectangle 4"/>
+          <p:cNvSpPr/>
+          <p:nvPr/>
+        </p:nvSpPr>
+        <p:spPr>
+          <a:xfrm>
+            <a:off x="5530644" y="1465006"/>
+            <a:ext cx="1887794" cy="2035278"/>
+          </a:xfrm>
+          <a:prstGeom prst="rect">
+            <a:avLst/>
+          </a:prstGeom>
+          <a:gradFill flip="none" rotWithShape="1">
+            <a:gsLst>
+              <a:gs pos="0">
+                <a:schemeClr val="accent6">
+                  <a:lumMod val="75000"/>
+                  <a:shade val="30000"/>
+                  <a:satMod val="115000"/>
+                </a:schemeClr>
+              </a:gs>
+              <a:gs pos="50000">
+                <a:schemeClr val="accent6">
+                  <a:lumMod val="75000"/>
+                  <a:shade val="67500"/>
+                  <a:satMod val="115000"/>
+                </a:schemeClr>
+              </a:gs>
+              <a:gs pos="100000">
+                <a:schemeClr val="accent6">
+                  <a:lumMod val="75000"/>
+                  <a:shade val="100000"/>
+                  <a:satMod val="115000"/>
+                </a:schemeClr>
+              </a:gs>
+            </a:gsLst>
+            <a:lin ang="5400000" scaled="1"/>
+            <a:tileRect/>
+          </a:gradFill>
+        </p:spPr>
+        <p:style>
+          <a:lnRef idx="2">
+            <a:schemeClr val="accent1">
+              <a:shade val="50000"/>
+            </a:schemeClr>
+          </a:lnRef>
+          <a:fillRef idx="1">
+            <a:schemeClr val="accent1"/>
+          </a:fillRef>
+          <a:effectRef idx="0">
+            <a:schemeClr val="accent1"/>
+          </a:effectRef>
+          <a:fontRef idx="minor">
+            <a:schemeClr val="lt1"/>
+          </a:fontRef>
+        </p:style>
+        <p:txBody>
+          <a:bodyPr rtlCol="0" anchor="ctr"/>
+          <a:lstStyle/>
+          <a:p>
+            <a:pPr algn="ctr"/>
+            <a:r>
+              <a:rPr lang="en-US" sz="3200" dirty="0"/>
+              <a:t>Reviews</a:t>
+            </a:r>
+          </a:p>
+        </p:txBody>
+      </p:sp>
+      <p:sp>
+        <p:nvSpPr>
+          <p:cNvPr id="6" name="TextBox 5"/>
+          <p:cNvSpPr txBox="1"/>
+          <p:nvPr/>
+        </p:nvSpPr>
+        <p:spPr>
+          <a:xfrm>
+            <a:off x="1529345" y="3755923"/>
+            <a:ext cx="1603516" cy="369332"/>
+          </a:xfrm>
+          <a:prstGeom prst="rect">
+            <a:avLst/>
+          </a:prstGeom>
+          <a:noFill/>
+        </p:spPr>
+        <p:txBody>
+          <a:bodyPr wrap="none" rtlCol="0">
+            <a:spAutoFit/>
+          </a:bodyPr>
+          <a:lstStyle/>
+          <a:p>
+            <a:r>
+              <a:rPr lang="en-US" dirty="0"/>
+              <a:t>Store as strings</a:t>
+            </a:r>
+          </a:p>
+        </p:txBody>
+      </p:sp>
+      <p:sp>
+        <p:nvSpPr>
+          <p:cNvPr id="7" name="TextBox 6"/>
+          <p:cNvSpPr txBox="1"/>
+          <p:nvPr/>
+        </p:nvSpPr>
+        <p:spPr>
+          <a:xfrm>
+            <a:off x="5530644" y="3755923"/>
+            <a:ext cx="2063706" cy="369332"/>
+          </a:xfrm>
+          <a:prstGeom prst="rect">
+            <a:avLst/>
+          </a:prstGeom>
+          <a:noFill/>
+        </p:spPr>
+        <p:txBody>
+          <a:bodyPr wrap="none" rtlCol="0">
+            <a:spAutoFit/>
+          </a:bodyPr>
+          <a:lstStyle/>
+          <a:p>
+            <a:r>
+              <a:rPr lang="en-US" dirty="0"/>
+              <a:t>List of last 5 reviews</a:t>
+            </a:r>
+          </a:p>
+        </p:txBody>
+      </p:sp>
+    </p:spTree>
+    <p:extLst>
+      <p:ext uri="{BB962C8B-B14F-4D97-AF65-F5344CB8AC3E}">
+        <p14:creationId xmlns:p14="http://schemas.microsoft.com/office/powerpoint/2010/main" val="3017650262"/>
+      </p:ext>
+    </p:extLst>
+  </p:cSld>
+  <p:clrMapOvr>
+    <a:masterClrMapping/>
+  </p:clrMapOvr>
+</p:sld>
+</file>
+
+<file path=ppt/slides/slide50.xml><?xml version="1.0" encoding="utf-8"?>
 <p:sld xmlns:a="http://schemas.openxmlformats.org/drawingml/2006/main" xmlns:r="http://schemas.openxmlformats.org/officeDocument/2006/relationships" xmlns:p="http://schemas.openxmlformats.org/presentationml/2006/main">
   <p:cSld>
     <p:spTree>
@@ -22816,325 +23260,7 @@
 </p:sld>
 </file>
 
-<file path=ppt/slides/slide5.xml><?xml version="1.0" encoding="utf-8"?>
-<p:sld xmlns:a="http://schemas.openxmlformats.org/drawingml/2006/main" xmlns:r="http://schemas.openxmlformats.org/officeDocument/2006/relationships" xmlns:p="http://schemas.openxmlformats.org/presentationml/2006/main">
-  <p:cSld>
-    <p:spTree>
-      <p:nvGrpSpPr>
-        <p:cNvPr id="1" name=""/>
-        <p:cNvGrpSpPr/>
-        <p:nvPr/>
-      </p:nvGrpSpPr>
-      <p:grpSpPr>
-        <a:xfrm>
-          <a:off x="0" y="0"/>
-          <a:ext cx="0" cy="0"/>
-          <a:chOff x="0" y="0"/>
-          <a:chExt cx="0" cy="0"/>
-        </a:xfrm>
-      </p:grpSpPr>
-      <p:sp>
-        <p:nvSpPr>
-          <p:cNvPr id="2" name="Title 1"/>
-          <p:cNvSpPr>
-            <a:spLocks noGrp="1"/>
-          </p:cNvSpPr>
-          <p:nvPr>
-            <p:ph type="title"/>
-          </p:nvPr>
-        </p:nvSpPr>
-        <p:spPr>
-          <a:xfrm>
-            <a:off x="838200" y="365125"/>
-            <a:ext cx="10515600" cy="4397375"/>
-          </a:xfrm>
-        </p:spPr>
-        <p:txBody>
-          <a:bodyPr>
-            <a:normAutofit/>
-          </a:bodyPr>
-          <a:lstStyle/>
-          <a:p>
-            <a:pPr marL="571500" indent="-571500">
-              <a:buFont typeface="Arial" panose="020B0604020202020204" pitchFamily="34" charset="0"/>
-              <a:buChar char="•"/>
-            </a:pPr>
-            <a:r>
-              <a:rPr lang="en-US" dirty="0"/>
-              <a:t>Ja Rule, </a:t>
-            </a:r>
-            <a:br>
-              <a:rPr lang="en-US" dirty="0"/>
-            </a:br>
-            <a:r>
-              <a:rPr lang="en-US" dirty="0"/>
-              <a:t>Office Space, </a:t>
-            </a:r>
-            <a:br>
-              <a:rPr lang="en-US" dirty="0"/>
-            </a:br>
-            <a:r>
-              <a:rPr lang="en-US" dirty="0"/>
-              <a:t>Gladiator,</a:t>
-            </a:r>
-            <a:br>
-              <a:rPr lang="en-US" dirty="0"/>
-            </a:br>
-            <a:r>
-              <a:rPr lang="en-US" dirty="0" err="1"/>
-              <a:t>Zoolander</a:t>
-            </a:r>
-            <a:r>
-              <a:rPr lang="en-US" dirty="0"/>
-              <a:t>,</a:t>
-            </a:r>
-            <a:br>
-              <a:rPr lang="en-US" dirty="0"/>
-            </a:br>
-            <a:r>
-              <a:rPr lang="en-US" dirty="0"/>
-              <a:t>Night at the Roxbury, </a:t>
-            </a:r>
-            <a:br>
-              <a:rPr lang="en-US" dirty="0"/>
-            </a:br>
-            <a:r>
-              <a:rPr lang="en-US" dirty="0" err="1"/>
-              <a:t>yukihiro</a:t>
-            </a:r>
-            <a:r>
-              <a:rPr lang="en-US" dirty="0"/>
-              <a:t> </a:t>
-            </a:r>
-            <a:r>
-              <a:rPr lang="en-US" dirty="0" err="1"/>
-              <a:t>matsumoto</a:t>
-            </a:r>
-            <a:endParaRPr lang="en-US" dirty="0"/>
-          </a:p>
-        </p:txBody>
-      </p:sp>
-      <p:pic>
-        <p:nvPicPr>
-          <p:cNvPr id="1026" name="Picture 2" descr="http://upload.wikimedia.org/wikipedia/commons/thumb/7/76/Yukihiro_Matsumoto.JPG/220px-Yukihiro_Matsumoto.JPG"/>
-          <p:cNvPicPr>
-            <a:picLocks noChangeAspect="1" noChangeArrowheads="1"/>
-          </p:cNvPicPr>
-          <p:nvPr/>
-        </p:nvPicPr>
-        <p:blipFill>
-          <a:blip r:embed="rId2">
-            <a:extLst>
-              <a:ext uri="{28A0092B-C50C-407E-A947-70E740481C1C}">
-                <a14:useLocalDpi xmlns:a14="http://schemas.microsoft.com/office/drawing/2010/main" val="0"/>
-              </a:ext>
-            </a:extLst>
-          </a:blip>
-          <a:srcRect/>
-          <a:stretch>
-            <a:fillRect/>
-          </a:stretch>
-        </p:blipFill>
-        <p:spPr bwMode="auto">
-          <a:xfrm>
-            <a:off x="8181975" y="1516062"/>
-            <a:ext cx="2095500" cy="3124201"/>
-          </a:xfrm>
-          <a:prstGeom prst="rect">
-            <a:avLst/>
-          </a:prstGeom>
-          <a:noFill/>
-          <a:extLst>
-            <a:ext uri="{909E8E84-426E-40DD-AFC4-6F175D3DCCD1}">
-              <a14:hiddenFill xmlns:a14="http://schemas.microsoft.com/office/drawing/2010/main">
-                <a:solidFill>
-                  <a:srgbClr val="FFFFFF"/>
-                </a:solidFill>
-              </a14:hiddenFill>
-            </a:ext>
-          </a:extLst>
-        </p:spPr>
-      </p:pic>
-      <p:sp>
-        <p:nvSpPr>
-          <p:cNvPr id="5" name="Rectangle 4"/>
-          <p:cNvSpPr/>
-          <p:nvPr/>
-        </p:nvSpPr>
-        <p:spPr>
-          <a:xfrm>
-            <a:off x="1009650" y="4458038"/>
-            <a:ext cx="6203950" cy="2031325"/>
-          </a:xfrm>
-          <a:prstGeom prst="rect">
-            <a:avLst/>
-          </a:prstGeom>
-        </p:spPr>
-        <p:txBody>
-          <a:bodyPr wrap="square">
-            <a:spAutoFit/>
-          </a:bodyPr>
-          <a:lstStyle/>
-          <a:p>
-            <a:r>
-              <a:rPr lang="en-US" dirty="0">
-                <a:solidFill>
-                  <a:srgbClr val="000000"/>
-                </a:solidFill>
-                <a:latin typeface="Helvetica Neue"/>
-                <a:hlinkClick r:id="rId3" tooltip="view quote"/>
-              </a:rPr>
-              <a:t>I believe consistency and </a:t>
-            </a:r>
-            <a:r>
-              <a:rPr lang="en-US" dirty="0" err="1">
-                <a:solidFill>
-                  <a:srgbClr val="000000"/>
-                </a:solidFill>
-                <a:latin typeface="Helvetica Neue"/>
-                <a:hlinkClick r:id="rId3" tooltip="view quote"/>
-              </a:rPr>
-              <a:t>orthogonality</a:t>
-            </a:r>
-            <a:r>
-              <a:rPr lang="en-US" dirty="0">
-                <a:solidFill>
-                  <a:srgbClr val="000000"/>
-                </a:solidFill>
-                <a:latin typeface="Helvetica Neue"/>
-                <a:hlinkClick r:id="rId3" tooltip="view quote"/>
-              </a:rPr>
-              <a:t> are tools of design, not the primary goal in design.</a:t>
-            </a:r>
-            <a:br>
-              <a:rPr lang="en-US" dirty="0"/>
-            </a:br>
-            <a:r>
-              <a:rPr lang="en-US" b="1" dirty="0">
-                <a:solidFill>
-                  <a:srgbClr val="0000AA"/>
-                </a:solidFill>
-                <a:latin typeface="Helvetica Neue"/>
-                <a:hlinkClick r:id="rId3" tooltip="view quote"/>
-              </a:rPr>
-              <a:t>Yukihiro Matsumoto</a:t>
-            </a:r>
-            <a:endParaRPr lang="en-US" b="1" dirty="0">
-              <a:solidFill>
-                <a:srgbClr val="000000"/>
-              </a:solidFill>
-              <a:latin typeface="Helvetica Neue"/>
-            </a:endParaRPr>
-          </a:p>
-          <a:p>
-            <a:br>
-              <a:rPr lang="en-US" dirty="0">
-                <a:solidFill>
-                  <a:srgbClr val="000000"/>
-                </a:solidFill>
-                <a:latin typeface="Helvetica Neue"/>
-              </a:rPr>
-            </a:br>
-            <a:r>
-              <a:rPr lang="en-US" dirty="0">
-                <a:solidFill>
-                  <a:srgbClr val="000000"/>
-                </a:solidFill>
-                <a:latin typeface="Helvetica Neue"/>
-              </a:rPr>
-              <a:t>Read more at http://www.brainyquote.com/quotes/authors/y/yukihiro_matsumoto.html#6XTioVg3r8TXrlDS.99</a:t>
-            </a:r>
-            <a:endParaRPr lang="en-US" dirty="0"/>
-          </a:p>
-        </p:txBody>
-      </p:sp>
-      <p:sp>
-        <p:nvSpPr>
-          <p:cNvPr id="6" name="Rectangle 5"/>
-          <p:cNvSpPr/>
-          <p:nvPr/>
-        </p:nvSpPr>
-        <p:spPr>
-          <a:xfrm>
-            <a:off x="4533900" y="5473700"/>
-            <a:ext cx="6096000" cy="1477328"/>
-          </a:xfrm>
-          <a:prstGeom prst="rect">
-            <a:avLst/>
-          </a:prstGeom>
-        </p:spPr>
-        <p:txBody>
-          <a:bodyPr>
-            <a:spAutoFit/>
-          </a:bodyPr>
-          <a:lstStyle/>
-          <a:p>
-            <a:r>
-              <a:rPr lang="en-US" dirty="0">
-                <a:solidFill>
-                  <a:srgbClr val="000000"/>
-                </a:solidFill>
-                <a:latin typeface="Helvetica Neue"/>
-                <a:hlinkClick r:id="rId4" tooltip="view quote"/>
-              </a:rPr>
-              <a:t>The orthogonal features, when combined, can explode into complexity.</a:t>
-            </a:r>
-            <a:br>
-              <a:rPr lang="en-US" dirty="0"/>
-            </a:br>
-            <a:r>
-              <a:rPr lang="en-US" b="1" dirty="0">
-                <a:solidFill>
-                  <a:srgbClr val="0000AA"/>
-                </a:solidFill>
-                <a:latin typeface="Helvetica Neue"/>
-                <a:hlinkClick r:id="rId4" tooltip="view quote"/>
-              </a:rPr>
-              <a:t>Yukihiro Matsumoto</a:t>
-            </a:r>
-            <a:endParaRPr lang="en-US" b="1" dirty="0">
-              <a:solidFill>
-                <a:srgbClr val="000000"/>
-              </a:solidFill>
-              <a:latin typeface="Helvetica Neue"/>
-            </a:endParaRPr>
-          </a:p>
-          <a:p>
-            <a:br>
-              <a:rPr lang="en-US" dirty="0">
-                <a:solidFill>
-                  <a:srgbClr val="000000"/>
-                </a:solidFill>
-                <a:latin typeface="Helvetica Neue"/>
-              </a:rPr>
-            </a:br>
-            <a:r>
-              <a:rPr lang="en-US" dirty="0">
-                <a:solidFill>
-                  <a:srgbClr val="000000"/>
-                </a:solidFill>
-                <a:latin typeface="Helvetica Neue"/>
-              </a:rPr>
-              <a:t>Read more at</a:t>
-            </a:r>
-            <a:endParaRPr lang="en-US" dirty="0"/>
-          </a:p>
-        </p:txBody>
-      </p:sp>
-    </p:spTree>
-    <p:extLst>
-      <p:ext uri="{BB962C8B-B14F-4D97-AF65-F5344CB8AC3E}">
-        <p14:creationId xmlns:p14="http://schemas.microsoft.com/office/powerpoint/2010/main" val="2528243153"/>
-      </p:ext>
-    </p:extLst>
-  </p:cSld>
-  <p:clrMapOvr>
-    <a:masterClrMapping/>
-  </p:clrMapOvr>
-</p:sld>
-</file>
-
-<file path=ppt/slides/slide50.xml><?xml version="1.0" encoding="utf-8"?>
+<file path=ppt/slides/slide51.xml><?xml version="1.0" encoding="utf-8"?>
 <p:sld xmlns:a="http://schemas.openxmlformats.org/drawingml/2006/main" xmlns:r="http://schemas.openxmlformats.org/officeDocument/2006/relationships" xmlns:p="http://schemas.openxmlformats.org/presentationml/2006/main">
   <p:cSld>
     <p:spTree>
@@ -23164,7 +23290,7 @@
 </p:sld>
 </file>
 
-<file path=ppt/slides/slide51.xml><?xml version="1.0" encoding="utf-8"?>
+<file path=ppt/slides/slide52.xml><?xml version="1.0" encoding="utf-8"?>
 <p:sld xmlns:a="http://schemas.openxmlformats.org/drawingml/2006/main" xmlns:r="http://schemas.openxmlformats.org/officeDocument/2006/relationships" xmlns:p="http://schemas.openxmlformats.org/presentationml/2006/main">
   <p:cSld>
     <p:spTree>
@@ -23213,59 +23339,136 @@
       </p:grpSpPr>
       <p:sp>
         <p:nvSpPr>
-          <p:cNvPr id="4" name="TextBox 3"/>
-          <p:cNvSpPr txBox="1"/>
-          <p:nvPr/>
+          <p:cNvPr id="2" name="Title 1"/>
+          <p:cNvSpPr>
+            <a:spLocks noGrp="1"/>
+          </p:cNvSpPr>
+          <p:nvPr>
+            <p:ph type="title"/>
+          </p:nvPr>
         </p:nvSpPr>
         <p:spPr>
           <a:xfrm>
-            <a:off x="3429000" y="381001"/>
-            <a:ext cx="3720314" cy="754053"/>
+            <a:off x="838200" y="365125"/>
+            <a:ext cx="10515600" cy="4397375"/>
+          </a:xfrm>
+        </p:spPr>
+        <p:txBody>
+          <a:bodyPr>
+            <a:normAutofit/>
+          </a:bodyPr>
+          <a:lstStyle/>
+          <a:p>
+            <a:pPr marL="571500" indent="-571500">
+              <a:buFont typeface="Arial" panose="020B0604020202020204" pitchFamily="34" charset="0"/>
+              <a:buChar char="•"/>
+            </a:pPr>
+            <a:r>
+              <a:rPr lang="en-US" dirty="0"/>
+              <a:t>Ja Rule, </a:t>
+            </a:r>
+            <a:br>
+              <a:rPr lang="en-US" dirty="0"/>
+            </a:br>
+            <a:r>
+              <a:rPr lang="en-US" dirty="0"/>
+              <a:t>Office Space, </a:t>
+            </a:r>
+            <a:br>
+              <a:rPr lang="en-US" dirty="0"/>
+            </a:br>
+            <a:r>
+              <a:rPr lang="en-US" dirty="0"/>
+              <a:t>Gladiator,</a:t>
+            </a:r>
+            <a:br>
+              <a:rPr lang="en-US" dirty="0"/>
+            </a:br>
+            <a:r>
+              <a:rPr lang="en-US" dirty="0" err="1"/>
+              <a:t>Zoolander</a:t>
+            </a:r>
+            <a:r>
+              <a:rPr lang="en-US" dirty="0"/>
+              <a:t>,</a:t>
+            </a:r>
+            <a:br>
+              <a:rPr lang="en-US" dirty="0"/>
+            </a:br>
+            <a:r>
+              <a:rPr lang="en-US" dirty="0"/>
+              <a:t>Night at the Roxbury, </a:t>
+            </a:r>
+            <a:br>
+              <a:rPr lang="en-US" dirty="0"/>
+            </a:br>
+            <a:r>
+              <a:rPr lang="en-US" dirty="0" err="1"/>
+              <a:t>yukihiro</a:t>
+            </a:r>
+            <a:r>
+              <a:rPr lang="en-US" dirty="0"/>
+              <a:t> </a:t>
+            </a:r>
+            <a:r>
+              <a:rPr lang="en-US" dirty="0" err="1"/>
+              <a:t>matsumoto</a:t>
+            </a:r>
+            <a:endParaRPr lang="en-US" dirty="0"/>
+          </a:p>
+        </p:txBody>
+      </p:sp>
+      <p:pic>
+        <p:nvPicPr>
+          <p:cNvPr id="1026" name="Picture 2" descr="http://upload.wikimedia.org/wikipedia/commons/thumb/7/76/Yukihiro_Matsumoto.JPG/220px-Yukihiro_Matsumoto.JPG"/>
+          <p:cNvPicPr>
+            <a:picLocks noChangeAspect="1" noChangeArrowheads="1"/>
+          </p:cNvPicPr>
+          <p:nvPr/>
+        </p:nvPicPr>
+        <p:blipFill>
+          <a:blip r:embed="rId2">
+            <a:extLst>
+              <a:ext uri="{28A0092B-C50C-407E-A947-70E740481C1C}">
+                <a14:useLocalDpi xmlns:a14="http://schemas.microsoft.com/office/drawing/2010/main" val="0"/>
+              </a:ext>
+            </a:extLst>
+          </a:blip>
+          <a:srcRect/>
+          <a:stretch>
+            <a:fillRect/>
+          </a:stretch>
+        </p:blipFill>
+        <p:spPr bwMode="auto">
+          <a:xfrm>
+            <a:off x="8181975" y="1516062"/>
+            <a:ext cx="2095500" cy="3124201"/>
           </a:xfrm>
           <a:prstGeom prst="rect">
             <a:avLst/>
           </a:prstGeom>
           <a:noFill/>
+          <a:extLst>
+            <a:ext uri="{909E8E84-426E-40DD-AFC4-6F175D3DCCD1}">
+              <a14:hiddenFill xmlns:a14="http://schemas.microsoft.com/office/drawing/2010/main">
+                <a:solidFill>
+                  <a:srgbClr val="FFFFFF"/>
+                </a:solidFill>
+              </a14:hiddenFill>
+            </a:ext>
+          </a:extLst>
         </p:spPr>
-        <p:txBody>
-          <a:bodyPr wrap="none" rtlCol="0">
-            <a:spAutoFit/>
-          </a:bodyPr>
-          <a:lstStyle/>
-          <a:p>
-            <a:r>
-              <a:rPr lang="en-US" sz="4300">
-                <a:solidFill>
-                  <a:schemeClr val="tx2">
-                    <a:satMod val="130000"/>
-                  </a:schemeClr>
-                </a:solidFill>
-                <a:effectLst>
-                  <a:outerShdw blurRad="50000" dist="30000" dir="5400000" algn="tl" rotWithShape="0">
-                    <a:srgbClr val="000000">
-                      <a:alpha val="30000"/>
-                    </a:srgbClr>
-                  </a:outerShdw>
-                </a:effectLst>
-                <a:latin typeface="+mj-lt"/>
-                <a:ea typeface="+mj-ea"/>
-                <a:cs typeface="+mj-cs"/>
-              </a:rPr>
-              <a:t>What is NoSQL?</a:t>
-            </a:r>
-          </a:p>
-        </p:txBody>
-      </p:sp>
-      <p:sp>
-        <p:nvSpPr>
-          <p:cNvPr id="7" name="Rectangle 6"/>
+      </p:pic>
+      <p:sp>
+        <p:nvSpPr>
+          <p:cNvPr id="5" name="Rectangle 4"/>
           <p:cNvSpPr/>
           <p:nvPr/>
         </p:nvSpPr>
         <p:spPr>
           <a:xfrm>
-            <a:off x="2590800" y="1295401"/>
-            <a:ext cx="7848600" cy="1200329"/>
+            <a:off x="1009650" y="4458038"/>
+            <a:ext cx="6203950" cy="2031325"/>
           </a:xfrm>
           <a:prstGeom prst="rect">
             <a:avLst/>
@@ -23278,170 +23481,154 @@
           <a:lstStyle/>
           <a:p>
             <a:r>
-              <a:rPr lang="en-US" b="1">
+              <a:rPr lang="en-US" dirty="0">
                 <a:solidFill>
-                  <a:srgbClr val="0070C0"/>
+                  <a:srgbClr val="000000"/>
                 </a:solidFill>
-                <a:latin typeface="Lucida Console" pitchFamily="49" charset="0"/>
+                <a:latin typeface="Helvetica Neue"/>
+                <a:hlinkClick r:id="rId3" tooltip="view quote"/>
               </a:rPr>
-              <a:t>Wikipedia: </a:t>
-            </a:r>
-            <a:r>
-              <a:rPr lang="en-US">
-                <a:latin typeface="Lucida Console" pitchFamily="49" charset="0"/>
+              <a:t>I believe consistency and </a:t>
+            </a:r>
+            <a:r>
+              <a:rPr lang="en-US" dirty="0" err="1">
+                <a:solidFill>
+                  <a:srgbClr val="000000"/>
+                </a:solidFill>
+                <a:latin typeface="Helvetica Neue"/>
+                <a:hlinkClick r:id="rId3" tooltip="view quote"/>
               </a:rPr>
-              <a:t>A broad class of database management systems identified by non-adherence to the widely used relational database management system model. </a:t>
-            </a:r>
-          </a:p>
-          <a:p>
-            <a:pPr algn="ctr"/>
-            <a:endParaRPr lang="en-US"/>
-          </a:p>
-        </p:txBody>
-      </p:sp>
-      <p:sp>
-        <p:nvSpPr>
-          <p:cNvPr id="8" name="Rectangle 7"/>
+              <a:t>orthogonality</a:t>
+            </a:r>
+            <a:r>
+              <a:rPr lang="en-US" dirty="0">
+                <a:solidFill>
+                  <a:srgbClr val="000000"/>
+                </a:solidFill>
+                <a:latin typeface="Helvetica Neue"/>
+                <a:hlinkClick r:id="rId3" tooltip="view quote"/>
+              </a:rPr>
+              <a:t> are tools of design, not the primary goal in design.</a:t>
+            </a:r>
+            <a:br>
+              <a:rPr lang="en-US" dirty="0"/>
+            </a:br>
+            <a:r>
+              <a:rPr lang="en-US" b="1" dirty="0">
+                <a:solidFill>
+                  <a:srgbClr val="0000AA"/>
+                </a:solidFill>
+                <a:latin typeface="Helvetica Neue"/>
+                <a:hlinkClick r:id="rId3" tooltip="view quote"/>
+              </a:rPr>
+              <a:t>Yukihiro Matsumoto</a:t>
+            </a:r>
+            <a:endParaRPr lang="en-US" b="1" dirty="0">
+              <a:solidFill>
+                <a:srgbClr val="000000"/>
+              </a:solidFill>
+              <a:latin typeface="Helvetica Neue"/>
+            </a:endParaRPr>
+          </a:p>
+          <a:p>
+            <a:br>
+              <a:rPr lang="en-US" dirty="0">
+                <a:solidFill>
+                  <a:srgbClr val="000000"/>
+                </a:solidFill>
+                <a:latin typeface="Helvetica Neue"/>
+              </a:rPr>
+            </a:br>
+            <a:r>
+              <a:rPr lang="en-US" dirty="0">
+                <a:solidFill>
+                  <a:srgbClr val="000000"/>
+                </a:solidFill>
+                <a:latin typeface="Helvetica Neue"/>
+              </a:rPr>
+              <a:t>Read more at http://www.brainyquote.com/quotes/authors/y/yukihiro_matsumoto.html#6XTioVg3r8TXrlDS.99</a:t>
+            </a:r>
+            <a:endParaRPr lang="en-US" dirty="0"/>
+          </a:p>
+        </p:txBody>
+      </p:sp>
+      <p:sp>
+        <p:nvSpPr>
+          <p:cNvPr id="6" name="Rectangle 5"/>
           <p:cNvSpPr/>
           <p:nvPr/>
         </p:nvSpPr>
         <p:spPr>
           <a:xfrm>
-            <a:off x="2590800" y="2667000"/>
-            <a:ext cx="7848600" cy="923330"/>
+            <a:off x="4533900" y="5473700"/>
+            <a:ext cx="6096000" cy="1477328"/>
           </a:xfrm>
           <a:prstGeom prst="rect">
             <a:avLst/>
           </a:prstGeom>
         </p:spPr>
         <p:txBody>
-          <a:bodyPr wrap="square">
+          <a:bodyPr>
             <a:spAutoFit/>
           </a:bodyPr>
           <a:lstStyle/>
           <a:p>
             <a:r>
-              <a:rPr lang="en-US" b="1">
+              <a:rPr lang="en-US" dirty="0">
                 <a:solidFill>
-                  <a:srgbClr val="0070C0"/>
+                  <a:srgbClr val="000000"/>
                 </a:solidFill>
-                <a:latin typeface="Lucida Console" pitchFamily="49" charset="0"/>
+                <a:latin typeface="Helvetica Neue"/>
+                <a:hlinkClick r:id="rId4" tooltip="view quote"/>
               </a:rPr>
-              <a:t>nosql-database.org: </a:t>
-            </a:r>
-            <a:r>
-              <a:rPr lang="en-US">
-                <a:latin typeface="Lucida Console" pitchFamily="49" charset="0"/>
+              <a:t>The orthogonal features, when combined, can explode into complexity.</a:t>
+            </a:r>
+            <a:br>
+              <a:rPr lang="en-US" dirty="0"/>
+            </a:br>
+            <a:r>
+              <a:rPr lang="en-US" b="1" dirty="0">
+                <a:solidFill>
+                  <a:srgbClr val="0000AA"/>
+                </a:solidFill>
+                <a:latin typeface="Helvetica Neue"/>
+                <a:hlinkClick r:id="rId4" tooltip="view quote"/>
               </a:rPr>
-              <a:t>Next Generation Databases mostly addressing some of the points: being non-relational, distributed, open-source and horizontally scalable.</a:t>
-            </a:r>
-          </a:p>
-        </p:txBody>
-      </p:sp>
-      <p:sp>
-        <p:nvSpPr>
-          <p:cNvPr id="9" name="Rectangle 8"/>
-          <p:cNvSpPr/>
-          <p:nvPr/>
-        </p:nvSpPr>
-        <p:spPr>
-          <a:xfrm>
-            <a:off x="2590800" y="4114800"/>
-            <a:ext cx="7924800" cy="2308324"/>
-          </a:xfrm>
-          <a:prstGeom prst="rect">
-            <a:avLst/>
-          </a:prstGeom>
-        </p:spPr>
-        <p:txBody>
-          <a:bodyPr wrap="square">
-            <a:spAutoFit/>
-          </a:bodyPr>
-          <a:lstStyle/>
-          <a:p>
-            <a:pPr fontAlgn="base"/>
-            <a:r>
-              <a:rPr lang="en-US" b="1">
+              <a:t>Yukihiro Matsumoto</a:t>
+            </a:r>
+            <a:endParaRPr lang="en-US" b="1" dirty="0">
+              <a:solidFill>
+                <a:srgbClr val="000000"/>
+              </a:solidFill>
+              <a:latin typeface="Helvetica Neue"/>
+            </a:endParaRPr>
+          </a:p>
+          <a:p>
+            <a:br>
+              <a:rPr lang="en-US" dirty="0">
                 <a:solidFill>
-                  <a:srgbClr val="0070C0"/>
+                  <a:srgbClr val="000000"/>
                 </a:solidFill>
-                <a:latin typeface="Lucida Console" pitchFamily="49" charset="0"/>
+                <a:latin typeface="Helvetica Neue"/>
               </a:rPr>
-              <a:t>Martin Fowler: </a:t>
-            </a:r>
-            <a:r>
-              <a:rPr lang="en-US">
-                <a:latin typeface="Lucida Console" pitchFamily="49" charset="0"/>
+            </a:br>
+            <a:r>
+              <a:rPr lang="en-US" dirty="0">
+                <a:solidFill>
+                  <a:srgbClr val="000000"/>
+                </a:solidFill>
+                <a:latin typeface="Helvetica Neue"/>
               </a:rPr>
-              <a:t>Some characteristics are common amongst these databases, but none are definitional.</a:t>
-            </a:r>
-          </a:p>
-          <a:p>
-            <a:pPr marL="285750" indent="-285750" fontAlgn="base">
-              <a:buFont typeface="Arial" pitchFamily="34" charset="0"/>
-              <a:buChar char="•"/>
-            </a:pPr>
-            <a:r>
-              <a:rPr lang="en-US">
-                <a:latin typeface="Lucida Console" pitchFamily="49" charset="0"/>
-              </a:rPr>
-              <a:t>Not using the relational model (nor the SQL language)</a:t>
-            </a:r>
-          </a:p>
-          <a:p>
-            <a:pPr marL="285750" indent="-285750" fontAlgn="base">
-              <a:buFont typeface="Arial" pitchFamily="34" charset="0"/>
-              <a:buChar char="•"/>
-            </a:pPr>
-            <a:r>
-              <a:rPr lang="en-US">
-                <a:latin typeface="Lucida Console" pitchFamily="49" charset="0"/>
-              </a:rPr>
-              <a:t>Open source</a:t>
-            </a:r>
-          </a:p>
-          <a:p>
-            <a:pPr marL="285750" indent="-285750" fontAlgn="base">
-              <a:buFont typeface="Arial" pitchFamily="34" charset="0"/>
-              <a:buChar char="•"/>
-            </a:pPr>
-            <a:r>
-              <a:rPr lang="en-US">
-                <a:latin typeface="Lucida Console" pitchFamily="49" charset="0"/>
-              </a:rPr>
-              <a:t>Designed to run on large clusters</a:t>
-            </a:r>
-          </a:p>
-          <a:p>
-            <a:pPr marL="285750" indent="-285750" fontAlgn="base">
-              <a:buFont typeface="Arial" pitchFamily="34" charset="0"/>
-              <a:buChar char="•"/>
-            </a:pPr>
-            <a:r>
-              <a:rPr lang="en-US">
-                <a:latin typeface="Lucida Console" pitchFamily="49" charset="0"/>
-              </a:rPr>
-              <a:t>Based on the needs of 21st century web properties</a:t>
-            </a:r>
-          </a:p>
-          <a:p>
-            <a:pPr marL="285750" indent="-285750" fontAlgn="base">
-              <a:buFont typeface="Arial" pitchFamily="34" charset="0"/>
-              <a:buChar char="•"/>
-            </a:pPr>
-            <a:r>
-              <a:rPr lang="en-US">
-                <a:latin typeface="Lucida Console" pitchFamily="49" charset="0"/>
-              </a:rPr>
-              <a:t>No schema, allowing fields to be added to any record without controls</a:t>
-            </a:r>
+              <a:t>Read more at</a:t>
+            </a:r>
+            <a:endParaRPr lang="en-US" dirty="0"/>
           </a:p>
         </p:txBody>
       </p:sp>
     </p:spTree>
     <p:extLst>
       <p:ext uri="{BB962C8B-B14F-4D97-AF65-F5344CB8AC3E}">
-        <p14:creationId xmlns:p14="http://schemas.microsoft.com/office/powerpoint/2010/main" val="4184054896"/>
+        <p14:creationId xmlns:p14="http://schemas.microsoft.com/office/powerpoint/2010/main" val="2528243153"/>
       </p:ext>
     </p:extLst>
   </p:cSld>
@@ -23470,6 +23657,263 @@
       </p:grpSpPr>
       <p:sp>
         <p:nvSpPr>
+          <p:cNvPr id="4" name="TextBox 3"/>
+          <p:cNvSpPr txBox="1"/>
+          <p:nvPr/>
+        </p:nvSpPr>
+        <p:spPr>
+          <a:xfrm>
+            <a:off x="3429000" y="381001"/>
+            <a:ext cx="3720314" cy="754053"/>
+          </a:xfrm>
+          <a:prstGeom prst="rect">
+            <a:avLst/>
+          </a:prstGeom>
+          <a:noFill/>
+        </p:spPr>
+        <p:txBody>
+          <a:bodyPr wrap="none" rtlCol="0">
+            <a:spAutoFit/>
+          </a:bodyPr>
+          <a:lstStyle/>
+          <a:p>
+            <a:r>
+              <a:rPr lang="en-US" sz="4300">
+                <a:solidFill>
+                  <a:schemeClr val="tx2">
+                    <a:satMod val="130000"/>
+                  </a:schemeClr>
+                </a:solidFill>
+                <a:effectLst>
+                  <a:outerShdw blurRad="50000" dist="30000" dir="5400000" algn="tl" rotWithShape="0">
+                    <a:srgbClr val="000000">
+                      <a:alpha val="30000"/>
+                    </a:srgbClr>
+                  </a:outerShdw>
+                </a:effectLst>
+                <a:latin typeface="+mj-lt"/>
+                <a:ea typeface="+mj-ea"/>
+                <a:cs typeface="+mj-cs"/>
+              </a:rPr>
+              <a:t>What is NoSQL?</a:t>
+            </a:r>
+          </a:p>
+        </p:txBody>
+      </p:sp>
+      <p:sp>
+        <p:nvSpPr>
+          <p:cNvPr id="7" name="Rectangle 6"/>
+          <p:cNvSpPr/>
+          <p:nvPr/>
+        </p:nvSpPr>
+        <p:spPr>
+          <a:xfrm>
+            <a:off x="2590800" y="1295401"/>
+            <a:ext cx="7848600" cy="1200329"/>
+          </a:xfrm>
+          <a:prstGeom prst="rect">
+            <a:avLst/>
+          </a:prstGeom>
+        </p:spPr>
+        <p:txBody>
+          <a:bodyPr wrap="square">
+            <a:spAutoFit/>
+          </a:bodyPr>
+          <a:lstStyle/>
+          <a:p>
+            <a:r>
+              <a:rPr lang="en-US" b="1">
+                <a:solidFill>
+                  <a:srgbClr val="0070C0"/>
+                </a:solidFill>
+                <a:latin typeface="Lucida Console" pitchFamily="49" charset="0"/>
+              </a:rPr>
+              <a:t>Wikipedia: </a:t>
+            </a:r>
+            <a:r>
+              <a:rPr lang="en-US">
+                <a:latin typeface="Lucida Console" pitchFamily="49" charset="0"/>
+              </a:rPr>
+              <a:t>A broad class of database management systems identified by non-adherence to the widely used relational database management system model. </a:t>
+            </a:r>
+          </a:p>
+          <a:p>
+            <a:pPr algn="ctr"/>
+            <a:endParaRPr lang="en-US"/>
+          </a:p>
+        </p:txBody>
+      </p:sp>
+      <p:sp>
+        <p:nvSpPr>
+          <p:cNvPr id="8" name="Rectangle 7"/>
+          <p:cNvSpPr/>
+          <p:nvPr/>
+        </p:nvSpPr>
+        <p:spPr>
+          <a:xfrm>
+            <a:off x="2590800" y="2667000"/>
+            <a:ext cx="7848600" cy="923330"/>
+          </a:xfrm>
+          <a:prstGeom prst="rect">
+            <a:avLst/>
+          </a:prstGeom>
+        </p:spPr>
+        <p:txBody>
+          <a:bodyPr wrap="square">
+            <a:spAutoFit/>
+          </a:bodyPr>
+          <a:lstStyle/>
+          <a:p>
+            <a:r>
+              <a:rPr lang="en-US" b="1">
+                <a:solidFill>
+                  <a:srgbClr val="0070C0"/>
+                </a:solidFill>
+                <a:latin typeface="Lucida Console" pitchFamily="49" charset="0"/>
+              </a:rPr>
+              <a:t>nosql-database.org: </a:t>
+            </a:r>
+            <a:r>
+              <a:rPr lang="en-US">
+                <a:latin typeface="Lucida Console" pitchFamily="49" charset="0"/>
+              </a:rPr>
+              <a:t>Next Generation Databases mostly addressing some of the points: being non-relational, distributed, open-source and horizontally scalable.</a:t>
+            </a:r>
+          </a:p>
+        </p:txBody>
+      </p:sp>
+      <p:sp>
+        <p:nvSpPr>
+          <p:cNvPr id="9" name="Rectangle 8"/>
+          <p:cNvSpPr/>
+          <p:nvPr/>
+        </p:nvSpPr>
+        <p:spPr>
+          <a:xfrm>
+            <a:off x="2590800" y="4114800"/>
+            <a:ext cx="7924800" cy="2308324"/>
+          </a:xfrm>
+          <a:prstGeom prst="rect">
+            <a:avLst/>
+          </a:prstGeom>
+        </p:spPr>
+        <p:txBody>
+          <a:bodyPr wrap="square">
+            <a:spAutoFit/>
+          </a:bodyPr>
+          <a:lstStyle/>
+          <a:p>
+            <a:pPr fontAlgn="base"/>
+            <a:r>
+              <a:rPr lang="en-US" b="1">
+                <a:solidFill>
+                  <a:srgbClr val="0070C0"/>
+                </a:solidFill>
+                <a:latin typeface="Lucida Console" pitchFamily="49" charset="0"/>
+              </a:rPr>
+              <a:t>Martin Fowler: </a:t>
+            </a:r>
+            <a:r>
+              <a:rPr lang="en-US">
+                <a:latin typeface="Lucida Console" pitchFamily="49" charset="0"/>
+              </a:rPr>
+              <a:t>Some characteristics are common amongst these databases, but none are definitional.</a:t>
+            </a:r>
+          </a:p>
+          <a:p>
+            <a:pPr marL="285750" indent="-285750" fontAlgn="base">
+              <a:buFont typeface="Arial" pitchFamily="34" charset="0"/>
+              <a:buChar char="•"/>
+            </a:pPr>
+            <a:r>
+              <a:rPr lang="en-US">
+                <a:latin typeface="Lucida Console" pitchFamily="49" charset="0"/>
+              </a:rPr>
+              <a:t>Not using the relational model (nor the SQL language)</a:t>
+            </a:r>
+          </a:p>
+          <a:p>
+            <a:pPr marL="285750" indent="-285750" fontAlgn="base">
+              <a:buFont typeface="Arial" pitchFamily="34" charset="0"/>
+              <a:buChar char="•"/>
+            </a:pPr>
+            <a:r>
+              <a:rPr lang="en-US">
+                <a:latin typeface="Lucida Console" pitchFamily="49" charset="0"/>
+              </a:rPr>
+              <a:t>Open source</a:t>
+            </a:r>
+          </a:p>
+          <a:p>
+            <a:pPr marL="285750" indent="-285750" fontAlgn="base">
+              <a:buFont typeface="Arial" pitchFamily="34" charset="0"/>
+              <a:buChar char="•"/>
+            </a:pPr>
+            <a:r>
+              <a:rPr lang="en-US">
+                <a:latin typeface="Lucida Console" pitchFamily="49" charset="0"/>
+              </a:rPr>
+              <a:t>Designed to run on large clusters</a:t>
+            </a:r>
+          </a:p>
+          <a:p>
+            <a:pPr marL="285750" indent="-285750" fontAlgn="base">
+              <a:buFont typeface="Arial" pitchFamily="34" charset="0"/>
+              <a:buChar char="•"/>
+            </a:pPr>
+            <a:r>
+              <a:rPr lang="en-US">
+                <a:latin typeface="Lucida Console" pitchFamily="49" charset="0"/>
+              </a:rPr>
+              <a:t>Based on the needs of 21st century web properties</a:t>
+            </a:r>
+          </a:p>
+          <a:p>
+            <a:pPr marL="285750" indent="-285750" fontAlgn="base">
+              <a:buFont typeface="Arial" pitchFamily="34" charset="0"/>
+              <a:buChar char="•"/>
+            </a:pPr>
+            <a:r>
+              <a:rPr lang="en-US">
+                <a:latin typeface="Lucida Console" pitchFamily="49" charset="0"/>
+              </a:rPr>
+              <a:t>No schema, allowing fields to be added to any record without controls</a:t>
+            </a:r>
+          </a:p>
+        </p:txBody>
+      </p:sp>
+    </p:spTree>
+    <p:extLst>
+      <p:ext uri="{BB962C8B-B14F-4D97-AF65-F5344CB8AC3E}">
+        <p14:creationId xmlns:p14="http://schemas.microsoft.com/office/powerpoint/2010/main" val="4184054896"/>
+      </p:ext>
+    </p:extLst>
+  </p:cSld>
+  <p:clrMapOvr>
+    <a:masterClrMapping/>
+  </p:clrMapOvr>
+</p:sld>
+</file>
+
+<file path=ppt/slides/slide8.xml><?xml version="1.0" encoding="utf-8"?>
+<p:sld xmlns:a="http://schemas.openxmlformats.org/drawingml/2006/main" xmlns:r="http://schemas.openxmlformats.org/officeDocument/2006/relationships" xmlns:p="http://schemas.openxmlformats.org/presentationml/2006/main">
+  <p:cSld>
+    <p:spTree>
+      <p:nvGrpSpPr>
+        <p:cNvPr id="1" name=""/>
+        <p:cNvGrpSpPr/>
+        <p:nvPr/>
+      </p:nvGrpSpPr>
+      <p:grpSpPr>
+        <a:xfrm>
+          <a:off x="0" y="0"/>
+          <a:ext cx="0" cy="0"/>
+          <a:chOff x="0" y="0"/>
+          <a:chExt cx="0" cy="0"/>
+        </a:xfrm>
+      </p:grpSpPr>
+      <p:sp>
+        <p:nvSpPr>
           <p:cNvPr id="2" name="Title 1"/>
           <p:cNvSpPr>
             <a:spLocks noGrp="1"/>
@@ -23524,7 +23968,7 @@
           <a:noFill/>
           <a:extLst>
             <a:ext uri="{909E8E84-426E-40dd-AFC4-6F175D3DCCD1}">
-              <a14:hiddenFill xmlns:a14="http://schemas.microsoft.com/office/drawing/2010/main" xmlns="">
+              <a14:hiddenFill xmlns="" xmlns:a14="http://schemas.microsoft.com/office/drawing/2010/main">
                 <a:solidFill>
                   <a:srgbClr val="FFFFFF"/>
                 </a:solidFill>
@@ -23647,7 +24091,7 @@
 </p:sld>
 </file>
 
-<file path=ppt/slides/slide8.xml><?xml version="1.0" encoding="utf-8"?>
+<file path=ppt/slides/slide9.xml><?xml version="1.0" encoding="utf-8"?>
 <p:sld xmlns:a="http://schemas.openxmlformats.org/drawingml/2006/main" xmlns:r="http://schemas.openxmlformats.org/officeDocument/2006/relationships" xmlns:p="http://schemas.openxmlformats.org/presentationml/2006/main">
   <p:cSld>
     <p:spTree>
@@ -23696,7 +24140,7 @@
           <a:noFill/>
           <a:extLst>
             <a:ext uri="{909E8E84-426E-40dd-AFC4-6F175D3DCCD1}">
-              <a14:hiddenFill xmlns:a14="http://schemas.microsoft.com/office/drawing/2010/main" xmlns="">
+              <a14:hiddenFill xmlns="" xmlns:a14="http://schemas.microsoft.com/office/drawing/2010/main">
                 <a:solidFill>
                   <a:srgbClr val="FFFFFF"/>
                 </a:solidFill>
@@ -23709,216 +24153,6 @@
     <p:extLst>
       <p:ext uri="{BB962C8B-B14F-4D97-AF65-F5344CB8AC3E}">
         <p14:creationId xmlns:p14="http://schemas.microsoft.com/office/powerpoint/2010/main" val="1885345196"/>
-      </p:ext>
-    </p:extLst>
-  </p:cSld>
-  <p:clrMapOvr>
-    <a:masterClrMapping/>
-  </p:clrMapOvr>
-</p:sld>
-</file>
-
-<file path=ppt/slides/slide9.xml><?xml version="1.0" encoding="utf-8"?>
-<p:sld xmlns:a="http://schemas.openxmlformats.org/drawingml/2006/main" xmlns:r="http://schemas.openxmlformats.org/officeDocument/2006/relationships" xmlns:p="http://schemas.openxmlformats.org/presentationml/2006/main">
-  <p:cSld>
-    <p:spTree>
-      <p:nvGrpSpPr>
-        <p:cNvPr id="1" name=""/>
-        <p:cNvGrpSpPr/>
-        <p:nvPr/>
-      </p:nvGrpSpPr>
-      <p:grpSpPr>
-        <a:xfrm>
-          <a:off x="0" y="0"/>
-          <a:ext cx="0" cy="0"/>
-          <a:chOff x="0" y="0"/>
-          <a:chExt cx="0" cy="0"/>
-        </a:xfrm>
-      </p:grpSpPr>
-      <p:sp>
-        <p:nvSpPr>
-          <p:cNvPr id="5" name="Oval 4"/>
-          <p:cNvSpPr/>
-          <p:nvPr/>
-        </p:nvSpPr>
-        <p:spPr>
-          <a:xfrm>
-            <a:off x="1828800" y="762000"/>
-            <a:ext cx="8458200" cy="5791200"/>
-          </a:xfrm>
-          <a:prstGeom prst="ellipse">
-            <a:avLst/>
-          </a:prstGeom>
-          <a:solidFill>
-            <a:schemeClr val="accent4">
-              <a:lumMod val="60000"/>
-              <a:lumOff val="40000"/>
-            </a:schemeClr>
-          </a:solidFill>
-        </p:spPr>
-        <p:style>
-          <a:lnRef idx="1">
-            <a:schemeClr val="accent1"/>
-          </a:lnRef>
-          <a:fillRef idx="3">
-            <a:schemeClr val="accent1"/>
-          </a:fillRef>
-          <a:effectRef idx="2">
-            <a:schemeClr val="accent1"/>
-          </a:effectRef>
-          <a:fontRef idx="minor">
-            <a:schemeClr val="lt1"/>
-          </a:fontRef>
-        </p:style>
-        <p:txBody>
-          <a:bodyPr rtlCol="0" anchor="t" anchorCtr="0"/>
-          <a:lstStyle/>
-          <a:p>
-            <a:pPr algn="ctr"/>
-            <a:r>
-              <a:rPr lang="en-US" sz="3600" dirty="0">
-                <a:solidFill>
-                  <a:schemeClr val="bg1"/>
-                </a:solidFill>
-              </a:rPr>
-              <a:t>All Databases</a:t>
-            </a:r>
-          </a:p>
-        </p:txBody>
-      </p:sp>
-      <p:sp>
-        <p:nvSpPr>
-          <p:cNvPr id="4" name="Oval 3"/>
-          <p:cNvSpPr/>
-          <p:nvPr/>
-        </p:nvSpPr>
-        <p:spPr>
-          <a:xfrm>
-            <a:off x="2438400" y="2362200"/>
-            <a:ext cx="3276600" cy="3200400"/>
-          </a:xfrm>
-          <a:prstGeom prst="ellipse">
-            <a:avLst/>
-          </a:prstGeom>
-        </p:spPr>
-        <p:style>
-          <a:lnRef idx="1">
-            <a:schemeClr val="accent1"/>
-          </a:lnRef>
-          <a:fillRef idx="3">
-            <a:schemeClr val="accent1"/>
-          </a:fillRef>
-          <a:effectRef idx="2">
-            <a:schemeClr val="accent1"/>
-          </a:effectRef>
-          <a:fontRef idx="minor">
-            <a:schemeClr val="lt1"/>
-          </a:fontRef>
-        </p:style>
-        <p:txBody>
-          <a:bodyPr rtlCol="0" anchor="ctr"/>
-          <a:lstStyle/>
-          <a:p>
-            <a:pPr algn="ctr"/>
-            <a:r>
-              <a:rPr lang="en-US" sz="2800" dirty="0">
-                <a:solidFill>
-                  <a:schemeClr val="accent3"/>
-                </a:solidFill>
-              </a:rPr>
-              <a:t>Relational Databases </a:t>
-            </a:r>
-            <a:r>
-              <a:rPr lang="en-US" dirty="0"/>
-              <a:t>(Oracle, </a:t>
-            </a:r>
-            <a:r>
-              <a:rPr lang="en-US" dirty="0" err="1"/>
-              <a:t>mySQL</a:t>
-            </a:r>
-            <a:r>
-              <a:rPr lang="en-US" dirty="0"/>
-              <a:t>, </a:t>
-            </a:r>
-            <a:r>
-              <a:rPr lang="en-US" dirty="0" err="1"/>
-              <a:t>Postgres</a:t>
-            </a:r>
-            <a:r>
-              <a:rPr lang="en-US" dirty="0"/>
-              <a:t>, SQL Server)</a:t>
-            </a:r>
-          </a:p>
-        </p:txBody>
-      </p:sp>
-      <p:sp>
-        <p:nvSpPr>
-          <p:cNvPr id="6" name="Oval 5"/>
-          <p:cNvSpPr/>
-          <p:nvPr/>
-        </p:nvSpPr>
-        <p:spPr>
-          <a:xfrm>
-            <a:off x="6019800" y="2438400"/>
-            <a:ext cx="3276600" cy="3124200"/>
-          </a:xfrm>
-          <a:prstGeom prst="ellipse">
-            <a:avLst/>
-          </a:prstGeom>
-        </p:spPr>
-        <p:style>
-          <a:lnRef idx="1">
-            <a:schemeClr val="accent1"/>
-          </a:lnRef>
-          <a:fillRef idx="3">
-            <a:schemeClr val="accent1"/>
-          </a:fillRef>
-          <a:effectRef idx="2">
-            <a:schemeClr val="accent1"/>
-          </a:effectRef>
-          <a:fontRef idx="minor">
-            <a:schemeClr val="lt1"/>
-          </a:fontRef>
-        </p:style>
-        <p:txBody>
-          <a:bodyPr rtlCol="0" anchor="ctr"/>
-          <a:lstStyle/>
-          <a:p>
-            <a:pPr algn="ctr"/>
-            <a:r>
-              <a:rPr lang="en-US" sz="2800" dirty="0">
-                <a:solidFill>
-                  <a:schemeClr val="accent3"/>
-                </a:solidFill>
-              </a:rPr>
-              <a:t>NoSQL</a:t>
-            </a:r>
-            <a:br>
-              <a:rPr lang="en-US" sz="2800" dirty="0">
-                <a:solidFill>
-                  <a:schemeClr val="accent3"/>
-                </a:solidFill>
-              </a:rPr>
-            </a:br>
-            <a:r>
-              <a:rPr lang="en-US" dirty="0"/>
-              <a:t>(MongoDB, Redis, Neo4J, Cassandra, </a:t>
-            </a:r>
-            <a:r>
-              <a:rPr lang="en-US" dirty="0" err="1"/>
-              <a:t>Hbase</a:t>
-            </a:r>
-            <a:r>
-              <a:rPr lang="en-US" dirty="0"/>
-              <a:t>)</a:t>
-            </a:r>
-          </a:p>
-        </p:txBody>
-      </p:sp>
-    </p:spTree>
-    <p:extLst>
-      <p:ext uri="{BB962C8B-B14F-4D97-AF65-F5344CB8AC3E}">
-        <p14:creationId xmlns:p14="http://schemas.microsoft.com/office/powerpoint/2010/main" val="349950768"/>
       </p:ext>
     </p:extLst>
   </p:cSld>

--- a/NoSQLWhirlwind supprting images.pptx
+++ b/NoSQLWhirlwind supprting images.pptx
@@ -5,7 +5,7 @@
     <p:sldMasterId id="2147483660" r:id="rId1"/>
   </p:sldMasterIdLst>
   <p:notesMasterIdLst>
-    <p:notesMasterId r:id="rId54"/>
+    <p:notesMasterId r:id="rId52"/>
   </p:notesMasterIdLst>
   <p:sldIdLst>
     <p:sldId id="268" r:id="rId2"/>
@@ -33,33 +33,31 @@
     <p:sldId id="260" r:id="rId24"/>
     <p:sldId id="263" r:id="rId25"/>
     <p:sldId id="266" r:id="rId26"/>
-    <p:sldId id="267" r:id="rId27"/>
-    <p:sldId id="256" r:id="rId28"/>
-    <p:sldId id="257" r:id="rId29"/>
-    <p:sldId id="282" r:id="rId30"/>
-    <p:sldId id="283" r:id="rId31"/>
-    <p:sldId id="265" r:id="rId32"/>
-    <p:sldId id="276" r:id="rId33"/>
-    <p:sldId id="272" r:id="rId34"/>
-    <p:sldId id="273" r:id="rId35"/>
-    <p:sldId id="284" r:id="rId36"/>
-    <p:sldId id="275" r:id="rId37"/>
-    <p:sldId id="269" r:id="rId38"/>
-    <p:sldId id="270" r:id="rId39"/>
-    <p:sldId id="271" r:id="rId40"/>
-    <p:sldId id="277" r:id="rId41"/>
-    <p:sldId id="279" r:id="rId42"/>
-    <p:sldId id="278" r:id="rId43"/>
-    <p:sldId id="301" r:id="rId44"/>
-    <p:sldId id="311" r:id="rId45"/>
-    <p:sldId id="307" r:id="rId46"/>
-    <p:sldId id="312" r:id="rId47"/>
-    <p:sldId id="313" r:id="rId48"/>
-    <p:sldId id="314" r:id="rId49"/>
-    <p:sldId id="306" r:id="rId50"/>
-    <p:sldId id="305" r:id="rId51"/>
-    <p:sldId id="303" r:id="rId52"/>
-    <p:sldId id="302" r:id="rId53"/>
+    <p:sldId id="317" r:id="rId27"/>
+    <p:sldId id="318" r:id="rId28"/>
+    <p:sldId id="267" r:id="rId29"/>
+    <p:sldId id="265" r:id="rId30"/>
+    <p:sldId id="276" r:id="rId31"/>
+    <p:sldId id="272" r:id="rId32"/>
+    <p:sldId id="273" r:id="rId33"/>
+    <p:sldId id="284" r:id="rId34"/>
+    <p:sldId id="275" r:id="rId35"/>
+    <p:sldId id="269" r:id="rId36"/>
+    <p:sldId id="270" r:id="rId37"/>
+    <p:sldId id="271" r:id="rId38"/>
+    <p:sldId id="277" r:id="rId39"/>
+    <p:sldId id="279" r:id="rId40"/>
+    <p:sldId id="278" r:id="rId41"/>
+    <p:sldId id="301" r:id="rId42"/>
+    <p:sldId id="311" r:id="rId43"/>
+    <p:sldId id="307" r:id="rId44"/>
+    <p:sldId id="312" r:id="rId45"/>
+    <p:sldId id="313" r:id="rId46"/>
+    <p:sldId id="314" r:id="rId47"/>
+    <p:sldId id="306" r:id="rId48"/>
+    <p:sldId id="305" r:id="rId49"/>
+    <p:sldId id="303" r:id="rId50"/>
+    <p:sldId id="302" r:id="rId51"/>
   </p:sldIdLst>
   <p:sldSz cx="12192000" cy="6858000"/>
   <p:notesSz cx="6858000" cy="9144000"/>
@@ -206,13 +204,11 @@
             <p14:sldId id="266"/>
           </p14:sldIdLst>
         </p14:section>
-        <p14:section name="Object Databases" id="{C914CA25-B48C-4F28-8AA9-991A448472D8}">
+        <p14:section name="Storage Engines" id="{C914CA25-B48C-4F28-8AA9-991A448472D8}">
           <p14:sldIdLst>
+            <p14:sldId id="317"/>
+            <p14:sldId id="318"/>
             <p14:sldId id="267"/>
-            <p14:sldId id="256"/>
-            <p14:sldId id="257"/>
-            <p14:sldId id="282"/>
-            <p14:sldId id="283"/>
           </p14:sldIdLst>
         </p14:section>
         <p14:section name="Document Databases" id="{2DBD8B04-E905-421E-8328-5486C4CFC33A}">
@@ -359,7 +355,7 @@
           <a:p>
             <a:fld id="{09204D5E-80CA-44E6-9838-6D2C437BFBFD}" type="datetimeFigureOut">
               <a:rPr lang="en-US" smtClean="0"/>
-              <a:t>3/23/2016</a:t>
+              <a:t>3/29/2016</a:t>
             </a:fld>
             <a:endParaRPr lang="en-US"/>
           </a:p>
@@ -2133,7 +2129,7 @@
           <a:p>
             <a:fld id="{7D161F0C-C389-4F4C-A9F9-4D86F194D20A}" type="datetimeFigureOut">
               <a:rPr lang="en-US" smtClean="0"/>
-              <a:t>3/23/2016</a:t>
+              <a:t>3/29/2016</a:t>
             </a:fld>
             <a:endParaRPr lang="en-US"/>
           </a:p>
@@ -2303,7 +2299,7 @@
           <a:p>
             <a:fld id="{7D161F0C-C389-4F4C-A9F9-4D86F194D20A}" type="datetimeFigureOut">
               <a:rPr lang="en-US" smtClean="0"/>
-              <a:t>3/23/2016</a:t>
+              <a:t>3/29/2016</a:t>
             </a:fld>
             <a:endParaRPr lang="en-US"/>
           </a:p>
@@ -2483,7 +2479,7 @@
           <a:p>
             <a:fld id="{7D161F0C-C389-4F4C-A9F9-4D86F194D20A}" type="datetimeFigureOut">
               <a:rPr lang="en-US" smtClean="0"/>
-              <a:t>3/23/2016</a:t>
+              <a:t>3/29/2016</a:t>
             </a:fld>
             <a:endParaRPr lang="en-US"/>
           </a:p>
@@ -2653,7 +2649,7 @@
           <a:p>
             <a:fld id="{7D161F0C-C389-4F4C-A9F9-4D86F194D20A}" type="datetimeFigureOut">
               <a:rPr lang="en-US" smtClean="0"/>
-              <a:t>3/23/2016</a:t>
+              <a:t>3/29/2016</a:t>
             </a:fld>
             <a:endParaRPr lang="en-US"/>
           </a:p>
@@ -2899,7 +2895,7 @@
           <a:p>
             <a:fld id="{7D161F0C-C389-4F4C-A9F9-4D86F194D20A}" type="datetimeFigureOut">
               <a:rPr lang="en-US" smtClean="0"/>
-              <a:t>3/23/2016</a:t>
+              <a:t>3/29/2016</a:t>
             </a:fld>
             <a:endParaRPr lang="en-US"/>
           </a:p>
@@ -3131,7 +3127,7 @@
           <a:p>
             <a:fld id="{7D161F0C-C389-4F4C-A9F9-4D86F194D20A}" type="datetimeFigureOut">
               <a:rPr lang="en-US" smtClean="0"/>
-              <a:t>3/23/2016</a:t>
+              <a:t>3/29/2016</a:t>
             </a:fld>
             <a:endParaRPr lang="en-US"/>
           </a:p>
@@ -3498,7 +3494,7 @@
           <a:p>
             <a:fld id="{7D161F0C-C389-4F4C-A9F9-4D86F194D20A}" type="datetimeFigureOut">
               <a:rPr lang="en-US" smtClean="0"/>
-              <a:t>3/23/2016</a:t>
+              <a:t>3/29/2016</a:t>
             </a:fld>
             <a:endParaRPr lang="en-US"/>
           </a:p>
@@ -3616,7 +3612,7 @@
           <a:p>
             <a:fld id="{7D161F0C-C389-4F4C-A9F9-4D86F194D20A}" type="datetimeFigureOut">
               <a:rPr lang="en-US" smtClean="0"/>
-              <a:t>3/23/2016</a:t>
+              <a:t>3/29/2016</a:t>
             </a:fld>
             <a:endParaRPr lang="en-US"/>
           </a:p>
@@ -3711,7 +3707,7 @@
           <a:p>
             <a:fld id="{7D161F0C-C389-4F4C-A9F9-4D86F194D20A}" type="datetimeFigureOut">
               <a:rPr lang="en-US" smtClean="0"/>
-              <a:t>3/23/2016</a:t>
+              <a:t>3/29/2016</a:t>
             </a:fld>
             <a:endParaRPr lang="en-US"/>
           </a:p>
@@ -3988,7 +3984,7 @@
           <a:p>
             <a:fld id="{7D161F0C-C389-4F4C-A9F9-4D86F194D20A}" type="datetimeFigureOut">
               <a:rPr lang="en-US" smtClean="0"/>
-              <a:t>3/23/2016</a:t>
+              <a:t>3/29/2016</a:t>
             </a:fld>
             <a:endParaRPr lang="en-US"/>
           </a:p>
@@ -4245,7 +4241,7 @@
           <a:p>
             <a:fld id="{7D161F0C-C389-4F4C-A9F9-4D86F194D20A}" type="datetimeFigureOut">
               <a:rPr lang="en-US" smtClean="0"/>
-              <a:t>3/23/2016</a:t>
+              <a:t>3/29/2016</a:t>
             </a:fld>
             <a:endParaRPr lang="en-US"/>
           </a:p>
@@ -4458,7 +4454,7 @@
           <a:p>
             <a:fld id="{7D161F0C-C389-4F4C-A9F9-4D86F194D20A}" type="datetimeFigureOut">
               <a:rPr lang="en-US" smtClean="0"/>
-              <a:t>3/23/2016</a:t>
+              <a:t>3/29/2016</a:t>
             </a:fld>
             <a:endParaRPr lang="en-US"/>
           </a:p>
@@ -6608,14 +6604,14 @@
           </a:effectLst>
           <a:extLst>
             <a:ext uri="{909E8E84-426E-40dd-AFC4-6F175D3DCCD1}">
-              <a14:hiddenFill xmlns:a14="http://schemas.microsoft.com/office/drawing/2010/main" xmlns="">
+              <a14:hiddenFill xmlns="" xmlns:a14="http://schemas.microsoft.com/office/drawing/2010/main">
                 <a:solidFill>
                   <a:schemeClr val="accent1"/>
                 </a:solidFill>
               </a14:hiddenFill>
             </a:ext>
             <a:ext uri="{91240B29-F687-4f45-9708-019B960494DF}">
-              <a14:hiddenLine xmlns:a14="http://schemas.microsoft.com/office/drawing/2010/main" xmlns="" w="9525">
+              <a14:hiddenLine xmlns="" xmlns:a14="http://schemas.microsoft.com/office/drawing/2010/main" w="9525">
                 <a:solidFill>
                   <a:schemeClr val="tx1"/>
                 </a:solidFill>
@@ -7110,14 +7106,14 @@
           </a:ln>
           <a:extLst>
             <a:ext uri="{909E8E84-426E-40dd-AFC4-6F175D3DCCD1}">
-              <a14:hiddenFill xmlns:a14="http://schemas.microsoft.com/office/drawing/2010/main" xmlns="">
+              <a14:hiddenFill xmlns="" xmlns:a14="http://schemas.microsoft.com/office/drawing/2010/main">
                 <a:solidFill>
                   <a:schemeClr val="accent1"/>
                 </a:solidFill>
               </a14:hiddenFill>
             </a:ext>
             <a:ext uri="{91240B29-F687-4f45-9708-019B960494DF}">
-              <a14:hiddenLine xmlns:a14="http://schemas.microsoft.com/office/drawing/2010/main" xmlns="" w="9525">
+              <a14:hiddenLine xmlns="" xmlns:a14="http://schemas.microsoft.com/office/drawing/2010/main" w="9525">
                 <a:solidFill>
                   <a:schemeClr val="tx1"/>
                 </a:solidFill>
@@ -9214,155 +9210,829 @@
           <a:chExt cx="0" cy="0"/>
         </a:xfrm>
       </p:grpSpPr>
-      <p:sp>
-        <p:nvSpPr>
-          <p:cNvPr id="2" name="Title 1"/>
-          <p:cNvSpPr>
-            <a:spLocks noGrp="1"/>
-          </p:cNvSpPr>
+      <p:graphicFrame>
+        <p:nvGraphicFramePr>
+          <p:cNvPr id="4" name="Table 3"/>
+          <p:cNvGraphicFramePr>
+            <a:graphicFrameLocks noGrp="1"/>
+          </p:cNvGraphicFramePr>
           <p:nvPr>
-            <p:ph type="title"/>
+            <p:extLst/>
           </p:nvPr>
-        </p:nvSpPr>
-        <p:spPr/>
-        <p:txBody>
-          <a:bodyPr/>
-          <a:lstStyle/>
-          <a:p>
-            <a:r>
-              <a:rPr lang="en-US" dirty="0" err="1"/>
-              <a:t>Eloquera</a:t>
-            </a:r>
-            <a:endParaRPr lang="en-US" dirty="0"/>
-          </a:p>
-        </p:txBody>
-      </p:sp>
-      <p:sp>
-        <p:nvSpPr>
-          <p:cNvPr id="3" name="Content Placeholder 2"/>
-          <p:cNvSpPr>
-            <a:spLocks noGrp="1"/>
-          </p:cNvSpPr>
+        </p:nvGraphicFramePr>
+        <p:xfrm>
+          <a:off x="838200" y="2091267"/>
+          <a:ext cx="6502400" cy="1010920"/>
+        </p:xfrm>
+        <a:graphic>
+          <a:graphicData uri="http://schemas.openxmlformats.org/drawingml/2006/table">
+            <a:tbl>
+              <a:tblPr firstRow="1" bandRow="1">
+                <a:tableStyleId>{5C22544A-7EE6-4342-B048-85BDC9FD1C3A}</a:tableStyleId>
+              </a:tblPr>
+              <a:tblGrid>
+                <a:gridCol w="2447962">
+                  <a:extLst>
+                    <a:ext uri="{9D8B030D-6E8A-4147-A177-3AD203B41FA5}">
+                      <a16:colId xmlns:a16="http://schemas.microsoft.com/office/drawing/2014/main" val="2679583851"/>
+                    </a:ext>
+                  </a:extLst>
+                </a:gridCol>
+                <a:gridCol w="4054438">
+                  <a:extLst>
+                    <a:ext uri="{9D8B030D-6E8A-4147-A177-3AD203B41FA5}">
+                      <a16:colId xmlns:a16="http://schemas.microsoft.com/office/drawing/2014/main" val="2783868415"/>
+                    </a:ext>
+                  </a:extLst>
+                </a:gridCol>
+              </a:tblGrid>
+              <a:tr h="370840">
+                <a:tc>
+                  <a:txBody>
+                    <a:bodyPr/>
+                    <a:lstStyle/>
+                    <a:p>
+                      <a:r>
+                        <a:rPr lang="en-US" dirty="0"/>
+                        <a:t>Amount of data/transaction</a:t>
+                      </a:r>
+                    </a:p>
+                  </a:txBody>
+                  <a:tcPr/>
+                </a:tc>
+                <a:tc>
+                  <a:txBody>
+                    <a:bodyPr/>
+                    <a:lstStyle/>
+                    <a:p>
+                      <a:endParaRPr lang="en-US" dirty="0"/>
+                    </a:p>
+                  </a:txBody>
+                  <a:tcPr/>
+                </a:tc>
+                <a:extLst>
+                  <a:ext uri="{0D108BD9-81ED-4DB2-BD59-A6C34878D82A}">
+                    <a16:rowId xmlns:a16="http://schemas.microsoft.com/office/drawing/2014/main" val="3508371938"/>
+                  </a:ext>
+                </a:extLst>
+              </a:tr>
+              <a:tr h="370840">
+                <a:tc>
+                  <a:txBody>
+                    <a:bodyPr/>
+                    <a:lstStyle/>
+                    <a:p>
+                      <a:endParaRPr lang="en-US"/>
+                    </a:p>
+                  </a:txBody>
+                  <a:tcPr/>
+                </a:tc>
+                <a:tc>
+                  <a:txBody>
+                    <a:bodyPr/>
+                    <a:lstStyle/>
+                    <a:p>
+                      <a:endParaRPr lang="en-US" dirty="0"/>
+                    </a:p>
+                  </a:txBody>
+                  <a:tcPr/>
+                </a:tc>
+                <a:extLst>
+                  <a:ext uri="{0D108BD9-81ED-4DB2-BD59-A6C34878D82A}">
+                    <a16:rowId xmlns:a16="http://schemas.microsoft.com/office/drawing/2014/main" val="3926012805"/>
+                  </a:ext>
+                </a:extLst>
+              </a:tr>
+            </a:tbl>
+          </a:graphicData>
+        </a:graphic>
+      </p:graphicFrame>
+      <p:graphicFrame>
+        <p:nvGraphicFramePr>
+          <p:cNvPr id="5" name="Table 4"/>
+          <p:cNvGraphicFramePr>
+            <a:graphicFrameLocks noGrp="1"/>
+          </p:cNvGraphicFramePr>
           <p:nvPr>
-            <p:ph idx="1"/>
+            <p:extLst/>
           </p:nvPr>
-        </p:nvSpPr>
-        <p:spPr>
-          <a:xfrm>
-            <a:off x="1207625" y="1696977"/>
-            <a:ext cx="5770945" cy="894426"/>
-          </a:xfrm>
-        </p:spPr>
-        <p:txBody>
-          <a:bodyPr/>
-          <a:lstStyle/>
-          <a:p>
-            <a:r>
-              <a:rPr lang="en-US" dirty="0"/>
-              <a:t>Learning principle: quote from James </a:t>
-            </a:r>
-            <a:r>
-              <a:rPr lang="en-US" dirty="0" err="1"/>
-              <a:t>Altucher</a:t>
-            </a:r>
-            <a:r>
-              <a:rPr lang="en-US" dirty="0"/>
-              <a:t> about history</a:t>
-            </a:r>
-          </a:p>
-        </p:txBody>
-      </p:sp>
-      <p:sp>
-        <p:nvSpPr>
-          <p:cNvPr id="4" name="Rectangle 3"/>
+        </p:nvGraphicFramePr>
+        <p:xfrm>
+          <a:off x="838200" y="2091267"/>
+          <a:ext cx="10618694" cy="1854200"/>
+        </p:xfrm>
+        <a:graphic>
+          <a:graphicData uri="http://schemas.openxmlformats.org/drawingml/2006/table">
+            <a:tbl>
+              <a:tblPr firstRow="1" bandRow="1">
+                <a:tableStyleId>{5C22544A-7EE6-4342-B048-85BDC9FD1C3A}</a:tableStyleId>
+              </a:tblPr>
+              <a:tblGrid>
+                <a:gridCol w="2559424">
+                  <a:extLst>
+                    <a:ext uri="{9D8B030D-6E8A-4147-A177-3AD203B41FA5}">
+                      <a16:colId xmlns:a16="http://schemas.microsoft.com/office/drawing/2014/main" val="1421372537"/>
+                    </a:ext>
+                  </a:extLst>
+                </a:gridCol>
+                <a:gridCol w="1237129">
+                  <a:extLst>
+                    <a:ext uri="{9D8B030D-6E8A-4147-A177-3AD203B41FA5}">
+                      <a16:colId xmlns:a16="http://schemas.microsoft.com/office/drawing/2014/main" val="282020365"/>
+                    </a:ext>
+                  </a:extLst>
+                </a:gridCol>
+                <a:gridCol w="2146019">
+                  <a:extLst>
+                    <a:ext uri="{9D8B030D-6E8A-4147-A177-3AD203B41FA5}">
+                      <a16:colId xmlns:a16="http://schemas.microsoft.com/office/drawing/2014/main" val="3127160430"/>
+                    </a:ext>
+                  </a:extLst>
+                </a:gridCol>
+                <a:gridCol w="1637087">
+                  <a:extLst>
+                    <a:ext uri="{9D8B030D-6E8A-4147-A177-3AD203B41FA5}">
+                      <a16:colId xmlns:a16="http://schemas.microsoft.com/office/drawing/2014/main" val="2791433747"/>
+                    </a:ext>
+                  </a:extLst>
+                </a:gridCol>
+                <a:gridCol w="3039035">
+                  <a:extLst>
+                    <a:ext uri="{9D8B030D-6E8A-4147-A177-3AD203B41FA5}">
+                      <a16:colId xmlns:a16="http://schemas.microsoft.com/office/drawing/2014/main" val="3772167858"/>
+                    </a:ext>
+                  </a:extLst>
+                </a:gridCol>
+              </a:tblGrid>
+              <a:tr h="370840">
+                <a:tc>
+                  <a:txBody>
+                    <a:bodyPr/>
+                    <a:lstStyle/>
+                    <a:p>
+                      <a:r>
+                        <a:rPr lang="en-US" dirty="0">
+                          <a:solidFill>
+                            <a:srgbClr val="FFFF00"/>
+                          </a:solidFill>
+                        </a:rPr>
+                        <a:t># Bytes</a:t>
+                      </a:r>
+                      <a:r>
+                        <a:rPr lang="en-US" baseline="0" dirty="0">
+                          <a:solidFill>
+                            <a:srgbClr val="FFFF00"/>
+                          </a:solidFill>
+                        </a:rPr>
+                        <a:t> per </a:t>
+                      </a:r>
+                      <a:r>
+                        <a:rPr lang="en-US" dirty="0">
+                          <a:solidFill>
+                            <a:srgbClr val="FFFF00"/>
+                          </a:solidFill>
+                        </a:rPr>
+                        <a:t>transaction</a:t>
+                      </a:r>
+                    </a:p>
+                  </a:txBody>
+                  <a:tcPr/>
+                </a:tc>
+                <a:tc>
+                  <a:txBody>
+                    <a:bodyPr/>
+                    <a:lstStyle/>
+                    <a:p>
+                      <a:r>
+                        <a:rPr lang="en-US" dirty="0">
+                          <a:solidFill>
+                            <a:srgbClr val="FFFF00"/>
+                          </a:solidFill>
+                        </a:rPr>
+                        <a:t>Total Time</a:t>
+                      </a:r>
+                    </a:p>
+                  </a:txBody>
+                  <a:tcPr/>
+                </a:tc>
+                <a:tc>
+                  <a:txBody>
+                    <a:bodyPr/>
+                    <a:lstStyle/>
+                    <a:p>
+                      <a:r>
+                        <a:rPr lang="en-US" dirty="0">
+                          <a:solidFill>
+                            <a:srgbClr val="FFFF00"/>
+                          </a:solidFill>
+                        </a:rPr>
+                        <a:t>Row Insert Time</a:t>
+                      </a:r>
+                    </a:p>
+                  </a:txBody>
+                  <a:tcPr/>
+                </a:tc>
+                <a:tc>
+                  <a:txBody>
+                    <a:bodyPr/>
+                    <a:lstStyle/>
+                    <a:p>
+                      <a:r>
+                        <a:rPr lang="en-US" dirty="0">
+                          <a:solidFill>
+                            <a:srgbClr val="FFFF00"/>
+                          </a:solidFill>
+                        </a:rPr>
+                        <a:t>Overhead</a:t>
+                      </a:r>
+                    </a:p>
+                  </a:txBody>
+                  <a:tcPr/>
+                </a:tc>
+                <a:tc>
+                  <a:txBody>
+                    <a:bodyPr/>
+                    <a:lstStyle/>
+                    <a:p>
+                      <a:r>
+                        <a:rPr lang="en-US" dirty="0">
+                          <a:solidFill>
+                            <a:srgbClr val="FFFF00"/>
+                          </a:solidFill>
+                        </a:rPr>
+                        <a:t>Bytes/sec</a:t>
+                      </a:r>
+                    </a:p>
+                  </a:txBody>
+                  <a:tcPr/>
+                </a:tc>
+                <a:extLst>
+                  <a:ext uri="{0D108BD9-81ED-4DB2-BD59-A6C34878D82A}">
+                    <a16:rowId xmlns:a16="http://schemas.microsoft.com/office/drawing/2014/main" val="3203008105"/>
+                  </a:ext>
+                </a:extLst>
+              </a:tr>
+              <a:tr h="370840">
+                <a:tc>
+                  <a:txBody>
+                    <a:bodyPr/>
+                    <a:lstStyle/>
+                    <a:p>
+                      <a:r>
+                        <a:rPr lang="en-US" dirty="0"/>
+                        <a:t>1</a:t>
+                      </a:r>
+                    </a:p>
+                  </a:txBody>
+                  <a:tcPr/>
+                </a:tc>
+                <a:tc>
+                  <a:txBody>
+                    <a:bodyPr/>
+                    <a:lstStyle/>
+                    <a:p>
+                      <a:r>
+                        <a:rPr lang="en-US" dirty="0"/>
+                        <a:t>71ms</a:t>
+                      </a:r>
+                    </a:p>
+                  </a:txBody>
+                  <a:tcPr/>
+                </a:tc>
+                <a:tc>
+                  <a:txBody>
+                    <a:bodyPr/>
+                    <a:lstStyle/>
+                    <a:p>
+                      <a:r>
+                        <a:rPr lang="en-US" dirty="0"/>
+                        <a:t>0.3ms</a:t>
+                      </a:r>
+                    </a:p>
+                  </a:txBody>
+                  <a:tcPr/>
+                </a:tc>
+                <a:tc>
+                  <a:txBody>
+                    <a:bodyPr/>
+                    <a:lstStyle/>
+                    <a:p>
+                      <a:r>
+                        <a:rPr lang="en-US" dirty="0"/>
+                        <a:t>~70ms</a:t>
+                      </a:r>
+                    </a:p>
+                  </a:txBody>
+                  <a:tcPr/>
+                </a:tc>
+                <a:tc>
+                  <a:txBody>
+                    <a:bodyPr/>
+                    <a:lstStyle/>
+                    <a:p>
+                      <a:r>
+                        <a:rPr lang="en-US" dirty="0"/>
+                        <a:t>14 (0.14</a:t>
+                      </a:r>
+                      <a:r>
+                        <a:rPr lang="en-US" baseline="0" dirty="0"/>
+                        <a:t> </a:t>
+                      </a:r>
+                      <a:r>
+                        <a:rPr lang="en-US" dirty="0"/>
+                        <a:t>KB/s)</a:t>
+                      </a:r>
+                    </a:p>
+                  </a:txBody>
+                  <a:tcPr/>
+                </a:tc>
+                <a:extLst>
+                  <a:ext uri="{0D108BD9-81ED-4DB2-BD59-A6C34878D82A}">
+                    <a16:rowId xmlns:a16="http://schemas.microsoft.com/office/drawing/2014/main" val="3167324466"/>
+                  </a:ext>
+                </a:extLst>
+              </a:tr>
+              <a:tr h="370840">
+                <a:tc>
+                  <a:txBody>
+                    <a:bodyPr/>
+                    <a:lstStyle/>
+                    <a:p>
+                      <a:r>
+                        <a:rPr lang="en-US" dirty="0"/>
+                        <a:t>100</a:t>
+                      </a:r>
+                    </a:p>
+                  </a:txBody>
+                  <a:tcPr/>
+                </a:tc>
+                <a:tc>
+                  <a:txBody>
+                    <a:bodyPr/>
+                    <a:lstStyle/>
+                    <a:p>
+                      <a:r>
+                        <a:rPr lang="en-US" dirty="0"/>
+                        <a:t>80ms</a:t>
+                      </a:r>
+                    </a:p>
+                  </a:txBody>
+                  <a:tcPr/>
+                </a:tc>
+                <a:tc>
+                  <a:txBody>
+                    <a:bodyPr/>
+                    <a:lstStyle/>
+                    <a:p>
+                      <a:r>
+                        <a:rPr lang="en-US" dirty="0"/>
+                        <a:t>0.4ms</a:t>
+                      </a:r>
+                    </a:p>
+                  </a:txBody>
+                  <a:tcPr/>
+                </a:tc>
+                <a:tc>
+                  <a:txBody>
+                    <a:bodyPr/>
+                    <a:lstStyle/>
+                    <a:p>
+                      <a:pPr marL="0" marR="0" indent="0" algn="l" defTabSz="914400" rtl="0" eaLnBrk="1" fontAlgn="auto" latinLnBrk="0" hangingPunct="1">
+                        <a:lnSpc>
+                          <a:spcPct val="100000"/>
+                        </a:lnSpc>
+                        <a:spcBef>
+                          <a:spcPts val="0"/>
+                        </a:spcBef>
+                        <a:spcAft>
+                          <a:spcPts val="0"/>
+                        </a:spcAft>
+                        <a:buClrTx/>
+                        <a:buSzTx/>
+                        <a:buFontTx/>
+                        <a:buNone/>
+                        <a:tabLst/>
+                        <a:defRPr/>
+                      </a:pPr>
+                      <a:r>
+                        <a:rPr lang="en-US" dirty="0"/>
+                        <a:t>~80ms</a:t>
+                      </a:r>
+                    </a:p>
+                  </a:txBody>
+                  <a:tcPr/>
+                </a:tc>
+                <a:tc>
+                  <a:txBody>
+                    <a:bodyPr/>
+                    <a:lstStyle/>
+                    <a:p>
+                      <a:pPr marL="0" marR="0" indent="0" algn="l" defTabSz="914400" rtl="0" eaLnBrk="1" fontAlgn="auto" latinLnBrk="0" hangingPunct="1">
+                        <a:lnSpc>
+                          <a:spcPct val="100000"/>
+                        </a:lnSpc>
+                        <a:spcBef>
+                          <a:spcPts val="0"/>
+                        </a:spcBef>
+                        <a:spcAft>
+                          <a:spcPts val="0"/>
+                        </a:spcAft>
+                        <a:buClrTx/>
+                        <a:buSzTx/>
+                        <a:buFontTx/>
+                        <a:buNone/>
+                        <a:tabLst/>
+                        <a:defRPr/>
+                      </a:pPr>
+                      <a:r>
+                        <a:rPr lang="en-US" dirty="0"/>
+                        <a:t>1250 (1.22</a:t>
+                      </a:r>
+                      <a:r>
+                        <a:rPr lang="en-US" baseline="0" dirty="0"/>
+                        <a:t> </a:t>
+                      </a:r>
+                      <a:r>
+                        <a:rPr lang="en-US" dirty="0"/>
+                        <a:t>KB/s)</a:t>
+                      </a:r>
+                    </a:p>
+                  </a:txBody>
+                  <a:tcPr/>
+                </a:tc>
+                <a:extLst>
+                  <a:ext uri="{0D108BD9-81ED-4DB2-BD59-A6C34878D82A}">
+                    <a16:rowId xmlns:a16="http://schemas.microsoft.com/office/drawing/2014/main" val="593162643"/>
+                  </a:ext>
+                </a:extLst>
+              </a:tr>
+              <a:tr h="370840">
+                <a:tc>
+                  <a:txBody>
+                    <a:bodyPr/>
+                    <a:lstStyle/>
+                    <a:p>
+                      <a:r>
+                        <a:rPr lang="en-US" dirty="0"/>
+                        <a:t>10240</a:t>
+                      </a:r>
+                      <a:r>
+                        <a:rPr lang="en-US" baseline="0" dirty="0"/>
+                        <a:t> (10KB)</a:t>
+                      </a:r>
+                      <a:endParaRPr lang="en-US" dirty="0"/>
+                    </a:p>
+                  </a:txBody>
+                  <a:tcPr/>
+                </a:tc>
+                <a:tc>
+                  <a:txBody>
+                    <a:bodyPr/>
+                    <a:lstStyle/>
+                    <a:p>
+                      <a:r>
+                        <a:rPr lang="en-US" dirty="0"/>
+                        <a:t>90ms</a:t>
+                      </a:r>
+                    </a:p>
+                  </a:txBody>
+                  <a:tcPr/>
+                </a:tc>
+                <a:tc>
+                  <a:txBody>
+                    <a:bodyPr/>
+                    <a:lstStyle/>
+                    <a:p>
+                      <a:r>
+                        <a:rPr lang="en-US" dirty="0"/>
+                        <a:t>10ms</a:t>
+                      </a:r>
+                    </a:p>
+                  </a:txBody>
+                  <a:tcPr/>
+                </a:tc>
+                <a:tc>
+                  <a:txBody>
+                    <a:bodyPr/>
+                    <a:lstStyle/>
+                    <a:p>
+                      <a:r>
+                        <a:rPr lang="en-US" dirty="0"/>
+                        <a:t>~80ms</a:t>
+                      </a:r>
+                    </a:p>
+                  </a:txBody>
+                  <a:tcPr/>
+                </a:tc>
+                <a:tc>
+                  <a:txBody>
+                    <a:bodyPr/>
+                    <a:lstStyle/>
+                    <a:p>
+                      <a:pPr marL="0" marR="0" indent="0" algn="l" defTabSz="914400" rtl="0" eaLnBrk="1" fontAlgn="auto" latinLnBrk="0" hangingPunct="1">
+                        <a:lnSpc>
+                          <a:spcPct val="100000"/>
+                        </a:lnSpc>
+                        <a:spcBef>
+                          <a:spcPts val="0"/>
+                        </a:spcBef>
+                        <a:spcAft>
+                          <a:spcPts val="0"/>
+                        </a:spcAft>
+                        <a:buClrTx/>
+                        <a:buSzTx/>
+                        <a:buFontTx/>
+                        <a:buNone/>
+                        <a:tabLst/>
+                        <a:defRPr/>
+                      </a:pPr>
+                      <a:r>
+                        <a:rPr lang="en-US" dirty="0"/>
+                        <a:t>113,777 (111.9KB/s)</a:t>
+                      </a:r>
+                    </a:p>
+                  </a:txBody>
+                  <a:tcPr/>
+                </a:tc>
+                <a:extLst>
+                  <a:ext uri="{0D108BD9-81ED-4DB2-BD59-A6C34878D82A}">
+                    <a16:rowId xmlns:a16="http://schemas.microsoft.com/office/drawing/2014/main" val="62180350"/>
+                  </a:ext>
+                </a:extLst>
+              </a:tr>
+              <a:tr h="370840">
+                <a:tc>
+                  <a:txBody>
+                    <a:bodyPr/>
+                    <a:lstStyle/>
+                    <a:p>
+                      <a:r>
+                        <a:rPr lang="en-US" dirty="0"/>
+                        <a:t>5242880 (5MB)</a:t>
+                      </a:r>
+                    </a:p>
+                  </a:txBody>
+                  <a:tcPr/>
+                </a:tc>
+                <a:tc>
+                  <a:txBody>
+                    <a:bodyPr/>
+                    <a:lstStyle/>
+                    <a:p>
+                      <a:r>
+                        <a:rPr lang="en-US" dirty="0"/>
+                        <a:t>275ms</a:t>
+                      </a:r>
+                    </a:p>
+                  </a:txBody>
+                  <a:tcPr/>
+                </a:tc>
+                <a:tc>
+                  <a:txBody>
+                    <a:bodyPr/>
+                    <a:lstStyle/>
+                    <a:p>
+                      <a:r>
+                        <a:rPr lang="en-US" dirty="0"/>
+                        <a:t>175ms</a:t>
+                      </a:r>
+                    </a:p>
+                  </a:txBody>
+                  <a:tcPr/>
+                </a:tc>
+                <a:tc>
+                  <a:txBody>
+                    <a:bodyPr/>
+                    <a:lstStyle/>
+                    <a:p>
+                      <a:r>
+                        <a:rPr lang="en-US" dirty="0"/>
+                        <a:t>~100ms</a:t>
+                      </a:r>
+                    </a:p>
+                  </a:txBody>
+                  <a:tcPr/>
+                </a:tc>
+                <a:tc>
+                  <a:txBody>
+                    <a:bodyPr/>
+                    <a:lstStyle/>
+                    <a:p>
+                      <a:pPr marL="0" marR="0" indent="0" algn="l" defTabSz="914400" rtl="0" eaLnBrk="1" fontAlgn="auto" latinLnBrk="0" hangingPunct="1">
+                        <a:lnSpc>
+                          <a:spcPct val="100000"/>
+                        </a:lnSpc>
+                        <a:spcBef>
+                          <a:spcPts val="0"/>
+                        </a:spcBef>
+                        <a:spcAft>
+                          <a:spcPts val="0"/>
+                        </a:spcAft>
+                        <a:buClrTx/>
+                        <a:buSzTx/>
+                        <a:buFontTx/>
+                        <a:buNone/>
+                        <a:tabLst/>
+                        <a:defRPr/>
+                      </a:pPr>
+                      <a:r>
+                        <a:rPr lang="en-US" dirty="0"/>
+                        <a:t>19,065,018 (18618.2 KB/s)</a:t>
+                      </a:r>
+                    </a:p>
+                  </a:txBody>
+                  <a:tcPr/>
+                </a:tc>
+                <a:extLst>
+                  <a:ext uri="{0D108BD9-81ED-4DB2-BD59-A6C34878D82A}">
+                    <a16:rowId xmlns:a16="http://schemas.microsoft.com/office/drawing/2014/main" val="3337879394"/>
+                  </a:ext>
+                </a:extLst>
+              </a:tr>
+            </a:tbl>
+          </a:graphicData>
+        </a:graphic>
+      </p:graphicFrame>
+      <p:sp>
+        <p:nvSpPr>
+          <p:cNvPr id="10" name="Circular Arrow 9"/>
           <p:cNvSpPr/>
           <p:nvPr/>
         </p:nvSpPr>
         <p:spPr>
-          <a:xfrm>
-            <a:off x="1207625" y="3178456"/>
-            <a:ext cx="9649427" cy="2031325"/>
-          </a:xfrm>
-          <a:prstGeom prst="rect">
+          <a:xfrm rot="5400000">
+            <a:off x="2102392" y="3312851"/>
+            <a:ext cx="695069" cy="570163"/>
+          </a:xfrm>
+          <a:prstGeom prst="circularArrow">
             <a:avLst/>
           </a:prstGeom>
-        </p:spPr>
-        <p:txBody>
-          <a:bodyPr wrap="square">
-            <a:spAutoFit/>
-          </a:bodyPr>
-          <a:lstStyle/>
-          <a:p>
-            <a:r>
-              <a:rPr lang="en-US" b="1" i="1" dirty="0">
-                <a:solidFill>
-                  <a:srgbClr val="3C3C3C"/>
-                </a:solidFill>
-                <a:latin typeface="Helvetica" panose="020B0604020202020204" pitchFamily="34" charset="0"/>
-              </a:rPr>
-              <a:t>If you don’t love the history of what want to master, then you will never master it</a:t>
-            </a:r>
-            <a:r>
-              <a:rPr lang="en-US" i="1" dirty="0">
-                <a:solidFill>
-                  <a:srgbClr val="3C3C3C"/>
-                </a:solidFill>
-                <a:latin typeface="Helvetica" panose="020B0604020202020204" pitchFamily="34" charset="0"/>
-              </a:rPr>
-              <a:t>. I don’t think I know a single chess master who hasn’t read through Bronstein’s “1953 Zurich International” tournament book at least a dozen times. Or Mikhail Tal’s “Best games”. Poker players have read Doyle Brunson’s classic a dozen times. And entrepreneurs have all now read Walter Isaacson’s book on Steve Jobs and dozens of other biographies of successful businessmen. The history of a game or life is your virtual mentor if you don’t have a direct mentor.</a:t>
-            </a:r>
-            <a:r>
-              <a:rPr lang="en-US" dirty="0"/>
-              <a:t> </a:t>
-            </a:r>
-          </a:p>
-        </p:txBody>
-      </p:sp>
-      <p:pic>
-        <p:nvPicPr>
-          <p:cNvPr id="3076" name="Picture 4" descr="http://stephbewitching.squarespace.com/storage/james%20altucher.jpg?__SQUARESPACE_CACHEVERSION=1391201890800"/>
-          <p:cNvPicPr>
-            <a:picLocks noChangeAspect="1" noChangeArrowheads="1"/>
-          </p:cNvPicPr>
-          <p:nvPr/>
-        </p:nvPicPr>
-        <p:blipFill>
-          <a:blip r:embed="rId2">
-            <a:extLst>
-              <a:ext uri="{28A0092B-C50C-407E-A947-70E740481C1C}">
-                <a14:useLocalDpi xmlns:a14="http://schemas.microsoft.com/office/drawing/2010/main" val="0"/>
-              </a:ext>
-            </a:extLst>
-          </a:blip>
-          <a:srcRect/>
-          <a:stretch>
-            <a:fillRect/>
-          </a:stretch>
-        </p:blipFill>
-        <p:spPr bwMode="auto">
-          <a:xfrm>
-            <a:off x="8165256" y="365125"/>
-            <a:ext cx="3810000" cy="2533651"/>
+          <a:solidFill>
+            <a:srgbClr val="FFFF00"/>
+          </a:solidFill>
+        </p:spPr>
+        <p:style>
+          <a:lnRef idx="2">
+            <a:schemeClr val="accent1">
+              <a:shade val="50000"/>
+            </a:schemeClr>
+          </a:lnRef>
+          <a:fillRef idx="1">
+            <a:schemeClr val="accent1"/>
+          </a:fillRef>
+          <a:effectRef idx="0">
+            <a:schemeClr val="accent1"/>
+          </a:effectRef>
+          <a:fontRef idx="minor">
+            <a:schemeClr val="lt1"/>
+          </a:fontRef>
+        </p:style>
+        <p:txBody>
+          <a:bodyPr rtlCol="0" anchor="ctr"/>
+          <a:lstStyle/>
+          <a:p>
+            <a:pPr algn="ctr"/>
+            <a:endParaRPr lang="en-US" dirty="0">
+              <a:solidFill>
+                <a:schemeClr val="tx1"/>
+              </a:solidFill>
+            </a:endParaRPr>
+          </a:p>
+        </p:txBody>
+      </p:sp>
+      <p:sp>
+        <p:nvSpPr>
+          <p:cNvPr id="11" name="Circular Arrow 10"/>
+          <p:cNvSpPr/>
+          <p:nvPr/>
+        </p:nvSpPr>
+        <p:spPr>
+          <a:xfrm rot="5400000">
+            <a:off x="5242263" y="3229534"/>
+            <a:ext cx="497840" cy="737502"/>
+          </a:xfrm>
+          <a:prstGeom prst="circularArrow">
+            <a:avLst/>
+          </a:prstGeom>
+          <a:solidFill>
+            <a:srgbClr val="FFFF00"/>
+          </a:solidFill>
+        </p:spPr>
+        <p:style>
+          <a:lnRef idx="2">
+            <a:schemeClr val="accent1">
+              <a:shade val="50000"/>
+            </a:schemeClr>
+          </a:lnRef>
+          <a:fillRef idx="1">
+            <a:schemeClr val="accent1"/>
+          </a:fillRef>
+          <a:effectRef idx="0">
+            <a:schemeClr val="accent1"/>
+          </a:effectRef>
+          <a:fontRef idx="minor">
+            <a:schemeClr val="lt1"/>
+          </a:fontRef>
+        </p:style>
+        <p:txBody>
+          <a:bodyPr rtlCol="0" anchor="ctr"/>
+          <a:lstStyle/>
+          <a:p>
+            <a:pPr algn="ctr"/>
+            <a:endParaRPr lang="en-US">
+              <a:solidFill>
+                <a:schemeClr val="tx1"/>
+              </a:solidFill>
+            </a:endParaRPr>
+          </a:p>
+        </p:txBody>
+      </p:sp>
+      <p:sp>
+        <p:nvSpPr>
+          <p:cNvPr id="13" name="TextBox 12"/>
+          <p:cNvSpPr txBox="1"/>
+          <p:nvPr/>
+        </p:nvSpPr>
+        <p:spPr>
+          <a:xfrm>
+            <a:off x="2765485" y="3318100"/>
+            <a:ext cx="635110" cy="369332"/>
           </a:xfrm>
           <a:prstGeom prst="rect">
             <a:avLst/>
           </a:prstGeom>
           <a:noFill/>
-          <a:extLst>
-            <a:ext uri="{909E8E84-426E-40DD-AFC4-6F175D3DCCD1}">
-              <a14:hiddenFill xmlns:a14="http://schemas.microsoft.com/office/drawing/2010/main">
+        </p:spPr>
+        <p:txBody>
+          <a:bodyPr wrap="none" rtlCol="0">
+            <a:spAutoFit/>
+          </a:bodyPr>
+          <a:lstStyle/>
+          <a:p>
+            <a:r>
+              <a:rPr lang="en-US" sz="1400" b="1" dirty="0">
                 <a:solidFill>
-                  <a:srgbClr val="FFFFFF"/>
+                  <a:srgbClr val="FF0000"/>
                 </a:solidFill>
-              </a14:hiddenFill>
-            </a:ext>
-          </a:extLst>
-        </p:spPr>
-      </p:pic>
+              </a:rPr>
+              <a:t>X</a:t>
+            </a:r>
+            <a:r>
+              <a:rPr lang="en-US" b="1" dirty="0">
+                <a:solidFill>
+                  <a:srgbClr val="FF0000"/>
+                </a:solidFill>
+              </a:rPr>
+              <a:t>500</a:t>
+            </a:r>
+          </a:p>
+        </p:txBody>
+      </p:sp>
+      <p:sp>
+        <p:nvSpPr>
+          <p:cNvPr id="14" name="TextBox 13"/>
+          <p:cNvSpPr txBox="1"/>
+          <p:nvPr/>
+        </p:nvSpPr>
+        <p:spPr>
+          <a:xfrm>
+            <a:off x="5799535" y="3484084"/>
+            <a:ext cx="696024" cy="369332"/>
+          </a:xfrm>
+          <a:prstGeom prst="rect">
+            <a:avLst/>
+          </a:prstGeom>
+          <a:noFill/>
+        </p:spPr>
+        <p:txBody>
+          <a:bodyPr wrap="none" rtlCol="0">
+            <a:spAutoFit/>
+          </a:bodyPr>
+          <a:lstStyle/>
+          <a:p>
+            <a:r>
+              <a:rPr lang="en-US" sz="1400" b="1" dirty="0">
+                <a:solidFill>
+                  <a:srgbClr val="FF0000"/>
+                </a:solidFill>
+              </a:rPr>
+              <a:t>X</a:t>
+            </a:r>
+            <a:r>
+              <a:rPr lang="en-US" b="1" dirty="0">
+                <a:solidFill>
+                  <a:srgbClr val="FF0000"/>
+                </a:solidFill>
+              </a:rPr>
+              <a:t>17.5</a:t>
+            </a:r>
+          </a:p>
+        </p:txBody>
+      </p:sp>
     </p:spTree>
     <p:extLst>
       <p:ext uri="{BB962C8B-B14F-4D97-AF65-F5344CB8AC3E}">
-        <p14:creationId xmlns:p14="http://schemas.microsoft.com/office/powerpoint/2010/main" val="3942731592"/>
+        <p14:creationId xmlns:p14="http://schemas.microsoft.com/office/powerpoint/2010/main" val="2745397516"/>
       </p:ext>
     </p:extLst>
   </p:cSld>
@@ -9389,775 +10059,168 @@
           <a:chExt cx="0" cy="0"/>
         </a:xfrm>
       </p:grpSpPr>
-      <p:graphicFrame>
-        <p:nvGraphicFramePr>
-          <p:cNvPr id="5" name="Table 4"/>
-          <p:cNvGraphicFramePr>
-            <a:graphicFrameLocks noGrp="1"/>
-          </p:cNvGraphicFramePr>
-          <p:nvPr>
-            <p:extLst>
-              <p:ext uri="{D42A27DB-BD31-4B8C-83A1-F6EECF244321}">
-                <p14:modId xmlns:p14="http://schemas.microsoft.com/office/powerpoint/2010/main" val="2778555895"/>
-              </p:ext>
-            </p:extLst>
-          </p:nvPr>
-        </p:nvGraphicFramePr>
-        <p:xfrm>
-          <a:off x="2296089" y="971550"/>
-          <a:ext cx="1232493" cy="1899187"/>
-        </p:xfrm>
-        <a:graphic>
-          <a:graphicData uri="http://schemas.openxmlformats.org/drawingml/2006/table">
-            <a:tbl>
-              <a:tblPr firstRow="1" bandRow="1">
-                <a:tableStyleId>{5A111915-BE36-4E01-A7E5-04B1672EAD32}</a:tableStyleId>
-              </a:tblPr>
-              <a:tblGrid>
-                <a:gridCol w="1232493">
-                  <a:extLst>
-                    <a:ext uri="{9D8B030D-6E8A-4147-A177-3AD203B41FA5}">
-                      <a16:colId xmlns:a16="http://schemas.microsoft.com/office/drawing/2014/main" val="20000"/>
-                    </a:ext>
-                  </a:extLst>
-                </a:gridCol>
-              </a:tblGrid>
-              <a:tr h="415827">
-                <a:tc>
-                  <a:txBody>
-                    <a:bodyPr/>
-                    <a:lstStyle/>
-                    <a:p>
-                      <a:r>
-                        <a:rPr lang="en-US" dirty="0"/>
-                        <a:t>Movie</a:t>
-                      </a:r>
-                    </a:p>
-                  </a:txBody>
-                  <a:tcPr>
-                    <a:lnL w="12700" cap="flat" cmpd="sng" algn="ctr">
-                      <a:solidFill>
-                        <a:schemeClr val="tx1"/>
-                      </a:solidFill>
-                      <a:prstDash val="solid"/>
-                      <a:round/>
-                      <a:headEnd type="none" w="med" len="med"/>
-                      <a:tailEnd type="none" w="med" len="med"/>
-                    </a:lnL>
-                    <a:lnR w="12700" cap="flat" cmpd="sng" algn="ctr">
-                      <a:solidFill>
-                        <a:schemeClr val="tx1"/>
-                      </a:solidFill>
-                      <a:prstDash val="solid"/>
-                      <a:round/>
-                      <a:headEnd type="none" w="med" len="med"/>
-                      <a:tailEnd type="none" w="med" len="med"/>
-                    </a:lnR>
-                    <a:lnT w="12700" cap="flat" cmpd="sng" algn="ctr">
-                      <a:solidFill>
-                        <a:schemeClr val="tx1"/>
-                      </a:solidFill>
-                      <a:prstDash val="solid"/>
-                      <a:round/>
-                      <a:headEnd type="none" w="med" len="med"/>
-                      <a:tailEnd type="none" w="med" len="med"/>
-                    </a:lnT>
-                    <a:lnB w="12700" cap="flat" cmpd="sng" algn="ctr">
-                      <a:solidFill>
-                        <a:schemeClr val="tx1"/>
-                      </a:solidFill>
-                      <a:prstDash val="solid"/>
-                      <a:round/>
-                      <a:headEnd type="none" w="med" len="med"/>
-                      <a:tailEnd type="none" w="med" len="med"/>
-                    </a:lnB>
-                    <a:solidFill>
-                      <a:srgbClr val="EC14F1"/>
-                    </a:solidFill>
-                  </a:tcPr>
-                </a:tc>
-                <a:extLst>
-                  <a:ext uri="{0D108BD9-81ED-4DB2-BD59-A6C34878D82A}">
-                    <a16:rowId xmlns:a16="http://schemas.microsoft.com/office/drawing/2014/main" val="10000"/>
-                  </a:ext>
-                </a:extLst>
-              </a:tr>
-              <a:tr h="370840">
-                <a:tc>
-                  <a:txBody>
-                    <a:bodyPr/>
-                    <a:lstStyle/>
-                    <a:p>
-                      <a:r>
-                        <a:rPr lang="en-US" dirty="0"/>
-                        <a:t>Title</a:t>
-                      </a:r>
-                    </a:p>
-                  </a:txBody>
-                  <a:tcPr>
-                    <a:lnL w="12700" cap="flat" cmpd="sng" algn="ctr">
-                      <a:solidFill>
-                        <a:schemeClr val="tx1"/>
-                      </a:solidFill>
-                      <a:prstDash val="solid"/>
-                      <a:round/>
-                      <a:headEnd type="none" w="med" len="med"/>
-                      <a:tailEnd type="none" w="med" len="med"/>
-                    </a:lnL>
-                    <a:lnR w="12700" cap="flat" cmpd="sng" algn="ctr">
-                      <a:solidFill>
-                        <a:schemeClr val="tx1"/>
-                      </a:solidFill>
-                      <a:prstDash val="solid"/>
-                      <a:round/>
-                      <a:headEnd type="none" w="med" len="med"/>
-                      <a:tailEnd type="none" w="med" len="med"/>
-                    </a:lnR>
-                    <a:lnT w="12700" cap="flat" cmpd="sng" algn="ctr">
-                      <a:solidFill>
-                        <a:schemeClr val="tx1"/>
-                      </a:solidFill>
-                      <a:prstDash val="solid"/>
-                      <a:round/>
-                      <a:headEnd type="none" w="med" len="med"/>
-                      <a:tailEnd type="none" w="med" len="med"/>
-                    </a:lnT>
-                    <a:lnB w="12700" cap="flat" cmpd="sng" algn="ctr">
-                      <a:solidFill>
-                        <a:schemeClr val="tx1"/>
-                      </a:solidFill>
-                      <a:prstDash val="solid"/>
-                      <a:round/>
-                      <a:headEnd type="none" w="med" len="med"/>
-                      <a:tailEnd type="none" w="med" len="med"/>
-                    </a:lnB>
-                  </a:tcPr>
-                </a:tc>
-                <a:extLst>
-                  <a:ext uri="{0D108BD9-81ED-4DB2-BD59-A6C34878D82A}">
-                    <a16:rowId xmlns:a16="http://schemas.microsoft.com/office/drawing/2014/main" val="10001"/>
-                  </a:ext>
-                </a:extLst>
-              </a:tr>
-              <a:tr h="370840">
-                <a:tc>
-                  <a:txBody>
-                    <a:bodyPr/>
-                    <a:lstStyle/>
-                    <a:p>
-                      <a:r>
-                        <a:rPr lang="en-US" dirty="0"/>
-                        <a:t>Year</a:t>
-                      </a:r>
-                    </a:p>
-                  </a:txBody>
-                  <a:tcPr>
-                    <a:lnL w="12700" cap="flat" cmpd="sng" algn="ctr">
-                      <a:solidFill>
-                        <a:schemeClr val="tx1"/>
-                      </a:solidFill>
-                      <a:prstDash val="solid"/>
-                      <a:round/>
-                      <a:headEnd type="none" w="med" len="med"/>
-                      <a:tailEnd type="none" w="med" len="med"/>
-                    </a:lnL>
-                    <a:lnR w="12700" cap="flat" cmpd="sng" algn="ctr">
-                      <a:solidFill>
-                        <a:schemeClr val="tx1"/>
-                      </a:solidFill>
-                      <a:prstDash val="solid"/>
-                      <a:round/>
-                      <a:headEnd type="none" w="med" len="med"/>
-                      <a:tailEnd type="none" w="med" len="med"/>
-                    </a:lnR>
-                    <a:lnT w="12700" cap="flat" cmpd="sng" algn="ctr">
-                      <a:solidFill>
-                        <a:schemeClr val="tx1"/>
-                      </a:solidFill>
-                      <a:prstDash val="solid"/>
-                      <a:round/>
-                      <a:headEnd type="none" w="med" len="med"/>
-                      <a:tailEnd type="none" w="med" len="med"/>
-                    </a:lnT>
-                    <a:lnB w="12700" cap="flat" cmpd="sng" algn="ctr">
-                      <a:solidFill>
-                        <a:schemeClr val="tx1"/>
-                      </a:solidFill>
-                      <a:prstDash val="solid"/>
-                      <a:round/>
-                      <a:headEnd type="none" w="med" len="med"/>
-                      <a:tailEnd type="none" w="med" len="med"/>
-                    </a:lnB>
-                  </a:tcPr>
-                </a:tc>
-                <a:extLst>
-                  <a:ext uri="{0D108BD9-81ED-4DB2-BD59-A6C34878D82A}">
-                    <a16:rowId xmlns:a16="http://schemas.microsoft.com/office/drawing/2014/main" val="10002"/>
-                  </a:ext>
-                </a:extLst>
-              </a:tr>
-              <a:tr h="370840">
-                <a:tc>
-                  <a:txBody>
-                    <a:bodyPr/>
-                    <a:lstStyle/>
-                    <a:p>
-                      <a:r>
-                        <a:rPr lang="en-US" dirty="0"/>
-                        <a:t>Genre</a:t>
-                      </a:r>
-                    </a:p>
-                  </a:txBody>
-                  <a:tcPr>
-                    <a:lnL w="12700" cap="flat" cmpd="sng" algn="ctr">
-                      <a:solidFill>
-                        <a:schemeClr val="tx1"/>
-                      </a:solidFill>
-                      <a:prstDash val="solid"/>
-                      <a:round/>
-                      <a:headEnd type="none" w="med" len="med"/>
-                      <a:tailEnd type="none" w="med" len="med"/>
-                    </a:lnL>
-                    <a:lnR w="12700" cap="flat" cmpd="sng" algn="ctr">
-                      <a:solidFill>
-                        <a:schemeClr val="tx1"/>
-                      </a:solidFill>
-                      <a:prstDash val="solid"/>
-                      <a:round/>
-                      <a:headEnd type="none" w="med" len="med"/>
-                      <a:tailEnd type="none" w="med" len="med"/>
-                    </a:lnR>
-                    <a:lnT w="12700" cap="flat" cmpd="sng" algn="ctr">
-                      <a:solidFill>
-                        <a:schemeClr val="tx1"/>
-                      </a:solidFill>
-                      <a:prstDash val="solid"/>
-                      <a:round/>
-                      <a:headEnd type="none" w="med" len="med"/>
-                      <a:tailEnd type="none" w="med" len="med"/>
-                    </a:lnT>
-                    <a:lnB w="12700" cap="flat" cmpd="sng" algn="ctr">
-                      <a:solidFill>
-                        <a:schemeClr val="tx1"/>
-                      </a:solidFill>
-                      <a:prstDash val="solid"/>
-                      <a:round/>
-                      <a:headEnd type="none" w="med" len="med"/>
-                      <a:tailEnd type="none" w="med" len="med"/>
-                    </a:lnB>
-                  </a:tcPr>
-                </a:tc>
-                <a:extLst>
-                  <a:ext uri="{0D108BD9-81ED-4DB2-BD59-A6C34878D82A}">
-                    <a16:rowId xmlns:a16="http://schemas.microsoft.com/office/drawing/2014/main" val="10003"/>
-                  </a:ext>
-                </a:extLst>
-              </a:tr>
-              <a:tr h="370840">
-                <a:tc>
-                  <a:txBody>
-                    <a:bodyPr/>
-                    <a:lstStyle/>
-                    <a:p>
-                      <a:r>
-                        <a:rPr lang="en-US" dirty="0"/>
-                        <a:t>Studio[]</a:t>
-                      </a:r>
-                    </a:p>
-                  </a:txBody>
-                  <a:tcPr>
-                    <a:lnL w="12700" cap="flat" cmpd="sng" algn="ctr">
-                      <a:solidFill>
-                        <a:schemeClr val="tx1"/>
-                      </a:solidFill>
-                      <a:prstDash val="solid"/>
-                      <a:round/>
-                      <a:headEnd type="none" w="med" len="med"/>
-                      <a:tailEnd type="none" w="med" len="med"/>
-                    </a:lnL>
-                    <a:lnR w="12700" cap="flat" cmpd="sng" algn="ctr">
-                      <a:solidFill>
-                        <a:schemeClr val="tx1"/>
-                      </a:solidFill>
-                      <a:prstDash val="solid"/>
-                      <a:round/>
-                      <a:headEnd type="none" w="med" len="med"/>
-                      <a:tailEnd type="none" w="med" len="med"/>
-                    </a:lnR>
-                    <a:lnT w="12700" cap="flat" cmpd="sng" algn="ctr">
-                      <a:solidFill>
-                        <a:schemeClr val="tx1"/>
-                      </a:solidFill>
-                      <a:prstDash val="solid"/>
-                      <a:round/>
-                      <a:headEnd type="none" w="med" len="med"/>
-                      <a:tailEnd type="none" w="med" len="med"/>
-                    </a:lnT>
-                    <a:lnB w="12700" cap="flat" cmpd="sng" algn="ctr">
-                      <a:solidFill>
-                        <a:schemeClr val="tx1"/>
-                      </a:solidFill>
-                      <a:prstDash val="solid"/>
-                      <a:round/>
-                      <a:headEnd type="none" w="med" len="med"/>
-                      <a:tailEnd type="none" w="med" len="med"/>
-                    </a:lnB>
-                  </a:tcPr>
-                </a:tc>
-                <a:extLst>
-                  <a:ext uri="{0D108BD9-81ED-4DB2-BD59-A6C34878D82A}">
-                    <a16:rowId xmlns:a16="http://schemas.microsoft.com/office/drawing/2014/main" val="10004"/>
-                  </a:ext>
-                </a:extLst>
-              </a:tr>
-            </a:tbl>
-          </a:graphicData>
-        </a:graphic>
-      </p:graphicFrame>
-      <p:graphicFrame>
-        <p:nvGraphicFramePr>
-          <p:cNvPr id="6" name="Table 5"/>
-          <p:cNvGraphicFramePr>
-            <a:graphicFrameLocks noGrp="1"/>
-          </p:cNvGraphicFramePr>
-          <p:nvPr>
-            <p:extLst>
-              <p:ext uri="{D42A27DB-BD31-4B8C-83A1-F6EECF244321}">
-                <p14:modId xmlns:p14="http://schemas.microsoft.com/office/powerpoint/2010/main" val="3043640037"/>
-              </p:ext>
-            </p:extLst>
-          </p:nvPr>
-        </p:nvGraphicFramePr>
-        <p:xfrm>
-          <a:off x="474410" y="989477"/>
-          <a:ext cx="1232493" cy="1483360"/>
-        </p:xfrm>
-        <a:graphic>
-          <a:graphicData uri="http://schemas.openxmlformats.org/drawingml/2006/table">
-            <a:tbl>
-              <a:tblPr firstRow="1" bandRow="1">
-                <a:tableStyleId>{5A111915-BE36-4E01-A7E5-04B1672EAD32}</a:tableStyleId>
-              </a:tblPr>
-              <a:tblGrid>
-                <a:gridCol w="1232493">
-                  <a:extLst>
-                    <a:ext uri="{9D8B030D-6E8A-4147-A177-3AD203B41FA5}">
-                      <a16:colId xmlns:a16="http://schemas.microsoft.com/office/drawing/2014/main" val="20000"/>
-                    </a:ext>
-                  </a:extLst>
-                </a:gridCol>
-              </a:tblGrid>
-              <a:tr h="370840">
-                <a:tc>
-                  <a:txBody>
-                    <a:bodyPr/>
-                    <a:lstStyle/>
-                    <a:p>
-                      <a:r>
-                        <a:rPr lang="en-US" dirty="0"/>
-                        <a:t>Cinema</a:t>
-                      </a:r>
-                    </a:p>
-                  </a:txBody>
-                  <a:tcPr>
-                    <a:lnL w="12700" cap="flat" cmpd="sng" algn="ctr">
-                      <a:solidFill>
-                        <a:schemeClr val="tx1"/>
-                      </a:solidFill>
-                      <a:prstDash val="solid"/>
-                      <a:round/>
-                      <a:headEnd type="none" w="med" len="med"/>
-                      <a:tailEnd type="none" w="med" len="med"/>
-                    </a:lnL>
-                    <a:lnR w="12700" cap="flat" cmpd="sng" algn="ctr">
-                      <a:solidFill>
-                        <a:schemeClr val="tx1"/>
-                      </a:solidFill>
-                      <a:prstDash val="solid"/>
-                      <a:round/>
-                      <a:headEnd type="none" w="med" len="med"/>
-                      <a:tailEnd type="none" w="med" len="med"/>
-                    </a:lnR>
-                    <a:lnT w="12700" cap="flat" cmpd="sng" algn="ctr">
-                      <a:solidFill>
-                        <a:schemeClr val="tx1"/>
-                      </a:solidFill>
-                      <a:prstDash val="solid"/>
-                      <a:round/>
-                      <a:headEnd type="none" w="med" len="med"/>
-                      <a:tailEnd type="none" w="med" len="med"/>
-                    </a:lnT>
-                    <a:lnB w="12700" cap="flat" cmpd="sng" algn="ctr">
-                      <a:solidFill>
-                        <a:schemeClr val="tx1"/>
-                      </a:solidFill>
-                      <a:prstDash val="solid"/>
-                      <a:round/>
-                      <a:headEnd type="none" w="med" len="med"/>
-                      <a:tailEnd type="none" w="med" len="med"/>
-                    </a:lnB>
-                  </a:tcPr>
-                </a:tc>
-                <a:extLst>
-                  <a:ext uri="{0D108BD9-81ED-4DB2-BD59-A6C34878D82A}">
-                    <a16:rowId xmlns:a16="http://schemas.microsoft.com/office/drawing/2014/main" val="10000"/>
-                  </a:ext>
-                </a:extLst>
-              </a:tr>
-              <a:tr h="370840">
-                <a:tc>
-                  <a:txBody>
-                    <a:bodyPr/>
-                    <a:lstStyle/>
-                    <a:p>
-                      <a:r>
-                        <a:rPr lang="en-US" dirty="0"/>
-                        <a:t>Location</a:t>
-                      </a:r>
-                    </a:p>
-                  </a:txBody>
-                  <a:tcPr>
-                    <a:lnL w="12700" cap="flat" cmpd="sng" algn="ctr">
-                      <a:solidFill>
-                        <a:schemeClr val="tx1"/>
-                      </a:solidFill>
-                      <a:prstDash val="solid"/>
-                      <a:round/>
-                      <a:headEnd type="none" w="med" len="med"/>
-                      <a:tailEnd type="none" w="med" len="med"/>
-                    </a:lnL>
-                    <a:lnR w="12700" cap="flat" cmpd="sng" algn="ctr">
-                      <a:solidFill>
-                        <a:schemeClr val="tx1"/>
-                      </a:solidFill>
-                      <a:prstDash val="solid"/>
-                      <a:round/>
-                      <a:headEnd type="none" w="med" len="med"/>
-                      <a:tailEnd type="none" w="med" len="med"/>
-                    </a:lnR>
-                    <a:lnT w="12700" cap="flat" cmpd="sng" algn="ctr">
-                      <a:solidFill>
-                        <a:schemeClr val="tx1"/>
-                      </a:solidFill>
-                      <a:prstDash val="solid"/>
-                      <a:round/>
-                      <a:headEnd type="none" w="med" len="med"/>
-                      <a:tailEnd type="none" w="med" len="med"/>
-                    </a:lnT>
-                    <a:lnB w="12700" cap="flat" cmpd="sng" algn="ctr">
-                      <a:solidFill>
-                        <a:schemeClr val="tx1"/>
-                      </a:solidFill>
-                      <a:prstDash val="solid"/>
-                      <a:round/>
-                      <a:headEnd type="none" w="med" len="med"/>
-                      <a:tailEnd type="none" w="med" len="med"/>
-                    </a:lnB>
-                  </a:tcPr>
-                </a:tc>
-                <a:extLst>
-                  <a:ext uri="{0D108BD9-81ED-4DB2-BD59-A6C34878D82A}">
-                    <a16:rowId xmlns:a16="http://schemas.microsoft.com/office/drawing/2014/main" val="10001"/>
-                  </a:ext>
-                </a:extLst>
-              </a:tr>
-              <a:tr h="370840">
-                <a:tc>
-                  <a:txBody>
-                    <a:bodyPr/>
-                    <a:lstStyle/>
-                    <a:p>
-                      <a:r>
-                        <a:rPr lang="en-US" dirty="0"/>
-                        <a:t>OpenDates</a:t>
-                      </a:r>
-                    </a:p>
-                  </a:txBody>
-                  <a:tcPr>
-                    <a:lnL w="12700" cap="flat" cmpd="sng" algn="ctr">
-                      <a:solidFill>
-                        <a:schemeClr val="tx1"/>
-                      </a:solidFill>
-                      <a:prstDash val="solid"/>
-                      <a:round/>
-                      <a:headEnd type="none" w="med" len="med"/>
-                      <a:tailEnd type="none" w="med" len="med"/>
-                    </a:lnL>
-                    <a:lnR w="12700" cap="flat" cmpd="sng" algn="ctr">
-                      <a:solidFill>
-                        <a:schemeClr val="tx1"/>
-                      </a:solidFill>
-                      <a:prstDash val="solid"/>
-                      <a:round/>
-                      <a:headEnd type="none" w="med" len="med"/>
-                      <a:tailEnd type="none" w="med" len="med"/>
-                    </a:lnR>
-                    <a:lnT w="12700" cap="flat" cmpd="sng" algn="ctr">
-                      <a:solidFill>
-                        <a:schemeClr val="tx1"/>
-                      </a:solidFill>
-                      <a:prstDash val="solid"/>
-                      <a:round/>
-                      <a:headEnd type="none" w="med" len="med"/>
-                      <a:tailEnd type="none" w="med" len="med"/>
-                    </a:lnT>
-                    <a:lnB w="12700" cap="flat" cmpd="sng" algn="ctr">
-                      <a:solidFill>
-                        <a:schemeClr val="tx1"/>
-                      </a:solidFill>
-                      <a:prstDash val="solid"/>
-                      <a:round/>
-                      <a:headEnd type="none" w="med" len="med"/>
-                      <a:tailEnd type="none" w="med" len="med"/>
-                    </a:lnB>
-                  </a:tcPr>
-                </a:tc>
-                <a:extLst>
-                  <a:ext uri="{0D108BD9-81ED-4DB2-BD59-A6C34878D82A}">
-                    <a16:rowId xmlns:a16="http://schemas.microsoft.com/office/drawing/2014/main" val="10002"/>
-                  </a:ext>
-                </a:extLst>
-              </a:tr>
-              <a:tr h="370840">
-                <a:tc>
-                  <a:txBody>
-                    <a:bodyPr/>
-                    <a:lstStyle/>
-                    <a:p>
-                      <a:r>
-                        <a:rPr lang="en-US" dirty="0"/>
-                        <a:t>Movie[]</a:t>
-                      </a:r>
-                    </a:p>
-                  </a:txBody>
-                  <a:tcPr>
-                    <a:lnL w="12700" cap="flat" cmpd="sng" algn="ctr">
-                      <a:solidFill>
-                        <a:schemeClr val="tx1"/>
-                      </a:solidFill>
-                      <a:prstDash val="solid"/>
-                      <a:round/>
-                      <a:headEnd type="none" w="med" len="med"/>
-                      <a:tailEnd type="none" w="med" len="med"/>
-                    </a:lnL>
-                    <a:lnR w="12700" cap="flat" cmpd="sng" algn="ctr">
-                      <a:solidFill>
-                        <a:schemeClr val="tx1"/>
-                      </a:solidFill>
-                      <a:prstDash val="solid"/>
-                      <a:round/>
-                      <a:headEnd type="none" w="med" len="med"/>
-                      <a:tailEnd type="none" w="med" len="med"/>
-                    </a:lnR>
-                    <a:lnT w="12700" cap="flat" cmpd="sng" algn="ctr">
-                      <a:solidFill>
-                        <a:schemeClr val="tx1"/>
-                      </a:solidFill>
-                      <a:prstDash val="solid"/>
-                      <a:round/>
-                      <a:headEnd type="none" w="med" len="med"/>
-                      <a:tailEnd type="none" w="med" len="med"/>
-                    </a:lnT>
-                    <a:lnB w="12700" cap="flat" cmpd="sng" algn="ctr">
-                      <a:solidFill>
-                        <a:schemeClr val="tx1"/>
-                      </a:solidFill>
-                      <a:prstDash val="solid"/>
-                      <a:round/>
-                      <a:headEnd type="none" w="med" len="med"/>
-                      <a:tailEnd type="none" w="med" len="med"/>
-                    </a:lnB>
-                  </a:tcPr>
-                </a:tc>
-                <a:extLst>
-                  <a:ext uri="{0D108BD9-81ED-4DB2-BD59-A6C34878D82A}">
-                    <a16:rowId xmlns:a16="http://schemas.microsoft.com/office/drawing/2014/main" val="10003"/>
-                  </a:ext>
-                </a:extLst>
-              </a:tr>
-            </a:tbl>
-          </a:graphicData>
-        </a:graphic>
-      </p:graphicFrame>
-      <p:graphicFrame>
-        <p:nvGraphicFramePr>
-          <p:cNvPr id="7" name="Table 6"/>
-          <p:cNvGraphicFramePr>
-            <a:graphicFrameLocks noGrp="1"/>
-          </p:cNvGraphicFramePr>
-          <p:nvPr>
-            <p:extLst>
-              <p:ext uri="{D42A27DB-BD31-4B8C-83A1-F6EECF244321}">
-                <p14:modId xmlns:p14="http://schemas.microsoft.com/office/powerpoint/2010/main" val="3946477075"/>
-              </p:ext>
-            </p:extLst>
-          </p:nvPr>
-        </p:nvGraphicFramePr>
-        <p:xfrm>
-          <a:off x="4285553" y="981192"/>
-          <a:ext cx="1232493" cy="741680"/>
-        </p:xfrm>
-        <a:graphic>
-          <a:graphicData uri="http://schemas.openxmlformats.org/drawingml/2006/table">
-            <a:tbl>
-              <a:tblPr firstRow="1" bandRow="1">
-                <a:tableStyleId>{5A111915-BE36-4E01-A7E5-04B1672EAD32}</a:tableStyleId>
-              </a:tblPr>
-              <a:tblGrid>
-                <a:gridCol w="1232493">
-                  <a:extLst>
-                    <a:ext uri="{9D8B030D-6E8A-4147-A177-3AD203B41FA5}">
-                      <a16:colId xmlns:a16="http://schemas.microsoft.com/office/drawing/2014/main" val="20000"/>
-                    </a:ext>
-                  </a:extLst>
-                </a:gridCol>
-              </a:tblGrid>
-              <a:tr h="370840">
-                <a:tc>
-                  <a:txBody>
-                    <a:bodyPr/>
-                    <a:lstStyle/>
-                    <a:p>
-                      <a:r>
-                        <a:rPr lang="en-US" dirty="0"/>
-                        <a:t>Studio</a:t>
-                      </a:r>
-                    </a:p>
-                  </a:txBody>
-                  <a:tcPr>
-                    <a:lnL w="12700" cap="flat" cmpd="sng" algn="ctr">
-                      <a:solidFill>
-                        <a:schemeClr val="tx1"/>
-                      </a:solidFill>
-                      <a:prstDash val="solid"/>
-                      <a:round/>
-                      <a:headEnd type="none" w="med" len="med"/>
-                      <a:tailEnd type="none" w="med" len="med"/>
-                    </a:lnL>
-                    <a:lnR w="12700" cap="flat" cmpd="sng" algn="ctr">
-                      <a:solidFill>
-                        <a:schemeClr val="tx1"/>
-                      </a:solidFill>
-                      <a:prstDash val="solid"/>
-                      <a:round/>
-                      <a:headEnd type="none" w="med" len="med"/>
-                      <a:tailEnd type="none" w="med" len="med"/>
-                    </a:lnR>
-                    <a:lnT w="12700" cap="flat" cmpd="sng" algn="ctr">
-                      <a:solidFill>
-                        <a:schemeClr val="tx1"/>
-                      </a:solidFill>
-                      <a:prstDash val="solid"/>
-                      <a:round/>
-                      <a:headEnd type="none" w="med" len="med"/>
-                      <a:tailEnd type="none" w="med" len="med"/>
-                    </a:lnT>
-                    <a:lnB w="12700" cap="flat" cmpd="sng" algn="ctr">
-                      <a:solidFill>
-                        <a:schemeClr val="tx1"/>
-                      </a:solidFill>
-                      <a:prstDash val="solid"/>
-                      <a:round/>
-                      <a:headEnd type="none" w="med" len="med"/>
-                      <a:tailEnd type="none" w="med" len="med"/>
-                    </a:lnB>
-                    <a:solidFill>
-                      <a:schemeClr val="accent6">
-                        <a:lumMod val="75000"/>
-                      </a:schemeClr>
-                    </a:solidFill>
-                  </a:tcPr>
-                </a:tc>
-                <a:extLst>
-                  <a:ext uri="{0D108BD9-81ED-4DB2-BD59-A6C34878D82A}">
-                    <a16:rowId xmlns:a16="http://schemas.microsoft.com/office/drawing/2014/main" val="10000"/>
-                  </a:ext>
-                </a:extLst>
-              </a:tr>
-              <a:tr h="370840">
-                <a:tc>
-                  <a:txBody>
-                    <a:bodyPr/>
-                    <a:lstStyle/>
-                    <a:p>
-                      <a:r>
-                        <a:rPr lang="en-US" dirty="0"/>
-                        <a:t>Titles</a:t>
-                      </a:r>
-                    </a:p>
-                  </a:txBody>
-                  <a:tcPr>
-                    <a:lnL w="12700" cap="flat" cmpd="sng" algn="ctr">
-                      <a:solidFill>
-                        <a:schemeClr val="tx1"/>
-                      </a:solidFill>
-                      <a:prstDash val="solid"/>
-                      <a:round/>
-                      <a:headEnd type="none" w="med" len="med"/>
-                      <a:tailEnd type="none" w="med" len="med"/>
-                    </a:lnL>
-                    <a:lnR w="12700" cap="flat" cmpd="sng" algn="ctr">
-                      <a:solidFill>
-                        <a:schemeClr val="tx1"/>
-                      </a:solidFill>
-                      <a:prstDash val="solid"/>
-                      <a:round/>
-                      <a:headEnd type="none" w="med" len="med"/>
-                      <a:tailEnd type="none" w="med" len="med"/>
-                    </a:lnR>
-                    <a:lnT w="12700" cap="flat" cmpd="sng" algn="ctr">
-                      <a:solidFill>
-                        <a:schemeClr val="tx1"/>
-                      </a:solidFill>
-                      <a:prstDash val="solid"/>
-                      <a:round/>
-                      <a:headEnd type="none" w="med" len="med"/>
-                      <a:tailEnd type="none" w="med" len="med"/>
-                    </a:lnT>
-                    <a:lnB w="12700" cap="flat" cmpd="sng" algn="ctr">
-                      <a:solidFill>
-                        <a:schemeClr val="tx1"/>
-                      </a:solidFill>
-                      <a:prstDash val="solid"/>
-                      <a:round/>
-                      <a:headEnd type="none" w="med" len="med"/>
-                      <a:tailEnd type="none" w="med" len="med"/>
-                    </a:lnB>
-                  </a:tcPr>
-                </a:tc>
-                <a:extLst>
-                  <a:ext uri="{0D108BD9-81ED-4DB2-BD59-A6C34878D82A}">
-                    <a16:rowId xmlns:a16="http://schemas.microsoft.com/office/drawing/2014/main" val="10001"/>
-                  </a:ext>
-                </a:extLst>
-              </a:tr>
-            </a:tbl>
-          </a:graphicData>
-        </a:graphic>
-      </p:graphicFrame>
+      <p:sp>
+        <p:nvSpPr>
+          <p:cNvPr id="2" name="Rectangle 1"/>
+          <p:cNvSpPr/>
+          <p:nvPr/>
+        </p:nvSpPr>
+        <p:spPr>
+          <a:xfrm>
+            <a:off x="4495800" y="2730500"/>
+            <a:ext cx="3454400" cy="1435100"/>
+          </a:xfrm>
+          <a:prstGeom prst="rect">
+            <a:avLst/>
+          </a:prstGeom>
+          <a:gradFill flip="none" rotWithShape="1">
+            <a:gsLst>
+              <a:gs pos="0">
+                <a:schemeClr val="accent3">
+                  <a:lumMod val="89000"/>
+                </a:schemeClr>
+              </a:gs>
+              <a:gs pos="23000">
+                <a:schemeClr val="accent3">
+                  <a:lumMod val="89000"/>
+                </a:schemeClr>
+              </a:gs>
+              <a:gs pos="69000">
+                <a:schemeClr val="accent3">
+                  <a:lumMod val="75000"/>
+                </a:schemeClr>
+              </a:gs>
+              <a:gs pos="97000">
+                <a:schemeClr val="accent3">
+                  <a:lumMod val="70000"/>
+                </a:schemeClr>
+              </a:gs>
+            </a:gsLst>
+            <a:path path="circle">
+              <a:fillToRect l="50000" t="50000" r="50000" b="50000"/>
+            </a:path>
+            <a:tileRect/>
+          </a:gradFill>
+        </p:spPr>
+        <p:style>
+          <a:lnRef idx="2">
+            <a:schemeClr val="accent1">
+              <a:shade val="50000"/>
+            </a:schemeClr>
+          </a:lnRef>
+          <a:fillRef idx="1">
+            <a:schemeClr val="accent1"/>
+          </a:fillRef>
+          <a:effectRef idx="0">
+            <a:schemeClr val="accent1"/>
+          </a:effectRef>
+          <a:fontRef idx="minor">
+            <a:schemeClr val="lt1"/>
+          </a:fontRef>
+        </p:style>
+        <p:txBody>
+          <a:bodyPr rtlCol="0" anchor="ctr"/>
+          <a:lstStyle/>
+          <a:p>
+            <a:pPr algn="ctr"/>
+            <a:r>
+              <a:rPr lang="en-US" sz="3200" dirty="0"/>
+              <a:t>Database Management System (DBMS)</a:t>
+            </a:r>
+          </a:p>
+        </p:txBody>
+      </p:sp>
+      <p:sp>
+        <p:nvSpPr>
+          <p:cNvPr id="9" name="Rectangle 8"/>
+          <p:cNvSpPr/>
+          <p:nvPr/>
+        </p:nvSpPr>
+        <p:spPr>
+          <a:xfrm>
+            <a:off x="5308600" y="5130800"/>
+            <a:ext cx="2146300" cy="1308100"/>
+          </a:xfrm>
+          <a:prstGeom prst="rect">
+            <a:avLst/>
+          </a:prstGeom>
+          <a:gradFill flip="none" rotWithShape="1">
+            <a:gsLst>
+              <a:gs pos="0">
+                <a:schemeClr val="accent1">
+                  <a:lumMod val="89000"/>
+                </a:schemeClr>
+              </a:gs>
+              <a:gs pos="23000">
+                <a:schemeClr val="accent1">
+                  <a:lumMod val="89000"/>
+                </a:schemeClr>
+              </a:gs>
+              <a:gs pos="69000">
+                <a:schemeClr val="accent1">
+                  <a:lumMod val="75000"/>
+                </a:schemeClr>
+              </a:gs>
+              <a:gs pos="97000">
+                <a:schemeClr val="accent1">
+                  <a:lumMod val="70000"/>
+                </a:schemeClr>
+              </a:gs>
+            </a:gsLst>
+            <a:path path="circle">
+              <a:fillToRect l="50000" t="50000" r="50000" b="50000"/>
+            </a:path>
+            <a:tileRect/>
+          </a:gradFill>
+        </p:spPr>
+        <p:style>
+          <a:lnRef idx="2">
+            <a:schemeClr val="accent1">
+              <a:shade val="50000"/>
+            </a:schemeClr>
+          </a:lnRef>
+          <a:fillRef idx="1">
+            <a:schemeClr val="accent1"/>
+          </a:fillRef>
+          <a:effectRef idx="0">
+            <a:schemeClr val="accent1"/>
+          </a:effectRef>
+          <a:fontRef idx="minor">
+            <a:schemeClr val="lt1"/>
+          </a:fontRef>
+        </p:style>
+        <p:txBody>
+          <a:bodyPr rtlCol="0" anchor="ctr"/>
+          <a:lstStyle/>
+          <a:p>
+            <a:pPr algn="ctr"/>
+            <a:r>
+              <a:rPr lang="en-US" sz="3200" dirty="0"/>
+              <a:t>Storage Engine</a:t>
+            </a:r>
+          </a:p>
+        </p:txBody>
+      </p:sp>
       <p:cxnSp>
         <p:nvCxnSpPr>
-          <p:cNvPr id="9" name="Straight Connector 8"/>
-          <p:cNvCxnSpPr>
-            <a:endCxn id="13" idx="3"/>
-          </p:cNvCxnSpPr>
+          <p:cNvPr id="6" name="Straight Arrow Connector 5"/>
+          <p:cNvCxnSpPr/>
           <p:nvPr/>
         </p:nvCxnSpPr>
         <p:spPr>
-          <a:xfrm flipV="1">
-            <a:off x="1708328" y="1159997"/>
-            <a:ext cx="589660" cy="1136592"/>
-          </a:xfrm>
-          <a:prstGeom prst="line">
+          <a:xfrm>
+            <a:off x="6858000" y="4165600"/>
+            <a:ext cx="0" cy="965200"/>
+          </a:xfrm>
+          <a:prstGeom prst="straightConnector1">
             <a:avLst/>
           </a:prstGeom>
-          <a:ln w="38100">
+          <a:ln w="50800">
             <a:solidFill>
-              <a:schemeClr val="tx1">
-                <a:lumMod val="65000"/>
-                <a:lumOff val="35000"/>
-              </a:schemeClr>
+              <a:srgbClr val="FF0000"/>
             </a:solidFill>
+            <a:prstDash val="sysDash"/>
+            <a:tailEnd type="triangle"/>
           </a:ln>
         </p:spPr>
         <p:style>
@@ -10175,87 +10238,26 @@
           </a:fontRef>
         </p:style>
       </p:cxnSp>
-      <p:sp>
-        <p:nvSpPr>
-          <p:cNvPr id="11" name="TextBox 10"/>
-          <p:cNvSpPr txBox="1"/>
-          <p:nvPr/>
-        </p:nvSpPr>
-        <p:spPr>
-          <a:xfrm>
-            <a:off x="1639962" y="2228221"/>
-            <a:ext cx="276038" cy="307777"/>
-          </a:xfrm>
-          <a:prstGeom prst="rect">
+      <p:cxnSp>
+        <p:nvCxnSpPr>
+          <p:cNvPr id="15" name="Straight Arrow Connector 14"/>
+          <p:cNvCxnSpPr/>
+          <p:nvPr/>
+        </p:nvCxnSpPr>
+        <p:spPr>
+          <a:xfrm flipV="1">
+            <a:off x="5829300" y="4178300"/>
+            <a:ext cx="12700" cy="952500"/>
+          </a:xfrm>
+          <a:prstGeom prst="straightConnector1">
             <a:avLst/>
           </a:prstGeom>
-          <a:noFill/>
-        </p:spPr>
-        <p:txBody>
-          <a:bodyPr wrap="none" rtlCol="0">
-            <a:spAutoFit/>
-          </a:bodyPr>
-          <a:lstStyle/>
-          <a:p>
-            <a:r>
-              <a:rPr lang="en-US" sz="1400" b="1" dirty="0"/>
-              <a:t>1</a:t>
-            </a:r>
-          </a:p>
-        </p:txBody>
-      </p:sp>
-      <p:sp>
-        <p:nvSpPr>
-          <p:cNvPr id="13" name="TextBox 12"/>
-          <p:cNvSpPr txBox="1"/>
-          <p:nvPr/>
-        </p:nvSpPr>
-        <p:spPr>
-          <a:xfrm>
-            <a:off x="1994700" y="1006108"/>
-            <a:ext cx="303288" cy="307777"/>
-          </a:xfrm>
-          <a:prstGeom prst="rect">
-            <a:avLst/>
-          </a:prstGeom>
-          <a:noFill/>
-        </p:spPr>
-        <p:txBody>
-          <a:bodyPr wrap="none" rtlCol="0">
-            <a:spAutoFit/>
-          </a:bodyPr>
-          <a:lstStyle/>
-          <a:p>
-            <a:r>
-              <a:rPr lang="en-US" sz="1400" b="1" dirty="0"/>
-              <a:t>N</a:t>
-            </a:r>
-          </a:p>
-        </p:txBody>
-      </p:sp>
-      <p:cxnSp>
-        <p:nvCxnSpPr>
-          <p:cNvPr id="15" name="Straight Connector 14"/>
-          <p:cNvCxnSpPr>
-            <a:endCxn id="16" idx="3"/>
-          </p:cNvCxnSpPr>
-          <p:nvPr/>
-        </p:nvCxnSpPr>
-        <p:spPr>
-          <a:xfrm flipV="1">
-            <a:off x="3528859" y="1155660"/>
-            <a:ext cx="756694" cy="1525944"/>
-          </a:xfrm>
-          <a:prstGeom prst="line">
-            <a:avLst/>
-          </a:prstGeom>
-          <a:ln w="38100">
+          <a:ln w="50800">
             <a:solidFill>
-              <a:schemeClr val="tx1">
-                <a:lumMod val="65000"/>
-                <a:lumOff val="35000"/>
-              </a:schemeClr>
+              <a:srgbClr val="FF0000"/>
             </a:solidFill>
+            <a:prstDash val="sysDash"/>
+            <a:tailEnd type="triangle"/>
           </a:ln>
         </p:spPr>
         <p:style>
@@ -10275,19 +10277,26 @@
       </p:cxnSp>
       <p:sp>
         <p:nvSpPr>
-          <p:cNvPr id="16" name="TextBox 15"/>
+          <p:cNvPr id="12" name="TextBox 11"/>
           <p:cNvSpPr txBox="1"/>
           <p:nvPr/>
         </p:nvSpPr>
         <p:spPr>
           <a:xfrm>
-            <a:off x="3982265" y="1001771"/>
-            <a:ext cx="303288" cy="307777"/>
+            <a:off x="5474223" y="181114"/>
+            <a:ext cx="1383777" cy="707886"/>
           </a:xfrm>
           <a:prstGeom prst="rect">
             <a:avLst/>
           </a:prstGeom>
-          <a:noFill/>
+          <a:solidFill>
+            <a:schemeClr val="bg1"/>
+          </a:solidFill>
+          <a:ln>
+            <a:solidFill>
+              <a:srgbClr val="FFC000"/>
+            </a:solidFill>
+          </a:ln>
         </p:spPr>
         <p:txBody>
           <a:bodyPr wrap="none" rtlCol="0">
@@ -10296,74 +10305,135 @@
           <a:lstStyle/>
           <a:p>
             <a:r>
-              <a:rPr lang="en-US" sz="1400" b="1" dirty="0"/>
-              <a:t>N</a:t>
-            </a:r>
-          </a:p>
-        </p:txBody>
-      </p:sp>
-      <p:sp>
-        <p:nvSpPr>
-          <p:cNvPr id="17" name="TextBox 16"/>
-          <p:cNvSpPr txBox="1"/>
-          <p:nvPr/>
-        </p:nvSpPr>
-        <p:spPr>
-          <a:xfrm>
-            <a:off x="3563042" y="2587340"/>
-            <a:ext cx="276038" cy="307777"/>
-          </a:xfrm>
-          <a:prstGeom prst="rect">
+              <a:rPr lang="en-US" sz="4000" dirty="0">
+                <a:solidFill>
+                  <a:srgbClr val="FFC000"/>
+                </a:solidFill>
+              </a:rPr>
+              <a:t>Client</a:t>
+            </a:r>
+          </a:p>
+        </p:txBody>
+      </p:sp>
+      <p:sp>
+        <p:nvSpPr>
+          <p:cNvPr id="17" name="Can 16"/>
+          <p:cNvSpPr/>
+          <p:nvPr/>
+        </p:nvSpPr>
+        <p:spPr>
+          <a:xfrm>
+            <a:off x="4191000" y="2019300"/>
+            <a:ext cx="4089400" cy="4711700"/>
+          </a:xfrm>
+          <a:prstGeom prst="can">
+            <a:avLst>
+              <a:gd name="adj" fmla="val 9161"/>
+            </a:avLst>
+          </a:prstGeom>
+          <a:noFill/>
+        </p:spPr>
+        <p:style>
+          <a:lnRef idx="2">
+            <a:schemeClr val="accent1">
+              <a:shade val="50000"/>
+            </a:schemeClr>
+          </a:lnRef>
+          <a:fillRef idx="1">
+            <a:schemeClr val="accent1"/>
+          </a:fillRef>
+          <a:effectRef idx="0">
+            <a:schemeClr val="accent1"/>
+          </a:effectRef>
+          <a:fontRef idx="minor">
+            <a:schemeClr val="lt1"/>
+          </a:fontRef>
+        </p:style>
+        <p:txBody>
+          <a:bodyPr rtlCol="0" anchor="ctr"/>
+          <a:lstStyle/>
+          <a:p>
+            <a:pPr algn="ctr"/>
+            <a:endParaRPr lang="en-US"/>
+          </a:p>
+        </p:txBody>
+      </p:sp>
+      <p:cxnSp>
+        <p:nvCxnSpPr>
+          <p:cNvPr id="18" name="Straight Arrow Connector 17"/>
+          <p:cNvCxnSpPr/>
+          <p:nvPr/>
+        </p:nvCxnSpPr>
+        <p:spPr>
+          <a:xfrm>
+            <a:off x="6565900" y="939800"/>
+            <a:ext cx="0" cy="1790700"/>
+          </a:xfrm>
+          <a:prstGeom prst="straightConnector1">
             <a:avLst/>
           </a:prstGeom>
-          <a:noFill/>
-        </p:spPr>
-        <p:txBody>
-          <a:bodyPr wrap="none" rtlCol="0">
-            <a:spAutoFit/>
-          </a:bodyPr>
-          <a:lstStyle/>
-          <a:p>
-            <a:r>
-              <a:rPr lang="en-US" sz="1400" b="1" dirty="0"/>
-              <a:t>1</a:t>
-            </a:r>
-          </a:p>
-        </p:txBody>
-      </p:sp>
-      <p:sp>
-        <p:nvSpPr>
-          <p:cNvPr id="43" name="TextBox 42"/>
-          <p:cNvSpPr txBox="1"/>
-          <p:nvPr/>
-        </p:nvSpPr>
-        <p:spPr>
-          <a:xfrm>
-            <a:off x="375663" y="208988"/>
-            <a:ext cx="3852850" cy="523220"/>
-          </a:xfrm>
-          <a:prstGeom prst="rect">
+          <a:ln w="76200">
+            <a:solidFill>
+              <a:srgbClr val="FF0000"/>
+            </a:solidFill>
+            <a:tailEnd type="triangle"/>
+          </a:ln>
+        </p:spPr>
+        <p:style>
+          <a:lnRef idx="1">
+            <a:schemeClr val="accent1"/>
+          </a:lnRef>
+          <a:fillRef idx="0">
+            <a:schemeClr val="accent1"/>
+          </a:fillRef>
+          <a:effectRef idx="0">
+            <a:schemeClr val="accent1"/>
+          </a:effectRef>
+          <a:fontRef idx="minor">
+            <a:schemeClr val="tx1"/>
+          </a:fontRef>
+        </p:style>
+      </p:cxnSp>
+      <p:cxnSp>
+        <p:nvCxnSpPr>
+          <p:cNvPr id="19" name="Straight Arrow Connector 18"/>
+          <p:cNvCxnSpPr/>
+          <p:nvPr/>
+        </p:nvCxnSpPr>
+        <p:spPr>
+          <a:xfrm flipH="1" flipV="1">
+            <a:off x="5981700" y="939800"/>
+            <a:ext cx="12700" cy="1790700"/>
+          </a:xfrm>
+          <a:prstGeom prst="straightConnector1">
             <a:avLst/>
           </a:prstGeom>
-          <a:noFill/>
-        </p:spPr>
-        <p:txBody>
-          <a:bodyPr wrap="none" rtlCol="0">
-            <a:spAutoFit/>
-          </a:bodyPr>
-          <a:lstStyle/>
-          <a:p>
-            <a:r>
-              <a:rPr lang="en-US" sz="2800" b="1" dirty="0"/>
-              <a:t>Typical Relational Model</a:t>
-            </a:r>
-          </a:p>
-        </p:txBody>
-      </p:sp>
+          <a:ln w="76200">
+            <a:solidFill>
+              <a:srgbClr val="FF0000"/>
+            </a:solidFill>
+            <a:tailEnd type="triangle"/>
+          </a:ln>
+        </p:spPr>
+        <p:style>
+          <a:lnRef idx="1">
+            <a:schemeClr val="accent1"/>
+          </a:lnRef>
+          <a:fillRef idx="0">
+            <a:schemeClr val="accent1"/>
+          </a:fillRef>
+          <a:effectRef idx="0">
+            <a:schemeClr val="accent1"/>
+          </a:effectRef>
+          <a:fontRef idx="minor">
+            <a:schemeClr val="tx1"/>
+          </a:fontRef>
+        </p:style>
+      </p:cxnSp>
     </p:spTree>
     <p:extLst>
       <p:ext uri="{BB962C8B-B14F-4D97-AF65-F5344CB8AC3E}">
-        <p14:creationId xmlns:p14="http://schemas.microsoft.com/office/powerpoint/2010/main" val="825127993"/>
+        <p14:creationId xmlns:p14="http://schemas.microsoft.com/office/powerpoint/2010/main" val="1987786156"/>
       </p:ext>
     </p:extLst>
   </p:cSld>
@@ -10392,2222 +10462,153 @@
       </p:grpSpPr>
       <p:sp>
         <p:nvSpPr>
-          <p:cNvPr id="21" name="TextBox 20"/>
-          <p:cNvSpPr txBox="1"/>
-          <p:nvPr/>
-        </p:nvSpPr>
-        <p:spPr>
-          <a:xfrm>
-            <a:off x="375663" y="208988"/>
-            <a:ext cx="2217274" cy="523220"/>
+          <p:cNvPr id="2" name="Title 1"/>
+          <p:cNvSpPr>
+            <a:spLocks noGrp="1"/>
+          </p:cNvSpPr>
+          <p:nvPr>
+            <p:ph type="title"/>
+          </p:nvPr>
+        </p:nvSpPr>
+        <p:spPr/>
+        <p:txBody>
+          <a:bodyPr/>
+          <a:lstStyle/>
+          <a:p>
+            <a:r>
+              <a:rPr lang="en-US" dirty="0" err="1"/>
+              <a:t>Eloquera</a:t>
+            </a:r>
+            <a:endParaRPr lang="en-US" dirty="0"/>
+          </a:p>
+        </p:txBody>
+      </p:sp>
+      <p:sp>
+        <p:nvSpPr>
+          <p:cNvPr id="3" name="Content Placeholder 2"/>
+          <p:cNvSpPr>
+            <a:spLocks noGrp="1"/>
+          </p:cNvSpPr>
+          <p:nvPr>
+            <p:ph idx="1"/>
+          </p:nvPr>
+        </p:nvSpPr>
+        <p:spPr>
+          <a:xfrm>
+            <a:off x="1207625" y="1696977"/>
+            <a:ext cx="5770945" cy="894426"/>
+          </a:xfrm>
+        </p:spPr>
+        <p:txBody>
+          <a:bodyPr/>
+          <a:lstStyle/>
+          <a:p>
+            <a:r>
+              <a:rPr lang="en-US" dirty="0"/>
+              <a:t>Learning principle: quote from James </a:t>
+            </a:r>
+            <a:r>
+              <a:rPr lang="en-US" dirty="0" err="1"/>
+              <a:t>Altucher</a:t>
+            </a:r>
+            <a:r>
+              <a:rPr lang="en-US" dirty="0"/>
+              <a:t> about history</a:t>
+            </a:r>
+          </a:p>
+        </p:txBody>
+      </p:sp>
+      <p:sp>
+        <p:nvSpPr>
+          <p:cNvPr id="4" name="Rectangle 3"/>
+          <p:cNvSpPr/>
+          <p:nvPr/>
+        </p:nvSpPr>
+        <p:spPr>
+          <a:xfrm>
+            <a:off x="1207625" y="3178456"/>
+            <a:ext cx="9649427" cy="2031325"/>
+          </a:xfrm>
+          <a:prstGeom prst="rect">
+            <a:avLst/>
+          </a:prstGeom>
+        </p:spPr>
+        <p:txBody>
+          <a:bodyPr wrap="square">
+            <a:spAutoFit/>
+          </a:bodyPr>
+          <a:lstStyle/>
+          <a:p>
+            <a:r>
+              <a:rPr lang="en-US" b="1" i="1" dirty="0">
+                <a:solidFill>
+                  <a:srgbClr val="3C3C3C"/>
+                </a:solidFill>
+                <a:latin typeface="Helvetica" panose="020B0604020202020204" pitchFamily="34" charset="0"/>
+              </a:rPr>
+              <a:t>If you don’t love the history of what want to master, then you will never master it</a:t>
+            </a:r>
+            <a:r>
+              <a:rPr lang="en-US" i="1" dirty="0">
+                <a:solidFill>
+                  <a:srgbClr val="3C3C3C"/>
+                </a:solidFill>
+                <a:latin typeface="Helvetica" panose="020B0604020202020204" pitchFamily="34" charset="0"/>
+              </a:rPr>
+              <a:t>. I don’t think I know a single chess master who hasn’t read through Bronstein’s “1953 Zurich International” tournament book at least a dozen times. Or Mikhail Tal’s “Best games”. Poker players have read Doyle Brunson’s classic a dozen times. And entrepreneurs have all now read Walter Isaacson’s book on Steve Jobs and dozens of other biographies of successful businessmen. The history of a game or life is your virtual mentor if you don’t have a direct mentor.</a:t>
+            </a:r>
+            <a:r>
+              <a:rPr lang="en-US" dirty="0"/>
+              <a:t> </a:t>
+            </a:r>
+          </a:p>
+        </p:txBody>
+      </p:sp>
+      <p:pic>
+        <p:nvPicPr>
+          <p:cNvPr id="3076" name="Picture 4" descr="http://stephbewitching.squarespace.com/storage/james%20altucher.jpg?__SQUARESPACE_CACHEVERSION=1391201890800"/>
+          <p:cNvPicPr>
+            <a:picLocks noChangeAspect="1" noChangeArrowheads="1"/>
+          </p:cNvPicPr>
+          <p:nvPr/>
+        </p:nvPicPr>
+        <p:blipFill>
+          <a:blip r:embed="rId2">
+            <a:extLst>
+              <a:ext uri="{28A0092B-C50C-407E-A947-70E740481C1C}">
+                <a14:useLocalDpi xmlns:a14="http://schemas.microsoft.com/office/drawing/2010/main" val="0"/>
+              </a:ext>
+            </a:extLst>
+          </a:blip>
+          <a:srcRect/>
+          <a:stretch>
+            <a:fillRect/>
+          </a:stretch>
+        </p:blipFill>
+        <p:spPr bwMode="auto">
+          <a:xfrm>
+            <a:off x="8165256" y="365125"/>
+            <a:ext cx="3810000" cy="2533651"/>
           </a:xfrm>
           <a:prstGeom prst="rect">
             <a:avLst/>
           </a:prstGeom>
           <a:noFill/>
-        </p:spPr>
-        <p:txBody>
-          <a:bodyPr wrap="none" rtlCol="0">
-            <a:spAutoFit/>
-          </a:bodyPr>
-          <a:lstStyle/>
-          <a:p>
-            <a:r>
-              <a:rPr lang="en-US" sz="2800" b="1" dirty="0"/>
-              <a:t>Object Model</a:t>
-            </a:r>
-          </a:p>
-        </p:txBody>
-      </p:sp>
-      <p:graphicFrame>
-        <p:nvGraphicFramePr>
-          <p:cNvPr id="24" name="Table 23"/>
-          <p:cNvGraphicFramePr>
-            <a:graphicFrameLocks noGrp="1"/>
-          </p:cNvGraphicFramePr>
-          <p:nvPr>
-            <p:extLst>
-              <p:ext uri="{D42A27DB-BD31-4B8C-83A1-F6EECF244321}">
-                <p14:modId xmlns:p14="http://schemas.microsoft.com/office/powerpoint/2010/main" val="3571224845"/>
-              </p:ext>
-            </p:extLst>
-          </p:nvPr>
-        </p:nvGraphicFramePr>
-        <p:xfrm>
-          <a:off x="254714" y="1036858"/>
-          <a:ext cx="8495586" cy="3855183"/>
-        </p:xfrm>
-        <a:graphic>
-          <a:graphicData uri="http://schemas.openxmlformats.org/drawingml/2006/table">
-            <a:tbl>
-              <a:tblPr firstRow="1" bandRow="1">
-                <a:tableStyleId>{5A111915-BE36-4E01-A7E5-04B1672EAD32}</a:tableStyleId>
-              </a:tblPr>
-              <a:tblGrid>
-                <a:gridCol w="8495586">
-                  <a:extLst>
-                    <a:ext uri="{9D8B030D-6E8A-4147-A177-3AD203B41FA5}">
-                      <a16:colId xmlns:a16="http://schemas.microsoft.com/office/drawing/2014/main" val="20000"/>
-                    </a:ext>
-                  </a:extLst>
-                </a:gridCol>
-              </a:tblGrid>
-              <a:tr h="369188">
-                <a:tc>
-                  <a:txBody>
-                    <a:bodyPr/>
-                    <a:lstStyle/>
-                    <a:p>
-                      <a:r>
-                        <a:rPr lang="en-US" dirty="0"/>
-                        <a:t>Cinema</a:t>
-                      </a:r>
-                    </a:p>
-                  </a:txBody>
-                  <a:tcPr>
-                    <a:lnL w="12700" cap="flat" cmpd="sng" algn="ctr">
-                      <a:solidFill>
-                        <a:schemeClr val="tx1"/>
-                      </a:solidFill>
-                      <a:prstDash val="solid"/>
-                      <a:round/>
-                      <a:headEnd type="none" w="med" len="med"/>
-                      <a:tailEnd type="none" w="med" len="med"/>
-                    </a:lnL>
-                    <a:lnR w="12700" cap="flat" cmpd="sng" algn="ctr">
-                      <a:solidFill>
-                        <a:schemeClr val="tx1"/>
-                      </a:solidFill>
-                      <a:prstDash val="solid"/>
-                      <a:round/>
-                      <a:headEnd type="none" w="med" len="med"/>
-                      <a:tailEnd type="none" w="med" len="med"/>
-                    </a:lnR>
-                    <a:lnT w="12700" cap="flat" cmpd="sng" algn="ctr">
-                      <a:solidFill>
-                        <a:schemeClr val="tx1"/>
-                      </a:solidFill>
-                      <a:prstDash val="solid"/>
-                      <a:round/>
-                      <a:headEnd type="none" w="med" len="med"/>
-                      <a:tailEnd type="none" w="med" len="med"/>
-                    </a:lnT>
-                    <a:lnB w="12700" cap="flat" cmpd="sng" algn="ctr">
-                      <a:solidFill>
-                        <a:schemeClr val="tx1"/>
-                      </a:solidFill>
-                      <a:prstDash val="solid"/>
-                      <a:round/>
-                      <a:headEnd type="none" w="med" len="med"/>
-                      <a:tailEnd type="none" w="med" len="med"/>
-                    </a:lnB>
-                  </a:tcPr>
-                </a:tc>
-                <a:extLst>
-                  <a:ext uri="{0D108BD9-81ED-4DB2-BD59-A6C34878D82A}">
-                    <a16:rowId xmlns:a16="http://schemas.microsoft.com/office/drawing/2014/main" val="10000"/>
-                  </a:ext>
-                </a:extLst>
-              </a:tr>
-              <a:tr h="449288">
-                <a:tc>
-                  <a:txBody>
-                    <a:bodyPr/>
-                    <a:lstStyle/>
-                    <a:p>
-                      <a:r>
-                        <a:rPr lang="en-US" dirty="0"/>
-                        <a:t>Location</a:t>
-                      </a:r>
-                    </a:p>
-                  </a:txBody>
-                  <a:tcPr>
-                    <a:lnL w="12700" cap="flat" cmpd="sng" algn="ctr">
-                      <a:solidFill>
-                        <a:schemeClr val="tx1"/>
-                      </a:solidFill>
-                      <a:prstDash val="solid"/>
-                      <a:round/>
-                      <a:headEnd type="none" w="med" len="med"/>
-                      <a:tailEnd type="none" w="med" len="med"/>
-                    </a:lnL>
-                    <a:lnR w="12700" cap="flat" cmpd="sng" algn="ctr">
-                      <a:solidFill>
-                        <a:schemeClr val="tx1"/>
-                      </a:solidFill>
-                      <a:prstDash val="solid"/>
-                      <a:round/>
-                      <a:headEnd type="none" w="med" len="med"/>
-                      <a:tailEnd type="none" w="med" len="med"/>
-                    </a:lnR>
-                    <a:lnT w="12700" cap="flat" cmpd="sng" algn="ctr">
-                      <a:solidFill>
-                        <a:schemeClr val="tx1"/>
-                      </a:solidFill>
-                      <a:prstDash val="solid"/>
-                      <a:round/>
-                      <a:headEnd type="none" w="med" len="med"/>
-                      <a:tailEnd type="none" w="med" len="med"/>
-                    </a:lnT>
-                    <a:lnB w="12700" cap="flat" cmpd="sng" algn="ctr">
-                      <a:solidFill>
-                        <a:schemeClr val="tx1"/>
-                      </a:solidFill>
-                      <a:prstDash val="solid"/>
-                      <a:round/>
-                      <a:headEnd type="none" w="med" len="med"/>
-                      <a:tailEnd type="none" w="med" len="med"/>
-                    </a:lnB>
-                  </a:tcPr>
-                </a:tc>
-                <a:extLst>
-                  <a:ext uri="{0D108BD9-81ED-4DB2-BD59-A6C34878D82A}">
-                    <a16:rowId xmlns:a16="http://schemas.microsoft.com/office/drawing/2014/main" val="10001"/>
-                  </a:ext>
-                </a:extLst>
-              </a:tr>
-              <a:tr h="425321">
-                <a:tc>
-                  <a:txBody>
-                    <a:bodyPr/>
-                    <a:lstStyle/>
-                    <a:p>
-                      <a:r>
-                        <a:rPr lang="en-US" dirty="0"/>
-                        <a:t>OpenDates</a:t>
-                      </a:r>
-                    </a:p>
-                  </a:txBody>
-                  <a:tcPr>
-                    <a:lnL w="12700" cap="flat" cmpd="sng" algn="ctr">
-                      <a:solidFill>
-                        <a:schemeClr val="tx1"/>
-                      </a:solidFill>
-                      <a:prstDash val="solid"/>
-                      <a:round/>
-                      <a:headEnd type="none" w="med" len="med"/>
-                      <a:tailEnd type="none" w="med" len="med"/>
-                    </a:lnL>
-                    <a:lnR w="12700" cap="flat" cmpd="sng" algn="ctr">
-                      <a:solidFill>
-                        <a:schemeClr val="tx1"/>
-                      </a:solidFill>
-                      <a:prstDash val="solid"/>
-                      <a:round/>
-                      <a:headEnd type="none" w="med" len="med"/>
-                      <a:tailEnd type="none" w="med" len="med"/>
-                    </a:lnR>
-                    <a:lnT w="12700" cap="flat" cmpd="sng" algn="ctr">
-                      <a:solidFill>
-                        <a:schemeClr val="tx1"/>
-                      </a:solidFill>
-                      <a:prstDash val="solid"/>
-                      <a:round/>
-                      <a:headEnd type="none" w="med" len="med"/>
-                      <a:tailEnd type="none" w="med" len="med"/>
-                    </a:lnT>
-                    <a:lnB w="12700" cap="flat" cmpd="sng" algn="ctr">
-                      <a:solidFill>
-                        <a:schemeClr val="tx1"/>
-                      </a:solidFill>
-                      <a:prstDash val="solid"/>
-                      <a:round/>
-                      <a:headEnd type="none" w="med" len="med"/>
-                      <a:tailEnd type="none" w="med" len="med"/>
-                    </a:lnB>
-                  </a:tcPr>
-                </a:tc>
-                <a:extLst>
-                  <a:ext uri="{0D108BD9-81ED-4DB2-BD59-A6C34878D82A}">
-                    <a16:rowId xmlns:a16="http://schemas.microsoft.com/office/drawing/2014/main" val="10002"/>
-                  </a:ext>
-                </a:extLst>
-              </a:tr>
-              <a:tr h="2611386">
-                <a:tc>
-                  <a:txBody>
-                    <a:bodyPr/>
-                    <a:lstStyle/>
-                    <a:p>
-                      <a:endParaRPr lang="en-US" dirty="0"/>
-                    </a:p>
-                  </a:txBody>
-                  <a:tcPr>
-                    <a:lnL w="12700" cap="flat" cmpd="sng" algn="ctr">
-                      <a:solidFill>
-                        <a:schemeClr val="tx1"/>
-                      </a:solidFill>
-                      <a:prstDash val="solid"/>
-                      <a:round/>
-                      <a:headEnd type="none" w="med" len="med"/>
-                      <a:tailEnd type="none" w="med" len="med"/>
-                    </a:lnL>
-                    <a:lnR w="12700" cap="flat" cmpd="sng" algn="ctr">
-                      <a:solidFill>
-                        <a:schemeClr val="tx1"/>
-                      </a:solidFill>
-                      <a:prstDash val="solid"/>
-                      <a:round/>
-                      <a:headEnd type="none" w="med" len="med"/>
-                      <a:tailEnd type="none" w="med" len="med"/>
-                    </a:lnR>
-                    <a:lnT w="12700" cap="flat" cmpd="sng" algn="ctr">
-                      <a:solidFill>
-                        <a:schemeClr val="tx1"/>
-                      </a:solidFill>
-                      <a:prstDash val="solid"/>
-                      <a:round/>
-                      <a:headEnd type="none" w="med" len="med"/>
-                      <a:tailEnd type="none" w="med" len="med"/>
-                    </a:lnT>
-                    <a:lnB w="12700" cap="flat" cmpd="sng" algn="ctr">
-                      <a:solidFill>
-                        <a:schemeClr val="tx1"/>
-                      </a:solidFill>
-                      <a:prstDash val="solid"/>
-                      <a:round/>
-                      <a:headEnd type="none" w="med" len="med"/>
-                      <a:tailEnd type="none" w="med" len="med"/>
-                    </a:lnB>
-                  </a:tcPr>
-                </a:tc>
-                <a:extLst>
-                  <a:ext uri="{0D108BD9-81ED-4DB2-BD59-A6C34878D82A}">
-                    <a16:rowId xmlns:a16="http://schemas.microsoft.com/office/drawing/2014/main" val="10003"/>
-                  </a:ext>
-                </a:extLst>
-              </a:tr>
-            </a:tbl>
-          </a:graphicData>
-        </a:graphic>
-      </p:graphicFrame>
-      <p:graphicFrame>
-        <p:nvGraphicFramePr>
-          <p:cNvPr id="23" name="Table 22"/>
-          <p:cNvGraphicFramePr>
-            <a:graphicFrameLocks noGrp="1"/>
-          </p:cNvGraphicFramePr>
-          <p:nvPr>
-            <p:extLst>
-              <p:ext uri="{D42A27DB-BD31-4B8C-83A1-F6EECF244321}">
-                <p14:modId xmlns:p14="http://schemas.microsoft.com/office/powerpoint/2010/main" val="2722714946"/>
-              </p:ext>
-            </p:extLst>
-          </p:nvPr>
-        </p:nvGraphicFramePr>
-        <p:xfrm>
-          <a:off x="337915" y="2474076"/>
-          <a:ext cx="2204625" cy="2332959"/>
-        </p:xfrm>
-        <a:graphic>
-          <a:graphicData uri="http://schemas.openxmlformats.org/drawingml/2006/table">
-            <a:tbl>
-              <a:tblPr firstRow="1" bandRow="1">
-                <a:tableStyleId>{5A111915-BE36-4E01-A7E5-04B1672EAD32}</a:tableStyleId>
-              </a:tblPr>
-              <a:tblGrid>
-                <a:gridCol w="2204625">
-                  <a:extLst>
-                    <a:ext uri="{9D8B030D-6E8A-4147-A177-3AD203B41FA5}">
-                      <a16:colId xmlns:a16="http://schemas.microsoft.com/office/drawing/2014/main" val="20000"/>
-                    </a:ext>
-                  </a:extLst>
-                </a:gridCol>
-              </a:tblGrid>
-              <a:tr h="373561">
-                <a:tc>
-                  <a:txBody>
-                    <a:bodyPr/>
-                    <a:lstStyle/>
-                    <a:p>
-                      <a:r>
-                        <a:rPr lang="en-US" sz="2000" b="1" kern="1200" dirty="0">
-                          <a:solidFill>
-                            <a:schemeClr val="bg1"/>
-                          </a:solidFill>
-                          <a:latin typeface="+mn-lt"/>
-                          <a:ea typeface="+mn-ea"/>
-                          <a:cs typeface="+mn-cs"/>
-                        </a:rPr>
-                        <a:t>Movie</a:t>
-                      </a:r>
-                    </a:p>
-                  </a:txBody>
-                  <a:tcPr>
-                    <a:lnL w="12700" cap="flat" cmpd="sng" algn="ctr">
-                      <a:solidFill>
-                        <a:schemeClr val="tx1"/>
-                      </a:solidFill>
-                      <a:prstDash val="solid"/>
-                      <a:round/>
-                      <a:headEnd type="none" w="med" len="med"/>
-                      <a:tailEnd type="none" w="med" len="med"/>
-                    </a:lnL>
-                    <a:lnR w="12700" cap="flat" cmpd="sng" algn="ctr">
-                      <a:solidFill>
-                        <a:schemeClr val="tx1"/>
-                      </a:solidFill>
-                      <a:prstDash val="solid"/>
-                      <a:round/>
-                      <a:headEnd type="none" w="med" len="med"/>
-                      <a:tailEnd type="none" w="med" len="med"/>
-                    </a:lnR>
-                    <a:lnT w="12700" cap="flat" cmpd="sng" algn="ctr">
-                      <a:solidFill>
-                        <a:schemeClr val="tx1"/>
-                      </a:solidFill>
-                      <a:prstDash val="solid"/>
-                      <a:round/>
-                      <a:headEnd type="none" w="med" len="med"/>
-                      <a:tailEnd type="none" w="med" len="med"/>
-                    </a:lnT>
-                    <a:lnB w="12700" cap="flat" cmpd="sng" algn="ctr">
-                      <a:solidFill>
-                        <a:schemeClr val="tx1"/>
-                      </a:solidFill>
-                      <a:prstDash val="solid"/>
-                      <a:round/>
-                      <a:headEnd type="none" w="med" len="med"/>
-                      <a:tailEnd type="none" w="med" len="med"/>
-                    </a:lnB>
-                    <a:solidFill>
-                      <a:srgbClr val="EC14F1"/>
-                    </a:solidFill>
-                  </a:tcPr>
-                </a:tc>
-                <a:extLst>
-                  <a:ext uri="{0D108BD9-81ED-4DB2-BD59-A6C34878D82A}">
-                    <a16:rowId xmlns:a16="http://schemas.microsoft.com/office/drawing/2014/main" val="10000"/>
-                  </a:ext>
-                </a:extLst>
-              </a:tr>
-              <a:tr h="287355">
-                <a:tc>
-                  <a:txBody>
-                    <a:bodyPr/>
-                    <a:lstStyle/>
-                    <a:p>
-                      <a:r>
-                        <a:rPr lang="en-US" sz="1400" dirty="0"/>
-                        <a:t>Title</a:t>
-                      </a:r>
-                    </a:p>
-                  </a:txBody>
-                  <a:tcPr>
-                    <a:lnL w="12700" cap="flat" cmpd="sng" algn="ctr">
-                      <a:solidFill>
-                        <a:schemeClr val="tx1"/>
-                      </a:solidFill>
-                      <a:prstDash val="solid"/>
-                      <a:round/>
-                      <a:headEnd type="none" w="med" len="med"/>
-                      <a:tailEnd type="none" w="med" len="med"/>
-                    </a:lnL>
-                    <a:lnR w="12700" cap="flat" cmpd="sng" algn="ctr">
-                      <a:solidFill>
-                        <a:schemeClr val="tx1"/>
-                      </a:solidFill>
-                      <a:prstDash val="solid"/>
-                      <a:round/>
-                      <a:headEnd type="none" w="med" len="med"/>
-                      <a:tailEnd type="none" w="med" len="med"/>
-                    </a:lnR>
-                    <a:lnT w="12700" cap="flat" cmpd="sng" algn="ctr">
-                      <a:solidFill>
-                        <a:schemeClr val="tx1"/>
-                      </a:solidFill>
-                      <a:prstDash val="solid"/>
-                      <a:round/>
-                      <a:headEnd type="none" w="med" len="med"/>
-                      <a:tailEnd type="none" w="med" len="med"/>
-                    </a:lnT>
-                    <a:lnB w="12700" cap="flat" cmpd="sng" algn="ctr">
-                      <a:solidFill>
-                        <a:schemeClr val="tx1"/>
-                      </a:solidFill>
-                      <a:prstDash val="solid"/>
-                      <a:round/>
-                      <a:headEnd type="none" w="med" len="med"/>
-                      <a:tailEnd type="none" w="med" len="med"/>
-                    </a:lnB>
-                  </a:tcPr>
-                </a:tc>
-                <a:extLst>
-                  <a:ext uri="{0D108BD9-81ED-4DB2-BD59-A6C34878D82A}">
-                    <a16:rowId xmlns:a16="http://schemas.microsoft.com/office/drawing/2014/main" val="10001"/>
-                  </a:ext>
-                </a:extLst>
-              </a:tr>
-              <a:tr h="287355">
-                <a:tc>
-                  <a:txBody>
-                    <a:bodyPr/>
-                    <a:lstStyle/>
-                    <a:p>
-                      <a:r>
-                        <a:rPr lang="en-US" sz="1400" dirty="0"/>
-                        <a:t>Year</a:t>
-                      </a:r>
-                    </a:p>
-                  </a:txBody>
-                  <a:tcPr>
-                    <a:lnL w="12700" cap="flat" cmpd="sng" algn="ctr">
-                      <a:solidFill>
-                        <a:schemeClr val="tx1"/>
-                      </a:solidFill>
-                      <a:prstDash val="solid"/>
-                      <a:round/>
-                      <a:headEnd type="none" w="med" len="med"/>
-                      <a:tailEnd type="none" w="med" len="med"/>
-                    </a:lnL>
-                    <a:lnR w="12700" cap="flat" cmpd="sng" algn="ctr">
-                      <a:solidFill>
-                        <a:schemeClr val="tx1"/>
-                      </a:solidFill>
-                      <a:prstDash val="solid"/>
-                      <a:round/>
-                      <a:headEnd type="none" w="med" len="med"/>
-                      <a:tailEnd type="none" w="med" len="med"/>
-                    </a:lnR>
-                    <a:lnT w="12700" cap="flat" cmpd="sng" algn="ctr">
-                      <a:solidFill>
-                        <a:schemeClr val="tx1"/>
-                      </a:solidFill>
-                      <a:prstDash val="solid"/>
-                      <a:round/>
-                      <a:headEnd type="none" w="med" len="med"/>
-                      <a:tailEnd type="none" w="med" len="med"/>
-                    </a:lnT>
-                    <a:lnB w="12700" cap="flat" cmpd="sng" algn="ctr">
-                      <a:solidFill>
-                        <a:schemeClr val="tx1"/>
-                      </a:solidFill>
-                      <a:prstDash val="solid"/>
-                      <a:round/>
-                      <a:headEnd type="none" w="med" len="med"/>
-                      <a:tailEnd type="none" w="med" len="med"/>
-                    </a:lnB>
-                  </a:tcPr>
-                </a:tc>
-                <a:extLst>
-                  <a:ext uri="{0D108BD9-81ED-4DB2-BD59-A6C34878D82A}">
-                    <a16:rowId xmlns:a16="http://schemas.microsoft.com/office/drawing/2014/main" val="10002"/>
-                  </a:ext>
-                </a:extLst>
-              </a:tr>
-              <a:tr h="287355">
-                <a:tc>
-                  <a:txBody>
-                    <a:bodyPr/>
-                    <a:lstStyle/>
-                    <a:p>
-                      <a:r>
-                        <a:rPr lang="en-US" sz="1400" dirty="0"/>
-                        <a:t>Genre</a:t>
-                      </a:r>
-                    </a:p>
-                  </a:txBody>
-                  <a:tcPr>
-                    <a:lnL w="12700" cap="flat" cmpd="sng" algn="ctr">
-                      <a:solidFill>
-                        <a:schemeClr val="tx1"/>
-                      </a:solidFill>
-                      <a:prstDash val="solid"/>
-                      <a:round/>
-                      <a:headEnd type="none" w="med" len="med"/>
-                      <a:tailEnd type="none" w="med" len="med"/>
-                    </a:lnL>
-                    <a:lnR w="12700" cap="flat" cmpd="sng" algn="ctr">
-                      <a:solidFill>
-                        <a:schemeClr val="tx1"/>
-                      </a:solidFill>
-                      <a:prstDash val="solid"/>
-                      <a:round/>
-                      <a:headEnd type="none" w="med" len="med"/>
-                      <a:tailEnd type="none" w="med" len="med"/>
-                    </a:lnR>
-                    <a:lnT w="12700" cap="flat" cmpd="sng" algn="ctr">
-                      <a:solidFill>
-                        <a:schemeClr val="tx1"/>
-                      </a:solidFill>
-                      <a:prstDash val="solid"/>
-                      <a:round/>
-                      <a:headEnd type="none" w="med" len="med"/>
-                      <a:tailEnd type="none" w="med" len="med"/>
-                    </a:lnT>
-                    <a:lnB w="12700" cap="flat" cmpd="sng" algn="ctr">
-                      <a:solidFill>
-                        <a:schemeClr val="tx1"/>
-                      </a:solidFill>
-                      <a:prstDash val="solid"/>
-                      <a:round/>
-                      <a:headEnd type="none" w="med" len="med"/>
-                      <a:tailEnd type="none" w="med" len="med"/>
-                    </a:lnB>
-                  </a:tcPr>
-                </a:tc>
-                <a:extLst>
-                  <a:ext uri="{0D108BD9-81ED-4DB2-BD59-A6C34878D82A}">
-                    <a16:rowId xmlns:a16="http://schemas.microsoft.com/office/drawing/2014/main" val="10003"/>
-                  </a:ext>
-                </a:extLst>
-              </a:tr>
-              <a:tr h="1022319">
-                <a:tc>
-                  <a:txBody>
-                    <a:bodyPr/>
-                    <a:lstStyle/>
-                    <a:p>
-                      <a:endParaRPr lang="en-US" sz="1400" dirty="0"/>
-                    </a:p>
-                  </a:txBody>
-                  <a:tcPr>
-                    <a:lnL w="12700" cap="flat" cmpd="sng" algn="ctr">
-                      <a:solidFill>
-                        <a:schemeClr val="tx1"/>
-                      </a:solidFill>
-                      <a:prstDash val="solid"/>
-                      <a:round/>
-                      <a:headEnd type="none" w="med" len="med"/>
-                      <a:tailEnd type="none" w="med" len="med"/>
-                    </a:lnL>
-                    <a:lnR w="12700" cap="flat" cmpd="sng" algn="ctr">
-                      <a:solidFill>
-                        <a:schemeClr val="tx1"/>
-                      </a:solidFill>
-                      <a:prstDash val="solid"/>
-                      <a:round/>
-                      <a:headEnd type="none" w="med" len="med"/>
-                      <a:tailEnd type="none" w="med" len="med"/>
-                    </a:lnR>
-                    <a:lnT w="12700" cap="flat" cmpd="sng" algn="ctr">
-                      <a:solidFill>
-                        <a:schemeClr val="tx1"/>
-                      </a:solidFill>
-                      <a:prstDash val="solid"/>
-                      <a:round/>
-                      <a:headEnd type="none" w="med" len="med"/>
-                      <a:tailEnd type="none" w="med" len="med"/>
-                    </a:lnT>
-                    <a:lnB w="12700" cap="flat" cmpd="sng" algn="ctr">
-                      <a:solidFill>
-                        <a:schemeClr val="tx1"/>
-                      </a:solidFill>
-                      <a:prstDash val="solid"/>
-                      <a:round/>
-                      <a:headEnd type="none" w="med" len="med"/>
-                      <a:tailEnd type="none" w="med" len="med"/>
-                    </a:lnB>
-                  </a:tcPr>
-                </a:tc>
-                <a:extLst>
-                  <a:ext uri="{0D108BD9-81ED-4DB2-BD59-A6C34878D82A}">
-                    <a16:rowId xmlns:a16="http://schemas.microsoft.com/office/drawing/2014/main" val="10004"/>
-                  </a:ext>
-                </a:extLst>
-              </a:tr>
-            </a:tbl>
-          </a:graphicData>
-        </a:graphic>
-      </p:graphicFrame>
-      <p:graphicFrame>
-        <p:nvGraphicFramePr>
-          <p:cNvPr id="25" name="Table 24"/>
-          <p:cNvGraphicFramePr>
-            <a:graphicFrameLocks noGrp="1"/>
-          </p:cNvGraphicFramePr>
-          <p:nvPr>
-            <p:extLst>
-              <p:ext uri="{D42A27DB-BD31-4B8C-83A1-F6EECF244321}">
-                <p14:modId xmlns:p14="http://schemas.microsoft.com/office/powerpoint/2010/main" val="3655955654"/>
-              </p:ext>
-            </p:extLst>
-          </p:nvPr>
-        </p:nvGraphicFramePr>
-        <p:xfrm>
-          <a:off x="401233" y="3929380"/>
-          <a:ext cx="932267" cy="741680"/>
-        </p:xfrm>
-        <a:graphic>
-          <a:graphicData uri="http://schemas.openxmlformats.org/drawingml/2006/table">
-            <a:tbl>
-              <a:tblPr firstRow="1" bandRow="1">
-                <a:tableStyleId>{5A111915-BE36-4E01-A7E5-04B1672EAD32}</a:tableStyleId>
-              </a:tblPr>
-              <a:tblGrid>
-                <a:gridCol w="932267">
-                  <a:extLst>
-                    <a:ext uri="{9D8B030D-6E8A-4147-A177-3AD203B41FA5}">
-                      <a16:colId xmlns:a16="http://schemas.microsoft.com/office/drawing/2014/main" val="20000"/>
-                    </a:ext>
-                  </a:extLst>
-                </a:gridCol>
-              </a:tblGrid>
-              <a:tr h="370840">
-                <a:tc>
-                  <a:txBody>
-                    <a:bodyPr/>
-                    <a:lstStyle/>
-                    <a:p>
-                      <a:r>
-                        <a:rPr lang="en-US" sz="1200" dirty="0"/>
-                        <a:t>Studio</a:t>
-                      </a:r>
-                    </a:p>
-                  </a:txBody>
-                  <a:tcPr>
-                    <a:lnL w="12700" cap="flat" cmpd="sng" algn="ctr">
-                      <a:solidFill>
-                        <a:schemeClr val="tx1"/>
-                      </a:solidFill>
-                      <a:prstDash val="solid"/>
-                      <a:round/>
-                      <a:headEnd type="none" w="med" len="med"/>
-                      <a:tailEnd type="none" w="med" len="med"/>
-                    </a:lnL>
-                    <a:lnR w="12700" cap="flat" cmpd="sng" algn="ctr">
-                      <a:solidFill>
-                        <a:schemeClr val="tx1"/>
-                      </a:solidFill>
-                      <a:prstDash val="solid"/>
-                      <a:round/>
-                      <a:headEnd type="none" w="med" len="med"/>
-                      <a:tailEnd type="none" w="med" len="med"/>
-                    </a:lnR>
-                    <a:lnT w="12700" cap="flat" cmpd="sng" algn="ctr">
-                      <a:solidFill>
-                        <a:schemeClr val="tx1"/>
-                      </a:solidFill>
-                      <a:prstDash val="solid"/>
-                      <a:round/>
-                      <a:headEnd type="none" w="med" len="med"/>
-                      <a:tailEnd type="none" w="med" len="med"/>
-                    </a:lnT>
-                    <a:lnB w="12700" cap="flat" cmpd="sng" algn="ctr">
-                      <a:solidFill>
-                        <a:schemeClr val="tx1"/>
-                      </a:solidFill>
-                      <a:prstDash val="solid"/>
-                      <a:round/>
-                      <a:headEnd type="none" w="med" len="med"/>
-                      <a:tailEnd type="none" w="med" len="med"/>
-                    </a:lnB>
-                    <a:solidFill>
-                      <a:schemeClr val="accent6">
-                        <a:lumMod val="75000"/>
-                      </a:schemeClr>
-                    </a:solidFill>
-                  </a:tcPr>
-                </a:tc>
-                <a:extLst>
-                  <a:ext uri="{0D108BD9-81ED-4DB2-BD59-A6C34878D82A}">
-                    <a16:rowId xmlns:a16="http://schemas.microsoft.com/office/drawing/2014/main" val="10000"/>
-                  </a:ext>
-                </a:extLst>
-              </a:tr>
-              <a:tr h="370840">
-                <a:tc>
-                  <a:txBody>
-                    <a:bodyPr/>
-                    <a:lstStyle/>
-                    <a:p>
-                      <a:r>
-                        <a:rPr lang="en-US" sz="1200" dirty="0"/>
-                        <a:t>Titles</a:t>
-                      </a:r>
-                    </a:p>
-                  </a:txBody>
-                  <a:tcPr>
-                    <a:lnL w="12700" cap="flat" cmpd="sng" algn="ctr">
-                      <a:solidFill>
-                        <a:schemeClr val="tx1"/>
-                      </a:solidFill>
-                      <a:prstDash val="solid"/>
-                      <a:round/>
-                      <a:headEnd type="none" w="med" len="med"/>
-                      <a:tailEnd type="none" w="med" len="med"/>
-                    </a:lnL>
-                    <a:lnR w="12700" cap="flat" cmpd="sng" algn="ctr">
-                      <a:solidFill>
-                        <a:schemeClr val="tx1"/>
-                      </a:solidFill>
-                      <a:prstDash val="solid"/>
-                      <a:round/>
-                      <a:headEnd type="none" w="med" len="med"/>
-                      <a:tailEnd type="none" w="med" len="med"/>
-                    </a:lnR>
-                    <a:lnT w="12700" cap="flat" cmpd="sng" algn="ctr">
-                      <a:solidFill>
-                        <a:schemeClr val="tx1"/>
-                      </a:solidFill>
-                      <a:prstDash val="solid"/>
-                      <a:round/>
-                      <a:headEnd type="none" w="med" len="med"/>
-                      <a:tailEnd type="none" w="med" len="med"/>
-                    </a:lnT>
-                    <a:lnB w="12700" cap="flat" cmpd="sng" algn="ctr">
-                      <a:solidFill>
-                        <a:schemeClr val="tx1"/>
-                      </a:solidFill>
-                      <a:prstDash val="solid"/>
-                      <a:round/>
-                      <a:headEnd type="none" w="med" len="med"/>
-                      <a:tailEnd type="none" w="med" len="med"/>
-                    </a:lnB>
-                  </a:tcPr>
-                </a:tc>
-                <a:extLst>
-                  <a:ext uri="{0D108BD9-81ED-4DB2-BD59-A6C34878D82A}">
-                    <a16:rowId xmlns:a16="http://schemas.microsoft.com/office/drawing/2014/main" val="10001"/>
-                  </a:ext>
-                </a:extLst>
-              </a:tr>
-            </a:tbl>
-          </a:graphicData>
-        </a:graphic>
-      </p:graphicFrame>
-      <p:graphicFrame>
-        <p:nvGraphicFramePr>
-          <p:cNvPr id="32" name="Table 31"/>
-          <p:cNvGraphicFramePr>
-            <a:graphicFrameLocks noGrp="1"/>
-          </p:cNvGraphicFramePr>
-          <p:nvPr>
-            <p:extLst>
-              <p:ext uri="{D42A27DB-BD31-4B8C-83A1-F6EECF244321}">
-                <p14:modId xmlns:p14="http://schemas.microsoft.com/office/powerpoint/2010/main" val="729717870"/>
-              </p:ext>
-            </p:extLst>
-          </p:nvPr>
-        </p:nvGraphicFramePr>
-        <p:xfrm>
-          <a:off x="1462162" y="3949700"/>
-          <a:ext cx="932267" cy="741680"/>
-        </p:xfrm>
-        <a:graphic>
-          <a:graphicData uri="http://schemas.openxmlformats.org/drawingml/2006/table">
-            <a:tbl>
-              <a:tblPr firstRow="1" bandRow="1">
-                <a:tableStyleId>{5A111915-BE36-4E01-A7E5-04B1672EAD32}</a:tableStyleId>
-              </a:tblPr>
-              <a:tblGrid>
-                <a:gridCol w="932267">
-                  <a:extLst>
-                    <a:ext uri="{9D8B030D-6E8A-4147-A177-3AD203B41FA5}">
-                      <a16:colId xmlns:a16="http://schemas.microsoft.com/office/drawing/2014/main" val="20000"/>
-                    </a:ext>
-                  </a:extLst>
-                </a:gridCol>
-              </a:tblGrid>
-              <a:tr h="370840">
-                <a:tc>
-                  <a:txBody>
-                    <a:bodyPr/>
-                    <a:lstStyle/>
-                    <a:p>
-                      <a:r>
-                        <a:rPr lang="en-US" sz="1200" dirty="0"/>
-                        <a:t>Studio</a:t>
-                      </a:r>
-                    </a:p>
-                  </a:txBody>
-                  <a:tcPr>
-                    <a:lnL w="12700" cap="flat" cmpd="sng" algn="ctr">
-                      <a:solidFill>
-                        <a:schemeClr val="tx1"/>
-                      </a:solidFill>
-                      <a:prstDash val="solid"/>
-                      <a:round/>
-                      <a:headEnd type="none" w="med" len="med"/>
-                      <a:tailEnd type="none" w="med" len="med"/>
-                    </a:lnL>
-                    <a:lnR w="12700" cap="flat" cmpd="sng" algn="ctr">
-                      <a:solidFill>
-                        <a:schemeClr val="tx1"/>
-                      </a:solidFill>
-                      <a:prstDash val="solid"/>
-                      <a:round/>
-                      <a:headEnd type="none" w="med" len="med"/>
-                      <a:tailEnd type="none" w="med" len="med"/>
-                    </a:lnR>
-                    <a:lnT w="12700" cap="flat" cmpd="sng" algn="ctr">
-                      <a:solidFill>
-                        <a:schemeClr val="tx1"/>
-                      </a:solidFill>
-                      <a:prstDash val="solid"/>
-                      <a:round/>
-                      <a:headEnd type="none" w="med" len="med"/>
-                      <a:tailEnd type="none" w="med" len="med"/>
-                    </a:lnT>
-                    <a:lnB w="12700" cap="flat" cmpd="sng" algn="ctr">
-                      <a:solidFill>
-                        <a:schemeClr val="tx1"/>
-                      </a:solidFill>
-                      <a:prstDash val="solid"/>
-                      <a:round/>
-                      <a:headEnd type="none" w="med" len="med"/>
-                      <a:tailEnd type="none" w="med" len="med"/>
-                    </a:lnB>
-                    <a:solidFill>
-                      <a:schemeClr val="accent6">
-                        <a:lumMod val="75000"/>
-                      </a:schemeClr>
-                    </a:solidFill>
-                  </a:tcPr>
-                </a:tc>
-                <a:extLst>
-                  <a:ext uri="{0D108BD9-81ED-4DB2-BD59-A6C34878D82A}">
-                    <a16:rowId xmlns:a16="http://schemas.microsoft.com/office/drawing/2014/main" val="10000"/>
-                  </a:ext>
-                </a:extLst>
-              </a:tr>
-              <a:tr h="370840">
-                <a:tc>
-                  <a:txBody>
-                    <a:bodyPr/>
-                    <a:lstStyle/>
-                    <a:p>
-                      <a:r>
-                        <a:rPr lang="en-US" sz="1200" dirty="0"/>
-                        <a:t>Titles</a:t>
-                      </a:r>
-                    </a:p>
-                  </a:txBody>
-                  <a:tcPr>
-                    <a:lnL w="12700" cap="flat" cmpd="sng" algn="ctr">
-                      <a:solidFill>
-                        <a:schemeClr val="tx1"/>
-                      </a:solidFill>
-                      <a:prstDash val="solid"/>
-                      <a:round/>
-                      <a:headEnd type="none" w="med" len="med"/>
-                      <a:tailEnd type="none" w="med" len="med"/>
-                    </a:lnL>
-                    <a:lnR w="12700" cap="flat" cmpd="sng" algn="ctr">
-                      <a:solidFill>
-                        <a:schemeClr val="tx1"/>
-                      </a:solidFill>
-                      <a:prstDash val="solid"/>
-                      <a:round/>
-                      <a:headEnd type="none" w="med" len="med"/>
-                      <a:tailEnd type="none" w="med" len="med"/>
-                    </a:lnR>
-                    <a:lnT w="12700" cap="flat" cmpd="sng" algn="ctr">
-                      <a:solidFill>
-                        <a:schemeClr val="tx1"/>
-                      </a:solidFill>
-                      <a:prstDash val="solid"/>
-                      <a:round/>
-                      <a:headEnd type="none" w="med" len="med"/>
-                      <a:tailEnd type="none" w="med" len="med"/>
-                    </a:lnT>
-                    <a:lnB w="12700" cap="flat" cmpd="sng" algn="ctr">
-                      <a:solidFill>
-                        <a:schemeClr val="tx1"/>
-                      </a:solidFill>
-                      <a:prstDash val="solid"/>
-                      <a:round/>
-                      <a:headEnd type="none" w="med" len="med"/>
-                      <a:tailEnd type="none" w="med" len="med"/>
-                    </a:lnB>
-                  </a:tcPr>
-                </a:tc>
-                <a:extLst>
-                  <a:ext uri="{0D108BD9-81ED-4DB2-BD59-A6C34878D82A}">
-                    <a16:rowId xmlns:a16="http://schemas.microsoft.com/office/drawing/2014/main" val="10001"/>
-                  </a:ext>
-                </a:extLst>
-              </a:tr>
-            </a:tbl>
-          </a:graphicData>
-        </a:graphic>
-      </p:graphicFrame>
-      <p:graphicFrame>
-        <p:nvGraphicFramePr>
-          <p:cNvPr id="33" name="Table 32"/>
-          <p:cNvGraphicFramePr>
-            <a:graphicFrameLocks noGrp="1"/>
-          </p:cNvGraphicFramePr>
-          <p:nvPr>
-            <p:extLst>
-              <p:ext uri="{D42A27DB-BD31-4B8C-83A1-F6EECF244321}">
-                <p14:modId xmlns:p14="http://schemas.microsoft.com/office/powerpoint/2010/main" val="2123855038"/>
-              </p:ext>
-            </p:extLst>
-          </p:nvPr>
-        </p:nvGraphicFramePr>
-        <p:xfrm>
-          <a:off x="2702152" y="2484236"/>
-          <a:ext cx="3142388" cy="2285883"/>
-        </p:xfrm>
-        <a:graphic>
-          <a:graphicData uri="http://schemas.openxmlformats.org/drawingml/2006/table">
-            <a:tbl>
-              <a:tblPr firstRow="1" bandRow="1">
-                <a:tableStyleId>{5A111915-BE36-4E01-A7E5-04B1672EAD32}</a:tableStyleId>
-              </a:tblPr>
-              <a:tblGrid>
-                <a:gridCol w="3142388">
-                  <a:extLst>
-                    <a:ext uri="{9D8B030D-6E8A-4147-A177-3AD203B41FA5}">
-                      <a16:colId xmlns:a16="http://schemas.microsoft.com/office/drawing/2014/main" val="20000"/>
-                    </a:ext>
-                  </a:extLst>
-                </a:gridCol>
-              </a:tblGrid>
-              <a:tr h="399346">
-                <a:tc>
-                  <a:txBody>
-                    <a:bodyPr/>
-                    <a:lstStyle/>
-                    <a:p>
-                      <a:r>
-                        <a:rPr lang="en-US" sz="2000" b="1" kern="1200" dirty="0">
-                          <a:solidFill>
-                            <a:schemeClr val="bg1"/>
-                          </a:solidFill>
-                          <a:latin typeface="+mn-lt"/>
-                          <a:ea typeface="+mn-ea"/>
-                          <a:cs typeface="+mn-cs"/>
-                        </a:rPr>
-                        <a:t>Movie</a:t>
-                      </a:r>
-                    </a:p>
-                  </a:txBody>
-                  <a:tcPr>
-                    <a:lnL w="12700" cap="flat" cmpd="sng" algn="ctr">
-                      <a:solidFill>
-                        <a:schemeClr val="tx1"/>
-                      </a:solidFill>
-                      <a:prstDash val="solid"/>
-                      <a:round/>
-                      <a:headEnd type="none" w="med" len="med"/>
-                      <a:tailEnd type="none" w="med" len="med"/>
-                    </a:lnL>
-                    <a:lnR w="12700" cap="flat" cmpd="sng" algn="ctr">
-                      <a:solidFill>
-                        <a:schemeClr val="tx1"/>
-                      </a:solidFill>
-                      <a:prstDash val="solid"/>
-                      <a:round/>
-                      <a:headEnd type="none" w="med" len="med"/>
-                      <a:tailEnd type="none" w="med" len="med"/>
-                    </a:lnR>
-                    <a:lnT w="12700" cap="flat" cmpd="sng" algn="ctr">
-                      <a:solidFill>
-                        <a:schemeClr val="tx1"/>
-                      </a:solidFill>
-                      <a:prstDash val="solid"/>
-                      <a:round/>
-                      <a:headEnd type="none" w="med" len="med"/>
-                      <a:tailEnd type="none" w="med" len="med"/>
-                    </a:lnT>
-                    <a:lnB w="12700" cap="flat" cmpd="sng" algn="ctr">
-                      <a:solidFill>
-                        <a:schemeClr val="tx1"/>
-                      </a:solidFill>
-                      <a:prstDash val="solid"/>
-                      <a:round/>
-                      <a:headEnd type="none" w="med" len="med"/>
-                      <a:tailEnd type="none" w="med" len="med"/>
-                    </a:lnB>
-                    <a:solidFill>
-                      <a:srgbClr val="EC14F1"/>
-                    </a:solidFill>
-                  </a:tcPr>
-                </a:tc>
-                <a:extLst>
-                  <a:ext uri="{0D108BD9-81ED-4DB2-BD59-A6C34878D82A}">
-                    <a16:rowId xmlns:a16="http://schemas.microsoft.com/office/drawing/2014/main" val="10000"/>
-                  </a:ext>
-                </a:extLst>
-              </a:tr>
-              <a:tr h="307189">
-                <a:tc>
-                  <a:txBody>
-                    <a:bodyPr/>
-                    <a:lstStyle/>
-                    <a:p>
-                      <a:r>
-                        <a:rPr lang="en-US" sz="1400" dirty="0"/>
-                        <a:t>Title</a:t>
-                      </a:r>
-                    </a:p>
-                  </a:txBody>
-                  <a:tcPr>
-                    <a:lnL w="12700" cap="flat" cmpd="sng" algn="ctr">
-                      <a:solidFill>
-                        <a:schemeClr val="tx1"/>
-                      </a:solidFill>
-                      <a:prstDash val="solid"/>
-                      <a:round/>
-                      <a:headEnd type="none" w="med" len="med"/>
-                      <a:tailEnd type="none" w="med" len="med"/>
-                    </a:lnL>
-                    <a:lnR w="12700" cap="flat" cmpd="sng" algn="ctr">
-                      <a:solidFill>
-                        <a:schemeClr val="tx1"/>
-                      </a:solidFill>
-                      <a:prstDash val="solid"/>
-                      <a:round/>
-                      <a:headEnd type="none" w="med" len="med"/>
-                      <a:tailEnd type="none" w="med" len="med"/>
-                    </a:lnR>
-                    <a:lnT w="12700" cap="flat" cmpd="sng" algn="ctr">
-                      <a:solidFill>
-                        <a:schemeClr val="tx1"/>
-                      </a:solidFill>
-                      <a:prstDash val="solid"/>
-                      <a:round/>
-                      <a:headEnd type="none" w="med" len="med"/>
-                      <a:tailEnd type="none" w="med" len="med"/>
-                    </a:lnT>
-                    <a:lnB w="12700" cap="flat" cmpd="sng" algn="ctr">
-                      <a:solidFill>
-                        <a:schemeClr val="tx1"/>
-                      </a:solidFill>
-                      <a:prstDash val="solid"/>
-                      <a:round/>
-                      <a:headEnd type="none" w="med" len="med"/>
-                      <a:tailEnd type="none" w="med" len="med"/>
-                    </a:lnB>
-                  </a:tcPr>
-                </a:tc>
-                <a:extLst>
-                  <a:ext uri="{0D108BD9-81ED-4DB2-BD59-A6C34878D82A}">
-                    <a16:rowId xmlns:a16="http://schemas.microsoft.com/office/drawing/2014/main" val="10001"/>
-                  </a:ext>
-                </a:extLst>
-              </a:tr>
-              <a:tr h="307189">
-                <a:tc>
-                  <a:txBody>
-                    <a:bodyPr/>
-                    <a:lstStyle/>
-                    <a:p>
-                      <a:r>
-                        <a:rPr lang="en-US" sz="1400" dirty="0"/>
-                        <a:t>Year</a:t>
-                      </a:r>
-                    </a:p>
-                  </a:txBody>
-                  <a:tcPr>
-                    <a:lnL w="12700" cap="flat" cmpd="sng" algn="ctr">
-                      <a:solidFill>
-                        <a:schemeClr val="tx1"/>
-                      </a:solidFill>
-                      <a:prstDash val="solid"/>
-                      <a:round/>
-                      <a:headEnd type="none" w="med" len="med"/>
-                      <a:tailEnd type="none" w="med" len="med"/>
-                    </a:lnL>
-                    <a:lnR w="12700" cap="flat" cmpd="sng" algn="ctr">
-                      <a:solidFill>
-                        <a:schemeClr val="tx1"/>
-                      </a:solidFill>
-                      <a:prstDash val="solid"/>
-                      <a:round/>
-                      <a:headEnd type="none" w="med" len="med"/>
-                      <a:tailEnd type="none" w="med" len="med"/>
-                    </a:lnR>
-                    <a:lnT w="12700" cap="flat" cmpd="sng" algn="ctr">
-                      <a:solidFill>
-                        <a:schemeClr val="tx1"/>
-                      </a:solidFill>
-                      <a:prstDash val="solid"/>
-                      <a:round/>
-                      <a:headEnd type="none" w="med" len="med"/>
-                      <a:tailEnd type="none" w="med" len="med"/>
-                    </a:lnT>
-                    <a:lnB w="12700" cap="flat" cmpd="sng" algn="ctr">
-                      <a:solidFill>
-                        <a:schemeClr val="tx1"/>
-                      </a:solidFill>
-                      <a:prstDash val="solid"/>
-                      <a:round/>
-                      <a:headEnd type="none" w="med" len="med"/>
-                      <a:tailEnd type="none" w="med" len="med"/>
-                    </a:lnB>
-                  </a:tcPr>
-                </a:tc>
-                <a:extLst>
-                  <a:ext uri="{0D108BD9-81ED-4DB2-BD59-A6C34878D82A}">
-                    <a16:rowId xmlns:a16="http://schemas.microsoft.com/office/drawing/2014/main" val="10002"/>
-                  </a:ext>
-                </a:extLst>
-              </a:tr>
-              <a:tr h="307189">
-                <a:tc>
-                  <a:txBody>
-                    <a:bodyPr/>
-                    <a:lstStyle/>
-                    <a:p>
-                      <a:r>
-                        <a:rPr lang="en-US" sz="1400" dirty="0"/>
-                        <a:t>Genre</a:t>
-                      </a:r>
-                    </a:p>
-                  </a:txBody>
-                  <a:tcPr>
-                    <a:lnL w="12700" cap="flat" cmpd="sng" algn="ctr">
-                      <a:solidFill>
-                        <a:schemeClr val="tx1"/>
-                      </a:solidFill>
-                      <a:prstDash val="solid"/>
-                      <a:round/>
-                      <a:headEnd type="none" w="med" len="med"/>
-                      <a:tailEnd type="none" w="med" len="med"/>
-                    </a:lnL>
-                    <a:lnR w="12700" cap="flat" cmpd="sng" algn="ctr">
-                      <a:solidFill>
-                        <a:schemeClr val="tx1"/>
-                      </a:solidFill>
-                      <a:prstDash val="solid"/>
-                      <a:round/>
-                      <a:headEnd type="none" w="med" len="med"/>
-                      <a:tailEnd type="none" w="med" len="med"/>
-                    </a:lnR>
-                    <a:lnT w="12700" cap="flat" cmpd="sng" algn="ctr">
-                      <a:solidFill>
-                        <a:schemeClr val="tx1"/>
-                      </a:solidFill>
-                      <a:prstDash val="solid"/>
-                      <a:round/>
-                      <a:headEnd type="none" w="med" len="med"/>
-                      <a:tailEnd type="none" w="med" len="med"/>
-                    </a:lnT>
-                    <a:lnB w="12700" cap="flat" cmpd="sng" algn="ctr">
-                      <a:solidFill>
-                        <a:schemeClr val="tx1"/>
-                      </a:solidFill>
-                      <a:prstDash val="solid"/>
-                      <a:round/>
-                      <a:headEnd type="none" w="med" len="med"/>
-                      <a:tailEnd type="none" w="med" len="med"/>
-                    </a:lnB>
-                  </a:tcPr>
-                </a:tc>
-                <a:extLst>
-                  <a:ext uri="{0D108BD9-81ED-4DB2-BD59-A6C34878D82A}">
-                    <a16:rowId xmlns:a16="http://schemas.microsoft.com/office/drawing/2014/main" val="10003"/>
-                  </a:ext>
-                </a:extLst>
-              </a:tr>
-              <a:tr h="964970">
-                <a:tc>
-                  <a:txBody>
-                    <a:bodyPr/>
-                    <a:lstStyle/>
-                    <a:p>
-                      <a:endParaRPr lang="en-US" sz="1400" dirty="0"/>
-                    </a:p>
-                  </a:txBody>
-                  <a:tcPr>
-                    <a:lnL w="12700" cap="flat" cmpd="sng" algn="ctr">
-                      <a:solidFill>
-                        <a:schemeClr val="tx1"/>
-                      </a:solidFill>
-                      <a:prstDash val="solid"/>
-                      <a:round/>
-                      <a:headEnd type="none" w="med" len="med"/>
-                      <a:tailEnd type="none" w="med" len="med"/>
-                    </a:lnL>
-                    <a:lnR w="12700" cap="flat" cmpd="sng" algn="ctr">
-                      <a:solidFill>
-                        <a:schemeClr val="tx1"/>
-                      </a:solidFill>
-                      <a:prstDash val="solid"/>
-                      <a:round/>
-                      <a:headEnd type="none" w="med" len="med"/>
-                      <a:tailEnd type="none" w="med" len="med"/>
-                    </a:lnR>
-                    <a:lnT w="12700" cap="flat" cmpd="sng" algn="ctr">
-                      <a:solidFill>
-                        <a:schemeClr val="tx1"/>
-                      </a:solidFill>
-                      <a:prstDash val="solid"/>
-                      <a:round/>
-                      <a:headEnd type="none" w="med" len="med"/>
-                      <a:tailEnd type="none" w="med" len="med"/>
-                    </a:lnT>
-                    <a:lnB w="12700" cap="flat" cmpd="sng" algn="ctr">
-                      <a:solidFill>
-                        <a:schemeClr val="tx1"/>
-                      </a:solidFill>
-                      <a:prstDash val="solid"/>
-                      <a:round/>
-                      <a:headEnd type="none" w="med" len="med"/>
-                      <a:tailEnd type="none" w="med" len="med"/>
-                    </a:lnB>
-                  </a:tcPr>
-                </a:tc>
-                <a:extLst>
-                  <a:ext uri="{0D108BD9-81ED-4DB2-BD59-A6C34878D82A}">
-                    <a16:rowId xmlns:a16="http://schemas.microsoft.com/office/drawing/2014/main" val="10004"/>
-                  </a:ext>
-                </a:extLst>
-              </a:tr>
-            </a:tbl>
-          </a:graphicData>
-        </a:graphic>
-      </p:graphicFrame>
-      <p:graphicFrame>
-        <p:nvGraphicFramePr>
-          <p:cNvPr id="34" name="Table 33"/>
-          <p:cNvGraphicFramePr>
-            <a:graphicFrameLocks noGrp="1"/>
-          </p:cNvGraphicFramePr>
-          <p:nvPr>
-            <p:extLst>
-              <p:ext uri="{D42A27DB-BD31-4B8C-83A1-F6EECF244321}">
-                <p14:modId xmlns:p14="http://schemas.microsoft.com/office/powerpoint/2010/main" val="2970289359"/>
-              </p:ext>
-            </p:extLst>
-          </p:nvPr>
-        </p:nvGraphicFramePr>
-        <p:xfrm>
-          <a:off x="2765470" y="3939540"/>
-          <a:ext cx="932267" cy="741680"/>
-        </p:xfrm>
-        <a:graphic>
-          <a:graphicData uri="http://schemas.openxmlformats.org/drawingml/2006/table">
-            <a:tbl>
-              <a:tblPr firstRow="1" bandRow="1">
-                <a:tableStyleId>{5A111915-BE36-4E01-A7E5-04B1672EAD32}</a:tableStyleId>
-              </a:tblPr>
-              <a:tblGrid>
-                <a:gridCol w="932267">
-                  <a:extLst>
-                    <a:ext uri="{9D8B030D-6E8A-4147-A177-3AD203B41FA5}">
-                      <a16:colId xmlns:a16="http://schemas.microsoft.com/office/drawing/2014/main" val="20000"/>
-                    </a:ext>
-                  </a:extLst>
-                </a:gridCol>
-              </a:tblGrid>
-              <a:tr h="370840">
-                <a:tc>
-                  <a:txBody>
-                    <a:bodyPr/>
-                    <a:lstStyle/>
-                    <a:p>
-                      <a:r>
-                        <a:rPr lang="en-US" sz="1200" dirty="0"/>
-                        <a:t>Studio</a:t>
-                      </a:r>
-                    </a:p>
-                  </a:txBody>
-                  <a:tcPr>
-                    <a:lnL w="12700" cap="flat" cmpd="sng" algn="ctr">
-                      <a:solidFill>
-                        <a:schemeClr val="tx1"/>
-                      </a:solidFill>
-                      <a:prstDash val="solid"/>
-                      <a:round/>
-                      <a:headEnd type="none" w="med" len="med"/>
-                      <a:tailEnd type="none" w="med" len="med"/>
-                    </a:lnL>
-                    <a:lnR w="12700" cap="flat" cmpd="sng" algn="ctr">
-                      <a:solidFill>
-                        <a:schemeClr val="tx1"/>
-                      </a:solidFill>
-                      <a:prstDash val="solid"/>
-                      <a:round/>
-                      <a:headEnd type="none" w="med" len="med"/>
-                      <a:tailEnd type="none" w="med" len="med"/>
-                    </a:lnR>
-                    <a:lnT w="12700" cap="flat" cmpd="sng" algn="ctr">
-                      <a:solidFill>
-                        <a:schemeClr val="tx1"/>
-                      </a:solidFill>
-                      <a:prstDash val="solid"/>
-                      <a:round/>
-                      <a:headEnd type="none" w="med" len="med"/>
-                      <a:tailEnd type="none" w="med" len="med"/>
-                    </a:lnT>
-                    <a:lnB w="12700" cap="flat" cmpd="sng" algn="ctr">
-                      <a:solidFill>
-                        <a:schemeClr val="tx1"/>
-                      </a:solidFill>
-                      <a:prstDash val="solid"/>
-                      <a:round/>
-                      <a:headEnd type="none" w="med" len="med"/>
-                      <a:tailEnd type="none" w="med" len="med"/>
-                    </a:lnB>
-                    <a:solidFill>
-                      <a:schemeClr val="accent6">
-                        <a:lumMod val="75000"/>
-                      </a:schemeClr>
-                    </a:solidFill>
-                  </a:tcPr>
-                </a:tc>
-                <a:extLst>
-                  <a:ext uri="{0D108BD9-81ED-4DB2-BD59-A6C34878D82A}">
-                    <a16:rowId xmlns:a16="http://schemas.microsoft.com/office/drawing/2014/main" val="10000"/>
-                  </a:ext>
-                </a:extLst>
-              </a:tr>
-              <a:tr h="370840">
-                <a:tc>
-                  <a:txBody>
-                    <a:bodyPr/>
-                    <a:lstStyle/>
-                    <a:p>
-                      <a:r>
-                        <a:rPr lang="en-US" sz="1200" dirty="0"/>
-                        <a:t>Titles</a:t>
-                      </a:r>
-                    </a:p>
-                  </a:txBody>
-                  <a:tcPr>
-                    <a:lnL w="12700" cap="flat" cmpd="sng" algn="ctr">
-                      <a:solidFill>
-                        <a:schemeClr val="tx1"/>
-                      </a:solidFill>
-                      <a:prstDash val="solid"/>
-                      <a:round/>
-                      <a:headEnd type="none" w="med" len="med"/>
-                      <a:tailEnd type="none" w="med" len="med"/>
-                    </a:lnL>
-                    <a:lnR w="12700" cap="flat" cmpd="sng" algn="ctr">
-                      <a:solidFill>
-                        <a:schemeClr val="tx1"/>
-                      </a:solidFill>
-                      <a:prstDash val="solid"/>
-                      <a:round/>
-                      <a:headEnd type="none" w="med" len="med"/>
-                      <a:tailEnd type="none" w="med" len="med"/>
-                    </a:lnR>
-                    <a:lnT w="12700" cap="flat" cmpd="sng" algn="ctr">
-                      <a:solidFill>
-                        <a:schemeClr val="tx1"/>
-                      </a:solidFill>
-                      <a:prstDash val="solid"/>
-                      <a:round/>
-                      <a:headEnd type="none" w="med" len="med"/>
-                      <a:tailEnd type="none" w="med" len="med"/>
-                    </a:lnT>
-                    <a:lnB w="12700" cap="flat" cmpd="sng" algn="ctr">
-                      <a:solidFill>
-                        <a:schemeClr val="tx1"/>
-                      </a:solidFill>
-                      <a:prstDash val="solid"/>
-                      <a:round/>
-                      <a:headEnd type="none" w="med" len="med"/>
-                      <a:tailEnd type="none" w="med" len="med"/>
-                    </a:lnB>
-                  </a:tcPr>
-                </a:tc>
-                <a:extLst>
-                  <a:ext uri="{0D108BD9-81ED-4DB2-BD59-A6C34878D82A}">
-                    <a16:rowId xmlns:a16="http://schemas.microsoft.com/office/drawing/2014/main" val="10001"/>
-                  </a:ext>
-                </a:extLst>
-              </a:tr>
-            </a:tbl>
-          </a:graphicData>
-        </a:graphic>
-      </p:graphicFrame>
-      <p:graphicFrame>
-        <p:nvGraphicFramePr>
-          <p:cNvPr id="35" name="Table 34"/>
-          <p:cNvGraphicFramePr>
-            <a:graphicFrameLocks noGrp="1"/>
-          </p:cNvGraphicFramePr>
-          <p:nvPr>
-            <p:extLst>
-              <p:ext uri="{D42A27DB-BD31-4B8C-83A1-F6EECF244321}">
-                <p14:modId xmlns:p14="http://schemas.microsoft.com/office/powerpoint/2010/main" val="3781036081"/>
-              </p:ext>
-            </p:extLst>
-          </p:nvPr>
-        </p:nvGraphicFramePr>
-        <p:xfrm>
-          <a:off x="3826399" y="3959860"/>
-          <a:ext cx="932267" cy="741680"/>
-        </p:xfrm>
-        <a:graphic>
-          <a:graphicData uri="http://schemas.openxmlformats.org/drawingml/2006/table">
-            <a:tbl>
-              <a:tblPr firstRow="1" bandRow="1">
-                <a:tableStyleId>{5A111915-BE36-4E01-A7E5-04B1672EAD32}</a:tableStyleId>
-              </a:tblPr>
-              <a:tblGrid>
-                <a:gridCol w="932267">
-                  <a:extLst>
-                    <a:ext uri="{9D8B030D-6E8A-4147-A177-3AD203B41FA5}">
-                      <a16:colId xmlns:a16="http://schemas.microsoft.com/office/drawing/2014/main" val="20000"/>
-                    </a:ext>
-                  </a:extLst>
-                </a:gridCol>
-              </a:tblGrid>
-              <a:tr h="370840">
-                <a:tc>
-                  <a:txBody>
-                    <a:bodyPr/>
-                    <a:lstStyle/>
-                    <a:p>
-                      <a:r>
-                        <a:rPr lang="en-US" sz="1200" dirty="0"/>
-                        <a:t>Studio</a:t>
-                      </a:r>
-                    </a:p>
-                  </a:txBody>
-                  <a:tcPr>
-                    <a:lnL w="12700" cap="flat" cmpd="sng" algn="ctr">
-                      <a:solidFill>
-                        <a:schemeClr val="tx1"/>
-                      </a:solidFill>
-                      <a:prstDash val="solid"/>
-                      <a:round/>
-                      <a:headEnd type="none" w="med" len="med"/>
-                      <a:tailEnd type="none" w="med" len="med"/>
-                    </a:lnL>
-                    <a:lnR w="12700" cap="flat" cmpd="sng" algn="ctr">
-                      <a:solidFill>
-                        <a:schemeClr val="tx1"/>
-                      </a:solidFill>
-                      <a:prstDash val="solid"/>
-                      <a:round/>
-                      <a:headEnd type="none" w="med" len="med"/>
-                      <a:tailEnd type="none" w="med" len="med"/>
-                    </a:lnR>
-                    <a:lnT w="12700" cap="flat" cmpd="sng" algn="ctr">
-                      <a:solidFill>
-                        <a:schemeClr val="tx1"/>
-                      </a:solidFill>
-                      <a:prstDash val="solid"/>
-                      <a:round/>
-                      <a:headEnd type="none" w="med" len="med"/>
-                      <a:tailEnd type="none" w="med" len="med"/>
-                    </a:lnT>
-                    <a:lnB w="12700" cap="flat" cmpd="sng" algn="ctr">
-                      <a:solidFill>
-                        <a:schemeClr val="tx1"/>
-                      </a:solidFill>
-                      <a:prstDash val="solid"/>
-                      <a:round/>
-                      <a:headEnd type="none" w="med" len="med"/>
-                      <a:tailEnd type="none" w="med" len="med"/>
-                    </a:lnB>
-                    <a:solidFill>
-                      <a:schemeClr val="accent6">
-                        <a:lumMod val="75000"/>
-                      </a:schemeClr>
-                    </a:solidFill>
-                  </a:tcPr>
-                </a:tc>
-                <a:extLst>
-                  <a:ext uri="{0D108BD9-81ED-4DB2-BD59-A6C34878D82A}">
-                    <a16:rowId xmlns:a16="http://schemas.microsoft.com/office/drawing/2014/main" val="10000"/>
-                  </a:ext>
-                </a:extLst>
-              </a:tr>
-              <a:tr h="370840">
-                <a:tc>
-                  <a:txBody>
-                    <a:bodyPr/>
-                    <a:lstStyle/>
-                    <a:p>
-                      <a:r>
-                        <a:rPr lang="en-US" sz="1200" dirty="0"/>
-                        <a:t>Titles</a:t>
-                      </a:r>
-                    </a:p>
-                  </a:txBody>
-                  <a:tcPr>
-                    <a:lnL w="12700" cap="flat" cmpd="sng" algn="ctr">
-                      <a:solidFill>
-                        <a:schemeClr val="tx1"/>
-                      </a:solidFill>
-                      <a:prstDash val="solid"/>
-                      <a:round/>
-                      <a:headEnd type="none" w="med" len="med"/>
-                      <a:tailEnd type="none" w="med" len="med"/>
-                    </a:lnL>
-                    <a:lnR w="12700" cap="flat" cmpd="sng" algn="ctr">
-                      <a:solidFill>
-                        <a:schemeClr val="tx1"/>
-                      </a:solidFill>
-                      <a:prstDash val="solid"/>
-                      <a:round/>
-                      <a:headEnd type="none" w="med" len="med"/>
-                      <a:tailEnd type="none" w="med" len="med"/>
-                    </a:lnR>
-                    <a:lnT w="12700" cap="flat" cmpd="sng" algn="ctr">
-                      <a:solidFill>
-                        <a:schemeClr val="tx1"/>
-                      </a:solidFill>
-                      <a:prstDash val="solid"/>
-                      <a:round/>
-                      <a:headEnd type="none" w="med" len="med"/>
-                      <a:tailEnd type="none" w="med" len="med"/>
-                    </a:lnT>
-                    <a:lnB w="12700" cap="flat" cmpd="sng" algn="ctr">
-                      <a:solidFill>
-                        <a:schemeClr val="tx1"/>
-                      </a:solidFill>
-                      <a:prstDash val="solid"/>
-                      <a:round/>
-                      <a:headEnd type="none" w="med" len="med"/>
-                      <a:tailEnd type="none" w="med" len="med"/>
-                    </a:lnB>
-                  </a:tcPr>
-                </a:tc>
-                <a:extLst>
-                  <a:ext uri="{0D108BD9-81ED-4DB2-BD59-A6C34878D82A}">
-                    <a16:rowId xmlns:a16="http://schemas.microsoft.com/office/drawing/2014/main" val="10001"/>
-                  </a:ext>
-                </a:extLst>
-              </a:tr>
-            </a:tbl>
-          </a:graphicData>
-        </a:graphic>
-      </p:graphicFrame>
-      <p:graphicFrame>
-        <p:nvGraphicFramePr>
-          <p:cNvPr id="36" name="Table 35"/>
-          <p:cNvGraphicFramePr>
-            <a:graphicFrameLocks noGrp="1"/>
-          </p:cNvGraphicFramePr>
-          <p:nvPr>
-            <p:extLst>
-              <p:ext uri="{D42A27DB-BD31-4B8C-83A1-F6EECF244321}">
-                <p14:modId xmlns:p14="http://schemas.microsoft.com/office/powerpoint/2010/main" val="2751481308"/>
-              </p:ext>
-            </p:extLst>
-          </p:nvPr>
-        </p:nvGraphicFramePr>
-        <p:xfrm>
-          <a:off x="6017355" y="2504556"/>
-          <a:ext cx="1259745" cy="2288424"/>
-        </p:xfrm>
-        <a:graphic>
-          <a:graphicData uri="http://schemas.openxmlformats.org/drawingml/2006/table">
-            <a:tbl>
-              <a:tblPr firstRow="1" bandRow="1">
-                <a:tableStyleId>{5A111915-BE36-4E01-A7E5-04B1672EAD32}</a:tableStyleId>
-              </a:tblPr>
-              <a:tblGrid>
-                <a:gridCol w="1259745">
-                  <a:extLst>
-                    <a:ext uri="{9D8B030D-6E8A-4147-A177-3AD203B41FA5}">
-                      <a16:colId xmlns:a16="http://schemas.microsoft.com/office/drawing/2014/main" val="20000"/>
-                    </a:ext>
-                  </a:extLst>
-                </a:gridCol>
-              </a:tblGrid>
-              <a:tr h="316509">
-                <a:tc>
-                  <a:txBody>
-                    <a:bodyPr/>
-                    <a:lstStyle/>
-                    <a:p>
-                      <a:r>
-                        <a:rPr lang="en-US" sz="2000" b="1" kern="1200" dirty="0">
-                          <a:solidFill>
-                            <a:schemeClr val="bg1"/>
-                          </a:solidFill>
-                          <a:latin typeface="+mn-lt"/>
-                          <a:ea typeface="+mn-ea"/>
-                          <a:cs typeface="+mn-cs"/>
-                        </a:rPr>
-                        <a:t>Movie</a:t>
-                      </a:r>
-                    </a:p>
-                  </a:txBody>
-                  <a:tcPr>
-                    <a:lnL w="12700" cap="flat" cmpd="sng" algn="ctr">
-                      <a:solidFill>
-                        <a:schemeClr val="tx1"/>
-                      </a:solidFill>
-                      <a:prstDash val="solid"/>
-                      <a:round/>
-                      <a:headEnd type="none" w="med" len="med"/>
-                      <a:tailEnd type="none" w="med" len="med"/>
-                    </a:lnL>
-                    <a:lnR w="12700" cap="flat" cmpd="sng" algn="ctr">
-                      <a:solidFill>
-                        <a:schemeClr val="tx1"/>
-                      </a:solidFill>
-                      <a:prstDash val="solid"/>
-                      <a:round/>
-                      <a:headEnd type="none" w="med" len="med"/>
-                      <a:tailEnd type="none" w="med" len="med"/>
-                    </a:lnR>
-                    <a:lnT w="12700" cap="flat" cmpd="sng" algn="ctr">
-                      <a:solidFill>
-                        <a:schemeClr val="tx1"/>
-                      </a:solidFill>
-                      <a:prstDash val="solid"/>
-                      <a:round/>
-                      <a:headEnd type="none" w="med" len="med"/>
-                      <a:tailEnd type="none" w="med" len="med"/>
-                    </a:lnT>
-                    <a:lnB w="12700" cap="flat" cmpd="sng" algn="ctr">
-                      <a:solidFill>
-                        <a:schemeClr val="tx1"/>
-                      </a:solidFill>
-                      <a:prstDash val="solid"/>
-                      <a:round/>
-                      <a:headEnd type="none" w="med" len="med"/>
-                      <a:tailEnd type="none" w="med" len="med"/>
-                    </a:lnB>
-                    <a:solidFill>
-                      <a:srgbClr val="EC14F1"/>
-                    </a:solidFill>
-                  </a:tcPr>
-                </a:tc>
-                <a:extLst>
-                  <a:ext uri="{0D108BD9-81ED-4DB2-BD59-A6C34878D82A}">
-                    <a16:rowId xmlns:a16="http://schemas.microsoft.com/office/drawing/2014/main" val="10000"/>
-                  </a:ext>
-                </a:extLst>
-              </a:tr>
-              <a:tr h="276744">
-                <a:tc>
-                  <a:txBody>
-                    <a:bodyPr/>
-                    <a:lstStyle/>
-                    <a:p>
-                      <a:r>
-                        <a:rPr lang="en-US" sz="1400" dirty="0"/>
-                        <a:t>Title</a:t>
-                      </a:r>
-                    </a:p>
-                  </a:txBody>
-                  <a:tcPr>
-                    <a:lnL w="12700" cap="flat" cmpd="sng" algn="ctr">
-                      <a:solidFill>
-                        <a:schemeClr val="tx1"/>
-                      </a:solidFill>
-                      <a:prstDash val="solid"/>
-                      <a:round/>
-                      <a:headEnd type="none" w="med" len="med"/>
-                      <a:tailEnd type="none" w="med" len="med"/>
-                    </a:lnL>
-                    <a:lnR w="12700" cap="flat" cmpd="sng" algn="ctr">
-                      <a:solidFill>
-                        <a:schemeClr val="tx1"/>
-                      </a:solidFill>
-                      <a:prstDash val="solid"/>
-                      <a:round/>
-                      <a:headEnd type="none" w="med" len="med"/>
-                      <a:tailEnd type="none" w="med" len="med"/>
-                    </a:lnR>
-                    <a:lnT w="12700" cap="flat" cmpd="sng" algn="ctr">
-                      <a:solidFill>
-                        <a:schemeClr val="tx1"/>
-                      </a:solidFill>
-                      <a:prstDash val="solid"/>
-                      <a:round/>
-                      <a:headEnd type="none" w="med" len="med"/>
-                      <a:tailEnd type="none" w="med" len="med"/>
-                    </a:lnT>
-                    <a:lnB w="12700" cap="flat" cmpd="sng" algn="ctr">
-                      <a:solidFill>
-                        <a:schemeClr val="tx1"/>
-                      </a:solidFill>
-                      <a:prstDash val="solid"/>
-                      <a:round/>
-                      <a:headEnd type="none" w="med" len="med"/>
-                      <a:tailEnd type="none" w="med" len="med"/>
-                    </a:lnB>
-                  </a:tcPr>
-                </a:tc>
-                <a:extLst>
-                  <a:ext uri="{0D108BD9-81ED-4DB2-BD59-A6C34878D82A}">
-                    <a16:rowId xmlns:a16="http://schemas.microsoft.com/office/drawing/2014/main" val="10001"/>
-                  </a:ext>
-                </a:extLst>
-              </a:tr>
-              <a:tr h="275591">
-                <a:tc>
-                  <a:txBody>
-                    <a:bodyPr/>
-                    <a:lstStyle/>
-                    <a:p>
-                      <a:r>
-                        <a:rPr lang="en-US" sz="1400" dirty="0"/>
-                        <a:t>Year</a:t>
-                      </a:r>
-                    </a:p>
-                  </a:txBody>
-                  <a:tcPr>
-                    <a:lnL w="12700" cap="flat" cmpd="sng" algn="ctr">
-                      <a:solidFill>
-                        <a:schemeClr val="tx1"/>
-                      </a:solidFill>
-                      <a:prstDash val="solid"/>
-                      <a:round/>
-                      <a:headEnd type="none" w="med" len="med"/>
-                      <a:tailEnd type="none" w="med" len="med"/>
-                    </a:lnL>
-                    <a:lnR w="12700" cap="flat" cmpd="sng" algn="ctr">
-                      <a:solidFill>
-                        <a:schemeClr val="tx1"/>
-                      </a:solidFill>
-                      <a:prstDash val="solid"/>
-                      <a:round/>
-                      <a:headEnd type="none" w="med" len="med"/>
-                      <a:tailEnd type="none" w="med" len="med"/>
-                    </a:lnR>
-                    <a:lnT w="12700" cap="flat" cmpd="sng" algn="ctr">
-                      <a:solidFill>
-                        <a:schemeClr val="tx1"/>
-                      </a:solidFill>
-                      <a:prstDash val="solid"/>
-                      <a:round/>
-                      <a:headEnd type="none" w="med" len="med"/>
-                      <a:tailEnd type="none" w="med" len="med"/>
-                    </a:lnT>
-                    <a:lnB w="12700" cap="flat" cmpd="sng" algn="ctr">
-                      <a:solidFill>
-                        <a:schemeClr val="tx1"/>
-                      </a:solidFill>
-                      <a:prstDash val="solid"/>
-                      <a:round/>
-                      <a:headEnd type="none" w="med" len="med"/>
-                      <a:tailEnd type="none" w="med" len="med"/>
-                    </a:lnB>
-                  </a:tcPr>
-                </a:tc>
-                <a:extLst>
-                  <a:ext uri="{0D108BD9-81ED-4DB2-BD59-A6C34878D82A}">
-                    <a16:rowId xmlns:a16="http://schemas.microsoft.com/office/drawing/2014/main" val="10002"/>
-                  </a:ext>
-                </a:extLst>
-              </a:tr>
-              <a:tr h="172838">
-                <a:tc>
-                  <a:txBody>
-                    <a:bodyPr/>
-                    <a:lstStyle/>
-                    <a:p>
-                      <a:r>
-                        <a:rPr lang="en-US" sz="1400" dirty="0"/>
-                        <a:t>Genre</a:t>
-                      </a:r>
-                    </a:p>
-                  </a:txBody>
-                  <a:tcPr>
-                    <a:lnL w="12700" cap="flat" cmpd="sng" algn="ctr">
-                      <a:solidFill>
-                        <a:schemeClr val="tx1"/>
-                      </a:solidFill>
-                      <a:prstDash val="solid"/>
-                      <a:round/>
-                      <a:headEnd type="none" w="med" len="med"/>
-                      <a:tailEnd type="none" w="med" len="med"/>
-                    </a:lnL>
-                    <a:lnR w="12700" cap="flat" cmpd="sng" algn="ctr">
-                      <a:solidFill>
-                        <a:schemeClr val="tx1"/>
-                      </a:solidFill>
-                      <a:prstDash val="solid"/>
-                      <a:round/>
-                      <a:headEnd type="none" w="med" len="med"/>
-                      <a:tailEnd type="none" w="med" len="med"/>
-                    </a:lnR>
-                    <a:lnT w="12700" cap="flat" cmpd="sng" algn="ctr">
-                      <a:solidFill>
-                        <a:schemeClr val="tx1"/>
-                      </a:solidFill>
-                      <a:prstDash val="solid"/>
-                      <a:round/>
-                      <a:headEnd type="none" w="med" len="med"/>
-                      <a:tailEnd type="none" w="med" len="med"/>
-                    </a:lnT>
-                    <a:lnB w="12700" cap="flat" cmpd="sng" algn="ctr">
-                      <a:solidFill>
-                        <a:schemeClr val="tx1"/>
-                      </a:solidFill>
-                      <a:prstDash val="solid"/>
-                      <a:round/>
-                      <a:headEnd type="none" w="med" len="med"/>
-                      <a:tailEnd type="none" w="med" len="med"/>
-                    </a:lnB>
-                  </a:tcPr>
-                </a:tc>
-                <a:extLst>
-                  <a:ext uri="{0D108BD9-81ED-4DB2-BD59-A6C34878D82A}">
-                    <a16:rowId xmlns:a16="http://schemas.microsoft.com/office/drawing/2014/main" val="10003"/>
-                  </a:ext>
-                </a:extLst>
-              </a:tr>
-              <a:tr h="977784">
-                <a:tc>
-                  <a:txBody>
-                    <a:bodyPr/>
-                    <a:lstStyle/>
-                    <a:p>
-                      <a:endParaRPr lang="en-US" sz="1400" dirty="0"/>
-                    </a:p>
-                  </a:txBody>
-                  <a:tcPr>
-                    <a:lnL w="12700" cap="flat" cmpd="sng" algn="ctr">
-                      <a:solidFill>
-                        <a:schemeClr val="tx1"/>
-                      </a:solidFill>
-                      <a:prstDash val="solid"/>
-                      <a:round/>
-                      <a:headEnd type="none" w="med" len="med"/>
-                      <a:tailEnd type="none" w="med" len="med"/>
-                    </a:lnL>
-                    <a:lnR w="12700" cap="flat" cmpd="sng" algn="ctr">
-                      <a:solidFill>
-                        <a:schemeClr val="tx1"/>
-                      </a:solidFill>
-                      <a:prstDash val="solid"/>
-                      <a:round/>
-                      <a:headEnd type="none" w="med" len="med"/>
-                      <a:tailEnd type="none" w="med" len="med"/>
-                    </a:lnR>
-                    <a:lnT w="12700" cap="flat" cmpd="sng" algn="ctr">
-                      <a:solidFill>
-                        <a:schemeClr val="tx1"/>
-                      </a:solidFill>
-                      <a:prstDash val="solid"/>
-                      <a:round/>
-                      <a:headEnd type="none" w="med" len="med"/>
-                      <a:tailEnd type="none" w="med" len="med"/>
-                    </a:lnT>
-                    <a:lnB w="12700" cap="flat" cmpd="sng" algn="ctr">
-                      <a:solidFill>
-                        <a:schemeClr val="tx1"/>
-                      </a:solidFill>
-                      <a:prstDash val="solid"/>
-                      <a:round/>
-                      <a:headEnd type="none" w="med" len="med"/>
-                      <a:tailEnd type="none" w="med" len="med"/>
-                    </a:lnB>
-                  </a:tcPr>
-                </a:tc>
-                <a:extLst>
-                  <a:ext uri="{0D108BD9-81ED-4DB2-BD59-A6C34878D82A}">
-                    <a16:rowId xmlns:a16="http://schemas.microsoft.com/office/drawing/2014/main" val="10004"/>
-                  </a:ext>
-                </a:extLst>
-              </a:tr>
-            </a:tbl>
-          </a:graphicData>
-        </a:graphic>
-      </p:graphicFrame>
-      <p:graphicFrame>
-        <p:nvGraphicFramePr>
-          <p:cNvPr id="37" name="Table 36"/>
-          <p:cNvGraphicFramePr>
-            <a:graphicFrameLocks noGrp="1"/>
-          </p:cNvGraphicFramePr>
-          <p:nvPr>
-            <p:extLst>
-              <p:ext uri="{D42A27DB-BD31-4B8C-83A1-F6EECF244321}">
-                <p14:modId xmlns:p14="http://schemas.microsoft.com/office/powerpoint/2010/main" val="1080049696"/>
-              </p:ext>
-            </p:extLst>
-          </p:nvPr>
-        </p:nvGraphicFramePr>
-        <p:xfrm>
-          <a:off x="6090833" y="3959860"/>
-          <a:ext cx="932267" cy="741680"/>
-        </p:xfrm>
-        <a:graphic>
-          <a:graphicData uri="http://schemas.openxmlformats.org/drawingml/2006/table">
-            <a:tbl>
-              <a:tblPr firstRow="1" bandRow="1">
-                <a:tableStyleId>{5A111915-BE36-4E01-A7E5-04B1672EAD32}</a:tableStyleId>
-              </a:tblPr>
-              <a:tblGrid>
-                <a:gridCol w="932267">
-                  <a:extLst>
-                    <a:ext uri="{9D8B030D-6E8A-4147-A177-3AD203B41FA5}">
-                      <a16:colId xmlns:a16="http://schemas.microsoft.com/office/drawing/2014/main" val="20000"/>
-                    </a:ext>
-                  </a:extLst>
-                </a:gridCol>
-              </a:tblGrid>
-              <a:tr h="370840">
-                <a:tc>
-                  <a:txBody>
-                    <a:bodyPr/>
-                    <a:lstStyle/>
-                    <a:p>
-                      <a:r>
-                        <a:rPr lang="en-US" sz="1200" dirty="0"/>
-                        <a:t>Studio</a:t>
-                      </a:r>
-                    </a:p>
-                  </a:txBody>
-                  <a:tcPr>
-                    <a:lnL w="12700" cap="flat" cmpd="sng" algn="ctr">
-                      <a:solidFill>
-                        <a:schemeClr val="tx1"/>
-                      </a:solidFill>
-                      <a:prstDash val="solid"/>
-                      <a:round/>
-                      <a:headEnd type="none" w="med" len="med"/>
-                      <a:tailEnd type="none" w="med" len="med"/>
-                    </a:lnL>
-                    <a:lnR w="12700" cap="flat" cmpd="sng" algn="ctr">
-                      <a:solidFill>
-                        <a:schemeClr val="tx1"/>
-                      </a:solidFill>
-                      <a:prstDash val="solid"/>
-                      <a:round/>
-                      <a:headEnd type="none" w="med" len="med"/>
-                      <a:tailEnd type="none" w="med" len="med"/>
-                    </a:lnR>
-                    <a:lnT w="12700" cap="flat" cmpd="sng" algn="ctr">
-                      <a:solidFill>
-                        <a:schemeClr val="tx1"/>
-                      </a:solidFill>
-                      <a:prstDash val="solid"/>
-                      <a:round/>
-                      <a:headEnd type="none" w="med" len="med"/>
-                      <a:tailEnd type="none" w="med" len="med"/>
-                    </a:lnT>
-                    <a:lnB w="12700" cap="flat" cmpd="sng" algn="ctr">
-                      <a:solidFill>
-                        <a:schemeClr val="tx1"/>
-                      </a:solidFill>
-                      <a:prstDash val="solid"/>
-                      <a:round/>
-                      <a:headEnd type="none" w="med" len="med"/>
-                      <a:tailEnd type="none" w="med" len="med"/>
-                    </a:lnB>
-                    <a:solidFill>
-                      <a:schemeClr val="accent6">
-                        <a:lumMod val="75000"/>
-                      </a:schemeClr>
-                    </a:solidFill>
-                  </a:tcPr>
-                </a:tc>
-                <a:extLst>
-                  <a:ext uri="{0D108BD9-81ED-4DB2-BD59-A6C34878D82A}">
-                    <a16:rowId xmlns:a16="http://schemas.microsoft.com/office/drawing/2014/main" val="10000"/>
-                  </a:ext>
-                </a:extLst>
-              </a:tr>
-              <a:tr h="370840">
-                <a:tc>
-                  <a:txBody>
-                    <a:bodyPr/>
-                    <a:lstStyle/>
-                    <a:p>
-                      <a:r>
-                        <a:rPr lang="en-US" sz="1200" dirty="0"/>
-                        <a:t>Titles</a:t>
-                      </a:r>
-                    </a:p>
-                  </a:txBody>
-                  <a:tcPr>
-                    <a:lnL w="12700" cap="flat" cmpd="sng" algn="ctr">
-                      <a:solidFill>
-                        <a:schemeClr val="tx1"/>
-                      </a:solidFill>
-                      <a:prstDash val="solid"/>
-                      <a:round/>
-                      <a:headEnd type="none" w="med" len="med"/>
-                      <a:tailEnd type="none" w="med" len="med"/>
-                    </a:lnL>
-                    <a:lnR w="12700" cap="flat" cmpd="sng" algn="ctr">
-                      <a:solidFill>
-                        <a:schemeClr val="tx1"/>
-                      </a:solidFill>
-                      <a:prstDash val="solid"/>
-                      <a:round/>
-                      <a:headEnd type="none" w="med" len="med"/>
-                      <a:tailEnd type="none" w="med" len="med"/>
-                    </a:lnR>
-                    <a:lnT w="12700" cap="flat" cmpd="sng" algn="ctr">
-                      <a:solidFill>
-                        <a:schemeClr val="tx1"/>
-                      </a:solidFill>
-                      <a:prstDash val="solid"/>
-                      <a:round/>
-                      <a:headEnd type="none" w="med" len="med"/>
-                      <a:tailEnd type="none" w="med" len="med"/>
-                    </a:lnT>
-                    <a:lnB w="12700" cap="flat" cmpd="sng" algn="ctr">
-                      <a:solidFill>
-                        <a:schemeClr val="tx1"/>
-                      </a:solidFill>
-                      <a:prstDash val="solid"/>
-                      <a:round/>
-                      <a:headEnd type="none" w="med" len="med"/>
-                      <a:tailEnd type="none" w="med" len="med"/>
-                    </a:lnB>
-                  </a:tcPr>
-                </a:tc>
-                <a:extLst>
-                  <a:ext uri="{0D108BD9-81ED-4DB2-BD59-A6C34878D82A}">
-                    <a16:rowId xmlns:a16="http://schemas.microsoft.com/office/drawing/2014/main" val="10001"/>
-                  </a:ext>
-                </a:extLst>
-              </a:tr>
-            </a:tbl>
-          </a:graphicData>
-        </a:graphic>
-      </p:graphicFrame>
-      <p:graphicFrame>
-        <p:nvGraphicFramePr>
-          <p:cNvPr id="39" name="Table 38"/>
-          <p:cNvGraphicFramePr>
-            <a:graphicFrameLocks noGrp="1"/>
-          </p:cNvGraphicFramePr>
-          <p:nvPr>
-            <p:extLst>
-              <p:ext uri="{D42A27DB-BD31-4B8C-83A1-F6EECF244321}">
-                <p14:modId xmlns:p14="http://schemas.microsoft.com/office/powerpoint/2010/main" val="24250135"/>
-              </p:ext>
-            </p:extLst>
-          </p:nvPr>
-        </p:nvGraphicFramePr>
-        <p:xfrm>
-          <a:off x="4851313" y="3939540"/>
-          <a:ext cx="932267" cy="741680"/>
-        </p:xfrm>
-        <a:graphic>
-          <a:graphicData uri="http://schemas.openxmlformats.org/drawingml/2006/table">
-            <a:tbl>
-              <a:tblPr firstRow="1" bandRow="1">
-                <a:tableStyleId>{5A111915-BE36-4E01-A7E5-04B1672EAD32}</a:tableStyleId>
-              </a:tblPr>
-              <a:tblGrid>
-                <a:gridCol w="932267">
-                  <a:extLst>
-                    <a:ext uri="{9D8B030D-6E8A-4147-A177-3AD203B41FA5}">
-                      <a16:colId xmlns:a16="http://schemas.microsoft.com/office/drawing/2014/main" val="20000"/>
-                    </a:ext>
-                  </a:extLst>
-                </a:gridCol>
-              </a:tblGrid>
-              <a:tr h="370840">
-                <a:tc>
-                  <a:txBody>
-                    <a:bodyPr/>
-                    <a:lstStyle/>
-                    <a:p>
-                      <a:r>
-                        <a:rPr lang="en-US" sz="1200" dirty="0"/>
-                        <a:t>Studio</a:t>
-                      </a:r>
-                    </a:p>
-                  </a:txBody>
-                  <a:tcPr>
-                    <a:lnL w="12700" cap="flat" cmpd="sng" algn="ctr">
-                      <a:solidFill>
-                        <a:schemeClr val="tx1"/>
-                      </a:solidFill>
-                      <a:prstDash val="solid"/>
-                      <a:round/>
-                      <a:headEnd type="none" w="med" len="med"/>
-                      <a:tailEnd type="none" w="med" len="med"/>
-                    </a:lnL>
-                    <a:lnR w="12700" cap="flat" cmpd="sng" algn="ctr">
-                      <a:solidFill>
-                        <a:schemeClr val="tx1"/>
-                      </a:solidFill>
-                      <a:prstDash val="solid"/>
-                      <a:round/>
-                      <a:headEnd type="none" w="med" len="med"/>
-                      <a:tailEnd type="none" w="med" len="med"/>
-                    </a:lnR>
-                    <a:lnT w="12700" cap="flat" cmpd="sng" algn="ctr">
-                      <a:solidFill>
-                        <a:schemeClr val="tx1"/>
-                      </a:solidFill>
-                      <a:prstDash val="solid"/>
-                      <a:round/>
-                      <a:headEnd type="none" w="med" len="med"/>
-                      <a:tailEnd type="none" w="med" len="med"/>
-                    </a:lnT>
-                    <a:lnB w="12700" cap="flat" cmpd="sng" algn="ctr">
-                      <a:solidFill>
-                        <a:schemeClr val="tx1"/>
-                      </a:solidFill>
-                      <a:prstDash val="solid"/>
-                      <a:round/>
-                      <a:headEnd type="none" w="med" len="med"/>
-                      <a:tailEnd type="none" w="med" len="med"/>
-                    </a:lnB>
-                    <a:solidFill>
-                      <a:schemeClr val="accent6">
-                        <a:lumMod val="75000"/>
-                      </a:schemeClr>
-                    </a:solidFill>
-                  </a:tcPr>
-                </a:tc>
-                <a:extLst>
-                  <a:ext uri="{0D108BD9-81ED-4DB2-BD59-A6C34878D82A}">
-                    <a16:rowId xmlns:a16="http://schemas.microsoft.com/office/drawing/2014/main" val="10000"/>
-                  </a:ext>
-                </a:extLst>
-              </a:tr>
-              <a:tr h="370840">
-                <a:tc>
-                  <a:txBody>
-                    <a:bodyPr/>
-                    <a:lstStyle/>
-                    <a:p>
-                      <a:r>
-                        <a:rPr lang="en-US" sz="1200" dirty="0"/>
-                        <a:t>Titles</a:t>
-                      </a:r>
-                    </a:p>
-                  </a:txBody>
-                  <a:tcPr>
-                    <a:lnL w="12700" cap="flat" cmpd="sng" algn="ctr">
-                      <a:solidFill>
-                        <a:schemeClr val="tx1"/>
-                      </a:solidFill>
-                      <a:prstDash val="solid"/>
-                      <a:round/>
-                      <a:headEnd type="none" w="med" len="med"/>
-                      <a:tailEnd type="none" w="med" len="med"/>
-                    </a:lnL>
-                    <a:lnR w="12700" cap="flat" cmpd="sng" algn="ctr">
-                      <a:solidFill>
-                        <a:schemeClr val="tx1"/>
-                      </a:solidFill>
-                      <a:prstDash val="solid"/>
-                      <a:round/>
-                      <a:headEnd type="none" w="med" len="med"/>
-                      <a:tailEnd type="none" w="med" len="med"/>
-                    </a:lnR>
-                    <a:lnT w="12700" cap="flat" cmpd="sng" algn="ctr">
-                      <a:solidFill>
-                        <a:schemeClr val="tx1"/>
-                      </a:solidFill>
-                      <a:prstDash val="solid"/>
-                      <a:round/>
-                      <a:headEnd type="none" w="med" len="med"/>
-                      <a:tailEnd type="none" w="med" len="med"/>
-                    </a:lnT>
-                    <a:lnB w="12700" cap="flat" cmpd="sng" algn="ctr">
-                      <a:solidFill>
-                        <a:schemeClr val="tx1"/>
-                      </a:solidFill>
-                      <a:prstDash val="solid"/>
-                      <a:round/>
-                      <a:headEnd type="none" w="med" len="med"/>
-                      <a:tailEnd type="none" w="med" len="med"/>
-                    </a:lnB>
-                  </a:tcPr>
-                </a:tc>
-                <a:extLst>
-                  <a:ext uri="{0D108BD9-81ED-4DB2-BD59-A6C34878D82A}">
-                    <a16:rowId xmlns:a16="http://schemas.microsoft.com/office/drawing/2014/main" val="10001"/>
-                  </a:ext>
-                </a:extLst>
-              </a:tr>
-            </a:tbl>
-          </a:graphicData>
-        </a:graphic>
-      </p:graphicFrame>
+          <a:extLst>
+            <a:ext uri="{909E8E84-426E-40DD-AFC4-6F175D3DCCD1}">
+              <a14:hiddenFill xmlns:a14="http://schemas.microsoft.com/office/drawing/2010/main">
+                <a:solidFill>
+                  <a:srgbClr val="FFFFFF"/>
+                </a:solidFill>
+              </a14:hiddenFill>
+            </a:ext>
+          </a:extLst>
+        </p:spPr>
+      </p:pic>
     </p:spTree>
     <p:extLst>
       <p:ext uri="{BB962C8B-B14F-4D97-AF65-F5344CB8AC3E}">
-        <p14:creationId xmlns:p14="http://schemas.microsoft.com/office/powerpoint/2010/main" val="2730041551"/>
+        <p14:creationId xmlns:p14="http://schemas.microsoft.com/office/powerpoint/2010/main" val="3942731592"/>
       </p:ext>
     </p:extLst>
   </p:cSld>
@@ -12636,70 +10637,242 @@
       </p:grpSpPr>
       <p:sp>
         <p:nvSpPr>
-          <p:cNvPr id="2" name="Title 1"/>
-          <p:cNvSpPr>
-            <a:spLocks noGrp="1"/>
-          </p:cNvSpPr>
-          <p:nvPr>
-            <p:ph type="title"/>
-          </p:nvPr>
-        </p:nvSpPr>
-        <p:spPr/>
-        <p:txBody>
-          <a:bodyPr/>
-          <a:lstStyle/>
-          <a:p>
-            <a:r>
-              <a:rPr lang="en-US" dirty="0"/>
-              <a:t>When To Use</a:t>
-            </a:r>
-          </a:p>
-        </p:txBody>
-      </p:sp>
-      <p:sp>
-        <p:nvSpPr>
-          <p:cNvPr id="3" name="Content Placeholder 2"/>
-          <p:cNvSpPr>
-            <a:spLocks noGrp="1"/>
-          </p:cNvSpPr>
-          <p:nvPr>
-            <p:ph idx="1"/>
-          </p:nvPr>
-        </p:nvSpPr>
-        <p:spPr/>
-        <p:txBody>
-          <a:bodyPr/>
-          <a:lstStyle/>
-          <a:p>
-            <a:r>
-              <a:rPr lang="en-US" dirty="0"/>
-              <a:t>Great for rapid prototyping.</a:t>
-            </a:r>
-          </a:p>
-          <a:p>
-            <a:r>
-              <a:rPr lang="en-US" dirty="0"/>
-              <a:t>Problems when modeled in a relational database that would involve many JOINS.</a:t>
-            </a:r>
-          </a:p>
-          <a:p>
-            <a:r>
-              <a:rPr lang="en-US" dirty="0"/>
-              <a:t>Want to work without an ORM.</a:t>
-            </a:r>
-          </a:p>
-          <a:p>
-            <a:r>
-              <a:rPr lang="en-US" dirty="0"/>
-              <a:t>You like living in 1993.</a:t>
-            </a:r>
-          </a:p>
-        </p:txBody>
-      </p:sp>
+          <p:cNvPr id="4" name="TextBox 3"/>
+          <p:cNvSpPr txBox="1"/>
+          <p:nvPr/>
+        </p:nvSpPr>
+        <p:spPr>
+          <a:xfrm>
+            <a:off x="533400" y="466725"/>
+            <a:ext cx="4955203" cy="1477328"/>
+          </a:xfrm>
+          <a:prstGeom prst="rect">
+            <a:avLst/>
+          </a:prstGeom>
+          <a:noFill/>
+        </p:spPr>
+        <p:txBody>
+          <a:bodyPr wrap="none" rtlCol="0">
+            <a:spAutoFit/>
+          </a:bodyPr>
+          <a:lstStyle/>
+          <a:p>
+            <a:r>
+              <a:rPr lang="en-US" dirty="0">
+                <a:solidFill>
+                  <a:srgbClr val="00B0F0"/>
+                </a:solidFill>
+                <a:latin typeface="Calibri" panose="020F0502020204030204" pitchFamily="34" charset="0"/>
+                <a:cs typeface="Times New Roman" panose="02020603050405020304" pitchFamily="18" charset="0"/>
+              </a:rPr>
+              <a:t>“They see me rollin</a:t>
+            </a:r>
+            <a:br>
+              <a:rPr lang="en-US" dirty="0">
+                <a:solidFill>
+                  <a:srgbClr val="00B0F0"/>
+                </a:solidFill>
+                <a:latin typeface="Calibri" panose="020F0502020204030204" pitchFamily="34" charset="0"/>
+                <a:cs typeface="Times New Roman" panose="02020603050405020304" pitchFamily="18" charset="0"/>
+              </a:rPr>
+            </a:br>
+            <a:r>
+              <a:rPr lang="en-US" dirty="0">
+                <a:solidFill>
+                  <a:srgbClr val="00B0F0"/>
+                </a:solidFill>
+                <a:latin typeface="Calibri" panose="020F0502020204030204" pitchFamily="34" charset="0"/>
+                <a:cs typeface="Times New Roman" panose="02020603050405020304" pitchFamily="18" charset="0"/>
+              </a:rPr>
+              <a:t> They hatin</a:t>
+            </a:r>
+            <a:br>
+              <a:rPr lang="en-US" dirty="0">
+                <a:solidFill>
+                  <a:srgbClr val="00B0F0"/>
+                </a:solidFill>
+                <a:latin typeface="Calibri" panose="020F0502020204030204" pitchFamily="34" charset="0"/>
+                <a:cs typeface="Times New Roman" panose="02020603050405020304" pitchFamily="18" charset="0"/>
+              </a:rPr>
+            </a:br>
+            <a:r>
+              <a:rPr lang="en-US" dirty="0">
+                <a:solidFill>
+                  <a:srgbClr val="00B0F0"/>
+                </a:solidFill>
+                <a:latin typeface="Calibri" panose="020F0502020204030204" pitchFamily="34" charset="0"/>
+                <a:cs typeface="Times New Roman" panose="02020603050405020304" pitchFamily="18" charset="0"/>
+              </a:rPr>
+              <a:t> Patrolling they tryin to catch me </a:t>
+            </a:r>
+            <a:r>
+              <a:rPr lang="en-US" strike="sngStrike" dirty="0">
+                <a:solidFill>
+                  <a:srgbClr val="00B0F0"/>
+                </a:solidFill>
+                <a:latin typeface="Calibri" panose="020F0502020204030204" pitchFamily="34" charset="0"/>
+                <a:cs typeface="Times New Roman" panose="02020603050405020304" pitchFamily="18" charset="0"/>
+              </a:rPr>
+              <a:t>ridin</a:t>
+            </a:r>
+            <a:r>
+              <a:rPr lang="en-US" dirty="0">
+                <a:solidFill>
+                  <a:srgbClr val="00B0F0"/>
+                </a:solidFill>
+                <a:latin typeface="Calibri" panose="020F0502020204030204" pitchFamily="34" charset="0"/>
+                <a:cs typeface="Times New Roman" panose="02020603050405020304" pitchFamily="18" charset="0"/>
+              </a:rPr>
+              <a:t>’ writing dirty</a:t>
+            </a:r>
+            <a:br>
+              <a:rPr lang="en-US" dirty="0">
+                <a:solidFill>
+                  <a:srgbClr val="00B0F0"/>
+                </a:solidFill>
+                <a:latin typeface="Calibri" panose="020F0502020204030204" pitchFamily="34" charset="0"/>
+                <a:cs typeface="Times New Roman" panose="02020603050405020304" pitchFamily="18" charset="0"/>
+              </a:rPr>
+            </a:br>
+            <a:r>
+              <a:rPr lang="en-US" dirty="0">
+                <a:solidFill>
+                  <a:srgbClr val="00B0F0"/>
+                </a:solidFill>
+                <a:latin typeface="Calibri" panose="020F0502020204030204" pitchFamily="34" charset="0"/>
+                <a:cs typeface="Times New Roman" panose="02020603050405020304" pitchFamily="18" charset="0"/>
+              </a:rPr>
+              <a:t> Tryin to catch me </a:t>
+            </a:r>
+            <a:r>
+              <a:rPr lang="en-US" strike="sngStrike" dirty="0">
+                <a:solidFill>
+                  <a:srgbClr val="00B0F0"/>
+                </a:solidFill>
+                <a:latin typeface="Calibri" panose="020F0502020204030204" pitchFamily="34" charset="0"/>
+                <a:cs typeface="Times New Roman" panose="02020603050405020304" pitchFamily="18" charset="0"/>
+              </a:rPr>
+              <a:t>ridin</a:t>
+            </a:r>
+            <a:r>
+              <a:rPr lang="en-US" dirty="0">
+                <a:solidFill>
+                  <a:srgbClr val="00B0F0"/>
+                </a:solidFill>
+                <a:latin typeface="Calibri" panose="020F0502020204030204" pitchFamily="34" charset="0"/>
+                <a:cs typeface="Times New Roman" panose="02020603050405020304" pitchFamily="18" charset="0"/>
+              </a:rPr>
+              <a:t>’ writing dirty</a:t>
+            </a:r>
+            <a:br>
+              <a:rPr lang="en-US" dirty="0">
+                <a:solidFill>
+                  <a:srgbClr val="00B0F0"/>
+                </a:solidFill>
+                <a:latin typeface="Calibri" panose="020F0502020204030204" pitchFamily="34" charset="0"/>
+                <a:cs typeface="Times New Roman" panose="02020603050405020304" pitchFamily="18" charset="0"/>
+              </a:rPr>
+            </a:br>
+            <a:r>
+              <a:rPr lang="en-US" dirty="0">
+                <a:solidFill>
+                  <a:srgbClr val="00B0F0"/>
+                </a:solidFill>
+                <a:latin typeface="Calibri" panose="020F0502020204030204" pitchFamily="34" charset="0"/>
+                <a:cs typeface="Times New Roman" panose="02020603050405020304" pitchFamily="18" charset="0"/>
+              </a:rPr>
+              <a:t> Tryin to catch me </a:t>
+            </a:r>
+            <a:r>
+              <a:rPr lang="en-US" strike="sngStrike" dirty="0">
+                <a:solidFill>
+                  <a:srgbClr val="00B0F0"/>
+                </a:solidFill>
+                <a:latin typeface="Calibri" panose="020F0502020204030204" pitchFamily="34" charset="0"/>
+                <a:cs typeface="Times New Roman" panose="02020603050405020304" pitchFamily="18" charset="0"/>
+              </a:rPr>
+              <a:t>ridin</a:t>
+            </a:r>
+            <a:r>
+              <a:rPr lang="en-US" dirty="0">
+                <a:solidFill>
+                  <a:srgbClr val="00B0F0"/>
+                </a:solidFill>
+                <a:latin typeface="Calibri" panose="020F0502020204030204" pitchFamily="34" charset="0"/>
+                <a:cs typeface="Times New Roman" panose="02020603050405020304" pitchFamily="18" charset="0"/>
+              </a:rPr>
+              <a:t>’ writing dirty”</a:t>
+            </a:r>
+          </a:p>
+        </p:txBody>
+      </p:sp>
+      <p:sp>
+        <p:nvSpPr>
+          <p:cNvPr id="5" name="TextBox 4"/>
+          <p:cNvSpPr txBox="1"/>
+          <p:nvPr/>
+        </p:nvSpPr>
+        <p:spPr>
+          <a:xfrm>
+            <a:off x="2619375" y="1944053"/>
+            <a:ext cx="1659621" cy="369332"/>
+          </a:xfrm>
+          <a:prstGeom prst="rect">
+            <a:avLst/>
+          </a:prstGeom>
+          <a:noFill/>
+        </p:spPr>
+        <p:txBody>
+          <a:bodyPr wrap="none" rtlCol="0">
+            <a:spAutoFit/>
+          </a:bodyPr>
+          <a:lstStyle/>
+          <a:p>
+            <a:r>
+              <a:rPr lang="en-US" dirty="0">
+                <a:solidFill>
+                  <a:srgbClr val="00B0F0"/>
+                </a:solidFill>
+              </a:rPr>
+              <a:t>- Chamillionaire</a:t>
+            </a:r>
+          </a:p>
+        </p:txBody>
+      </p:sp>
+      <p:pic>
+        <p:nvPicPr>
+          <p:cNvPr id="7" name="Picture 6"/>
+          <p:cNvPicPr>
+            <a:picLocks noChangeAspect="1"/>
+          </p:cNvPicPr>
+          <p:nvPr/>
+        </p:nvPicPr>
+        <p:blipFill>
+          <a:blip r:embed="rId2" cstate="print">
+            <a:extLst>
+              <a:ext uri="{28A0092B-C50C-407E-A947-70E740481C1C}">
+                <a14:useLocalDpi xmlns:a14="http://schemas.microsoft.com/office/drawing/2010/main" val="0"/>
+              </a:ext>
+            </a:extLst>
+          </a:blip>
+          <a:stretch>
+            <a:fillRect/>
+          </a:stretch>
+        </p:blipFill>
+        <p:spPr>
+          <a:xfrm>
+            <a:off x="7010400" y="3719511"/>
+            <a:ext cx="3790950" cy="2843213"/>
+          </a:xfrm>
+          <a:prstGeom prst="rect">
+            <a:avLst/>
+          </a:prstGeom>
+        </p:spPr>
+      </p:pic>
     </p:spTree>
     <p:extLst>
       <p:ext uri="{BB962C8B-B14F-4D97-AF65-F5344CB8AC3E}">
-        <p14:creationId xmlns:p14="http://schemas.microsoft.com/office/powerpoint/2010/main" val="2359934797"/>
+        <p14:creationId xmlns:p14="http://schemas.microsoft.com/office/powerpoint/2010/main" val="4086572793"/>
       </p:ext>
     </p:extLst>
   </p:cSld>
@@ -13769,66 +11942,10 @@
           <a:chExt cx="0" cy="0"/>
         </a:xfrm>
       </p:grpSpPr>
-      <p:sp>
-        <p:nvSpPr>
-          <p:cNvPr id="2" name="Title 1"/>
-          <p:cNvSpPr>
-            <a:spLocks noGrp="1"/>
-          </p:cNvSpPr>
-          <p:nvPr>
-            <p:ph type="title"/>
-          </p:nvPr>
-        </p:nvSpPr>
-        <p:spPr/>
-        <p:txBody>
-          <a:bodyPr/>
-          <a:lstStyle/>
-          <a:p>
-            <a:r>
-              <a:rPr lang="en-US" dirty="0"/>
-              <a:t>When Not To Use</a:t>
-            </a:r>
-          </a:p>
-        </p:txBody>
-      </p:sp>
-      <p:sp>
-        <p:nvSpPr>
-          <p:cNvPr id="3" name="Content Placeholder 2"/>
-          <p:cNvSpPr>
-            <a:spLocks noGrp="1"/>
-          </p:cNvSpPr>
-          <p:nvPr>
-            <p:ph idx="1"/>
-          </p:nvPr>
-        </p:nvSpPr>
-        <p:spPr/>
-        <p:txBody>
-          <a:bodyPr/>
-          <a:lstStyle/>
-          <a:p>
-            <a:r>
-              <a:rPr lang="en-US" dirty="0"/>
-              <a:t>Heavy polyglot language environment where languages are very dissimilar (e.g. Ruby + C# + LISP)</a:t>
-            </a:r>
-          </a:p>
-          <a:p>
-            <a:r>
-              <a:rPr lang="en-US" dirty="0"/>
-              <a:t>Underlying core language might change in the future.</a:t>
-            </a:r>
-          </a:p>
-          <a:p>
-            <a:r>
-              <a:rPr lang="en-US" dirty="0"/>
-              <a:t>???</a:t>
-            </a:r>
-          </a:p>
-        </p:txBody>
-      </p:sp>
     </p:spTree>
     <p:extLst>
       <p:ext uri="{BB962C8B-B14F-4D97-AF65-F5344CB8AC3E}">
-        <p14:creationId xmlns:p14="http://schemas.microsoft.com/office/powerpoint/2010/main" val="729640380"/>
+        <p14:creationId xmlns:p14="http://schemas.microsoft.com/office/powerpoint/2010/main" val="3283035600"/>
       </p:ext>
     </p:extLst>
   </p:cSld>
@@ -13857,242 +11974,46 @@
       </p:grpSpPr>
       <p:sp>
         <p:nvSpPr>
-          <p:cNvPr id="4" name="TextBox 3"/>
-          <p:cNvSpPr txBox="1"/>
-          <p:nvPr/>
-        </p:nvSpPr>
-        <p:spPr>
-          <a:xfrm>
-            <a:off x="533400" y="466725"/>
-            <a:ext cx="4955203" cy="1477328"/>
-          </a:xfrm>
-          <a:prstGeom prst="rect">
-            <a:avLst/>
-          </a:prstGeom>
-          <a:noFill/>
-        </p:spPr>
-        <p:txBody>
-          <a:bodyPr wrap="none" rtlCol="0">
-            <a:spAutoFit/>
-          </a:bodyPr>
-          <a:lstStyle/>
-          <a:p>
-            <a:r>
-              <a:rPr lang="en-US" dirty="0">
-                <a:solidFill>
-                  <a:srgbClr val="00B0F0"/>
-                </a:solidFill>
-                <a:latin typeface="Calibri" panose="020F0502020204030204" pitchFamily="34" charset="0"/>
-                <a:cs typeface="Times New Roman" panose="02020603050405020304" pitchFamily="18" charset="0"/>
-              </a:rPr>
-              <a:t>“They see me rollin</a:t>
-            </a:r>
-            <a:br>
-              <a:rPr lang="en-US" dirty="0">
-                <a:solidFill>
-                  <a:srgbClr val="00B0F0"/>
-                </a:solidFill>
-                <a:latin typeface="Calibri" panose="020F0502020204030204" pitchFamily="34" charset="0"/>
-                <a:cs typeface="Times New Roman" panose="02020603050405020304" pitchFamily="18" charset="0"/>
-              </a:rPr>
-            </a:br>
-            <a:r>
-              <a:rPr lang="en-US" dirty="0">
-                <a:solidFill>
-                  <a:srgbClr val="00B0F0"/>
-                </a:solidFill>
-                <a:latin typeface="Calibri" panose="020F0502020204030204" pitchFamily="34" charset="0"/>
-                <a:cs typeface="Times New Roman" panose="02020603050405020304" pitchFamily="18" charset="0"/>
-              </a:rPr>
-              <a:t> They hatin</a:t>
-            </a:r>
-            <a:br>
-              <a:rPr lang="en-US" dirty="0">
-                <a:solidFill>
-                  <a:srgbClr val="00B0F0"/>
-                </a:solidFill>
-                <a:latin typeface="Calibri" panose="020F0502020204030204" pitchFamily="34" charset="0"/>
-                <a:cs typeface="Times New Roman" panose="02020603050405020304" pitchFamily="18" charset="0"/>
-              </a:rPr>
-            </a:br>
-            <a:r>
-              <a:rPr lang="en-US" dirty="0">
-                <a:solidFill>
-                  <a:srgbClr val="00B0F0"/>
-                </a:solidFill>
-                <a:latin typeface="Calibri" panose="020F0502020204030204" pitchFamily="34" charset="0"/>
-                <a:cs typeface="Times New Roman" panose="02020603050405020304" pitchFamily="18" charset="0"/>
-              </a:rPr>
-              <a:t> Patrolling they tryin to catch me </a:t>
-            </a:r>
-            <a:r>
-              <a:rPr lang="en-US" strike="sngStrike" dirty="0">
-                <a:solidFill>
-                  <a:srgbClr val="00B0F0"/>
-                </a:solidFill>
-                <a:latin typeface="Calibri" panose="020F0502020204030204" pitchFamily="34" charset="0"/>
-                <a:cs typeface="Times New Roman" panose="02020603050405020304" pitchFamily="18" charset="0"/>
-              </a:rPr>
-              <a:t>ridin</a:t>
-            </a:r>
-            <a:r>
-              <a:rPr lang="en-US" dirty="0">
-                <a:solidFill>
-                  <a:srgbClr val="00B0F0"/>
-                </a:solidFill>
-                <a:latin typeface="Calibri" panose="020F0502020204030204" pitchFamily="34" charset="0"/>
-                <a:cs typeface="Times New Roman" panose="02020603050405020304" pitchFamily="18" charset="0"/>
-              </a:rPr>
-              <a:t>’ writing dirty</a:t>
-            </a:r>
-            <a:br>
-              <a:rPr lang="en-US" dirty="0">
-                <a:solidFill>
-                  <a:srgbClr val="00B0F0"/>
-                </a:solidFill>
-                <a:latin typeface="Calibri" panose="020F0502020204030204" pitchFamily="34" charset="0"/>
-                <a:cs typeface="Times New Roman" panose="02020603050405020304" pitchFamily="18" charset="0"/>
-              </a:rPr>
-            </a:br>
-            <a:r>
-              <a:rPr lang="en-US" dirty="0">
-                <a:solidFill>
-                  <a:srgbClr val="00B0F0"/>
-                </a:solidFill>
-                <a:latin typeface="Calibri" panose="020F0502020204030204" pitchFamily="34" charset="0"/>
-                <a:cs typeface="Times New Roman" panose="02020603050405020304" pitchFamily="18" charset="0"/>
-              </a:rPr>
-              <a:t> Tryin to catch me </a:t>
-            </a:r>
-            <a:r>
-              <a:rPr lang="en-US" strike="sngStrike" dirty="0">
-                <a:solidFill>
-                  <a:srgbClr val="00B0F0"/>
-                </a:solidFill>
-                <a:latin typeface="Calibri" panose="020F0502020204030204" pitchFamily="34" charset="0"/>
-                <a:cs typeface="Times New Roman" panose="02020603050405020304" pitchFamily="18" charset="0"/>
-              </a:rPr>
-              <a:t>ridin</a:t>
-            </a:r>
-            <a:r>
-              <a:rPr lang="en-US" dirty="0">
-                <a:solidFill>
-                  <a:srgbClr val="00B0F0"/>
-                </a:solidFill>
-                <a:latin typeface="Calibri" panose="020F0502020204030204" pitchFamily="34" charset="0"/>
-                <a:cs typeface="Times New Roman" panose="02020603050405020304" pitchFamily="18" charset="0"/>
-              </a:rPr>
-              <a:t>’ writing dirty</a:t>
-            </a:r>
-            <a:br>
-              <a:rPr lang="en-US" dirty="0">
-                <a:solidFill>
-                  <a:srgbClr val="00B0F0"/>
-                </a:solidFill>
-                <a:latin typeface="Calibri" panose="020F0502020204030204" pitchFamily="34" charset="0"/>
-                <a:cs typeface="Times New Roman" panose="02020603050405020304" pitchFamily="18" charset="0"/>
-              </a:rPr>
-            </a:br>
-            <a:r>
-              <a:rPr lang="en-US" dirty="0">
-                <a:solidFill>
-                  <a:srgbClr val="00B0F0"/>
-                </a:solidFill>
-                <a:latin typeface="Calibri" panose="020F0502020204030204" pitchFamily="34" charset="0"/>
-                <a:cs typeface="Times New Roman" panose="02020603050405020304" pitchFamily="18" charset="0"/>
-              </a:rPr>
-              <a:t> Tryin to catch me </a:t>
-            </a:r>
-            <a:r>
-              <a:rPr lang="en-US" strike="sngStrike" dirty="0">
-                <a:solidFill>
-                  <a:srgbClr val="00B0F0"/>
-                </a:solidFill>
-                <a:latin typeface="Calibri" panose="020F0502020204030204" pitchFamily="34" charset="0"/>
-                <a:cs typeface="Times New Roman" panose="02020603050405020304" pitchFamily="18" charset="0"/>
-              </a:rPr>
-              <a:t>ridin</a:t>
-            </a:r>
-            <a:r>
-              <a:rPr lang="en-US" dirty="0">
-                <a:solidFill>
-                  <a:srgbClr val="00B0F0"/>
-                </a:solidFill>
-                <a:latin typeface="Calibri" panose="020F0502020204030204" pitchFamily="34" charset="0"/>
-                <a:cs typeface="Times New Roman" panose="02020603050405020304" pitchFamily="18" charset="0"/>
-              </a:rPr>
-              <a:t>’ writing dirty”</a:t>
-            </a:r>
-          </a:p>
-        </p:txBody>
-      </p:sp>
-      <p:sp>
-        <p:nvSpPr>
-          <p:cNvPr id="5" name="TextBox 4"/>
-          <p:cNvSpPr txBox="1"/>
-          <p:nvPr/>
-        </p:nvSpPr>
-        <p:spPr>
-          <a:xfrm>
-            <a:off x="2619375" y="1944053"/>
-            <a:ext cx="1659621" cy="369332"/>
-          </a:xfrm>
-          <a:prstGeom prst="rect">
-            <a:avLst/>
-          </a:prstGeom>
-          <a:noFill/>
-        </p:spPr>
-        <p:txBody>
-          <a:bodyPr wrap="none" rtlCol="0">
-            <a:spAutoFit/>
-          </a:bodyPr>
-          <a:lstStyle/>
-          <a:p>
-            <a:r>
-              <a:rPr lang="en-US" dirty="0">
-                <a:solidFill>
-                  <a:srgbClr val="00B0F0"/>
-                </a:solidFill>
-              </a:rPr>
-              <a:t>- Chamillionaire</a:t>
-            </a:r>
-          </a:p>
-        </p:txBody>
-      </p:sp>
-      <p:pic>
-        <p:nvPicPr>
-          <p:cNvPr id="7" name="Picture 6"/>
-          <p:cNvPicPr>
-            <a:picLocks noChangeAspect="1"/>
-          </p:cNvPicPr>
-          <p:nvPr/>
-        </p:nvPicPr>
-        <p:blipFill>
-          <a:blip r:embed="rId2" cstate="print">
-            <a:extLst>
-              <a:ext uri="{28A0092B-C50C-407E-A947-70E740481C1C}">
-                <a14:useLocalDpi xmlns:a14="http://schemas.microsoft.com/office/drawing/2010/main" val="0"/>
-              </a:ext>
-            </a:extLst>
-          </a:blip>
-          <a:stretch>
-            <a:fillRect/>
-          </a:stretch>
-        </p:blipFill>
-        <p:spPr>
-          <a:xfrm>
-            <a:off x="7010400" y="3719511"/>
-            <a:ext cx="3790950" cy="2843213"/>
-          </a:xfrm>
-          <a:prstGeom prst="rect">
-            <a:avLst/>
-          </a:prstGeom>
-        </p:spPr>
-      </p:pic>
+          <p:cNvPr id="2" name="Title 1"/>
+          <p:cNvSpPr>
+            <a:spLocks noGrp="1"/>
+          </p:cNvSpPr>
+          <p:nvPr>
+            <p:ph type="title"/>
+          </p:nvPr>
+        </p:nvSpPr>
+        <p:spPr/>
+        <p:txBody>
+          <a:bodyPr/>
+          <a:lstStyle/>
+          <a:p>
+            <a:endParaRPr lang="en-US"/>
+          </a:p>
+        </p:txBody>
+      </p:sp>
+      <p:sp>
+        <p:nvSpPr>
+          <p:cNvPr id="3" name="Content Placeholder 2"/>
+          <p:cNvSpPr>
+            <a:spLocks noGrp="1"/>
+          </p:cNvSpPr>
+          <p:nvPr>
+            <p:ph idx="1"/>
+          </p:nvPr>
+        </p:nvSpPr>
+        <p:spPr/>
+        <p:txBody>
+          <a:bodyPr/>
+          <a:lstStyle/>
+          <a:p>
+            <a:endParaRPr lang="en-US"/>
+          </a:p>
+        </p:txBody>
+      </p:sp>
     </p:spTree>
     <p:extLst>
       <p:ext uri="{BB962C8B-B14F-4D97-AF65-F5344CB8AC3E}">
-        <p14:creationId xmlns:p14="http://schemas.microsoft.com/office/powerpoint/2010/main" val="4086572793"/>
+        <p14:creationId xmlns:p14="http://schemas.microsoft.com/office/powerpoint/2010/main" val="1429485378"/>
       </p:ext>
     </p:extLst>
   </p:cSld>
@@ -14119,10 +12040,645 @@
           <a:chExt cx="0" cy="0"/>
         </a:xfrm>
       </p:grpSpPr>
+      <p:sp>
+        <p:nvSpPr>
+          <p:cNvPr id="4" name="Can 3"/>
+          <p:cNvSpPr/>
+          <p:nvPr/>
+        </p:nvSpPr>
+        <p:spPr>
+          <a:xfrm>
+            <a:off x="4186990" y="539015"/>
+            <a:ext cx="2069431" cy="2069431"/>
+          </a:xfrm>
+          <a:prstGeom prst="can">
+            <a:avLst/>
+          </a:prstGeom>
+        </p:spPr>
+        <p:style>
+          <a:lnRef idx="2">
+            <a:schemeClr val="accent1">
+              <a:shade val="50000"/>
+            </a:schemeClr>
+          </a:lnRef>
+          <a:fillRef idx="1">
+            <a:schemeClr val="accent1"/>
+          </a:fillRef>
+          <a:effectRef idx="0">
+            <a:schemeClr val="accent1"/>
+          </a:effectRef>
+          <a:fontRef idx="minor">
+            <a:schemeClr val="lt1"/>
+          </a:fontRef>
+        </p:style>
+        <p:txBody>
+          <a:bodyPr rtlCol="0" anchor="ctr"/>
+          <a:lstStyle/>
+          <a:p>
+            <a:pPr algn="ctr"/>
+            <a:r>
+              <a:rPr lang="en-US" dirty="0"/>
+              <a:t>Database</a:t>
+            </a:r>
+            <a:br>
+              <a:rPr lang="en-US" dirty="0"/>
+            </a:br>
+            <a:r>
+              <a:rPr lang="en-US" dirty="0"/>
+              <a:t>Management</a:t>
+            </a:r>
+            <a:br>
+              <a:rPr lang="en-US" dirty="0"/>
+            </a:br>
+            <a:r>
+              <a:rPr lang="en-US" dirty="0"/>
+              <a:t>System</a:t>
+            </a:r>
+          </a:p>
+        </p:txBody>
+      </p:sp>
+      <p:sp>
+        <p:nvSpPr>
+          <p:cNvPr id="5" name="Rounded Rectangle 4"/>
+          <p:cNvSpPr/>
+          <p:nvPr/>
+        </p:nvSpPr>
+        <p:spPr>
+          <a:xfrm>
+            <a:off x="481263" y="943275"/>
+            <a:ext cx="1992429" cy="856648"/>
+          </a:xfrm>
+          <a:prstGeom prst="roundRect">
+            <a:avLst/>
+          </a:prstGeom>
+          <a:solidFill>
+            <a:schemeClr val="accent3">
+              <a:lumMod val="60000"/>
+              <a:lumOff val="40000"/>
+            </a:schemeClr>
+          </a:solidFill>
+        </p:spPr>
+        <p:style>
+          <a:lnRef idx="2">
+            <a:schemeClr val="accent1">
+              <a:shade val="50000"/>
+            </a:schemeClr>
+          </a:lnRef>
+          <a:fillRef idx="1">
+            <a:schemeClr val="accent1"/>
+          </a:fillRef>
+          <a:effectRef idx="0">
+            <a:schemeClr val="accent1"/>
+          </a:effectRef>
+          <a:fontRef idx="minor">
+            <a:schemeClr val="lt1"/>
+          </a:fontRef>
+        </p:style>
+        <p:txBody>
+          <a:bodyPr rtlCol="0" anchor="ctr"/>
+          <a:lstStyle/>
+          <a:p>
+            <a:pPr algn="ctr"/>
+            <a:r>
+              <a:rPr lang="en-US" sz="2400" b="1" dirty="0">
+                <a:solidFill>
+                  <a:schemeClr val="tx1"/>
+                </a:solidFill>
+              </a:rPr>
+              <a:t>Client</a:t>
+            </a:r>
+          </a:p>
+        </p:txBody>
+      </p:sp>
+      <p:cxnSp>
+        <p:nvCxnSpPr>
+          <p:cNvPr id="7" name="Straight Arrow Connector 6"/>
+          <p:cNvCxnSpPr>
+            <a:stCxn id="5" idx="3"/>
+          </p:cNvCxnSpPr>
+          <p:nvPr/>
+        </p:nvCxnSpPr>
+        <p:spPr>
+          <a:xfrm>
+            <a:off x="2473692" y="1371599"/>
+            <a:ext cx="1713298" cy="0"/>
+          </a:xfrm>
+          <a:prstGeom prst="straightConnector1">
+            <a:avLst/>
+          </a:prstGeom>
+          <a:ln w="57150">
+            <a:solidFill>
+              <a:srgbClr val="FF0000"/>
+            </a:solidFill>
+            <a:tailEnd type="triangle"/>
+          </a:ln>
+        </p:spPr>
+        <p:style>
+          <a:lnRef idx="1">
+            <a:schemeClr val="accent1"/>
+          </a:lnRef>
+          <a:fillRef idx="0">
+            <a:schemeClr val="accent1"/>
+          </a:fillRef>
+          <a:effectRef idx="0">
+            <a:schemeClr val="accent1"/>
+          </a:effectRef>
+          <a:fontRef idx="minor">
+            <a:schemeClr val="tx1"/>
+          </a:fontRef>
+        </p:style>
+      </p:cxnSp>
+      <p:sp>
+        <p:nvSpPr>
+          <p:cNvPr id="12" name="Cloud 11"/>
+          <p:cNvSpPr/>
+          <p:nvPr/>
+        </p:nvSpPr>
+        <p:spPr>
+          <a:xfrm>
+            <a:off x="7834964" y="529389"/>
+            <a:ext cx="2464068" cy="686604"/>
+          </a:xfrm>
+          <a:prstGeom prst="cloud">
+            <a:avLst/>
+          </a:prstGeom>
+          <a:solidFill>
+            <a:schemeClr val="accent1">
+              <a:lumMod val="60000"/>
+              <a:lumOff val="40000"/>
+            </a:schemeClr>
+          </a:solidFill>
+        </p:spPr>
+        <p:style>
+          <a:lnRef idx="2">
+            <a:schemeClr val="accent1">
+              <a:shade val="50000"/>
+            </a:schemeClr>
+          </a:lnRef>
+          <a:fillRef idx="1">
+            <a:schemeClr val="accent1"/>
+          </a:fillRef>
+          <a:effectRef idx="0">
+            <a:schemeClr val="accent1"/>
+          </a:effectRef>
+          <a:fontRef idx="minor">
+            <a:schemeClr val="lt1"/>
+          </a:fontRef>
+        </p:style>
+        <p:txBody>
+          <a:bodyPr rtlCol="0" anchor="ctr"/>
+          <a:lstStyle/>
+          <a:p>
+            <a:pPr algn="ctr"/>
+            <a:r>
+              <a:rPr lang="en-US" dirty="0"/>
+              <a:t>Memory (RAM)</a:t>
+            </a:r>
+          </a:p>
+        </p:txBody>
+      </p:sp>
+      <p:sp>
+        <p:nvSpPr>
+          <p:cNvPr id="15" name="Teardrop 14"/>
+          <p:cNvSpPr/>
+          <p:nvPr/>
+        </p:nvSpPr>
+        <p:spPr>
+          <a:xfrm>
+            <a:off x="7093819" y="2444816"/>
+            <a:ext cx="3869356" cy="1973179"/>
+          </a:xfrm>
+          <a:prstGeom prst="teardrop">
+            <a:avLst/>
+          </a:prstGeom>
+          <a:solidFill>
+            <a:schemeClr val="bg2">
+              <a:lumMod val="75000"/>
+            </a:schemeClr>
+          </a:solidFill>
+        </p:spPr>
+        <p:style>
+          <a:lnRef idx="2">
+            <a:schemeClr val="accent1">
+              <a:shade val="50000"/>
+            </a:schemeClr>
+          </a:lnRef>
+          <a:fillRef idx="1">
+            <a:schemeClr val="accent1"/>
+          </a:fillRef>
+          <a:effectRef idx="0">
+            <a:schemeClr val="accent1"/>
+          </a:effectRef>
+          <a:fontRef idx="minor">
+            <a:schemeClr val="lt1"/>
+          </a:fontRef>
+        </p:style>
+        <p:txBody>
+          <a:bodyPr rtlCol="0" anchor="ctr"/>
+          <a:lstStyle/>
+          <a:p>
+            <a:pPr algn="ctr"/>
+            <a:r>
+              <a:rPr lang="en-US" dirty="0"/>
+              <a:t>Hard Drive</a:t>
+            </a:r>
+          </a:p>
+        </p:txBody>
+      </p:sp>
+      <p:cxnSp>
+        <p:nvCxnSpPr>
+          <p:cNvPr id="16" name="Straight Arrow Connector 15"/>
+          <p:cNvCxnSpPr>
+            <a:endCxn id="12" idx="2"/>
+          </p:cNvCxnSpPr>
+          <p:nvPr/>
+        </p:nvCxnSpPr>
+        <p:spPr>
+          <a:xfrm flipV="1">
+            <a:off x="6347860" y="872691"/>
+            <a:ext cx="1494747" cy="484472"/>
+          </a:xfrm>
+          <a:prstGeom prst="straightConnector1">
+            <a:avLst/>
+          </a:prstGeom>
+          <a:ln w="57150">
+            <a:solidFill>
+              <a:srgbClr val="FF0000"/>
+            </a:solidFill>
+            <a:prstDash val="sysDot"/>
+            <a:tailEnd type="triangle"/>
+          </a:ln>
+        </p:spPr>
+        <p:style>
+          <a:lnRef idx="1">
+            <a:schemeClr val="accent1"/>
+          </a:lnRef>
+          <a:fillRef idx="0">
+            <a:schemeClr val="accent1"/>
+          </a:fillRef>
+          <a:effectRef idx="0">
+            <a:schemeClr val="accent1"/>
+          </a:effectRef>
+          <a:fontRef idx="minor">
+            <a:schemeClr val="tx1"/>
+          </a:fontRef>
+        </p:style>
+      </p:cxnSp>
+      <p:cxnSp>
+        <p:nvCxnSpPr>
+          <p:cNvPr id="19" name="Straight Arrow Connector 18"/>
+          <p:cNvCxnSpPr>
+            <a:endCxn id="4" idx="4"/>
+          </p:cNvCxnSpPr>
+          <p:nvPr/>
+        </p:nvCxnSpPr>
+        <p:spPr>
+          <a:xfrm flipH="1">
+            <a:off x="6256421" y="1068404"/>
+            <a:ext cx="1578543" cy="505327"/>
+          </a:xfrm>
+          <a:prstGeom prst="straightConnector1">
+            <a:avLst/>
+          </a:prstGeom>
+          <a:ln w="57150">
+            <a:solidFill>
+              <a:srgbClr val="FFC000"/>
+            </a:solidFill>
+            <a:prstDash val="sysDot"/>
+            <a:tailEnd type="triangle"/>
+          </a:ln>
+        </p:spPr>
+        <p:style>
+          <a:lnRef idx="1">
+            <a:schemeClr val="accent1"/>
+          </a:lnRef>
+          <a:fillRef idx="0">
+            <a:schemeClr val="accent1"/>
+          </a:fillRef>
+          <a:effectRef idx="0">
+            <a:schemeClr val="accent1"/>
+          </a:effectRef>
+          <a:fontRef idx="minor">
+            <a:schemeClr val="tx1"/>
+          </a:fontRef>
+        </p:style>
+      </p:cxnSp>
+      <p:cxnSp>
+        <p:nvCxnSpPr>
+          <p:cNvPr id="21" name="Straight Arrow Connector 20"/>
+          <p:cNvCxnSpPr/>
+          <p:nvPr/>
+        </p:nvCxnSpPr>
+        <p:spPr>
+          <a:xfrm>
+            <a:off x="6256421" y="1861686"/>
+            <a:ext cx="1915427" cy="583130"/>
+          </a:xfrm>
+          <a:prstGeom prst="straightConnector1">
+            <a:avLst/>
+          </a:prstGeom>
+          <a:ln w="57150">
+            <a:solidFill>
+              <a:srgbClr val="FF0000"/>
+            </a:solidFill>
+            <a:prstDash val="sysDot"/>
+            <a:tailEnd type="triangle"/>
+          </a:ln>
+        </p:spPr>
+        <p:style>
+          <a:lnRef idx="1">
+            <a:schemeClr val="accent1"/>
+          </a:lnRef>
+          <a:fillRef idx="0">
+            <a:schemeClr val="accent1"/>
+          </a:fillRef>
+          <a:effectRef idx="0">
+            <a:schemeClr val="accent1"/>
+          </a:effectRef>
+          <a:fontRef idx="minor">
+            <a:schemeClr val="tx1"/>
+          </a:fontRef>
+        </p:style>
+      </p:cxnSp>
+      <p:sp>
+        <p:nvSpPr>
+          <p:cNvPr id="26" name="Flowchart: Connector 25"/>
+          <p:cNvSpPr/>
+          <p:nvPr/>
+        </p:nvSpPr>
+        <p:spPr>
+          <a:xfrm>
+            <a:off x="3349592" y="1032309"/>
+            <a:ext cx="308008" cy="250257"/>
+          </a:xfrm>
+          <a:prstGeom prst="flowChartConnector">
+            <a:avLst/>
+          </a:prstGeom>
+          <a:solidFill>
+            <a:srgbClr val="FFFF00"/>
+          </a:solidFill>
+        </p:spPr>
+        <p:style>
+          <a:lnRef idx="2">
+            <a:schemeClr val="accent1">
+              <a:shade val="50000"/>
+            </a:schemeClr>
+          </a:lnRef>
+          <a:fillRef idx="1">
+            <a:schemeClr val="accent1"/>
+          </a:fillRef>
+          <a:effectRef idx="0">
+            <a:schemeClr val="accent1"/>
+          </a:effectRef>
+          <a:fontRef idx="minor">
+            <a:schemeClr val="lt1"/>
+          </a:fontRef>
+        </p:style>
+        <p:txBody>
+          <a:bodyPr rtlCol="0" anchor="ctr"/>
+          <a:lstStyle/>
+          <a:p>
+            <a:pPr algn="ctr"/>
+            <a:r>
+              <a:rPr lang="en-US" b="1" dirty="0">
+                <a:solidFill>
+                  <a:schemeClr val="tx1"/>
+                </a:solidFill>
+              </a:rPr>
+              <a:t>1</a:t>
+            </a:r>
+          </a:p>
+        </p:txBody>
+      </p:sp>
+      <p:sp>
+        <p:nvSpPr>
+          <p:cNvPr id="28" name="Flowchart: Connector 27"/>
+          <p:cNvSpPr/>
+          <p:nvPr/>
+        </p:nvSpPr>
+        <p:spPr>
+          <a:xfrm>
+            <a:off x="6672713" y="790473"/>
+            <a:ext cx="308008" cy="250257"/>
+          </a:xfrm>
+          <a:prstGeom prst="flowChartConnector">
+            <a:avLst/>
+          </a:prstGeom>
+          <a:solidFill>
+            <a:srgbClr val="FFFF00"/>
+          </a:solidFill>
+        </p:spPr>
+        <p:style>
+          <a:lnRef idx="2">
+            <a:schemeClr val="accent1">
+              <a:shade val="50000"/>
+            </a:schemeClr>
+          </a:lnRef>
+          <a:fillRef idx="1">
+            <a:schemeClr val="accent1"/>
+          </a:fillRef>
+          <a:effectRef idx="0">
+            <a:schemeClr val="accent1"/>
+          </a:effectRef>
+          <a:fontRef idx="minor">
+            <a:schemeClr val="lt1"/>
+          </a:fontRef>
+        </p:style>
+        <p:txBody>
+          <a:bodyPr rtlCol="0" anchor="ctr"/>
+          <a:lstStyle/>
+          <a:p>
+            <a:pPr algn="ctr"/>
+            <a:r>
+              <a:rPr lang="en-US" b="1" dirty="0">
+                <a:solidFill>
+                  <a:schemeClr val="tx1"/>
+                </a:solidFill>
+              </a:rPr>
+              <a:t>2</a:t>
+            </a:r>
+          </a:p>
+        </p:txBody>
+      </p:sp>
+      <p:sp>
+        <p:nvSpPr>
+          <p:cNvPr id="29" name="Flowchart: Connector 28"/>
+          <p:cNvSpPr/>
+          <p:nvPr/>
+        </p:nvSpPr>
+        <p:spPr>
+          <a:xfrm>
+            <a:off x="7190072" y="1815164"/>
+            <a:ext cx="308008" cy="250257"/>
+          </a:xfrm>
+          <a:prstGeom prst="flowChartConnector">
+            <a:avLst/>
+          </a:prstGeom>
+          <a:solidFill>
+            <a:srgbClr val="FFFF00"/>
+          </a:solidFill>
+        </p:spPr>
+        <p:style>
+          <a:lnRef idx="2">
+            <a:schemeClr val="accent1">
+              <a:shade val="50000"/>
+            </a:schemeClr>
+          </a:lnRef>
+          <a:fillRef idx="1">
+            <a:schemeClr val="accent1"/>
+          </a:fillRef>
+          <a:effectRef idx="0">
+            <a:schemeClr val="accent1"/>
+          </a:effectRef>
+          <a:fontRef idx="minor">
+            <a:schemeClr val="lt1"/>
+          </a:fontRef>
+        </p:style>
+        <p:txBody>
+          <a:bodyPr rtlCol="0" anchor="ctr"/>
+          <a:lstStyle/>
+          <a:p>
+            <a:pPr algn="ctr"/>
+            <a:r>
+              <a:rPr lang="en-US" b="1" dirty="0">
+                <a:solidFill>
+                  <a:schemeClr val="tx1"/>
+                </a:solidFill>
+              </a:rPr>
+              <a:t>3</a:t>
+            </a:r>
+          </a:p>
+        </p:txBody>
+      </p:sp>
+      <p:cxnSp>
+        <p:nvCxnSpPr>
+          <p:cNvPr id="33" name="Straight Arrow Connector 32"/>
+          <p:cNvCxnSpPr/>
+          <p:nvPr/>
+        </p:nvCxnSpPr>
+        <p:spPr>
+          <a:xfrm flipH="1" flipV="1">
+            <a:off x="6347861" y="2093598"/>
+            <a:ext cx="1333099" cy="492388"/>
+          </a:xfrm>
+          <a:prstGeom prst="straightConnector1">
+            <a:avLst/>
+          </a:prstGeom>
+          <a:ln w="57150">
+            <a:solidFill>
+              <a:srgbClr val="FFC000"/>
+            </a:solidFill>
+            <a:prstDash val="sysDot"/>
+            <a:tailEnd type="triangle"/>
+          </a:ln>
+        </p:spPr>
+        <p:style>
+          <a:lnRef idx="1">
+            <a:schemeClr val="accent1"/>
+          </a:lnRef>
+          <a:fillRef idx="0">
+            <a:schemeClr val="accent1"/>
+          </a:fillRef>
+          <a:effectRef idx="0">
+            <a:schemeClr val="accent1"/>
+          </a:effectRef>
+          <a:fontRef idx="minor">
+            <a:schemeClr val="tx1"/>
+          </a:fontRef>
+        </p:style>
+      </p:cxnSp>
+      <p:sp>
+        <p:nvSpPr>
+          <p:cNvPr id="36" name="Flowchart: Connector 35"/>
+          <p:cNvSpPr/>
+          <p:nvPr/>
+        </p:nvSpPr>
+        <p:spPr>
+          <a:xfrm>
+            <a:off x="3335155" y="1690035"/>
+            <a:ext cx="308008" cy="250257"/>
+          </a:xfrm>
+          <a:prstGeom prst="flowChartConnector">
+            <a:avLst/>
+          </a:prstGeom>
+          <a:solidFill>
+            <a:srgbClr val="FFFF00"/>
+          </a:solidFill>
+        </p:spPr>
+        <p:style>
+          <a:lnRef idx="2">
+            <a:schemeClr val="accent1">
+              <a:shade val="50000"/>
+            </a:schemeClr>
+          </a:lnRef>
+          <a:fillRef idx="1">
+            <a:schemeClr val="accent1"/>
+          </a:fillRef>
+          <a:effectRef idx="0">
+            <a:schemeClr val="accent1"/>
+          </a:effectRef>
+          <a:fontRef idx="minor">
+            <a:schemeClr val="lt1"/>
+          </a:fontRef>
+        </p:style>
+        <p:txBody>
+          <a:bodyPr rtlCol="0" anchor="ctr"/>
+          <a:lstStyle/>
+          <a:p>
+            <a:pPr algn="ctr"/>
+            <a:r>
+              <a:rPr lang="en-US" b="1" dirty="0">
+                <a:solidFill>
+                  <a:schemeClr val="tx1"/>
+                </a:solidFill>
+              </a:rPr>
+              <a:t>4</a:t>
+            </a:r>
+          </a:p>
+        </p:txBody>
+      </p:sp>
+      <p:cxnSp>
+        <p:nvCxnSpPr>
+          <p:cNvPr id="37" name="Straight Arrow Connector 36"/>
+          <p:cNvCxnSpPr>
+            <a:stCxn id="4" idx="2"/>
+          </p:cNvCxnSpPr>
+          <p:nvPr/>
+        </p:nvCxnSpPr>
+        <p:spPr>
+          <a:xfrm flipH="1">
+            <a:off x="2473692" y="1573731"/>
+            <a:ext cx="1713298" cy="0"/>
+          </a:xfrm>
+          <a:prstGeom prst="straightConnector1">
+            <a:avLst/>
+          </a:prstGeom>
+          <a:ln w="57150">
+            <a:solidFill>
+              <a:srgbClr val="FF0000"/>
+            </a:solidFill>
+            <a:tailEnd type="triangle"/>
+          </a:ln>
+        </p:spPr>
+        <p:style>
+          <a:lnRef idx="1">
+            <a:schemeClr val="accent1"/>
+          </a:lnRef>
+          <a:fillRef idx="0">
+            <a:schemeClr val="accent1"/>
+          </a:fillRef>
+          <a:effectRef idx="0">
+            <a:schemeClr val="accent1"/>
+          </a:effectRef>
+          <a:fontRef idx="minor">
+            <a:schemeClr val="tx1"/>
+          </a:fontRef>
+        </p:style>
+      </p:cxnSp>
     </p:spTree>
     <p:extLst>
       <p:ext uri="{BB962C8B-B14F-4D97-AF65-F5344CB8AC3E}">
-        <p14:creationId xmlns:p14="http://schemas.microsoft.com/office/powerpoint/2010/main" val="3283035600"/>
+        <p14:creationId xmlns:p14="http://schemas.microsoft.com/office/powerpoint/2010/main" val="2317317168"/>
       </p:ext>
     </p:extLst>
   </p:cSld>
@@ -14151,739 +12707,6 @@
       </p:grpSpPr>
       <p:sp>
         <p:nvSpPr>
-          <p:cNvPr id="2" name="Title 1"/>
-          <p:cNvSpPr>
-            <a:spLocks noGrp="1"/>
-          </p:cNvSpPr>
-          <p:nvPr>
-            <p:ph type="title"/>
-          </p:nvPr>
-        </p:nvSpPr>
-        <p:spPr/>
-        <p:txBody>
-          <a:bodyPr/>
-          <a:lstStyle/>
-          <a:p>
-            <a:endParaRPr lang="en-US"/>
-          </a:p>
-        </p:txBody>
-      </p:sp>
-      <p:sp>
-        <p:nvSpPr>
-          <p:cNvPr id="3" name="Content Placeholder 2"/>
-          <p:cNvSpPr>
-            <a:spLocks noGrp="1"/>
-          </p:cNvSpPr>
-          <p:nvPr>
-            <p:ph idx="1"/>
-          </p:nvPr>
-        </p:nvSpPr>
-        <p:spPr/>
-        <p:txBody>
-          <a:bodyPr/>
-          <a:lstStyle/>
-          <a:p>
-            <a:endParaRPr lang="en-US"/>
-          </a:p>
-        </p:txBody>
-      </p:sp>
-    </p:spTree>
-    <p:extLst>
-      <p:ext uri="{BB962C8B-B14F-4D97-AF65-F5344CB8AC3E}">
-        <p14:creationId xmlns:p14="http://schemas.microsoft.com/office/powerpoint/2010/main" val="1429485378"/>
-      </p:ext>
-    </p:extLst>
-  </p:cSld>
-  <p:clrMapOvr>
-    <a:masterClrMapping/>
-  </p:clrMapOvr>
-</p:sld>
-</file>
-
-<file path=ppt/slides/slide34.xml><?xml version="1.0" encoding="utf-8"?>
-<p:sld xmlns:a="http://schemas.openxmlformats.org/drawingml/2006/main" xmlns:r="http://schemas.openxmlformats.org/officeDocument/2006/relationships" xmlns:p="http://schemas.openxmlformats.org/presentationml/2006/main">
-  <p:cSld>
-    <p:spTree>
-      <p:nvGrpSpPr>
-        <p:cNvPr id="1" name=""/>
-        <p:cNvGrpSpPr/>
-        <p:nvPr/>
-      </p:nvGrpSpPr>
-      <p:grpSpPr>
-        <a:xfrm>
-          <a:off x="0" y="0"/>
-          <a:ext cx="0" cy="0"/>
-          <a:chOff x="0" y="0"/>
-          <a:chExt cx="0" cy="0"/>
-        </a:xfrm>
-      </p:grpSpPr>
-      <p:sp>
-        <p:nvSpPr>
-          <p:cNvPr id="4" name="Can 3"/>
-          <p:cNvSpPr/>
-          <p:nvPr/>
-        </p:nvSpPr>
-        <p:spPr>
-          <a:xfrm>
-            <a:off x="4186990" y="539015"/>
-            <a:ext cx="2069431" cy="2069431"/>
-          </a:xfrm>
-          <a:prstGeom prst="can">
-            <a:avLst/>
-          </a:prstGeom>
-        </p:spPr>
-        <p:style>
-          <a:lnRef idx="2">
-            <a:schemeClr val="accent1">
-              <a:shade val="50000"/>
-            </a:schemeClr>
-          </a:lnRef>
-          <a:fillRef idx="1">
-            <a:schemeClr val="accent1"/>
-          </a:fillRef>
-          <a:effectRef idx="0">
-            <a:schemeClr val="accent1"/>
-          </a:effectRef>
-          <a:fontRef idx="minor">
-            <a:schemeClr val="lt1"/>
-          </a:fontRef>
-        </p:style>
-        <p:txBody>
-          <a:bodyPr rtlCol="0" anchor="ctr"/>
-          <a:lstStyle/>
-          <a:p>
-            <a:pPr algn="ctr"/>
-            <a:r>
-              <a:rPr lang="en-US" dirty="0"/>
-              <a:t>Database</a:t>
-            </a:r>
-            <a:br>
-              <a:rPr lang="en-US" dirty="0"/>
-            </a:br>
-            <a:r>
-              <a:rPr lang="en-US" dirty="0"/>
-              <a:t>Management</a:t>
-            </a:r>
-            <a:br>
-              <a:rPr lang="en-US" dirty="0"/>
-            </a:br>
-            <a:r>
-              <a:rPr lang="en-US" dirty="0"/>
-              <a:t>System</a:t>
-            </a:r>
-          </a:p>
-        </p:txBody>
-      </p:sp>
-      <p:sp>
-        <p:nvSpPr>
-          <p:cNvPr id="5" name="Rounded Rectangle 4"/>
-          <p:cNvSpPr/>
-          <p:nvPr/>
-        </p:nvSpPr>
-        <p:spPr>
-          <a:xfrm>
-            <a:off x="481263" y="943275"/>
-            <a:ext cx="1992429" cy="856648"/>
-          </a:xfrm>
-          <a:prstGeom prst="roundRect">
-            <a:avLst/>
-          </a:prstGeom>
-          <a:solidFill>
-            <a:schemeClr val="accent3">
-              <a:lumMod val="60000"/>
-              <a:lumOff val="40000"/>
-            </a:schemeClr>
-          </a:solidFill>
-        </p:spPr>
-        <p:style>
-          <a:lnRef idx="2">
-            <a:schemeClr val="accent1">
-              <a:shade val="50000"/>
-            </a:schemeClr>
-          </a:lnRef>
-          <a:fillRef idx="1">
-            <a:schemeClr val="accent1"/>
-          </a:fillRef>
-          <a:effectRef idx="0">
-            <a:schemeClr val="accent1"/>
-          </a:effectRef>
-          <a:fontRef idx="minor">
-            <a:schemeClr val="lt1"/>
-          </a:fontRef>
-        </p:style>
-        <p:txBody>
-          <a:bodyPr rtlCol="0" anchor="ctr"/>
-          <a:lstStyle/>
-          <a:p>
-            <a:pPr algn="ctr"/>
-            <a:r>
-              <a:rPr lang="en-US" sz="2400" b="1" dirty="0">
-                <a:solidFill>
-                  <a:schemeClr val="tx1"/>
-                </a:solidFill>
-              </a:rPr>
-              <a:t>Client</a:t>
-            </a:r>
-          </a:p>
-        </p:txBody>
-      </p:sp>
-      <p:cxnSp>
-        <p:nvCxnSpPr>
-          <p:cNvPr id="7" name="Straight Arrow Connector 6"/>
-          <p:cNvCxnSpPr>
-            <a:stCxn id="5" idx="3"/>
-          </p:cNvCxnSpPr>
-          <p:nvPr/>
-        </p:nvCxnSpPr>
-        <p:spPr>
-          <a:xfrm>
-            <a:off x="2473692" y="1371599"/>
-            <a:ext cx="1713298" cy="0"/>
-          </a:xfrm>
-          <a:prstGeom prst="straightConnector1">
-            <a:avLst/>
-          </a:prstGeom>
-          <a:ln w="57150">
-            <a:solidFill>
-              <a:srgbClr val="FF0000"/>
-            </a:solidFill>
-            <a:tailEnd type="triangle"/>
-          </a:ln>
-        </p:spPr>
-        <p:style>
-          <a:lnRef idx="1">
-            <a:schemeClr val="accent1"/>
-          </a:lnRef>
-          <a:fillRef idx="0">
-            <a:schemeClr val="accent1"/>
-          </a:fillRef>
-          <a:effectRef idx="0">
-            <a:schemeClr val="accent1"/>
-          </a:effectRef>
-          <a:fontRef idx="minor">
-            <a:schemeClr val="tx1"/>
-          </a:fontRef>
-        </p:style>
-      </p:cxnSp>
-      <p:sp>
-        <p:nvSpPr>
-          <p:cNvPr id="12" name="Cloud 11"/>
-          <p:cNvSpPr/>
-          <p:nvPr/>
-        </p:nvSpPr>
-        <p:spPr>
-          <a:xfrm>
-            <a:off x="7834964" y="529389"/>
-            <a:ext cx="2464068" cy="686604"/>
-          </a:xfrm>
-          <a:prstGeom prst="cloud">
-            <a:avLst/>
-          </a:prstGeom>
-          <a:solidFill>
-            <a:schemeClr val="accent1">
-              <a:lumMod val="60000"/>
-              <a:lumOff val="40000"/>
-            </a:schemeClr>
-          </a:solidFill>
-        </p:spPr>
-        <p:style>
-          <a:lnRef idx="2">
-            <a:schemeClr val="accent1">
-              <a:shade val="50000"/>
-            </a:schemeClr>
-          </a:lnRef>
-          <a:fillRef idx="1">
-            <a:schemeClr val="accent1"/>
-          </a:fillRef>
-          <a:effectRef idx="0">
-            <a:schemeClr val="accent1"/>
-          </a:effectRef>
-          <a:fontRef idx="minor">
-            <a:schemeClr val="lt1"/>
-          </a:fontRef>
-        </p:style>
-        <p:txBody>
-          <a:bodyPr rtlCol="0" anchor="ctr"/>
-          <a:lstStyle/>
-          <a:p>
-            <a:pPr algn="ctr"/>
-            <a:r>
-              <a:rPr lang="en-US" dirty="0"/>
-              <a:t>Memory (RAM)</a:t>
-            </a:r>
-          </a:p>
-        </p:txBody>
-      </p:sp>
-      <p:sp>
-        <p:nvSpPr>
-          <p:cNvPr id="15" name="Teardrop 14"/>
-          <p:cNvSpPr/>
-          <p:nvPr/>
-        </p:nvSpPr>
-        <p:spPr>
-          <a:xfrm>
-            <a:off x="7093819" y="2444816"/>
-            <a:ext cx="3869356" cy="1973179"/>
-          </a:xfrm>
-          <a:prstGeom prst="teardrop">
-            <a:avLst/>
-          </a:prstGeom>
-          <a:solidFill>
-            <a:schemeClr val="bg2">
-              <a:lumMod val="75000"/>
-            </a:schemeClr>
-          </a:solidFill>
-        </p:spPr>
-        <p:style>
-          <a:lnRef idx="2">
-            <a:schemeClr val="accent1">
-              <a:shade val="50000"/>
-            </a:schemeClr>
-          </a:lnRef>
-          <a:fillRef idx="1">
-            <a:schemeClr val="accent1"/>
-          </a:fillRef>
-          <a:effectRef idx="0">
-            <a:schemeClr val="accent1"/>
-          </a:effectRef>
-          <a:fontRef idx="minor">
-            <a:schemeClr val="lt1"/>
-          </a:fontRef>
-        </p:style>
-        <p:txBody>
-          <a:bodyPr rtlCol="0" anchor="ctr"/>
-          <a:lstStyle/>
-          <a:p>
-            <a:pPr algn="ctr"/>
-            <a:r>
-              <a:rPr lang="en-US" dirty="0"/>
-              <a:t>Hard Drive</a:t>
-            </a:r>
-          </a:p>
-        </p:txBody>
-      </p:sp>
-      <p:cxnSp>
-        <p:nvCxnSpPr>
-          <p:cNvPr id="16" name="Straight Arrow Connector 15"/>
-          <p:cNvCxnSpPr>
-            <a:endCxn id="12" idx="2"/>
-          </p:cNvCxnSpPr>
-          <p:nvPr/>
-        </p:nvCxnSpPr>
-        <p:spPr>
-          <a:xfrm flipV="1">
-            <a:off x="6347860" y="872691"/>
-            <a:ext cx="1494747" cy="484472"/>
-          </a:xfrm>
-          <a:prstGeom prst="straightConnector1">
-            <a:avLst/>
-          </a:prstGeom>
-          <a:ln w="57150">
-            <a:solidFill>
-              <a:srgbClr val="FF0000"/>
-            </a:solidFill>
-            <a:prstDash val="sysDot"/>
-            <a:tailEnd type="triangle"/>
-          </a:ln>
-        </p:spPr>
-        <p:style>
-          <a:lnRef idx="1">
-            <a:schemeClr val="accent1"/>
-          </a:lnRef>
-          <a:fillRef idx="0">
-            <a:schemeClr val="accent1"/>
-          </a:fillRef>
-          <a:effectRef idx="0">
-            <a:schemeClr val="accent1"/>
-          </a:effectRef>
-          <a:fontRef idx="minor">
-            <a:schemeClr val="tx1"/>
-          </a:fontRef>
-        </p:style>
-      </p:cxnSp>
-      <p:cxnSp>
-        <p:nvCxnSpPr>
-          <p:cNvPr id="19" name="Straight Arrow Connector 18"/>
-          <p:cNvCxnSpPr>
-            <a:endCxn id="4" idx="4"/>
-          </p:cNvCxnSpPr>
-          <p:nvPr/>
-        </p:nvCxnSpPr>
-        <p:spPr>
-          <a:xfrm flipH="1">
-            <a:off x="6256421" y="1068404"/>
-            <a:ext cx="1578543" cy="505327"/>
-          </a:xfrm>
-          <a:prstGeom prst="straightConnector1">
-            <a:avLst/>
-          </a:prstGeom>
-          <a:ln w="57150">
-            <a:solidFill>
-              <a:srgbClr val="FFC000"/>
-            </a:solidFill>
-            <a:prstDash val="sysDot"/>
-            <a:tailEnd type="triangle"/>
-          </a:ln>
-        </p:spPr>
-        <p:style>
-          <a:lnRef idx="1">
-            <a:schemeClr val="accent1"/>
-          </a:lnRef>
-          <a:fillRef idx="0">
-            <a:schemeClr val="accent1"/>
-          </a:fillRef>
-          <a:effectRef idx="0">
-            <a:schemeClr val="accent1"/>
-          </a:effectRef>
-          <a:fontRef idx="minor">
-            <a:schemeClr val="tx1"/>
-          </a:fontRef>
-        </p:style>
-      </p:cxnSp>
-      <p:cxnSp>
-        <p:nvCxnSpPr>
-          <p:cNvPr id="21" name="Straight Arrow Connector 20"/>
-          <p:cNvCxnSpPr/>
-          <p:nvPr/>
-        </p:nvCxnSpPr>
-        <p:spPr>
-          <a:xfrm>
-            <a:off x="6256421" y="1861686"/>
-            <a:ext cx="1915427" cy="583130"/>
-          </a:xfrm>
-          <a:prstGeom prst="straightConnector1">
-            <a:avLst/>
-          </a:prstGeom>
-          <a:ln w="57150">
-            <a:solidFill>
-              <a:srgbClr val="FF0000"/>
-            </a:solidFill>
-            <a:prstDash val="sysDot"/>
-            <a:tailEnd type="triangle"/>
-          </a:ln>
-        </p:spPr>
-        <p:style>
-          <a:lnRef idx="1">
-            <a:schemeClr val="accent1"/>
-          </a:lnRef>
-          <a:fillRef idx="0">
-            <a:schemeClr val="accent1"/>
-          </a:fillRef>
-          <a:effectRef idx="0">
-            <a:schemeClr val="accent1"/>
-          </a:effectRef>
-          <a:fontRef idx="minor">
-            <a:schemeClr val="tx1"/>
-          </a:fontRef>
-        </p:style>
-      </p:cxnSp>
-      <p:sp>
-        <p:nvSpPr>
-          <p:cNvPr id="26" name="Flowchart: Connector 25"/>
-          <p:cNvSpPr/>
-          <p:nvPr/>
-        </p:nvSpPr>
-        <p:spPr>
-          <a:xfrm>
-            <a:off x="3349592" y="1032309"/>
-            <a:ext cx="308008" cy="250257"/>
-          </a:xfrm>
-          <a:prstGeom prst="flowChartConnector">
-            <a:avLst/>
-          </a:prstGeom>
-          <a:solidFill>
-            <a:srgbClr val="FFFF00"/>
-          </a:solidFill>
-        </p:spPr>
-        <p:style>
-          <a:lnRef idx="2">
-            <a:schemeClr val="accent1">
-              <a:shade val="50000"/>
-            </a:schemeClr>
-          </a:lnRef>
-          <a:fillRef idx="1">
-            <a:schemeClr val="accent1"/>
-          </a:fillRef>
-          <a:effectRef idx="0">
-            <a:schemeClr val="accent1"/>
-          </a:effectRef>
-          <a:fontRef idx="minor">
-            <a:schemeClr val="lt1"/>
-          </a:fontRef>
-        </p:style>
-        <p:txBody>
-          <a:bodyPr rtlCol="0" anchor="ctr"/>
-          <a:lstStyle/>
-          <a:p>
-            <a:pPr algn="ctr"/>
-            <a:r>
-              <a:rPr lang="en-US" b="1" dirty="0">
-                <a:solidFill>
-                  <a:schemeClr val="tx1"/>
-                </a:solidFill>
-              </a:rPr>
-              <a:t>1</a:t>
-            </a:r>
-          </a:p>
-        </p:txBody>
-      </p:sp>
-      <p:sp>
-        <p:nvSpPr>
-          <p:cNvPr id="28" name="Flowchart: Connector 27"/>
-          <p:cNvSpPr/>
-          <p:nvPr/>
-        </p:nvSpPr>
-        <p:spPr>
-          <a:xfrm>
-            <a:off x="6672713" y="790473"/>
-            <a:ext cx="308008" cy="250257"/>
-          </a:xfrm>
-          <a:prstGeom prst="flowChartConnector">
-            <a:avLst/>
-          </a:prstGeom>
-          <a:solidFill>
-            <a:srgbClr val="FFFF00"/>
-          </a:solidFill>
-        </p:spPr>
-        <p:style>
-          <a:lnRef idx="2">
-            <a:schemeClr val="accent1">
-              <a:shade val="50000"/>
-            </a:schemeClr>
-          </a:lnRef>
-          <a:fillRef idx="1">
-            <a:schemeClr val="accent1"/>
-          </a:fillRef>
-          <a:effectRef idx="0">
-            <a:schemeClr val="accent1"/>
-          </a:effectRef>
-          <a:fontRef idx="minor">
-            <a:schemeClr val="lt1"/>
-          </a:fontRef>
-        </p:style>
-        <p:txBody>
-          <a:bodyPr rtlCol="0" anchor="ctr"/>
-          <a:lstStyle/>
-          <a:p>
-            <a:pPr algn="ctr"/>
-            <a:r>
-              <a:rPr lang="en-US" b="1" dirty="0">
-                <a:solidFill>
-                  <a:schemeClr val="tx1"/>
-                </a:solidFill>
-              </a:rPr>
-              <a:t>2</a:t>
-            </a:r>
-          </a:p>
-        </p:txBody>
-      </p:sp>
-      <p:sp>
-        <p:nvSpPr>
-          <p:cNvPr id="29" name="Flowchart: Connector 28"/>
-          <p:cNvSpPr/>
-          <p:nvPr/>
-        </p:nvSpPr>
-        <p:spPr>
-          <a:xfrm>
-            <a:off x="7190072" y="1815164"/>
-            <a:ext cx="308008" cy="250257"/>
-          </a:xfrm>
-          <a:prstGeom prst="flowChartConnector">
-            <a:avLst/>
-          </a:prstGeom>
-          <a:solidFill>
-            <a:srgbClr val="FFFF00"/>
-          </a:solidFill>
-        </p:spPr>
-        <p:style>
-          <a:lnRef idx="2">
-            <a:schemeClr val="accent1">
-              <a:shade val="50000"/>
-            </a:schemeClr>
-          </a:lnRef>
-          <a:fillRef idx="1">
-            <a:schemeClr val="accent1"/>
-          </a:fillRef>
-          <a:effectRef idx="0">
-            <a:schemeClr val="accent1"/>
-          </a:effectRef>
-          <a:fontRef idx="minor">
-            <a:schemeClr val="lt1"/>
-          </a:fontRef>
-        </p:style>
-        <p:txBody>
-          <a:bodyPr rtlCol="0" anchor="ctr"/>
-          <a:lstStyle/>
-          <a:p>
-            <a:pPr algn="ctr"/>
-            <a:r>
-              <a:rPr lang="en-US" b="1" dirty="0">
-                <a:solidFill>
-                  <a:schemeClr val="tx1"/>
-                </a:solidFill>
-              </a:rPr>
-              <a:t>3</a:t>
-            </a:r>
-          </a:p>
-        </p:txBody>
-      </p:sp>
-      <p:cxnSp>
-        <p:nvCxnSpPr>
-          <p:cNvPr id="33" name="Straight Arrow Connector 32"/>
-          <p:cNvCxnSpPr/>
-          <p:nvPr/>
-        </p:nvCxnSpPr>
-        <p:spPr>
-          <a:xfrm flipH="1" flipV="1">
-            <a:off x="6347861" y="2093598"/>
-            <a:ext cx="1333099" cy="492388"/>
-          </a:xfrm>
-          <a:prstGeom prst="straightConnector1">
-            <a:avLst/>
-          </a:prstGeom>
-          <a:ln w="57150">
-            <a:solidFill>
-              <a:srgbClr val="FFC000"/>
-            </a:solidFill>
-            <a:prstDash val="sysDot"/>
-            <a:tailEnd type="triangle"/>
-          </a:ln>
-        </p:spPr>
-        <p:style>
-          <a:lnRef idx="1">
-            <a:schemeClr val="accent1"/>
-          </a:lnRef>
-          <a:fillRef idx="0">
-            <a:schemeClr val="accent1"/>
-          </a:fillRef>
-          <a:effectRef idx="0">
-            <a:schemeClr val="accent1"/>
-          </a:effectRef>
-          <a:fontRef idx="minor">
-            <a:schemeClr val="tx1"/>
-          </a:fontRef>
-        </p:style>
-      </p:cxnSp>
-      <p:sp>
-        <p:nvSpPr>
-          <p:cNvPr id="36" name="Flowchart: Connector 35"/>
-          <p:cNvSpPr/>
-          <p:nvPr/>
-        </p:nvSpPr>
-        <p:spPr>
-          <a:xfrm>
-            <a:off x="3335155" y="1690035"/>
-            <a:ext cx="308008" cy="250257"/>
-          </a:xfrm>
-          <a:prstGeom prst="flowChartConnector">
-            <a:avLst/>
-          </a:prstGeom>
-          <a:solidFill>
-            <a:srgbClr val="FFFF00"/>
-          </a:solidFill>
-        </p:spPr>
-        <p:style>
-          <a:lnRef idx="2">
-            <a:schemeClr val="accent1">
-              <a:shade val="50000"/>
-            </a:schemeClr>
-          </a:lnRef>
-          <a:fillRef idx="1">
-            <a:schemeClr val="accent1"/>
-          </a:fillRef>
-          <a:effectRef idx="0">
-            <a:schemeClr val="accent1"/>
-          </a:effectRef>
-          <a:fontRef idx="minor">
-            <a:schemeClr val="lt1"/>
-          </a:fontRef>
-        </p:style>
-        <p:txBody>
-          <a:bodyPr rtlCol="0" anchor="ctr"/>
-          <a:lstStyle/>
-          <a:p>
-            <a:pPr algn="ctr"/>
-            <a:r>
-              <a:rPr lang="en-US" b="1" dirty="0">
-                <a:solidFill>
-                  <a:schemeClr val="tx1"/>
-                </a:solidFill>
-              </a:rPr>
-              <a:t>4</a:t>
-            </a:r>
-          </a:p>
-        </p:txBody>
-      </p:sp>
-      <p:cxnSp>
-        <p:nvCxnSpPr>
-          <p:cNvPr id="37" name="Straight Arrow Connector 36"/>
-          <p:cNvCxnSpPr>
-            <a:stCxn id="4" idx="2"/>
-          </p:cNvCxnSpPr>
-          <p:nvPr/>
-        </p:nvCxnSpPr>
-        <p:spPr>
-          <a:xfrm flipH="1">
-            <a:off x="2473692" y="1573731"/>
-            <a:ext cx="1713298" cy="0"/>
-          </a:xfrm>
-          <a:prstGeom prst="straightConnector1">
-            <a:avLst/>
-          </a:prstGeom>
-          <a:ln w="57150">
-            <a:solidFill>
-              <a:srgbClr val="FF0000"/>
-            </a:solidFill>
-            <a:tailEnd type="triangle"/>
-          </a:ln>
-        </p:spPr>
-        <p:style>
-          <a:lnRef idx="1">
-            <a:schemeClr val="accent1"/>
-          </a:lnRef>
-          <a:fillRef idx="0">
-            <a:schemeClr val="accent1"/>
-          </a:fillRef>
-          <a:effectRef idx="0">
-            <a:schemeClr val="accent1"/>
-          </a:effectRef>
-          <a:fontRef idx="minor">
-            <a:schemeClr val="tx1"/>
-          </a:fontRef>
-        </p:style>
-      </p:cxnSp>
-    </p:spTree>
-    <p:extLst>
-      <p:ext uri="{BB962C8B-B14F-4D97-AF65-F5344CB8AC3E}">
-        <p14:creationId xmlns:p14="http://schemas.microsoft.com/office/powerpoint/2010/main" val="2317317168"/>
-      </p:ext>
-    </p:extLst>
-  </p:cSld>
-  <p:clrMapOvr>
-    <a:masterClrMapping/>
-  </p:clrMapOvr>
-</p:sld>
-</file>
-
-<file path=ppt/slides/slide35.xml><?xml version="1.0" encoding="utf-8"?>
-<p:sld xmlns:a="http://schemas.openxmlformats.org/drawingml/2006/main" xmlns:r="http://schemas.openxmlformats.org/officeDocument/2006/relationships" xmlns:p="http://schemas.openxmlformats.org/presentationml/2006/main">
-  <p:cSld>
-    <p:spTree>
-      <p:nvGrpSpPr>
-        <p:cNvPr id="1" name=""/>
-        <p:cNvGrpSpPr/>
-        <p:nvPr/>
-      </p:nvGrpSpPr>
-      <p:grpSpPr>
-        <a:xfrm>
-          <a:off x="0" y="0"/>
-          <a:ext cx="0" cy="0"/>
-          <a:chOff x="0" y="0"/>
-          <a:chExt cx="0" cy="0"/>
-        </a:xfrm>
-      </p:grpSpPr>
-      <p:sp>
-        <p:nvSpPr>
           <p:cNvPr id="4" name="Can 3"/>
           <p:cNvSpPr/>
           <p:nvPr/>
@@ -15530,7 +13353,7 @@
 </p:sld>
 </file>
 
-<file path=ppt/slides/slide36.xml><?xml version="1.0" encoding="utf-8"?>
+<file path=ppt/slides/slide34.xml><?xml version="1.0" encoding="utf-8"?>
 <p:sld xmlns:a="http://schemas.openxmlformats.org/drawingml/2006/main" xmlns:r="http://schemas.openxmlformats.org/officeDocument/2006/relationships" xmlns:p="http://schemas.openxmlformats.org/presentationml/2006/main">
   <p:cSld>
     <p:spTree>
@@ -16223,6 +14046,589 @@
 </p:sld>
 </file>
 
+<file path=ppt/slides/slide35.xml><?xml version="1.0" encoding="utf-8"?>
+<p:sld xmlns:a="http://schemas.openxmlformats.org/drawingml/2006/main" xmlns:r="http://schemas.openxmlformats.org/officeDocument/2006/relationships" xmlns:p="http://schemas.openxmlformats.org/presentationml/2006/main">
+  <p:cSld>
+    <p:spTree>
+      <p:nvGrpSpPr>
+        <p:cNvPr id="1" name=""/>
+        <p:cNvGrpSpPr/>
+        <p:nvPr/>
+      </p:nvGrpSpPr>
+      <p:grpSpPr>
+        <a:xfrm>
+          <a:off x="0" y="0"/>
+          <a:ext cx="0" cy="0"/>
+          <a:chOff x="0" y="0"/>
+          <a:chExt cx="0" cy="0"/>
+        </a:xfrm>
+      </p:grpSpPr>
+      <p:sp>
+        <p:nvSpPr>
+          <p:cNvPr id="14" name="TextBox 13"/>
+          <p:cNvSpPr txBox="1"/>
+          <p:nvPr/>
+        </p:nvSpPr>
+        <p:spPr>
+          <a:xfrm>
+            <a:off x="600075" y="1876425"/>
+            <a:ext cx="10120848" cy="2308324"/>
+          </a:xfrm>
+          <a:prstGeom prst="rect">
+            <a:avLst/>
+          </a:prstGeom>
+          <a:noFill/>
+        </p:spPr>
+        <p:txBody>
+          <a:bodyPr wrap="none" rtlCol="0">
+            <a:spAutoFit/>
+          </a:bodyPr>
+          <a:lstStyle/>
+          <a:p>
+            <a:pPr marL="285750" indent="-285750">
+              <a:buFont typeface="Arial" panose="020B0604020202020204" pitchFamily="34" charset="0"/>
+              <a:buChar char="•"/>
+            </a:pPr>
+            <a:r>
+              <a:rPr lang="en-US" dirty="0"/>
+              <a:t>Useful in Big Data scenarios</a:t>
+            </a:r>
+          </a:p>
+          <a:p>
+            <a:pPr marL="285750" indent="-285750">
+              <a:buFont typeface="Arial" panose="020B0604020202020204" pitchFamily="34" charset="0"/>
+              <a:buChar char="•"/>
+            </a:pPr>
+            <a:r>
+              <a:rPr lang="en-US" dirty="0"/>
+              <a:t>There is no point to running this as a single node…you want to run this a as distributed set of nodes on </a:t>
+            </a:r>
+            <a:br>
+              <a:rPr lang="en-US" dirty="0"/>
+            </a:br>
+            <a:r>
+              <a:rPr lang="en-US" dirty="0"/>
+              <a:t>commodity hardware to get any real benefit from wide column</a:t>
+            </a:r>
+          </a:p>
+          <a:p>
+            <a:pPr marL="285750" indent="-285750">
+              <a:buFont typeface="Arial" panose="020B0604020202020204" pitchFamily="34" charset="0"/>
+              <a:buChar char="•"/>
+            </a:pPr>
+            <a:r>
+              <a:rPr lang="en-US" dirty="0"/>
+              <a:t>Memory considerations (working set) - Canonical example of computing average salary of users:</a:t>
+            </a:r>
+          </a:p>
+          <a:p>
+            <a:pPr marL="742950" lvl="1" indent="-285750">
+              <a:buFont typeface="Arial" panose="020B0604020202020204" pitchFamily="34" charset="0"/>
+              <a:buChar char="•"/>
+            </a:pPr>
+            <a:r>
+              <a:rPr lang="en-US" dirty="0"/>
+              <a:t>Show schema in RDMS/document</a:t>
+            </a:r>
+          </a:p>
+          <a:p>
+            <a:pPr marL="742950" lvl="1" indent="-285750">
+              <a:buFont typeface="Arial" panose="020B0604020202020204" pitchFamily="34" charset="0"/>
+              <a:buChar char="•"/>
+            </a:pPr>
+            <a:r>
+              <a:rPr lang="en-US" dirty="0"/>
+              <a:t>Show schema in Wide Column</a:t>
+            </a:r>
+          </a:p>
+          <a:p>
+            <a:pPr marL="285750" indent="-285750">
+              <a:buFont typeface="Arial" panose="020B0604020202020204" pitchFamily="34" charset="0"/>
+              <a:buChar char="•"/>
+            </a:pPr>
+            <a:r>
+              <a:rPr lang="en-US" dirty="0"/>
+              <a:t>Tend to be Eventually consistent</a:t>
+            </a:r>
+          </a:p>
+          <a:p>
+            <a:pPr marL="285750" indent="-285750">
+              <a:buFont typeface="Arial" panose="020B0604020202020204" pitchFamily="34" charset="0"/>
+              <a:buChar char="•"/>
+            </a:pPr>
+            <a:endParaRPr lang="en-US" dirty="0"/>
+          </a:p>
+        </p:txBody>
+      </p:sp>
+      <p:sp>
+        <p:nvSpPr>
+          <p:cNvPr id="16" name="TextBox 15"/>
+          <p:cNvSpPr txBox="1"/>
+          <p:nvPr/>
+        </p:nvSpPr>
+        <p:spPr>
+          <a:xfrm>
+            <a:off x="2638425" y="457200"/>
+            <a:ext cx="4157613" cy="584775"/>
+          </a:xfrm>
+          <a:prstGeom prst="rect">
+            <a:avLst/>
+          </a:prstGeom>
+          <a:noFill/>
+        </p:spPr>
+        <p:txBody>
+          <a:bodyPr wrap="none" rtlCol="0">
+            <a:spAutoFit/>
+          </a:bodyPr>
+          <a:lstStyle/>
+          <a:p>
+            <a:r>
+              <a:rPr lang="en-US" sz="4800" baseline="-25000" dirty="0"/>
+              <a:t>COLUMNAR DATABASES</a:t>
+            </a:r>
+          </a:p>
+        </p:txBody>
+      </p:sp>
+    </p:spTree>
+    <p:extLst>
+      <p:ext uri="{BB962C8B-B14F-4D97-AF65-F5344CB8AC3E}">
+        <p14:creationId xmlns:p14="http://schemas.microsoft.com/office/powerpoint/2010/main" val="2287619243"/>
+      </p:ext>
+    </p:extLst>
+  </p:cSld>
+  <p:clrMapOvr>
+    <a:masterClrMapping/>
+  </p:clrMapOvr>
+</p:sld>
+</file>
+
+<file path=ppt/slides/slide36.xml><?xml version="1.0" encoding="utf-8"?>
+<p:sld xmlns:a="http://schemas.openxmlformats.org/drawingml/2006/main" xmlns:r="http://schemas.openxmlformats.org/officeDocument/2006/relationships" xmlns:p="http://schemas.openxmlformats.org/presentationml/2006/main">
+  <p:cSld>
+    <p:spTree>
+      <p:nvGrpSpPr>
+        <p:cNvPr id="1" name=""/>
+        <p:cNvGrpSpPr/>
+        <p:nvPr/>
+      </p:nvGrpSpPr>
+      <p:grpSpPr>
+        <a:xfrm>
+          <a:off x="0" y="0"/>
+          <a:ext cx="0" cy="0"/>
+          <a:chOff x="0" y="0"/>
+          <a:chExt cx="0" cy="0"/>
+        </a:xfrm>
+      </p:grpSpPr>
+      <p:sp>
+        <p:nvSpPr>
+          <p:cNvPr id="5" name="TextBox 4"/>
+          <p:cNvSpPr txBox="1"/>
+          <p:nvPr/>
+        </p:nvSpPr>
+        <p:spPr>
+          <a:xfrm>
+            <a:off x="3918715" y="1299685"/>
+            <a:ext cx="3442674" cy="1477328"/>
+          </a:xfrm>
+          <a:prstGeom prst="rect">
+            <a:avLst/>
+          </a:prstGeom>
+          <a:noFill/>
+        </p:spPr>
+        <p:txBody>
+          <a:bodyPr wrap="none" rtlCol="0">
+            <a:spAutoFit/>
+          </a:bodyPr>
+          <a:lstStyle/>
+          <a:p>
+            <a:pPr marL="285750" indent="-285750">
+              <a:buFont typeface="Arial" panose="020B0604020202020204" pitchFamily="34" charset="0"/>
+              <a:buChar char="•"/>
+            </a:pPr>
+            <a:r>
+              <a:rPr lang="en-US" dirty="0"/>
+              <a:t>Show all users</a:t>
+            </a:r>
+          </a:p>
+          <a:p>
+            <a:pPr marL="285750" indent="-285750">
+              <a:buFont typeface="Arial" panose="020B0604020202020204" pitchFamily="34" charset="0"/>
+              <a:buChar char="•"/>
+            </a:pPr>
+            <a:r>
+              <a:rPr lang="en-US" dirty="0"/>
+              <a:t>Show who a user is friends with</a:t>
+            </a:r>
+          </a:p>
+          <a:p>
+            <a:pPr marL="285750" indent="-285750">
+              <a:buFont typeface="Arial" panose="020B0604020202020204" pitchFamily="34" charset="0"/>
+              <a:buChar char="•"/>
+            </a:pPr>
+            <a:r>
+              <a:rPr lang="en-US" dirty="0"/>
+              <a:t>Show all posts (default)</a:t>
+            </a:r>
+          </a:p>
+          <a:p>
+            <a:pPr marL="285750" indent="-285750">
+              <a:buFont typeface="Arial" panose="020B0604020202020204" pitchFamily="34" charset="0"/>
+              <a:buChar char="•"/>
+            </a:pPr>
+            <a:r>
+              <a:rPr lang="en-US" dirty="0"/>
+              <a:t>Show all posts of a user</a:t>
+            </a:r>
+          </a:p>
+          <a:p>
+            <a:pPr marL="285750" indent="-285750">
+              <a:buFont typeface="Arial" panose="020B0604020202020204" pitchFamily="34" charset="0"/>
+              <a:buChar char="•"/>
+            </a:pPr>
+            <a:endParaRPr lang="en-US" dirty="0"/>
+          </a:p>
+        </p:txBody>
+      </p:sp>
+      <p:sp>
+        <p:nvSpPr>
+          <p:cNvPr id="6" name="Rectangle 5"/>
+          <p:cNvSpPr/>
+          <p:nvPr/>
+        </p:nvSpPr>
+        <p:spPr>
+          <a:xfrm>
+            <a:off x="419100" y="1099660"/>
+            <a:ext cx="1295400" cy="1073705"/>
+          </a:xfrm>
+          <a:prstGeom prst="rect">
+            <a:avLst/>
+          </a:prstGeom>
+        </p:spPr>
+        <p:style>
+          <a:lnRef idx="2">
+            <a:schemeClr val="accent1">
+              <a:shade val="50000"/>
+            </a:schemeClr>
+          </a:lnRef>
+          <a:fillRef idx="1">
+            <a:schemeClr val="accent1"/>
+          </a:fillRef>
+          <a:effectRef idx="0">
+            <a:schemeClr val="accent1"/>
+          </a:effectRef>
+          <a:fontRef idx="minor">
+            <a:schemeClr val="lt1"/>
+          </a:fontRef>
+        </p:style>
+        <p:txBody>
+          <a:bodyPr rtlCol="0" anchor="ctr"/>
+          <a:lstStyle/>
+          <a:p>
+            <a:r>
+              <a:rPr lang="en-US" sz="1400" b="1" dirty="0">
+                <a:solidFill>
+                  <a:srgbClr val="FFFF00"/>
+                </a:solidFill>
+              </a:rPr>
+              <a:t>USERS</a:t>
+            </a:r>
+            <a:br>
+              <a:rPr lang="en-US" sz="1400" dirty="0"/>
+            </a:br>
+            <a:r>
+              <a:rPr lang="en-US" sz="1400" dirty="0"/>
+              <a:t>username</a:t>
+            </a:r>
+            <a:br>
+              <a:rPr lang="en-US" sz="1400" dirty="0"/>
+            </a:br>
+            <a:r>
+              <a:rPr lang="en-US" sz="1400" dirty="0"/>
+              <a:t>password</a:t>
+            </a:r>
+            <a:br>
+              <a:rPr lang="en-US" sz="1400" dirty="0"/>
+            </a:br>
+            <a:r>
+              <a:rPr lang="en-US" sz="1400" dirty="0"/>
+              <a:t>email</a:t>
+            </a:r>
+            <a:br>
+              <a:rPr lang="en-US" sz="1400" dirty="0"/>
+            </a:br>
+            <a:r>
+              <a:rPr lang="en-US" sz="1400" dirty="0"/>
+              <a:t>name</a:t>
+            </a:r>
+          </a:p>
+        </p:txBody>
+      </p:sp>
+      <p:sp>
+        <p:nvSpPr>
+          <p:cNvPr id="8" name="Rectangle 7"/>
+          <p:cNvSpPr/>
+          <p:nvPr/>
+        </p:nvSpPr>
+        <p:spPr>
+          <a:xfrm>
+            <a:off x="2066924" y="1099661"/>
+            <a:ext cx="1333501" cy="938688"/>
+          </a:xfrm>
+          <a:prstGeom prst="rect">
+            <a:avLst/>
+          </a:prstGeom>
+        </p:spPr>
+        <p:style>
+          <a:lnRef idx="2">
+            <a:schemeClr val="accent1">
+              <a:shade val="50000"/>
+            </a:schemeClr>
+          </a:lnRef>
+          <a:fillRef idx="1">
+            <a:schemeClr val="accent1"/>
+          </a:fillRef>
+          <a:effectRef idx="0">
+            <a:schemeClr val="accent1"/>
+          </a:effectRef>
+          <a:fontRef idx="minor">
+            <a:schemeClr val="lt1"/>
+          </a:fontRef>
+        </p:style>
+        <p:txBody>
+          <a:bodyPr rtlCol="0" anchor="ctr"/>
+          <a:lstStyle/>
+          <a:p>
+            <a:r>
+              <a:rPr lang="en-US" sz="1400" b="1" dirty="0">
+                <a:solidFill>
+                  <a:srgbClr val="FFFF00"/>
+                </a:solidFill>
+              </a:rPr>
+              <a:t>FRIENDS</a:t>
+            </a:r>
+            <a:br>
+              <a:rPr lang="en-US" sz="1400" dirty="0"/>
+            </a:br>
+            <a:r>
+              <a:rPr lang="en-US" sz="1400" dirty="0"/>
+              <a:t>username</a:t>
+            </a:r>
+            <a:br>
+              <a:rPr lang="en-US" sz="1400" dirty="0"/>
+            </a:br>
+            <a:r>
+              <a:rPr lang="en-US" sz="1400" dirty="0"/>
+              <a:t>friendsWith</a:t>
+            </a:r>
+          </a:p>
+        </p:txBody>
+      </p:sp>
+      <p:sp>
+        <p:nvSpPr>
+          <p:cNvPr id="9" name="Rectangle 8"/>
+          <p:cNvSpPr/>
+          <p:nvPr/>
+        </p:nvSpPr>
+        <p:spPr>
+          <a:xfrm>
+            <a:off x="2066925" y="2419021"/>
+            <a:ext cx="1333501" cy="938689"/>
+          </a:xfrm>
+          <a:prstGeom prst="rect">
+            <a:avLst/>
+          </a:prstGeom>
+        </p:spPr>
+        <p:style>
+          <a:lnRef idx="2">
+            <a:schemeClr val="accent1">
+              <a:shade val="50000"/>
+            </a:schemeClr>
+          </a:lnRef>
+          <a:fillRef idx="1">
+            <a:schemeClr val="accent1"/>
+          </a:fillRef>
+          <a:effectRef idx="0">
+            <a:schemeClr val="accent1"/>
+          </a:effectRef>
+          <a:fontRef idx="minor">
+            <a:schemeClr val="lt1"/>
+          </a:fontRef>
+        </p:style>
+        <p:txBody>
+          <a:bodyPr rtlCol="0" anchor="ctr"/>
+          <a:lstStyle/>
+          <a:p>
+            <a:r>
+              <a:rPr lang="en-US" sz="1400" b="1" dirty="0">
+                <a:solidFill>
+                  <a:srgbClr val="FFFF00"/>
+                </a:solidFill>
+              </a:rPr>
+              <a:t>POSTS</a:t>
+            </a:r>
+            <a:br>
+              <a:rPr lang="en-US" sz="1400" dirty="0"/>
+            </a:br>
+            <a:r>
+              <a:rPr lang="en-US" sz="1400" dirty="0"/>
+              <a:t>post_id (uuid)</a:t>
+            </a:r>
+            <a:br>
+              <a:rPr lang="en-US" sz="1400" dirty="0"/>
+            </a:br>
+            <a:r>
+              <a:rPr lang="en-US" sz="1400" dirty="0"/>
+              <a:t>username</a:t>
+            </a:r>
+            <a:br>
+              <a:rPr lang="en-US" sz="1400" dirty="0"/>
+            </a:br>
+            <a:r>
+              <a:rPr lang="en-US" sz="1400" dirty="0"/>
+              <a:t>body</a:t>
+            </a:r>
+          </a:p>
+        </p:txBody>
+      </p:sp>
+      <p:sp>
+        <p:nvSpPr>
+          <p:cNvPr id="10" name="Rectangle 9"/>
+          <p:cNvSpPr/>
+          <p:nvPr/>
+        </p:nvSpPr>
+        <p:spPr>
+          <a:xfrm>
+            <a:off x="419100" y="2419021"/>
+            <a:ext cx="1295400" cy="938688"/>
+          </a:xfrm>
+          <a:prstGeom prst="rect">
+            <a:avLst/>
+          </a:prstGeom>
+        </p:spPr>
+        <p:style>
+          <a:lnRef idx="2">
+            <a:schemeClr val="accent1">
+              <a:shade val="50000"/>
+            </a:schemeClr>
+          </a:lnRef>
+          <a:fillRef idx="1">
+            <a:schemeClr val="accent1"/>
+          </a:fillRef>
+          <a:effectRef idx="0">
+            <a:schemeClr val="accent1"/>
+          </a:effectRef>
+          <a:fontRef idx="minor">
+            <a:schemeClr val="lt1"/>
+          </a:fontRef>
+        </p:style>
+        <p:txBody>
+          <a:bodyPr rtlCol="0" anchor="ctr"/>
+          <a:lstStyle/>
+          <a:p>
+            <a:r>
+              <a:rPr lang="en-US" sz="1400" b="1" dirty="0">
+                <a:solidFill>
+                  <a:srgbClr val="FFFF00"/>
+                </a:solidFill>
+              </a:rPr>
+              <a:t>USERPOSTS</a:t>
+            </a:r>
+            <a:br>
+              <a:rPr lang="en-US" sz="1400" dirty="0"/>
+            </a:br>
+            <a:r>
+              <a:rPr lang="en-US" sz="1400" dirty="0"/>
+              <a:t>username</a:t>
+            </a:r>
+            <a:br>
+              <a:rPr lang="en-US" sz="1400" dirty="0"/>
+            </a:br>
+            <a:r>
+              <a:rPr lang="en-US" sz="1400" dirty="0"/>
+              <a:t>post_id</a:t>
+            </a:r>
+            <a:br>
+              <a:rPr lang="en-US" sz="1400" dirty="0"/>
+            </a:br>
+            <a:r>
+              <a:rPr lang="en-US" sz="1400" dirty="0"/>
+              <a:t>body</a:t>
+            </a:r>
+          </a:p>
+        </p:txBody>
+      </p:sp>
+      <p:cxnSp>
+        <p:nvCxnSpPr>
+          <p:cNvPr id="13" name="Straight Connector 12"/>
+          <p:cNvCxnSpPr/>
+          <p:nvPr/>
+        </p:nvCxnSpPr>
+        <p:spPr>
+          <a:xfrm flipV="1">
+            <a:off x="752475" y="447675"/>
+            <a:ext cx="8077200" cy="47625"/>
+          </a:xfrm>
+          <a:prstGeom prst="line">
+            <a:avLst/>
+          </a:prstGeom>
+        </p:spPr>
+        <p:style>
+          <a:lnRef idx="1">
+            <a:schemeClr val="accent1"/>
+          </a:lnRef>
+          <a:fillRef idx="0">
+            <a:schemeClr val="accent1"/>
+          </a:fillRef>
+          <a:effectRef idx="0">
+            <a:schemeClr val="accent1"/>
+          </a:effectRef>
+          <a:fontRef idx="minor">
+            <a:schemeClr val="tx1"/>
+          </a:fontRef>
+        </p:style>
+      </p:cxnSp>
+      <p:sp>
+        <p:nvSpPr>
+          <p:cNvPr id="2" name="TextBox 1"/>
+          <p:cNvSpPr txBox="1"/>
+          <p:nvPr/>
+        </p:nvSpPr>
+        <p:spPr>
+          <a:xfrm>
+            <a:off x="685800" y="4362450"/>
+            <a:ext cx="4261616" cy="369332"/>
+          </a:xfrm>
+          <a:prstGeom prst="rect">
+            <a:avLst/>
+          </a:prstGeom>
+          <a:noFill/>
+        </p:spPr>
+        <p:txBody>
+          <a:bodyPr wrap="none" rtlCol="0">
+            <a:spAutoFit/>
+          </a:bodyPr>
+          <a:lstStyle/>
+          <a:p>
+            <a:r>
+              <a:rPr lang="en-US" dirty="0"/>
+              <a:t>Notice the schema has tons of repeat data  </a:t>
+            </a:r>
+          </a:p>
+        </p:txBody>
+      </p:sp>
+    </p:spTree>
+    <p:extLst>
+      <p:ext uri="{BB962C8B-B14F-4D97-AF65-F5344CB8AC3E}">
+        <p14:creationId xmlns:p14="http://schemas.microsoft.com/office/powerpoint/2010/main" val="4087515015"/>
+      </p:ext>
+    </p:extLst>
+  </p:cSld>
+  <p:clrMapOvr>
+    <a:masterClrMapping/>
+  </p:clrMapOvr>
+</p:sld>
+</file>
+
 <file path=ppt/slides/slide37.xml><?xml version="1.0" encoding="utf-8"?>
 <p:sld xmlns:a="http://schemas.openxmlformats.org/drawingml/2006/main" xmlns:r="http://schemas.openxmlformats.org/officeDocument/2006/relationships" xmlns:p="http://schemas.openxmlformats.org/presentationml/2006/main">
   <p:cSld>
@@ -16242,134 +14648,76 @@
       </p:grpSpPr>
       <p:sp>
         <p:nvSpPr>
-          <p:cNvPr id="14" name="TextBox 13"/>
-          <p:cNvSpPr txBox="1"/>
-          <p:nvPr/>
-        </p:nvSpPr>
-        <p:spPr>
-          <a:xfrm>
-            <a:off x="600075" y="1876425"/>
-            <a:ext cx="10120848" cy="2308324"/>
-          </a:xfrm>
-          <a:prstGeom prst="rect">
-            <a:avLst/>
-          </a:prstGeom>
-          <a:noFill/>
-        </p:spPr>
-        <p:txBody>
-          <a:bodyPr wrap="none" rtlCol="0">
-            <a:spAutoFit/>
-          </a:bodyPr>
-          <a:lstStyle/>
-          <a:p>
-            <a:pPr marL="285750" indent="-285750">
-              <a:buFont typeface="Arial" panose="020B0604020202020204" pitchFamily="34" charset="0"/>
-              <a:buChar char="•"/>
-            </a:pPr>
+          <p:cNvPr id="2" name="Title 1"/>
+          <p:cNvSpPr>
+            <a:spLocks noGrp="1"/>
+          </p:cNvSpPr>
+          <p:nvPr>
+            <p:ph type="title"/>
+          </p:nvPr>
+        </p:nvSpPr>
+        <p:spPr/>
+        <p:txBody>
+          <a:bodyPr/>
+          <a:lstStyle/>
+          <a:p>
             <a:r>
               <a:rPr lang="en-US" dirty="0"/>
-              <a:t>Useful in Big Data scenarios</a:t>
-            </a:r>
-          </a:p>
-          <a:p>
-            <a:pPr marL="285750" indent="-285750">
-              <a:buFont typeface="Arial" panose="020B0604020202020204" pitchFamily="34" charset="0"/>
-              <a:buChar char="•"/>
-            </a:pPr>
+              <a:t>Things specific to Cassandra</a:t>
+            </a:r>
+          </a:p>
+        </p:txBody>
+      </p:sp>
+      <p:sp>
+        <p:nvSpPr>
+          <p:cNvPr id="3" name="Content Placeholder 2"/>
+          <p:cNvSpPr>
+            <a:spLocks noGrp="1"/>
+          </p:cNvSpPr>
+          <p:nvPr>
+            <p:ph idx="1"/>
+          </p:nvPr>
+        </p:nvSpPr>
+        <p:spPr/>
+        <p:txBody>
+          <a:bodyPr/>
+          <a:lstStyle/>
+          <a:p>
             <a:r>
               <a:rPr lang="en-US" dirty="0"/>
-              <a:t>There is no point to running this as a single node…you want to run this a as distributed set of nodes on </a:t>
-            </a:r>
-            <a:br>
+              <a:t>Optimizes on fast and durable writes.</a:t>
+            </a:r>
+          </a:p>
+          <a:p>
+            <a:r>
               <a:rPr lang="en-US" dirty="0"/>
-            </a:br>
+              <a:t>Underlying data structure: Bloom Filter</a:t>
+            </a:r>
+          </a:p>
+          <a:p>
             <a:r>
               <a:rPr lang="en-US" dirty="0"/>
-              <a:t>commodity hardware to get any real benefit from wide column</a:t>
-            </a:r>
-          </a:p>
-          <a:p>
-            <a:pPr marL="285750" indent="-285750">
-              <a:buFont typeface="Arial" panose="020B0604020202020204" pitchFamily="34" charset="0"/>
-              <a:buChar char="•"/>
-            </a:pPr>
+              <a:t>There a local mode for Windows (community edition). And its free.</a:t>
+            </a:r>
+          </a:p>
+          <a:p>
             <a:r>
               <a:rPr lang="en-US" dirty="0"/>
-              <a:t>Memory considerations (working set) - Canonical example of computing average salary of users:</a:t>
-            </a:r>
-          </a:p>
-          <a:p>
-            <a:pPr marL="742950" lvl="1" indent="-285750">
-              <a:buFont typeface="Arial" panose="020B0604020202020204" pitchFamily="34" charset="0"/>
-              <a:buChar char="•"/>
-            </a:pPr>
-            <a:r>
-              <a:rPr lang="en-US" dirty="0"/>
-              <a:t>Show schema in RDMS/document</a:t>
-            </a:r>
-          </a:p>
-          <a:p>
-            <a:pPr marL="742950" lvl="1" indent="-285750">
-              <a:buFont typeface="Arial" panose="020B0604020202020204" pitchFamily="34" charset="0"/>
-              <a:buChar char="•"/>
-            </a:pPr>
-            <a:r>
-              <a:rPr lang="en-US" dirty="0"/>
-              <a:t>Show schema in Wide Column</a:t>
-            </a:r>
-          </a:p>
-          <a:p>
-            <a:pPr marL="285750" indent="-285750">
-              <a:buFont typeface="Arial" panose="020B0604020202020204" pitchFamily="34" charset="0"/>
-              <a:buChar char="•"/>
-            </a:pPr>
-            <a:r>
-              <a:rPr lang="en-US" dirty="0"/>
-              <a:t>Tend to be Eventually consistent</a:t>
-            </a:r>
-          </a:p>
-          <a:p>
-            <a:pPr marL="285750" indent="-285750">
-              <a:buFont typeface="Arial" panose="020B0604020202020204" pitchFamily="34" charset="0"/>
-              <a:buChar char="•"/>
-            </a:pPr>
+              <a:t>Has CQL which is like SQL (not all wide column are this nice!)</a:t>
+            </a:r>
+          </a:p>
+          <a:p>
             <a:endParaRPr lang="en-US" dirty="0"/>
           </a:p>
-        </p:txBody>
-      </p:sp>
-      <p:sp>
-        <p:nvSpPr>
-          <p:cNvPr id="16" name="TextBox 15"/>
-          <p:cNvSpPr txBox="1"/>
-          <p:nvPr/>
-        </p:nvSpPr>
-        <p:spPr>
-          <a:xfrm>
-            <a:off x="2638425" y="457200"/>
-            <a:ext cx="4157613" cy="584775"/>
-          </a:xfrm>
-          <a:prstGeom prst="rect">
-            <a:avLst/>
-          </a:prstGeom>
-          <a:noFill/>
-        </p:spPr>
-        <p:txBody>
-          <a:bodyPr wrap="none" rtlCol="0">
-            <a:spAutoFit/>
-          </a:bodyPr>
-          <a:lstStyle/>
-          <a:p>
-            <a:r>
-              <a:rPr lang="en-US" sz="4800" baseline="-25000" dirty="0"/>
-              <a:t>COLUMNAR DATABASES</a:t>
-            </a:r>
+          <a:p>
+            <a:endParaRPr lang="en-US" dirty="0"/>
           </a:p>
         </p:txBody>
       </p:sp>
     </p:spTree>
     <p:extLst>
       <p:ext uri="{BB962C8B-B14F-4D97-AF65-F5344CB8AC3E}">
-        <p14:creationId xmlns:p14="http://schemas.microsoft.com/office/powerpoint/2010/main" val="2287619243"/>
+        <p14:creationId xmlns:p14="http://schemas.microsoft.com/office/powerpoint/2010/main" val="2546500980"/>
       </p:ext>
     </p:extLst>
   </p:cSld>
@@ -16398,397 +14746,22 @@
       </p:grpSpPr>
       <p:sp>
         <p:nvSpPr>
-          <p:cNvPr id="5" name="TextBox 4"/>
-          <p:cNvSpPr txBox="1"/>
-          <p:nvPr/>
-        </p:nvSpPr>
-        <p:spPr>
-          <a:xfrm>
-            <a:off x="3918715" y="1299685"/>
-            <a:ext cx="3442674" cy="1477328"/>
-          </a:xfrm>
-          <a:prstGeom prst="rect">
-            <a:avLst/>
-          </a:prstGeom>
-          <a:noFill/>
-        </p:spPr>
-        <p:txBody>
-          <a:bodyPr wrap="none" rtlCol="0">
-            <a:spAutoFit/>
-          </a:bodyPr>
-          <a:lstStyle/>
-          <a:p>
-            <a:pPr marL="285750" indent="-285750">
-              <a:buFont typeface="Arial" panose="020B0604020202020204" pitchFamily="34" charset="0"/>
-              <a:buChar char="•"/>
-            </a:pPr>
+          <p:cNvPr id="2" name="Title 1"/>
+          <p:cNvSpPr>
+            <a:spLocks noGrp="1"/>
+          </p:cNvSpPr>
+          <p:nvPr>
+            <p:ph type="title"/>
+          </p:nvPr>
+        </p:nvSpPr>
+        <p:spPr/>
+        <p:txBody>
+          <a:bodyPr/>
+          <a:lstStyle/>
+          <a:p>
             <a:r>
               <a:rPr lang="en-US" dirty="0"/>
-              <a:t>Show all users</a:t>
-            </a:r>
-          </a:p>
-          <a:p>
-            <a:pPr marL="285750" indent="-285750">
-              <a:buFont typeface="Arial" panose="020B0604020202020204" pitchFamily="34" charset="0"/>
-              <a:buChar char="•"/>
-            </a:pPr>
-            <a:r>
-              <a:rPr lang="en-US" dirty="0"/>
-              <a:t>Show who a user is friends with</a:t>
-            </a:r>
-          </a:p>
-          <a:p>
-            <a:pPr marL="285750" indent="-285750">
-              <a:buFont typeface="Arial" panose="020B0604020202020204" pitchFamily="34" charset="0"/>
-              <a:buChar char="•"/>
-            </a:pPr>
-            <a:r>
-              <a:rPr lang="en-US" dirty="0"/>
-              <a:t>Show all posts (default)</a:t>
-            </a:r>
-          </a:p>
-          <a:p>
-            <a:pPr marL="285750" indent="-285750">
-              <a:buFont typeface="Arial" panose="020B0604020202020204" pitchFamily="34" charset="0"/>
-              <a:buChar char="•"/>
-            </a:pPr>
-            <a:r>
-              <a:rPr lang="en-US" dirty="0"/>
-              <a:t>Show all posts of a user</a:t>
-            </a:r>
-          </a:p>
-          <a:p>
-            <a:pPr marL="285750" indent="-285750">
-              <a:buFont typeface="Arial" panose="020B0604020202020204" pitchFamily="34" charset="0"/>
-              <a:buChar char="•"/>
-            </a:pPr>
-            <a:endParaRPr lang="en-US" dirty="0"/>
-          </a:p>
-        </p:txBody>
-      </p:sp>
-      <p:sp>
-        <p:nvSpPr>
-          <p:cNvPr id="6" name="Rectangle 5"/>
-          <p:cNvSpPr/>
-          <p:nvPr/>
-        </p:nvSpPr>
-        <p:spPr>
-          <a:xfrm>
-            <a:off x="419100" y="1099660"/>
-            <a:ext cx="1295400" cy="1073705"/>
-          </a:xfrm>
-          <a:prstGeom prst="rect">
-            <a:avLst/>
-          </a:prstGeom>
-        </p:spPr>
-        <p:style>
-          <a:lnRef idx="2">
-            <a:schemeClr val="accent1">
-              <a:shade val="50000"/>
-            </a:schemeClr>
-          </a:lnRef>
-          <a:fillRef idx="1">
-            <a:schemeClr val="accent1"/>
-          </a:fillRef>
-          <a:effectRef idx="0">
-            <a:schemeClr val="accent1"/>
-          </a:effectRef>
-          <a:fontRef idx="minor">
-            <a:schemeClr val="lt1"/>
-          </a:fontRef>
-        </p:style>
-        <p:txBody>
-          <a:bodyPr rtlCol="0" anchor="ctr"/>
-          <a:lstStyle/>
-          <a:p>
-            <a:r>
-              <a:rPr lang="en-US" sz="1400" b="1" dirty="0">
-                <a:solidFill>
-                  <a:srgbClr val="FFFF00"/>
-                </a:solidFill>
-              </a:rPr>
-              <a:t>USERS</a:t>
-            </a:r>
-            <a:br>
-              <a:rPr lang="en-US" sz="1400" dirty="0"/>
-            </a:br>
-            <a:r>
-              <a:rPr lang="en-US" sz="1400" dirty="0"/>
-              <a:t>username</a:t>
-            </a:r>
-            <a:br>
-              <a:rPr lang="en-US" sz="1400" dirty="0"/>
-            </a:br>
-            <a:r>
-              <a:rPr lang="en-US" sz="1400" dirty="0"/>
-              <a:t>password</a:t>
-            </a:r>
-            <a:br>
-              <a:rPr lang="en-US" sz="1400" dirty="0"/>
-            </a:br>
-            <a:r>
-              <a:rPr lang="en-US" sz="1400" dirty="0"/>
-              <a:t>email</a:t>
-            </a:r>
-            <a:br>
-              <a:rPr lang="en-US" sz="1400" dirty="0"/>
-            </a:br>
-            <a:r>
-              <a:rPr lang="en-US" sz="1400" dirty="0"/>
-              <a:t>name</a:t>
-            </a:r>
-          </a:p>
-        </p:txBody>
-      </p:sp>
-      <p:sp>
-        <p:nvSpPr>
-          <p:cNvPr id="8" name="Rectangle 7"/>
-          <p:cNvSpPr/>
-          <p:nvPr/>
-        </p:nvSpPr>
-        <p:spPr>
-          <a:xfrm>
-            <a:off x="2066924" y="1099661"/>
-            <a:ext cx="1333501" cy="938688"/>
-          </a:xfrm>
-          <a:prstGeom prst="rect">
-            <a:avLst/>
-          </a:prstGeom>
-        </p:spPr>
-        <p:style>
-          <a:lnRef idx="2">
-            <a:schemeClr val="accent1">
-              <a:shade val="50000"/>
-            </a:schemeClr>
-          </a:lnRef>
-          <a:fillRef idx="1">
-            <a:schemeClr val="accent1"/>
-          </a:fillRef>
-          <a:effectRef idx="0">
-            <a:schemeClr val="accent1"/>
-          </a:effectRef>
-          <a:fontRef idx="minor">
-            <a:schemeClr val="lt1"/>
-          </a:fontRef>
-        </p:style>
-        <p:txBody>
-          <a:bodyPr rtlCol="0" anchor="ctr"/>
-          <a:lstStyle/>
-          <a:p>
-            <a:r>
-              <a:rPr lang="en-US" sz="1400" b="1" dirty="0">
-                <a:solidFill>
-                  <a:srgbClr val="FFFF00"/>
-                </a:solidFill>
-              </a:rPr>
-              <a:t>FRIENDS</a:t>
-            </a:r>
-            <a:br>
-              <a:rPr lang="en-US" sz="1400" dirty="0"/>
-            </a:br>
-            <a:r>
-              <a:rPr lang="en-US" sz="1400" dirty="0"/>
-              <a:t>username</a:t>
-            </a:r>
-            <a:br>
-              <a:rPr lang="en-US" sz="1400" dirty="0"/>
-            </a:br>
-            <a:r>
-              <a:rPr lang="en-US" sz="1400" dirty="0"/>
-              <a:t>friendsWith</a:t>
-            </a:r>
-          </a:p>
-        </p:txBody>
-      </p:sp>
-      <p:sp>
-        <p:nvSpPr>
-          <p:cNvPr id="9" name="Rectangle 8"/>
-          <p:cNvSpPr/>
-          <p:nvPr/>
-        </p:nvSpPr>
-        <p:spPr>
-          <a:xfrm>
-            <a:off x="2066925" y="2419021"/>
-            <a:ext cx="1333501" cy="938689"/>
-          </a:xfrm>
-          <a:prstGeom prst="rect">
-            <a:avLst/>
-          </a:prstGeom>
-        </p:spPr>
-        <p:style>
-          <a:lnRef idx="2">
-            <a:schemeClr val="accent1">
-              <a:shade val="50000"/>
-            </a:schemeClr>
-          </a:lnRef>
-          <a:fillRef idx="1">
-            <a:schemeClr val="accent1"/>
-          </a:fillRef>
-          <a:effectRef idx="0">
-            <a:schemeClr val="accent1"/>
-          </a:effectRef>
-          <a:fontRef idx="minor">
-            <a:schemeClr val="lt1"/>
-          </a:fontRef>
-        </p:style>
-        <p:txBody>
-          <a:bodyPr rtlCol="0" anchor="ctr"/>
-          <a:lstStyle/>
-          <a:p>
-            <a:r>
-              <a:rPr lang="en-US" sz="1400" b="1" dirty="0">
-                <a:solidFill>
-                  <a:srgbClr val="FFFF00"/>
-                </a:solidFill>
-              </a:rPr>
-              <a:t>POSTS</a:t>
-            </a:r>
-            <a:br>
-              <a:rPr lang="en-US" sz="1400" dirty="0"/>
-            </a:br>
-            <a:r>
-              <a:rPr lang="en-US" sz="1400" dirty="0"/>
-              <a:t>post_id (uuid)</a:t>
-            </a:r>
-            <a:br>
-              <a:rPr lang="en-US" sz="1400" dirty="0"/>
-            </a:br>
-            <a:r>
-              <a:rPr lang="en-US" sz="1400" dirty="0"/>
-              <a:t>username</a:t>
-            </a:r>
-            <a:br>
-              <a:rPr lang="en-US" sz="1400" dirty="0"/>
-            </a:br>
-            <a:r>
-              <a:rPr lang="en-US" sz="1400" dirty="0"/>
-              <a:t>body</a:t>
-            </a:r>
-          </a:p>
-        </p:txBody>
-      </p:sp>
-      <p:sp>
-        <p:nvSpPr>
-          <p:cNvPr id="10" name="Rectangle 9"/>
-          <p:cNvSpPr/>
-          <p:nvPr/>
-        </p:nvSpPr>
-        <p:spPr>
-          <a:xfrm>
-            <a:off x="419100" y="2419021"/>
-            <a:ext cx="1295400" cy="938688"/>
-          </a:xfrm>
-          <a:prstGeom prst="rect">
-            <a:avLst/>
-          </a:prstGeom>
-        </p:spPr>
-        <p:style>
-          <a:lnRef idx="2">
-            <a:schemeClr val="accent1">
-              <a:shade val="50000"/>
-            </a:schemeClr>
-          </a:lnRef>
-          <a:fillRef idx="1">
-            <a:schemeClr val="accent1"/>
-          </a:fillRef>
-          <a:effectRef idx="0">
-            <a:schemeClr val="accent1"/>
-          </a:effectRef>
-          <a:fontRef idx="minor">
-            <a:schemeClr val="lt1"/>
-          </a:fontRef>
-        </p:style>
-        <p:txBody>
-          <a:bodyPr rtlCol="0" anchor="ctr"/>
-          <a:lstStyle/>
-          <a:p>
-            <a:r>
-              <a:rPr lang="en-US" sz="1400" b="1" dirty="0">
-                <a:solidFill>
-                  <a:srgbClr val="FFFF00"/>
-                </a:solidFill>
-              </a:rPr>
-              <a:t>USERPOSTS</a:t>
-            </a:r>
-            <a:br>
-              <a:rPr lang="en-US" sz="1400" dirty="0"/>
-            </a:br>
-            <a:r>
-              <a:rPr lang="en-US" sz="1400" dirty="0"/>
-              <a:t>username</a:t>
-            </a:r>
-            <a:br>
-              <a:rPr lang="en-US" sz="1400" dirty="0"/>
-            </a:br>
-            <a:r>
-              <a:rPr lang="en-US" sz="1400" dirty="0"/>
-              <a:t>post_id</a:t>
-            </a:r>
-            <a:br>
-              <a:rPr lang="en-US" sz="1400" dirty="0"/>
-            </a:br>
-            <a:r>
-              <a:rPr lang="en-US" sz="1400" dirty="0"/>
-              <a:t>body</a:t>
-            </a:r>
-          </a:p>
-        </p:txBody>
-      </p:sp>
-      <p:cxnSp>
-        <p:nvCxnSpPr>
-          <p:cNvPr id="13" name="Straight Connector 12"/>
-          <p:cNvCxnSpPr/>
-          <p:nvPr/>
-        </p:nvCxnSpPr>
-        <p:spPr>
-          <a:xfrm flipV="1">
-            <a:off x="752475" y="447675"/>
-            <a:ext cx="8077200" cy="47625"/>
-          </a:xfrm>
-          <a:prstGeom prst="line">
-            <a:avLst/>
-          </a:prstGeom>
-        </p:spPr>
-        <p:style>
-          <a:lnRef idx="1">
-            <a:schemeClr val="accent1"/>
-          </a:lnRef>
-          <a:fillRef idx="0">
-            <a:schemeClr val="accent1"/>
-          </a:fillRef>
-          <a:effectRef idx="0">
-            <a:schemeClr val="accent1"/>
-          </a:effectRef>
-          <a:fontRef idx="minor">
-            <a:schemeClr val="tx1"/>
-          </a:fontRef>
-        </p:style>
-      </p:cxnSp>
-      <p:sp>
-        <p:nvSpPr>
-          <p:cNvPr id="2" name="TextBox 1"/>
-          <p:cNvSpPr txBox="1"/>
-          <p:nvPr/>
-        </p:nvSpPr>
-        <p:spPr>
-          <a:xfrm>
-            <a:off x="685800" y="4362450"/>
-            <a:ext cx="4261616" cy="369332"/>
-          </a:xfrm>
-          <a:prstGeom prst="rect">
-            <a:avLst/>
-          </a:prstGeom>
-          <a:noFill/>
-        </p:spPr>
-        <p:txBody>
-          <a:bodyPr wrap="none" rtlCol="0">
-            <a:spAutoFit/>
-          </a:bodyPr>
-          <a:lstStyle/>
-          <a:p>
-            <a:r>
-              <a:rPr lang="en-US" dirty="0"/>
-              <a:t>Notice the schema has tons of repeat data  </a:t>
+              <a:t>When To Use?</a:t>
             </a:r>
           </a:p>
         </p:txBody>
@@ -16796,7 +14769,7 @@
     </p:spTree>
     <p:extLst>
       <p:ext uri="{BB962C8B-B14F-4D97-AF65-F5344CB8AC3E}">
-        <p14:creationId xmlns:p14="http://schemas.microsoft.com/office/powerpoint/2010/main" val="4087515015"/>
+        <p14:creationId xmlns:p14="http://schemas.microsoft.com/office/powerpoint/2010/main" val="4043290513"/>
       </p:ext>
     </p:extLst>
   </p:cSld>
@@ -16840,61 +14813,15 @@
           <a:p>
             <a:r>
               <a:rPr lang="en-US" dirty="0"/>
-              <a:t>Things specific to Cassandra</a:t>
-            </a:r>
-          </a:p>
-        </p:txBody>
-      </p:sp>
-      <p:sp>
-        <p:nvSpPr>
-          <p:cNvPr id="3" name="Content Placeholder 2"/>
-          <p:cNvSpPr>
-            <a:spLocks noGrp="1"/>
-          </p:cNvSpPr>
-          <p:nvPr>
-            <p:ph idx="1"/>
-          </p:nvPr>
-        </p:nvSpPr>
-        <p:spPr/>
-        <p:txBody>
-          <a:bodyPr/>
-          <a:lstStyle/>
-          <a:p>
-            <a:r>
-              <a:rPr lang="en-US" dirty="0"/>
-              <a:t>Optimizes on fast and durable writes.</a:t>
-            </a:r>
-          </a:p>
-          <a:p>
-            <a:r>
-              <a:rPr lang="en-US" dirty="0"/>
-              <a:t>Underlying data structure: Bloom Filter</a:t>
-            </a:r>
-          </a:p>
-          <a:p>
-            <a:r>
-              <a:rPr lang="en-US" dirty="0"/>
-              <a:t>There a local mode for Windows (community edition). And its free.</a:t>
-            </a:r>
-          </a:p>
-          <a:p>
-            <a:r>
-              <a:rPr lang="en-US" dirty="0"/>
-              <a:t>Has CQL which is like SQL (not all wide column are this nice!)</a:t>
-            </a:r>
-          </a:p>
-          <a:p>
-            <a:endParaRPr lang="en-US" dirty="0"/>
-          </a:p>
-          <a:p>
-            <a:endParaRPr lang="en-US" dirty="0"/>
+              <a:t>When Not To Use?</a:t>
+            </a:r>
           </a:p>
         </p:txBody>
       </p:sp>
     </p:spTree>
     <p:extLst>
       <p:ext uri="{BB962C8B-B14F-4D97-AF65-F5344CB8AC3E}">
-        <p14:creationId xmlns:p14="http://schemas.microsoft.com/office/powerpoint/2010/main" val="2546500980"/>
+        <p14:creationId xmlns:p14="http://schemas.microsoft.com/office/powerpoint/2010/main" val="3324503949"/>
       </p:ext>
     </p:extLst>
   </p:cSld>
@@ -17433,22 +15360,221 @@
             <p:ph type="title"/>
           </p:nvPr>
         </p:nvSpPr>
-        <p:spPr/>
+        <p:spPr>
+          <a:xfrm>
+            <a:off x="751572" y="176572"/>
+            <a:ext cx="3493168" cy="1007632"/>
+          </a:xfrm>
+        </p:spPr>
         <p:txBody>
           <a:bodyPr/>
           <a:lstStyle/>
           <a:p>
             <a:r>
+              <a:rPr lang="en-US" b="1" dirty="0">
+                <a:solidFill>
+                  <a:srgbClr val="FFFF00"/>
+                </a:solidFill>
+              </a:rPr>
+              <a:t>The Checklist</a:t>
+            </a:r>
+          </a:p>
+        </p:txBody>
+      </p:sp>
+      <p:sp>
+        <p:nvSpPr>
+          <p:cNvPr id="3" name="Content Placeholder 2"/>
+          <p:cNvSpPr>
+            <a:spLocks noGrp="1"/>
+          </p:cNvSpPr>
+          <p:nvPr>
+            <p:ph idx="1"/>
+          </p:nvPr>
+        </p:nvSpPr>
+        <p:spPr>
+          <a:xfrm>
+            <a:off x="389224" y="1184204"/>
+            <a:ext cx="10872334" cy="5149219"/>
+          </a:xfrm>
+        </p:spPr>
+        <p:txBody>
+          <a:bodyPr>
+            <a:normAutofit fontScale="62500" lnSpcReduction="20000"/>
+          </a:bodyPr>
+          <a:lstStyle/>
+          <a:p>
+            <a:pPr marL="514350" indent="-514350">
+              <a:buFont typeface="+mj-lt"/>
+              <a:buAutoNum type="arabicPeriod"/>
+            </a:pPr>
+            <a:r>
               <a:rPr lang="en-US" dirty="0"/>
-              <a:t>When To Use?</a:t>
-            </a:r>
+              <a:t>What category does this belong in? (Relational, Key-Value, Document, Graph, Columnar, Hybrid, Other)</a:t>
+            </a:r>
+          </a:p>
+          <a:p>
+            <a:pPr marL="514350" indent="-514350">
+              <a:buFont typeface="+mj-lt"/>
+              <a:buAutoNum type="arabicPeriod"/>
+            </a:pPr>
+            <a:r>
+              <a:rPr lang="en-US" dirty="0"/>
+              <a:t>What does this optimize on (i.e. do very well)? Reads, writes, transactions?</a:t>
+            </a:r>
+          </a:p>
+          <a:p>
+            <a:pPr marL="514350" indent="-514350">
+              <a:buFont typeface="+mj-lt"/>
+              <a:buAutoNum type="arabicPeriod"/>
+            </a:pPr>
+            <a:r>
+              <a:rPr lang="en-US" dirty="0"/>
+              <a:t>Is there a REST API? An SDK? Some native querying language?</a:t>
+            </a:r>
+          </a:p>
+          <a:p>
+            <a:pPr marL="514350" indent="-514350">
+              <a:buFont typeface="+mj-lt"/>
+              <a:buAutoNum type="arabicPeriod"/>
+            </a:pPr>
+            <a:r>
+              <a:rPr lang="en-US" dirty="0"/>
+              <a:t>Is the data format human readable: XML, JSON, etc. </a:t>
+            </a:r>
+          </a:p>
+          <a:p>
+            <a:pPr marL="514350" indent="-514350">
+              <a:buFont typeface="+mj-lt"/>
+              <a:buAutoNum type="arabicPeriod"/>
+            </a:pPr>
+            <a:r>
+              <a:rPr lang="en-US" dirty="0"/>
+              <a:t>Can it run on Windows? Linux? PAAS (Azure)?</a:t>
+            </a:r>
+          </a:p>
+          <a:p>
+            <a:pPr marL="514350" indent="-514350">
+              <a:buFont typeface="+mj-lt"/>
+              <a:buAutoNum type="arabicPeriod"/>
+            </a:pPr>
+            <a:r>
+              <a:rPr lang="en-US" dirty="0"/>
+              <a:t>Where does it fall on the CAP spectrum?</a:t>
+            </a:r>
+          </a:p>
+          <a:p>
+            <a:pPr marL="514350" indent="-514350">
+              <a:buFont typeface="+mj-lt"/>
+              <a:buAutoNum type="arabicPeriod"/>
+            </a:pPr>
+            <a:r>
+              <a:rPr lang="en-US" dirty="0"/>
+              <a:t>Auto-create database? Auto-create collections?</a:t>
+            </a:r>
+          </a:p>
+          <a:p>
+            <a:pPr marL="514350" indent="-514350">
+              <a:buFont typeface="+mj-lt"/>
+              <a:buAutoNum type="arabicPeriod"/>
+            </a:pPr>
+            <a:r>
+              <a:rPr lang="en-US" dirty="0"/>
+              <a:t>Is there a local mode?</a:t>
+            </a:r>
+          </a:p>
+          <a:p>
+            <a:pPr marL="514350" indent="-514350">
+              <a:buFont typeface="+mj-lt"/>
+              <a:buAutoNum type="arabicPeriod"/>
+            </a:pPr>
+            <a:r>
+              <a:rPr lang="en-US" dirty="0"/>
+              <a:t>Type of Indexing (Hash, B-tree, something else)</a:t>
+            </a:r>
+          </a:p>
+          <a:p>
+            <a:pPr marL="514350" indent="-514350">
+              <a:buFont typeface="+mj-lt"/>
+              <a:buAutoNum type="arabicPeriod"/>
+            </a:pPr>
+            <a:r>
+              <a:rPr lang="en-US" dirty="0"/>
+              <a:t>Does it support full-text search?</a:t>
+            </a:r>
+          </a:p>
+          <a:p>
+            <a:pPr marL="514350" indent="-514350">
+              <a:buFont typeface="+mj-lt"/>
+              <a:buAutoNum type="arabicPeriod"/>
+            </a:pPr>
+            <a:r>
+              <a:rPr lang="en-US" dirty="0"/>
+              <a:t>How does it scale? Support sharding?</a:t>
+            </a:r>
+          </a:p>
+          <a:p>
+            <a:pPr marL="514350" indent="-514350">
+              <a:buFont typeface="+mj-lt"/>
+              <a:buAutoNum type="arabicPeriod"/>
+            </a:pPr>
+            <a:r>
+              <a:rPr lang="en-US" dirty="0"/>
+              <a:t>How does it replicate? Master-slave or peer-peer?</a:t>
+            </a:r>
+          </a:p>
+          <a:p>
+            <a:pPr marL="514350" indent="-514350">
+              <a:buFont typeface="+mj-lt"/>
+              <a:buAutoNum type="arabicPeriod"/>
+            </a:pPr>
+            <a:r>
+              <a:rPr lang="en-US" dirty="0"/>
+              <a:t>Open Source?</a:t>
+            </a:r>
+          </a:p>
+          <a:p>
+            <a:pPr marL="514350" indent="-514350">
+              <a:buFont typeface="+mj-lt"/>
+              <a:buAutoNum type="arabicPeriod"/>
+            </a:pPr>
+            <a:r>
+              <a:rPr lang="en-US" dirty="0"/>
+              <a:t>Cost? If cloud based, how is this billed?</a:t>
+            </a:r>
+          </a:p>
+          <a:p>
+            <a:pPr marL="514350" indent="-514350">
+              <a:buFont typeface="+mj-lt"/>
+              <a:buAutoNum type="arabicPeriod"/>
+            </a:pPr>
+            <a:r>
+              <a:rPr lang="en-US" dirty="0"/>
+              <a:t>What kind of tooling is available? GUI based?</a:t>
+            </a:r>
+          </a:p>
+          <a:p>
+            <a:pPr marL="514350" indent="-514350">
+              <a:buFont typeface="+mj-lt"/>
+              <a:buAutoNum type="arabicPeriod"/>
+            </a:pPr>
+            <a:r>
+              <a:rPr lang="en-US" dirty="0"/>
+              <a:t>What are my options for technical support?</a:t>
+            </a:r>
+          </a:p>
+          <a:p>
+            <a:pPr marL="514350" indent="-514350">
+              <a:buFont typeface="+mj-lt"/>
+              <a:buAutoNum type="arabicPeriod"/>
+            </a:pPr>
+            <a:endParaRPr lang="en-US" dirty="0"/>
           </a:p>
         </p:txBody>
       </p:sp>
     </p:spTree>
     <p:extLst>
       <p:ext uri="{BB962C8B-B14F-4D97-AF65-F5344CB8AC3E}">
-        <p14:creationId xmlns:p14="http://schemas.microsoft.com/office/powerpoint/2010/main" val="4043290513"/>
+        <p14:creationId xmlns:p14="http://schemas.microsoft.com/office/powerpoint/2010/main" val="2388893766"/>
       </p:ext>
     </p:extLst>
   </p:cSld>
@@ -17477,22 +15603,194 @@
       </p:grpSpPr>
       <p:sp>
         <p:nvSpPr>
-          <p:cNvPr id="2" name="Title 1"/>
-          <p:cNvSpPr>
-            <a:spLocks noGrp="1"/>
-          </p:cNvSpPr>
-          <p:nvPr>
-            <p:ph type="title"/>
-          </p:nvPr>
-        </p:nvSpPr>
-        <p:spPr/>
-        <p:txBody>
-          <a:bodyPr/>
-          <a:lstStyle/>
-          <a:p>
-            <a:r>
-              <a:rPr lang="en-US" dirty="0"/>
-              <a:t>When Not To Use?</a:t>
+          <p:cNvPr id="5" name="Rounded Rectangle 4"/>
+          <p:cNvSpPr/>
+          <p:nvPr/>
+        </p:nvSpPr>
+        <p:spPr>
+          <a:xfrm>
+            <a:off x="4210488" y="2367815"/>
+            <a:ext cx="3368842" cy="1299411"/>
+          </a:xfrm>
+          <a:prstGeom prst="roundRect">
+            <a:avLst/>
+          </a:prstGeom>
+          <a:effectLst>
+            <a:glow rad="63500">
+              <a:schemeClr val="accent1">
+                <a:satMod val="175000"/>
+                <a:alpha val="40000"/>
+              </a:schemeClr>
+            </a:glow>
+          </a:effectLst>
+        </p:spPr>
+        <p:style>
+          <a:lnRef idx="2">
+            <a:schemeClr val="accent1">
+              <a:shade val="50000"/>
+            </a:schemeClr>
+          </a:lnRef>
+          <a:fillRef idx="1">
+            <a:schemeClr val="accent1"/>
+          </a:fillRef>
+          <a:effectRef idx="0">
+            <a:schemeClr val="accent1"/>
+          </a:effectRef>
+          <a:fontRef idx="minor">
+            <a:schemeClr val="lt1"/>
+          </a:fontRef>
+        </p:style>
+        <p:txBody>
+          <a:bodyPr rtlCol="0" anchor="ctr"/>
+          <a:lstStyle/>
+          <a:p>
+            <a:pPr algn="ctr"/>
+            <a:r>
+              <a:rPr lang="en-US" sz="4400" dirty="0"/>
+              <a:t>Familiar</a:t>
+            </a:r>
+          </a:p>
+        </p:txBody>
+      </p:sp>
+      <p:sp>
+        <p:nvSpPr>
+          <p:cNvPr id="8" name="Rounded Rectangle 7"/>
+          <p:cNvSpPr/>
+          <p:nvPr/>
+        </p:nvSpPr>
+        <p:spPr>
+          <a:xfrm>
+            <a:off x="519764" y="4812632"/>
+            <a:ext cx="3627120" cy="1357162"/>
+          </a:xfrm>
+          <a:prstGeom prst="roundRect">
+            <a:avLst/>
+          </a:prstGeom>
+          <a:solidFill>
+            <a:schemeClr val="accent2">
+              <a:lumMod val="75000"/>
+            </a:schemeClr>
+          </a:solidFill>
+          <a:effectLst>
+            <a:glow rad="63500">
+              <a:schemeClr val="accent1">
+                <a:satMod val="175000"/>
+                <a:alpha val="40000"/>
+              </a:schemeClr>
+            </a:glow>
+          </a:effectLst>
+        </p:spPr>
+        <p:style>
+          <a:lnRef idx="2">
+            <a:schemeClr val="accent1">
+              <a:shade val="50000"/>
+            </a:schemeClr>
+          </a:lnRef>
+          <a:fillRef idx="1">
+            <a:schemeClr val="accent1"/>
+          </a:fillRef>
+          <a:effectRef idx="0">
+            <a:schemeClr val="accent1"/>
+          </a:effectRef>
+          <a:fontRef idx="minor">
+            <a:schemeClr val="lt1"/>
+          </a:fontRef>
+        </p:style>
+        <p:txBody>
+          <a:bodyPr rtlCol="0" anchor="ctr"/>
+          <a:lstStyle/>
+          <a:p>
+            <a:pPr algn="ctr"/>
+            <a:r>
+              <a:rPr lang="en-US" sz="4400" dirty="0"/>
+              <a:t>Transactional</a:t>
+            </a:r>
+          </a:p>
+        </p:txBody>
+      </p:sp>
+      <p:sp>
+        <p:nvSpPr>
+          <p:cNvPr id="9" name="Rounded Rectangle 8"/>
+          <p:cNvSpPr/>
+          <p:nvPr/>
+        </p:nvSpPr>
+        <p:spPr>
+          <a:xfrm>
+            <a:off x="7623208" y="4649003"/>
+            <a:ext cx="3397718" cy="1453413"/>
+          </a:xfrm>
+          <a:prstGeom prst="roundRect">
+            <a:avLst/>
+          </a:prstGeom>
+          <a:solidFill>
+            <a:srgbClr val="FF0000"/>
+          </a:solidFill>
+          <a:effectLst>
+            <a:glow rad="63500">
+              <a:schemeClr val="accent1">
+                <a:satMod val="175000"/>
+                <a:alpha val="40000"/>
+              </a:schemeClr>
+            </a:glow>
+          </a:effectLst>
+        </p:spPr>
+        <p:style>
+          <a:lnRef idx="2">
+            <a:schemeClr val="accent1">
+              <a:shade val="50000"/>
+            </a:schemeClr>
+          </a:lnRef>
+          <a:fillRef idx="1">
+            <a:schemeClr val="accent1"/>
+          </a:fillRef>
+          <a:effectRef idx="0">
+            <a:schemeClr val="accent1"/>
+          </a:effectRef>
+          <a:fontRef idx="minor">
+            <a:schemeClr val="lt1"/>
+          </a:fontRef>
+        </p:style>
+        <p:txBody>
+          <a:bodyPr rtlCol="0" anchor="ctr"/>
+          <a:lstStyle/>
+          <a:p>
+            <a:pPr algn="ctr"/>
+            <a:r>
+              <a:rPr lang="en-US" sz="4400" dirty="0"/>
+              <a:t>Sandboxed</a:t>
+            </a:r>
+          </a:p>
+        </p:txBody>
+      </p:sp>
+      <p:sp>
+        <p:nvSpPr>
+          <p:cNvPr id="10" name="TextBox 9"/>
+          <p:cNvSpPr txBox="1"/>
+          <p:nvPr/>
+        </p:nvSpPr>
+        <p:spPr>
+          <a:xfrm>
+            <a:off x="673768" y="370375"/>
+            <a:ext cx="10442282" cy="1015663"/>
+          </a:xfrm>
+          <a:prstGeom prst="rect">
+            <a:avLst/>
+          </a:prstGeom>
+          <a:noFill/>
+        </p:spPr>
+        <p:txBody>
+          <a:bodyPr wrap="none" rtlCol="0">
+            <a:spAutoFit/>
+          </a:bodyPr>
+          <a:lstStyle/>
+          <a:p>
+            <a:r>
+              <a:rPr lang="en-US" sz="6000" dirty="0">
+                <a:solidFill>
+                  <a:srgbClr val="FFFF00"/>
+                </a:solidFill>
+              </a:rPr>
+              <a:t>Programmability in DocumentDB</a:t>
             </a:r>
           </a:p>
         </p:txBody>
@@ -17500,7 +15798,7 @@
     </p:spTree>
     <p:extLst>
       <p:ext uri="{BB962C8B-B14F-4D97-AF65-F5344CB8AC3E}">
-        <p14:creationId xmlns:p14="http://schemas.microsoft.com/office/powerpoint/2010/main" val="3324503949"/>
+        <p14:creationId xmlns:p14="http://schemas.microsoft.com/office/powerpoint/2010/main" val="3748666209"/>
       </p:ext>
     </p:extLst>
   </p:cSld>
@@ -17529,481 +15827,6 @@
       </p:grpSpPr>
       <p:sp>
         <p:nvSpPr>
-          <p:cNvPr id="2" name="Title 1"/>
-          <p:cNvSpPr>
-            <a:spLocks noGrp="1"/>
-          </p:cNvSpPr>
-          <p:nvPr>
-            <p:ph type="title"/>
-          </p:nvPr>
-        </p:nvSpPr>
-        <p:spPr>
-          <a:xfrm>
-            <a:off x="751572" y="176572"/>
-            <a:ext cx="3493168" cy="1007632"/>
-          </a:xfrm>
-        </p:spPr>
-        <p:txBody>
-          <a:bodyPr/>
-          <a:lstStyle/>
-          <a:p>
-            <a:r>
-              <a:rPr lang="en-US" b="1" dirty="0">
-                <a:solidFill>
-                  <a:srgbClr val="FFFF00"/>
-                </a:solidFill>
-              </a:rPr>
-              <a:t>The Checklist</a:t>
-            </a:r>
-          </a:p>
-        </p:txBody>
-      </p:sp>
-      <p:sp>
-        <p:nvSpPr>
-          <p:cNvPr id="3" name="Content Placeholder 2"/>
-          <p:cNvSpPr>
-            <a:spLocks noGrp="1"/>
-          </p:cNvSpPr>
-          <p:nvPr>
-            <p:ph idx="1"/>
-          </p:nvPr>
-        </p:nvSpPr>
-        <p:spPr>
-          <a:xfrm>
-            <a:off x="389224" y="1184204"/>
-            <a:ext cx="10872334" cy="5149219"/>
-          </a:xfrm>
-        </p:spPr>
-        <p:txBody>
-          <a:bodyPr>
-            <a:normAutofit fontScale="62500" lnSpcReduction="20000"/>
-          </a:bodyPr>
-          <a:lstStyle/>
-          <a:p>
-            <a:pPr marL="514350" indent="-514350">
-              <a:buFont typeface="+mj-lt"/>
-              <a:buAutoNum type="arabicPeriod"/>
-            </a:pPr>
-            <a:r>
-              <a:rPr lang="en-US" dirty="0"/>
-              <a:t>What category does this belong in? (Relational, Key-Value, Document, Graph, Columnar, Hybrid, Other)</a:t>
-            </a:r>
-          </a:p>
-          <a:p>
-            <a:pPr marL="514350" indent="-514350">
-              <a:buFont typeface="+mj-lt"/>
-              <a:buAutoNum type="arabicPeriod"/>
-            </a:pPr>
-            <a:r>
-              <a:rPr lang="en-US" dirty="0"/>
-              <a:t>What does this optimize on (i.e. do very well)? Reads, writes, transactions?</a:t>
-            </a:r>
-          </a:p>
-          <a:p>
-            <a:pPr marL="514350" indent="-514350">
-              <a:buFont typeface="+mj-lt"/>
-              <a:buAutoNum type="arabicPeriod"/>
-            </a:pPr>
-            <a:r>
-              <a:rPr lang="en-US" dirty="0"/>
-              <a:t>Is there a REST API? An SDK? Some native querying language?</a:t>
-            </a:r>
-          </a:p>
-          <a:p>
-            <a:pPr marL="514350" indent="-514350">
-              <a:buFont typeface="+mj-lt"/>
-              <a:buAutoNum type="arabicPeriod"/>
-            </a:pPr>
-            <a:r>
-              <a:rPr lang="en-US" dirty="0"/>
-              <a:t>Is the data format human readable: XML, JSON, etc. </a:t>
-            </a:r>
-          </a:p>
-          <a:p>
-            <a:pPr marL="514350" indent="-514350">
-              <a:buFont typeface="+mj-lt"/>
-              <a:buAutoNum type="arabicPeriod"/>
-            </a:pPr>
-            <a:r>
-              <a:rPr lang="en-US" dirty="0"/>
-              <a:t>Can it run on Windows? Linux? PAAS (Azure)?</a:t>
-            </a:r>
-          </a:p>
-          <a:p>
-            <a:pPr marL="514350" indent="-514350">
-              <a:buFont typeface="+mj-lt"/>
-              <a:buAutoNum type="arabicPeriod"/>
-            </a:pPr>
-            <a:r>
-              <a:rPr lang="en-US" dirty="0"/>
-              <a:t>Where does it fall on the CAP spectrum?</a:t>
-            </a:r>
-          </a:p>
-          <a:p>
-            <a:pPr marL="514350" indent="-514350">
-              <a:buFont typeface="+mj-lt"/>
-              <a:buAutoNum type="arabicPeriod"/>
-            </a:pPr>
-            <a:r>
-              <a:rPr lang="en-US" dirty="0"/>
-              <a:t>Auto-create database? Auto-create collections?</a:t>
-            </a:r>
-          </a:p>
-          <a:p>
-            <a:pPr marL="514350" indent="-514350">
-              <a:buFont typeface="+mj-lt"/>
-              <a:buAutoNum type="arabicPeriod"/>
-            </a:pPr>
-            <a:r>
-              <a:rPr lang="en-US" dirty="0"/>
-              <a:t>Is there a local mode?</a:t>
-            </a:r>
-          </a:p>
-          <a:p>
-            <a:pPr marL="514350" indent="-514350">
-              <a:buFont typeface="+mj-lt"/>
-              <a:buAutoNum type="arabicPeriod"/>
-            </a:pPr>
-            <a:r>
-              <a:rPr lang="en-US" dirty="0"/>
-              <a:t>Type of Indexing (Hash, B-tree, something else)</a:t>
-            </a:r>
-          </a:p>
-          <a:p>
-            <a:pPr marL="514350" indent="-514350">
-              <a:buFont typeface="+mj-lt"/>
-              <a:buAutoNum type="arabicPeriod"/>
-            </a:pPr>
-            <a:r>
-              <a:rPr lang="en-US" dirty="0"/>
-              <a:t>Does it support full-text search?</a:t>
-            </a:r>
-          </a:p>
-          <a:p>
-            <a:pPr marL="514350" indent="-514350">
-              <a:buFont typeface="+mj-lt"/>
-              <a:buAutoNum type="arabicPeriod"/>
-            </a:pPr>
-            <a:r>
-              <a:rPr lang="en-US" dirty="0"/>
-              <a:t>How does it scale? Support sharding?</a:t>
-            </a:r>
-          </a:p>
-          <a:p>
-            <a:pPr marL="514350" indent="-514350">
-              <a:buFont typeface="+mj-lt"/>
-              <a:buAutoNum type="arabicPeriod"/>
-            </a:pPr>
-            <a:r>
-              <a:rPr lang="en-US" dirty="0"/>
-              <a:t>How does it replicate? Master-slave or peer-peer?</a:t>
-            </a:r>
-          </a:p>
-          <a:p>
-            <a:pPr marL="514350" indent="-514350">
-              <a:buFont typeface="+mj-lt"/>
-              <a:buAutoNum type="arabicPeriod"/>
-            </a:pPr>
-            <a:r>
-              <a:rPr lang="en-US" dirty="0"/>
-              <a:t>Open Source?</a:t>
-            </a:r>
-          </a:p>
-          <a:p>
-            <a:pPr marL="514350" indent="-514350">
-              <a:buFont typeface="+mj-lt"/>
-              <a:buAutoNum type="arabicPeriod"/>
-            </a:pPr>
-            <a:r>
-              <a:rPr lang="en-US" dirty="0"/>
-              <a:t>Cost? If cloud based, how is this billed?</a:t>
-            </a:r>
-          </a:p>
-          <a:p>
-            <a:pPr marL="514350" indent="-514350">
-              <a:buFont typeface="+mj-lt"/>
-              <a:buAutoNum type="arabicPeriod"/>
-            </a:pPr>
-            <a:r>
-              <a:rPr lang="en-US" dirty="0"/>
-              <a:t>What kind of tooling is available? GUI based?</a:t>
-            </a:r>
-          </a:p>
-          <a:p>
-            <a:pPr marL="514350" indent="-514350">
-              <a:buFont typeface="+mj-lt"/>
-              <a:buAutoNum type="arabicPeriod"/>
-            </a:pPr>
-            <a:r>
-              <a:rPr lang="en-US" dirty="0"/>
-              <a:t>What are my options for technical support?</a:t>
-            </a:r>
-          </a:p>
-          <a:p>
-            <a:pPr marL="514350" indent="-514350">
-              <a:buFont typeface="+mj-lt"/>
-              <a:buAutoNum type="arabicPeriod"/>
-            </a:pPr>
-            <a:endParaRPr lang="en-US" dirty="0"/>
-          </a:p>
-        </p:txBody>
-      </p:sp>
-    </p:spTree>
-    <p:extLst>
-      <p:ext uri="{BB962C8B-B14F-4D97-AF65-F5344CB8AC3E}">
-        <p14:creationId xmlns:p14="http://schemas.microsoft.com/office/powerpoint/2010/main" val="2388893766"/>
-      </p:ext>
-    </p:extLst>
-  </p:cSld>
-  <p:clrMapOvr>
-    <a:masterClrMapping/>
-  </p:clrMapOvr>
-</p:sld>
-</file>
-
-<file path=ppt/slides/slide43.xml><?xml version="1.0" encoding="utf-8"?>
-<p:sld xmlns:a="http://schemas.openxmlformats.org/drawingml/2006/main" xmlns:r="http://schemas.openxmlformats.org/officeDocument/2006/relationships" xmlns:p="http://schemas.openxmlformats.org/presentationml/2006/main">
-  <p:cSld>
-    <p:spTree>
-      <p:nvGrpSpPr>
-        <p:cNvPr id="1" name=""/>
-        <p:cNvGrpSpPr/>
-        <p:nvPr/>
-      </p:nvGrpSpPr>
-      <p:grpSpPr>
-        <a:xfrm>
-          <a:off x="0" y="0"/>
-          <a:ext cx="0" cy="0"/>
-          <a:chOff x="0" y="0"/>
-          <a:chExt cx="0" cy="0"/>
-        </a:xfrm>
-      </p:grpSpPr>
-      <p:sp>
-        <p:nvSpPr>
-          <p:cNvPr id="5" name="Rounded Rectangle 4"/>
-          <p:cNvSpPr/>
-          <p:nvPr/>
-        </p:nvSpPr>
-        <p:spPr>
-          <a:xfrm>
-            <a:off x="4210488" y="2367815"/>
-            <a:ext cx="3368842" cy="1299411"/>
-          </a:xfrm>
-          <a:prstGeom prst="roundRect">
-            <a:avLst/>
-          </a:prstGeom>
-          <a:effectLst>
-            <a:glow rad="63500">
-              <a:schemeClr val="accent1">
-                <a:satMod val="175000"/>
-                <a:alpha val="40000"/>
-              </a:schemeClr>
-            </a:glow>
-          </a:effectLst>
-        </p:spPr>
-        <p:style>
-          <a:lnRef idx="2">
-            <a:schemeClr val="accent1">
-              <a:shade val="50000"/>
-            </a:schemeClr>
-          </a:lnRef>
-          <a:fillRef idx="1">
-            <a:schemeClr val="accent1"/>
-          </a:fillRef>
-          <a:effectRef idx="0">
-            <a:schemeClr val="accent1"/>
-          </a:effectRef>
-          <a:fontRef idx="minor">
-            <a:schemeClr val="lt1"/>
-          </a:fontRef>
-        </p:style>
-        <p:txBody>
-          <a:bodyPr rtlCol="0" anchor="ctr"/>
-          <a:lstStyle/>
-          <a:p>
-            <a:pPr algn="ctr"/>
-            <a:r>
-              <a:rPr lang="en-US" sz="4400" dirty="0"/>
-              <a:t>Familiar</a:t>
-            </a:r>
-          </a:p>
-        </p:txBody>
-      </p:sp>
-      <p:sp>
-        <p:nvSpPr>
-          <p:cNvPr id="8" name="Rounded Rectangle 7"/>
-          <p:cNvSpPr/>
-          <p:nvPr/>
-        </p:nvSpPr>
-        <p:spPr>
-          <a:xfrm>
-            <a:off x="519764" y="4812632"/>
-            <a:ext cx="3627120" cy="1357162"/>
-          </a:xfrm>
-          <a:prstGeom prst="roundRect">
-            <a:avLst/>
-          </a:prstGeom>
-          <a:solidFill>
-            <a:schemeClr val="accent2">
-              <a:lumMod val="75000"/>
-            </a:schemeClr>
-          </a:solidFill>
-          <a:effectLst>
-            <a:glow rad="63500">
-              <a:schemeClr val="accent1">
-                <a:satMod val="175000"/>
-                <a:alpha val="40000"/>
-              </a:schemeClr>
-            </a:glow>
-          </a:effectLst>
-        </p:spPr>
-        <p:style>
-          <a:lnRef idx="2">
-            <a:schemeClr val="accent1">
-              <a:shade val="50000"/>
-            </a:schemeClr>
-          </a:lnRef>
-          <a:fillRef idx="1">
-            <a:schemeClr val="accent1"/>
-          </a:fillRef>
-          <a:effectRef idx="0">
-            <a:schemeClr val="accent1"/>
-          </a:effectRef>
-          <a:fontRef idx="minor">
-            <a:schemeClr val="lt1"/>
-          </a:fontRef>
-        </p:style>
-        <p:txBody>
-          <a:bodyPr rtlCol="0" anchor="ctr"/>
-          <a:lstStyle/>
-          <a:p>
-            <a:pPr algn="ctr"/>
-            <a:r>
-              <a:rPr lang="en-US" sz="4400" dirty="0"/>
-              <a:t>Transactional</a:t>
-            </a:r>
-          </a:p>
-        </p:txBody>
-      </p:sp>
-      <p:sp>
-        <p:nvSpPr>
-          <p:cNvPr id="9" name="Rounded Rectangle 8"/>
-          <p:cNvSpPr/>
-          <p:nvPr/>
-        </p:nvSpPr>
-        <p:spPr>
-          <a:xfrm>
-            <a:off x="7623208" y="4649003"/>
-            <a:ext cx="3397718" cy="1453413"/>
-          </a:xfrm>
-          <a:prstGeom prst="roundRect">
-            <a:avLst/>
-          </a:prstGeom>
-          <a:solidFill>
-            <a:srgbClr val="FF0000"/>
-          </a:solidFill>
-          <a:effectLst>
-            <a:glow rad="63500">
-              <a:schemeClr val="accent1">
-                <a:satMod val="175000"/>
-                <a:alpha val="40000"/>
-              </a:schemeClr>
-            </a:glow>
-          </a:effectLst>
-        </p:spPr>
-        <p:style>
-          <a:lnRef idx="2">
-            <a:schemeClr val="accent1">
-              <a:shade val="50000"/>
-            </a:schemeClr>
-          </a:lnRef>
-          <a:fillRef idx="1">
-            <a:schemeClr val="accent1"/>
-          </a:fillRef>
-          <a:effectRef idx="0">
-            <a:schemeClr val="accent1"/>
-          </a:effectRef>
-          <a:fontRef idx="minor">
-            <a:schemeClr val="lt1"/>
-          </a:fontRef>
-        </p:style>
-        <p:txBody>
-          <a:bodyPr rtlCol="0" anchor="ctr"/>
-          <a:lstStyle/>
-          <a:p>
-            <a:pPr algn="ctr"/>
-            <a:r>
-              <a:rPr lang="en-US" sz="4400" dirty="0"/>
-              <a:t>Sandboxed</a:t>
-            </a:r>
-          </a:p>
-        </p:txBody>
-      </p:sp>
-      <p:sp>
-        <p:nvSpPr>
-          <p:cNvPr id="10" name="TextBox 9"/>
-          <p:cNvSpPr txBox="1"/>
-          <p:nvPr/>
-        </p:nvSpPr>
-        <p:spPr>
-          <a:xfrm>
-            <a:off x="673768" y="370375"/>
-            <a:ext cx="10442282" cy="1015663"/>
-          </a:xfrm>
-          <a:prstGeom prst="rect">
-            <a:avLst/>
-          </a:prstGeom>
-          <a:noFill/>
-        </p:spPr>
-        <p:txBody>
-          <a:bodyPr wrap="none" rtlCol="0">
-            <a:spAutoFit/>
-          </a:bodyPr>
-          <a:lstStyle/>
-          <a:p>
-            <a:r>
-              <a:rPr lang="en-US" sz="6000" dirty="0">
-                <a:solidFill>
-                  <a:srgbClr val="FFFF00"/>
-                </a:solidFill>
-              </a:rPr>
-              <a:t>Programmability in DocumentDB</a:t>
-            </a:r>
-          </a:p>
-        </p:txBody>
-      </p:sp>
-    </p:spTree>
-    <p:extLst>
-      <p:ext uri="{BB962C8B-B14F-4D97-AF65-F5344CB8AC3E}">
-        <p14:creationId xmlns:p14="http://schemas.microsoft.com/office/powerpoint/2010/main" val="3748666209"/>
-      </p:ext>
-    </p:extLst>
-  </p:cSld>
-  <p:clrMapOvr>
-    <a:masterClrMapping/>
-  </p:clrMapOvr>
-</p:sld>
-</file>
-
-<file path=ppt/slides/slide44.xml><?xml version="1.0" encoding="utf-8"?>
-<p:sld xmlns:a="http://schemas.openxmlformats.org/drawingml/2006/main" xmlns:r="http://schemas.openxmlformats.org/officeDocument/2006/relationships" xmlns:p="http://schemas.openxmlformats.org/presentationml/2006/main">
-  <p:cSld>
-    <p:spTree>
-      <p:nvGrpSpPr>
-        <p:cNvPr id="1" name=""/>
-        <p:cNvGrpSpPr/>
-        <p:nvPr/>
-      </p:nvGrpSpPr>
-      <p:grpSpPr>
-        <a:xfrm>
-          <a:off x="0" y="0"/>
-          <a:ext cx="0" cy="0"/>
-          <a:chOff x="0" y="0"/>
-          <a:chExt cx="0" cy="0"/>
-        </a:xfrm>
-      </p:grpSpPr>
-      <p:sp>
-        <p:nvSpPr>
           <p:cNvPr id="4" name="TextBox 3"/>
           <p:cNvSpPr txBox="1"/>
           <p:nvPr/>
@@ -18256,7 +16079,7 @@
 </p:sld>
 </file>
 
-<file path=ppt/slides/slide45.xml><?xml version="1.0" encoding="utf-8"?>
+<file path=ppt/slides/slide43.xml><?xml version="1.0" encoding="utf-8"?>
 <p:sld xmlns:a="http://schemas.openxmlformats.org/drawingml/2006/main" xmlns:r="http://schemas.openxmlformats.org/officeDocument/2006/relationships" xmlns:p="http://schemas.openxmlformats.org/presentationml/2006/main">
   <p:cSld>
     <p:spTree>
@@ -19427,7 +17250,7 @@
 </p:sld>
 </file>
 
-<file path=ppt/slides/slide46.xml><?xml version="1.0" encoding="utf-8"?>
+<file path=ppt/slides/slide44.xml><?xml version="1.0" encoding="utf-8"?>
 <p:sld xmlns:a="http://schemas.openxmlformats.org/drawingml/2006/main" xmlns:r="http://schemas.openxmlformats.org/officeDocument/2006/relationships" xmlns:p="http://schemas.openxmlformats.org/presentationml/2006/main">
   <p:cSld>
     <p:spTree>
@@ -20606,7 +18429,7 @@
 </p:sld>
 </file>
 
-<file path=ppt/slides/slide47.xml><?xml version="1.0" encoding="utf-8"?>
+<file path=ppt/slides/slide45.xml><?xml version="1.0" encoding="utf-8"?>
 <p:sld xmlns:a="http://schemas.openxmlformats.org/drawingml/2006/main" xmlns:r="http://schemas.openxmlformats.org/officeDocument/2006/relationships" xmlns:p="http://schemas.openxmlformats.org/presentationml/2006/main">
   <p:cSld>
     <p:spTree>
@@ -21786,7 +19609,7 @@
 </p:sld>
 </file>
 
-<file path=ppt/slides/slide48.xml><?xml version="1.0" encoding="utf-8"?>
+<file path=ppt/slides/slide46.xml><?xml version="1.0" encoding="utf-8"?>
 <p:sld xmlns:a="http://schemas.openxmlformats.org/drawingml/2006/main" xmlns:r="http://schemas.openxmlformats.org/officeDocument/2006/relationships" xmlns:p="http://schemas.openxmlformats.org/presentationml/2006/main">
   <p:cSld>
     <p:spTree>
@@ -22972,6 +20795,66 @@
 </p:sld>
 </file>
 
+<file path=ppt/slides/slide47.xml><?xml version="1.0" encoding="utf-8"?>
+<p:sld xmlns:a="http://schemas.openxmlformats.org/drawingml/2006/main" xmlns:r="http://schemas.openxmlformats.org/officeDocument/2006/relationships" xmlns:p="http://schemas.openxmlformats.org/presentationml/2006/main">
+  <p:cSld>
+    <p:spTree>
+      <p:nvGrpSpPr>
+        <p:cNvPr id="1" name=""/>
+        <p:cNvGrpSpPr/>
+        <p:nvPr/>
+      </p:nvGrpSpPr>
+      <p:grpSpPr>
+        <a:xfrm>
+          <a:off x="0" y="0"/>
+          <a:ext cx="0" cy="0"/>
+          <a:chOff x="0" y="0"/>
+          <a:chExt cx="0" cy="0"/>
+        </a:xfrm>
+      </p:grpSpPr>
+    </p:spTree>
+    <p:extLst>
+      <p:ext uri="{BB962C8B-B14F-4D97-AF65-F5344CB8AC3E}">
+        <p14:creationId xmlns:p14="http://schemas.microsoft.com/office/powerpoint/2010/main" val="3955733258"/>
+      </p:ext>
+    </p:extLst>
+  </p:cSld>
+  <p:clrMapOvr>
+    <a:masterClrMapping/>
+  </p:clrMapOvr>
+</p:sld>
+</file>
+
+<file path=ppt/slides/slide48.xml><?xml version="1.0" encoding="utf-8"?>
+<p:sld xmlns:a="http://schemas.openxmlformats.org/drawingml/2006/main" xmlns:r="http://schemas.openxmlformats.org/officeDocument/2006/relationships" xmlns:p="http://schemas.openxmlformats.org/presentationml/2006/main">
+  <p:cSld>
+    <p:spTree>
+      <p:nvGrpSpPr>
+        <p:cNvPr id="1" name=""/>
+        <p:cNvGrpSpPr/>
+        <p:nvPr/>
+      </p:nvGrpSpPr>
+      <p:grpSpPr>
+        <a:xfrm>
+          <a:off x="0" y="0"/>
+          <a:ext cx="0" cy="0"/>
+          <a:chOff x="0" y="0"/>
+          <a:chExt cx="0" cy="0"/>
+        </a:xfrm>
+      </p:grpSpPr>
+    </p:spTree>
+    <p:extLst>
+      <p:ext uri="{BB962C8B-B14F-4D97-AF65-F5344CB8AC3E}">
+        <p14:creationId xmlns:p14="http://schemas.microsoft.com/office/powerpoint/2010/main" val="1004180208"/>
+      </p:ext>
+    </p:extLst>
+  </p:cSld>
+  <p:clrMapOvr>
+    <a:masterClrMapping/>
+  </p:clrMapOvr>
+</p:sld>
+</file>
+
 <file path=ppt/slides/slide49.xml><?xml version="1.0" encoding="utf-8"?>
 <p:sld xmlns:a="http://schemas.openxmlformats.org/drawingml/2006/main" xmlns:r="http://schemas.openxmlformats.org/officeDocument/2006/relationships" xmlns:p="http://schemas.openxmlformats.org/presentationml/2006/main">
   <p:cSld>
@@ -22992,7 +20875,7 @@
     </p:spTree>
     <p:extLst>
       <p:ext uri="{BB962C8B-B14F-4D97-AF65-F5344CB8AC3E}">
-        <p14:creationId xmlns:p14="http://schemas.microsoft.com/office/powerpoint/2010/main" val="3955733258"/>
+        <p14:creationId xmlns:p14="http://schemas.microsoft.com/office/powerpoint/2010/main" val="3709615801"/>
       </p:ext>
     </p:extLst>
   </p:cSld>
@@ -23231,66 +21114,6 @@
 </file>
 
 <file path=ppt/slides/slide50.xml><?xml version="1.0" encoding="utf-8"?>
-<p:sld xmlns:a="http://schemas.openxmlformats.org/drawingml/2006/main" xmlns:r="http://schemas.openxmlformats.org/officeDocument/2006/relationships" xmlns:p="http://schemas.openxmlformats.org/presentationml/2006/main">
-  <p:cSld>
-    <p:spTree>
-      <p:nvGrpSpPr>
-        <p:cNvPr id="1" name=""/>
-        <p:cNvGrpSpPr/>
-        <p:nvPr/>
-      </p:nvGrpSpPr>
-      <p:grpSpPr>
-        <a:xfrm>
-          <a:off x="0" y="0"/>
-          <a:ext cx="0" cy="0"/>
-          <a:chOff x="0" y="0"/>
-          <a:chExt cx="0" cy="0"/>
-        </a:xfrm>
-      </p:grpSpPr>
-    </p:spTree>
-    <p:extLst>
-      <p:ext uri="{BB962C8B-B14F-4D97-AF65-F5344CB8AC3E}">
-        <p14:creationId xmlns:p14="http://schemas.microsoft.com/office/powerpoint/2010/main" val="1004180208"/>
-      </p:ext>
-    </p:extLst>
-  </p:cSld>
-  <p:clrMapOvr>
-    <a:masterClrMapping/>
-  </p:clrMapOvr>
-</p:sld>
-</file>
-
-<file path=ppt/slides/slide51.xml><?xml version="1.0" encoding="utf-8"?>
-<p:sld xmlns:a="http://schemas.openxmlformats.org/drawingml/2006/main" xmlns:r="http://schemas.openxmlformats.org/officeDocument/2006/relationships" xmlns:p="http://schemas.openxmlformats.org/presentationml/2006/main">
-  <p:cSld>
-    <p:spTree>
-      <p:nvGrpSpPr>
-        <p:cNvPr id="1" name=""/>
-        <p:cNvGrpSpPr/>
-        <p:nvPr/>
-      </p:nvGrpSpPr>
-      <p:grpSpPr>
-        <a:xfrm>
-          <a:off x="0" y="0"/>
-          <a:ext cx="0" cy="0"/>
-          <a:chOff x="0" y="0"/>
-          <a:chExt cx="0" cy="0"/>
-        </a:xfrm>
-      </p:grpSpPr>
-    </p:spTree>
-    <p:extLst>
-      <p:ext uri="{BB962C8B-B14F-4D97-AF65-F5344CB8AC3E}">
-        <p14:creationId xmlns:p14="http://schemas.microsoft.com/office/powerpoint/2010/main" val="3709615801"/>
-      </p:ext>
-    </p:extLst>
-  </p:cSld>
-  <p:clrMapOvr>
-    <a:masterClrMapping/>
-  </p:clrMapOvr>
-</p:sld>
-</file>
-
-<file path=ppt/slides/slide52.xml><?xml version="1.0" encoding="utf-8"?>
 <p:sld xmlns:a="http://schemas.openxmlformats.org/drawingml/2006/main" xmlns:r="http://schemas.openxmlformats.org/officeDocument/2006/relationships" xmlns:p="http://schemas.openxmlformats.org/presentationml/2006/main">
   <p:cSld>
     <p:spTree>
@@ -23968,7 +21791,7 @@
           <a:noFill/>
           <a:extLst>
             <a:ext uri="{909E8E84-426E-40dd-AFC4-6F175D3DCCD1}">
-              <a14:hiddenFill xmlns="" xmlns:a14="http://schemas.microsoft.com/office/drawing/2010/main">
+              <a14:hiddenFill xmlns:a14="http://schemas.microsoft.com/office/drawing/2010/main" xmlns="">
                 <a:solidFill>
                   <a:srgbClr val="FFFFFF"/>
                 </a:solidFill>
@@ -24140,7 +21963,7 @@
           <a:noFill/>
           <a:extLst>
             <a:ext uri="{909E8E84-426E-40dd-AFC4-6F175D3DCCD1}">
-              <a14:hiddenFill xmlns="" xmlns:a14="http://schemas.microsoft.com/office/drawing/2010/main">
+              <a14:hiddenFill xmlns:a14="http://schemas.microsoft.com/office/drawing/2010/main" xmlns="">
                 <a:solidFill>
                   <a:srgbClr val="FFFFFF"/>
                 </a:solidFill>

--- a/NoSQLWhirlwind supprting images.pptx
+++ b/NoSQLWhirlwind supprting images.pptx
@@ -5,7 +5,7 @@
     <p:sldMasterId id="2147483660" r:id="rId1"/>
   </p:sldMasterIdLst>
   <p:notesMasterIdLst>
-    <p:notesMasterId r:id="rId52"/>
+    <p:notesMasterId r:id="rId54"/>
   </p:notesMasterIdLst>
   <p:sldIdLst>
     <p:sldId id="268" r:id="rId2"/>
@@ -34,30 +34,32 @@
     <p:sldId id="263" r:id="rId25"/>
     <p:sldId id="266" r:id="rId26"/>
     <p:sldId id="317" r:id="rId27"/>
-    <p:sldId id="318" r:id="rId28"/>
-    <p:sldId id="267" r:id="rId29"/>
-    <p:sldId id="265" r:id="rId30"/>
-    <p:sldId id="276" r:id="rId31"/>
-    <p:sldId id="272" r:id="rId32"/>
-    <p:sldId id="273" r:id="rId33"/>
-    <p:sldId id="284" r:id="rId34"/>
-    <p:sldId id="275" r:id="rId35"/>
-    <p:sldId id="269" r:id="rId36"/>
-    <p:sldId id="270" r:id="rId37"/>
-    <p:sldId id="271" r:id="rId38"/>
-    <p:sldId id="277" r:id="rId39"/>
-    <p:sldId id="279" r:id="rId40"/>
-    <p:sldId id="278" r:id="rId41"/>
-    <p:sldId id="301" r:id="rId42"/>
-    <p:sldId id="311" r:id="rId43"/>
-    <p:sldId id="307" r:id="rId44"/>
-    <p:sldId id="312" r:id="rId45"/>
-    <p:sldId id="313" r:id="rId46"/>
-    <p:sldId id="314" r:id="rId47"/>
-    <p:sldId id="306" r:id="rId48"/>
-    <p:sldId id="305" r:id="rId49"/>
-    <p:sldId id="303" r:id="rId50"/>
-    <p:sldId id="302" r:id="rId51"/>
+    <p:sldId id="319" r:id="rId28"/>
+    <p:sldId id="318" r:id="rId29"/>
+    <p:sldId id="267" r:id="rId30"/>
+    <p:sldId id="265" r:id="rId31"/>
+    <p:sldId id="276" r:id="rId32"/>
+    <p:sldId id="272" r:id="rId33"/>
+    <p:sldId id="273" r:id="rId34"/>
+    <p:sldId id="284" r:id="rId35"/>
+    <p:sldId id="275" r:id="rId36"/>
+    <p:sldId id="269" r:id="rId37"/>
+    <p:sldId id="270" r:id="rId38"/>
+    <p:sldId id="271" r:id="rId39"/>
+    <p:sldId id="320" r:id="rId40"/>
+    <p:sldId id="321" r:id="rId41"/>
+    <p:sldId id="322" r:id="rId42"/>
+    <p:sldId id="323" r:id="rId43"/>
+    <p:sldId id="324" r:id="rId44"/>
+    <p:sldId id="278" r:id="rId45"/>
+    <p:sldId id="301" r:id="rId46"/>
+    <p:sldId id="311" r:id="rId47"/>
+    <p:sldId id="307" r:id="rId48"/>
+    <p:sldId id="312" r:id="rId49"/>
+    <p:sldId id="313" r:id="rId50"/>
+    <p:sldId id="314" r:id="rId51"/>
+    <p:sldId id="306" r:id="rId52"/>
+    <p:sldId id="302" r:id="rId53"/>
   </p:sldIdLst>
   <p:sldSz cx="12192000" cy="6858000"/>
   <p:notesSz cx="6858000" cy="9144000"/>
@@ -207,6 +209,7 @@
         <p14:section name="Storage Engines" id="{C914CA25-B48C-4F28-8AA9-991A448472D8}">
           <p14:sldIdLst>
             <p14:sldId id="317"/>
+            <p14:sldId id="319"/>
             <p14:sldId id="318"/>
             <p14:sldId id="267"/>
           </p14:sldIdLst>
@@ -238,8 +241,11 @@
             <p14:sldId id="269"/>
             <p14:sldId id="270"/>
             <p14:sldId id="271"/>
-            <p14:sldId id="277"/>
-            <p14:sldId id="279"/>
+            <p14:sldId id="320"/>
+            <p14:sldId id="321"/>
+            <p14:sldId id="322"/>
+            <p14:sldId id="323"/>
+            <p14:sldId id="324"/>
             <p14:sldId id="278"/>
             <p14:sldId id="301"/>
             <p14:sldId id="311"/>
@@ -248,8 +254,6 @@
             <p14:sldId id="313"/>
             <p14:sldId id="314"/>
             <p14:sldId id="306"/>
-            <p14:sldId id="305"/>
-            <p14:sldId id="303"/>
             <p14:sldId id="302"/>
           </p14:sldIdLst>
         </p14:section>
@@ -355,7 +359,7 @@
           <a:p>
             <a:fld id="{09204D5E-80CA-44E6-9838-6D2C437BFBFD}" type="datetimeFigureOut">
               <a:rPr lang="en-US" smtClean="0"/>
-              <a:t>3/29/2016</a:t>
+              <a:t>4/2/2016</a:t>
             </a:fld>
             <a:endParaRPr lang="en-US"/>
           </a:p>
@@ -2129,7 +2133,7 @@
           <a:p>
             <a:fld id="{7D161F0C-C389-4F4C-A9F9-4D86F194D20A}" type="datetimeFigureOut">
               <a:rPr lang="en-US" smtClean="0"/>
-              <a:t>3/29/2016</a:t>
+              <a:t>4/2/2016</a:t>
             </a:fld>
             <a:endParaRPr lang="en-US"/>
           </a:p>
@@ -2299,7 +2303,7 @@
           <a:p>
             <a:fld id="{7D161F0C-C389-4F4C-A9F9-4D86F194D20A}" type="datetimeFigureOut">
               <a:rPr lang="en-US" smtClean="0"/>
-              <a:t>3/29/2016</a:t>
+              <a:t>4/2/2016</a:t>
             </a:fld>
             <a:endParaRPr lang="en-US"/>
           </a:p>
@@ -2479,7 +2483,7 @@
           <a:p>
             <a:fld id="{7D161F0C-C389-4F4C-A9F9-4D86F194D20A}" type="datetimeFigureOut">
               <a:rPr lang="en-US" smtClean="0"/>
-              <a:t>3/29/2016</a:t>
+              <a:t>4/2/2016</a:t>
             </a:fld>
             <a:endParaRPr lang="en-US"/>
           </a:p>
@@ -2649,7 +2653,7 @@
           <a:p>
             <a:fld id="{7D161F0C-C389-4F4C-A9F9-4D86F194D20A}" type="datetimeFigureOut">
               <a:rPr lang="en-US" smtClean="0"/>
-              <a:t>3/29/2016</a:t>
+              <a:t>4/2/2016</a:t>
             </a:fld>
             <a:endParaRPr lang="en-US"/>
           </a:p>
@@ -2895,7 +2899,7 @@
           <a:p>
             <a:fld id="{7D161F0C-C389-4F4C-A9F9-4D86F194D20A}" type="datetimeFigureOut">
               <a:rPr lang="en-US" smtClean="0"/>
-              <a:t>3/29/2016</a:t>
+              <a:t>4/2/2016</a:t>
             </a:fld>
             <a:endParaRPr lang="en-US"/>
           </a:p>
@@ -3127,7 +3131,7 @@
           <a:p>
             <a:fld id="{7D161F0C-C389-4F4C-A9F9-4D86F194D20A}" type="datetimeFigureOut">
               <a:rPr lang="en-US" smtClean="0"/>
-              <a:t>3/29/2016</a:t>
+              <a:t>4/2/2016</a:t>
             </a:fld>
             <a:endParaRPr lang="en-US"/>
           </a:p>
@@ -3494,7 +3498,7 @@
           <a:p>
             <a:fld id="{7D161F0C-C389-4F4C-A9F9-4D86F194D20A}" type="datetimeFigureOut">
               <a:rPr lang="en-US" smtClean="0"/>
-              <a:t>3/29/2016</a:t>
+              <a:t>4/2/2016</a:t>
             </a:fld>
             <a:endParaRPr lang="en-US"/>
           </a:p>
@@ -3612,7 +3616,7 @@
           <a:p>
             <a:fld id="{7D161F0C-C389-4F4C-A9F9-4D86F194D20A}" type="datetimeFigureOut">
               <a:rPr lang="en-US" smtClean="0"/>
-              <a:t>3/29/2016</a:t>
+              <a:t>4/2/2016</a:t>
             </a:fld>
             <a:endParaRPr lang="en-US"/>
           </a:p>
@@ -3707,7 +3711,7 @@
           <a:p>
             <a:fld id="{7D161F0C-C389-4F4C-A9F9-4D86F194D20A}" type="datetimeFigureOut">
               <a:rPr lang="en-US" smtClean="0"/>
-              <a:t>3/29/2016</a:t>
+              <a:t>4/2/2016</a:t>
             </a:fld>
             <a:endParaRPr lang="en-US"/>
           </a:p>
@@ -3984,7 +3988,7 @@
           <a:p>
             <a:fld id="{7D161F0C-C389-4F4C-A9F9-4D86F194D20A}" type="datetimeFigureOut">
               <a:rPr lang="en-US" smtClean="0"/>
-              <a:t>3/29/2016</a:t>
+              <a:t>4/2/2016</a:t>
             </a:fld>
             <a:endParaRPr lang="en-US"/>
           </a:p>
@@ -4241,7 +4245,7 @@
           <a:p>
             <a:fld id="{7D161F0C-C389-4F4C-A9F9-4D86F194D20A}" type="datetimeFigureOut">
               <a:rPr lang="en-US" smtClean="0"/>
-              <a:t>3/29/2016</a:t>
+              <a:t>4/2/2016</a:t>
             </a:fld>
             <a:endParaRPr lang="en-US"/>
           </a:p>
@@ -4454,7 +4458,7 @@
           <a:p>
             <a:fld id="{7D161F0C-C389-4F4C-A9F9-4D86F194D20A}" type="datetimeFigureOut">
               <a:rPr lang="en-US" smtClean="0"/>
-              <a:t>3/29/2016</a:t>
+              <a:t>4/2/2016</a:t>
             </a:fld>
             <a:endParaRPr lang="en-US"/>
           </a:p>
@@ -10061,6 +10065,148 @@
       </p:grpSpPr>
       <p:sp>
         <p:nvSpPr>
+          <p:cNvPr id="3" name="Content Placeholder 2"/>
+          <p:cNvSpPr>
+            <a:spLocks noGrp="1"/>
+          </p:cNvSpPr>
+          <p:nvPr>
+            <p:ph idx="1"/>
+          </p:nvPr>
+        </p:nvSpPr>
+        <p:spPr>
+          <a:xfrm>
+            <a:off x="838200" y="1825625"/>
+            <a:ext cx="10515600" cy="3874135"/>
+          </a:xfrm>
+        </p:spPr>
+        <p:txBody>
+          <a:bodyPr>
+            <a:normAutofit/>
+          </a:bodyPr>
+          <a:lstStyle/>
+          <a:p>
+            <a:r>
+              <a:rPr lang="en-US" sz="2000" i="1" dirty="0"/>
+              <a:t>Acts like a single file database (.</a:t>
+            </a:r>
+            <a:r>
+              <a:rPr lang="en-US" sz="2000" i="1" dirty="0" err="1"/>
+              <a:t>edb</a:t>
+            </a:r>
+            <a:r>
+              <a:rPr lang="en-US" sz="2000" i="1" dirty="0"/>
+              <a:t>)</a:t>
+            </a:r>
+          </a:p>
+          <a:p>
+            <a:r>
+              <a:rPr lang="en-US" sz="2000" b="1" i="1" dirty="0"/>
+              <a:t>Supports transactions</a:t>
+            </a:r>
+          </a:p>
+          <a:p>
+            <a:r>
+              <a:rPr lang="en-US" sz="2000" i="1" dirty="0"/>
+              <a:t>Support for simple querying (</a:t>
+            </a:r>
+            <a:r>
+              <a:rPr lang="en-US" sz="1600" i="1" dirty="0"/>
+              <a:t>Single/multiple column “WHERE” like clauses, simple aggregates)</a:t>
+            </a:r>
+          </a:p>
+          <a:p>
+            <a:r>
+              <a:rPr lang="en-US" sz="2000" i="1" dirty="0"/>
+              <a:t>Supports indexes.</a:t>
+            </a:r>
+          </a:p>
+          <a:p>
+            <a:r>
+              <a:rPr lang="en-US" sz="2000" i="1" dirty="0"/>
+              <a:t>C# - best to use Managed ESENT library (3</a:t>
+            </a:r>
+            <a:r>
+              <a:rPr lang="en-US" sz="2000" i="1" baseline="30000" dirty="0"/>
+              <a:t>rd</a:t>
+            </a:r>
+            <a:r>
+              <a:rPr lang="en-US" sz="2000" i="1" dirty="0"/>
+              <a:t> part .</a:t>
+            </a:r>
+            <a:r>
+              <a:rPr lang="en-US" sz="2000" i="1" dirty="0" err="1"/>
+              <a:t>dll</a:t>
+            </a:r>
+            <a:r>
+              <a:rPr lang="en-US" sz="2000" i="1" dirty="0"/>
+              <a:t>)</a:t>
+            </a:r>
+          </a:p>
+          <a:p>
+            <a:r>
+              <a:rPr lang="en-US" sz="2000" i="1" dirty="0"/>
+              <a:t>An ESE database may contain up to 232 pages, or </a:t>
+            </a:r>
+            <a:r>
+              <a:rPr lang="en-US" sz="2000" b="1" i="1" dirty="0"/>
+              <a:t>16 terabytes of data</a:t>
+            </a:r>
+            <a:r>
+              <a:rPr lang="en-US" sz="2000" i="1" dirty="0"/>
+              <a:t>, for 8 kilobyte sized pages.</a:t>
+            </a:r>
+          </a:p>
+          <a:p>
+            <a:r>
+              <a:rPr lang="en-US" sz="2000" i="1" dirty="0"/>
+              <a:t>The maximum size of a Long Text or Long Binary column value is </a:t>
+            </a:r>
+            <a:r>
+              <a:rPr lang="en-US" sz="2000" b="1" i="1" dirty="0"/>
+              <a:t>2 GB</a:t>
+            </a:r>
+            <a:r>
+              <a:rPr lang="en-US" sz="2000" i="1" dirty="0"/>
+              <a:t>. </a:t>
+            </a:r>
+          </a:p>
+          <a:p>
+            <a:endParaRPr lang="en-US" sz="2000" i="1" dirty="0"/>
+          </a:p>
+        </p:txBody>
+      </p:sp>
+    </p:spTree>
+    <p:extLst>
+      <p:ext uri="{BB962C8B-B14F-4D97-AF65-F5344CB8AC3E}">
+        <p14:creationId xmlns:p14="http://schemas.microsoft.com/office/powerpoint/2010/main" val="233066253"/>
+      </p:ext>
+    </p:extLst>
+  </p:cSld>
+  <p:clrMapOvr>
+    <a:masterClrMapping/>
+  </p:clrMapOvr>
+</p:sld>
+</file>
+
+<file path=ppt/slides/slide28.xml><?xml version="1.0" encoding="utf-8"?>
+<p:sld xmlns:a="http://schemas.openxmlformats.org/drawingml/2006/main" xmlns:r="http://schemas.openxmlformats.org/officeDocument/2006/relationships" xmlns:p="http://schemas.openxmlformats.org/presentationml/2006/main">
+  <p:cSld>
+    <p:spTree>
+      <p:nvGrpSpPr>
+        <p:cNvPr id="1" name=""/>
+        <p:cNvGrpSpPr/>
+        <p:nvPr/>
+      </p:nvGrpSpPr>
+      <p:grpSpPr>
+        <a:xfrm>
+          <a:off x="0" y="0"/>
+          <a:ext cx="0" cy="0"/>
+          <a:chOff x="0" y="0"/>
+          <a:chExt cx="0" cy="0"/>
+        </a:xfrm>
+      </p:grpSpPr>
+      <p:sp>
+        <p:nvSpPr>
           <p:cNvPr id="2" name="Rectangle 1"/>
           <p:cNvSpPr/>
           <p:nvPr/>
@@ -10443,181 +10589,6 @@
 </p:sld>
 </file>
 
-<file path=ppt/slides/slide28.xml><?xml version="1.0" encoding="utf-8"?>
-<p:sld xmlns:a="http://schemas.openxmlformats.org/drawingml/2006/main" xmlns:r="http://schemas.openxmlformats.org/officeDocument/2006/relationships" xmlns:p="http://schemas.openxmlformats.org/presentationml/2006/main">
-  <p:cSld>
-    <p:spTree>
-      <p:nvGrpSpPr>
-        <p:cNvPr id="1" name=""/>
-        <p:cNvGrpSpPr/>
-        <p:nvPr/>
-      </p:nvGrpSpPr>
-      <p:grpSpPr>
-        <a:xfrm>
-          <a:off x="0" y="0"/>
-          <a:ext cx="0" cy="0"/>
-          <a:chOff x="0" y="0"/>
-          <a:chExt cx="0" cy="0"/>
-        </a:xfrm>
-      </p:grpSpPr>
-      <p:sp>
-        <p:nvSpPr>
-          <p:cNvPr id="2" name="Title 1"/>
-          <p:cNvSpPr>
-            <a:spLocks noGrp="1"/>
-          </p:cNvSpPr>
-          <p:nvPr>
-            <p:ph type="title"/>
-          </p:nvPr>
-        </p:nvSpPr>
-        <p:spPr/>
-        <p:txBody>
-          <a:bodyPr/>
-          <a:lstStyle/>
-          <a:p>
-            <a:r>
-              <a:rPr lang="en-US" dirty="0" err="1"/>
-              <a:t>Eloquera</a:t>
-            </a:r>
-            <a:endParaRPr lang="en-US" dirty="0"/>
-          </a:p>
-        </p:txBody>
-      </p:sp>
-      <p:sp>
-        <p:nvSpPr>
-          <p:cNvPr id="3" name="Content Placeholder 2"/>
-          <p:cNvSpPr>
-            <a:spLocks noGrp="1"/>
-          </p:cNvSpPr>
-          <p:nvPr>
-            <p:ph idx="1"/>
-          </p:nvPr>
-        </p:nvSpPr>
-        <p:spPr>
-          <a:xfrm>
-            <a:off x="1207625" y="1696977"/>
-            <a:ext cx="5770945" cy="894426"/>
-          </a:xfrm>
-        </p:spPr>
-        <p:txBody>
-          <a:bodyPr/>
-          <a:lstStyle/>
-          <a:p>
-            <a:r>
-              <a:rPr lang="en-US" dirty="0"/>
-              <a:t>Learning principle: quote from James </a:t>
-            </a:r>
-            <a:r>
-              <a:rPr lang="en-US" dirty="0" err="1"/>
-              <a:t>Altucher</a:t>
-            </a:r>
-            <a:r>
-              <a:rPr lang="en-US" dirty="0"/>
-              <a:t> about history</a:t>
-            </a:r>
-          </a:p>
-        </p:txBody>
-      </p:sp>
-      <p:sp>
-        <p:nvSpPr>
-          <p:cNvPr id="4" name="Rectangle 3"/>
-          <p:cNvSpPr/>
-          <p:nvPr/>
-        </p:nvSpPr>
-        <p:spPr>
-          <a:xfrm>
-            <a:off x="1207625" y="3178456"/>
-            <a:ext cx="9649427" cy="2031325"/>
-          </a:xfrm>
-          <a:prstGeom prst="rect">
-            <a:avLst/>
-          </a:prstGeom>
-        </p:spPr>
-        <p:txBody>
-          <a:bodyPr wrap="square">
-            <a:spAutoFit/>
-          </a:bodyPr>
-          <a:lstStyle/>
-          <a:p>
-            <a:r>
-              <a:rPr lang="en-US" b="1" i="1" dirty="0">
-                <a:solidFill>
-                  <a:srgbClr val="3C3C3C"/>
-                </a:solidFill>
-                <a:latin typeface="Helvetica" panose="020B0604020202020204" pitchFamily="34" charset="0"/>
-              </a:rPr>
-              <a:t>If you don’t love the history of what want to master, then you will never master it</a:t>
-            </a:r>
-            <a:r>
-              <a:rPr lang="en-US" i="1" dirty="0">
-                <a:solidFill>
-                  <a:srgbClr val="3C3C3C"/>
-                </a:solidFill>
-                <a:latin typeface="Helvetica" panose="020B0604020202020204" pitchFamily="34" charset="0"/>
-              </a:rPr>
-              <a:t>. I don’t think I know a single chess master who hasn’t read through Bronstein’s “1953 Zurich International” tournament book at least a dozen times. Or Mikhail Tal’s “Best games”. Poker players have read Doyle Brunson’s classic a dozen times. And entrepreneurs have all now read Walter Isaacson’s book on Steve Jobs and dozens of other biographies of successful businessmen. The history of a game or life is your virtual mentor if you don’t have a direct mentor.</a:t>
-            </a:r>
-            <a:r>
-              <a:rPr lang="en-US" dirty="0"/>
-              <a:t> </a:t>
-            </a:r>
-          </a:p>
-        </p:txBody>
-      </p:sp>
-      <p:pic>
-        <p:nvPicPr>
-          <p:cNvPr id="3076" name="Picture 4" descr="http://stephbewitching.squarespace.com/storage/james%20altucher.jpg?__SQUARESPACE_CACHEVERSION=1391201890800"/>
-          <p:cNvPicPr>
-            <a:picLocks noChangeAspect="1" noChangeArrowheads="1"/>
-          </p:cNvPicPr>
-          <p:nvPr/>
-        </p:nvPicPr>
-        <p:blipFill>
-          <a:blip r:embed="rId2">
-            <a:extLst>
-              <a:ext uri="{28A0092B-C50C-407E-A947-70E740481C1C}">
-                <a14:useLocalDpi xmlns:a14="http://schemas.microsoft.com/office/drawing/2010/main" val="0"/>
-              </a:ext>
-            </a:extLst>
-          </a:blip>
-          <a:srcRect/>
-          <a:stretch>
-            <a:fillRect/>
-          </a:stretch>
-        </p:blipFill>
-        <p:spPr bwMode="auto">
-          <a:xfrm>
-            <a:off x="8165256" y="365125"/>
-            <a:ext cx="3810000" cy="2533651"/>
-          </a:xfrm>
-          <a:prstGeom prst="rect">
-            <a:avLst/>
-          </a:prstGeom>
-          <a:noFill/>
-          <a:extLst>
-            <a:ext uri="{909E8E84-426E-40DD-AFC4-6F175D3DCCD1}">
-              <a14:hiddenFill xmlns:a14="http://schemas.microsoft.com/office/drawing/2010/main">
-                <a:solidFill>
-                  <a:srgbClr val="FFFFFF"/>
-                </a:solidFill>
-              </a14:hiddenFill>
-            </a:ext>
-          </a:extLst>
-        </p:spPr>
-      </p:pic>
-    </p:spTree>
-    <p:extLst>
-      <p:ext uri="{BB962C8B-B14F-4D97-AF65-F5344CB8AC3E}">
-        <p14:creationId xmlns:p14="http://schemas.microsoft.com/office/powerpoint/2010/main" val="3942731592"/>
-      </p:ext>
-    </p:extLst>
-  </p:cSld>
-  <p:clrMapOvr>
-    <a:masterClrMapping/>
-  </p:clrMapOvr>
-</p:sld>
-</file>
-
 <file path=ppt/slides/slide29.xml><?xml version="1.0" encoding="utf-8"?>
 <p:sld xmlns:a="http://schemas.openxmlformats.org/drawingml/2006/main" xmlns:r="http://schemas.openxmlformats.org/officeDocument/2006/relationships" xmlns:p="http://schemas.openxmlformats.org/presentationml/2006/main">
   <p:cSld>
@@ -10637,242 +10608,153 @@
       </p:grpSpPr>
       <p:sp>
         <p:nvSpPr>
-          <p:cNvPr id="4" name="TextBox 3"/>
-          <p:cNvSpPr txBox="1"/>
-          <p:nvPr/>
-        </p:nvSpPr>
-        <p:spPr>
-          <a:xfrm>
-            <a:off x="533400" y="466725"/>
-            <a:ext cx="4955203" cy="1477328"/>
+          <p:cNvPr id="2" name="Title 1"/>
+          <p:cNvSpPr>
+            <a:spLocks noGrp="1"/>
+          </p:cNvSpPr>
+          <p:nvPr>
+            <p:ph type="title"/>
+          </p:nvPr>
+        </p:nvSpPr>
+        <p:spPr/>
+        <p:txBody>
+          <a:bodyPr/>
+          <a:lstStyle/>
+          <a:p>
+            <a:r>
+              <a:rPr lang="en-US" dirty="0" err="1"/>
+              <a:t>Eloquera</a:t>
+            </a:r>
+            <a:endParaRPr lang="en-US" dirty="0"/>
+          </a:p>
+        </p:txBody>
+      </p:sp>
+      <p:sp>
+        <p:nvSpPr>
+          <p:cNvPr id="3" name="Content Placeholder 2"/>
+          <p:cNvSpPr>
+            <a:spLocks noGrp="1"/>
+          </p:cNvSpPr>
+          <p:nvPr>
+            <p:ph idx="1"/>
+          </p:nvPr>
+        </p:nvSpPr>
+        <p:spPr>
+          <a:xfrm>
+            <a:off x="1207625" y="1696977"/>
+            <a:ext cx="5770945" cy="894426"/>
+          </a:xfrm>
+        </p:spPr>
+        <p:txBody>
+          <a:bodyPr/>
+          <a:lstStyle/>
+          <a:p>
+            <a:r>
+              <a:rPr lang="en-US" dirty="0"/>
+              <a:t>Learning principle: quote from James </a:t>
+            </a:r>
+            <a:r>
+              <a:rPr lang="en-US" dirty="0" err="1"/>
+              <a:t>Altucher</a:t>
+            </a:r>
+            <a:r>
+              <a:rPr lang="en-US" dirty="0"/>
+              <a:t> about history</a:t>
+            </a:r>
+          </a:p>
+        </p:txBody>
+      </p:sp>
+      <p:sp>
+        <p:nvSpPr>
+          <p:cNvPr id="4" name="Rectangle 3"/>
+          <p:cNvSpPr/>
+          <p:nvPr/>
+        </p:nvSpPr>
+        <p:spPr>
+          <a:xfrm>
+            <a:off x="1207625" y="3178456"/>
+            <a:ext cx="9649427" cy="2031325"/>
           </a:xfrm>
           <a:prstGeom prst="rect">
             <a:avLst/>
           </a:prstGeom>
-          <a:noFill/>
-        </p:spPr>
-        <p:txBody>
-          <a:bodyPr wrap="none" rtlCol="0">
+        </p:spPr>
+        <p:txBody>
+          <a:bodyPr wrap="square">
             <a:spAutoFit/>
           </a:bodyPr>
           <a:lstStyle/>
           <a:p>
             <a:r>
-              <a:rPr lang="en-US" dirty="0">
+              <a:rPr lang="en-US" b="1" i="1" dirty="0">
                 <a:solidFill>
-                  <a:srgbClr val="00B0F0"/>
+                  <a:srgbClr val="3C3C3C"/>
                 </a:solidFill>
-                <a:latin typeface="Calibri" panose="020F0502020204030204" pitchFamily="34" charset="0"/>
-                <a:cs typeface="Times New Roman" panose="02020603050405020304" pitchFamily="18" charset="0"/>
+                <a:latin typeface="Helvetica" panose="020B0604020202020204" pitchFamily="34" charset="0"/>
               </a:rPr>
-              <a:t>“They see me rollin</a:t>
-            </a:r>
-            <a:br>
-              <a:rPr lang="en-US" dirty="0">
+              <a:t>If you don’t love the history of what want to master, then you will never master it</a:t>
+            </a:r>
+            <a:r>
+              <a:rPr lang="en-US" i="1" dirty="0">
                 <a:solidFill>
-                  <a:srgbClr val="00B0F0"/>
+                  <a:srgbClr val="3C3C3C"/>
                 </a:solidFill>
-                <a:latin typeface="Calibri" panose="020F0502020204030204" pitchFamily="34" charset="0"/>
-                <a:cs typeface="Times New Roman" panose="02020603050405020304" pitchFamily="18" charset="0"/>
+                <a:latin typeface="Helvetica" panose="020B0604020202020204" pitchFamily="34" charset="0"/>
               </a:rPr>
-            </a:br>
-            <a:r>
-              <a:rPr lang="en-US" dirty="0">
-                <a:solidFill>
-                  <a:srgbClr val="00B0F0"/>
-                </a:solidFill>
-                <a:latin typeface="Calibri" panose="020F0502020204030204" pitchFamily="34" charset="0"/>
-                <a:cs typeface="Times New Roman" panose="02020603050405020304" pitchFamily="18" charset="0"/>
-              </a:rPr>
-              <a:t> They hatin</a:t>
-            </a:r>
-            <a:br>
-              <a:rPr lang="en-US" dirty="0">
-                <a:solidFill>
-                  <a:srgbClr val="00B0F0"/>
-                </a:solidFill>
-                <a:latin typeface="Calibri" panose="020F0502020204030204" pitchFamily="34" charset="0"/>
-                <a:cs typeface="Times New Roman" panose="02020603050405020304" pitchFamily="18" charset="0"/>
-              </a:rPr>
-            </a:br>
-            <a:r>
-              <a:rPr lang="en-US" dirty="0">
-                <a:solidFill>
-                  <a:srgbClr val="00B0F0"/>
-                </a:solidFill>
-                <a:latin typeface="Calibri" panose="020F0502020204030204" pitchFamily="34" charset="0"/>
-                <a:cs typeface="Times New Roman" panose="02020603050405020304" pitchFamily="18" charset="0"/>
-              </a:rPr>
-              <a:t> Patrolling they tryin to catch me </a:t>
-            </a:r>
-            <a:r>
-              <a:rPr lang="en-US" strike="sngStrike" dirty="0">
-                <a:solidFill>
-                  <a:srgbClr val="00B0F0"/>
-                </a:solidFill>
-                <a:latin typeface="Calibri" panose="020F0502020204030204" pitchFamily="34" charset="0"/>
-                <a:cs typeface="Times New Roman" panose="02020603050405020304" pitchFamily="18" charset="0"/>
-              </a:rPr>
-              <a:t>ridin</a:t>
-            </a:r>
-            <a:r>
-              <a:rPr lang="en-US" dirty="0">
-                <a:solidFill>
-                  <a:srgbClr val="00B0F0"/>
-                </a:solidFill>
-                <a:latin typeface="Calibri" panose="020F0502020204030204" pitchFamily="34" charset="0"/>
-                <a:cs typeface="Times New Roman" panose="02020603050405020304" pitchFamily="18" charset="0"/>
-              </a:rPr>
-              <a:t>’ writing dirty</a:t>
-            </a:r>
-            <a:br>
-              <a:rPr lang="en-US" dirty="0">
-                <a:solidFill>
-                  <a:srgbClr val="00B0F0"/>
-                </a:solidFill>
-                <a:latin typeface="Calibri" panose="020F0502020204030204" pitchFamily="34" charset="0"/>
-                <a:cs typeface="Times New Roman" panose="02020603050405020304" pitchFamily="18" charset="0"/>
-              </a:rPr>
-            </a:br>
-            <a:r>
-              <a:rPr lang="en-US" dirty="0">
-                <a:solidFill>
-                  <a:srgbClr val="00B0F0"/>
-                </a:solidFill>
-                <a:latin typeface="Calibri" panose="020F0502020204030204" pitchFamily="34" charset="0"/>
-                <a:cs typeface="Times New Roman" panose="02020603050405020304" pitchFamily="18" charset="0"/>
-              </a:rPr>
-              <a:t> Tryin to catch me </a:t>
-            </a:r>
-            <a:r>
-              <a:rPr lang="en-US" strike="sngStrike" dirty="0">
-                <a:solidFill>
-                  <a:srgbClr val="00B0F0"/>
-                </a:solidFill>
-                <a:latin typeface="Calibri" panose="020F0502020204030204" pitchFamily="34" charset="0"/>
-                <a:cs typeface="Times New Roman" panose="02020603050405020304" pitchFamily="18" charset="0"/>
-              </a:rPr>
-              <a:t>ridin</a:t>
-            </a:r>
-            <a:r>
-              <a:rPr lang="en-US" dirty="0">
-                <a:solidFill>
-                  <a:srgbClr val="00B0F0"/>
-                </a:solidFill>
-                <a:latin typeface="Calibri" panose="020F0502020204030204" pitchFamily="34" charset="0"/>
-                <a:cs typeface="Times New Roman" panose="02020603050405020304" pitchFamily="18" charset="0"/>
-              </a:rPr>
-              <a:t>’ writing dirty</a:t>
-            </a:r>
-            <a:br>
-              <a:rPr lang="en-US" dirty="0">
-                <a:solidFill>
-                  <a:srgbClr val="00B0F0"/>
-                </a:solidFill>
-                <a:latin typeface="Calibri" panose="020F0502020204030204" pitchFamily="34" charset="0"/>
-                <a:cs typeface="Times New Roman" panose="02020603050405020304" pitchFamily="18" charset="0"/>
-              </a:rPr>
-            </a:br>
-            <a:r>
-              <a:rPr lang="en-US" dirty="0">
-                <a:solidFill>
-                  <a:srgbClr val="00B0F0"/>
-                </a:solidFill>
-                <a:latin typeface="Calibri" panose="020F0502020204030204" pitchFamily="34" charset="0"/>
-                <a:cs typeface="Times New Roman" panose="02020603050405020304" pitchFamily="18" charset="0"/>
-              </a:rPr>
-              <a:t> Tryin to catch me </a:t>
-            </a:r>
-            <a:r>
-              <a:rPr lang="en-US" strike="sngStrike" dirty="0">
-                <a:solidFill>
-                  <a:srgbClr val="00B0F0"/>
-                </a:solidFill>
-                <a:latin typeface="Calibri" panose="020F0502020204030204" pitchFamily="34" charset="0"/>
-                <a:cs typeface="Times New Roman" panose="02020603050405020304" pitchFamily="18" charset="0"/>
-              </a:rPr>
-              <a:t>ridin</a:t>
-            </a:r>
-            <a:r>
-              <a:rPr lang="en-US" dirty="0">
-                <a:solidFill>
-                  <a:srgbClr val="00B0F0"/>
-                </a:solidFill>
-                <a:latin typeface="Calibri" panose="020F0502020204030204" pitchFamily="34" charset="0"/>
-                <a:cs typeface="Times New Roman" panose="02020603050405020304" pitchFamily="18" charset="0"/>
-              </a:rPr>
-              <a:t>’ writing dirty”</a:t>
-            </a:r>
-          </a:p>
-        </p:txBody>
-      </p:sp>
-      <p:sp>
-        <p:nvSpPr>
-          <p:cNvPr id="5" name="TextBox 4"/>
-          <p:cNvSpPr txBox="1"/>
-          <p:nvPr/>
-        </p:nvSpPr>
-        <p:spPr>
-          <a:xfrm>
-            <a:off x="2619375" y="1944053"/>
-            <a:ext cx="1659621" cy="369332"/>
-          </a:xfrm>
-          <a:prstGeom prst="rect">
-            <a:avLst/>
-          </a:prstGeom>
-          <a:noFill/>
-        </p:spPr>
-        <p:txBody>
-          <a:bodyPr wrap="none" rtlCol="0">
-            <a:spAutoFit/>
-          </a:bodyPr>
-          <a:lstStyle/>
-          <a:p>
-            <a:r>
-              <a:rPr lang="en-US" dirty="0">
-                <a:solidFill>
-                  <a:srgbClr val="00B0F0"/>
-                </a:solidFill>
-              </a:rPr>
-              <a:t>- Chamillionaire</a:t>
+              <a:t>. I don’t think I know a single chess master who hasn’t read through Bronstein’s “1953 Zurich International” tournament book at least a dozen times. Or Mikhail Tal’s “Best games”. Poker players have read Doyle Brunson’s classic a dozen times. And entrepreneurs have all now read Walter Isaacson’s book on Steve Jobs and dozens of other biographies of successful businessmen. The history of a game or life is your virtual mentor if you don’t have a direct mentor.</a:t>
+            </a:r>
+            <a:r>
+              <a:rPr lang="en-US" dirty="0"/>
+              <a:t> </a:t>
             </a:r>
           </a:p>
         </p:txBody>
       </p:sp>
       <p:pic>
         <p:nvPicPr>
-          <p:cNvPr id="7" name="Picture 6"/>
+          <p:cNvPr id="3076" name="Picture 4" descr="http://stephbewitching.squarespace.com/storage/james%20altucher.jpg?__SQUARESPACE_CACHEVERSION=1391201890800"/>
           <p:cNvPicPr>
-            <a:picLocks noChangeAspect="1"/>
+            <a:picLocks noChangeAspect="1" noChangeArrowheads="1"/>
           </p:cNvPicPr>
           <p:nvPr/>
         </p:nvPicPr>
         <p:blipFill>
-          <a:blip r:embed="rId2" cstate="print">
+          <a:blip r:embed="rId2">
             <a:extLst>
               <a:ext uri="{28A0092B-C50C-407E-A947-70E740481C1C}">
                 <a14:useLocalDpi xmlns:a14="http://schemas.microsoft.com/office/drawing/2010/main" val="0"/>
               </a:ext>
             </a:extLst>
           </a:blip>
+          <a:srcRect/>
           <a:stretch>
             <a:fillRect/>
           </a:stretch>
         </p:blipFill>
-        <p:spPr>
-          <a:xfrm>
-            <a:off x="7010400" y="3719511"/>
-            <a:ext cx="3790950" cy="2843213"/>
+        <p:spPr bwMode="auto">
+          <a:xfrm>
+            <a:off x="8165256" y="365125"/>
+            <a:ext cx="3810000" cy="2533651"/>
           </a:xfrm>
           <a:prstGeom prst="rect">
             <a:avLst/>
           </a:prstGeom>
+          <a:noFill/>
+          <a:extLst>
+            <a:ext uri="{909E8E84-426E-40DD-AFC4-6F175D3DCCD1}">
+              <a14:hiddenFill xmlns:a14="http://schemas.microsoft.com/office/drawing/2010/main">
+                <a:solidFill>
+                  <a:srgbClr val="FFFFFF"/>
+                </a:solidFill>
+              </a14:hiddenFill>
+            </a:ext>
+          </a:extLst>
         </p:spPr>
       </p:pic>
     </p:spTree>
     <p:extLst>
       <p:ext uri="{BB962C8B-B14F-4D97-AF65-F5344CB8AC3E}">
-        <p14:creationId xmlns:p14="http://schemas.microsoft.com/office/powerpoint/2010/main" val="4086572793"/>
+        <p14:creationId xmlns:p14="http://schemas.microsoft.com/office/powerpoint/2010/main" val="3942731592"/>
       </p:ext>
     </p:extLst>
   </p:cSld>
@@ -11942,10 +11824,244 @@
           <a:chExt cx="0" cy="0"/>
         </a:xfrm>
       </p:grpSpPr>
+      <p:sp>
+        <p:nvSpPr>
+          <p:cNvPr id="4" name="TextBox 3"/>
+          <p:cNvSpPr txBox="1"/>
+          <p:nvPr/>
+        </p:nvSpPr>
+        <p:spPr>
+          <a:xfrm>
+            <a:off x="533400" y="466725"/>
+            <a:ext cx="4955203" cy="1477328"/>
+          </a:xfrm>
+          <a:prstGeom prst="rect">
+            <a:avLst/>
+          </a:prstGeom>
+          <a:noFill/>
+        </p:spPr>
+        <p:txBody>
+          <a:bodyPr wrap="none" rtlCol="0">
+            <a:spAutoFit/>
+          </a:bodyPr>
+          <a:lstStyle/>
+          <a:p>
+            <a:r>
+              <a:rPr lang="en-US" dirty="0">
+                <a:solidFill>
+                  <a:srgbClr val="00B0F0"/>
+                </a:solidFill>
+                <a:latin typeface="Calibri" panose="020F0502020204030204" pitchFamily="34" charset="0"/>
+                <a:cs typeface="Times New Roman" panose="02020603050405020304" pitchFamily="18" charset="0"/>
+              </a:rPr>
+              <a:t>“They see me rollin</a:t>
+            </a:r>
+            <a:br>
+              <a:rPr lang="en-US" dirty="0">
+                <a:solidFill>
+                  <a:srgbClr val="00B0F0"/>
+                </a:solidFill>
+                <a:latin typeface="Calibri" panose="020F0502020204030204" pitchFamily="34" charset="0"/>
+                <a:cs typeface="Times New Roman" panose="02020603050405020304" pitchFamily="18" charset="0"/>
+              </a:rPr>
+            </a:br>
+            <a:r>
+              <a:rPr lang="en-US" dirty="0">
+                <a:solidFill>
+                  <a:srgbClr val="00B0F0"/>
+                </a:solidFill>
+                <a:latin typeface="Calibri" panose="020F0502020204030204" pitchFamily="34" charset="0"/>
+                <a:cs typeface="Times New Roman" panose="02020603050405020304" pitchFamily="18" charset="0"/>
+              </a:rPr>
+              <a:t> They hatin</a:t>
+            </a:r>
+            <a:br>
+              <a:rPr lang="en-US" dirty="0">
+                <a:solidFill>
+                  <a:srgbClr val="00B0F0"/>
+                </a:solidFill>
+                <a:latin typeface="Calibri" panose="020F0502020204030204" pitchFamily="34" charset="0"/>
+                <a:cs typeface="Times New Roman" panose="02020603050405020304" pitchFamily="18" charset="0"/>
+              </a:rPr>
+            </a:br>
+            <a:r>
+              <a:rPr lang="en-US" dirty="0">
+                <a:solidFill>
+                  <a:srgbClr val="00B0F0"/>
+                </a:solidFill>
+                <a:latin typeface="Calibri" panose="020F0502020204030204" pitchFamily="34" charset="0"/>
+                <a:cs typeface="Times New Roman" panose="02020603050405020304" pitchFamily="18" charset="0"/>
+              </a:rPr>
+              <a:t> Patrolling they tryin to catch me </a:t>
+            </a:r>
+            <a:r>
+              <a:rPr lang="en-US" strike="sngStrike" dirty="0">
+                <a:solidFill>
+                  <a:srgbClr val="00B0F0"/>
+                </a:solidFill>
+                <a:latin typeface="Calibri" panose="020F0502020204030204" pitchFamily="34" charset="0"/>
+                <a:cs typeface="Times New Roman" panose="02020603050405020304" pitchFamily="18" charset="0"/>
+              </a:rPr>
+              <a:t>ridin</a:t>
+            </a:r>
+            <a:r>
+              <a:rPr lang="en-US" dirty="0">
+                <a:solidFill>
+                  <a:srgbClr val="00B0F0"/>
+                </a:solidFill>
+                <a:latin typeface="Calibri" panose="020F0502020204030204" pitchFamily="34" charset="0"/>
+                <a:cs typeface="Times New Roman" panose="02020603050405020304" pitchFamily="18" charset="0"/>
+              </a:rPr>
+              <a:t>’ writing dirty</a:t>
+            </a:r>
+            <a:br>
+              <a:rPr lang="en-US" dirty="0">
+                <a:solidFill>
+                  <a:srgbClr val="00B0F0"/>
+                </a:solidFill>
+                <a:latin typeface="Calibri" panose="020F0502020204030204" pitchFamily="34" charset="0"/>
+                <a:cs typeface="Times New Roman" panose="02020603050405020304" pitchFamily="18" charset="0"/>
+              </a:rPr>
+            </a:br>
+            <a:r>
+              <a:rPr lang="en-US" dirty="0">
+                <a:solidFill>
+                  <a:srgbClr val="00B0F0"/>
+                </a:solidFill>
+                <a:latin typeface="Calibri" panose="020F0502020204030204" pitchFamily="34" charset="0"/>
+                <a:cs typeface="Times New Roman" panose="02020603050405020304" pitchFamily="18" charset="0"/>
+              </a:rPr>
+              <a:t> Tryin to catch me </a:t>
+            </a:r>
+            <a:r>
+              <a:rPr lang="en-US" strike="sngStrike" dirty="0">
+                <a:solidFill>
+                  <a:srgbClr val="00B0F0"/>
+                </a:solidFill>
+                <a:latin typeface="Calibri" panose="020F0502020204030204" pitchFamily="34" charset="0"/>
+                <a:cs typeface="Times New Roman" panose="02020603050405020304" pitchFamily="18" charset="0"/>
+              </a:rPr>
+              <a:t>ridin</a:t>
+            </a:r>
+            <a:r>
+              <a:rPr lang="en-US" dirty="0">
+                <a:solidFill>
+                  <a:srgbClr val="00B0F0"/>
+                </a:solidFill>
+                <a:latin typeface="Calibri" panose="020F0502020204030204" pitchFamily="34" charset="0"/>
+                <a:cs typeface="Times New Roman" panose="02020603050405020304" pitchFamily="18" charset="0"/>
+              </a:rPr>
+              <a:t>’ writing dirty</a:t>
+            </a:r>
+            <a:br>
+              <a:rPr lang="en-US" dirty="0">
+                <a:solidFill>
+                  <a:srgbClr val="00B0F0"/>
+                </a:solidFill>
+                <a:latin typeface="Calibri" panose="020F0502020204030204" pitchFamily="34" charset="0"/>
+                <a:cs typeface="Times New Roman" panose="02020603050405020304" pitchFamily="18" charset="0"/>
+              </a:rPr>
+            </a:br>
+            <a:r>
+              <a:rPr lang="en-US" dirty="0">
+                <a:solidFill>
+                  <a:srgbClr val="00B0F0"/>
+                </a:solidFill>
+                <a:latin typeface="Calibri" panose="020F0502020204030204" pitchFamily="34" charset="0"/>
+                <a:cs typeface="Times New Roman" panose="02020603050405020304" pitchFamily="18" charset="0"/>
+              </a:rPr>
+              <a:t> Tryin to catch me </a:t>
+            </a:r>
+            <a:r>
+              <a:rPr lang="en-US" strike="sngStrike" dirty="0">
+                <a:solidFill>
+                  <a:srgbClr val="00B0F0"/>
+                </a:solidFill>
+                <a:latin typeface="Calibri" panose="020F0502020204030204" pitchFamily="34" charset="0"/>
+                <a:cs typeface="Times New Roman" panose="02020603050405020304" pitchFamily="18" charset="0"/>
+              </a:rPr>
+              <a:t>ridin</a:t>
+            </a:r>
+            <a:r>
+              <a:rPr lang="en-US" dirty="0">
+                <a:solidFill>
+                  <a:srgbClr val="00B0F0"/>
+                </a:solidFill>
+                <a:latin typeface="Calibri" panose="020F0502020204030204" pitchFamily="34" charset="0"/>
+                <a:cs typeface="Times New Roman" panose="02020603050405020304" pitchFamily="18" charset="0"/>
+              </a:rPr>
+              <a:t>’ writing dirty”</a:t>
+            </a:r>
+          </a:p>
+        </p:txBody>
+      </p:sp>
+      <p:sp>
+        <p:nvSpPr>
+          <p:cNvPr id="5" name="TextBox 4"/>
+          <p:cNvSpPr txBox="1"/>
+          <p:nvPr/>
+        </p:nvSpPr>
+        <p:spPr>
+          <a:xfrm>
+            <a:off x="2619375" y="1944053"/>
+            <a:ext cx="1659621" cy="369332"/>
+          </a:xfrm>
+          <a:prstGeom prst="rect">
+            <a:avLst/>
+          </a:prstGeom>
+          <a:noFill/>
+        </p:spPr>
+        <p:txBody>
+          <a:bodyPr wrap="none" rtlCol="0">
+            <a:spAutoFit/>
+          </a:bodyPr>
+          <a:lstStyle/>
+          <a:p>
+            <a:r>
+              <a:rPr lang="en-US" dirty="0">
+                <a:solidFill>
+                  <a:srgbClr val="00B0F0"/>
+                </a:solidFill>
+              </a:rPr>
+              <a:t>- Chamillionaire</a:t>
+            </a:r>
+          </a:p>
+        </p:txBody>
+      </p:sp>
+      <p:pic>
+        <p:nvPicPr>
+          <p:cNvPr id="7" name="Picture 6"/>
+          <p:cNvPicPr>
+            <a:picLocks noChangeAspect="1"/>
+          </p:cNvPicPr>
+          <p:nvPr/>
+        </p:nvPicPr>
+        <p:blipFill>
+          <a:blip r:embed="rId2" cstate="print">
+            <a:extLst>
+              <a:ext uri="{28A0092B-C50C-407E-A947-70E740481C1C}">
+                <a14:useLocalDpi xmlns:a14="http://schemas.microsoft.com/office/drawing/2010/main" val="0"/>
+              </a:ext>
+            </a:extLst>
+          </a:blip>
+          <a:stretch>
+            <a:fillRect/>
+          </a:stretch>
+        </p:blipFill>
+        <p:spPr>
+          <a:xfrm>
+            <a:off x="7010400" y="3719511"/>
+            <a:ext cx="3790950" cy="2843213"/>
+          </a:xfrm>
+          <a:prstGeom prst="rect">
+            <a:avLst/>
+          </a:prstGeom>
+        </p:spPr>
+      </p:pic>
     </p:spTree>
     <p:extLst>
       <p:ext uri="{BB962C8B-B14F-4D97-AF65-F5344CB8AC3E}">
-        <p14:creationId xmlns:p14="http://schemas.microsoft.com/office/powerpoint/2010/main" val="3283035600"/>
+        <p14:creationId xmlns:p14="http://schemas.microsoft.com/office/powerpoint/2010/main" val="4086572793"/>
       </p:ext>
     </p:extLst>
   </p:cSld>
@@ -11972,48 +12088,10 @@
           <a:chExt cx="0" cy="0"/>
         </a:xfrm>
       </p:grpSpPr>
-      <p:sp>
-        <p:nvSpPr>
-          <p:cNvPr id="2" name="Title 1"/>
-          <p:cNvSpPr>
-            <a:spLocks noGrp="1"/>
-          </p:cNvSpPr>
-          <p:nvPr>
-            <p:ph type="title"/>
-          </p:nvPr>
-        </p:nvSpPr>
-        <p:spPr/>
-        <p:txBody>
-          <a:bodyPr/>
-          <a:lstStyle/>
-          <a:p>
-            <a:endParaRPr lang="en-US"/>
-          </a:p>
-        </p:txBody>
-      </p:sp>
-      <p:sp>
-        <p:nvSpPr>
-          <p:cNvPr id="3" name="Content Placeholder 2"/>
-          <p:cNvSpPr>
-            <a:spLocks noGrp="1"/>
-          </p:cNvSpPr>
-          <p:nvPr>
-            <p:ph idx="1"/>
-          </p:nvPr>
-        </p:nvSpPr>
-        <p:spPr/>
-        <p:txBody>
-          <a:bodyPr/>
-          <a:lstStyle/>
-          <a:p>
-            <a:endParaRPr lang="en-US"/>
-          </a:p>
-        </p:txBody>
-      </p:sp>
     </p:spTree>
     <p:extLst>
       <p:ext uri="{BB962C8B-B14F-4D97-AF65-F5344CB8AC3E}">
-        <p14:creationId xmlns:p14="http://schemas.microsoft.com/office/powerpoint/2010/main" val="1429485378"/>
+        <p14:creationId xmlns:p14="http://schemas.microsoft.com/office/powerpoint/2010/main" val="3283035600"/>
       </p:ext>
     </p:extLst>
   </p:cSld>
@@ -12042,643 +12120,46 @@
       </p:grpSpPr>
       <p:sp>
         <p:nvSpPr>
-          <p:cNvPr id="4" name="Can 3"/>
-          <p:cNvSpPr/>
-          <p:nvPr/>
-        </p:nvSpPr>
-        <p:spPr>
-          <a:xfrm>
-            <a:off x="4186990" y="539015"/>
-            <a:ext cx="2069431" cy="2069431"/>
-          </a:xfrm>
-          <a:prstGeom prst="can">
-            <a:avLst/>
-          </a:prstGeom>
-        </p:spPr>
-        <p:style>
-          <a:lnRef idx="2">
-            <a:schemeClr val="accent1">
-              <a:shade val="50000"/>
-            </a:schemeClr>
-          </a:lnRef>
-          <a:fillRef idx="1">
-            <a:schemeClr val="accent1"/>
-          </a:fillRef>
-          <a:effectRef idx="0">
-            <a:schemeClr val="accent1"/>
-          </a:effectRef>
-          <a:fontRef idx="minor">
-            <a:schemeClr val="lt1"/>
-          </a:fontRef>
-        </p:style>
-        <p:txBody>
-          <a:bodyPr rtlCol="0" anchor="ctr"/>
-          <a:lstStyle/>
-          <a:p>
-            <a:pPr algn="ctr"/>
-            <a:r>
-              <a:rPr lang="en-US" dirty="0"/>
-              <a:t>Database</a:t>
-            </a:r>
-            <a:br>
-              <a:rPr lang="en-US" dirty="0"/>
-            </a:br>
-            <a:r>
-              <a:rPr lang="en-US" dirty="0"/>
-              <a:t>Management</a:t>
-            </a:r>
-            <a:br>
-              <a:rPr lang="en-US" dirty="0"/>
-            </a:br>
-            <a:r>
-              <a:rPr lang="en-US" dirty="0"/>
-              <a:t>System</a:t>
-            </a:r>
-          </a:p>
-        </p:txBody>
-      </p:sp>
-      <p:sp>
-        <p:nvSpPr>
-          <p:cNvPr id="5" name="Rounded Rectangle 4"/>
-          <p:cNvSpPr/>
-          <p:nvPr/>
-        </p:nvSpPr>
-        <p:spPr>
-          <a:xfrm>
-            <a:off x="481263" y="943275"/>
-            <a:ext cx="1992429" cy="856648"/>
-          </a:xfrm>
-          <a:prstGeom prst="roundRect">
-            <a:avLst/>
-          </a:prstGeom>
-          <a:solidFill>
-            <a:schemeClr val="accent3">
-              <a:lumMod val="60000"/>
-              <a:lumOff val="40000"/>
-            </a:schemeClr>
-          </a:solidFill>
-        </p:spPr>
-        <p:style>
-          <a:lnRef idx="2">
-            <a:schemeClr val="accent1">
-              <a:shade val="50000"/>
-            </a:schemeClr>
-          </a:lnRef>
-          <a:fillRef idx="1">
-            <a:schemeClr val="accent1"/>
-          </a:fillRef>
-          <a:effectRef idx="0">
-            <a:schemeClr val="accent1"/>
-          </a:effectRef>
-          <a:fontRef idx="minor">
-            <a:schemeClr val="lt1"/>
-          </a:fontRef>
-        </p:style>
-        <p:txBody>
-          <a:bodyPr rtlCol="0" anchor="ctr"/>
-          <a:lstStyle/>
-          <a:p>
-            <a:pPr algn="ctr"/>
-            <a:r>
-              <a:rPr lang="en-US" sz="2400" b="1" dirty="0">
-                <a:solidFill>
-                  <a:schemeClr val="tx1"/>
-                </a:solidFill>
-              </a:rPr>
-              <a:t>Client</a:t>
-            </a:r>
-          </a:p>
-        </p:txBody>
-      </p:sp>
-      <p:cxnSp>
-        <p:nvCxnSpPr>
-          <p:cNvPr id="7" name="Straight Arrow Connector 6"/>
-          <p:cNvCxnSpPr>
-            <a:stCxn id="5" idx="3"/>
-          </p:cNvCxnSpPr>
-          <p:nvPr/>
-        </p:nvCxnSpPr>
-        <p:spPr>
-          <a:xfrm>
-            <a:off x="2473692" y="1371599"/>
-            <a:ext cx="1713298" cy="0"/>
-          </a:xfrm>
-          <a:prstGeom prst="straightConnector1">
-            <a:avLst/>
-          </a:prstGeom>
-          <a:ln w="57150">
-            <a:solidFill>
-              <a:srgbClr val="FF0000"/>
-            </a:solidFill>
-            <a:tailEnd type="triangle"/>
-          </a:ln>
-        </p:spPr>
-        <p:style>
-          <a:lnRef idx="1">
-            <a:schemeClr val="accent1"/>
-          </a:lnRef>
-          <a:fillRef idx="0">
-            <a:schemeClr val="accent1"/>
-          </a:fillRef>
-          <a:effectRef idx="0">
-            <a:schemeClr val="accent1"/>
-          </a:effectRef>
-          <a:fontRef idx="minor">
-            <a:schemeClr val="tx1"/>
-          </a:fontRef>
-        </p:style>
-      </p:cxnSp>
-      <p:sp>
-        <p:nvSpPr>
-          <p:cNvPr id="12" name="Cloud 11"/>
-          <p:cNvSpPr/>
-          <p:nvPr/>
-        </p:nvSpPr>
-        <p:spPr>
-          <a:xfrm>
-            <a:off x="7834964" y="529389"/>
-            <a:ext cx="2464068" cy="686604"/>
-          </a:xfrm>
-          <a:prstGeom prst="cloud">
-            <a:avLst/>
-          </a:prstGeom>
-          <a:solidFill>
-            <a:schemeClr val="accent1">
-              <a:lumMod val="60000"/>
-              <a:lumOff val="40000"/>
-            </a:schemeClr>
-          </a:solidFill>
-        </p:spPr>
-        <p:style>
-          <a:lnRef idx="2">
-            <a:schemeClr val="accent1">
-              <a:shade val="50000"/>
-            </a:schemeClr>
-          </a:lnRef>
-          <a:fillRef idx="1">
-            <a:schemeClr val="accent1"/>
-          </a:fillRef>
-          <a:effectRef idx="0">
-            <a:schemeClr val="accent1"/>
-          </a:effectRef>
-          <a:fontRef idx="minor">
-            <a:schemeClr val="lt1"/>
-          </a:fontRef>
-        </p:style>
-        <p:txBody>
-          <a:bodyPr rtlCol="0" anchor="ctr"/>
-          <a:lstStyle/>
-          <a:p>
-            <a:pPr algn="ctr"/>
-            <a:r>
-              <a:rPr lang="en-US" dirty="0"/>
-              <a:t>Memory (RAM)</a:t>
-            </a:r>
-          </a:p>
-        </p:txBody>
-      </p:sp>
-      <p:sp>
-        <p:nvSpPr>
-          <p:cNvPr id="15" name="Teardrop 14"/>
-          <p:cNvSpPr/>
-          <p:nvPr/>
-        </p:nvSpPr>
-        <p:spPr>
-          <a:xfrm>
-            <a:off x="7093819" y="2444816"/>
-            <a:ext cx="3869356" cy="1973179"/>
-          </a:xfrm>
-          <a:prstGeom prst="teardrop">
-            <a:avLst/>
-          </a:prstGeom>
-          <a:solidFill>
-            <a:schemeClr val="bg2">
-              <a:lumMod val="75000"/>
-            </a:schemeClr>
-          </a:solidFill>
-        </p:spPr>
-        <p:style>
-          <a:lnRef idx="2">
-            <a:schemeClr val="accent1">
-              <a:shade val="50000"/>
-            </a:schemeClr>
-          </a:lnRef>
-          <a:fillRef idx="1">
-            <a:schemeClr val="accent1"/>
-          </a:fillRef>
-          <a:effectRef idx="0">
-            <a:schemeClr val="accent1"/>
-          </a:effectRef>
-          <a:fontRef idx="minor">
-            <a:schemeClr val="lt1"/>
-          </a:fontRef>
-        </p:style>
-        <p:txBody>
-          <a:bodyPr rtlCol="0" anchor="ctr"/>
-          <a:lstStyle/>
-          <a:p>
-            <a:pPr algn="ctr"/>
-            <a:r>
-              <a:rPr lang="en-US" dirty="0"/>
-              <a:t>Hard Drive</a:t>
-            </a:r>
-          </a:p>
-        </p:txBody>
-      </p:sp>
-      <p:cxnSp>
-        <p:nvCxnSpPr>
-          <p:cNvPr id="16" name="Straight Arrow Connector 15"/>
-          <p:cNvCxnSpPr>
-            <a:endCxn id="12" idx="2"/>
-          </p:cNvCxnSpPr>
-          <p:nvPr/>
-        </p:nvCxnSpPr>
-        <p:spPr>
-          <a:xfrm flipV="1">
-            <a:off x="6347860" y="872691"/>
-            <a:ext cx="1494747" cy="484472"/>
-          </a:xfrm>
-          <a:prstGeom prst="straightConnector1">
-            <a:avLst/>
-          </a:prstGeom>
-          <a:ln w="57150">
-            <a:solidFill>
-              <a:srgbClr val="FF0000"/>
-            </a:solidFill>
-            <a:prstDash val="sysDot"/>
-            <a:tailEnd type="triangle"/>
-          </a:ln>
-        </p:spPr>
-        <p:style>
-          <a:lnRef idx="1">
-            <a:schemeClr val="accent1"/>
-          </a:lnRef>
-          <a:fillRef idx="0">
-            <a:schemeClr val="accent1"/>
-          </a:fillRef>
-          <a:effectRef idx="0">
-            <a:schemeClr val="accent1"/>
-          </a:effectRef>
-          <a:fontRef idx="minor">
-            <a:schemeClr val="tx1"/>
-          </a:fontRef>
-        </p:style>
-      </p:cxnSp>
-      <p:cxnSp>
-        <p:nvCxnSpPr>
-          <p:cNvPr id="19" name="Straight Arrow Connector 18"/>
-          <p:cNvCxnSpPr>
-            <a:endCxn id="4" idx="4"/>
-          </p:cNvCxnSpPr>
-          <p:nvPr/>
-        </p:nvCxnSpPr>
-        <p:spPr>
-          <a:xfrm flipH="1">
-            <a:off x="6256421" y="1068404"/>
-            <a:ext cx="1578543" cy="505327"/>
-          </a:xfrm>
-          <a:prstGeom prst="straightConnector1">
-            <a:avLst/>
-          </a:prstGeom>
-          <a:ln w="57150">
-            <a:solidFill>
-              <a:srgbClr val="FFC000"/>
-            </a:solidFill>
-            <a:prstDash val="sysDot"/>
-            <a:tailEnd type="triangle"/>
-          </a:ln>
-        </p:spPr>
-        <p:style>
-          <a:lnRef idx="1">
-            <a:schemeClr val="accent1"/>
-          </a:lnRef>
-          <a:fillRef idx="0">
-            <a:schemeClr val="accent1"/>
-          </a:fillRef>
-          <a:effectRef idx="0">
-            <a:schemeClr val="accent1"/>
-          </a:effectRef>
-          <a:fontRef idx="minor">
-            <a:schemeClr val="tx1"/>
-          </a:fontRef>
-        </p:style>
-      </p:cxnSp>
-      <p:cxnSp>
-        <p:nvCxnSpPr>
-          <p:cNvPr id="21" name="Straight Arrow Connector 20"/>
-          <p:cNvCxnSpPr/>
-          <p:nvPr/>
-        </p:nvCxnSpPr>
-        <p:spPr>
-          <a:xfrm>
-            <a:off x="6256421" y="1861686"/>
-            <a:ext cx="1915427" cy="583130"/>
-          </a:xfrm>
-          <a:prstGeom prst="straightConnector1">
-            <a:avLst/>
-          </a:prstGeom>
-          <a:ln w="57150">
-            <a:solidFill>
-              <a:srgbClr val="FF0000"/>
-            </a:solidFill>
-            <a:prstDash val="sysDot"/>
-            <a:tailEnd type="triangle"/>
-          </a:ln>
-        </p:spPr>
-        <p:style>
-          <a:lnRef idx="1">
-            <a:schemeClr val="accent1"/>
-          </a:lnRef>
-          <a:fillRef idx="0">
-            <a:schemeClr val="accent1"/>
-          </a:fillRef>
-          <a:effectRef idx="0">
-            <a:schemeClr val="accent1"/>
-          </a:effectRef>
-          <a:fontRef idx="minor">
-            <a:schemeClr val="tx1"/>
-          </a:fontRef>
-        </p:style>
-      </p:cxnSp>
-      <p:sp>
-        <p:nvSpPr>
-          <p:cNvPr id="26" name="Flowchart: Connector 25"/>
-          <p:cNvSpPr/>
-          <p:nvPr/>
-        </p:nvSpPr>
-        <p:spPr>
-          <a:xfrm>
-            <a:off x="3349592" y="1032309"/>
-            <a:ext cx="308008" cy="250257"/>
-          </a:xfrm>
-          <a:prstGeom prst="flowChartConnector">
-            <a:avLst/>
-          </a:prstGeom>
-          <a:solidFill>
-            <a:srgbClr val="FFFF00"/>
-          </a:solidFill>
-        </p:spPr>
-        <p:style>
-          <a:lnRef idx="2">
-            <a:schemeClr val="accent1">
-              <a:shade val="50000"/>
-            </a:schemeClr>
-          </a:lnRef>
-          <a:fillRef idx="1">
-            <a:schemeClr val="accent1"/>
-          </a:fillRef>
-          <a:effectRef idx="0">
-            <a:schemeClr val="accent1"/>
-          </a:effectRef>
-          <a:fontRef idx="minor">
-            <a:schemeClr val="lt1"/>
-          </a:fontRef>
-        </p:style>
-        <p:txBody>
-          <a:bodyPr rtlCol="0" anchor="ctr"/>
-          <a:lstStyle/>
-          <a:p>
-            <a:pPr algn="ctr"/>
-            <a:r>
-              <a:rPr lang="en-US" b="1" dirty="0">
-                <a:solidFill>
-                  <a:schemeClr val="tx1"/>
-                </a:solidFill>
-              </a:rPr>
-              <a:t>1</a:t>
-            </a:r>
-          </a:p>
-        </p:txBody>
-      </p:sp>
-      <p:sp>
-        <p:nvSpPr>
-          <p:cNvPr id="28" name="Flowchart: Connector 27"/>
-          <p:cNvSpPr/>
-          <p:nvPr/>
-        </p:nvSpPr>
-        <p:spPr>
-          <a:xfrm>
-            <a:off x="6672713" y="790473"/>
-            <a:ext cx="308008" cy="250257"/>
-          </a:xfrm>
-          <a:prstGeom prst="flowChartConnector">
-            <a:avLst/>
-          </a:prstGeom>
-          <a:solidFill>
-            <a:srgbClr val="FFFF00"/>
-          </a:solidFill>
-        </p:spPr>
-        <p:style>
-          <a:lnRef idx="2">
-            <a:schemeClr val="accent1">
-              <a:shade val="50000"/>
-            </a:schemeClr>
-          </a:lnRef>
-          <a:fillRef idx="1">
-            <a:schemeClr val="accent1"/>
-          </a:fillRef>
-          <a:effectRef idx="0">
-            <a:schemeClr val="accent1"/>
-          </a:effectRef>
-          <a:fontRef idx="minor">
-            <a:schemeClr val="lt1"/>
-          </a:fontRef>
-        </p:style>
-        <p:txBody>
-          <a:bodyPr rtlCol="0" anchor="ctr"/>
-          <a:lstStyle/>
-          <a:p>
-            <a:pPr algn="ctr"/>
-            <a:r>
-              <a:rPr lang="en-US" b="1" dirty="0">
-                <a:solidFill>
-                  <a:schemeClr val="tx1"/>
-                </a:solidFill>
-              </a:rPr>
-              <a:t>2</a:t>
-            </a:r>
-          </a:p>
-        </p:txBody>
-      </p:sp>
-      <p:sp>
-        <p:nvSpPr>
-          <p:cNvPr id="29" name="Flowchart: Connector 28"/>
-          <p:cNvSpPr/>
-          <p:nvPr/>
-        </p:nvSpPr>
-        <p:spPr>
-          <a:xfrm>
-            <a:off x="7190072" y="1815164"/>
-            <a:ext cx="308008" cy="250257"/>
-          </a:xfrm>
-          <a:prstGeom prst="flowChartConnector">
-            <a:avLst/>
-          </a:prstGeom>
-          <a:solidFill>
-            <a:srgbClr val="FFFF00"/>
-          </a:solidFill>
-        </p:spPr>
-        <p:style>
-          <a:lnRef idx="2">
-            <a:schemeClr val="accent1">
-              <a:shade val="50000"/>
-            </a:schemeClr>
-          </a:lnRef>
-          <a:fillRef idx="1">
-            <a:schemeClr val="accent1"/>
-          </a:fillRef>
-          <a:effectRef idx="0">
-            <a:schemeClr val="accent1"/>
-          </a:effectRef>
-          <a:fontRef idx="minor">
-            <a:schemeClr val="lt1"/>
-          </a:fontRef>
-        </p:style>
-        <p:txBody>
-          <a:bodyPr rtlCol="0" anchor="ctr"/>
-          <a:lstStyle/>
-          <a:p>
-            <a:pPr algn="ctr"/>
-            <a:r>
-              <a:rPr lang="en-US" b="1" dirty="0">
-                <a:solidFill>
-                  <a:schemeClr val="tx1"/>
-                </a:solidFill>
-              </a:rPr>
-              <a:t>3</a:t>
-            </a:r>
-          </a:p>
-        </p:txBody>
-      </p:sp>
-      <p:cxnSp>
-        <p:nvCxnSpPr>
-          <p:cNvPr id="33" name="Straight Arrow Connector 32"/>
-          <p:cNvCxnSpPr/>
-          <p:nvPr/>
-        </p:nvCxnSpPr>
-        <p:spPr>
-          <a:xfrm flipH="1" flipV="1">
-            <a:off x="6347861" y="2093598"/>
-            <a:ext cx="1333099" cy="492388"/>
-          </a:xfrm>
-          <a:prstGeom prst="straightConnector1">
-            <a:avLst/>
-          </a:prstGeom>
-          <a:ln w="57150">
-            <a:solidFill>
-              <a:srgbClr val="FFC000"/>
-            </a:solidFill>
-            <a:prstDash val="sysDot"/>
-            <a:tailEnd type="triangle"/>
-          </a:ln>
-        </p:spPr>
-        <p:style>
-          <a:lnRef idx="1">
-            <a:schemeClr val="accent1"/>
-          </a:lnRef>
-          <a:fillRef idx="0">
-            <a:schemeClr val="accent1"/>
-          </a:fillRef>
-          <a:effectRef idx="0">
-            <a:schemeClr val="accent1"/>
-          </a:effectRef>
-          <a:fontRef idx="minor">
-            <a:schemeClr val="tx1"/>
-          </a:fontRef>
-        </p:style>
-      </p:cxnSp>
-      <p:sp>
-        <p:nvSpPr>
-          <p:cNvPr id="36" name="Flowchart: Connector 35"/>
-          <p:cNvSpPr/>
-          <p:nvPr/>
-        </p:nvSpPr>
-        <p:spPr>
-          <a:xfrm>
-            <a:off x="3335155" y="1690035"/>
-            <a:ext cx="308008" cy="250257"/>
-          </a:xfrm>
-          <a:prstGeom prst="flowChartConnector">
-            <a:avLst/>
-          </a:prstGeom>
-          <a:solidFill>
-            <a:srgbClr val="FFFF00"/>
-          </a:solidFill>
-        </p:spPr>
-        <p:style>
-          <a:lnRef idx="2">
-            <a:schemeClr val="accent1">
-              <a:shade val="50000"/>
-            </a:schemeClr>
-          </a:lnRef>
-          <a:fillRef idx="1">
-            <a:schemeClr val="accent1"/>
-          </a:fillRef>
-          <a:effectRef idx="0">
-            <a:schemeClr val="accent1"/>
-          </a:effectRef>
-          <a:fontRef idx="minor">
-            <a:schemeClr val="lt1"/>
-          </a:fontRef>
-        </p:style>
-        <p:txBody>
-          <a:bodyPr rtlCol="0" anchor="ctr"/>
-          <a:lstStyle/>
-          <a:p>
-            <a:pPr algn="ctr"/>
-            <a:r>
-              <a:rPr lang="en-US" b="1" dirty="0">
-                <a:solidFill>
-                  <a:schemeClr val="tx1"/>
-                </a:solidFill>
-              </a:rPr>
-              <a:t>4</a:t>
-            </a:r>
-          </a:p>
-        </p:txBody>
-      </p:sp>
-      <p:cxnSp>
-        <p:nvCxnSpPr>
-          <p:cNvPr id="37" name="Straight Arrow Connector 36"/>
-          <p:cNvCxnSpPr>
-            <a:stCxn id="4" idx="2"/>
-          </p:cNvCxnSpPr>
-          <p:nvPr/>
-        </p:nvCxnSpPr>
-        <p:spPr>
-          <a:xfrm flipH="1">
-            <a:off x="2473692" y="1573731"/>
-            <a:ext cx="1713298" cy="0"/>
-          </a:xfrm>
-          <a:prstGeom prst="straightConnector1">
-            <a:avLst/>
-          </a:prstGeom>
-          <a:ln w="57150">
-            <a:solidFill>
-              <a:srgbClr val="FF0000"/>
-            </a:solidFill>
-            <a:tailEnd type="triangle"/>
-          </a:ln>
-        </p:spPr>
-        <p:style>
-          <a:lnRef idx="1">
-            <a:schemeClr val="accent1"/>
-          </a:lnRef>
-          <a:fillRef idx="0">
-            <a:schemeClr val="accent1"/>
-          </a:fillRef>
-          <a:effectRef idx="0">
-            <a:schemeClr val="accent1"/>
-          </a:effectRef>
-          <a:fontRef idx="minor">
-            <a:schemeClr val="tx1"/>
-          </a:fontRef>
-        </p:style>
-      </p:cxnSp>
+          <p:cNvPr id="2" name="Title 1"/>
+          <p:cNvSpPr>
+            <a:spLocks noGrp="1"/>
+          </p:cNvSpPr>
+          <p:nvPr>
+            <p:ph type="title"/>
+          </p:nvPr>
+        </p:nvSpPr>
+        <p:spPr/>
+        <p:txBody>
+          <a:bodyPr/>
+          <a:lstStyle/>
+          <a:p>
+            <a:endParaRPr lang="en-US"/>
+          </a:p>
+        </p:txBody>
+      </p:sp>
+      <p:sp>
+        <p:nvSpPr>
+          <p:cNvPr id="3" name="Content Placeholder 2"/>
+          <p:cNvSpPr>
+            <a:spLocks noGrp="1"/>
+          </p:cNvSpPr>
+          <p:nvPr>
+            <p:ph idx="1"/>
+          </p:nvPr>
+        </p:nvSpPr>
+        <p:spPr/>
+        <p:txBody>
+          <a:bodyPr/>
+          <a:lstStyle/>
+          <a:p>
+            <a:endParaRPr lang="en-US"/>
+          </a:p>
+        </p:txBody>
+      </p:sp>
     </p:spTree>
     <p:extLst>
       <p:ext uri="{BB962C8B-B14F-4D97-AF65-F5344CB8AC3E}">
-        <p14:creationId xmlns:p14="http://schemas.microsoft.com/office/powerpoint/2010/main" val="2317317168"/>
+        <p14:creationId xmlns:p14="http://schemas.microsoft.com/office/powerpoint/2010/main" val="1429485378"/>
       </p:ext>
     </p:extLst>
   </p:cSld>
@@ -13110,6 +12591,671 @@
                   <a:schemeClr val="tx1"/>
                 </a:solidFill>
               </a:rPr>
+              <a:t>1</a:t>
+            </a:r>
+          </a:p>
+        </p:txBody>
+      </p:sp>
+      <p:sp>
+        <p:nvSpPr>
+          <p:cNvPr id="28" name="Flowchart: Connector 27"/>
+          <p:cNvSpPr/>
+          <p:nvPr/>
+        </p:nvSpPr>
+        <p:spPr>
+          <a:xfrm>
+            <a:off x="6672713" y="790473"/>
+            <a:ext cx="308008" cy="250257"/>
+          </a:xfrm>
+          <a:prstGeom prst="flowChartConnector">
+            <a:avLst/>
+          </a:prstGeom>
+          <a:solidFill>
+            <a:srgbClr val="FFFF00"/>
+          </a:solidFill>
+        </p:spPr>
+        <p:style>
+          <a:lnRef idx="2">
+            <a:schemeClr val="accent1">
+              <a:shade val="50000"/>
+            </a:schemeClr>
+          </a:lnRef>
+          <a:fillRef idx="1">
+            <a:schemeClr val="accent1"/>
+          </a:fillRef>
+          <a:effectRef idx="0">
+            <a:schemeClr val="accent1"/>
+          </a:effectRef>
+          <a:fontRef idx="minor">
+            <a:schemeClr val="lt1"/>
+          </a:fontRef>
+        </p:style>
+        <p:txBody>
+          <a:bodyPr rtlCol="0" anchor="ctr"/>
+          <a:lstStyle/>
+          <a:p>
+            <a:pPr algn="ctr"/>
+            <a:r>
+              <a:rPr lang="en-US" b="1" dirty="0">
+                <a:solidFill>
+                  <a:schemeClr val="tx1"/>
+                </a:solidFill>
+              </a:rPr>
+              <a:t>2</a:t>
+            </a:r>
+          </a:p>
+        </p:txBody>
+      </p:sp>
+      <p:sp>
+        <p:nvSpPr>
+          <p:cNvPr id="29" name="Flowchart: Connector 28"/>
+          <p:cNvSpPr/>
+          <p:nvPr/>
+        </p:nvSpPr>
+        <p:spPr>
+          <a:xfrm>
+            <a:off x="7190072" y="1815164"/>
+            <a:ext cx="308008" cy="250257"/>
+          </a:xfrm>
+          <a:prstGeom prst="flowChartConnector">
+            <a:avLst/>
+          </a:prstGeom>
+          <a:solidFill>
+            <a:srgbClr val="FFFF00"/>
+          </a:solidFill>
+        </p:spPr>
+        <p:style>
+          <a:lnRef idx="2">
+            <a:schemeClr val="accent1">
+              <a:shade val="50000"/>
+            </a:schemeClr>
+          </a:lnRef>
+          <a:fillRef idx="1">
+            <a:schemeClr val="accent1"/>
+          </a:fillRef>
+          <a:effectRef idx="0">
+            <a:schemeClr val="accent1"/>
+          </a:effectRef>
+          <a:fontRef idx="minor">
+            <a:schemeClr val="lt1"/>
+          </a:fontRef>
+        </p:style>
+        <p:txBody>
+          <a:bodyPr rtlCol="0" anchor="ctr"/>
+          <a:lstStyle/>
+          <a:p>
+            <a:pPr algn="ctr"/>
+            <a:r>
+              <a:rPr lang="en-US" b="1" dirty="0">
+                <a:solidFill>
+                  <a:schemeClr val="tx1"/>
+                </a:solidFill>
+              </a:rPr>
+              <a:t>3</a:t>
+            </a:r>
+          </a:p>
+        </p:txBody>
+      </p:sp>
+      <p:cxnSp>
+        <p:nvCxnSpPr>
+          <p:cNvPr id="33" name="Straight Arrow Connector 32"/>
+          <p:cNvCxnSpPr/>
+          <p:nvPr/>
+        </p:nvCxnSpPr>
+        <p:spPr>
+          <a:xfrm flipH="1" flipV="1">
+            <a:off x="6347861" y="2093598"/>
+            <a:ext cx="1333099" cy="492388"/>
+          </a:xfrm>
+          <a:prstGeom prst="straightConnector1">
+            <a:avLst/>
+          </a:prstGeom>
+          <a:ln w="57150">
+            <a:solidFill>
+              <a:srgbClr val="FFC000"/>
+            </a:solidFill>
+            <a:prstDash val="sysDot"/>
+            <a:tailEnd type="triangle"/>
+          </a:ln>
+        </p:spPr>
+        <p:style>
+          <a:lnRef idx="1">
+            <a:schemeClr val="accent1"/>
+          </a:lnRef>
+          <a:fillRef idx="0">
+            <a:schemeClr val="accent1"/>
+          </a:fillRef>
+          <a:effectRef idx="0">
+            <a:schemeClr val="accent1"/>
+          </a:effectRef>
+          <a:fontRef idx="minor">
+            <a:schemeClr val="tx1"/>
+          </a:fontRef>
+        </p:style>
+      </p:cxnSp>
+      <p:sp>
+        <p:nvSpPr>
+          <p:cNvPr id="36" name="Flowchart: Connector 35"/>
+          <p:cNvSpPr/>
+          <p:nvPr/>
+        </p:nvSpPr>
+        <p:spPr>
+          <a:xfrm>
+            <a:off x="3335155" y="1690035"/>
+            <a:ext cx="308008" cy="250257"/>
+          </a:xfrm>
+          <a:prstGeom prst="flowChartConnector">
+            <a:avLst/>
+          </a:prstGeom>
+          <a:solidFill>
+            <a:srgbClr val="FFFF00"/>
+          </a:solidFill>
+        </p:spPr>
+        <p:style>
+          <a:lnRef idx="2">
+            <a:schemeClr val="accent1">
+              <a:shade val="50000"/>
+            </a:schemeClr>
+          </a:lnRef>
+          <a:fillRef idx="1">
+            <a:schemeClr val="accent1"/>
+          </a:fillRef>
+          <a:effectRef idx="0">
+            <a:schemeClr val="accent1"/>
+          </a:effectRef>
+          <a:fontRef idx="minor">
+            <a:schemeClr val="lt1"/>
+          </a:fontRef>
+        </p:style>
+        <p:txBody>
+          <a:bodyPr rtlCol="0" anchor="ctr"/>
+          <a:lstStyle/>
+          <a:p>
+            <a:pPr algn="ctr"/>
+            <a:r>
+              <a:rPr lang="en-US" b="1" dirty="0">
+                <a:solidFill>
+                  <a:schemeClr val="tx1"/>
+                </a:solidFill>
+              </a:rPr>
+              <a:t>4</a:t>
+            </a:r>
+          </a:p>
+        </p:txBody>
+      </p:sp>
+      <p:cxnSp>
+        <p:nvCxnSpPr>
+          <p:cNvPr id="37" name="Straight Arrow Connector 36"/>
+          <p:cNvCxnSpPr>
+            <a:stCxn id="4" idx="2"/>
+          </p:cNvCxnSpPr>
+          <p:nvPr/>
+        </p:nvCxnSpPr>
+        <p:spPr>
+          <a:xfrm flipH="1">
+            <a:off x="2473692" y="1573731"/>
+            <a:ext cx="1713298" cy="0"/>
+          </a:xfrm>
+          <a:prstGeom prst="straightConnector1">
+            <a:avLst/>
+          </a:prstGeom>
+          <a:ln w="57150">
+            <a:solidFill>
+              <a:srgbClr val="FF0000"/>
+            </a:solidFill>
+            <a:tailEnd type="triangle"/>
+          </a:ln>
+        </p:spPr>
+        <p:style>
+          <a:lnRef idx="1">
+            <a:schemeClr val="accent1"/>
+          </a:lnRef>
+          <a:fillRef idx="0">
+            <a:schemeClr val="accent1"/>
+          </a:fillRef>
+          <a:effectRef idx="0">
+            <a:schemeClr val="accent1"/>
+          </a:effectRef>
+          <a:fontRef idx="minor">
+            <a:schemeClr val="tx1"/>
+          </a:fontRef>
+        </p:style>
+      </p:cxnSp>
+    </p:spTree>
+    <p:extLst>
+      <p:ext uri="{BB962C8B-B14F-4D97-AF65-F5344CB8AC3E}">
+        <p14:creationId xmlns:p14="http://schemas.microsoft.com/office/powerpoint/2010/main" val="2317317168"/>
+      </p:ext>
+    </p:extLst>
+  </p:cSld>
+  <p:clrMapOvr>
+    <a:masterClrMapping/>
+  </p:clrMapOvr>
+</p:sld>
+</file>
+
+<file path=ppt/slides/slide34.xml><?xml version="1.0" encoding="utf-8"?>
+<p:sld xmlns:a="http://schemas.openxmlformats.org/drawingml/2006/main" xmlns:r="http://schemas.openxmlformats.org/officeDocument/2006/relationships" xmlns:p="http://schemas.openxmlformats.org/presentationml/2006/main">
+  <p:cSld>
+    <p:spTree>
+      <p:nvGrpSpPr>
+        <p:cNvPr id="1" name=""/>
+        <p:cNvGrpSpPr/>
+        <p:nvPr/>
+      </p:nvGrpSpPr>
+      <p:grpSpPr>
+        <a:xfrm>
+          <a:off x="0" y="0"/>
+          <a:ext cx="0" cy="0"/>
+          <a:chOff x="0" y="0"/>
+          <a:chExt cx="0" cy="0"/>
+        </a:xfrm>
+      </p:grpSpPr>
+      <p:sp>
+        <p:nvSpPr>
+          <p:cNvPr id="4" name="Can 3"/>
+          <p:cNvSpPr/>
+          <p:nvPr/>
+        </p:nvSpPr>
+        <p:spPr>
+          <a:xfrm>
+            <a:off x="4186990" y="539015"/>
+            <a:ext cx="2069431" cy="2069431"/>
+          </a:xfrm>
+          <a:prstGeom prst="can">
+            <a:avLst/>
+          </a:prstGeom>
+        </p:spPr>
+        <p:style>
+          <a:lnRef idx="2">
+            <a:schemeClr val="accent1">
+              <a:shade val="50000"/>
+            </a:schemeClr>
+          </a:lnRef>
+          <a:fillRef idx="1">
+            <a:schemeClr val="accent1"/>
+          </a:fillRef>
+          <a:effectRef idx="0">
+            <a:schemeClr val="accent1"/>
+          </a:effectRef>
+          <a:fontRef idx="minor">
+            <a:schemeClr val="lt1"/>
+          </a:fontRef>
+        </p:style>
+        <p:txBody>
+          <a:bodyPr rtlCol="0" anchor="ctr"/>
+          <a:lstStyle/>
+          <a:p>
+            <a:pPr algn="ctr"/>
+            <a:r>
+              <a:rPr lang="en-US" dirty="0"/>
+              <a:t>Database</a:t>
+            </a:r>
+            <a:br>
+              <a:rPr lang="en-US" dirty="0"/>
+            </a:br>
+            <a:r>
+              <a:rPr lang="en-US" dirty="0"/>
+              <a:t>Management</a:t>
+            </a:r>
+            <a:br>
+              <a:rPr lang="en-US" dirty="0"/>
+            </a:br>
+            <a:r>
+              <a:rPr lang="en-US" dirty="0"/>
+              <a:t>System</a:t>
+            </a:r>
+          </a:p>
+        </p:txBody>
+      </p:sp>
+      <p:sp>
+        <p:nvSpPr>
+          <p:cNvPr id="5" name="Rounded Rectangle 4"/>
+          <p:cNvSpPr/>
+          <p:nvPr/>
+        </p:nvSpPr>
+        <p:spPr>
+          <a:xfrm>
+            <a:off x="481263" y="943275"/>
+            <a:ext cx="1992429" cy="856648"/>
+          </a:xfrm>
+          <a:prstGeom prst="roundRect">
+            <a:avLst/>
+          </a:prstGeom>
+          <a:solidFill>
+            <a:schemeClr val="accent3">
+              <a:lumMod val="60000"/>
+              <a:lumOff val="40000"/>
+            </a:schemeClr>
+          </a:solidFill>
+        </p:spPr>
+        <p:style>
+          <a:lnRef idx="2">
+            <a:schemeClr val="accent1">
+              <a:shade val="50000"/>
+            </a:schemeClr>
+          </a:lnRef>
+          <a:fillRef idx="1">
+            <a:schemeClr val="accent1"/>
+          </a:fillRef>
+          <a:effectRef idx="0">
+            <a:schemeClr val="accent1"/>
+          </a:effectRef>
+          <a:fontRef idx="minor">
+            <a:schemeClr val="lt1"/>
+          </a:fontRef>
+        </p:style>
+        <p:txBody>
+          <a:bodyPr rtlCol="0" anchor="ctr"/>
+          <a:lstStyle/>
+          <a:p>
+            <a:pPr algn="ctr"/>
+            <a:r>
+              <a:rPr lang="en-US" sz="2400" b="1" dirty="0">
+                <a:solidFill>
+                  <a:schemeClr val="tx1"/>
+                </a:solidFill>
+              </a:rPr>
+              <a:t>Client</a:t>
+            </a:r>
+          </a:p>
+        </p:txBody>
+      </p:sp>
+      <p:cxnSp>
+        <p:nvCxnSpPr>
+          <p:cNvPr id="7" name="Straight Arrow Connector 6"/>
+          <p:cNvCxnSpPr>
+            <a:stCxn id="5" idx="3"/>
+          </p:cNvCxnSpPr>
+          <p:nvPr/>
+        </p:nvCxnSpPr>
+        <p:spPr>
+          <a:xfrm>
+            <a:off x="2473692" y="1371599"/>
+            <a:ext cx="1713298" cy="0"/>
+          </a:xfrm>
+          <a:prstGeom prst="straightConnector1">
+            <a:avLst/>
+          </a:prstGeom>
+          <a:ln w="57150">
+            <a:solidFill>
+              <a:srgbClr val="FF0000"/>
+            </a:solidFill>
+            <a:tailEnd type="triangle"/>
+          </a:ln>
+        </p:spPr>
+        <p:style>
+          <a:lnRef idx="1">
+            <a:schemeClr val="accent1"/>
+          </a:lnRef>
+          <a:fillRef idx="0">
+            <a:schemeClr val="accent1"/>
+          </a:fillRef>
+          <a:effectRef idx="0">
+            <a:schemeClr val="accent1"/>
+          </a:effectRef>
+          <a:fontRef idx="minor">
+            <a:schemeClr val="tx1"/>
+          </a:fontRef>
+        </p:style>
+      </p:cxnSp>
+      <p:sp>
+        <p:nvSpPr>
+          <p:cNvPr id="12" name="Cloud 11"/>
+          <p:cNvSpPr/>
+          <p:nvPr/>
+        </p:nvSpPr>
+        <p:spPr>
+          <a:xfrm>
+            <a:off x="7834964" y="529389"/>
+            <a:ext cx="2464068" cy="686604"/>
+          </a:xfrm>
+          <a:prstGeom prst="cloud">
+            <a:avLst/>
+          </a:prstGeom>
+          <a:solidFill>
+            <a:schemeClr val="accent1">
+              <a:lumMod val="60000"/>
+              <a:lumOff val="40000"/>
+            </a:schemeClr>
+          </a:solidFill>
+        </p:spPr>
+        <p:style>
+          <a:lnRef idx="2">
+            <a:schemeClr val="accent1">
+              <a:shade val="50000"/>
+            </a:schemeClr>
+          </a:lnRef>
+          <a:fillRef idx="1">
+            <a:schemeClr val="accent1"/>
+          </a:fillRef>
+          <a:effectRef idx="0">
+            <a:schemeClr val="accent1"/>
+          </a:effectRef>
+          <a:fontRef idx="minor">
+            <a:schemeClr val="lt1"/>
+          </a:fontRef>
+        </p:style>
+        <p:txBody>
+          <a:bodyPr rtlCol="0" anchor="ctr"/>
+          <a:lstStyle/>
+          <a:p>
+            <a:pPr algn="ctr"/>
+            <a:r>
+              <a:rPr lang="en-US" dirty="0"/>
+              <a:t>Memory (RAM)</a:t>
+            </a:r>
+          </a:p>
+        </p:txBody>
+      </p:sp>
+      <p:sp>
+        <p:nvSpPr>
+          <p:cNvPr id="15" name="Teardrop 14"/>
+          <p:cNvSpPr/>
+          <p:nvPr/>
+        </p:nvSpPr>
+        <p:spPr>
+          <a:xfrm>
+            <a:off x="7093819" y="2444816"/>
+            <a:ext cx="3869356" cy="1973179"/>
+          </a:xfrm>
+          <a:prstGeom prst="teardrop">
+            <a:avLst/>
+          </a:prstGeom>
+          <a:solidFill>
+            <a:schemeClr val="bg2">
+              <a:lumMod val="75000"/>
+            </a:schemeClr>
+          </a:solidFill>
+        </p:spPr>
+        <p:style>
+          <a:lnRef idx="2">
+            <a:schemeClr val="accent1">
+              <a:shade val="50000"/>
+            </a:schemeClr>
+          </a:lnRef>
+          <a:fillRef idx="1">
+            <a:schemeClr val="accent1"/>
+          </a:fillRef>
+          <a:effectRef idx="0">
+            <a:schemeClr val="accent1"/>
+          </a:effectRef>
+          <a:fontRef idx="minor">
+            <a:schemeClr val="lt1"/>
+          </a:fontRef>
+        </p:style>
+        <p:txBody>
+          <a:bodyPr rtlCol="0" anchor="ctr"/>
+          <a:lstStyle/>
+          <a:p>
+            <a:pPr algn="ctr"/>
+            <a:r>
+              <a:rPr lang="en-US" dirty="0"/>
+              <a:t>Hard Drive</a:t>
+            </a:r>
+          </a:p>
+        </p:txBody>
+      </p:sp>
+      <p:cxnSp>
+        <p:nvCxnSpPr>
+          <p:cNvPr id="16" name="Straight Arrow Connector 15"/>
+          <p:cNvCxnSpPr>
+            <a:endCxn id="12" idx="2"/>
+          </p:cNvCxnSpPr>
+          <p:nvPr/>
+        </p:nvCxnSpPr>
+        <p:spPr>
+          <a:xfrm flipV="1">
+            <a:off x="6347860" y="872691"/>
+            <a:ext cx="1494747" cy="484472"/>
+          </a:xfrm>
+          <a:prstGeom prst="straightConnector1">
+            <a:avLst/>
+          </a:prstGeom>
+          <a:ln w="57150">
+            <a:solidFill>
+              <a:srgbClr val="FF0000"/>
+            </a:solidFill>
+            <a:prstDash val="sysDot"/>
+            <a:tailEnd type="triangle"/>
+          </a:ln>
+        </p:spPr>
+        <p:style>
+          <a:lnRef idx="1">
+            <a:schemeClr val="accent1"/>
+          </a:lnRef>
+          <a:fillRef idx="0">
+            <a:schemeClr val="accent1"/>
+          </a:fillRef>
+          <a:effectRef idx="0">
+            <a:schemeClr val="accent1"/>
+          </a:effectRef>
+          <a:fontRef idx="minor">
+            <a:schemeClr val="tx1"/>
+          </a:fontRef>
+        </p:style>
+      </p:cxnSp>
+      <p:cxnSp>
+        <p:nvCxnSpPr>
+          <p:cNvPr id="19" name="Straight Arrow Connector 18"/>
+          <p:cNvCxnSpPr>
+            <a:endCxn id="4" idx="4"/>
+          </p:cNvCxnSpPr>
+          <p:nvPr/>
+        </p:nvCxnSpPr>
+        <p:spPr>
+          <a:xfrm flipH="1">
+            <a:off x="6256421" y="1068404"/>
+            <a:ext cx="1578543" cy="505327"/>
+          </a:xfrm>
+          <a:prstGeom prst="straightConnector1">
+            <a:avLst/>
+          </a:prstGeom>
+          <a:ln w="57150">
+            <a:solidFill>
+              <a:srgbClr val="FFC000"/>
+            </a:solidFill>
+            <a:prstDash val="sysDot"/>
+            <a:tailEnd type="triangle"/>
+          </a:ln>
+        </p:spPr>
+        <p:style>
+          <a:lnRef idx="1">
+            <a:schemeClr val="accent1"/>
+          </a:lnRef>
+          <a:fillRef idx="0">
+            <a:schemeClr val="accent1"/>
+          </a:fillRef>
+          <a:effectRef idx="0">
+            <a:schemeClr val="accent1"/>
+          </a:effectRef>
+          <a:fontRef idx="minor">
+            <a:schemeClr val="tx1"/>
+          </a:fontRef>
+        </p:style>
+      </p:cxnSp>
+      <p:cxnSp>
+        <p:nvCxnSpPr>
+          <p:cNvPr id="21" name="Straight Arrow Connector 20"/>
+          <p:cNvCxnSpPr/>
+          <p:nvPr/>
+        </p:nvCxnSpPr>
+        <p:spPr>
+          <a:xfrm>
+            <a:off x="6256421" y="1861686"/>
+            <a:ext cx="1915427" cy="583130"/>
+          </a:xfrm>
+          <a:prstGeom prst="straightConnector1">
+            <a:avLst/>
+          </a:prstGeom>
+          <a:ln w="57150">
+            <a:solidFill>
+              <a:srgbClr val="FF0000"/>
+            </a:solidFill>
+            <a:prstDash val="sysDot"/>
+            <a:tailEnd type="triangle"/>
+          </a:ln>
+        </p:spPr>
+        <p:style>
+          <a:lnRef idx="1">
+            <a:schemeClr val="accent1"/>
+          </a:lnRef>
+          <a:fillRef idx="0">
+            <a:schemeClr val="accent1"/>
+          </a:fillRef>
+          <a:effectRef idx="0">
+            <a:schemeClr val="accent1"/>
+          </a:effectRef>
+          <a:fontRef idx="minor">
+            <a:schemeClr val="tx1"/>
+          </a:fontRef>
+        </p:style>
+      </p:cxnSp>
+      <p:sp>
+        <p:nvSpPr>
+          <p:cNvPr id="26" name="Flowchart: Connector 25"/>
+          <p:cNvSpPr/>
+          <p:nvPr/>
+        </p:nvSpPr>
+        <p:spPr>
+          <a:xfrm>
+            <a:off x="3349592" y="1032309"/>
+            <a:ext cx="308008" cy="250257"/>
+          </a:xfrm>
+          <a:prstGeom prst="flowChartConnector">
+            <a:avLst/>
+          </a:prstGeom>
+          <a:solidFill>
+            <a:srgbClr val="FFFF00"/>
+          </a:solidFill>
+        </p:spPr>
+        <p:style>
+          <a:lnRef idx="2">
+            <a:schemeClr val="accent1">
+              <a:shade val="50000"/>
+            </a:schemeClr>
+          </a:lnRef>
+          <a:fillRef idx="1">
+            <a:schemeClr val="accent1"/>
+          </a:fillRef>
+          <a:effectRef idx="0">
+            <a:schemeClr val="accent1"/>
+          </a:effectRef>
+          <a:fontRef idx="minor">
+            <a:schemeClr val="lt1"/>
+          </a:fontRef>
+        </p:style>
+        <p:txBody>
+          <a:bodyPr rtlCol="0" anchor="ctr"/>
+          <a:lstStyle/>
+          <a:p>
+            <a:pPr algn="ctr"/>
+            <a:r>
+              <a:rPr lang="en-US" b="1" dirty="0">
+                <a:solidFill>
+                  <a:schemeClr val="tx1"/>
+                </a:solidFill>
+              </a:rPr>
               <a:t>A</a:t>
             </a:r>
           </a:p>
@@ -13353,7 +13499,7 @@
 </p:sld>
 </file>
 
-<file path=ppt/slides/slide34.xml><?xml version="1.0" encoding="utf-8"?>
+<file path=ppt/slides/slide35.xml><?xml version="1.0" encoding="utf-8"?>
 <p:sld xmlns:a="http://schemas.openxmlformats.org/drawingml/2006/main" xmlns:r="http://schemas.openxmlformats.org/officeDocument/2006/relationships" xmlns:p="http://schemas.openxmlformats.org/presentationml/2006/main">
   <p:cSld>
     <p:spTree>
@@ -14046,162 +14192,6 @@
 </p:sld>
 </file>
 
-<file path=ppt/slides/slide35.xml><?xml version="1.0" encoding="utf-8"?>
-<p:sld xmlns:a="http://schemas.openxmlformats.org/drawingml/2006/main" xmlns:r="http://schemas.openxmlformats.org/officeDocument/2006/relationships" xmlns:p="http://schemas.openxmlformats.org/presentationml/2006/main">
-  <p:cSld>
-    <p:spTree>
-      <p:nvGrpSpPr>
-        <p:cNvPr id="1" name=""/>
-        <p:cNvGrpSpPr/>
-        <p:nvPr/>
-      </p:nvGrpSpPr>
-      <p:grpSpPr>
-        <a:xfrm>
-          <a:off x="0" y="0"/>
-          <a:ext cx="0" cy="0"/>
-          <a:chOff x="0" y="0"/>
-          <a:chExt cx="0" cy="0"/>
-        </a:xfrm>
-      </p:grpSpPr>
-      <p:sp>
-        <p:nvSpPr>
-          <p:cNvPr id="14" name="TextBox 13"/>
-          <p:cNvSpPr txBox="1"/>
-          <p:nvPr/>
-        </p:nvSpPr>
-        <p:spPr>
-          <a:xfrm>
-            <a:off x="600075" y="1876425"/>
-            <a:ext cx="10120848" cy="2308324"/>
-          </a:xfrm>
-          <a:prstGeom prst="rect">
-            <a:avLst/>
-          </a:prstGeom>
-          <a:noFill/>
-        </p:spPr>
-        <p:txBody>
-          <a:bodyPr wrap="none" rtlCol="0">
-            <a:spAutoFit/>
-          </a:bodyPr>
-          <a:lstStyle/>
-          <a:p>
-            <a:pPr marL="285750" indent="-285750">
-              <a:buFont typeface="Arial" panose="020B0604020202020204" pitchFamily="34" charset="0"/>
-              <a:buChar char="•"/>
-            </a:pPr>
-            <a:r>
-              <a:rPr lang="en-US" dirty="0"/>
-              <a:t>Useful in Big Data scenarios</a:t>
-            </a:r>
-          </a:p>
-          <a:p>
-            <a:pPr marL="285750" indent="-285750">
-              <a:buFont typeface="Arial" panose="020B0604020202020204" pitchFamily="34" charset="0"/>
-              <a:buChar char="•"/>
-            </a:pPr>
-            <a:r>
-              <a:rPr lang="en-US" dirty="0"/>
-              <a:t>There is no point to running this as a single node…you want to run this a as distributed set of nodes on </a:t>
-            </a:r>
-            <a:br>
-              <a:rPr lang="en-US" dirty="0"/>
-            </a:br>
-            <a:r>
-              <a:rPr lang="en-US" dirty="0"/>
-              <a:t>commodity hardware to get any real benefit from wide column</a:t>
-            </a:r>
-          </a:p>
-          <a:p>
-            <a:pPr marL="285750" indent="-285750">
-              <a:buFont typeface="Arial" panose="020B0604020202020204" pitchFamily="34" charset="0"/>
-              <a:buChar char="•"/>
-            </a:pPr>
-            <a:r>
-              <a:rPr lang="en-US" dirty="0"/>
-              <a:t>Memory considerations (working set) - Canonical example of computing average salary of users:</a:t>
-            </a:r>
-          </a:p>
-          <a:p>
-            <a:pPr marL="742950" lvl="1" indent="-285750">
-              <a:buFont typeface="Arial" panose="020B0604020202020204" pitchFamily="34" charset="0"/>
-              <a:buChar char="•"/>
-            </a:pPr>
-            <a:r>
-              <a:rPr lang="en-US" dirty="0"/>
-              <a:t>Show schema in RDMS/document</a:t>
-            </a:r>
-          </a:p>
-          <a:p>
-            <a:pPr marL="742950" lvl="1" indent="-285750">
-              <a:buFont typeface="Arial" panose="020B0604020202020204" pitchFamily="34" charset="0"/>
-              <a:buChar char="•"/>
-            </a:pPr>
-            <a:r>
-              <a:rPr lang="en-US" dirty="0"/>
-              <a:t>Show schema in Wide Column</a:t>
-            </a:r>
-          </a:p>
-          <a:p>
-            <a:pPr marL="285750" indent="-285750">
-              <a:buFont typeface="Arial" panose="020B0604020202020204" pitchFamily="34" charset="0"/>
-              <a:buChar char="•"/>
-            </a:pPr>
-            <a:r>
-              <a:rPr lang="en-US" dirty="0"/>
-              <a:t>Tend to be Eventually consistent</a:t>
-            </a:r>
-          </a:p>
-          <a:p>
-            <a:pPr marL="285750" indent="-285750">
-              <a:buFont typeface="Arial" panose="020B0604020202020204" pitchFamily="34" charset="0"/>
-              <a:buChar char="•"/>
-            </a:pPr>
-            <a:endParaRPr lang="en-US" dirty="0"/>
-          </a:p>
-        </p:txBody>
-      </p:sp>
-      <p:sp>
-        <p:nvSpPr>
-          <p:cNvPr id="16" name="TextBox 15"/>
-          <p:cNvSpPr txBox="1"/>
-          <p:nvPr/>
-        </p:nvSpPr>
-        <p:spPr>
-          <a:xfrm>
-            <a:off x="2638425" y="457200"/>
-            <a:ext cx="4157613" cy="584775"/>
-          </a:xfrm>
-          <a:prstGeom prst="rect">
-            <a:avLst/>
-          </a:prstGeom>
-          <a:noFill/>
-        </p:spPr>
-        <p:txBody>
-          <a:bodyPr wrap="none" rtlCol="0">
-            <a:spAutoFit/>
-          </a:bodyPr>
-          <a:lstStyle/>
-          <a:p>
-            <a:r>
-              <a:rPr lang="en-US" sz="4800" baseline="-25000" dirty="0"/>
-              <a:t>COLUMNAR DATABASES</a:t>
-            </a:r>
-          </a:p>
-        </p:txBody>
-      </p:sp>
-    </p:spTree>
-    <p:extLst>
-      <p:ext uri="{BB962C8B-B14F-4D97-AF65-F5344CB8AC3E}">
-        <p14:creationId xmlns:p14="http://schemas.microsoft.com/office/powerpoint/2010/main" val="2287619243"/>
-      </p:ext>
-    </p:extLst>
-  </p:cSld>
-  <p:clrMapOvr>
-    <a:masterClrMapping/>
-  </p:clrMapOvr>
-</p:sld>
-</file>
-
 <file path=ppt/slides/slide36.xml><?xml version="1.0" encoding="utf-8"?>
 <p:sld xmlns:a="http://schemas.openxmlformats.org/drawingml/2006/main" xmlns:r="http://schemas.openxmlformats.org/officeDocument/2006/relationships" xmlns:p="http://schemas.openxmlformats.org/presentationml/2006/main">
   <p:cSld>
@@ -14221,14 +14211,14 @@
       </p:grpSpPr>
       <p:sp>
         <p:nvSpPr>
-          <p:cNvPr id="5" name="TextBox 4"/>
+          <p:cNvPr id="14" name="TextBox 13"/>
           <p:cNvSpPr txBox="1"/>
           <p:nvPr/>
         </p:nvSpPr>
         <p:spPr>
           <a:xfrm>
-            <a:off x="3918715" y="1299685"/>
-            <a:ext cx="3442674" cy="1477328"/>
+            <a:off x="600075" y="1876425"/>
+            <a:ext cx="10120848" cy="2308324"/>
           </a:xfrm>
           <a:prstGeom prst="rect">
             <a:avLst/>
@@ -14247,7 +14237,7 @@
             </a:pPr>
             <a:r>
               <a:rPr lang="en-US" dirty="0"/>
-              <a:t>Show all users</a:t>
+              <a:t>Useful in Big Data scenarios</a:t>
             </a:r>
           </a:p>
           <a:p>
@@ -14257,7 +14247,14 @@
             </a:pPr>
             <a:r>
               <a:rPr lang="en-US" dirty="0"/>
-              <a:t>Show who a user is friends with</a:t>
+              <a:t>There is no point to running this as a single node…you want to run this a as distributed set of nodes on </a:t>
+            </a:r>
+            <a:br>
+              <a:rPr lang="en-US" dirty="0"/>
+            </a:br>
+            <a:r>
+              <a:rPr lang="en-US" dirty="0"/>
+              <a:t>commodity hardware to get any real benefit from wide column</a:t>
             </a:r>
           </a:p>
           <a:p>
@@ -14267,7 +14264,27 @@
             </a:pPr>
             <a:r>
               <a:rPr lang="en-US" dirty="0"/>
-              <a:t>Show all posts (default)</a:t>
+              <a:t>Memory considerations (working set) - Canonical example of computing average salary of users:</a:t>
+            </a:r>
+          </a:p>
+          <a:p>
+            <a:pPr marL="742950" lvl="1" indent="-285750">
+              <a:buFont typeface="Arial" panose="020B0604020202020204" pitchFamily="34" charset="0"/>
+              <a:buChar char="•"/>
+            </a:pPr>
+            <a:r>
+              <a:rPr lang="en-US" dirty="0"/>
+              <a:t>Show schema in RDMS/document</a:t>
+            </a:r>
+          </a:p>
+          <a:p>
+            <a:pPr marL="742950" lvl="1" indent="-285750">
+              <a:buFont typeface="Arial" panose="020B0604020202020204" pitchFamily="34" charset="0"/>
+              <a:buChar char="•"/>
+            </a:pPr>
+            <a:r>
+              <a:rPr lang="en-US" dirty="0"/>
+              <a:t>Show schema in Wide Column</a:t>
             </a:r>
           </a:p>
           <a:p>
@@ -14277,7 +14294,7 @@
             </a:pPr>
             <a:r>
               <a:rPr lang="en-US" dirty="0"/>
-              <a:t>Show all posts of a user</a:t>
+              <a:t>Tend to be Eventually consistent</a:t>
             </a:r>
           </a:p>
           <a:p>
@@ -14291,312 +14308,14 @@
       </p:sp>
       <p:sp>
         <p:nvSpPr>
-          <p:cNvPr id="6" name="Rectangle 5"/>
-          <p:cNvSpPr/>
-          <p:nvPr/>
-        </p:nvSpPr>
-        <p:spPr>
-          <a:xfrm>
-            <a:off x="419100" y="1099660"/>
-            <a:ext cx="1295400" cy="1073705"/>
-          </a:xfrm>
-          <a:prstGeom prst="rect">
-            <a:avLst/>
-          </a:prstGeom>
-        </p:spPr>
-        <p:style>
-          <a:lnRef idx="2">
-            <a:schemeClr val="accent1">
-              <a:shade val="50000"/>
-            </a:schemeClr>
-          </a:lnRef>
-          <a:fillRef idx="1">
-            <a:schemeClr val="accent1"/>
-          </a:fillRef>
-          <a:effectRef idx="0">
-            <a:schemeClr val="accent1"/>
-          </a:effectRef>
-          <a:fontRef idx="minor">
-            <a:schemeClr val="lt1"/>
-          </a:fontRef>
-        </p:style>
-        <p:txBody>
-          <a:bodyPr rtlCol="0" anchor="ctr"/>
-          <a:lstStyle/>
-          <a:p>
-            <a:r>
-              <a:rPr lang="en-US" sz="1400" b="1" dirty="0">
-                <a:solidFill>
-                  <a:srgbClr val="FFFF00"/>
-                </a:solidFill>
-              </a:rPr>
-              <a:t>USERS</a:t>
-            </a:r>
-            <a:br>
-              <a:rPr lang="en-US" sz="1400" dirty="0"/>
-            </a:br>
-            <a:r>
-              <a:rPr lang="en-US" sz="1400" dirty="0"/>
-              <a:t>username</a:t>
-            </a:r>
-            <a:br>
-              <a:rPr lang="en-US" sz="1400" dirty="0"/>
-            </a:br>
-            <a:r>
-              <a:rPr lang="en-US" sz="1400" dirty="0"/>
-              <a:t>password</a:t>
-            </a:r>
-            <a:br>
-              <a:rPr lang="en-US" sz="1400" dirty="0"/>
-            </a:br>
-            <a:r>
-              <a:rPr lang="en-US" sz="1400" dirty="0"/>
-              <a:t>email</a:t>
-            </a:r>
-            <a:br>
-              <a:rPr lang="en-US" sz="1400" dirty="0"/>
-            </a:br>
-            <a:r>
-              <a:rPr lang="en-US" sz="1400" dirty="0"/>
-              <a:t>name</a:t>
-            </a:r>
-          </a:p>
-        </p:txBody>
-      </p:sp>
-      <p:sp>
-        <p:nvSpPr>
-          <p:cNvPr id="8" name="Rectangle 7"/>
-          <p:cNvSpPr/>
-          <p:nvPr/>
-        </p:nvSpPr>
-        <p:spPr>
-          <a:xfrm>
-            <a:off x="2066924" y="1099661"/>
-            <a:ext cx="1333501" cy="938688"/>
-          </a:xfrm>
-          <a:prstGeom prst="rect">
-            <a:avLst/>
-          </a:prstGeom>
-        </p:spPr>
-        <p:style>
-          <a:lnRef idx="2">
-            <a:schemeClr val="accent1">
-              <a:shade val="50000"/>
-            </a:schemeClr>
-          </a:lnRef>
-          <a:fillRef idx="1">
-            <a:schemeClr val="accent1"/>
-          </a:fillRef>
-          <a:effectRef idx="0">
-            <a:schemeClr val="accent1"/>
-          </a:effectRef>
-          <a:fontRef idx="minor">
-            <a:schemeClr val="lt1"/>
-          </a:fontRef>
-        </p:style>
-        <p:txBody>
-          <a:bodyPr rtlCol="0" anchor="ctr"/>
-          <a:lstStyle/>
-          <a:p>
-            <a:r>
-              <a:rPr lang="en-US" sz="1400" b="1" dirty="0">
-                <a:solidFill>
-                  <a:srgbClr val="FFFF00"/>
-                </a:solidFill>
-              </a:rPr>
-              <a:t>FRIENDS</a:t>
-            </a:r>
-            <a:br>
-              <a:rPr lang="en-US" sz="1400" dirty="0"/>
-            </a:br>
-            <a:r>
-              <a:rPr lang="en-US" sz="1400" dirty="0"/>
-              <a:t>username</a:t>
-            </a:r>
-            <a:br>
-              <a:rPr lang="en-US" sz="1400" dirty="0"/>
-            </a:br>
-            <a:r>
-              <a:rPr lang="en-US" sz="1400" dirty="0"/>
-              <a:t>friendsWith</a:t>
-            </a:r>
-          </a:p>
-        </p:txBody>
-      </p:sp>
-      <p:sp>
-        <p:nvSpPr>
-          <p:cNvPr id="9" name="Rectangle 8"/>
-          <p:cNvSpPr/>
-          <p:nvPr/>
-        </p:nvSpPr>
-        <p:spPr>
-          <a:xfrm>
-            <a:off x="2066925" y="2419021"/>
-            <a:ext cx="1333501" cy="938689"/>
-          </a:xfrm>
-          <a:prstGeom prst="rect">
-            <a:avLst/>
-          </a:prstGeom>
-        </p:spPr>
-        <p:style>
-          <a:lnRef idx="2">
-            <a:schemeClr val="accent1">
-              <a:shade val="50000"/>
-            </a:schemeClr>
-          </a:lnRef>
-          <a:fillRef idx="1">
-            <a:schemeClr val="accent1"/>
-          </a:fillRef>
-          <a:effectRef idx="0">
-            <a:schemeClr val="accent1"/>
-          </a:effectRef>
-          <a:fontRef idx="minor">
-            <a:schemeClr val="lt1"/>
-          </a:fontRef>
-        </p:style>
-        <p:txBody>
-          <a:bodyPr rtlCol="0" anchor="ctr"/>
-          <a:lstStyle/>
-          <a:p>
-            <a:r>
-              <a:rPr lang="en-US" sz="1400" b="1" dirty="0">
-                <a:solidFill>
-                  <a:srgbClr val="FFFF00"/>
-                </a:solidFill>
-              </a:rPr>
-              <a:t>POSTS</a:t>
-            </a:r>
-            <a:br>
-              <a:rPr lang="en-US" sz="1400" dirty="0"/>
-            </a:br>
-            <a:r>
-              <a:rPr lang="en-US" sz="1400" dirty="0"/>
-              <a:t>post_id (uuid)</a:t>
-            </a:r>
-            <a:br>
-              <a:rPr lang="en-US" sz="1400" dirty="0"/>
-            </a:br>
-            <a:r>
-              <a:rPr lang="en-US" sz="1400" dirty="0"/>
-              <a:t>username</a:t>
-            </a:r>
-            <a:br>
-              <a:rPr lang="en-US" sz="1400" dirty="0"/>
-            </a:br>
-            <a:r>
-              <a:rPr lang="en-US" sz="1400" dirty="0"/>
-              <a:t>body</a:t>
-            </a:r>
-          </a:p>
-        </p:txBody>
-      </p:sp>
-      <p:sp>
-        <p:nvSpPr>
-          <p:cNvPr id="10" name="Rectangle 9"/>
-          <p:cNvSpPr/>
-          <p:nvPr/>
-        </p:nvSpPr>
-        <p:spPr>
-          <a:xfrm>
-            <a:off x="419100" y="2419021"/>
-            <a:ext cx="1295400" cy="938688"/>
-          </a:xfrm>
-          <a:prstGeom prst="rect">
-            <a:avLst/>
-          </a:prstGeom>
-        </p:spPr>
-        <p:style>
-          <a:lnRef idx="2">
-            <a:schemeClr val="accent1">
-              <a:shade val="50000"/>
-            </a:schemeClr>
-          </a:lnRef>
-          <a:fillRef idx="1">
-            <a:schemeClr val="accent1"/>
-          </a:fillRef>
-          <a:effectRef idx="0">
-            <a:schemeClr val="accent1"/>
-          </a:effectRef>
-          <a:fontRef idx="minor">
-            <a:schemeClr val="lt1"/>
-          </a:fontRef>
-        </p:style>
-        <p:txBody>
-          <a:bodyPr rtlCol="0" anchor="ctr"/>
-          <a:lstStyle/>
-          <a:p>
-            <a:r>
-              <a:rPr lang="en-US" sz="1400" b="1" dirty="0">
-                <a:solidFill>
-                  <a:srgbClr val="FFFF00"/>
-                </a:solidFill>
-              </a:rPr>
-              <a:t>USERPOSTS</a:t>
-            </a:r>
-            <a:br>
-              <a:rPr lang="en-US" sz="1400" dirty="0"/>
-            </a:br>
-            <a:r>
-              <a:rPr lang="en-US" sz="1400" dirty="0"/>
-              <a:t>username</a:t>
-            </a:r>
-            <a:br>
-              <a:rPr lang="en-US" sz="1400" dirty="0"/>
-            </a:br>
-            <a:r>
-              <a:rPr lang="en-US" sz="1400" dirty="0"/>
-              <a:t>post_id</a:t>
-            </a:r>
-            <a:br>
-              <a:rPr lang="en-US" sz="1400" dirty="0"/>
-            </a:br>
-            <a:r>
-              <a:rPr lang="en-US" sz="1400" dirty="0"/>
-              <a:t>body</a:t>
-            </a:r>
-          </a:p>
-        </p:txBody>
-      </p:sp>
-      <p:cxnSp>
-        <p:nvCxnSpPr>
-          <p:cNvPr id="13" name="Straight Connector 12"/>
-          <p:cNvCxnSpPr/>
-          <p:nvPr/>
-        </p:nvCxnSpPr>
-        <p:spPr>
-          <a:xfrm flipV="1">
-            <a:off x="752475" y="447675"/>
-            <a:ext cx="8077200" cy="47625"/>
-          </a:xfrm>
-          <a:prstGeom prst="line">
-            <a:avLst/>
-          </a:prstGeom>
-        </p:spPr>
-        <p:style>
-          <a:lnRef idx="1">
-            <a:schemeClr val="accent1"/>
-          </a:lnRef>
-          <a:fillRef idx="0">
-            <a:schemeClr val="accent1"/>
-          </a:fillRef>
-          <a:effectRef idx="0">
-            <a:schemeClr val="accent1"/>
-          </a:effectRef>
-          <a:fontRef idx="minor">
-            <a:schemeClr val="tx1"/>
-          </a:fontRef>
-        </p:style>
-      </p:cxnSp>
-      <p:sp>
-        <p:nvSpPr>
-          <p:cNvPr id="2" name="TextBox 1"/>
+          <p:cNvPr id="16" name="TextBox 15"/>
           <p:cNvSpPr txBox="1"/>
           <p:nvPr/>
         </p:nvSpPr>
         <p:spPr>
           <a:xfrm>
-            <a:off x="685800" y="4362450"/>
-            <a:ext cx="4261616" cy="369332"/>
+            <a:off x="2638425" y="457200"/>
+            <a:ext cx="4157613" cy="584775"/>
           </a:xfrm>
           <a:prstGeom prst="rect">
             <a:avLst/>
@@ -14610,8 +14329,8 @@
           <a:lstStyle/>
           <a:p>
             <a:r>
-              <a:rPr lang="en-US" dirty="0"/>
-              <a:t>Notice the schema has tons of repeat data  </a:t>
+              <a:rPr lang="en-US" sz="4800" baseline="-25000" dirty="0"/>
+              <a:t>COLUMNAR DATABASES</a:t>
             </a:r>
           </a:p>
         </p:txBody>
@@ -14619,7 +14338,7 @@
     </p:spTree>
     <p:extLst>
       <p:ext uri="{BB962C8B-B14F-4D97-AF65-F5344CB8AC3E}">
-        <p14:creationId xmlns:p14="http://schemas.microsoft.com/office/powerpoint/2010/main" val="4087515015"/>
+        <p14:creationId xmlns:p14="http://schemas.microsoft.com/office/powerpoint/2010/main" val="2287619243"/>
       </p:ext>
     </p:extLst>
   </p:cSld>
@@ -14648,76 +14367,609 @@
       </p:grpSpPr>
       <p:sp>
         <p:nvSpPr>
-          <p:cNvPr id="2" name="Title 1"/>
-          <p:cNvSpPr>
-            <a:spLocks noGrp="1"/>
-          </p:cNvSpPr>
-          <p:nvPr>
-            <p:ph type="title"/>
-          </p:nvPr>
-        </p:nvSpPr>
-        <p:spPr/>
-        <p:txBody>
-          <a:bodyPr/>
-          <a:lstStyle/>
-          <a:p>
+          <p:cNvPr id="5" name="TextBox 4"/>
+          <p:cNvSpPr txBox="1"/>
+          <p:nvPr/>
+        </p:nvSpPr>
+        <p:spPr>
+          <a:xfrm>
+            <a:off x="7231110" y="3660796"/>
+            <a:ext cx="3707047" cy="1477328"/>
+          </a:xfrm>
+          <a:prstGeom prst="rect">
+            <a:avLst/>
+          </a:prstGeom>
+          <a:noFill/>
+          <a:ln>
+            <a:solidFill>
+              <a:schemeClr val="tx1"/>
+            </a:solidFill>
+          </a:ln>
+        </p:spPr>
+        <p:txBody>
+          <a:bodyPr wrap="square" rtlCol="0">
+            <a:spAutoFit/>
+          </a:bodyPr>
+          <a:lstStyle/>
+          <a:p>
+            <a:pPr marL="285750" indent="-285750">
+              <a:buFont typeface="Arial" panose="020B0604020202020204" pitchFamily="34" charset="0"/>
+              <a:buChar char="•"/>
+            </a:pPr>
             <a:r>
               <a:rPr lang="en-US" dirty="0"/>
-              <a:t>Things specific to Cassandra</a:t>
-            </a:r>
-          </a:p>
-        </p:txBody>
-      </p:sp>
-      <p:sp>
-        <p:nvSpPr>
-          <p:cNvPr id="3" name="Content Placeholder 2"/>
-          <p:cNvSpPr>
-            <a:spLocks noGrp="1"/>
-          </p:cNvSpPr>
-          <p:nvPr>
-            <p:ph idx="1"/>
-          </p:nvPr>
-        </p:nvSpPr>
-        <p:spPr/>
-        <p:txBody>
-          <a:bodyPr/>
-          <a:lstStyle/>
-          <a:p>
+              <a:t>Show all users</a:t>
+            </a:r>
+          </a:p>
+          <a:p>
+            <a:pPr marL="285750" indent="-285750">
+              <a:buFont typeface="Arial" panose="020B0604020202020204" pitchFamily="34" charset="0"/>
+              <a:buChar char="•"/>
+            </a:pPr>
             <a:r>
               <a:rPr lang="en-US" dirty="0"/>
-              <a:t>Optimizes on fast and durable writes.</a:t>
-            </a:r>
-          </a:p>
-          <a:p>
+              <a:t>Show who a user is following</a:t>
+            </a:r>
+          </a:p>
+          <a:p>
+            <a:pPr marL="285750" indent="-285750">
+              <a:buFont typeface="Arial" panose="020B0604020202020204" pitchFamily="34" charset="0"/>
+              <a:buChar char="•"/>
+            </a:pPr>
             <a:r>
               <a:rPr lang="en-US" dirty="0"/>
-              <a:t>Underlying data structure: Bloom Filter</a:t>
-            </a:r>
-          </a:p>
-          <a:p>
-            <a:r>
+              <a:t>Show all posts</a:t>
+            </a:r>
+            <a:br>
               <a:rPr lang="en-US" dirty="0"/>
-              <a:t>There a local mode for Windows (community edition). And its free.</a:t>
-            </a:r>
-          </a:p>
-          <a:p>
+            </a:br>
             <a:r>
               <a:rPr lang="en-US" dirty="0"/>
-              <a:t>Has CQL which is like SQL (not all wide column are this nice!)</a:t>
-            </a:r>
-          </a:p>
-          <a:p>
+              <a:t>Show all posts of a specific user</a:t>
+            </a:r>
+          </a:p>
+          <a:p>
+            <a:pPr marL="285750" indent="-285750">
+              <a:buFont typeface="Arial" panose="020B0604020202020204" pitchFamily="34" charset="0"/>
+              <a:buChar char="•"/>
+            </a:pPr>
             <a:endParaRPr lang="en-US" dirty="0"/>
           </a:p>
-          <a:p>
-            <a:endParaRPr lang="en-US" dirty="0"/>
+        </p:txBody>
+      </p:sp>
+      <p:sp>
+        <p:nvSpPr>
+          <p:cNvPr id="6" name="Rectangle 5"/>
+          <p:cNvSpPr/>
+          <p:nvPr/>
+        </p:nvSpPr>
+        <p:spPr>
+          <a:xfrm>
+            <a:off x="1576540" y="1566984"/>
+            <a:ext cx="1795924" cy="1372861"/>
+          </a:xfrm>
+          <a:prstGeom prst="rect">
+            <a:avLst/>
+          </a:prstGeom>
+          <a:gradFill flip="none" rotWithShape="1">
+            <a:gsLst>
+              <a:gs pos="0">
+                <a:schemeClr val="accent1">
+                  <a:shade val="30000"/>
+                  <a:satMod val="115000"/>
+                </a:schemeClr>
+              </a:gs>
+              <a:gs pos="50000">
+                <a:schemeClr val="accent1">
+                  <a:shade val="67500"/>
+                  <a:satMod val="115000"/>
+                </a:schemeClr>
+              </a:gs>
+              <a:gs pos="100000">
+                <a:schemeClr val="accent1">
+                  <a:shade val="100000"/>
+                  <a:satMod val="115000"/>
+                </a:schemeClr>
+              </a:gs>
+            </a:gsLst>
+            <a:lin ang="5400000" scaled="1"/>
+            <a:tileRect/>
+          </a:gradFill>
+        </p:spPr>
+        <p:style>
+          <a:lnRef idx="2">
+            <a:schemeClr val="accent1">
+              <a:shade val="50000"/>
+            </a:schemeClr>
+          </a:lnRef>
+          <a:fillRef idx="1">
+            <a:schemeClr val="accent1"/>
+          </a:fillRef>
+          <a:effectRef idx="0">
+            <a:schemeClr val="accent1"/>
+          </a:effectRef>
+          <a:fontRef idx="minor">
+            <a:schemeClr val="lt1"/>
+          </a:fontRef>
+        </p:style>
+        <p:txBody>
+          <a:bodyPr rtlCol="0" anchor="t"/>
+          <a:lstStyle/>
+          <a:p>
+            <a:r>
+              <a:rPr lang="en-US" sz="2400" b="1" dirty="0">
+                <a:solidFill>
+                  <a:srgbClr val="FFFF00"/>
+                </a:solidFill>
+              </a:rPr>
+              <a:t>USERS</a:t>
+            </a:r>
+            <a:br>
+              <a:rPr lang="en-US" sz="2400" b="1" dirty="0">
+                <a:solidFill>
+                  <a:srgbClr val="FFFF00"/>
+                </a:solidFill>
+              </a:rPr>
+            </a:br>
+            <a:br>
+              <a:rPr lang="en-US" dirty="0"/>
+            </a:br>
+            <a:r>
+              <a:rPr lang="en-US" b="1" dirty="0">
+                <a:solidFill>
+                  <a:srgbClr val="FF0000"/>
+                </a:solidFill>
+              </a:rPr>
+              <a:t>username (text)</a:t>
+            </a:r>
+            <a:br>
+              <a:rPr lang="en-US" dirty="0"/>
+            </a:br>
+            <a:r>
+              <a:rPr lang="en-US" dirty="0"/>
+              <a:t>password (text)</a:t>
+            </a:r>
+          </a:p>
+        </p:txBody>
+      </p:sp>
+      <p:sp>
+        <p:nvSpPr>
+          <p:cNvPr id="8" name="Rectangle 7"/>
+          <p:cNvSpPr/>
+          <p:nvPr/>
+        </p:nvSpPr>
+        <p:spPr>
+          <a:xfrm>
+            <a:off x="3837959" y="1566984"/>
+            <a:ext cx="2082158" cy="1372861"/>
+          </a:xfrm>
+          <a:prstGeom prst="rect">
+            <a:avLst/>
+          </a:prstGeom>
+          <a:gradFill flip="none" rotWithShape="1">
+            <a:gsLst>
+              <a:gs pos="0">
+                <a:schemeClr val="accent1">
+                  <a:shade val="30000"/>
+                  <a:satMod val="115000"/>
+                </a:schemeClr>
+              </a:gs>
+              <a:gs pos="50000">
+                <a:schemeClr val="accent1">
+                  <a:shade val="67500"/>
+                  <a:satMod val="115000"/>
+                </a:schemeClr>
+              </a:gs>
+              <a:gs pos="100000">
+                <a:schemeClr val="accent1">
+                  <a:shade val="100000"/>
+                  <a:satMod val="115000"/>
+                </a:schemeClr>
+              </a:gs>
+            </a:gsLst>
+            <a:lin ang="5400000" scaled="1"/>
+            <a:tileRect/>
+          </a:gradFill>
+        </p:spPr>
+        <p:style>
+          <a:lnRef idx="2">
+            <a:schemeClr val="accent1">
+              <a:shade val="50000"/>
+            </a:schemeClr>
+          </a:lnRef>
+          <a:fillRef idx="1">
+            <a:schemeClr val="accent1"/>
+          </a:fillRef>
+          <a:effectRef idx="0">
+            <a:schemeClr val="accent1"/>
+          </a:effectRef>
+          <a:fontRef idx="minor">
+            <a:schemeClr val="lt1"/>
+          </a:fontRef>
+        </p:style>
+        <p:txBody>
+          <a:bodyPr rtlCol="0" anchor="t"/>
+          <a:lstStyle/>
+          <a:p>
+            <a:r>
+              <a:rPr lang="en-US" sz="2400" b="1" dirty="0">
+                <a:solidFill>
+                  <a:srgbClr val="FFFF00"/>
+                </a:solidFill>
+              </a:rPr>
+              <a:t>FOLLOWED</a:t>
+            </a:r>
+            <a:br>
+              <a:rPr lang="en-US" dirty="0"/>
+            </a:br>
+            <a:br>
+              <a:rPr lang="en-US" dirty="0"/>
+            </a:br>
+            <a:r>
+              <a:rPr lang="en-US" b="1" dirty="0">
+                <a:solidFill>
+                  <a:srgbClr val="FF0000"/>
+                </a:solidFill>
+              </a:rPr>
+              <a:t>username (text)</a:t>
+            </a:r>
+            <a:br>
+              <a:rPr lang="en-US" dirty="0"/>
+            </a:br>
+            <a:r>
+              <a:rPr lang="en-US" dirty="0"/>
+              <a:t>following (set {text})</a:t>
+            </a:r>
+          </a:p>
+        </p:txBody>
+      </p:sp>
+      <p:sp>
+        <p:nvSpPr>
+          <p:cNvPr id="10" name="Rectangle 9"/>
+          <p:cNvSpPr/>
+          <p:nvPr/>
+        </p:nvSpPr>
+        <p:spPr>
+          <a:xfrm>
+            <a:off x="4586759" y="3660797"/>
+            <a:ext cx="2255966" cy="1894428"/>
+          </a:xfrm>
+          <a:prstGeom prst="rect">
+            <a:avLst/>
+          </a:prstGeom>
+          <a:gradFill flip="none" rotWithShape="1">
+            <a:gsLst>
+              <a:gs pos="0">
+                <a:schemeClr val="accent1">
+                  <a:shade val="30000"/>
+                  <a:satMod val="115000"/>
+                </a:schemeClr>
+              </a:gs>
+              <a:gs pos="50000">
+                <a:schemeClr val="accent1">
+                  <a:shade val="67500"/>
+                  <a:satMod val="115000"/>
+                </a:schemeClr>
+              </a:gs>
+              <a:gs pos="100000">
+                <a:schemeClr val="accent1">
+                  <a:shade val="100000"/>
+                  <a:satMod val="115000"/>
+                </a:schemeClr>
+              </a:gs>
+            </a:gsLst>
+            <a:lin ang="5400000" scaled="1"/>
+            <a:tileRect/>
+          </a:gradFill>
+        </p:spPr>
+        <p:style>
+          <a:lnRef idx="2">
+            <a:schemeClr val="accent1">
+              <a:shade val="50000"/>
+            </a:schemeClr>
+          </a:lnRef>
+          <a:fillRef idx="1">
+            <a:schemeClr val="accent1"/>
+          </a:fillRef>
+          <a:effectRef idx="0">
+            <a:schemeClr val="accent1"/>
+          </a:effectRef>
+          <a:fontRef idx="minor">
+            <a:schemeClr val="lt1"/>
+          </a:fontRef>
+        </p:style>
+        <p:txBody>
+          <a:bodyPr rtlCol="0" anchor="t"/>
+          <a:lstStyle/>
+          <a:p>
+            <a:r>
+              <a:rPr lang="en-US" sz="2400" b="1" dirty="0">
+                <a:solidFill>
+                  <a:srgbClr val="FFFF00"/>
+                </a:solidFill>
+              </a:rPr>
+              <a:t>USERPOSTS</a:t>
+            </a:r>
+            <a:br>
+              <a:rPr lang="en-US" sz="2400" b="1" dirty="0">
+                <a:solidFill>
+                  <a:srgbClr val="FFFF00"/>
+                </a:solidFill>
+              </a:rPr>
+            </a:br>
+            <a:br>
+              <a:rPr lang="en-US" dirty="0"/>
+            </a:br>
+            <a:r>
+              <a:rPr lang="en-US" b="1" dirty="0">
+                <a:solidFill>
+                  <a:srgbClr val="FF0000"/>
+                </a:solidFill>
+              </a:rPr>
+              <a:t>username (text)</a:t>
+            </a:r>
+            <a:br>
+              <a:rPr lang="en-US" b="1" dirty="0">
+                <a:solidFill>
+                  <a:srgbClr val="FF0000"/>
+                </a:solidFill>
+              </a:rPr>
+            </a:br>
+            <a:r>
+              <a:rPr lang="en-US" b="1" dirty="0">
+                <a:solidFill>
+                  <a:srgbClr val="FF0000"/>
+                </a:solidFill>
+              </a:rPr>
+              <a:t>post_id (uuid)</a:t>
+            </a:r>
+            <a:br>
+              <a:rPr lang="en-US" dirty="0"/>
+            </a:br>
+            <a:r>
+              <a:rPr lang="en-US" dirty="0"/>
+              <a:t>body (text)</a:t>
+            </a:r>
+          </a:p>
+        </p:txBody>
+      </p:sp>
+      <p:sp>
+        <p:nvSpPr>
+          <p:cNvPr id="11" name="Rectangle 10"/>
+          <p:cNvSpPr/>
+          <p:nvPr/>
+        </p:nvSpPr>
+        <p:spPr>
+          <a:xfrm>
+            <a:off x="1576540" y="3660796"/>
+            <a:ext cx="2487561" cy="1894429"/>
+          </a:xfrm>
+          <a:prstGeom prst="rect">
+            <a:avLst/>
+          </a:prstGeom>
+          <a:gradFill flip="none" rotWithShape="1">
+            <a:gsLst>
+              <a:gs pos="0">
+                <a:schemeClr val="accent1">
+                  <a:shade val="30000"/>
+                  <a:satMod val="115000"/>
+                </a:schemeClr>
+              </a:gs>
+              <a:gs pos="50000">
+                <a:schemeClr val="accent1">
+                  <a:shade val="67500"/>
+                  <a:satMod val="115000"/>
+                </a:schemeClr>
+              </a:gs>
+              <a:gs pos="100000">
+                <a:schemeClr val="accent1">
+                  <a:shade val="100000"/>
+                  <a:satMod val="115000"/>
+                </a:schemeClr>
+              </a:gs>
+            </a:gsLst>
+            <a:lin ang="5400000" scaled="1"/>
+            <a:tileRect/>
+          </a:gradFill>
+        </p:spPr>
+        <p:style>
+          <a:lnRef idx="2">
+            <a:schemeClr val="accent1">
+              <a:shade val="50000"/>
+            </a:schemeClr>
+          </a:lnRef>
+          <a:fillRef idx="1">
+            <a:schemeClr val="accent1"/>
+          </a:fillRef>
+          <a:effectRef idx="0">
+            <a:schemeClr val="accent1"/>
+          </a:effectRef>
+          <a:fontRef idx="minor">
+            <a:schemeClr val="lt1"/>
+          </a:fontRef>
+        </p:style>
+        <p:txBody>
+          <a:bodyPr rtlCol="0" anchor="t"/>
+          <a:lstStyle/>
+          <a:p>
+            <a:r>
+              <a:rPr lang="en-US" sz="2400" b="1" dirty="0">
+                <a:solidFill>
+                  <a:srgbClr val="FFFF00"/>
+                </a:solidFill>
+              </a:rPr>
+              <a:t>POSTS</a:t>
+            </a:r>
+            <a:br>
+              <a:rPr lang="en-US" sz="2400" b="1" dirty="0">
+                <a:solidFill>
+                  <a:srgbClr val="FFFF00"/>
+                </a:solidFill>
+              </a:rPr>
+            </a:br>
+            <a:br>
+              <a:rPr lang="en-US" dirty="0"/>
+            </a:br>
+            <a:r>
+              <a:rPr lang="en-US" b="1" dirty="0">
+                <a:solidFill>
+                  <a:srgbClr val="FF0000"/>
+                </a:solidFill>
+              </a:rPr>
+              <a:t>post_id (uuid)</a:t>
+            </a:r>
+            <a:br>
+              <a:rPr lang="en-US" dirty="0"/>
+            </a:br>
+            <a:r>
+              <a:rPr lang="en-US" dirty="0"/>
+              <a:t>username (text)</a:t>
+            </a:r>
+          </a:p>
+          <a:p>
+            <a:r>
+              <a:rPr lang="en-US" dirty="0"/>
+              <a:t>post_date (timestamp)</a:t>
+            </a:r>
+            <a:br>
+              <a:rPr lang="en-US" dirty="0"/>
+            </a:br>
+            <a:r>
+              <a:rPr lang="en-US" dirty="0"/>
+              <a:t>body (text)</a:t>
+            </a:r>
+          </a:p>
+        </p:txBody>
+      </p:sp>
+      <p:sp>
+        <p:nvSpPr>
+          <p:cNvPr id="12" name="TextBox 11"/>
+          <p:cNvSpPr txBox="1"/>
+          <p:nvPr/>
+        </p:nvSpPr>
+        <p:spPr>
+          <a:xfrm>
+            <a:off x="1271740" y="233878"/>
+            <a:ext cx="7082452" cy="830997"/>
+          </a:xfrm>
+          <a:prstGeom prst="rect">
+            <a:avLst/>
+          </a:prstGeom>
+          <a:noFill/>
+        </p:spPr>
+        <p:txBody>
+          <a:bodyPr wrap="none" rtlCol="0">
+            <a:spAutoFit/>
+          </a:bodyPr>
+          <a:lstStyle/>
+          <a:p>
+            <a:r>
+              <a:rPr lang="en-US" sz="4800" dirty="0"/>
+              <a:t>Schema for Casandra Demo</a:t>
+            </a:r>
+            <a:endParaRPr lang="en-US" sz="4800" baseline="-25000" dirty="0"/>
+          </a:p>
+        </p:txBody>
+      </p:sp>
+      <p:sp>
+        <p:nvSpPr>
+          <p:cNvPr id="13" name="Rectangle 12"/>
+          <p:cNvSpPr/>
+          <p:nvPr/>
+        </p:nvSpPr>
+        <p:spPr>
+          <a:xfrm>
+            <a:off x="6385612" y="1616136"/>
+            <a:ext cx="2061802" cy="1323709"/>
+          </a:xfrm>
+          <a:prstGeom prst="rect">
+            <a:avLst/>
+          </a:prstGeom>
+          <a:gradFill flip="none" rotWithShape="1">
+            <a:gsLst>
+              <a:gs pos="0">
+                <a:schemeClr val="accent1">
+                  <a:shade val="30000"/>
+                  <a:satMod val="115000"/>
+                </a:schemeClr>
+              </a:gs>
+              <a:gs pos="50000">
+                <a:schemeClr val="accent1">
+                  <a:shade val="67500"/>
+                  <a:satMod val="115000"/>
+                </a:schemeClr>
+              </a:gs>
+              <a:gs pos="100000">
+                <a:schemeClr val="accent1">
+                  <a:shade val="100000"/>
+                  <a:satMod val="115000"/>
+                </a:schemeClr>
+              </a:gs>
+            </a:gsLst>
+            <a:lin ang="5400000" scaled="1"/>
+            <a:tileRect/>
+          </a:gradFill>
+        </p:spPr>
+        <p:style>
+          <a:lnRef idx="2">
+            <a:schemeClr val="accent1">
+              <a:shade val="50000"/>
+            </a:schemeClr>
+          </a:lnRef>
+          <a:fillRef idx="1">
+            <a:schemeClr val="accent1"/>
+          </a:fillRef>
+          <a:effectRef idx="0">
+            <a:schemeClr val="accent1"/>
+          </a:effectRef>
+          <a:fontRef idx="minor">
+            <a:schemeClr val="lt1"/>
+          </a:fontRef>
+        </p:style>
+        <p:txBody>
+          <a:bodyPr rtlCol="0" anchor="t"/>
+          <a:lstStyle/>
+          <a:p>
+            <a:r>
+              <a:rPr lang="en-US" sz="2400" b="1" dirty="0">
+                <a:solidFill>
+                  <a:srgbClr val="FFFF00"/>
+                </a:solidFill>
+              </a:rPr>
+              <a:t>FOLLOWING</a:t>
+            </a:r>
+            <a:br>
+              <a:rPr lang="en-US" sz="2400" b="1" dirty="0">
+                <a:solidFill>
+                  <a:srgbClr val="FFFF00"/>
+                </a:solidFill>
+              </a:rPr>
+            </a:br>
+            <a:br>
+              <a:rPr lang="en-US" dirty="0"/>
+            </a:br>
+            <a:r>
+              <a:rPr lang="en-US" b="1" dirty="0">
+                <a:solidFill>
+                  <a:srgbClr val="FF0000"/>
+                </a:solidFill>
+              </a:rPr>
+              <a:t>username (text)</a:t>
+            </a:r>
+            <a:br>
+              <a:rPr lang="en-US" dirty="0"/>
+            </a:br>
+            <a:r>
+              <a:rPr lang="en-US" dirty="0"/>
+              <a:t>followed (set {text})</a:t>
+            </a:r>
           </a:p>
         </p:txBody>
       </p:sp>
     </p:spTree>
     <p:extLst>
       <p:ext uri="{BB962C8B-B14F-4D97-AF65-F5344CB8AC3E}">
-        <p14:creationId xmlns:p14="http://schemas.microsoft.com/office/powerpoint/2010/main" val="2546500980"/>
+        <p14:creationId xmlns:p14="http://schemas.microsoft.com/office/powerpoint/2010/main" val="4087515015"/>
       </p:ext>
     </p:extLst>
   </p:cSld>
@@ -14761,15 +15013,61 @@
           <a:p>
             <a:r>
               <a:rPr lang="en-US" dirty="0"/>
-              <a:t>When To Use?</a:t>
-            </a:r>
+              <a:t>Things specific to Cassandra</a:t>
+            </a:r>
+          </a:p>
+        </p:txBody>
+      </p:sp>
+      <p:sp>
+        <p:nvSpPr>
+          <p:cNvPr id="3" name="Content Placeholder 2"/>
+          <p:cNvSpPr>
+            <a:spLocks noGrp="1"/>
+          </p:cNvSpPr>
+          <p:nvPr>
+            <p:ph idx="1"/>
+          </p:nvPr>
+        </p:nvSpPr>
+        <p:spPr/>
+        <p:txBody>
+          <a:bodyPr/>
+          <a:lstStyle/>
+          <a:p>
+            <a:r>
+              <a:rPr lang="en-US" dirty="0"/>
+              <a:t>Optimizes on fast and durable writes.</a:t>
+            </a:r>
+          </a:p>
+          <a:p>
+            <a:r>
+              <a:rPr lang="en-US" dirty="0"/>
+              <a:t>Underlying data structure: Bloom Filter</a:t>
+            </a:r>
+          </a:p>
+          <a:p>
+            <a:r>
+              <a:rPr lang="en-US" dirty="0"/>
+              <a:t>There a local mode for Windows (community edition). And its free.</a:t>
+            </a:r>
+          </a:p>
+          <a:p>
+            <a:r>
+              <a:rPr lang="en-US" dirty="0"/>
+              <a:t>Has CQL which is like SQL (not all wide column are this nice!)</a:t>
+            </a:r>
+          </a:p>
+          <a:p>
+            <a:endParaRPr lang="en-US" dirty="0"/>
+          </a:p>
+          <a:p>
+            <a:endParaRPr lang="en-US" dirty="0"/>
           </a:p>
         </p:txBody>
       </p:sp>
     </p:spTree>
     <p:extLst>
       <p:ext uri="{BB962C8B-B14F-4D97-AF65-F5344CB8AC3E}">
-        <p14:creationId xmlns:p14="http://schemas.microsoft.com/office/powerpoint/2010/main" val="4043290513"/>
+        <p14:creationId xmlns:p14="http://schemas.microsoft.com/office/powerpoint/2010/main" val="2546500980"/>
       </p:ext>
     </p:extLst>
   </p:cSld>
@@ -14798,7 +15096,7 @@
       </p:grpSpPr>
       <p:sp>
         <p:nvSpPr>
-          <p:cNvPr id="2" name="Title 1"/>
+          <p:cNvPr id="6" name="Title 1"/>
           <p:cNvSpPr>
             <a:spLocks noGrp="1"/>
           </p:cNvSpPr>
@@ -14806,14 +15104,119 @@
             <p:ph type="title"/>
           </p:nvPr>
         </p:nvSpPr>
-        <p:spPr/>
-        <p:txBody>
-          <a:bodyPr/>
-          <a:lstStyle/>
-          <a:p>
+        <p:spPr>
+          <a:xfrm>
+            <a:off x="2667000" y="457200"/>
+            <a:ext cx="6781800" cy="1066800"/>
+          </a:xfrm>
+        </p:spPr>
+        <p:txBody>
+          <a:bodyPr>
+            <a:normAutofit/>
+          </a:bodyPr>
+          <a:lstStyle/>
+          <a:p>
+            <a:pPr algn="ctr"/>
             <a:r>
               <a:rPr lang="en-US" dirty="0"/>
-              <a:t>When Not To Use?</a:t>
+              <a:t>Cassandra Overview</a:t>
+            </a:r>
+          </a:p>
+        </p:txBody>
+      </p:sp>
+      <p:sp>
+        <p:nvSpPr>
+          <p:cNvPr id="2" name="TextBox 1"/>
+          <p:cNvSpPr txBox="1"/>
+          <p:nvPr/>
+        </p:nvSpPr>
+        <p:spPr>
+          <a:xfrm>
+            <a:off x="2362200" y="2057401"/>
+            <a:ext cx="7086600" cy="3970318"/>
+          </a:xfrm>
+          <a:prstGeom prst="rect">
+            <a:avLst/>
+          </a:prstGeom>
+          <a:noFill/>
+        </p:spPr>
+        <p:txBody>
+          <a:bodyPr wrap="square" rtlCol="0">
+            <a:spAutoFit/>
+          </a:bodyPr>
+          <a:lstStyle/>
+          <a:p>
+            <a:pPr marL="342900" indent="-342900">
+              <a:lnSpc>
+                <a:spcPct val="150000"/>
+              </a:lnSpc>
+              <a:buFont typeface="Arial" panose="020B0604020202020204" pitchFamily="34" charset="0"/>
+              <a:buChar char="•"/>
+            </a:pPr>
+            <a:r>
+              <a:rPr lang="en-US" sz="2400" b="1" dirty="0"/>
+              <a:t>Open source distributed database management system </a:t>
+            </a:r>
+            <a:r>
+              <a:rPr lang="en-US" sz="2400" dirty="0"/>
+              <a:t>for handling huge amounts of data across many commodity systems</a:t>
+            </a:r>
+          </a:p>
+          <a:p>
+            <a:pPr marL="342900" indent="-342900">
+              <a:lnSpc>
+                <a:spcPct val="150000"/>
+              </a:lnSpc>
+              <a:buFont typeface="Arial" panose="020B0604020202020204" pitchFamily="34" charset="0"/>
+              <a:buChar char="•"/>
+            </a:pPr>
+            <a:r>
+              <a:rPr lang="en-US" sz="2400" b="1" dirty="0"/>
+              <a:t>Cassandra </a:t>
+            </a:r>
+            <a:r>
+              <a:rPr lang="en-US" sz="2400" dirty="0"/>
+              <a:t>is a “</a:t>
+            </a:r>
+            <a:r>
+              <a:rPr lang="en-US" sz="2400" b="1" dirty="0"/>
+              <a:t>NoSQL” or “Non-Relational” </a:t>
+            </a:r>
+            <a:r>
+              <a:rPr lang="en-US" sz="2400" dirty="0"/>
+              <a:t>database</a:t>
+            </a:r>
+            <a:r>
+              <a:rPr lang="en-US" sz="2400" b="1" dirty="0"/>
+              <a:t> </a:t>
+            </a:r>
+            <a:r>
+              <a:rPr lang="en-US" sz="2400" dirty="0"/>
+              <a:t>and </a:t>
+            </a:r>
+            <a:r>
+              <a:rPr lang="en-US" sz="2400" b="1" dirty="0"/>
+              <a:t> </a:t>
+            </a:r>
+            <a:r>
+              <a:rPr lang="en-US" sz="2400" dirty="0"/>
+              <a:t>can be described as a mix between a </a:t>
+            </a:r>
+            <a:r>
+              <a:rPr lang="en-US" sz="2400" b="1" dirty="0"/>
+              <a:t>“Key-value Store”</a:t>
+            </a:r>
+            <a:r>
+              <a:rPr lang="en-US" sz="2400" dirty="0"/>
+              <a:t> and a </a:t>
+            </a:r>
+            <a:r>
+              <a:rPr lang="en-US" sz="2400" b="1" dirty="0"/>
+              <a:t>“Column-Orientated” </a:t>
+            </a:r>
+            <a:r>
+              <a:rPr lang="en-US" sz="2400" dirty="0"/>
+              <a:t>database</a:t>
             </a:r>
           </a:p>
         </p:txBody>
@@ -14821,7 +15224,7 @@
     </p:spTree>
     <p:extLst>
       <p:ext uri="{BB962C8B-B14F-4D97-AF65-F5344CB8AC3E}">
-        <p14:creationId xmlns:p14="http://schemas.microsoft.com/office/powerpoint/2010/main" val="3324503949"/>
+        <p14:creationId xmlns:p14="http://schemas.microsoft.com/office/powerpoint/2010/main" val="3537640460"/>
       </p:ext>
     </p:extLst>
   </p:cSld>
@@ -15352,7 +15755,7 @@
       </p:grpSpPr>
       <p:sp>
         <p:nvSpPr>
-          <p:cNvPr id="2" name="Title 1"/>
+          <p:cNvPr id="6" name="Title 1"/>
           <p:cNvSpPr>
             <a:spLocks noGrp="1"/>
           </p:cNvSpPr>
@@ -15362,219 +15765,144 @@
         </p:nvSpPr>
         <p:spPr>
           <a:xfrm>
-            <a:off x="751572" y="176572"/>
-            <a:ext cx="3493168" cy="1007632"/>
-          </a:xfrm>
-        </p:spPr>
-        <p:txBody>
-          <a:bodyPr/>
-          <a:lstStyle/>
-          <a:p>
-            <a:r>
-              <a:rPr lang="en-US" b="1" dirty="0">
-                <a:solidFill>
-                  <a:srgbClr val="FFFF00"/>
-                </a:solidFill>
-              </a:rPr>
-              <a:t>The Checklist</a:t>
-            </a:r>
-          </a:p>
-        </p:txBody>
-      </p:sp>
-      <p:sp>
-        <p:nvSpPr>
-          <p:cNvPr id="3" name="Content Placeholder 2"/>
-          <p:cNvSpPr>
-            <a:spLocks noGrp="1"/>
-          </p:cNvSpPr>
-          <p:nvPr>
-            <p:ph idx="1"/>
-          </p:nvPr>
-        </p:nvSpPr>
-        <p:spPr>
-          <a:xfrm>
-            <a:off x="389224" y="1184204"/>
-            <a:ext cx="10872334" cy="5149219"/>
+            <a:off x="2362200" y="457200"/>
+            <a:ext cx="7620000" cy="1066800"/>
           </a:xfrm>
         </p:spPr>
         <p:txBody>
           <a:bodyPr>
-            <a:normAutofit fontScale="62500" lnSpcReduction="20000"/>
+            <a:normAutofit fontScale="90000"/>
           </a:bodyPr>
           <a:lstStyle/>
           <a:p>
-            <a:pPr marL="514350" indent="-514350">
-              <a:buFont typeface="+mj-lt"/>
-              <a:buAutoNum type="arabicPeriod"/>
+            <a:pPr algn="ctr"/>
+            <a:r>
+              <a:rPr lang="en-US" dirty="0"/>
+              <a:t>Where Did Cassandra Come From?</a:t>
+            </a:r>
+          </a:p>
+        </p:txBody>
+      </p:sp>
+      <p:sp>
+        <p:nvSpPr>
+          <p:cNvPr id="2" name="TextBox 1"/>
+          <p:cNvSpPr txBox="1"/>
+          <p:nvPr/>
+        </p:nvSpPr>
+        <p:spPr>
+          <a:xfrm>
+            <a:off x="2362200" y="2057401"/>
+            <a:ext cx="7086600" cy="3139321"/>
+          </a:xfrm>
+          <a:prstGeom prst="rect">
+            <a:avLst/>
+          </a:prstGeom>
+          <a:noFill/>
+        </p:spPr>
+        <p:txBody>
+          <a:bodyPr wrap="square" rtlCol="0">
+            <a:spAutoFit/>
+          </a:bodyPr>
+          <a:lstStyle/>
+          <a:p>
+            <a:pPr marL="342900" indent="-342900">
+              <a:lnSpc>
+                <a:spcPct val="150000"/>
+              </a:lnSpc>
+              <a:buFont typeface="Arial" panose="020B0604020202020204" pitchFamily="34" charset="0"/>
+              <a:buChar char="•"/>
             </a:pPr>
             <a:r>
-              <a:rPr lang="en-US" dirty="0"/>
-              <a:t>What category does this belong in? (Relational, Key-Value, Document, Graph, Columnar, Hybrid, Other)</a:t>
-            </a:r>
-          </a:p>
-          <a:p>
-            <a:pPr marL="514350" indent="-514350">
-              <a:buFont typeface="+mj-lt"/>
-              <a:buAutoNum type="arabicPeriod"/>
+              <a:rPr lang="en-US" sz="2200" dirty="0"/>
+              <a:t>Cassandra was initially created at Facebook</a:t>
+            </a:r>
+          </a:p>
+          <a:p>
+            <a:pPr marL="342900" indent="-342900">
+              <a:lnSpc>
+                <a:spcPct val="150000"/>
+              </a:lnSpc>
+              <a:buFont typeface="Arial" panose="020B0604020202020204" pitchFamily="34" charset="0"/>
+              <a:buChar char="•"/>
             </a:pPr>
             <a:r>
-              <a:rPr lang="en-US" dirty="0"/>
-              <a:t>What does this optimize on (i.e. do very well)? Reads, writes, transactions?</a:t>
-            </a:r>
-          </a:p>
-          <a:p>
-            <a:pPr marL="514350" indent="-514350">
-              <a:buFont typeface="+mj-lt"/>
-              <a:buAutoNum type="arabicPeriod"/>
+              <a:rPr lang="en-US" sz="2200" dirty="0"/>
+              <a:t>Combination of Google Big Table and Amazon Dynamo</a:t>
+            </a:r>
+          </a:p>
+          <a:p>
+            <a:pPr marL="342900" indent="-342900">
+              <a:lnSpc>
+                <a:spcPct val="150000"/>
+              </a:lnSpc>
+              <a:buFont typeface="Arial" panose="020B0604020202020204" pitchFamily="34" charset="0"/>
+              <a:buChar char="•"/>
             </a:pPr>
             <a:r>
-              <a:rPr lang="en-US" dirty="0"/>
-              <a:t>Is there a REST API? An SDK? Some native querying language?</a:t>
-            </a:r>
-          </a:p>
-          <a:p>
-            <a:pPr marL="514350" indent="-514350">
-              <a:buFont typeface="+mj-lt"/>
-              <a:buAutoNum type="arabicPeriod"/>
+              <a:rPr lang="en-US" sz="2200" dirty="0"/>
+              <a:t>It was created to power the </a:t>
+            </a:r>
+            <a:r>
+              <a:rPr lang="en-US" sz="2200" b="1" dirty="0"/>
+              <a:t>“Inbox Search” </a:t>
+            </a:r>
+            <a:r>
+              <a:rPr lang="en-US" sz="2200" dirty="0"/>
+              <a:t>feature</a:t>
+            </a:r>
+          </a:p>
+          <a:p>
+            <a:pPr marL="342900" indent="-342900">
+              <a:lnSpc>
+                <a:spcPct val="150000"/>
+              </a:lnSpc>
+              <a:buFont typeface="Arial" panose="020B0604020202020204" pitchFamily="34" charset="0"/>
+              <a:buChar char="•"/>
             </a:pPr>
             <a:r>
-              <a:rPr lang="en-US" dirty="0"/>
-              <a:t>Is the data format human readable: XML, JSON, etc. </a:t>
-            </a:r>
-          </a:p>
-          <a:p>
-            <a:pPr marL="514350" indent="-514350">
-              <a:buFont typeface="+mj-lt"/>
-              <a:buAutoNum type="arabicPeriod"/>
+              <a:rPr lang="en-US" sz="2200" dirty="0"/>
+              <a:t>Cassandra was released as open source in </a:t>
+            </a:r>
+            <a:r>
+              <a:rPr lang="en-US" sz="2200" b="1" dirty="0"/>
+              <a:t>July of 2008</a:t>
+            </a:r>
+          </a:p>
+          <a:p>
+            <a:pPr marL="342900" indent="-342900">
+              <a:lnSpc>
+                <a:spcPct val="150000"/>
+              </a:lnSpc>
+              <a:buFont typeface="Arial" panose="020B0604020202020204" pitchFamily="34" charset="0"/>
+              <a:buChar char="•"/>
             </a:pPr>
             <a:r>
-              <a:rPr lang="en-US" dirty="0"/>
-              <a:t>Can it run on Windows? Linux? PAAS (Azure)?</a:t>
-            </a:r>
-          </a:p>
-          <a:p>
-            <a:pPr marL="514350" indent="-514350">
-              <a:buFont typeface="+mj-lt"/>
-              <a:buAutoNum type="arabicPeriod"/>
-            </a:pPr>
-            <a:r>
-              <a:rPr lang="en-US" dirty="0"/>
-              <a:t>Where does it fall on the CAP spectrum?</a:t>
-            </a:r>
-          </a:p>
-          <a:p>
-            <a:pPr marL="514350" indent="-514350">
-              <a:buFont typeface="+mj-lt"/>
-              <a:buAutoNum type="arabicPeriod"/>
-            </a:pPr>
-            <a:r>
-              <a:rPr lang="en-US" dirty="0"/>
-              <a:t>Auto-create database? Auto-create collections?</a:t>
-            </a:r>
-          </a:p>
-          <a:p>
-            <a:pPr marL="514350" indent="-514350">
-              <a:buFont typeface="+mj-lt"/>
-              <a:buAutoNum type="arabicPeriod"/>
-            </a:pPr>
-            <a:r>
-              <a:rPr lang="en-US" dirty="0"/>
-              <a:t>Is there a local mode?</a:t>
-            </a:r>
-          </a:p>
-          <a:p>
-            <a:pPr marL="514350" indent="-514350">
-              <a:buFont typeface="+mj-lt"/>
-              <a:buAutoNum type="arabicPeriod"/>
-            </a:pPr>
-            <a:r>
-              <a:rPr lang="en-US" dirty="0"/>
-              <a:t>Type of Indexing (Hash, B-tree, something else)</a:t>
-            </a:r>
-          </a:p>
-          <a:p>
-            <a:pPr marL="514350" indent="-514350">
-              <a:buFont typeface="+mj-lt"/>
-              <a:buAutoNum type="arabicPeriod"/>
-            </a:pPr>
-            <a:r>
-              <a:rPr lang="en-US" dirty="0"/>
-              <a:t>Does it support full-text search?</a:t>
-            </a:r>
-          </a:p>
-          <a:p>
-            <a:pPr marL="514350" indent="-514350">
-              <a:buFont typeface="+mj-lt"/>
-              <a:buAutoNum type="arabicPeriod"/>
-            </a:pPr>
-            <a:r>
-              <a:rPr lang="en-US" dirty="0"/>
-              <a:t>How does it scale? Support sharding?</a:t>
-            </a:r>
-          </a:p>
-          <a:p>
-            <a:pPr marL="514350" indent="-514350">
-              <a:buFont typeface="+mj-lt"/>
-              <a:buAutoNum type="arabicPeriod"/>
-            </a:pPr>
-            <a:r>
-              <a:rPr lang="en-US" dirty="0"/>
-              <a:t>How does it replicate? Master-slave or peer-peer?</a:t>
-            </a:r>
-          </a:p>
-          <a:p>
-            <a:pPr marL="514350" indent="-514350">
-              <a:buFont typeface="+mj-lt"/>
-              <a:buAutoNum type="arabicPeriod"/>
-            </a:pPr>
-            <a:r>
-              <a:rPr lang="en-US" dirty="0"/>
-              <a:t>Open Source?</a:t>
-            </a:r>
-          </a:p>
-          <a:p>
-            <a:pPr marL="514350" indent="-514350">
-              <a:buFont typeface="+mj-lt"/>
-              <a:buAutoNum type="arabicPeriod"/>
-            </a:pPr>
-            <a:r>
-              <a:rPr lang="en-US" dirty="0"/>
-              <a:t>Cost? If cloud based, how is this billed?</a:t>
-            </a:r>
-          </a:p>
-          <a:p>
-            <a:pPr marL="514350" indent="-514350">
-              <a:buFont typeface="+mj-lt"/>
-              <a:buAutoNum type="arabicPeriod"/>
-            </a:pPr>
-            <a:r>
-              <a:rPr lang="en-US" dirty="0"/>
-              <a:t>What kind of tooling is available? GUI based?</a:t>
-            </a:r>
-          </a:p>
-          <a:p>
-            <a:pPr marL="514350" indent="-514350">
-              <a:buFont typeface="+mj-lt"/>
-              <a:buAutoNum type="arabicPeriod"/>
-            </a:pPr>
-            <a:r>
-              <a:rPr lang="en-US" dirty="0"/>
-              <a:t>What are my options for technical support?</a:t>
-            </a:r>
-          </a:p>
-          <a:p>
-            <a:pPr marL="514350" indent="-514350">
-              <a:buFont typeface="+mj-lt"/>
-              <a:buAutoNum type="arabicPeriod"/>
-            </a:pPr>
-            <a:endParaRPr lang="en-US" dirty="0"/>
+              <a:rPr lang="en-US" sz="2200" dirty="0"/>
+              <a:t>It became an </a:t>
+            </a:r>
+            <a:r>
+              <a:rPr lang="en-US" sz="2200" b="1" dirty="0"/>
+              <a:t>Apache Incubator </a:t>
+            </a:r>
+            <a:r>
+              <a:rPr lang="en-US" sz="2200" dirty="0"/>
+              <a:t>project in </a:t>
+            </a:r>
+            <a:r>
+              <a:rPr lang="en-US" sz="2200" b="1" dirty="0"/>
+              <a:t>February of 2009</a:t>
+            </a:r>
+            <a:r>
+              <a:rPr lang="en-US" sz="2200" dirty="0"/>
+              <a:t> and It became a full level project a year after that</a:t>
+            </a:r>
           </a:p>
         </p:txBody>
       </p:sp>
     </p:spTree>
     <p:extLst>
       <p:ext uri="{BB962C8B-B14F-4D97-AF65-F5344CB8AC3E}">
-        <p14:creationId xmlns:p14="http://schemas.microsoft.com/office/powerpoint/2010/main" val="2388893766"/>
+        <p14:creationId xmlns:p14="http://schemas.microsoft.com/office/powerpoint/2010/main" val="3686043113"/>
       </p:ext>
     </p:extLst>
   </p:cSld>
@@ -15603,175 +15931,44 @@
       </p:grpSpPr>
       <p:sp>
         <p:nvSpPr>
-          <p:cNvPr id="5" name="Rounded Rectangle 4"/>
-          <p:cNvSpPr/>
-          <p:nvPr/>
-        </p:nvSpPr>
-        <p:spPr>
-          <a:xfrm>
-            <a:off x="4210488" y="2367815"/>
-            <a:ext cx="3368842" cy="1299411"/>
-          </a:xfrm>
-          <a:prstGeom prst="roundRect">
-            <a:avLst/>
-          </a:prstGeom>
-          <a:effectLst>
-            <a:glow rad="63500">
-              <a:schemeClr val="accent1">
-                <a:satMod val="175000"/>
-                <a:alpha val="40000"/>
-              </a:schemeClr>
-            </a:glow>
-          </a:effectLst>
-        </p:spPr>
-        <p:style>
-          <a:lnRef idx="2">
-            <a:schemeClr val="accent1">
-              <a:shade val="50000"/>
-            </a:schemeClr>
-          </a:lnRef>
-          <a:fillRef idx="1">
-            <a:schemeClr val="accent1"/>
-          </a:fillRef>
-          <a:effectRef idx="0">
-            <a:schemeClr val="accent1"/>
-          </a:effectRef>
-          <a:fontRef idx="minor">
-            <a:schemeClr val="lt1"/>
-          </a:fontRef>
-        </p:style>
-        <p:txBody>
-          <a:bodyPr rtlCol="0" anchor="ctr"/>
+          <p:cNvPr id="6" name="Title 1"/>
+          <p:cNvSpPr>
+            <a:spLocks noGrp="1"/>
+          </p:cNvSpPr>
+          <p:nvPr>
+            <p:ph type="title"/>
+          </p:nvPr>
+        </p:nvSpPr>
+        <p:spPr>
+          <a:xfrm>
+            <a:off x="2362200" y="457200"/>
+            <a:ext cx="7620000" cy="1066800"/>
+          </a:xfrm>
+        </p:spPr>
+        <p:txBody>
+          <a:bodyPr>
+            <a:normAutofit/>
+          </a:bodyPr>
           <a:lstStyle/>
           <a:p>
             <a:pPr algn="ctr"/>
             <a:r>
-              <a:rPr lang="en-US" sz="4400" dirty="0"/>
-              <a:t>Familiar</a:t>
-            </a:r>
-          </a:p>
-        </p:txBody>
-      </p:sp>
-      <p:sp>
-        <p:nvSpPr>
-          <p:cNvPr id="8" name="Rounded Rectangle 7"/>
-          <p:cNvSpPr/>
-          <p:nvPr/>
-        </p:nvSpPr>
-        <p:spPr>
-          <a:xfrm>
-            <a:off x="519764" y="4812632"/>
-            <a:ext cx="3627120" cy="1357162"/>
-          </a:xfrm>
-          <a:prstGeom prst="roundRect">
-            <a:avLst/>
-          </a:prstGeom>
-          <a:solidFill>
-            <a:schemeClr val="accent2">
-              <a:lumMod val="75000"/>
-            </a:schemeClr>
-          </a:solidFill>
-          <a:effectLst>
-            <a:glow rad="63500">
-              <a:schemeClr val="accent1">
-                <a:satMod val="175000"/>
-                <a:alpha val="40000"/>
-              </a:schemeClr>
-            </a:glow>
-          </a:effectLst>
-        </p:spPr>
-        <p:style>
-          <a:lnRef idx="2">
-            <a:schemeClr val="accent1">
-              <a:shade val="50000"/>
-            </a:schemeClr>
-          </a:lnRef>
-          <a:fillRef idx="1">
-            <a:schemeClr val="accent1"/>
-          </a:fillRef>
-          <a:effectRef idx="0">
-            <a:schemeClr val="accent1"/>
-          </a:effectRef>
-          <a:fontRef idx="minor">
-            <a:schemeClr val="lt1"/>
-          </a:fontRef>
-        </p:style>
-        <p:txBody>
-          <a:bodyPr rtlCol="0" anchor="ctr"/>
-          <a:lstStyle/>
-          <a:p>
-            <a:pPr algn="ctr"/>
-            <a:r>
-              <a:rPr lang="en-US" sz="4400" dirty="0"/>
-              <a:t>Transactional</a:t>
-            </a:r>
-          </a:p>
-        </p:txBody>
-      </p:sp>
-      <p:sp>
-        <p:nvSpPr>
-          <p:cNvPr id="9" name="Rounded Rectangle 8"/>
-          <p:cNvSpPr/>
-          <p:nvPr/>
-        </p:nvSpPr>
-        <p:spPr>
-          <a:xfrm>
-            <a:off x="7623208" y="4649003"/>
-            <a:ext cx="3397718" cy="1453413"/>
-          </a:xfrm>
-          <a:prstGeom prst="roundRect">
-            <a:avLst/>
-          </a:prstGeom>
-          <a:solidFill>
-            <a:srgbClr val="FF0000"/>
-          </a:solidFill>
-          <a:effectLst>
-            <a:glow rad="63500">
-              <a:schemeClr val="accent1">
-                <a:satMod val="175000"/>
-                <a:alpha val="40000"/>
-              </a:schemeClr>
-            </a:glow>
-          </a:effectLst>
-        </p:spPr>
-        <p:style>
-          <a:lnRef idx="2">
-            <a:schemeClr val="accent1">
-              <a:shade val="50000"/>
-            </a:schemeClr>
-          </a:lnRef>
-          <a:fillRef idx="1">
-            <a:schemeClr val="accent1"/>
-          </a:fillRef>
-          <a:effectRef idx="0">
-            <a:schemeClr val="accent1"/>
-          </a:effectRef>
-          <a:fontRef idx="minor">
-            <a:schemeClr val="lt1"/>
-          </a:fontRef>
-        </p:style>
-        <p:txBody>
-          <a:bodyPr rtlCol="0" anchor="ctr"/>
-          <a:lstStyle/>
-          <a:p>
-            <a:pPr algn="ctr"/>
-            <a:r>
-              <a:rPr lang="en-US" sz="4400" dirty="0"/>
-              <a:t>Sandboxed</a:t>
-            </a:r>
-          </a:p>
-        </p:txBody>
-      </p:sp>
-      <p:sp>
-        <p:nvSpPr>
-          <p:cNvPr id="10" name="TextBox 9"/>
+              <a:rPr lang="en-US" dirty="0"/>
+              <a:t>Cassandra Architecture</a:t>
+            </a:r>
+          </a:p>
+        </p:txBody>
+      </p:sp>
+      <p:sp>
+        <p:nvSpPr>
+          <p:cNvPr id="2" name="TextBox 1"/>
           <p:cNvSpPr txBox="1"/>
           <p:nvPr/>
         </p:nvSpPr>
         <p:spPr>
           <a:xfrm>
-            <a:off x="673768" y="370375"/>
-            <a:ext cx="10442282" cy="1015663"/>
+            <a:off x="2362200" y="1905000"/>
+            <a:ext cx="7086600" cy="4154984"/>
           </a:xfrm>
           <a:prstGeom prst="rect">
             <a:avLst/>
@@ -15779,26 +15976,137 @@
           <a:noFill/>
         </p:spPr>
         <p:txBody>
-          <a:bodyPr wrap="none" rtlCol="0">
+          <a:bodyPr wrap="square" rtlCol="0">
             <a:spAutoFit/>
           </a:bodyPr>
           <a:lstStyle/>
           <a:p>
-            <a:r>
-              <a:rPr lang="en-US" sz="6000" dirty="0">
-                <a:solidFill>
-                  <a:srgbClr val="FFFF00"/>
-                </a:solidFill>
-              </a:rPr>
-              <a:t>Programmability in DocumentDB</a:t>
-            </a:r>
-          </a:p>
-        </p:txBody>
-      </p:sp>
+            <a:pPr marL="342900" indent="-342900">
+              <a:lnSpc>
+                <a:spcPct val="150000"/>
+              </a:lnSpc>
+              <a:buFont typeface="Arial" panose="020B0604020202020204" pitchFamily="34" charset="0"/>
+              <a:buChar char="•"/>
+            </a:pPr>
+            <a:r>
+              <a:rPr lang="en-US" sz="2200" dirty="0"/>
+              <a:t>Built with the understanding that hardware &amp; software failures can happen</a:t>
+            </a:r>
+          </a:p>
+          <a:p>
+            <a:pPr marL="342900" indent="-342900">
+              <a:lnSpc>
+                <a:spcPct val="150000"/>
+              </a:lnSpc>
+              <a:buFont typeface="Arial" panose="020B0604020202020204" pitchFamily="34" charset="0"/>
+              <a:buChar char="•"/>
+            </a:pPr>
+            <a:r>
+              <a:rPr lang="en-US" sz="2200" dirty="0"/>
+              <a:t>Peer to Peer Architecture</a:t>
+            </a:r>
+          </a:p>
+          <a:p>
+            <a:pPr marL="342900" indent="-342900">
+              <a:lnSpc>
+                <a:spcPct val="150000"/>
+              </a:lnSpc>
+              <a:buFont typeface="Arial" panose="020B0604020202020204" pitchFamily="34" charset="0"/>
+              <a:buChar char="•"/>
+            </a:pPr>
+            <a:r>
+              <a:rPr lang="en-US" sz="2200" dirty="0"/>
+              <a:t>All nodes are the same</a:t>
+            </a:r>
+          </a:p>
+          <a:p>
+            <a:pPr marL="342900" indent="-342900">
+              <a:lnSpc>
+                <a:spcPct val="150000"/>
+              </a:lnSpc>
+              <a:buFont typeface="Arial" panose="020B0604020202020204" pitchFamily="34" charset="0"/>
+              <a:buChar char="•"/>
+            </a:pPr>
+            <a:r>
+              <a:rPr lang="en-US" sz="2200" dirty="0"/>
+              <a:t>Read/Write Anywhere</a:t>
+            </a:r>
+          </a:p>
+          <a:p>
+            <a:pPr marL="342900" indent="-342900">
+              <a:lnSpc>
+                <a:spcPct val="150000"/>
+              </a:lnSpc>
+              <a:buFont typeface="Arial" panose="020B0604020202020204" pitchFamily="34" charset="0"/>
+              <a:buChar char="•"/>
+            </a:pPr>
+            <a:r>
+              <a:rPr lang="en-US" sz="2200" dirty="0"/>
+              <a:t>Gossip Protocol</a:t>
+            </a:r>
+          </a:p>
+          <a:p>
+            <a:pPr marL="342900" indent="-342900">
+              <a:lnSpc>
+                <a:spcPct val="150000"/>
+              </a:lnSpc>
+              <a:buFont typeface="Arial" panose="020B0604020202020204" pitchFamily="34" charset="0"/>
+              <a:buChar char="•"/>
+            </a:pPr>
+            <a:r>
+              <a:rPr lang="en-US" sz="2200" dirty="0"/>
+              <a:t>Commit Log Captures All Activity</a:t>
+            </a:r>
+          </a:p>
+          <a:p>
+            <a:pPr marL="342900" indent="-342900">
+              <a:lnSpc>
+                <a:spcPct val="150000"/>
+              </a:lnSpc>
+              <a:buFont typeface="Arial" panose="020B0604020202020204" pitchFamily="34" charset="0"/>
+              <a:buChar char="•"/>
+            </a:pPr>
+            <a:r>
+              <a:rPr lang="en-US" sz="2200" dirty="0"/>
+              <a:t>Well suited for cloud deployments</a:t>
+            </a:r>
+          </a:p>
+        </p:txBody>
+      </p:sp>
+      <p:pic>
+        <p:nvPicPr>
+          <p:cNvPr id="3" name="Picture 2"/>
+          <p:cNvPicPr>
+            <a:picLocks noChangeAspect="1"/>
+          </p:cNvPicPr>
+          <p:nvPr/>
+        </p:nvPicPr>
+        <p:blipFill>
+          <a:blip r:embed="rId2">
+            <a:extLst>
+              <a:ext uri="{28A0092B-C50C-407E-A947-70E740481C1C}">
+                <a14:useLocalDpi xmlns:a14="http://schemas.microsoft.com/office/drawing/2010/main" val="0"/>
+              </a:ext>
+            </a:extLst>
+          </a:blip>
+          <a:stretch>
+            <a:fillRect/>
+          </a:stretch>
+        </p:blipFill>
+        <p:spPr>
+          <a:xfrm>
+            <a:off x="6400801" y="2955510"/>
+            <a:ext cx="3840979" cy="2749043"/>
+          </a:xfrm>
+          <a:prstGeom prst="rect">
+            <a:avLst/>
+          </a:prstGeom>
+        </p:spPr>
+      </p:pic>
     </p:spTree>
     <p:extLst>
       <p:ext uri="{BB962C8B-B14F-4D97-AF65-F5344CB8AC3E}">
-        <p14:creationId xmlns:p14="http://schemas.microsoft.com/office/powerpoint/2010/main" val="3748666209"/>
+        <p14:creationId xmlns:p14="http://schemas.microsoft.com/office/powerpoint/2010/main" val="2834481071"/>
       </p:ext>
     </p:extLst>
   </p:cSld>
@@ -15827,6 +16135,810 @@
       </p:grpSpPr>
       <p:sp>
         <p:nvSpPr>
+          <p:cNvPr id="6" name="Title 1"/>
+          <p:cNvSpPr>
+            <a:spLocks noGrp="1"/>
+          </p:cNvSpPr>
+          <p:nvPr>
+            <p:ph type="title"/>
+          </p:nvPr>
+        </p:nvSpPr>
+        <p:spPr>
+          <a:xfrm>
+            <a:off x="2362200" y="457200"/>
+            <a:ext cx="7620000" cy="1066800"/>
+          </a:xfrm>
+        </p:spPr>
+        <p:txBody>
+          <a:bodyPr>
+            <a:normAutofit/>
+          </a:bodyPr>
+          <a:lstStyle/>
+          <a:p>
+            <a:pPr algn="ctr"/>
+            <a:r>
+              <a:rPr lang="en-US" dirty="0"/>
+              <a:t>Features of Cassandra</a:t>
+            </a:r>
+          </a:p>
+        </p:txBody>
+      </p:sp>
+      <p:sp>
+        <p:nvSpPr>
+          <p:cNvPr id="2" name="TextBox 1"/>
+          <p:cNvSpPr txBox="1"/>
+          <p:nvPr/>
+        </p:nvSpPr>
+        <p:spPr>
+          <a:xfrm>
+            <a:off x="2362200" y="2057400"/>
+            <a:ext cx="7086600" cy="3785652"/>
+          </a:xfrm>
+          <a:prstGeom prst="rect">
+            <a:avLst/>
+          </a:prstGeom>
+          <a:noFill/>
+        </p:spPr>
+        <p:txBody>
+          <a:bodyPr wrap="square" rtlCol="0">
+            <a:spAutoFit/>
+          </a:bodyPr>
+          <a:lstStyle/>
+          <a:p>
+            <a:pPr marL="342900" indent="-342900">
+              <a:lnSpc>
+                <a:spcPct val="150000"/>
+              </a:lnSpc>
+              <a:buFont typeface="Arial" panose="020B0604020202020204" pitchFamily="34" charset="0"/>
+              <a:buChar char="•"/>
+            </a:pPr>
+            <a:r>
+              <a:rPr lang="en-US" sz="2000" b="1" dirty="0"/>
+              <a:t>Decentralized</a:t>
+            </a:r>
+            <a:r>
+              <a:rPr lang="en-US" sz="2000" dirty="0"/>
+              <a:t> – No master &amp; no single point of failure. Data is distributed across the cluster</a:t>
+            </a:r>
+          </a:p>
+          <a:p>
+            <a:pPr marL="342900" indent="-342900">
+              <a:lnSpc>
+                <a:spcPct val="150000"/>
+              </a:lnSpc>
+              <a:buFont typeface="Arial" panose="020B0604020202020204" pitchFamily="34" charset="0"/>
+              <a:buChar char="•"/>
+            </a:pPr>
+            <a:r>
+              <a:rPr lang="en-US" sz="2000" b="1" dirty="0"/>
+              <a:t>Replication</a:t>
+            </a:r>
+            <a:r>
+              <a:rPr lang="en-US" sz="2000" dirty="0"/>
+              <a:t> – Tailored for multiple-data center deployment</a:t>
+            </a:r>
+          </a:p>
+          <a:p>
+            <a:pPr marL="342900" indent="-342900">
+              <a:lnSpc>
+                <a:spcPct val="150000"/>
+              </a:lnSpc>
+              <a:buFont typeface="Arial" panose="020B0604020202020204" pitchFamily="34" charset="0"/>
+              <a:buChar char="•"/>
+            </a:pPr>
+            <a:r>
+              <a:rPr lang="en-US" sz="2000" b="1" dirty="0"/>
+              <a:t>Scalability </a:t>
+            </a:r>
+            <a:r>
+              <a:rPr lang="en-US" sz="2000" dirty="0"/>
+              <a:t>– New machines can easily be added with no downtime or interruption</a:t>
+            </a:r>
+          </a:p>
+          <a:p>
+            <a:pPr marL="342900" indent="-342900">
+              <a:lnSpc>
+                <a:spcPct val="150000"/>
+              </a:lnSpc>
+              <a:buFont typeface="Arial" panose="020B0604020202020204" pitchFamily="34" charset="0"/>
+              <a:buChar char="•"/>
+            </a:pPr>
+            <a:r>
+              <a:rPr lang="en-US" sz="2000" dirty="0"/>
+              <a:t> </a:t>
+            </a:r>
+            <a:r>
+              <a:rPr lang="en-US" sz="2000" b="1" dirty="0"/>
+              <a:t>Fault Tolerance </a:t>
+            </a:r>
+            <a:r>
+              <a:rPr lang="en-US" sz="2000" dirty="0"/>
+              <a:t>– Failed nodes can be replaced with no downtime</a:t>
+            </a:r>
+          </a:p>
+          <a:p>
+            <a:pPr marL="342900" indent="-342900">
+              <a:lnSpc>
+                <a:spcPct val="150000"/>
+              </a:lnSpc>
+              <a:buFont typeface="Arial" panose="020B0604020202020204" pitchFamily="34" charset="0"/>
+              <a:buChar char="•"/>
+            </a:pPr>
+            <a:r>
+              <a:rPr lang="en-US" sz="2000" b="1" dirty="0"/>
+              <a:t>Cassandra Query Language (CQL) </a:t>
+            </a:r>
+            <a:r>
+              <a:rPr lang="en-US" sz="2000" dirty="0"/>
+              <a:t>– An SQL-like alternative</a:t>
+            </a:r>
+          </a:p>
+        </p:txBody>
+      </p:sp>
+    </p:spTree>
+    <p:extLst>
+      <p:ext uri="{BB962C8B-B14F-4D97-AF65-F5344CB8AC3E}">
+        <p14:creationId xmlns:p14="http://schemas.microsoft.com/office/powerpoint/2010/main" val="3008326492"/>
+      </p:ext>
+    </p:extLst>
+  </p:cSld>
+  <p:clrMapOvr>
+    <a:masterClrMapping/>
+  </p:clrMapOvr>
+</p:sld>
+</file>
+
+<file path=ppt/slides/slide43.xml><?xml version="1.0" encoding="utf-8"?>
+<p:sld xmlns:a="http://schemas.openxmlformats.org/drawingml/2006/main" xmlns:r="http://schemas.openxmlformats.org/officeDocument/2006/relationships" xmlns:p="http://schemas.openxmlformats.org/presentationml/2006/main">
+  <p:cSld>
+    <p:spTree>
+      <p:nvGrpSpPr>
+        <p:cNvPr id="1" name=""/>
+        <p:cNvGrpSpPr/>
+        <p:nvPr/>
+      </p:nvGrpSpPr>
+      <p:grpSpPr>
+        <a:xfrm>
+          <a:off x="0" y="0"/>
+          <a:ext cx="0" cy="0"/>
+          <a:chOff x="0" y="0"/>
+          <a:chExt cx="0" cy="0"/>
+        </a:xfrm>
+      </p:grpSpPr>
+      <p:sp>
+        <p:nvSpPr>
+          <p:cNvPr id="6" name="Title 1"/>
+          <p:cNvSpPr>
+            <a:spLocks noGrp="1"/>
+          </p:cNvSpPr>
+          <p:nvPr>
+            <p:ph type="title"/>
+          </p:nvPr>
+        </p:nvSpPr>
+        <p:spPr>
+          <a:xfrm>
+            <a:off x="2362200" y="457200"/>
+            <a:ext cx="7620000" cy="1066800"/>
+          </a:xfrm>
+        </p:spPr>
+        <p:txBody>
+          <a:bodyPr>
+            <a:normAutofit/>
+          </a:bodyPr>
+          <a:lstStyle/>
+          <a:p>
+            <a:pPr algn="ctr"/>
+            <a:r>
+              <a:rPr lang="en-US" dirty="0"/>
+              <a:t>CQL (Cassandra Query Language)</a:t>
+            </a:r>
+          </a:p>
+        </p:txBody>
+      </p:sp>
+      <p:sp>
+        <p:nvSpPr>
+          <p:cNvPr id="2" name="TextBox 1"/>
+          <p:cNvSpPr txBox="1"/>
+          <p:nvPr/>
+        </p:nvSpPr>
+        <p:spPr>
+          <a:xfrm>
+            <a:off x="2362200" y="2057400"/>
+            <a:ext cx="7086600" cy="3970318"/>
+          </a:xfrm>
+          <a:prstGeom prst="rect">
+            <a:avLst/>
+          </a:prstGeom>
+          <a:noFill/>
+        </p:spPr>
+        <p:txBody>
+          <a:bodyPr wrap="square" rtlCol="0">
+            <a:spAutoFit/>
+          </a:bodyPr>
+          <a:lstStyle/>
+          <a:p>
+            <a:pPr marL="342900" indent="-342900">
+              <a:lnSpc>
+                <a:spcPct val="150000"/>
+              </a:lnSpc>
+              <a:buFont typeface="Arial" panose="020B0604020202020204" pitchFamily="34" charset="0"/>
+              <a:buChar char="•"/>
+            </a:pPr>
+            <a:r>
+              <a:rPr lang="en-US" sz="2400" b="1" dirty="0"/>
+              <a:t>CQL</a:t>
+            </a:r>
+            <a:r>
+              <a:rPr lang="en-US" sz="2400" dirty="0"/>
+              <a:t> is very similar to </a:t>
+            </a:r>
+            <a:r>
+              <a:rPr lang="en-US" sz="2400" b="1" dirty="0"/>
+              <a:t>SQL </a:t>
+            </a:r>
+            <a:r>
+              <a:rPr lang="en-US" sz="2400" dirty="0"/>
+              <a:t>(Structured Query Language) in terms of syntax and commands</a:t>
+            </a:r>
+          </a:p>
+          <a:p>
+            <a:pPr marL="342900" indent="-342900">
+              <a:lnSpc>
+                <a:spcPct val="150000"/>
+              </a:lnSpc>
+              <a:buFont typeface="Arial" panose="020B0604020202020204" pitchFamily="34" charset="0"/>
+              <a:buChar char="•"/>
+            </a:pPr>
+            <a:r>
+              <a:rPr lang="en-US" sz="2400" dirty="0"/>
+              <a:t>Statements directly change data and/or change the way data is stored</a:t>
+            </a:r>
+          </a:p>
+          <a:p>
+            <a:pPr marL="342900" indent="-342900">
+              <a:lnSpc>
+                <a:spcPct val="150000"/>
+              </a:lnSpc>
+              <a:buFont typeface="Arial" panose="020B0604020202020204" pitchFamily="34" charset="0"/>
+              <a:buChar char="•"/>
+            </a:pPr>
+            <a:r>
+              <a:rPr lang="en-US" sz="2400" dirty="0"/>
+              <a:t>All statements end with a semi-colon</a:t>
+            </a:r>
+          </a:p>
+          <a:p>
+            <a:pPr>
+              <a:lnSpc>
+                <a:spcPct val="150000"/>
+              </a:lnSpc>
+            </a:pPr>
+            <a:endParaRPr lang="en-US" sz="2400" dirty="0"/>
+          </a:p>
+          <a:p>
+            <a:pPr>
+              <a:lnSpc>
+                <a:spcPct val="150000"/>
+              </a:lnSpc>
+            </a:pPr>
+            <a:r>
+              <a:rPr lang="en-US" sz="2400" dirty="0">
+                <a:solidFill>
+                  <a:schemeClr val="tx2"/>
+                </a:solidFill>
+              </a:rPr>
+              <a:t>SELECT * FROM sampletable;</a:t>
+            </a:r>
+          </a:p>
+        </p:txBody>
+      </p:sp>
+    </p:spTree>
+    <p:extLst>
+      <p:ext uri="{BB962C8B-B14F-4D97-AF65-F5344CB8AC3E}">
+        <p14:creationId xmlns:p14="http://schemas.microsoft.com/office/powerpoint/2010/main" val="3971468642"/>
+      </p:ext>
+    </p:extLst>
+  </p:cSld>
+  <p:clrMapOvr>
+    <a:masterClrMapping/>
+  </p:clrMapOvr>
+</p:sld>
+</file>
+
+<file path=ppt/slides/slide44.xml><?xml version="1.0" encoding="utf-8"?>
+<p:sld xmlns:a="http://schemas.openxmlformats.org/drawingml/2006/main" xmlns:r="http://schemas.openxmlformats.org/officeDocument/2006/relationships" xmlns:p="http://schemas.openxmlformats.org/presentationml/2006/main">
+  <p:cSld>
+    <p:spTree>
+      <p:nvGrpSpPr>
+        <p:cNvPr id="1" name=""/>
+        <p:cNvGrpSpPr/>
+        <p:nvPr/>
+      </p:nvGrpSpPr>
+      <p:grpSpPr>
+        <a:xfrm>
+          <a:off x="0" y="0"/>
+          <a:ext cx="0" cy="0"/>
+          <a:chOff x="0" y="0"/>
+          <a:chExt cx="0" cy="0"/>
+        </a:xfrm>
+      </p:grpSpPr>
+      <p:sp>
+        <p:nvSpPr>
+          <p:cNvPr id="2" name="Title 1"/>
+          <p:cNvSpPr>
+            <a:spLocks noGrp="1"/>
+          </p:cNvSpPr>
+          <p:nvPr>
+            <p:ph type="title"/>
+          </p:nvPr>
+        </p:nvSpPr>
+        <p:spPr>
+          <a:xfrm>
+            <a:off x="751572" y="176572"/>
+            <a:ext cx="3493168" cy="1007632"/>
+          </a:xfrm>
+        </p:spPr>
+        <p:txBody>
+          <a:bodyPr/>
+          <a:lstStyle/>
+          <a:p>
+            <a:r>
+              <a:rPr lang="en-US" b="1" dirty="0">
+                <a:solidFill>
+                  <a:srgbClr val="FFFF00"/>
+                </a:solidFill>
+              </a:rPr>
+              <a:t>The Checklist</a:t>
+            </a:r>
+          </a:p>
+        </p:txBody>
+      </p:sp>
+      <p:sp>
+        <p:nvSpPr>
+          <p:cNvPr id="3" name="Content Placeholder 2"/>
+          <p:cNvSpPr>
+            <a:spLocks noGrp="1"/>
+          </p:cNvSpPr>
+          <p:nvPr>
+            <p:ph idx="1"/>
+          </p:nvPr>
+        </p:nvSpPr>
+        <p:spPr>
+          <a:xfrm>
+            <a:off x="389224" y="1184204"/>
+            <a:ext cx="10872334" cy="5149219"/>
+          </a:xfrm>
+        </p:spPr>
+        <p:txBody>
+          <a:bodyPr>
+            <a:normAutofit fontScale="62500" lnSpcReduction="20000"/>
+          </a:bodyPr>
+          <a:lstStyle/>
+          <a:p>
+            <a:pPr marL="514350" indent="-514350">
+              <a:buFont typeface="+mj-lt"/>
+              <a:buAutoNum type="arabicPeriod"/>
+            </a:pPr>
+            <a:r>
+              <a:rPr lang="en-US" dirty="0"/>
+              <a:t>What category does this belong in? (Relational, Key-Value, Document, Graph, Columnar, Hybrid, Other)</a:t>
+            </a:r>
+          </a:p>
+          <a:p>
+            <a:pPr marL="514350" indent="-514350">
+              <a:buFont typeface="+mj-lt"/>
+              <a:buAutoNum type="arabicPeriod"/>
+            </a:pPr>
+            <a:r>
+              <a:rPr lang="en-US" dirty="0"/>
+              <a:t>What does this optimize on (i.e. do very well)? Reads, writes, transactions?</a:t>
+            </a:r>
+          </a:p>
+          <a:p>
+            <a:pPr marL="514350" indent="-514350">
+              <a:buFont typeface="+mj-lt"/>
+              <a:buAutoNum type="arabicPeriod"/>
+            </a:pPr>
+            <a:r>
+              <a:rPr lang="en-US" dirty="0"/>
+              <a:t>Is there a REST API? An SDK? Some native querying language?</a:t>
+            </a:r>
+          </a:p>
+          <a:p>
+            <a:pPr marL="514350" indent="-514350">
+              <a:buFont typeface="+mj-lt"/>
+              <a:buAutoNum type="arabicPeriod"/>
+            </a:pPr>
+            <a:r>
+              <a:rPr lang="en-US" dirty="0"/>
+              <a:t>Is the data format human readable: XML, JSON, etc. </a:t>
+            </a:r>
+          </a:p>
+          <a:p>
+            <a:pPr marL="514350" indent="-514350">
+              <a:buFont typeface="+mj-lt"/>
+              <a:buAutoNum type="arabicPeriod"/>
+            </a:pPr>
+            <a:r>
+              <a:rPr lang="en-US" dirty="0"/>
+              <a:t>Can it run on Windows? Linux? PAAS (Azure)?</a:t>
+            </a:r>
+          </a:p>
+          <a:p>
+            <a:pPr marL="514350" indent="-514350">
+              <a:buFont typeface="+mj-lt"/>
+              <a:buAutoNum type="arabicPeriod"/>
+            </a:pPr>
+            <a:r>
+              <a:rPr lang="en-US" dirty="0"/>
+              <a:t>Where does it fall on the CAP spectrum?</a:t>
+            </a:r>
+          </a:p>
+          <a:p>
+            <a:pPr marL="514350" indent="-514350">
+              <a:buFont typeface="+mj-lt"/>
+              <a:buAutoNum type="arabicPeriod"/>
+            </a:pPr>
+            <a:r>
+              <a:rPr lang="en-US" dirty="0"/>
+              <a:t>Auto-create database? Auto-create collections?</a:t>
+            </a:r>
+          </a:p>
+          <a:p>
+            <a:pPr marL="514350" indent="-514350">
+              <a:buFont typeface="+mj-lt"/>
+              <a:buAutoNum type="arabicPeriod"/>
+            </a:pPr>
+            <a:r>
+              <a:rPr lang="en-US" dirty="0"/>
+              <a:t>Is there a local mode?</a:t>
+            </a:r>
+          </a:p>
+          <a:p>
+            <a:pPr marL="514350" indent="-514350">
+              <a:buFont typeface="+mj-lt"/>
+              <a:buAutoNum type="arabicPeriod"/>
+            </a:pPr>
+            <a:r>
+              <a:rPr lang="en-US" dirty="0"/>
+              <a:t>Type of Indexing (Hash, B-tree, something else)</a:t>
+            </a:r>
+          </a:p>
+          <a:p>
+            <a:pPr marL="514350" indent="-514350">
+              <a:buFont typeface="+mj-lt"/>
+              <a:buAutoNum type="arabicPeriod"/>
+            </a:pPr>
+            <a:r>
+              <a:rPr lang="en-US" dirty="0"/>
+              <a:t>Does it support full-text search?</a:t>
+            </a:r>
+          </a:p>
+          <a:p>
+            <a:pPr marL="514350" indent="-514350">
+              <a:buFont typeface="+mj-lt"/>
+              <a:buAutoNum type="arabicPeriod"/>
+            </a:pPr>
+            <a:r>
+              <a:rPr lang="en-US" dirty="0"/>
+              <a:t>How does it scale? Support sharding?</a:t>
+            </a:r>
+          </a:p>
+          <a:p>
+            <a:pPr marL="514350" indent="-514350">
+              <a:buFont typeface="+mj-lt"/>
+              <a:buAutoNum type="arabicPeriod"/>
+            </a:pPr>
+            <a:r>
+              <a:rPr lang="en-US" dirty="0"/>
+              <a:t>How does it replicate? Master-slave or peer-peer?</a:t>
+            </a:r>
+          </a:p>
+          <a:p>
+            <a:pPr marL="514350" indent="-514350">
+              <a:buFont typeface="+mj-lt"/>
+              <a:buAutoNum type="arabicPeriod"/>
+            </a:pPr>
+            <a:r>
+              <a:rPr lang="en-US" dirty="0"/>
+              <a:t>Open Source?</a:t>
+            </a:r>
+          </a:p>
+          <a:p>
+            <a:pPr marL="514350" indent="-514350">
+              <a:buFont typeface="+mj-lt"/>
+              <a:buAutoNum type="arabicPeriod"/>
+            </a:pPr>
+            <a:r>
+              <a:rPr lang="en-US" dirty="0"/>
+              <a:t>Cost? If cloud based, how is this billed?</a:t>
+            </a:r>
+          </a:p>
+          <a:p>
+            <a:pPr marL="514350" indent="-514350">
+              <a:buFont typeface="+mj-lt"/>
+              <a:buAutoNum type="arabicPeriod"/>
+            </a:pPr>
+            <a:r>
+              <a:rPr lang="en-US" dirty="0"/>
+              <a:t>What kind of tooling is available? GUI based?</a:t>
+            </a:r>
+          </a:p>
+          <a:p>
+            <a:pPr marL="514350" indent="-514350">
+              <a:buFont typeface="+mj-lt"/>
+              <a:buAutoNum type="arabicPeriod"/>
+            </a:pPr>
+            <a:r>
+              <a:rPr lang="en-US" dirty="0"/>
+              <a:t>What are my options for technical support?</a:t>
+            </a:r>
+          </a:p>
+          <a:p>
+            <a:pPr marL="514350" indent="-514350">
+              <a:buFont typeface="+mj-lt"/>
+              <a:buAutoNum type="arabicPeriod"/>
+            </a:pPr>
+            <a:endParaRPr lang="en-US" dirty="0"/>
+          </a:p>
+        </p:txBody>
+      </p:sp>
+    </p:spTree>
+    <p:extLst>
+      <p:ext uri="{BB962C8B-B14F-4D97-AF65-F5344CB8AC3E}">
+        <p14:creationId xmlns:p14="http://schemas.microsoft.com/office/powerpoint/2010/main" val="2388893766"/>
+      </p:ext>
+    </p:extLst>
+  </p:cSld>
+  <p:clrMapOvr>
+    <a:masterClrMapping/>
+  </p:clrMapOvr>
+</p:sld>
+</file>
+
+<file path=ppt/slides/slide45.xml><?xml version="1.0" encoding="utf-8"?>
+<p:sld xmlns:a="http://schemas.openxmlformats.org/drawingml/2006/main" xmlns:r="http://schemas.openxmlformats.org/officeDocument/2006/relationships" xmlns:p="http://schemas.openxmlformats.org/presentationml/2006/main">
+  <p:cSld>
+    <p:spTree>
+      <p:nvGrpSpPr>
+        <p:cNvPr id="1" name=""/>
+        <p:cNvGrpSpPr/>
+        <p:nvPr/>
+      </p:nvGrpSpPr>
+      <p:grpSpPr>
+        <a:xfrm>
+          <a:off x="0" y="0"/>
+          <a:ext cx="0" cy="0"/>
+          <a:chOff x="0" y="0"/>
+          <a:chExt cx="0" cy="0"/>
+        </a:xfrm>
+      </p:grpSpPr>
+      <p:sp>
+        <p:nvSpPr>
+          <p:cNvPr id="5" name="Rounded Rectangle 4"/>
+          <p:cNvSpPr/>
+          <p:nvPr/>
+        </p:nvSpPr>
+        <p:spPr>
+          <a:xfrm>
+            <a:off x="4210488" y="2367815"/>
+            <a:ext cx="3368842" cy="1299411"/>
+          </a:xfrm>
+          <a:prstGeom prst="roundRect">
+            <a:avLst/>
+          </a:prstGeom>
+          <a:effectLst>
+            <a:glow rad="63500">
+              <a:schemeClr val="accent1">
+                <a:satMod val="175000"/>
+                <a:alpha val="40000"/>
+              </a:schemeClr>
+            </a:glow>
+          </a:effectLst>
+        </p:spPr>
+        <p:style>
+          <a:lnRef idx="2">
+            <a:schemeClr val="accent1">
+              <a:shade val="50000"/>
+            </a:schemeClr>
+          </a:lnRef>
+          <a:fillRef idx="1">
+            <a:schemeClr val="accent1"/>
+          </a:fillRef>
+          <a:effectRef idx="0">
+            <a:schemeClr val="accent1"/>
+          </a:effectRef>
+          <a:fontRef idx="minor">
+            <a:schemeClr val="lt1"/>
+          </a:fontRef>
+        </p:style>
+        <p:txBody>
+          <a:bodyPr rtlCol="0" anchor="ctr"/>
+          <a:lstStyle/>
+          <a:p>
+            <a:pPr algn="ctr"/>
+            <a:r>
+              <a:rPr lang="en-US" sz="4400" dirty="0"/>
+              <a:t>Familiar</a:t>
+            </a:r>
+          </a:p>
+        </p:txBody>
+      </p:sp>
+      <p:sp>
+        <p:nvSpPr>
+          <p:cNvPr id="8" name="Rounded Rectangle 7"/>
+          <p:cNvSpPr/>
+          <p:nvPr/>
+        </p:nvSpPr>
+        <p:spPr>
+          <a:xfrm>
+            <a:off x="519764" y="4812632"/>
+            <a:ext cx="3627120" cy="1357162"/>
+          </a:xfrm>
+          <a:prstGeom prst="roundRect">
+            <a:avLst/>
+          </a:prstGeom>
+          <a:solidFill>
+            <a:schemeClr val="accent2">
+              <a:lumMod val="75000"/>
+            </a:schemeClr>
+          </a:solidFill>
+          <a:effectLst>
+            <a:glow rad="63500">
+              <a:schemeClr val="accent1">
+                <a:satMod val="175000"/>
+                <a:alpha val="40000"/>
+              </a:schemeClr>
+            </a:glow>
+          </a:effectLst>
+        </p:spPr>
+        <p:style>
+          <a:lnRef idx="2">
+            <a:schemeClr val="accent1">
+              <a:shade val="50000"/>
+            </a:schemeClr>
+          </a:lnRef>
+          <a:fillRef idx="1">
+            <a:schemeClr val="accent1"/>
+          </a:fillRef>
+          <a:effectRef idx="0">
+            <a:schemeClr val="accent1"/>
+          </a:effectRef>
+          <a:fontRef idx="minor">
+            <a:schemeClr val="lt1"/>
+          </a:fontRef>
+        </p:style>
+        <p:txBody>
+          <a:bodyPr rtlCol="0" anchor="ctr"/>
+          <a:lstStyle/>
+          <a:p>
+            <a:pPr algn="ctr"/>
+            <a:r>
+              <a:rPr lang="en-US" sz="4400" dirty="0"/>
+              <a:t>Transactional</a:t>
+            </a:r>
+          </a:p>
+        </p:txBody>
+      </p:sp>
+      <p:sp>
+        <p:nvSpPr>
+          <p:cNvPr id="9" name="Rounded Rectangle 8"/>
+          <p:cNvSpPr/>
+          <p:nvPr/>
+        </p:nvSpPr>
+        <p:spPr>
+          <a:xfrm>
+            <a:off x="7623208" y="4649003"/>
+            <a:ext cx="3397718" cy="1453413"/>
+          </a:xfrm>
+          <a:prstGeom prst="roundRect">
+            <a:avLst/>
+          </a:prstGeom>
+          <a:solidFill>
+            <a:srgbClr val="FF0000"/>
+          </a:solidFill>
+          <a:effectLst>
+            <a:glow rad="63500">
+              <a:schemeClr val="accent1">
+                <a:satMod val="175000"/>
+                <a:alpha val="40000"/>
+              </a:schemeClr>
+            </a:glow>
+          </a:effectLst>
+        </p:spPr>
+        <p:style>
+          <a:lnRef idx="2">
+            <a:schemeClr val="accent1">
+              <a:shade val="50000"/>
+            </a:schemeClr>
+          </a:lnRef>
+          <a:fillRef idx="1">
+            <a:schemeClr val="accent1"/>
+          </a:fillRef>
+          <a:effectRef idx="0">
+            <a:schemeClr val="accent1"/>
+          </a:effectRef>
+          <a:fontRef idx="minor">
+            <a:schemeClr val="lt1"/>
+          </a:fontRef>
+        </p:style>
+        <p:txBody>
+          <a:bodyPr rtlCol="0" anchor="ctr"/>
+          <a:lstStyle/>
+          <a:p>
+            <a:pPr algn="ctr"/>
+            <a:r>
+              <a:rPr lang="en-US" sz="4400" dirty="0"/>
+              <a:t>Sandboxed</a:t>
+            </a:r>
+          </a:p>
+        </p:txBody>
+      </p:sp>
+      <p:sp>
+        <p:nvSpPr>
+          <p:cNvPr id="10" name="TextBox 9"/>
+          <p:cNvSpPr txBox="1"/>
+          <p:nvPr/>
+        </p:nvSpPr>
+        <p:spPr>
+          <a:xfrm>
+            <a:off x="673768" y="370375"/>
+            <a:ext cx="10442282" cy="1015663"/>
+          </a:xfrm>
+          <a:prstGeom prst="rect">
+            <a:avLst/>
+          </a:prstGeom>
+          <a:noFill/>
+        </p:spPr>
+        <p:txBody>
+          <a:bodyPr wrap="none" rtlCol="0">
+            <a:spAutoFit/>
+          </a:bodyPr>
+          <a:lstStyle/>
+          <a:p>
+            <a:r>
+              <a:rPr lang="en-US" sz="6000" dirty="0">
+                <a:solidFill>
+                  <a:srgbClr val="FFFF00"/>
+                </a:solidFill>
+              </a:rPr>
+              <a:t>Programmability in DocumentDB</a:t>
+            </a:r>
+          </a:p>
+        </p:txBody>
+      </p:sp>
+    </p:spTree>
+    <p:extLst>
+      <p:ext uri="{BB962C8B-B14F-4D97-AF65-F5344CB8AC3E}">
+        <p14:creationId xmlns:p14="http://schemas.microsoft.com/office/powerpoint/2010/main" val="3748666209"/>
+      </p:ext>
+    </p:extLst>
+  </p:cSld>
+  <p:clrMapOvr>
+    <a:masterClrMapping/>
+  </p:clrMapOvr>
+</p:sld>
+</file>
+
+<file path=ppt/slides/slide46.xml><?xml version="1.0" encoding="utf-8"?>
+<p:sld xmlns:a="http://schemas.openxmlformats.org/drawingml/2006/main" xmlns:r="http://schemas.openxmlformats.org/officeDocument/2006/relationships" xmlns:p="http://schemas.openxmlformats.org/presentationml/2006/main">
+  <p:cSld>
+    <p:spTree>
+      <p:nvGrpSpPr>
+        <p:cNvPr id="1" name=""/>
+        <p:cNvGrpSpPr/>
+        <p:nvPr/>
+      </p:nvGrpSpPr>
+      <p:grpSpPr>
+        <a:xfrm>
+          <a:off x="0" y="0"/>
+          <a:ext cx="0" cy="0"/>
+          <a:chOff x="0" y="0"/>
+          <a:chExt cx="0" cy="0"/>
+        </a:xfrm>
+      </p:grpSpPr>
+      <p:sp>
+        <p:nvSpPr>
           <p:cNvPr id="4" name="TextBox 3"/>
           <p:cNvSpPr txBox="1"/>
           <p:nvPr/>
@@ -16079,7 +17191,7 @@
 </p:sld>
 </file>
 
-<file path=ppt/slides/slide43.xml><?xml version="1.0" encoding="utf-8"?>
+<file path=ppt/slides/slide47.xml><?xml version="1.0" encoding="utf-8"?>
 <p:sld xmlns:a="http://schemas.openxmlformats.org/drawingml/2006/main" xmlns:r="http://schemas.openxmlformats.org/officeDocument/2006/relationships" xmlns:p="http://schemas.openxmlformats.org/presentationml/2006/main">
   <p:cSld>
     <p:spTree>
@@ -17250,7 +18362,7 @@
 </p:sld>
 </file>
 
-<file path=ppt/slides/slide44.xml><?xml version="1.0" encoding="utf-8"?>
+<file path=ppt/slides/slide48.xml><?xml version="1.0" encoding="utf-8"?>
 <p:sld xmlns:a="http://schemas.openxmlformats.org/drawingml/2006/main" xmlns:r="http://schemas.openxmlformats.org/officeDocument/2006/relationships" xmlns:p="http://schemas.openxmlformats.org/presentationml/2006/main">
   <p:cSld>
     <p:spTree>
@@ -18429,7 +19541,7 @@
 </p:sld>
 </file>
 
-<file path=ppt/slides/slide45.xml><?xml version="1.0" encoding="utf-8"?>
+<file path=ppt/slides/slide49.xml><?xml version="1.0" encoding="utf-8"?>
 <p:sld xmlns:a="http://schemas.openxmlformats.org/drawingml/2006/main" xmlns:r="http://schemas.openxmlformats.org/officeDocument/2006/relationships" xmlns:p="http://schemas.openxmlformats.org/presentationml/2006/main">
   <p:cSld>
     <p:spTree>
@@ -19609,7 +20721,235 @@
 </p:sld>
 </file>
 
-<file path=ppt/slides/slide46.xml><?xml version="1.0" encoding="utf-8"?>
+<file path=ppt/slides/slide5.xml><?xml version="1.0" encoding="utf-8"?>
+<p:sld xmlns:a="http://schemas.openxmlformats.org/drawingml/2006/main" xmlns:r="http://schemas.openxmlformats.org/officeDocument/2006/relationships" xmlns:p="http://schemas.openxmlformats.org/presentationml/2006/main">
+  <p:cSld>
+    <p:spTree>
+      <p:nvGrpSpPr>
+        <p:cNvPr id="1" name=""/>
+        <p:cNvGrpSpPr/>
+        <p:nvPr/>
+      </p:nvGrpSpPr>
+      <p:grpSpPr>
+        <a:xfrm>
+          <a:off x="0" y="0"/>
+          <a:ext cx="0" cy="0"/>
+          <a:chOff x="0" y="0"/>
+          <a:chExt cx="0" cy="0"/>
+        </a:xfrm>
+      </p:grpSpPr>
+      <p:sp>
+        <p:nvSpPr>
+          <p:cNvPr id="4" name="Rectangle 3"/>
+          <p:cNvSpPr/>
+          <p:nvPr/>
+        </p:nvSpPr>
+        <p:spPr>
+          <a:xfrm>
+            <a:off x="1529345" y="1465006"/>
+            <a:ext cx="1887794" cy="2035278"/>
+          </a:xfrm>
+          <a:prstGeom prst="rect">
+            <a:avLst/>
+          </a:prstGeom>
+          <a:gradFill flip="none" rotWithShape="1">
+            <a:gsLst>
+              <a:gs pos="0">
+                <a:schemeClr val="accent1">
+                  <a:lumMod val="50000"/>
+                  <a:shade val="30000"/>
+                  <a:satMod val="115000"/>
+                </a:schemeClr>
+              </a:gs>
+              <a:gs pos="50000">
+                <a:schemeClr val="accent1">
+                  <a:lumMod val="50000"/>
+                  <a:shade val="67500"/>
+                  <a:satMod val="115000"/>
+                </a:schemeClr>
+              </a:gs>
+              <a:gs pos="100000">
+                <a:schemeClr val="accent1">
+                  <a:lumMod val="50000"/>
+                  <a:shade val="100000"/>
+                  <a:satMod val="115000"/>
+                </a:schemeClr>
+              </a:gs>
+            </a:gsLst>
+            <a:lin ang="5400000" scaled="1"/>
+            <a:tileRect/>
+          </a:gradFill>
+        </p:spPr>
+        <p:style>
+          <a:lnRef idx="2">
+            <a:schemeClr val="accent1">
+              <a:shade val="50000"/>
+            </a:schemeClr>
+          </a:lnRef>
+          <a:fillRef idx="1">
+            <a:schemeClr val="accent1"/>
+          </a:fillRef>
+          <a:effectRef idx="0">
+            <a:schemeClr val="accent1"/>
+          </a:effectRef>
+          <a:fontRef idx="minor">
+            <a:schemeClr val="lt1"/>
+          </a:fontRef>
+        </p:style>
+        <p:txBody>
+          <a:bodyPr rtlCol="0" anchor="ctr"/>
+          <a:lstStyle/>
+          <a:p>
+            <a:pPr algn="ctr"/>
+            <a:r>
+              <a:rPr lang="en-US" sz="3200" dirty="0"/>
+              <a:t>Products</a:t>
+            </a:r>
+          </a:p>
+        </p:txBody>
+      </p:sp>
+      <p:sp>
+        <p:nvSpPr>
+          <p:cNvPr id="5" name="Rectangle 4"/>
+          <p:cNvSpPr/>
+          <p:nvPr/>
+        </p:nvSpPr>
+        <p:spPr>
+          <a:xfrm>
+            <a:off x="5530644" y="1465006"/>
+            <a:ext cx="1887794" cy="2035278"/>
+          </a:xfrm>
+          <a:prstGeom prst="rect">
+            <a:avLst/>
+          </a:prstGeom>
+          <a:gradFill flip="none" rotWithShape="1">
+            <a:gsLst>
+              <a:gs pos="0">
+                <a:schemeClr val="accent6">
+                  <a:lumMod val="75000"/>
+                  <a:shade val="30000"/>
+                  <a:satMod val="115000"/>
+                </a:schemeClr>
+              </a:gs>
+              <a:gs pos="50000">
+                <a:schemeClr val="accent6">
+                  <a:lumMod val="75000"/>
+                  <a:shade val="67500"/>
+                  <a:satMod val="115000"/>
+                </a:schemeClr>
+              </a:gs>
+              <a:gs pos="100000">
+                <a:schemeClr val="accent6">
+                  <a:lumMod val="75000"/>
+                  <a:shade val="100000"/>
+                  <a:satMod val="115000"/>
+                </a:schemeClr>
+              </a:gs>
+            </a:gsLst>
+            <a:lin ang="5400000" scaled="1"/>
+            <a:tileRect/>
+          </a:gradFill>
+        </p:spPr>
+        <p:style>
+          <a:lnRef idx="2">
+            <a:schemeClr val="accent1">
+              <a:shade val="50000"/>
+            </a:schemeClr>
+          </a:lnRef>
+          <a:fillRef idx="1">
+            <a:schemeClr val="accent1"/>
+          </a:fillRef>
+          <a:effectRef idx="0">
+            <a:schemeClr val="accent1"/>
+          </a:effectRef>
+          <a:fontRef idx="minor">
+            <a:schemeClr val="lt1"/>
+          </a:fontRef>
+        </p:style>
+        <p:txBody>
+          <a:bodyPr rtlCol="0" anchor="ctr"/>
+          <a:lstStyle/>
+          <a:p>
+            <a:pPr algn="ctr"/>
+            <a:r>
+              <a:rPr lang="en-US" sz="3200" dirty="0"/>
+              <a:t>Reviews</a:t>
+            </a:r>
+          </a:p>
+        </p:txBody>
+      </p:sp>
+      <p:sp>
+        <p:nvSpPr>
+          <p:cNvPr id="6" name="TextBox 5"/>
+          <p:cNvSpPr txBox="1"/>
+          <p:nvPr/>
+        </p:nvSpPr>
+        <p:spPr>
+          <a:xfrm>
+            <a:off x="1529345" y="3755923"/>
+            <a:ext cx="1603516" cy="369332"/>
+          </a:xfrm>
+          <a:prstGeom prst="rect">
+            <a:avLst/>
+          </a:prstGeom>
+          <a:noFill/>
+        </p:spPr>
+        <p:txBody>
+          <a:bodyPr wrap="none" rtlCol="0">
+            <a:spAutoFit/>
+          </a:bodyPr>
+          <a:lstStyle/>
+          <a:p>
+            <a:r>
+              <a:rPr lang="en-US" dirty="0"/>
+              <a:t>Store as strings</a:t>
+            </a:r>
+          </a:p>
+        </p:txBody>
+      </p:sp>
+      <p:sp>
+        <p:nvSpPr>
+          <p:cNvPr id="7" name="TextBox 6"/>
+          <p:cNvSpPr txBox="1"/>
+          <p:nvPr/>
+        </p:nvSpPr>
+        <p:spPr>
+          <a:xfrm>
+            <a:off x="5530644" y="3755923"/>
+            <a:ext cx="2063706" cy="369332"/>
+          </a:xfrm>
+          <a:prstGeom prst="rect">
+            <a:avLst/>
+          </a:prstGeom>
+          <a:noFill/>
+        </p:spPr>
+        <p:txBody>
+          <a:bodyPr wrap="none" rtlCol="0">
+            <a:spAutoFit/>
+          </a:bodyPr>
+          <a:lstStyle/>
+          <a:p>
+            <a:r>
+              <a:rPr lang="en-US" dirty="0"/>
+              <a:t>List of last 5 reviews</a:t>
+            </a:r>
+          </a:p>
+        </p:txBody>
+      </p:sp>
+    </p:spTree>
+    <p:extLst>
+      <p:ext uri="{BB962C8B-B14F-4D97-AF65-F5344CB8AC3E}">
+        <p14:creationId xmlns:p14="http://schemas.microsoft.com/office/powerpoint/2010/main" val="3017650262"/>
+      </p:ext>
+    </p:extLst>
+  </p:cSld>
+  <p:clrMapOvr>
+    <a:masterClrMapping/>
+  </p:clrMapOvr>
+</p:sld>
+</file>
+
+<file path=ppt/slides/slide50.xml><?xml version="1.0" encoding="utf-8"?>
 <p:sld xmlns:a="http://schemas.openxmlformats.org/drawingml/2006/main" xmlns:r="http://schemas.openxmlformats.org/officeDocument/2006/relationships" xmlns:p="http://schemas.openxmlformats.org/presentationml/2006/main">
   <p:cSld>
     <p:spTree>
@@ -20795,7 +22135,7 @@
 </p:sld>
 </file>
 
-<file path=ppt/slides/slide47.xml><?xml version="1.0" encoding="utf-8"?>
+<file path=ppt/slides/slide51.xml><?xml version="1.0" encoding="utf-8"?>
 <p:sld xmlns:a="http://schemas.openxmlformats.org/drawingml/2006/main" xmlns:r="http://schemas.openxmlformats.org/officeDocument/2006/relationships" xmlns:p="http://schemas.openxmlformats.org/presentationml/2006/main">
   <p:cSld>
     <p:spTree>
@@ -20825,295 +22165,7 @@
 </p:sld>
 </file>
 
-<file path=ppt/slides/slide48.xml><?xml version="1.0" encoding="utf-8"?>
-<p:sld xmlns:a="http://schemas.openxmlformats.org/drawingml/2006/main" xmlns:r="http://schemas.openxmlformats.org/officeDocument/2006/relationships" xmlns:p="http://schemas.openxmlformats.org/presentationml/2006/main">
-  <p:cSld>
-    <p:spTree>
-      <p:nvGrpSpPr>
-        <p:cNvPr id="1" name=""/>
-        <p:cNvGrpSpPr/>
-        <p:nvPr/>
-      </p:nvGrpSpPr>
-      <p:grpSpPr>
-        <a:xfrm>
-          <a:off x="0" y="0"/>
-          <a:ext cx="0" cy="0"/>
-          <a:chOff x="0" y="0"/>
-          <a:chExt cx="0" cy="0"/>
-        </a:xfrm>
-      </p:grpSpPr>
-    </p:spTree>
-    <p:extLst>
-      <p:ext uri="{BB962C8B-B14F-4D97-AF65-F5344CB8AC3E}">
-        <p14:creationId xmlns:p14="http://schemas.microsoft.com/office/powerpoint/2010/main" val="1004180208"/>
-      </p:ext>
-    </p:extLst>
-  </p:cSld>
-  <p:clrMapOvr>
-    <a:masterClrMapping/>
-  </p:clrMapOvr>
-</p:sld>
-</file>
-
-<file path=ppt/slides/slide49.xml><?xml version="1.0" encoding="utf-8"?>
-<p:sld xmlns:a="http://schemas.openxmlformats.org/drawingml/2006/main" xmlns:r="http://schemas.openxmlformats.org/officeDocument/2006/relationships" xmlns:p="http://schemas.openxmlformats.org/presentationml/2006/main">
-  <p:cSld>
-    <p:spTree>
-      <p:nvGrpSpPr>
-        <p:cNvPr id="1" name=""/>
-        <p:cNvGrpSpPr/>
-        <p:nvPr/>
-      </p:nvGrpSpPr>
-      <p:grpSpPr>
-        <a:xfrm>
-          <a:off x="0" y="0"/>
-          <a:ext cx="0" cy="0"/>
-          <a:chOff x="0" y="0"/>
-          <a:chExt cx="0" cy="0"/>
-        </a:xfrm>
-      </p:grpSpPr>
-    </p:spTree>
-    <p:extLst>
-      <p:ext uri="{BB962C8B-B14F-4D97-AF65-F5344CB8AC3E}">
-        <p14:creationId xmlns:p14="http://schemas.microsoft.com/office/powerpoint/2010/main" val="3709615801"/>
-      </p:ext>
-    </p:extLst>
-  </p:cSld>
-  <p:clrMapOvr>
-    <a:masterClrMapping/>
-  </p:clrMapOvr>
-</p:sld>
-</file>
-
-<file path=ppt/slides/slide5.xml><?xml version="1.0" encoding="utf-8"?>
-<p:sld xmlns:a="http://schemas.openxmlformats.org/drawingml/2006/main" xmlns:r="http://schemas.openxmlformats.org/officeDocument/2006/relationships" xmlns:p="http://schemas.openxmlformats.org/presentationml/2006/main">
-  <p:cSld>
-    <p:spTree>
-      <p:nvGrpSpPr>
-        <p:cNvPr id="1" name=""/>
-        <p:cNvGrpSpPr/>
-        <p:nvPr/>
-      </p:nvGrpSpPr>
-      <p:grpSpPr>
-        <a:xfrm>
-          <a:off x="0" y="0"/>
-          <a:ext cx="0" cy="0"/>
-          <a:chOff x="0" y="0"/>
-          <a:chExt cx="0" cy="0"/>
-        </a:xfrm>
-      </p:grpSpPr>
-      <p:sp>
-        <p:nvSpPr>
-          <p:cNvPr id="4" name="Rectangle 3"/>
-          <p:cNvSpPr/>
-          <p:nvPr/>
-        </p:nvSpPr>
-        <p:spPr>
-          <a:xfrm>
-            <a:off x="1529345" y="1465006"/>
-            <a:ext cx="1887794" cy="2035278"/>
-          </a:xfrm>
-          <a:prstGeom prst="rect">
-            <a:avLst/>
-          </a:prstGeom>
-          <a:gradFill flip="none" rotWithShape="1">
-            <a:gsLst>
-              <a:gs pos="0">
-                <a:schemeClr val="accent1">
-                  <a:lumMod val="50000"/>
-                  <a:shade val="30000"/>
-                  <a:satMod val="115000"/>
-                </a:schemeClr>
-              </a:gs>
-              <a:gs pos="50000">
-                <a:schemeClr val="accent1">
-                  <a:lumMod val="50000"/>
-                  <a:shade val="67500"/>
-                  <a:satMod val="115000"/>
-                </a:schemeClr>
-              </a:gs>
-              <a:gs pos="100000">
-                <a:schemeClr val="accent1">
-                  <a:lumMod val="50000"/>
-                  <a:shade val="100000"/>
-                  <a:satMod val="115000"/>
-                </a:schemeClr>
-              </a:gs>
-            </a:gsLst>
-            <a:lin ang="5400000" scaled="1"/>
-            <a:tileRect/>
-          </a:gradFill>
-        </p:spPr>
-        <p:style>
-          <a:lnRef idx="2">
-            <a:schemeClr val="accent1">
-              <a:shade val="50000"/>
-            </a:schemeClr>
-          </a:lnRef>
-          <a:fillRef idx="1">
-            <a:schemeClr val="accent1"/>
-          </a:fillRef>
-          <a:effectRef idx="0">
-            <a:schemeClr val="accent1"/>
-          </a:effectRef>
-          <a:fontRef idx="minor">
-            <a:schemeClr val="lt1"/>
-          </a:fontRef>
-        </p:style>
-        <p:txBody>
-          <a:bodyPr rtlCol="0" anchor="ctr"/>
-          <a:lstStyle/>
-          <a:p>
-            <a:pPr algn="ctr"/>
-            <a:r>
-              <a:rPr lang="en-US" sz="3200" dirty="0"/>
-              <a:t>Products</a:t>
-            </a:r>
-          </a:p>
-        </p:txBody>
-      </p:sp>
-      <p:sp>
-        <p:nvSpPr>
-          <p:cNvPr id="5" name="Rectangle 4"/>
-          <p:cNvSpPr/>
-          <p:nvPr/>
-        </p:nvSpPr>
-        <p:spPr>
-          <a:xfrm>
-            <a:off x="5530644" y="1465006"/>
-            <a:ext cx="1887794" cy="2035278"/>
-          </a:xfrm>
-          <a:prstGeom prst="rect">
-            <a:avLst/>
-          </a:prstGeom>
-          <a:gradFill flip="none" rotWithShape="1">
-            <a:gsLst>
-              <a:gs pos="0">
-                <a:schemeClr val="accent6">
-                  <a:lumMod val="75000"/>
-                  <a:shade val="30000"/>
-                  <a:satMod val="115000"/>
-                </a:schemeClr>
-              </a:gs>
-              <a:gs pos="50000">
-                <a:schemeClr val="accent6">
-                  <a:lumMod val="75000"/>
-                  <a:shade val="67500"/>
-                  <a:satMod val="115000"/>
-                </a:schemeClr>
-              </a:gs>
-              <a:gs pos="100000">
-                <a:schemeClr val="accent6">
-                  <a:lumMod val="75000"/>
-                  <a:shade val="100000"/>
-                  <a:satMod val="115000"/>
-                </a:schemeClr>
-              </a:gs>
-            </a:gsLst>
-            <a:lin ang="5400000" scaled="1"/>
-            <a:tileRect/>
-          </a:gradFill>
-        </p:spPr>
-        <p:style>
-          <a:lnRef idx="2">
-            <a:schemeClr val="accent1">
-              <a:shade val="50000"/>
-            </a:schemeClr>
-          </a:lnRef>
-          <a:fillRef idx="1">
-            <a:schemeClr val="accent1"/>
-          </a:fillRef>
-          <a:effectRef idx="0">
-            <a:schemeClr val="accent1"/>
-          </a:effectRef>
-          <a:fontRef idx="minor">
-            <a:schemeClr val="lt1"/>
-          </a:fontRef>
-        </p:style>
-        <p:txBody>
-          <a:bodyPr rtlCol="0" anchor="ctr"/>
-          <a:lstStyle/>
-          <a:p>
-            <a:pPr algn="ctr"/>
-            <a:r>
-              <a:rPr lang="en-US" sz="3200" dirty="0"/>
-              <a:t>Reviews</a:t>
-            </a:r>
-          </a:p>
-        </p:txBody>
-      </p:sp>
-      <p:sp>
-        <p:nvSpPr>
-          <p:cNvPr id="6" name="TextBox 5"/>
-          <p:cNvSpPr txBox="1"/>
-          <p:nvPr/>
-        </p:nvSpPr>
-        <p:spPr>
-          <a:xfrm>
-            <a:off x="1529345" y="3755923"/>
-            <a:ext cx="1603516" cy="369332"/>
-          </a:xfrm>
-          <a:prstGeom prst="rect">
-            <a:avLst/>
-          </a:prstGeom>
-          <a:noFill/>
-        </p:spPr>
-        <p:txBody>
-          <a:bodyPr wrap="none" rtlCol="0">
-            <a:spAutoFit/>
-          </a:bodyPr>
-          <a:lstStyle/>
-          <a:p>
-            <a:r>
-              <a:rPr lang="en-US" dirty="0"/>
-              <a:t>Store as strings</a:t>
-            </a:r>
-          </a:p>
-        </p:txBody>
-      </p:sp>
-      <p:sp>
-        <p:nvSpPr>
-          <p:cNvPr id="7" name="TextBox 6"/>
-          <p:cNvSpPr txBox="1"/>
-          <p:nvPr/>
-        </p:nvSpPr>
-        <p:spPr>
-          <a:xfrm>
-            <a:off x="5530644" y="3755923"/>
-            <a:ext cx="2063706" cy="369332"/>
-          </a:xfrm>
-          <a:prstGeom prst="rect">
-            <a:avLst/>
-          </a:prstGeom>
-          <a:noFill/>
-        </p:spPr>
-        <p:txBody>
-          <a:bodyPr wrap="none" rtlCol="0">
-            <a:spAutoFit/>
-          </a:bodyPr>
-          <a:lstStyle/>
-          <a:p>
-            <a:r>
-              <a:rPr lang="en-US" dirty="0"/>
-              <a:t>List of last 5 reviews</a:t>
-            </a:r>
-          </a:p>
-        </p:txBody>
-      </p:sp>
-    </p:spTree>
-    <p:extLst>
-      <p:ext uri="{BB962C8B-B14F-4D97-AF65-F5344CB8AC3E}">
-        <p14:creationId xmlns:p14="http://schemas.microsoft.com/office/powerpoint/2010/main" val="3017650262"/>
-      </p:ext>
-    </p:extLst>
-  </p:cSld>
-  <p:clrMapOvr>
-    <a:masterClrMapping/>
-  </p:clrMapOvr>
-</p:sld>
-</file>
-
-<file path=ppt/slides/slide50.xml><?xml version="1.0" encoding="utf-8"?>
+<file path=ppt/slides/slide52.xml><?xml version="1.0" encoding="utf-8"?>
 <p:sld xmlns:a="http://schemas.openxmlformats.org/drawingml/2006/main" xmlns:r="http://schemas.openxmlformats.org/officeDocument/2006/relationships" xmlns:p="http://schemas.openxmlformats.org/presentationml/2006/main">
   <p:cSld>
     <p:spTree>

--- a/NoSQLWhirlwind supprting images.pptx
+++ b/NoSQLWhirlwind supprting images.pptx
@@ -43,22 +43,22 @@
     <p:sldId id="273" r:id="rId34"/>
     <p:sldId id="284" r:id="rId35"/>
     <p:sldId id="275" r:id="rId36"/>
-    <p:sldId id="269" r:id="rId37"/>
-    <p:sldId id="270" r:id="rId38"/>
-    <p:sldId id="271" r:id="rId39"/>
-    <p:sldId id="320" r:id="rId40"/>
-    <p:sldId id="321" r:id="rId41"/>
-    <p:sldId id="322" r:id="rId42"/>
-    <p:sldId id="323" r:id="rId43"/>
-    <p:sldId id="324" r:id="rId44"/>
-    <p:sldId id="278" r:id="rId45"/>
-    <p:sldId id="301" r:id="rId46"/>
-    <p:sldId id="311" r:id="rId47"/>
-    <p:sldId id="307" r:id="rId48"/>
-    <p:sldId id="312" r:id="rId49"/>
-    <p:sldId id="313" r:id="rId50"/>
-    <p:sldId id="314" r:id="rId51"/>
-    <p:sldId id="306" r:id="rId52"/>
+    <p:sldId id="306" r:id="rId37"/>
+    <p:sldId id="269" r:id="rId38"/>
+    <p:sldId id="270" r:id="rId39"/>
+    <p:sldId id="271" r:id="rId40"/>
+    <p:sldId id="320" r:id="rId41"/>
+    <p:sldId id="321" r:id="rId42"/>
+    <p:sldId id="322" r:id="rId43"/>
+    <p:sldId id="323" r:id="rId44"/>
+    <p:sldId id="324" r:id="rId45"/>
+    <p:sldId id="278" r:id="rId46"/>
+    <p:sldId id="301" r:id="rId47"/>
+    <p:sldId id="311" r:id="rId48"/>
+    <p:sldId id="307" r:id="rId49"/>
+    <p:sldId id="312" r:id="rId50"/>
+    <p:sldId id="313" r:id="rId51"/>
+    <p:sldId id="314" r:id="rId52"/>
     <p:sldId id="302" r:id="rId53"/>
   </p:sldIdLst>
   <p:sldSz cx="12192000" cy="6858000"/>
@@ -234,6 +234,7 @@
         <p14:section name="Graph Database" id="{FE2C71D0-3BBB-4CC9-988D-A3E496CEC6F2}">
           <p14:sldIdLst>
             <p14:sldId id="275"/>
+            <p14:sldId id="306"/>
           </p14:sldIdLst>
         </p14:section>
         <p14:section name="Wide Column DB" id="{56818F84-F7F7-4068-8407-49102792611D}">
@@ -253,7 +254,6 @@
             <p14:sldId id="312"/>
             <p14:sldId id="313"/>
             <p14:sldId id="314"/>
-            <p14:sldId id="306"/>
             <p14:sldId id="302"/>
           </p14:sldIdLst>
         </p14:section>
@@ -359,7 +359,7 @@
           <a:p>
             <a:fld id="{09204D5E-80CA-44E6-9838-6D2C437BFBFD}" type="datetimeFigureOut">
               <a:rPr lang="en-US" smtClean="0"/>
-              <a:t>4/2/2016</a:t>
+              <a:t>4/3/2016</a:t>
             </a:fld>
             <a:endParaRPr lang="en-US"/>
           </a:p>
@@ -2133,7 +2133,7 @@
           <a:p>
             <a:fld id="{7D161F0C-C389-4F4C-A9F9-4D86F194D20A}" type="datetimeFigureOut">
               <a:rPr lang="en-US" smtClean="0"/>
-              <a:t>4/2/2016</a:t>
+              <a:t>4/3/2016</a:t>
             </a:fld>
             <a:endParaRPr lang="en-US"/>
           </a:p>
@@ -2303,7 +2303,7 @@
           <a:p>
             <a:fld id="{7D161F0C-C389-4F4C-A9F9-4D86F194D20A}" type="datetimeFigureOut">
               <a:rPr lang="en-US" smtClean="0"/>
-              <a:t>4/2/2016</a:t>
+              <a:t>4/3/2016</a:t>
             </a:fld>
             <a:endParaRPr lang="en-US"/>
           </a:p>
@@ -2483,7 +2483,7 @@
           <a:p>
             <a:fld id="{7D161F0C-C389-4F4C-A9F9-4D86F194D20A}" type="datetimeFigureOut">
               <a:rPr lang="en-US" smtClean="0"/>
-              <a:t>4/2/2016</a:t>
+              <a:t>4/3/2016</a:t>
             </a:fld>
             <a:endParaRPr lang="en-US"/>
           </a:p>
@@ -2653,7 +2653,7 @@
           <a:p>
             <a:fld id="{7D161F0C-C389-4F4C-A9F9-4D86F194D20A}" type="datetimeFigureOut">
               <a:rPr lang="en-US" smtClean="0"/>
-              <a:t>4/2/2016</a:t>
+              <a:t>4/3/2016</a:t>
             </a:fld>
             <a:endParaRPr lang="en-US"/>
           </a:p>
@@ -2899,7 +2899,7 @@
           <a:p>
             <a:fld id="{7D161F0C-C389-4F4C-A9F9-4D86F194D20A}" type="datetimeFigureOut">
               <a:rPr lang="en-US" smtClean="0"/>
-              <a:t>4/2/2016</a:t>
+              <a:t>4/3/2016</a:t>
             </a:fld>
             <a:endParaRPr lang="en-US"/>
           </a:p>
@@ -3131,7 +3131,7 @@
           <a:p>
             <a:fld id="{7D161F0C-C389-4F4C-A9F9-4D86F194D20A}" type="datetimeFigureOut">
               <a:rPr lang="en-US" smtClean="0"/>
-              <a:t>4/2/2016</a:t>
+              <a:t>4/3/2016</a:t>
             </a:fld>
             <a:endParaRPr lang="en-US"/>
           </a:p>
@@ -3498,7 +3498,7 @@
           <a:p>
             <a:fld id="{7D161F0C-C389-4F4C-A9F9-4D86F194D20A}" type="datetimeFigureOut">
               <a:rPr lang="en-US" smtClean="0"/>
-              <a:t>4/2/2016</a:t>
+              <a:t>4/3/2016</a:t>
             </a:fld>
             <a:endParaRPr lang="en-US"/>
           </a:p>
@@ -3616,7 +3616,7 @@
           <a:p>
             <a:fld id="{7D161F0C-C389-4F4C-A9F9-4D86F194D20A}" type="datetimeFigureOut">
               <a:rPr lang="en-US" smtClean="0"/>
-              <a:t>4/2/2016</a:t>
+              <a:t>4/3/2016</a:t>
             </a:fld>
             <a:endParaRPr lang="en-US"/>
           </a:p>
@@ -3711,7 +3711,7 @@
           <a:p>
             <a:fld id="{7D161F0C-C389-4F4C-A9F9-4D86F194D20A}" type="datetimeFigureOut">
               <a:rPr lang="en-US" smtClean="0"/>
-              <a:t>4/2/2016</a:t>
+              <a:t>4/3/2016</a:t>
             </a:fld>
             <a:endParaRPr lang="en-US"/>
           </a:p>
@@ -3988,7 +3988,7 @@
           <a:p>
             <a:fld id="{7D161F0C-C389-4F4C-A9F9-4D86F194D20A}" type="datetimeFigureOut">
               <a:rPr lang="en-US" smtClean="0"/>
-              <a:t>4/2/2016</a:t>
+              <a:t>4/3/2016</a:t>
             </a:fld>
             <a:endParaRPr lang="en-US"/>
           </a:p>
@@ -4245,7 +4245,7 @@
           <a:p>
             <a:fld id="{7D161F0C-C389-4F4C-A9F9-4D86F194D20A}" type="datetimeFigureOut">
               <a:rPr lang="en-US" smtClean="0"/>
-              <a:t>4/2/2016</a:t>
+              <a:t>4/3/2016</a:t>
             </a:fld>
             <a:endParaRPr lang="en-US"/>
           </a:p>
@@ -4458,7 +4458,7 @@
           <a:p>
             <a:fld id="{7D161F0C-C389-4F4C-A9F9-4D86F194D20A}" type="datetimeFigureOut">
               <a:rPr lang="en-US" smtClean="0"/>
-              <a:t>4/2/2016</a:t>
+              <a:t>4/3/2016</a:t>
             </a:fld>
             <a:endParaRPr lang="en-US"/>
           </a:p>
@@ -6608,14 +6608,14 @@
           </a:effectLst>
           <a:extLst>
             <a:ext uri="{909E8E84-426E-40dd-AFC4-6F175D3DCCD1}">
-              <a14:hiddenFill xmlns="" xmlns:a14="http://schemas.microsoft.com/office/drawing/2010/main">
+              <a14:hiddenFill xmlns:a14="http://schemas.microsoft.com/office/drawing/2010/main" xmlns="">
                 <a:solidFill>
                   <a:schemeClr val="accent1"/>
                 </a:solidFill>
               </a14:hiddenFill>
             </a:ext>
             <a:ext uri="{91240B29-F687-4f45-9708-019B960494DF}">
-              <a14:hiddenLine xmlns="" xmlns:a14="http://schemas.microsoft.com/office/drawing/2010/main" w="9525">
+              <a14:hiddenLine xmlns:a14="http://schemas.microsoft.com/office/drawing/2010/main" xmlns="" w="9525">
                 <a:solidFill>
                   <a:schemeClr val="tx1"/>
                 </a:solidFill>
@@ -7110,14 +7110,14 @@
           </a:ln>
           <a:extLst>
             <a:ext uri="{909E8E84-426E-40dd-AFC4-6F175D3DCCD1}">
-              <a14:hiddenFill xmlns="" xmlns:a14="http://schemas.microsoft.com/office/drawing/2010/main">
+              <a14:hiddenFill xmlns:a14="http://schemas.microsoft.com/office/drawing/2010/main" xmlns="">
                 <a:solidFill>
                   <a:schemeClr val="accent1"/>
                 </a:solidFill>
               </a14:hiddenFill>
             </a:ext>
             <a:ext uri="{91240B29-F687-4f45-9708-019B960494DF}">
-              <a14:hiddenLine xmlns="" xmlns:a14="http://schemas.microsoft.com/office/drawing/2010/main" w="9525">
+              <a14:hiddenLine xmlns:a14="http://schemas.microsoft.com/office/drawing/2010/main" xmlns="" w="9525">
                 <a:solidFill>
                   <a:schemeClr val="tx1"/>
                 </a:solidFill>
@@ -14209,6 +14209,545 @@
           <a:chExt cx="0" cy="0"/>
         </a:xfrm>
       </p:grpSpPr>
+      <p:cxnSp>
+        <p:nvCxnSpPr>
+          <p:cNvPr id="6" name="Straight Arrow Connector 5"/>
+          <p:cNvCxnSpPr/>
+          <p:nvPr/>
+        </p:nvCxnSpPr>
+        <p:spPr>
+          <a:xfrm flipH="1" flipV="1">
+            <a:off x="2691581" y="609600"/>
+            <a:ext cx="5532" cy="4387646"/>
+          </a:xfrm>
+          <a:prstGeom prst="straightConnector1">
+            <a:avLst/>
+          </a:prstGeom>
+          <a:ln w="63500">
+            <a:tailEnd type="triangle"/>
+          </a:ln>
+        </p:spPr>
+        <p:style>
+          <a:lnRef idx="1">
+            <a:schemeClr val="accent1"/>
+          </a:lnRef>
+          <a:fillRef idx="0">
+            <a:schemeClr val="accent1"/>
+          </a:fillRef>
+          <a:effectRef idx="0">
+            <a:schemeClr val="accent1"/>
+          </a:effectRef>
+          <a:fontRef idx="minor">
+            <a:schemeClr val="tx1"/>
+          </a:fontRef>
+        </p:style>
+      </p:cxnSp>
+      <p:cxnSp>
+        <p:nvCxnSpPr>
+          <p:cNvPr id="7" name="Straight Arrow Connector 6"/>
+          <p:cNvCxnSpPr/>
+          <p:nvPr/>
+        </p:nvCxnSpPr>
+        <p:spPr>
+          <a:xfrm>
+            <a:off x="2691581" y="4997245"/>
+            <a:ext cx="6655619" cy="1"/>
+          </a:xfrm>
+          <a:prstGeom prst="straightConnector1">
+            <a:avLst/>
+          </a:prstGeom>
+          <a:ln w="63500">
+            <a:tailEnd type="triangle"/>
+          </a:ln>
+        </p:spPr>
+        <p:style>
+          <a:lnRef idx="1">
+            <a:schemeClr val="accent1"/>
+          </a:lnRef>
+          <a:fillRef idx="0">
+            <a:schemeClr val="accent1"/>
+          </a:fillRef>
+          <a:effectRef idx="0">
+            <a:schemeClr val="accent1"/>
+          </a:effectRef>
+          <a:fontRef idx="minor">
+            <a:schemeClr val="tx1"/>
+          </a:fontRef>
+        </p:style>
+      </p:cxnSp>
+      <p:sp>
+        <p:nvSpPr>
+          <p:cNvPr id="13" name="TextBox 12"/>
+          <p:cNvSpPr txBox="1"/>
+          <p:nvPr/>
+        </p:nvSpPr>
+        <p:spPr>
+          <a:xfrm rot="16200000">
+            <a:off x="1481931" y="1315423"/>
+            <a:ext cx="1541704" cy="523220"/>
+          </a:xfrm>
+          <a:prstGeom prst="rect">
+            <a:avLst/>
+          </a:prstGeom>
+          <a:noFill/>
+        </p:spPr>
+        <p:txBody>
+          <a:bodyPr wrap="none" rtlCol="0">
+            <a:spAutoFit/>
+          </a:bodyPr>
+          <a:lstStyle/>
+          <a:p>
+            <a:r>
+              <a:rPr lang="en-US" sz="2800" b="1" dirty="0"/>
+              <a:t>Data Size</a:t>
+            </a:r>
+          </a:p>
+        </p:txBody>
+      </p:sp>
+      <p:sp>
+        <p:nvSpPr>
+          <p:cNvPr id="16" name="TextBox 15"/>
+          <p:cNvSpPr txBox="1"/>
+          <p:nvPr/>
+        </p:nvSpPr>
+        <p:spPr>
+          <a:xfrm>
+            <a:off x="6515100" y="5092700"/>
+            <a:ext cx="2632772" cy="523220"/>
+          </a:xfrm>
+          <a:prstGeom prst="rect">
+            <a:avLst/>
+          </a:prstGeom>
+          <a:noFill/>
+        </p:spPr>
+        <p:txBody>
+          <a:bodyPr wrap="none" rtlCol="0">
+            <a:spAutoFit/>
+          </a:bodyPr>
+          <a:lstStyle/>
+          <a:p>
+            <a:r>
+              <a:rPr lang="en-US" sz="2800" b="1" dirty="0"/>
+              <a:t>Data</a:t>
+            </a:r>
+            <a:r>
+              <a:rPr lang="en-US" sz="2400" b="1" dirty="0"/>
+              <a:t> </a:t>
+            </a:r>
+            <a:r>
+              <a:rPr lang="en-US" sz="2800" b="1" dirty="0"/>
+              <a:t>Complexity</a:t>
+            </a:r>
+            <a:endParaRPr lang="en-US" sz="2400" b="1" dirty="0"/>
+          </a:p>
+        </p:txBody>
+      </p:sp>
+      <p:sp>
+        <p:nvSpPr>
+          <p:cNvPr id="17" name="Oval 16"/>
+          <p:cNvSpPr/>
+          <p:nvPr/>
+        </p:nvSpPr>
+        <p:spPr>
+          <a:xfrm>
+            <a:off x="3064980" y="1189112"/>
+            <a:ext cx="457200" cy="342900"/>
+          </a:xfrm>
+          <a:prstGeom prst="ellipse">
+            <a:avLst/>
+          </a:prstGeom>
+        </p:spPr>
+        <p:style>
+          <a:lnRef idx="2">
+            <a:schemeClr val="accent1">
+              <a:shade val="50000"/>
+            </a:schemeClr>
+          </a:lnRef>
+          <a:fillRef idx="1">
+            <a:schemeClr val="accent1"/>
+          </a:fillRef>
+          <a:effectRef idx="0">
+            <a:schemeClr val="accent1"/>
+          </a:effectRef>
+          <a:fontRef idx="minor">
+            <a:schemeClr val="lt1"/>
+          </a:fontRef>
+        </p:style>
+        <p:txBody>
+          <a:bodyPr rtlCol="0" anchor="ctr"/>
+          <a:lstStyle/>
+          <a:p>
+            <a:pPr algn="ctr"/>
+            <a:endParaRPr lang="en-US"/>
+          </a:p>
+        </p:txBody>
+      </p:sp>
+      <p:sp>
+        <p:nvSpPr>
+          <p:cNvPr id="18" name="TextBox 17"/>
+          <p:cNvSpPr txBox="1"/>
+          <p:nvPr/>
+        </p:nvSpPr>
+        <p:spPr>
+          <a:xfrm>
+            <a:off x="3527281" y="1189112"/>
+            <a:ext cx="1454437" cy="461665"/>
+          </a:xfrm>
+          <a:prstGeom prst="rect">
+            <a:avLst/>
+          </a:prstGeom>
+          <a:noFill/>
+          <a:ln>
+            <a:solidFill>
+              <a:schemeClr val="accent1">
+                <a:shade val="50000"/>
+              </a:schemeClr>
+            </a:solidFill>
+          </a:ln>
+        </p:spPr>
+        <p:txBody>
+          <a:bodyPr wrap="none" rtlCol="0">
+            <a:spAutoFit/>
+          </a:bodyPr>
+          <a:lstStyle/>
+          <a:p>
+            <a:r>
+              <a:rPr lang="en-US" sz="2400" b="1" dirty="0"/>
+              <a:t>Key-Value</a:t>
+            </a:r>
+          </a:p>
+        </p:txBody>
+      </p:sp>
+      <p:sp>
+        <p:nvSpPr>
+          <p:cNvPr id="19" name="Oval 18"/>
+          <p:cNvSpPr/>
+          <p:nvPr/>
+        </p:nvSpPr>
+        <p:spPr>
+          <a:xfrm>
+            <a:off x="4254500" y="1886220"/>
+            <a:ext cx="457200" cy="342900"/>
+          </a:xfrm>
+          <a:prstGeom prst="ellipse">
+            <a:avLst/>
+          </a:prstGeom>
+        </p:spPr>
+        <p:style>
+          <a:lnRef idx="2">
+            <a:schemeClr val="accent1">
+              <a:shade val="50000"/>
+            </a:schemeClr>
+          </a:lnRef>
+          <a:fillRef idx="1">
+            <a:schemeClr val="accent1"/>
+          </a:fillRef>
+          <a:effectRef idx="0">
+            <a:schemeClr val="accent1"/>
+          </a:effectRef>
+          <a:fontRef idx="minor">
+            <a:schemeClr val="lt1"/>
+          </a:fontRef>
+        </p:style>
+        <p:txBody>
+          <a:bodyPr rtlCol="0" anchor="ctr"/>
+          <a:lstStyle/>
+          <a:p>
+            <a:pPr algn="ctr"/>
+            <a:endParaRPr lang="en-US"/>
+          </a:p>
+        </p:txBody>
+      </p:sp>
+      <p:sp>
+        <p:nvSpPr>
+          <p:cNvPr id="20" name="TextBox 19"/>
+          <p:cNvSpPr txBox="1"/>
+          <p:nvPr/>
+        </p:nvSpPr>
+        <p:spPr>
+          <a:xfrm>
+            <a:off x="4716801" y="1886220"/>
+            <a:ext cx="1430200" cy="461665"/>
+          </a:xfrm>
+          <a:prstGeom prst="rect">
+            <a:avLst/>
+          </a:prstGeom>
+          <a:noFill/>
+          <a:ln>
+            <a:solidFill>
+              <a:schemeClr val="accent1">
+                <a:shade val="50000"/>
+              </a:schemeClr>
+            </a:solidFill>
+          </a:ln>
+        </p:spPr>
+        <p:txBody>
+          <a:bodyPr wrap="none" rtlCol="0">
+            <a:spAutoFit/>
+          </a:bodyPr>
+          <a:lstStyle/>
+          <a:p>
+            <a:r>
+              <a:rPr lang="en-US" sz="2400" b="1" dirty="0"/>
+              <a:t>Columnar</a:t>
+            </a:r>
+          </a:p>
+        </p:txBody>
+      </p:sp>
+      <p:sp>
+        <p:nvSpPr>
+          <p:cNvPr id="21" name="Oval 20"/>
+          <p:cNvSpPr/>
+          <p:nvPr/>
+        </p:nvSpPr>
+        <p:spPr>
+          <a:xfrm>
+            <a:off x="7374286" y="3364589"/>
+            <a:ext cx="457200" cy="342900"/>
+          </a:xfrm>
+          <a:prstGeom prst="ellipse">
+            <a:avLst/>
+          </a:prstGeom>
+        </p:spPr>
+        <p:style>
+          <a:lnRef idx="2">
+            <a:schemeClr val="accent1">
+              <a:shade val="50000"/>
+            </a:schemeClr>
+          </a:lnRef>
+          <a:fillRef idx="1">
+            <a:schemeClr val="accent1"/>
+          </a:fillRef>
+          <a:effectRef idx="0">
+            <a:schemeClr val="accent1"/>
+          </a:effectRef>
+          <a:fontRef idx="minor">
+            <a:schemeClr val="lt1"/>
+          </a:fontRef>
+        </p:style>
+        <p:txBody>
+          <a:bodyPr rtlCol="0" anchor="ctr"/>
+          <a:lstStyle/>
+          <a:p>
+            <a:pPr algn="ctr"/>
+            <a:endParaRPr lang="en-US"/>
+          </a:p>
+        </p:txBody>
+      </p:sp>
+      <p:sp>
+        <p:nvSpPr>
+          <p:cNvPr id="22" name="TextBox 21"/>
+          <p:cNvSpPr txBox="1"/>
+          <p:nvPr/>
+        </p:nvSpPr>
+        <p:spPr>
+          <a:xfrm>
+            <a:off x="7831486" y="3287278"/>
+            <a:ext cx="965008" cy="461665"/>
+          </a:xfrm>
+          <a:prstGeom prst="rect">
+            <a:avLst/>
+          </a:prstGeom>
+          <a:noFill/>
+          <a:ln>
+            <a:solidFill>
+              <a:schemeClr val="accent1">
+                <a:shade val="50000"/>
+              </a:schemeClr>
+            </a:solidFill>
+          </a:ln>
+        </p:spPr>
+        <p:txBody>
+          <a:bodyPr wrap="none" rtlCol="0">
+            <a:spAutoFit/>
+          </a:bodyPr>
+          <a:lstStyle/>
+          <a:p>
+            <a:r>
+              <a:rPr lang="en-US" sz="2400" b="1" dirty="0"/>
+              <a:t>Graph</a:t>
+            </a:r>
+          </a:p>
+        </p:txBody>
+      </p:sp>
+      <p:sp>
+        <p:nvSpPr>
+          <p:cNvPr id="23" name="Oval 22"/>
+          <p:cNvSpPr/>
+          <p:nvPr/>
+        </p:nvSpPr>
+        <p:spPr>
+          <a:xfrm>
+            <a:off x="5544799" y="2543142"/>
+            <a:ext cx="457200" cy="342900"/>
+          </a:xfrm>
+          <a:prstGeom prst="ellipse">
+            <a:avLst/>
+          </a:prstGeom>
+        </p:spPr>
+        <p:style>
+          <a:lnRef idx="2">
+            <a:schemeClr val="accent1">
+              <a:shade val="50000"/>
+            </a:schemeClr>
+          </a:lnRef>
+          <a:fillRef idx="1">
+            <a:schemeClr val="accent1"/>
+          </a:fillRef>
+          <a:effectRef idx="0">
+            <a:schemeClr val="accent1"/>
+          </a:effectRef>
+          <a:fontRef idx="minor">
+            <a:schemeClr val="lt1"/>
+          </a:fontRef>
+        </p:style>
+        <p:txBody>
+          <a:bodyPr rtlCol="0" anchor="ctr"/>
+          <a:lstStyle/>
+          <a:p>
+            <a:pPr algn="ctr"/>
+            <a:endParaRPr lang="en-US"/>
+          </a:p>
+        </p:txBody>
+      </p:sp>
+      <p:sp>
+        <p:nvSpPr>
+          <p:cNvPr id="24" name="TextBox 23"/>
+          <p:cNvSpPr txBox="1"/>
+          <p:nvPr/>
+        </p:nvSpPr>
+        <p:spPr>
+          <a:xfrm>
+            <a:off x="6007100" y="2543142"/>
+            <a:ext cx="1512273" cy="461665"/>
+          </a:xfrm>
+          <a:prstGeom prst="rect">
+            <a:avLst/>
+          </a:prstGeom>
+          <a:noFill/>
+          <a:ln>
+            <a:solidFill>
+              <a:schemeClr val="accent1">
+                <a:shade val="50000"/>
+              </a:schemeClr>
+            </a:solidFill>
+          </a:ln>
+        </p:spPr>
+        <p:txBody>
+          <a:bodyPr wrap="none" rtlCol="0">
+            <a:spAutoFit/>
+          </a:bodyPr>
+          <a:lstStyle/>
+          <a:p>
+            <a:r>
+              <a:rPr lang="en-US" sz="2400" b="1" dirty="0"/>
+              <a:t>Document</a:t>
+            </a:r>
+          </a:p>
+        </p:txBody>
+      </p:sp>
+      <p:cxnSp>
+        <p:nvCxnSpPr>
+          <p:cNvPr id="28" name="Straight Arrow Connector 27"/>
+          <p:cNvCxnSpPr>
+            <a:stCxn id="30" idx="2"/>
+            <a:endCxn id="22" idx="0"/>
+          </p:cNvCxnSpPr>
+          <p:nvPr/>
+        </p:nvCxnSpPr>
+        <p:spPr>
+          <a:xfrm flipH="1">
+            <a:off x="8313990" y="1859526"/>
+            <a:ext cx="677204" cy="1427752"/>
+          </a:xfrm>
+          <a:prstGeom prst="straightConnector1">
+            <a:avLst/>
+          </a:prstGeom>
+          <a:ln w="50800">
+            <a:solidFill>
+              <a:srgbClr val="FF0000"/>
+            </a:solidFill>
+            <a:tailEnd type="triangle"/>
+          </a:ln>
+        </p:spPr>
+        <p:style>
+          <a:lnRef idx="1">
+            <a:schemeClr val="accent1"/>
+          </a:lnRef>
+          <a:fillRef idx="0">
+            <a:schemeClr val="accent1"/>
+          </a:fillRef>
+          <a:effectRef idx="0">
+            <a:schemeClr val="accent1"/>
+          </a:effectRef>
+          <a:fontRef idx="minor">
+            <a:schemeClr val="tx1"/>
+          </a:fontRef>
+        </p:style>
+      </p:cxnSp>
+      <p:sp>
+        <p:nvSpPr>
+          <p:cNvPr id="30" name="TextBox 29"/>
+          <p:cNvSpPr txBox="1"/>
+          <p:nvPr/>
+        </p:nvSpPr>
+        <p:spPr>
+          <a:xfrm>
+            <a:off x="7986463" y="1336306"/>
+            <a:ext cx="2009461" cy="523220"/>
+          </a:xfrm>
+          <a:prstGeom prst="rect">
+            <a:avLst/>
+          </a:prstGeom>
+          <a:noFill/>
+        </p:spPr>
+        <p:txBody>
+          <a:bodyPr wrap="none" rtlCol="0">
+            <a:spAutoFit/>
+          </a:bodyPr>
+          <a:lstStyle/>
+          <a:p>
+            <a:r>
+              <a:rPr lang="en-US" sz="2800" dirty="0">
+                <a:solidFill>
+                  <a:srgbClr val="FF0000"/>
+                </a:solidFill>
+              </a:rPr>
+              <a:t>You are here</a:t>
+            </a:r>
+          </a:p>
+        </p:txBody>
+      </p:sp>
+    </p:spTree>
+    <p:extLst>
+      <p:ext uri="{BB962C8B-B14F-4D97-AF65-F5344CB8AC3E}">
+        <p14:creationId xmlns:p14="http://schemas.microsoft.com/office/powerpoint/2010/main" val="3955733258"/>
+      </p:ext>
+    </p:extLst>
+  </p:cSld>
+  <p:clrMapOvr>
+    <a:masterClrMapping/>
+  </p:clrMapOvr>
+</p:sld>
+</file>
+
+<file path=ppt/slides/slide37.xml><?xml version="1.0" encoding="utf-8"?>
+<p:sld xmlns:a="http://schemas.openxmlformats.org/drawingml/2006/main" xmlns:r="http://schemas.openxmlformats.org/officeDocument/2006/relationships" xmlns:p="http://schemas.openxmlformats.org/presentationml/2006/main">
+  <p:cSld>
+    <p:spTree>
+      <p:nvGrpSpPr>
+        <p:cNvPr id="1" name=""/>
+        <p:cNvGrpSpPr/>
+        <p:nvPr/>
+      </p:nvGrpSpPr>
+      <p:grpSpPr>
+        <a:xfrm>
+          <a:off x="0" y="0"/>
+          <a:ext cx="0" cy="0"/>
+          <a:chOff x="0" y="0"/>
+          <a:chExt cx="0" cy="0"/>
+        </a:xfrm>
+      </p:grpSpPr>
       <p:sp>
         <p:nvSpPr>
           <p:cNvPr id="14" name="TextBox 13"/>
@@ -14348,7 +14887,7 @@
 </p:sld>
 </file>
 
-<file path=ppt/slides/slide37.xml><?xml version="1.0" encoding="utf-8"?>
+<file path=ppt/slides/slide38.xml><?xml version="1.0" encoding="utf-8"?>
 <p:sld xmlns:a="http://schemas.openxmlformats.org/drawingml/2006/main" xmlns:r="http://schemas.openxmlformats.org/officeDocument/2006/relationships" xmlns:p="http://schemas.openxmlformats.org/presentationml/2006/main">
   <p:cSld>
     <p:spTree>
@@ -14979,104 +15518,6 @@
 </p:sld>
 </file>
 
-<file path=ppt/slides/slide38.xml><?xml version="1.0" encoding="utf-8"?>
-<p:sld xmlns:a="http://schemas.openxmlformats.org/drawingml/2006/main" xmlns:r="http://schemas.openxmlformats.org/officeDocument/2006/relationships" xmlns:p="http://schemas.openxmlformats.org/presentationml/2006/main">
-  <p:cSld>
-    <p:spTree>
-      <p:nvGrpSpPr>
-        <p:cNvPr id="1" name=""/>
-        <p:cNvGrpSpPr/>
-        <p:nvPr/>
-      </p:nvGrpSpPr>
-      <p:grpSpPr>
-        <a:xfrm>
-          <a:off x="0" y="0"/>
-          <a:ext cx="0" cy="0"/>
-          <a:chOff x="0" y="0"/>
-          <a:chExt cx="0" cy="0"/>
-        </a:xfrm>
-      </p:grpSpPr>
-      <p:sp>
-        <p:nvSpPr>
-          <p:cNvPr id="2" name="Title 1"/>
-          <p:cNvSpPr>
-            <a:spLocks noGrp="1"/>
-          </p:cNvSpPr>
-          <p:nvPr>
-            <p:ph type="title"/>
-          </p:nvPr>
-        </p:nvSpPr>
-        <p:spPr/>
-        <p:txBody>
-          <a:bodyPr/>
-          <a:lstStyle/>
-          <a:p>
-            <a:r>
-              <a:rPr lang="en-US" dirty="0"/>
-              <a:t>Things specific to Cassandra</a:t>
-            </a:r>
-          </a:p>
-        </p:txBody>
-      </p:sp>
-      <p:sp>
-        <p:nvSpPr>
-          <p:cNvPr id="3" name="Content Placeholder 2"/>
-          <p:cNvSpPr>
-            <a:spLocks noGrp="1"/>
-          </p:cNvSpPr>
-          <p:nvPr>
-            <p:ph idx="1"/>
-          </p:nvPr>
-        </p:nvSpPr>
-        <p:spPr/>
-        <p:txBody>
-          <a:bodyPr/>
-          <a:lstStyle/>
-          <a:p>
-            <a:r>
-              <a:rPr lang="en-US" dirty="0"/>
-              <a:t>Optimizes on fast and durable writes.</a:t>
-            </a:r>
-          </a:p>
-          <a:p>
-            <a:r>
-              <a:rPr lang="en-US" dirty="0"/>
-              <a:t>Underlying data structure: Bloom Filter</a:t>
-            </a:r>
-          </a:p>
-          <a:p>
-            <a:r>
-              <a:rPr lang="en-US" dirty="0"/>
-              <a:t>There a local mode for Windows (community edition). And its free.</a:t>
-            </a:r>
-          </a:p>
-          <a:p>
-            <a:r>
-              <a:rPr lang="en-US" dirty="0"/>
-              <a:t>Has CQL which is like SQL (not all wide column are this nice!)</a:t>
-            </a:r>
-          </a:p>
-          <a:p>
-            <a:endParaRPr lang="en-US" dirty="0"/>
-          </a:p>
-          <a:p>
-            <a:endParaRPr lang="en-US" dirty="0"/>
-          </a:p>
-        </p:txBody>
-      </p:sp>
-    </p:spTree>
-    <p:extLst>
-      <p:ext uri="{BB962C8B-B14F-4D97-AF65-F5344CB8AC3E}">
-        <p14:creationId xmlns:p14="http://schemas.microsoft.com/office/powerpoint/2010/main" val="2546500980"/>
-      </p:ext>
-    </p:extLst>
-  </p:cSld>
-  <p:clrMapOvr>
-    <a:masterClrMapping/>
-  </p:clrMapOvr>
-</p:sld>
-</file>
-
 <file path=ppt/slides/slide39.xml><?xml version="1.0" encoding="utf-8"?>
 <p:sld xmlns:a="http://schemas.openxmlformats.org/drawingml/2006/main" xmlns:r="http://schemas.openxmlformats.org/officeDocument/2006/relationships" xmlns:p="http://schemas.openxmlformats.org/presentationml/2006/main">
   <p:cSld>
@@ -15096,7 +15537,7 @@
       </p:grpSpPr>
       <p:sp>
         <p:nvSpPr>
-          <p:cNvPr id="6" name="Title 1"/>
+          <p:cNvPr id="2" name="Title 1"/>
           <p:cNvSpPr>
             <a:spLocks noGrp="1"/>
           </p:cNvSpPr>
@@ -15104,127 +15545,68 @@
             <p:ph type="title"/>
           </p:nvPr>
         </p:nvSpPr>
-        <p:spPr>
-          <a:xfrm>
-            <a:off x="2667000" y="457200"/>
-            <a:ext cx="6781800" cy="1066800"/>
-          </a:xfrm>
-        </p:spPr>
-        <p:txBody>
-          <a:bodyPr>
-            <a:normAutofit/>
-          </a:bodyPr>
-          <a:lstStyle/>
-          <a:p>
-            <a:pPr algn="ctr"/>
+        <p:spPr/>
+        <p:txBody>
+          <a:bodyPr/>
+          <a:lstStyle/>
+          <a:p>
             <a:r>
               <a:rPr lang="en-US" dirty="0"/>
-              <a:t>Cassandra Overview</a:t>
-            </a:r>
-          </a:p>
-        </p:txBody>
-      </p:sp>
-      <p:sp>
-        <p:nvSpPr>
-          <p:cNvPr id="2" name="TextBox 1"/>
-          <p:cNvSpPr txBox="1"/>
-          <p:nvPr/>
-        </p:nvSpPr>
-        <p:spPr>
-          <a:xfrm>
-            <a:off x="2362200" y="2057401"/>
-            <a:ext cx="7086600" cy="3970318"/>
-          </a:xfrm>
-          <a:prstGeom prst="rect">
-            <a:avLst/>
-          </a:prstGeom>
-          <a:noFill/>
-        </p:spPr>
-        <p:txBody>
-          <a:bodyPr wrap="square" rtlCol="0">
-            <a:spAutoFit/>
-          </a:bodyPr>
-          <a:lstStyle/>
-          <a:p>
-            <a:pPr marL="342900" indent="-342900">
-              <a:lnSpc>
-                <a:spcPct val="150000"/>
-              </a:lnSpc>
-              <a:buFont typeface="Arial" panose="020B0604020202020204" pitchFamily="34" charset="0"/>
-              <a:buChar char="•"/>
-            </a:pPr>
-            <a:r>
-              <a:rPr lang="en-US" sz="2400" b="1" dirty="0"/>
-              <a:t>Open source distributed database management system </a:t>
-            </a:r>
-            <a:r>
-              <a:rPr lang="en-US" sz="2400" dirty="0"/>
-              <a:t>for handling huge amounts of data across many commodity systems</a:t>
-            </a:r>
-          </a:p>
-          <a:p>
-            <a:pPr marL="342900" indent="-342900">
-              <a:lnSpc>
-                <a:spcPct val="150000"/>
-              </a:lnSpc>
-              <a:buFont typeface="Arial" panose="020B0604020202020204" pitchFamily="34" charset="0"/>
-              <a:buChar char="•"/>
-            </a:pPr>
-            <a:r>
-              <a:rPr lang="en-US" sz="2400" b="1" dirty="0"/>
-              <a:t>Cassandra </a:t>
-            </a:r>
-            <a:r>
-              <a:rPr lang="en-US" sz="2400" dirty="0"/>
-              <a:t>is a “</a:t>
-            </a:r>
-            <a:r>
-              <a:rPr lang="en-US" sz="2400" b="1" dirty="0"/>
-              <a:t>NoSQL” or “Non-Relational” </a:t>
-            </a:r>
-            <a:r>
-              <a:rPr lang="en-US" sz="2400" dirty="0"/>
-              <a:t>database</a:t>
-            </a:r>
-            <a:r>
-              <a:rPr lang="en-US" sz="2400" b="1" dirty="0"/>
-              <a:t> </a:t>
-            </a:r>
-            <a:r>
-              <a:rPr lang="en-US" sz="2400" dirty="0"/>
-              <a:t>and </a:t>
-            </a:r>
-            <a:r>
-              <a:rPr lang="en-US" sz="2400" b="1" dirty="0"/>
-              <a:t> </a:t>
-            </a:r>
-            <a:r>
-              <a:rPr lang="en-US" sz="2400" dirty="0"/>
-              <a:t>can be described as a mix between a </a:t>
-            </a:r>
-            <a:r>
-              <a:rPr lang="en-US" sz="2400" b="1" dirty="0"/>
-              <a:t>“Key-value Store”</a:t>
-            </a:r>
-            <a:r>
-              <a:rPr lang="en-US" sz="2400" dirty="0"/>
-              <a:t> and a </a:t>
-            </a:r>
-            <a:r>
-              <a:rPr lang="en-US" sz="2400" b="1" dirty="0"/>
-              <a:t>“Column-Orientated” </a:t>
-            </a:r>
-            <a:r>
-              <a:rPr lang="en-US" sz="2400" dirty="0"/>
-              <a:t>database</a:t>
-            </a:r>
+              <a:t>Things specific to Cassandra</a:t>
+            </a:r>
+          </a:p>
+        </p:txBody>
+      </p:sp>
+      <p:sp>
+        <p:nvSpPr>
+          <p:cNvPr id="3" name="Content Placeholder 2"/>
+          <p:cNvSpPr>
+            <a:spLocks noGrp="1"/>
+          </p:cNvSpPr>
+          <p:nvPr>
+            <p:ph idx="1"/>
+          </p:nvPr>
+        </p:nvSpPr>
+        <p:spPr/>
+        <p:txBody>
+          <a:bodyPr/>
+          <a:lstStyle/>
+          <a:p>
+            <a:r>
+              <a:rPr lang="en-US" dirty="0"/>
+              <a:t>Optimizes on fast and durable writes.</a:t>
+            </a:r>
+          </a:p>
+          <a:p>
+            <a:r>
+              <a:rPr lang="en-US" dirty="0"/>
+              <a:t>Underlying data structure: Bloom Filter</a:t>
+            </a:r>
+          </a:p>
+          <a:p>
+            <a:r>
+              <a:rPr lang="en-US" dirty="0"/>
+              <a:t>There a local mode for Windows (community edition). And its free.</a:t>
+            </a:r>
+          </a:p>
+          <a:p>
+            <a:r>
+              <a:rPr lang="en-US" dirty="0"/>
+              <a:t>Has CQL which is like SQL (not all wide column are this nice!)</a:t>
+            </a:r>
+          </a:p>
+          <a:p>
+            <a:endParaRPr lang="en-US" dirty="0"/>
+          </a:p>
+          <a:p>
+            <a:endParaRPr lang="en-US" dirty="0"/>
           </a:p>
         </p:txBody>
       </p:sp>
     </p:spTree>
     <p:extLst>
       <p:ext uri="{BB962C8B-B14F-4D97-AF65-F5344CB8AC3E}">
-        <p14:creationId xmlns:p14="http://schemas.microsoft.com/office/powerpoint/2010/main" val="3537640460"/>
+        <p14:creationId xmlns:p14="http://schemas.microsoft.com/office/powerpoint/2010/main" val="2546500980"/>
       </p:ext>
     </p:extLst>
   </p:cSld>
@@ -15765,20 +16147,20 @@
         </p:nvSpPr>
         <p:spPr>
           <a:xfrm>
-            <a:off x="2362200" y="457200"/>
-            <a:ext cx="7620000" cy="1066800"/>
+            <a:off x="2667000" y="457200"/>
+            <a:ext cx="6781800" cy="1066800"/>
           </a:xfrm>
         </p:spPr>
         <p:txBody>
           <a:bodyPr>
-            <a:normAutofit fontScale="90000"/>
+            <a:normAutofit/>
           </a:bodyPr>
           <a:lstStyle/>
           <a:p>
             <a:pPr algn="ctr"/>
             <a:r>
               <a:rPr lang="en-US" dirty="0"/>
-              <a:t>Where Did Cassandra Come From?</a:t>
+              <a:t>Cassandra Overview</a:t>
             </a:r>
           </a:p>
         </p:txBody>
@@ -15792,7 +16174,7 @@
         <p:spPr>
           <a:xfrm>
             <a:off x="2362200" y="2057401"/>
-            <a:ext cx="7086600" cy="3139321"/>
+            <a:ext cx="7086600" cy="3970318"/>
           </a:xfrm>
           <a:prstGeom prst="rect">
             <a:avLst/>
@@ -15813,8 +16195,12 @@
               <a:buChar char="•"/>
             </a:pPr>
             <a:r>
-              <a:rPr lang="en-US" sz="2200" dirty="0"/>
-              <a:t>Cassandra was initially created at Facebook</a:t>
+              <a:rPr lang="en-US" sz="2400" b="1" dirty="0"/>
+              <a:t>Open source distributed database management system </a:t>
+            </a:r>
+            <a:r>
+              <a:rPr lang="en-US" sz="2400" dirty="0"/>
+              <a:t>for handling huge amounts of data across many commodity systems</a:t>
             </a:r>
           </a:p>
           <a:p>
@@ -15826,75 +16212,52 @@
               <a:buChar char="•"/>
             </a:pPr>
             <a:r>
-              <a:rPr lang="en-US" sz="2200" dirty="0"/>
-              <a:t>Combination of Google Big Table and Amazon Dynamo</a:t>
-            </a:r>
-          </a:p>
-          <a:p>
-            <a:pPr marL="342900" indent="-342900">
-              <a:lnSpc>
-                <a:spcPct val="150000"/>
-              </a:lnSpc>
-              <a:buFont typeface="Arial" panose="020B0604020202020204" pitchFamily="34" charset="0"/>
-              <a:buChar char="•"/>
-            </a:pPr>
-            <a:r>
-              <a:rPr lang="en-US" sz="2200" dirty="0"/>
-              <a:t>It was created to power the </a:t>
-            </a:r>
-            <a:r>
-              <a:rPr lang="en-US" sz="2200" b="1" dirty="0"/>
-              <a:t>“Inbox Search” </a:t>
-            </a:r>
-            <a:r>
-              <a:rPr lang="en-US" sz="2200" dirty="0"/>
-              <a:t>feature</a:t>
-            </a:r>
-          </a:p>
-          <a:p>
-            <a:pPr marL="342900" indent="-342900">
-              <a:lnSpc>
-                <a:spcPct val="150000"/>
-              </a:lnSpc>
-              <a:buFont typeface="Arial" panose="020B0604020202020204" pitchFamily="34" charset="0"/>
-              <a:buChar char="•"/>
-            </a:pPr>
-            <a:r>
-              <a:rPr lang="en-US" sz="2200" dirty="0"/>
-              <a:t>Cassandra was released as open source in </a:t>
-            </a:r>
-            <a:r>
-              <a:rPr lang="en-US" sz="2200" b="1" dirty="0"/>
-              <a:t>July of 2008</a:t>
-            </a:r>
-          </a:p>
-          <a:p>
-            <a:pPr marL="342900" indent="-342900">
-              <a:lnSpc>
-                <a:spcPct val="150000"/>
-              </a:lnSpc>
-              <a:buFont typeface="Arial" panose="020B0604020202020204" pitchFamily="34" charset="0"/>
-              <a:buChar char="•"/>
-            </a:pPr>
-            <a:r>
-              <a:rPr lang="en-US" sz="2200" dirty="0"/>
-              <a:t>It became an </a:t>
-            </a:r>
-            <a:r>
-              <a:rPr lang="en-US" sz="2200" b="1" dirty="0"/>
-              <a:t>Apache Incubator </a:t>
-            </a:r>
-            <a:r>
-              <a:rPr lang="en-US" sz="2200" dirty="0"/>
-              <a:t>project in </a:t>
-            </a:r>
-            <a:r>
-              <a:rPr lang="en-US" sz="2200" b="1" dirty="0"/>
-              <a:t>February of 2009</a:t>
-            </a:r>
-            <a:r>
-              <a:rPr lang="en-US" sz="2200" dirty="0"/>
-              <a:t> and It became a full level project a year after that</a:t>
+              <a:rPr lang="en-US" sz="2400" b="1" dirty="0"/>
+              <a:t>Cassandra </a:t>
+            </a:r>
+            <a:r>
+              <a:rPr lang="en-US" sz="2400" dirty="0"/>
+              <a:t>is a “</a:t>
+            </a:r>
+            <a:r>
+              <a:rPr lang="en-US" sz="2400" b="1" dirty="0"/>
+              <a:t>NoSQL” or “Non-Relational” </a:t>
+            </a:r>
+            <a:r>
+              <a:rPr lang="en-US" sz="2400" dirty="0"/>
+              <a:t>database</a:t>
+            </a:r>
+            <a:r>
+              <a:rPr lang="en-US" sz="2400" b="1" dirty="0"/>
+              <a:t> </a:t>
+            </a:r>
+            <a:r>
+              <a:rPr lang="en-US" sz="2400" dirty="0"/>
+              <a:t>and </a:t>
+            </a:r>
+            <a:r>
+              <a:rPr lang="en-US" sz="2400" b="1" dirty="0"/>
+              <a:t> </a:t>
+            </a:r>
+            <a:r>
+              <a:rPr lang="en-US" sz="2400" dirty="0"/>
+              <a:t>can be described as a mix between a </a:t>
+            </a:r>
+            <a:r>
+              <a:rPr lang="en-US" sz="2400" b="1" dirty="0"/>
+              <a:t>“Key-value Store”</a:t>
+            </a:r>
+            <a:r>
+              <a:rPr lang="en-US" sz="2400" dirty="0"/>
+              <a:t> and a </a:t>
+            </a:r>
+            <a:r>
+              <a:rPr lang="en-US" sz="2400" b="1" dirty="0"/>
+              <a:t>“Column-Orientated” </a:t>
+            </a:r>
+            <a:r>
+              <a:rPr lang="en-US" sz="2400" dirty="0"/>
+              <a:t>database</a:t>
             </a:r>
           </a:p>
         </p:txBody>
@@ -15902,7 +16265,7 @@
     </p:spTree>
     <p:extLst>
       <p:ext uri="{BB962C8B-B14F-4D97-AF65-F5344CB8AC3E}">
-        <p14:creationId xmlns:p14="http://schemas.microsoft.com/office/powerpoint/2010/main" val="3686043113"/>
+        <p14:creationId xmlns:p14="http://schemas.microsoft.com/office/powerpoint/2010/main" val="3537640460"/>
       </p:ext>
     </p:extLst>
   </p:cSld>
@@ -15947,14 +16310,14 @@
         </p:spPr>
         <p:txBody>
           <a:bodyPr>
-            <a:normAutofit/>
+            <a:normAutofit fontScale="90000"/>
           </a:bodyPr>
           <a:lstStyle/>
           <a:p>
             <a:pPr algn="ctr"/>
             <a:r>
               <a:rPr lang="en-US" dirty="0"/>
-              <a:t>Cassandra Architecture</a:t>
+              <a:t>Where Did Cassandra Come From?</a:t>
             </a:r>
           </a:p>
         </p:txBody>
@@ -15967,8 +16330,8 @@
         </p:nvSpPr>
         <p:spPr>
           <a:xfrm>
-            <a:off x="2362200" y="1905000"/>
-            <a:ext cx="7086600" cy="4154984"/>
+            <a:off x="2362200" y="2057401"/>
+            <a:ext cx="7086600" cy="3139321"/>
           </a:xfrm>
           <a:prstGeom prst="rect">
             <a:avLst/>
@@ -15990,7 +16353,7 @@
             </a:pPr>
             <a:r>
               <a:rPr lang="en-US" sz="2200" dirty="0"/>
-              <a:t>Built with the understanding that hardware &amp; software failures can happen</a:t>
+              <a:t>Cassandra was initially created at Facebook</a:t>
             </a:r>
           </a:p>
           <a:p>
@@ -16003,7 +16366,7 @@
             </a:pPr>
             <a:r>
               <a:rPr lang="en-US" sz="2200" dirty="0"/>
-              <a:t>Peer to Peer Architecture</a:t>
+              <a:t>Combination of Google Big Table and Amazon Dynamo</a:t>
             </a:r>
           </a:p>
           <a:p>
@@ -16016,7 +16379,15 @@
             </a:pPr>
             <a:r>
               <a:rPr lang="en-US" sz="2200" dirty="0"/>
-              <a:t>All nodes are the same</a:t>
+              <a:t>It was created to power the </a:t>
+            </a:r>
+            <a:r>
+              <a:rPr lang="en-US" sz="2200" b="1" dirty="0"/>
+              <a:t>“Inbox Search” </a:t>
+            </a:r>
+            <a:r>
+              <a:rPr lang="en-US" sz="2200" dirty="0"/>
+              <a:t>feature</a:t>
             </a:r>
           </a:p>
           <a:p>
@@ -16029,7 +16400,11 @@
             </a:pPr>
             <a:r>
               <a:rPr lang="en-US" sz="2200" dirty="0"/>
-              <a:t>Read/Write Anywhere</a:t>
+              <a:t>Cassandra was released as open source in </a:t>
+            </a:r>
+            <a:r>
+              <a:rPr lang="en-US" sz="2200" b="1" dirty="0"/>
+              <a:t>July of 2008</a:t>
             </a:r>
           </a:p>
           <a:p>
@@ -16042,71 +16417,31 @@
             </a:pPr>
             <a:r>
               <a:rPr lang="en-US" sz="2200" dirty="0"/>
-              <a:t>Gossip Protocol</a:t>
-            </a:r>
-          </a:p>
-          <a:p>
-            <a:pPr marL="342900" indent="-342900">
-              <a:lnSpc>
-                <a:spcPct val="150000"/>
-              </a:lnSpc>
-              <a:buFont typeface="Arial" panose="020B0604020202020204" pitchFamily="34" charset="0"/>
-              <a:buChar char="•"/>
-            </a:pPr>
+              <a:t>It became an </a:t>
+            </a:r>
+            <a:r>
+              <a:rPr lang="en-US" sz="2200" b="1" dirty="0"/>
+              <a:t>Apache Incubator </a:t>
+            </a:r>
             <a:r>
               <a:rPr lang="en-US" sz="2200" dirty="0"/>
-              <a:t>Commit Log Captures All Activity</a:t>
-            </a:r>
-          </a:p>
-          <a:p>
-            <a:pPr marL="342900" indent="-342900">
-              <a:lnSpc>
-                <a:spcPct val="150000"/>
-              </a:lnSpc>
-              <a:buFont typeface="Arial" panose="020B0604020202020204" pitchFamily="34" charset="0"/>
-              <a:buChar char="•"/>
-            </a:pPr>
+              <a:t>project in </a:t>
+            </a:r>
+            <a:r>
+              <a:rPr lang="en-US" sz="2200" b="1" dirty="0"/>
+              <a:t>February of 2009</a:t>
+            </a:r>
             <a:r>
               <a:rPr lang="en-US" sz="2200" dirty="0"/>
-              <a:t>Well suited for cloud deployments</a:t>
-            </a:r>
-          </a:p>
-        </p:txBody>
-      </p:sp>
-      <p:pic>
-        <p:nvPicPr>
-          <p:cNvPr id="3" name="Picture 2"/>
-          <p:cNvPicPr>
-            <a:picLocks noChangeAspect="1"/>
-          </p:cNvPicPr>
-          <p:nvPr/>
-        </p:nvPicPr>
-        <p:blipFill>
-          <a:blip r:embed="rId2">
-            <a:extLst>
-              <a:ext uri="{28A0092B-C50C-407E-A947-70E740481C1C}">
-                <a14:useLocalDpi xmlns:a14="http://schemas.microsoft.com/office/drawing/2010/main" val="0"/>
-              </a:ext>
-            </a:extLst>
-          </a:blip>
-          <a:stretch>
-            <a:fillRect/>
-          </a:stretch>
-        </p:blipFill>
-        <p:spPr>
-          <a:xfrm>
-            <a:off x="6400801" y="2955510"/>
-            <a:ext cx="3840979" cy="2749043"/>
-          </a:xfrm>
-          <a:prstGeom prst="rect">
-            <a:avLst/>
-          </a:prstGeom>
-        </p:spPr>
-      </p:pic>
+              <a:t> and It became a full level project a year after that</a:t>
+            </a:r>
+          </a:p>
+        </p:txBody>
+      </p:sp>
     </p:spTree>
     <p:extLst>
       <p:ext uri="{BB962C8B-B14F-4D97-AF65-F5344CB8AC3E}">
-        <p14:creationId xmlns:p14="http://schemas.microsoft.com/office/powerpoint/2010/main" val="2834481071"/>
+        <p14:creationId xmlns:p14="http://schemas.microsoft.com/office/powerpoint/2010/main" val="3686043113"/>
       </p:ext>
     </p:extLst>
   </p:cSld>
@@ -16158,7 +16493,7 @@
             <a:pPr algn="ctr"/>
             <a:r>
               <a:rPr lang="en-US" dirty="0"/>
-              <a:t>Features of Cassandra</a:t>
+              <a:t>Cassandra Architecture</a:t>
             </a:r>
           </a:p>
         </p:txBody>
@@ -16171,8 +16506,8 @@
         </p:nvSpPr>
         <p:spPr>
           <a:xfrm>
-            <a:off x="2362200" y="2057400"/>
-            <a:ext cx="7086600" cy="3785652"/>
+            <a:off x="2362200" y="1905000"/>
+            <a:ext cx="7086600" cy="4154984"/>
           </a:xfrm>
           <a:prstGeom prst="rect">
             <a:avLst/>
@@ -16193,12 +16528,8 @@
               <a:buChar char="•"/>
             </a:pPr>
             <a:r>
-              <a:rPr lang="en-US" sz="2000" b="1" dirty="0"/>
-              <a:t>Decentralized</a:t>
-            </a:r>
-            <a:r>
-              <a:rPr lang="en-US" sz="2000" dirty="0"/>
-              <a:t> – No master &amp; no single point of failure. Data is distributed across the cluster</a:t>
+              <a:rPr lang="en-US" sz="2200" dirty="0"/>
+              <a:t>Built with the understanding that hardware &amp; software failures can happen</a:t>
             </a:r>
           </a:p>
           <a:p>
@@ -16210,12 +16541,8 @@
               <a:buChar char="•"/>
             </a:pPr>
             <a:r>
-              <a:rPr lang="en-US" sz="2000" b="1" dirty="0"/>
-              <a:t>Replication</a:t>
-            </a:r>
-            <a:r>
-              <a:rPr lang="en-US" sz="2000" dirty="0"/>
-              <a:t> – Tailored for multiple-data center deployment</a:t>
+              <a:rPr lang="en-US" sz="2200" dirty="0"/>
+              <a:t>Peer to Peer Architecture</a:t>
             </a:r>
           </a:p>
           <a:p>
@@ -16227,12 +16554,8 @@
               <a:buChar char="•"/>
             </a:pPr>
             <a:r>
-              <a:rPr lang="en-US" sz="2000" b="1" dirty="0"/>
-              <a:t>Scalability </a:t>
-            </a:r>
-            <a:r>
-              <a:rPr lang="en-US" sz="2000" dirty="0"/>
-              <a:t>– New machines can easily be added with no downtime or interruption</a:t>
+              <a:rPr lang="en-US" sz="2200" dirty="0"/>
+              <a:t>All nodes are the same</a:t>
             </a:r>
           </a:p>
           <a:p>
@@ -16244,16 +16567,8 @@
               <a:buChar char="•"/>
             </a:pPr>
             <a:r>
-              <a:rPr lang="en-US" sz="2000" dirty="0"/>
-              <a:t> </a:t>
-            </a:r>
-            <a:r>
-              <a:rPr lang="en-US" sz="2000" b="1" dirty="0"/>
-              <a:t>Fault Tolerance </a:t>
-            </a:r>
-            <a:r>
-              <a:rPr lang="en-US" sz="2000" dirty="0"/>
-              <a:t>– Failed nodes can be replaced with no downtime</a:t>
+              <a:rPr lang="en-US" sz="2200" dirty="0"/>
+              <a:t>Read/Write Anywhere</a:t>
             </a:r>
           </a:p>
           <a:p>
@@ -16265,20 +16580,72 @@
               <a:buChar char="•"/>
             </a:pPr>
             <a:r>
-              <a:rPr lang="en-US" sz="2000" b="1" dirty="0"/>
-              <a:t>Cassandra Query Language (CQL) </a:t>
-            </a:r>
-            <a:r>
-              <a:rPr lang="en-US" sz="2000" dirty="0"/>
-              <a:t>– An SQL-like alternative</a:t>
-            </a:r>
-          </a:p>
-        </p:txBody>
-      </p:sp>
+              <a:rPr lang="en-US" sz="2200" dirty="0"/>
+              <a:t>Gossip Protocol</a:t>
+            </a:r>
+          </a:p>
+          <a:p>
+            <a:pPr marL="342900" indent="-342900">
+              <a:lnSpc>
+                <a:spcPct val="150000"/>
+              </a:lnSpc>
+              <a:buFont typeface="Arial" panose="020B0604020202020204" pitchFamily="34" charset="0"/>
+              <a:buChar char="•"/>
+            </a:pPr>
+            <a:r>
+              <a:rPr lang="en-US" sz="2200" dirty="0"/>
+              <a:t>Commit Log Captures All Activity</a:t>
+            </a:r>
+          </a:p>
+          <a:p>
+            <a:pPr marL="342900" indent="-342900">
+              <a:lnSpc>
+                <a:spcPct val="150000"/>
+              </a:lnSpc>
+              <a:buFont typeface="Arial" panose="020B0604020202020204" pitchFamily="34" charset="0"/>
+              <a:buChar char="•"/>
+            </a:pPr>
+            <a:r>
+              <a:rPr lang="en-US" sz="2200" dirty="0"/>
+              <a:t>Well suited for cloud deployments</a:t>
+            </a:r>
+          </a:p>
+        </p:txBody>
+      </p:sp>
+      <p:pic>
+        <p:nvPicPr>
+          <p:cNvPr id="3" name="Picture 2"/>
+          <p:cNvPicPr>
+            <a:picLocks noChangeAspect="1"/>
+          </p:cNvPicPr>
+          <p:nvPr/>
+        </p:nvPicPr>
+        <p:blipFill>
+          <a:blip r:embed="rId2">
+            <a:extLst>
+              <a:ext uri="{28A0092B-C50C-407E-A947-70E740481C1C}">
+                <a14:useLocalDpi xmlns:a14="http://schemas.microsoft.com/office/drawing/2010/main" val="0"/>
+              </a:ext>
+            </a:extLst>
+          </a:blip>
+          <a:stretch>
+            <a:fillRect/>
+          </a:stretch>
+        </p:blipFill>
+        <p:spPr>
+          <a:xfrm>
+            <a:off x="6400801" y="2955510"/>
+            <a:ext cx="3840979" cy="2749043"/>
+          </a:xfrm>
+          <a:prstGeom prst="rect">
+            <a:avLst/>
+          </a:prstGeom>
+        </p:spPr>
+      </p:pic>
     </p:spTree>
     <p:extLst>
       <p:ext uri="{BB962C8B-B14F-4D97-AF65-F5344CB8AC3E}">
-        <p14:creationId xmlns:p14="http://schemas.microsoft.com/office/powerpoint/2010/main" val="3008326492"/>
+        <p14:creationId xmlns:p14="http://schemas.microsoft.com/office/powerpoint/2010/main" val="2834481071"/>
       </p:ext>
     </p:extLst>
   </p:cSld>
@@ -16330,7 +16697,7 @@
             <a:pPr algn="ctr"/>
             <a:r>
               <a:rPr lang="en-US" dirty="0"/>
-              <a:t>CQL (Cassandra Query Language)</a:t>
+              <a:t>Features of Cassandra</a:t>
             </a:r>
           </a:p>
         </p:txBody>
@@ -16344,7 +16711,7 @@
         <p:spPr>
           <a:xfrm>
             <a:off x="2362200" y="2057400"/>
-            <a:ext cx="7086600" cy="3970318"/>
+            <a:ext cx="7086600" cy="3785652"/>
           </a:xfrm>
           <a:prstGeom prst="rect">
             <a:avLst/>
@@ -16365,20 +16732,12 @@
               <a:buChar char="•"/>
             </a:pPr>
             <a:r>
-              <a:rPr lang="en-US" sz="2400" b="1" dirty="0"/>
-              <a:t>CQL</a:t>
-            </a:r>
-            <a:r>
-              <a:rPr lang="en-US" sz="2400" dirty="0"/>
-              <a:t> is very similar to </a:t>
-            </a:r>
-            <a:r>
-              <a:rPr lang="en-US" sz="2400" b="1" dirty="0"/>
-              <a:t>SQL </a:t>
-            </a:r>
-            <a:r>
-              <a:rPr lang="en-US" sz="2400" dirty="0"/>
-              <a:t>(Structured Query Language) in terms of syntax and commands</a:t>
+              <a:rPr lang="en-US" sz="2000" b="1" dirty="0"/>
+              <a:t>Decentralized</a:t>
+            </a:r>
+            <a:r>
+              <a:rPr lang="en-US" sz="2000" dirty="0"/>
+              <a:t> – No master &amp; no single point of failure. Data is distributed across the cluster</a:t>
             </a:r>
           </a:p>
           <a:p>
@@ -16390,8 +16749,12 @@
               <a:buChar char="•"/>
             </a:pPr>
             <a:r>
-              <a:rPr lang="en-US" sz="2400" dirty="0"/>
-              <a:t>Statements directly change data and/or change the way data is stored</a:t>
+              <a:rPr lang="en-US" sz="2000" b="1" dirty="0"/>
+              <a:t>Replication</a:t>
+            </a:r>
+            <a:r>
+              <a:rPr lang="en-US" sz="2000" dirty="0"/>
+              <a:t> – Tailored for multiple-data center deployment</a:t>
             </a:r>
           </a:p>
           <a:p>
@@ -16403,31 +16766,50 @@
               <a:buChar char="•"/>
             </a:pPr>
             <a:r>
-              <a:rPr lang="en-US" sz="2400" dirty="0"/>
-              <a:t>All statements end with a semi-colon</a:t>
-            </a:r>
-          </a:p>
-          <a:p>
-            <a:pPr>
+              <a:rPr lang="en-US" sz="2000" b="1" dirty="0"/>
+              <a:t>Scalability </a:t>
+            </a:r>
+            <a:r>
+              <a:rPr lang="en-US" sz="2000" dirty="0"/>
+              <a:t>– New machines can easily be added with no downtime or interruption</a:t>
+            </a:r>
+          </a:p>
+          <a:p>
+            <a:pPr marL="342900" indent="-342900">
               <a:lnSpc>
                 <a:spcPct val="150000"/>
               </a:lnSpc>
+              <a:buFont typeface="Arial" panose="020B0604020202020204" pitchFamily="34" charset="0"/>
+              <a:buChar char="•"/>
             </a:pPr>
-            <a:endParaRPr lang="en-US" sz="2400" dirty="0"/>
-          </a:p>
-          <a:p>
-            <a:pPr>
+            <a:r>
+              <a:rPr lang="en-US" sz="2000" dirty="0"/>
+              <a:t> </a:t>
+            </a:r>
+            <a:r>
+              <a:rPr lang="en-US" sz="2000" b="1" dirty="0"/>
+              <a:t>Fault Tolerance </a:t>
+            </a:r>
+            <a:r>
+              <a:rPr lang="en-US" sz="2000" dirty="0"/>
+              <a:t>– Failed nodes can be replaced with no downtime</a:t>
+            </a:r>
+          </a:p>
+          <a:p>
+            <a:pPr marL="342900" indent="-342900">
               <a:lnSpc>
                 <a:spcPct val="150000"/>
               </a:lnSpc>
+              <a:buFont typeface="Arial" panose="020B0604020202020204" pitchFamily="34" charset="0"/>
+              <a:buChar char="•"/>
             </a:pPr>
             <a:r>
-              <a:rPr lang="en-US" sz="2400" dirty="0">
-                <a:solidFill>
-                  <a:schemeClr val="tx2"/>
-                </a:solidFill>
-              </a:rPr>
-              <a:t>SELECT * FROM sampletable;</a:t>
+              <a:rPr lang="en-US" sz="2000" b="1" dirty="0"/>
+              <a:t>Cassandra Query Language (CQL) </a:t>
+            </a:r>
+            <a:r>
+              <a:rPr lang="en-US" sz="2000" dirty="0"/>
+              <a:t>– An SQL-like alternative</a:t>
             </a:r>
           </a:p>
         </p:txBody>
@@ -16435,7 +16817,7 @@
     </p:spTree>
     <p:extLst>
       <p:ext uri="{BB962C8B-B14F-4D97-AF65-F5344CB8AC3E}">
-        <p14:creationId xmlns:p14="http://schemas.microsoft.com/office/powerpoint/2010/main" val="3971468642"/>
+        <p14:creationId xmlns:p14="http://schemas.microsoft.com/office/powerpoint/2010/main" val="3008326492"/>
       </p:ext>
     </p:extLst>
   </p:cSld>
@@ -16464,7 +16846,7 @@
       </p:grpSpPr>
       <p:sp>
         <p:nvSpPr>
-          <p:cNvPr id="2" name="Title 1"/>
+          <p:cNvPr id="6" name="Title 1"/>
           <p:cNvSpPr>
             <a:spLocks noGrp="1"/>
           </p:cNvSpPr>
@@ -16474,219 +16856,125 @@
         </p:nvSpPr>
         <p:spPr>
           <a:xfrm>
-            <a:off x="751572" y="176572"/>
-            <a:ext cx="3493168" cy="1007632"/>
-          </a:xfrm>
-        </p:spPr>
-        <p:txBody>
-          <a:bodyPr/>
-          <a:lstStyle/>
-          <a:p>
-            <a:r>
-              <a:rPr lang="en-US" b="1" dirty="0">
+            <a:off x="2362200" y="457200"/>
+            <a:ext cx="7620000" cy="1066800"/>
+          </a:xfrm>
+        </p:spPr>
+        <p:txBody>
+          <a:bodyPr>
+            <a:normAutofit/>
+          </a:bodyPr>
+          <a:lstStyle/>
+          <a:p>
+            <a:pPr algn="ctr"/>
+            <a:r>
+              <a:rPr lang="en-US" dirty="0"/>
+              <a:t>CQL (Cassandra Query Language)</a:t>
+            </a:r>
+          </a:p>
+        </p:txBody>
+      </p:sp>
+      <p:sp>
+        <p:nvSpPr>
+          <p:cNvPr id="2" name="TextBox 1"/>
+          <p:cNvSpPr txBox="1"/>
+          <p:nvPr/>
+        </p:nvSpPr>
+        <p:spPr>
+          <a:xfrm>
+            <a:off x="2362200" y="2057400"/>
+            <a:ext cx="7086600" cy="3970318"/>
+          </a:xfrm>
+          <a:prstGeom prst="rect">
+            <a:avLst/>
+          </a:prstGeom>
+          <a:noFill/>
+        </p:spPr>
+        <p:txBody>
+          <a:bodyPr wrap="square" rtlCol="0">
+            <a:spAutoFit/>
+          </a:bodyPr>
+          <a:lstStyle/>
+          <a:p>
+            <a:pPr marL="342900" indent="-342900">
+              <a:lnSpc>
+                <a:spcPct val="150000"/>
+              </a:lnSpc>
+              <a:buFont typeface="Arial" panose="020B0604020202020204" pitchFamily="34" charset="0"/>
+              <a:buChar char="•"/>
+            </a:pPr>
+            <a:r>
+              <a:rPr lang="en-US" sz="2400" b="1" dirty="0"/>
+              <a:t>CQL</a:t>
+            </a:r>
+            <a:r>
+              <a:rPr lang="en-US" sz="2400" dirty="0"/>
+              <a:t> is very similar to </a:t>
+            </a:r>
+            <a:r>
+              <a:rPr lang="en-US" sz="2400" b="1" dirty="0"/>
+              <a:t>SQL </a:t>
+            </a:r>
+            <a:r>
+              <a:rPr lang="en-US" sz="2400" dirty="0"/>
+              <a:t>(Structured Query Language) in terms of syntax and commands</a:t>
+            </a:r>
+          </a:p>
+          <a:p>
+            <a:pPr marL="342900" indent="-342900">
+              <a:lnSpc>
+                <a:spcPct val="150000"/>
+              </a:lnSpc>
+              <a:buFont typeface="Arial" panose="020B0604020202020204" pitchFamily="34" charset="0"/>
+              <a:buChar char="•"/>
+            </a:pPr>
+            <a:r>
+              <a:rPr lang="en-US" sz="2400" dirty="0"/>
+              <a:t>Statements directly change data and/or change the way data is stored</a:t>
+            </a:r>
+          </a:p>
+          <a:p>
+            <a:pPr marL="342900" indent="-342900">
+              <a:lnSpc>
+                <a:spcPct val="150000"/>
+              </a:lnSpc>
+              <a:buFont typeface="Arial" panose="020B0604020202020204" pitchFamily="34" charset="0"/>
+              <a:buChar char="•"/>
+            </a:pPr>
+            <a:r>
+              <a:rPr lang="en-US" sz="2400" dirty="0"/>
+              <a:t>All statements end with a semi-colon</a:t>
+            </a:r>
+          </a:p>
+          <a:p>
+            <a:pPr>
+              <a:lnSpc>
+                <a:spcPct val="150000"/>
+              </a:lnSpc>
+            </a:pPr>
+            <a:endParaRPr lang="en-US" sz="2400" dirty="0"/>
+          </a:p>
+          <a:p>
+            <a:pPr>
+              <a:lnSpc>
+                <a:spcPct val="150000"/>
+              </a:lnSpc>
+            </a:pPr>
+            <a:r>
+              <a:rPr lang="en-US" sz="2400" dirty="0">
                 <a:solidFill>
-                  <a:srgbClr val="FFFF00"/>
+                  <a:schemeClr val="tx2"/>
                 </a:solidFill>
               </a:rPr>
-              <a:t>The Checklist</a:t>
-            </a:r>
-          </a:p>
-        </p:txBody>
-      </p:sp>
-      <p:sp>
-        <p:nvSpPr>
-          <p:cNvPr id="3" name="Content Placeholder 2"/>
-          <p:cNvSpPr>
-            <a:spLocks noGrp="1"/>
-          </p:cNvSpPr>
-          <p:nvPr>
-            <p:ph idx="1"/>
-          </p:nvPr>
-        </p:nvSpPr>
-        <p:spPr>
-          <a:xfrm>
-            <a:off x="389224" y="1184204"/>
-            <a:ext cx="10872334" cy="5149219"/>
-          </a:xfrm>
-        </p:spPr>
-        <p:txBody>
-          <a:bodyPr>
-            <a:normAutofit fontScale="62500" lnSpcReduction="20000"/>
-          </a:bodyPr>
-          <a:lstStyle/>
-          <a:p>
-            <a:pPr marL="514350" indent="-514350">
-              <a:buFont typeface="+mj-lt"/>
-              <a:buAutoNum type="arabicPeriod"/>
-            </a:pPr>
-            <a:r>
-              <a:rPr lang="en-US" dirty="0"/>
-              <a:t>What category does this belong in? (Relational, Key-Value, Document, Graph, Columnar, Hybrid, Other)</a:t>
-            </a:r>
-          </a:p>
-          <a:p>
-            <a:pPr marL="514350" indent="-514350">
-              <a:buFont typeface="+mj-lt"/>
-              <a:buAutoNum type="arabicPeriod"/>
-            </a:pPr>
-            <a:r>
-              <a:rPr lang="en-US" dirty="0"/>
-              <a:t>What does this optimize on (i.e. do very well)? Reads, writes, transactions?</a:t>
-            </a:r>
-          </a:p>
-          <a:p>
-            <a:pPr marL="514350" indent="-514350">
-              <a:buFont typeface="+mj-lt"/>
-              <a:buAutoNum type="arabicPeriod"/>
-            </a:pPr>
-            <a:r>
-              <a:rPr lang="en-US" dirty="0"/>
-              <a:t>Is there a REST API? An SDK? Some native querying language?</a:t>
-            </a:r>
-          </a:p>
-          <a:p>
-            <a:pPr marL="514350" indent="-514350">
-              <a:buFont typeface="+mj-lt"/>
-              <a:buAutoNum type="arabicPeriod"/>
-            </a:pPr>
-            <a:r>
-              <a:rPr lang="en-US" dirty="0"/>
-              <a:t>Is the data format human readable: XML, JSON, etc. </a:t>
-            </a:r>
-          </a:p>
-          <a:p>
-            <a:pPr marL="514350" indent="-514350">
-              <a:buFont typeface="+mj-lt"/>
-              <a:buAutoNum type="arabicPeriod"/>
-            </a:pPr>
-            <a:r>
-              <a:rPr lang="en-US" dirty="0"/>
-              <a:t>Can it run on Windows? Linux? PAAS (Azure)?</a:t>
-            </a:r>
-          </a:p>
-          <a:p>
-            <a:pPr marL="514350" indent="-514350">
-              <a:buFont typeface="+mj-lt"/>
-              <a:buAutoNum type="arabicPeriod"/>
-            </a:pPr>
-            <a:r>
-              <a:rPr lang="en-US" dirty="0"/>
-              <a:t>Where does it fall on the CAP spectrum?</a:t>
-            </a:r>
-          </a:p>
-          <a:p>
-            <a:pPr marL="514350" indent="-514350">
-              <a:buFont typeface="+mj-lt"/>
-              <a:buAutoNum type="arabicPeriod"/>
-            </a:pPr>
-            <a:r>
-              <a:rPr lang="en-US" dirty="0"/>
-              <a:t>Auto-create database? Auto-create collections?</a:t>
-            </a:r>
-          </a:p>
-          <a:p>
-            <a:pPr marL="514350" indent="-514350">
-              <a:buFont typeface="+mj-lt"/>
-              <a:buAutoNum type="arabicPeriod"/>
-            </a:pPr>
-            <a:r>
-              <a:rPr lang="en-US" dirty="0"/>
-              <a:t>Is there a local mode?</a:t>
-            </a:r>
-          </a:p>
-          <a:p>
-            <a:pPr marL="514350" indent="-514350">
-              <a:buFont typeface="+mj-lt"/>
-              <a:buAutoNum type="arabicPeriod"/>
-            </a:pPr>
-            <a:r>
-              <a:rPr lang="en-US" dirty="0"/>
-              <a:t>Type of Indexing (Hash, B-tree, something else)</a:t>
-            </a:r>
-          </a:p>
-          <a:p>
-            <a:pPr marL="514350" indent="-514350">
-              <a:buFont typeface="+mj-lt"/>
-              <a:buAutoNum type="arabicPeriod"/>
-            </a:pPr>
-            <a:r>
-              <a:rPr lang="en-US" dirty="0"/>
-              <a:t>Does it support full-text search?</a:t>
-            </a:r>
-          </a:p>
-          <a:p>
-            <a:pPr marL="514350" indent="-514350">
-              <a:buFont typeface="+mj-lt"/>
-              <a:buAutoNum type="arabicPeriod"/>
-            </a:pPr>
-            <a:r>
-              <a:rPr lang="en-US" dirty="0"/>
-              <a:t>How does it scale? Support sharding?</a:t>
-            </a:r>
-          </a:p>
-          <a:p>
-            <a:pPr marL="514350" indent="-514350">
-              <a:buFont typeface="+mj-lt"/>
-              <a:buAutoNum type="arabicPeriod"/>
-            </a:pPr>
-            <a:r>
-              <a:rPr lang="en-US" dirty="0"/>
-              <a:t>How does it replicate? Master-slave or peer-peer?</a:t>
-            </a:r>
-          </a:p>
-          <a:p>
-            <a:pPr marL="514350" indent="-514350">
-              <a:buFont typeface="+mj-lt"/>
-              <a:buAutoNum type="arabicPeriod"/>
-            </a:pPr>
-            <a:r>
-              <a:rPr lang="en-US" dirty="0"/>
-              <a:t>Open Source?</a:t>
-            </a:r>
-          </a:p>
-          <a:p>
-            <a:pPr marL="514350" indent="-514350">
-              <a:buFont typeface="+mj-lt"/>
-              <a:buAutoNum type="arabicPeriod"/>
-            </a:pPr>
-            <a:r>
-              <a:rPr lang="en-US" dirty="0"/>
-              <a:t>Cost? If cloud based, how is this billed?</a:t>
-            </a:r>
-          </a:p>
-          <a:p>
-            <a:pPr marL="514350" indent="-514350">
-              <a:buFont typeface="+mj-lt"/>
-              <a:buAutoNum type="arabicPeriod"/>
-            </a:pPr>
-            <a:r>
-              <a:rPr lang="en-US" dirty="0"/>
-              <a:t>What kind of tooling is available? GUI based?</a:t>
-            </a:r>
-          </a:p>
-          <a:p>
-            <a:pPr marL="514350" indent="-514350">
-              <a:buFont typeface="+mj-lt"/>
-              <a:buAutoNum type="arabicPeriod"/>
-            </a:pPr>
-            <a:r>
-              <a:rPr lang="en-US" dirty="0"/>
-              <a:t>What are my options for technical support?</a:t>
-            </a:r>
-          </a:p>
-          <a:p>
-            <a:pPr marL="514350" indent="-514350">
-              <a:buFont typeface="+mj-lt"/>
-              <a:buAutoNum type="arabicPeriod"/>
-            </a:pPr>
-            <a:endParaRPr lang="en-US" dirty="0"/>
+              <a:t>SELECT * FROM sampletable;</a:t>
+            </a:r>
           </a:p>
         </p:txBody>
       </p:sp>
     </p:spTree>
     <p:extLst>
       <p:ext uri="{BB962C8B-B14F-4D97-AF65-F5344CB8AC3E}">
-        <p14:creationId xmlns:p14="http://schemas.microsoft.com/office/powerpoint/2010/main" val="2388893766"/>
+        <p14:creationId xmlns:p14="http://schemas.microsoft.com/office/powerpoint/2010/main" val="3971468642"/>
       </p:ext>
     </p:extLst>
   </p:cSld>
@@ -16715,202 +17003,229 @@
       </p:grpSpPr>
       <p:sp>
         <p:nvSpPr>
-          <p:cNvPr id="5" name="Rounded Rectangle 4"/>
-          <p:cNvSpPr/>
-          <p:nvPr/>
-        </p:nvSpPr>
-        <p:spPr>
-          <a:xfrm>
-            <a:off x="4210488" y="2367815"/>
-            <a:ext cx="3368842" cy="1299411"/>
-          </a:xfrm>
-          <a:prstGeom prst="roundRect">
-            <a:avLst/>
-          </a:prstGeom>
-          <a:effectLst>
-            <a:glow rad="63500">
-              <a:schemeClr val="accent1">
-                <a:satMod val="175000"/>
-                <a:alpha val="40000"/>
-              </a:schemeClr>
-            </a:glow>
-          </a:effectLst>
-        </p:spPr>
-        <p:style>
-          <a:lnRef idx="2">
-            <a:schemeClr val="accent1">
-              <a:shade val="50000"/>
-            </a:schemeClr>
-          </a:lnRef>
-          <a:fillRef idx="1">
-            <a:schemeClr val="accent1"/>
-          </a:fillRef>
-          <a:effectRef idx="0">
-            <a:schemeClr val="accent1"/>
-          </a:effectRef>
-          <a:fontRef idx="minor">
-            <a:schemeClr val="lt1"/>
-          </a:fontRef>
-        </p:style>
-        <p:txBody>
-          <a:bodyPr rtlCol="0" anchor="ctr"/>
-          <a:lstStyle/>
-          <a:p>
-            <a:pPr algn="ctr"/>
-            <a:r>
-              <a:rPr lang="en-US" sz="4400" dirty="0"/>
-              <a:t>Familiar</a:t>
-            </a:r>
-          </a:p>
-        </p:txBody>
-      </p:sp>
-      <p:sp>
-        <p:nvSpPr>
-          <p:cNvPr id="8" name="Rounded Rectangle 7"/>
-          <p:cNvSpPr/>
-          <p:nvPr/>
-        </p:nvSpPr>
-        <p:spPr>
-          <a:xfrm>
-            <a:off x="519764" y="4812632"/>
-            <a:ext cx="3627120" cy="1357162"/>
-          </a:xfrm>
-          <a:prstGeom prst="roundRect">
-            <a:avLst/>
-          </a:prstGeom>
-          <a:solidFill>
-            <a:schemeClr val="accent2">
-              <a:lumMod val="75000"/>
-            </a:schemeClr>
-          </a:solidFill>
-          <a:effectLst>
-            <a:glow rad="63500">
-              <a:schemeClr val="accent1">
-                <a:satMod val="175000"/>
-                <a:alpha val="40000"/>
-              </a:schemeClr>
-            </a:glow>
-          </a:effectLst>
-        </p:spPr>
-        <p:style>
-          <a:lnRef idx="2">
-            <a:schemeClr val="accent1">
-              <a:shade val="50000"/>
-            </a:schemeClr>
-          </a:lnRef>
-          <a:fillRef idx="1">
-            <a:schemeClr val="accent1"/>
-          </a:fillRef>
-          <a:effectRef idx="0">
-            <a:schemeClr val="accent1"/>
-          </a:effectRef>
-          <a:fontRef idx="minor">
-            <a:schemeClr val="lt1"/>
-          </a:fontRef>
-        </p:style>
-        <p:txBody>
-          <a:bodyPr rtlCol="0" anchor="ctr"/>
-          <a:lstStyle/>
-          <a:p>
-            <a:pPr algn="ctr"/>
-            <a:r>
-              <a:rPr lang="en-US" sz="4400" dirty="0"/>
-              <a:t>Transactional</a:t>
-            </a:r>
-          </a:p>
-        </p:txBody>
-      </p:sp>
-      <p:sp>
-        <p:nvSpPr>
-          <p:cNvPr id="9" name="Rounded Rectangle 8"/>
-          <p:cNvSpPr/>
-          <p:nvPr/>
-        </p:nvSpPr>
-        <p:spPr>
-          <a:xfrm>
-            <a:off x="7623208" y="4649003"/>
-            <a:ext cx="3397718" cy="1453413"/>
-          </a:xfrm>
-          <a:prstGeom prst="roundRect">
-            <a:avLst/>
-          </a:prstGeom>
-          <a:solidFill>
-            <a:srgbClr val="FF0000"/>
-          </a:solidFill>
-          <a:effectLst>
-            <a:glow rad="63500">
-              <a:schemeClr val="accent1">
-                <a:satMod val="175000"/>
-                <a:alpha val="40000"/>
-              </a:schemeClr>
-            </a:glow>
-          </a:effectLst>
-        </p:spPr>
-        <p:style>
-          <a:lnRef idx="2">
-            <a:schemeClr val="accent1">
-              <a:shade val="50000"/>
-            </a:schemeClr>
-          </a:lnRef>
-          <a:fillRef idx="1">
-            <a:schemeClr val="accent1"/>
-          </a:fillRef>
-          <a:effectRef idx="0">
-            <a:schemeClr val="accent1"/>
-          </a:effectRef>
-          <a:fontRef idx="minor">
-            <a:schemeClr val="lt1"/>
-          </a:fontRef>
-        </p:style>
-        <p:txBody>
-          <a:bodyPr rtlCol="0" anchor="ctr"/>
-          <a:lstStyle/>
-          <a:p>
-            <a:pPr algn="ctr"/>
-            <a:r>
-              <a:rPr lang="en-US" sz="4400" dirty="0"/>
-              <a:t>Sandboxed</a:t>
-            </a:r>
-          </a:p>
-        </p:txBody>
-      </p:sp>
-      <p:sp>
-        <p:nvSpPr>
-          <p:cNvPr id="10" name="TextBox 9"/>
-          <p:cNvSpPr txBox="1"/>
-          <p:nvPr/>
-        </p:nvSpPr>
-        <p:spPr>
-          <a:xfrm>
-            <a:off x="673768" y="370375"/>
-            <a:ext cx="10442282" cy="1015663"/>
-          </a:xfrm>
-          <a:prstGeom prst="rect">
-            <a:avLst/>
-          </a:prstGeom>
-          <a:noFill/>
-        </p:spPr>
-        <p:txBody>
-          <a:bodyPr wrap="none" rtlCol="0">
-            <a:spAutoFit/>
-          </a:bodyPr>
-          <a:lstStyle/>
-          <a:p>
-            <a:r>
-              <a:rPr lang="en-US" sz="6000" dirty="0">
+          <p:cNvPr id="2" name="Title 1"/>
+          <p:cNvSpPr>
+            <a:spLocks noGrp="1"/>
+          </p:cNvSpPr>
+          <p:nvPr>
+            <p:ph type="title"/>
+          </p:nvPr>
+        </p:nvSpPr>
+        <p:spPr>
+          <a:xfrm>
+            <a:off x="751572" y="176572"/>
+            <a:ext cx="3493168" cy="1007632"/>
+          </a:xfrm>
+        </p:spPr>
+        <p:txBody>
+          <a:bodyPr/>
+          <a:lstStyle/>
+          <a:p>
+            <a:r>
+              <a:rPr lang="en-US" b="1" dirty="0">
                 <a:solidFill>
                   <a:srgbClr val="FFFF00"/>
                 </a:solidFill>
               </a:rPr>
-              <a:t>Programmability in DocumentDB</a:t>
-            </a:r>
+              <a:t>The Checklist</a:t>
+            </a:r>
+          </a:p>
+        </p:txBody>
+      </p:sp>
+      <p:sp>
+        <p:nvSpPr>
+          <p:cNvPr id="3" name="Content Placeholder 2"/>
+          <p:cNvSpPr>
+            <a:spLocks noGrp="1"/>
+          </p:cNvSpPr>
+          <p:nvPr>
+            <p:ph idx="1"/>
+          </p:nvPr>
+        </p:nvSpPr>
+        <p:spPr>
+          <a:xfrm>
+            <a:off x="389224" y="1184204"/>
+            <a:ext cx="10872334" cy="5149219"/>
+          </a:xfrm>
+        </p:spPr>
+        <p:txBody>
+          <a:bodyPr>
+            <a:normAutofit fontScale="62500" lnSpcReduction="20000"/>
+          </a:bodyPr>
+          <a:lstStyle/>
+          <a:p>
+            <a:pPr marL="514350" indent="-514350">
+              <a:buFont typeface="+mj-lt"/>
+              <a:buAutoNum type="arabicPeriod"/>
+            </a:pPr>
+            <a:r>
+              <a:rPr lang="en-US" dirty="0"/>
+              <a:t>What category does this belong in? (Relational, Key-Value, Document, Graph, Columnar, Hybrid, Other)</a:t>
+            </a:r>
+          </a:p>
+          <a:p>
+            <a:pPr marL="514350" indent="-514350">
+              <a:buFont typeface="+mj-lt"/>
+              <a:buAutoNum type="arabicPeriod"/>
+            </a:pPr>
+            <a:r>
+              <a:rPr lang="en-US" dirty="0"/>
+              <a:t>What does this optimize on (i.e. do very well)? Reads, writes, transactions?</a:t>
+            </a:r>
+          </a:p>
+          <a:p>
+            <a:pPr marL="514350" indent="-514350">
+              <a:buFont typeface="+mj-lt"/>
+              <a:buAutoNum type="arabicPeriod"/>
+            </a:pPr>
+            <a:r>
+              <a:rPr lang="en-US" dirty="0"/>
+              <a:t>Is there a REST API? An SDK? Some native querying language?</a:t>
+            </a:r>
+          </a:p>
+          <a:p>
+            <a:pPr marL="514350" indent="-514350">
+              <a:buFont typeface="+mj-lt"/>
+              <a:buAutoNum type="arabicPeriod"/>
+            </a:pPr>
+            <a:r>
+              <a:rPr lang="en-US" dirty="0"/>
+              <a:t>Is the data format human readable: XML, JSON, etc. </a:t>
+            </a:r>
+          </a:p>
+          <a:p>
+            <a:pPr marL="514350" indent="-514350">
+              <a:buFont typeface="+mj-lt"/>
+              <a:buAutoNum type="arabicPeriod"/>
+            </a:pPr>
+            <a:r>
+              <a:rPr lang="en-US" dirty="0"/>
+              <a:t>Can it run on Windows? Linux? PAAS (Azure)?</a:t>
+            </a:r>
+          </a:p>
+          <a:p>
+            <a:pPr marL="514350" indent="-514350">
+              <a:buFont typeface="+mj-lt"/>
+              <a:buAutoNum type="arabicPeriod"/>
+            </a:pPr>
+            <a:r>
+              <a:rPr lang="en-US" dirty="0"/>
+              <a:t>Where does it fall on the CAP spectrum?</a:t>
+            </a:r>
+          </a:p>
+          <a:p>
+            <a:pPr marL="514350" indent="-514350">
+              <a:buFont typeface="+mj-lt"/>
+              <a:buAutoNum type="arabicPeriod"/>
+            </a:pPr>
+            <a:r>
+              <a:rPr lang="en-US" dirty="0"/>
+              <a:t>Auto-create database? Auto-create collections?</a:t>
+            </a:r>
+          </a:p>
+          <a:p>
+            <a:pPr marL="514350" indent="-514350">
+              <a:buFont typeface="+mj-lt"/>
+              <a:buAutoNum type="arabicPeriod"/>
+            </a:pPr>
+            <a:r>
+              <a:rPr lang="en-US" dirty="0"/>
+              <a:t>Is there a local mode?</a:t>
+            </a:r>
+          </a:p>
+          <a:p>
+            <a:pPr marL="514350" indent="-514350">
+              <a:buFont typeface="+mj-lt"/>
+              <a:buAutoNum type="arabicPeriod"/>
+            </a:pPr>
+            <a:r>
+              <a:rPr lang="en-US" dirty="0"/>
+              <a:t>Type of Indexing (Hash, B-tree, something else)</a:t>
+            </a:r>
+          </a:p>
+          <a:p>
+            <a:pPr marL="514350" indent="-514350">
+              <a:buFont typeface="+mj-lt"/>
+              <a:buAutoNum type="arabicPeriod"/>
+            </a:pPr>
+            <a:r>
+              <a:rPr lang="en-US" dirty="0"/>
+              <a:t>Does it support full-text search?</a:t>
+            </a:r>
+          </a:p>
+          <a:p>
+            <a:pPr marL="514350" indent="-514350">
+              <a:buFont typeface="+mj-lt"/>
+              <a:buAutoNum type="arabicPeriod"/>
+            </a:pPr>
+            <a:r>
+              <a:rPr lang="en-US" dirty="0"/>
+              <a:t>How does it scale? Support sharding?</a:t>
+            </a:r>
+          </a:p>
+          <a:p>
+            <a:pPr marL="514350" indent="-514350">
+              <a:buFont typeface="+mj-lt"/>
+              <a:buAutoNum type="arabicPeriod"/>
+            </a:pPr>
+            <a:r>
+              <a:rPr lang="en-US" dirty="0"/>
+              <a:t>How does it replicate? Master-slave or peer-peer?</a:t>
+            </a:r>
+          </a:p>
+          <a:p>
+            <a:pPr marL="514350" indent="-514350">
+              <a:buFont typeface="+mj-lt"/>
+              <a:buAutoNum type="arabicPeriod"/>
+            </a:pPr>
+            <a:r>
+              <a:rPr lang="en-US" dirty="0"/>
+              <a:t>Open Source?</a:t>
+            </a:r>
+          </a:p>
+          <a:p>
+            <a:pPr marL="514350" indent="-514350">
+              <a:buFont typeface="+mj-lt"/>
+              <a:buAutoNum type="arabicPeriod"/>
+            </a:pPr>
+            <a:r>
+              <a:rPr lang="en-US" dirty="0"/>
+              <a:t>Cost? If cloud based, how is this billed?</a:t>
+            </a:r>
+          </a:p>
+          <a:p>
+            <a:pPr marL="514350" indent="-514350">
+              <a:buFont typeface="+mj-lt"/>
+              <a:buAutoNum type="arabicPeriod"/>
+            </a:pPr>
+            <a:r>
+              <a:rPr lang="en-US" dirty="0"/>
+              <a:t>What kind of tooling is available? GUI based?</a:t>
+            </a:r>
+          </a:p>
+          <a:p>
+            <a:pPr marL="514350" indent="-514350">
+              <a:buFont typeface="+mj-lt"/>
+              <a:buAutoNum type="arabicPeriod"/>
+            </a:pPr>
+            <a:r>
+              <a:rPr lang="en-US" dirty="0"/>
+              <a:t>What are my options for technical support?</a:t>
+            </a:r>
+          </a:p>
+          <a:p>
+            <a:pPr marL="514350" indent="-514350">
+              <a:buFont typeface="+mj-lt"/>
+              <a:buAutoNum type="arabicPeriod"/>
+            </a:pPr>
+            <a:endParaRPr lang="en-US" dirty="0"/>
           </a:p>
         </p:txBody>
       </p:sp>
     </p:spTree>
     <p:extLst>
       <p:ext uri="{BB962C8B-B14F-4D97-AF65-F5344CB8AC3E}">
-        <p14:creationId xmlns:p14="http://schemas.microsoft.com/office/powerpoint/2010/main" val="3748666209"/>
+        <p14:creationId xmlns:p14="http://schemas.microsoft.com/office/powerpoint/2010/main" val="2388893766"/>
       </p:ext>
     </p:extLst>
   </p:cSld>
@@ -16939,6 +17254,230 @@
       </p:grpSpPr>
       <p:sp>
         <p:nvSpPr>
+          <p:cNvPr id="5" name="Rounded Rectangle 4"/>
+          <p:cNvSpPr/>
+          <p:nvPr/>
+        </p:nvSpPr>
+        <p:spPr>
+          <a:xfrm>
+            <a:off x="4210488" y="2367815"/>
+            <a:ext cx="3368842" cy="1299411"/>
+          </a:xfrm>
+          <a:prstGeom prst="roundRect">
+            <a:avLst/>
+          </a:prstGeom>
+          <a:effectLst>
+            <a:glow rad="63500">
+              <a:schemeClr val="accent1">
+                <a:satMod val="175000"/>
+                <a:alpha val="40000"/>
+              </a:schemeClr>
+            </a:glow>
+          </a:effectLst>
+        </p:spPr>
+        <p:style>
+          <a:lnRef idx="2">
+            <a:schemeClr val="accent1">
+              <a:shade val="50000"/>
+            </a:schemeClr>
+          </a:lnRef>
+          <a:fillRef idx="1">
+            <a:schemeClr val="accent1"/>
+          </a:fillRef>
+          <a:effectRef idx="0">
+            <a:schemeClr val="accent1"/>
+          </a:effectRef>
+          <a:fontRef idx="minor">
+            <a:schemeClr val="lt1"/>
+          </a:fontRef>
+        </p:style>
+        <p:txBody>
+          <a:bodyPr rtlCol="0" anchor="ctr"/>
+          <a:lstStyle/>
+          <a:p>
+            <a:pPr algn="ctr"/>
+            <a:r>
+              <a:rPr lang="en-US" sz="4400" dirty="0"/>
+              <a:t>Familiar</a:t>
+            </a:r>
+          </a:p>
+        </p:txBody>
+      </p:sp>
+      <p:sp>
+        <p:nvSpPr>
+          <p:cNvPr id="8" name="Rounded Rectangle 7"/>
+          <p:cNvSpPr/>
+          <p:nvPr/>
+        </p:nvSpPr>
+        <p:spPr>
+          <a:xfrm>
+            <a:off x="519764" y="4812632"/>
+            <a:ext cx="3627120" cy="1357162"/>
+          </a:xfrm>
+          <a:prstGeom prst="roundRect">
+            <a:avLst/>
+          </a:prstGeom>
+          <a:solidFill>
+            <a:schemeClr val="accent2">
+              <a:lumMod val="75000"/>
+            </a:schemeClr>
+          </a:solidFill>
+          <a:effectLst>
+            <a:glow rad="63500">
+              <a:schemeClr val="accent1">
+                <a:satMod val="175000"/>
+                <a:alpha val="40000"/>
+              </a:schemeClr>
+            </a:glow>
+          </a:effectLst>
+        </p:spPr>
+        <p:style>
+          <a:lnRef idx="2">
+            <a:schemeClr val="accent1">
+              <a:shade val="50000"/>
+            </a:schemeClr>
+          </a:lnRef>
+          <a:fillRef idx="1">
+            <a:schemeClr val="accent1"/>
+          </a:fillRef>
+          <a:effectRef idx="0">
+            <a:schemeClr val="accent1"/>
+          </a:effectRef>
+          <a:fontRef idx="minor">
+            <a:schemeClr val="lt1"/>
+          </a:fontRef>
+        </p:style>
+        <p:txBody>
+          <a:bodyPr rtlCol="0" anchor="ctr"/>
+          <a:lstStyle/>
+          <a:p>
+            <a:pPr algn="ctr"/>
+            <a:r>
+              <a:rPr lang="en-US" sz="4400" dirty="0"/>
+              <a:t>Transactional</a:t>
+            </a:r>
+          </a:p>
+        </p:txBody>
+      </p:sp>
+      <p:sp>
+        <p:nvSpPr>
+          <p:cNvPr id="9" name="Rounded Rectangle 8"/>
+          <p:cNvSpPr/>
+          <p:nvPr/>
+        </p:nvSpPr>
+        <p:spPr>
+          <a:xfrm>
+            <a:off x="7623208" y="4649003"/>
+            <a:ext cx="3397718" cy="1453413"/>
+          </a:xfrm>
+          <a:prstGeom prst="roundRect">
+            <a:avLst/>
+          </a:prstGeom>
+          <a:solidFill>
+            <a:srgbClr val="FF0000"/>
+          </a:solidFill>
+          <a:effectLst>
+            <a:glow rad="63500">
+              <a:schemeClr val="accent1">
+                <a:satMod val="175000"/>
+                <a:alpha val="40000"/>
+              </a:schemeClr>
+            </a:glow>
+          </a:effectLst>
+        </p:spPr>
+        <p:style>
+          <a:lnRef idx="2">
+            <a:schemeClr val="accent1">
+              <a:shade val="50000"/>
+            </a:schemeClr>
+          </a:lnRef>
+          <a:fillRef idx="1">
+            <a:schemeClr val="accent1"/>
+          </a:fillRef>
+          <a:effectRef idx="0">
+            <a:schemeClr val="accent1"/>
+          </a:effectRef>
+          <a:fontRef idx="minor">
+            <a:schemeClr val="lt1"/>
+          </a:fontRef>
+        </p:style>
+        <p:txBody>
+          <a:bodyPr rtlCol="0" anchor="ctr"/>
+          <a:lstStyle/>
+          <a:p>
+            <a:pPr algn="ctr"/>
+            <a:r>
+              <a:rPr lang="en-US" sz="4400" dirty="0"/>
+              <a:t>Sandboxed</a:t>
+            </a:r>
+          </a:p>
+        </p:txBody>
+      </p:sp>
+      <p:sp>
+        <p:nvSpPr>
+          <p:cNvPr id="10" name="TextBox 9"/>
+          <p:cNvSpPr txBox="1"/>
+          <p:nvPr/>
+        </p:nvSpPr>
+        <p:spPr>
+          <a:xfrm>
+            <a:off x="673768" y="370375"/>
+            <a:ext cx="10442282" cy="1015663"/>
+          </a:xfrm>
+          <a:prstGeom prst="rect">
+            <a:avLst/>
+          </a:prstGeom>
+          <a:noFill/>
+        </p:spPr>
+        <p:txBody>
+          <a:bodyPr wrap="none" rtlCol="0">
+            <a:spAutoFit/>
+          </a:bodyPr>
+          <a:lstStyle/>
+          <a:p>
+            <a:r>
+              <a:rPr lang="en-US" sz="6000" dirty="0">
+                <a:solidFill>
+                  <a:srgbClr val="FFFF00"/>
+                </a:solidFill>
+              </a:rPr>
+              <a:t>Programmability in DocumentDB</a:t>
+            </a:r>
+          </a:p>
+        </p:txBody>
+      </p:sp>
+    </p:spTree>
+    <p:extLst>
+      <p:ext uri="{BB962C8B-B14F-4D97-AF65-F5344CB8AC3E}">
+        <p14:creationId xmlns:p14="http://schemas.microsoft.com/office/powerpoint/2010/main" val="3748666209"/>
+      </p:ext>
+    </p:extLst>
+  </p:cSld>
+  <p:clrMapOvr>
+    <a:masterClrMapping/>
+  </p:clrMapOvr>
+</p:sld>
+</file>
+
+<file path=ppt/slides/slide47.xml><?xml version="1.0" encoding="utf-8"?>
+<p:sld xmlns:a="http://schemas.openxmlformats.org/drawingml/2006/main" xmlns:r="http://schemas.openxmlformats.org/officeDocument/2006/relationships" xmlns:p="http://schemas.openxmlformats.org/presentationml/2006/main">
+  <p:cSld>
+    <p:spTree>
+      <p:nvGrpSpPr>
+        <p:cNvPr id="1" name=""/>
+        <p:cNvGrpSpPr/>
+        <p:nvPr/>
+      </p:nvGrpSpPr>
+      <p:grpSpPr>
+        <a:xfrm>
+          <a:off x="0" y="0"/>
+          <a:ext cx="0" cy="0"/>
+          <a:chOff x="0" y="0"/>
+          <a:chExt cx="0" cy="0"/>
+        </a:xfrm>
+      </p:grpSpPr>
+      <p:sp>
+        <p:nvSpPr>
           <p:cNvPr id="4" name="TextBox 3"/>
           <p:cNvSpPr txBox="1"/>
           <p:nvPr/>
@@ -17191,7 +17730,7 @@
 </p:sld>
 </file>
 
-<file path=ppt/slides/slide47.xml><?xml version="1.0" encoding="utf-8"?>
+<file path=ppt/slides/slide48.xml><?xml version="1.0" encoding="utf-8"?>
 <p:sld xmlns:a="http://schemas.openxmlformats.org/drawingml/2006/main" xmlns:r="http://schemas.openxmlformats.org/officeDocument/2006/relationships" xmlns:p="http://schemas.openxmlformats.org/presentationml/2006/main">
   <p:cSld>
     <p:spTree>
@@ -18362,7 +18901,7 @@
 </p:sld>
 </file>
 
-<file path=ppt/slides/slide48.xml><?xml version="1.0" encoding="utf-8"?>
+<file path=ppt/slides/slide49.xml><?xml version="1.0" encoding="utf-8"?>
 <p:sld xmlns:a="http://schemas.openxmlformats.org/drawingml/2006/main" xmlns:r="http://schemas.openxmlformats.org/officeDocument/2006/relationships" xmlns:p="http://schemas.openxmlformats.org/presentationml/2006/main">
   <p:cSld>
     <p:spTree>
@@ -19541,7 +20080,235 @@
 </p:sld>
 </file>
 
-<file path=ppt/slides/slide49.xml><?xml version="1.0" encoding="utf-8"?>
+<file path=ppt/slides/slide5.xml><?xml version="1.0" encoding="utf-8"?>
+<p:sld xmlns:a="http://schemas.openxmlformats.org/drawingml/2006/main" xmlns:r="http://schemas.openxmlformats.org/officeDocument/2006/relationships" xmlns:p="http://schemas.openxmlformats.org/presentationml/2006/main">
+  <p:cSld>
+    <p:spTree>
+      <p:nvGrpSpPr>
+        <p:cNvPr id="1" name=""/>
+        <p:cNvGrpSpPr/>
+        <p:nvPr/>
+      </p:nvGrpSpPr>
+      <p:grpSpPr>
+        <a:xfrm>
+          <a:off x="0" y="0"/>
+          <a:ext cx="0" cy="0"/>
+          <a:chOff x="0" y="0"/>
+          <a:chExt cx="0" cy="0"/>
+        </a:xfrm>
+      </p:grpSpPr>
+      <p:sp>
+        <p:nvSpPr>
+          <p:cNvPr id="4" name="Rectangle 3"/>
+          <p:cNvSpPr/>
+          <p:nvPr/>
+        </p:nvSpPr>
+        <p:spPr>
+          <a:xfrm>
+            <a:off x="1529345" y="1465006"/>
+            <a:ext cx="1887794" cy="2035278"/>
+          </a:xfrm>
+          <a:prstGeom prst="rect">
+            <a:avLst/>
+          </a:prstGeom>
+          <a:gradFill flip="none" rotWithShape="1">
+            <a:gsLst>
+              <a:gs pos="0">
+                <a:schemeClr val="accent1">
+                  <a:lumMod val="50000"/>
+                  <a:shade val="30000"/>
+                  <a:satMod val="115000"/>
+                </a:schemeClr>
+              </a:gs>
+              <a:gs pos="50000">
+                <a:schemeClr val="accent1">
+                  <a:lumMod val="50000"/>
+                  <a:shade val="67500"/>
+                  <a:satMod val="115000"/>
+                </a:schemeClr>
+              </a:gs>
+              <a:gs pos="100000">
+                <a:schemeClr val="accent1">
+                  <a:lumMod val="50000"/>
+                  <a:shade val="100000"/>
+                  <a:satMod val="115000"/>
+                </a:schemeClr>
+              </a:gs>
+            </a:gsLst>
+            <a:lin ang="5400000" scaled="1"/>
+            <a:tileRect/>
+          </a:gradFill>
+        </p:spPr>
+        <p:style>
+          <a:lnRef idx="2">
+            <a:schemeClr val="accent1">
+              <a:shade val="50000"/>
+            </a:schemeClr>
+          </a:lnRef>
+          <a:fillRef idx="1">
+            <a:schemeClr val="accent1"/>
+          </a:fillRef>
+          <a:effectRef idx="0">
+            <a:schemeClr val="accent1"/>
+          </a:effectRef>
+          <a:fontRef idx="minor">
+            <a:schemeClr val="lt1"/>
+          </a:fontRef>
+        </p:style>
+        <p:txBody>
+          <a:bodyPr rtlCol="0" anchor="ctr"/>
+          <a:lstStyle/>
+          <a:p>
+            <a:pPr algn="ctr"/>
+            <a:r>
+              <a:rPr lang="en-US" sz="3200" dirty="0"/>
+              <a:t>Products</a:t>
+            </a:r>
+          </a:p>
+        </p:txBody>
+      </p:sp>
+      <p:sp>
+        <p:nvSpPr>
+          <p:cNvPr id="5" name="Rectangle 4"/>
+          <p:cNvSpPr/>
+          <p:nvPr/>
+        </p:nvSpPr>
+        <p:spPr>
+          <a:xfrm>
+            <a:off x="5530644" y="1465006"/>
+            <a:ext cx="1887794" cy="2035278"/>
+          </a:xfrm>
+          <a:prstGeom prst="rect">
+            <a:avLst/>
+          </a:prstGeom>
+          <a:gradFill flip="none" rotWithShape="1">
+            <a:gsLst>
+              <a:gs pos="0">
+                <a:schemeClr val="accent6">
+                  <a:lumMod val="75000"/>
+                  <a:shade val="30000"/>
+                  <a:satMod val="115000"/>
+                </a:schemeClr>
+              </a:gs>
+              <a:gs pos="50000">
+                <a:schemeClr val="accent6">
+                  <a:lumMod val="75000"/>
+                  <a:shade val="67500"/>
+                  <a:satMod val="115000"/>
+                </a:schemeClr>
+              </a:gs>
+              <a:gs pos="100000">
+                <a:schemeClr val="accent6">
+                  <a:lumMod val="75000"/>
+                  <a:shade val="100000"/>
+                  <a:satMod val="115000"/>
+                </a:schemeClr>
+              </a:gs>
+            </a:gsLst>
+            <a:lin ang="5400000" scaled="1"/>
+            <a:tileRect/>
+          </a:gradFill>
+        </p:spPr>
+        <p:style>
+          <a:lnRef idx="2">
+            <a:schemeClr val="accent1">
+              <a:shade val="50000"/>
+            </a:schemeClr>
+          </a:lnRef>
+          <a:fillRef idx="1">
+            <a:schemeClr val="accent1"/>
+          </a:fillRef>
+          <a:effectRef idx="0">
+            <a:schemeClr val="accent1"/>
+          </a:effectRef>
+          <a:fontRef idx="minor">
+            <a:schemeClr val="lt1"/>
+          </a:fontRef>
+        </p:style>
+        <p:txBody>
+          <a:bodyPr rtlCol="0" anchor="ctr"/>
+          <a:lstStyle/>
+          <a:p>
+            <a:pPr algn="ctr"/>
+            <a:r>
+              <a:rPr lang="en-US" sz="3200" dirty="0"/>
+              <a:t>Reviews</a:t>
+            </a:r>
+          </a:p>
+        </p:txBody>
+      </p:sp>
+      <p:sp>
+        <p:nvSpPr>
+          <p:cNvPr id="6" name="TextBox 5"/>
+          <p:cNvSpPr txBox="1"/>
+          <p:nvPr/>
+        </p:nvSpPr>
+        <p:spPr>
+          <a:xfrm>
+            <a:off x="1529345" y="3755923"/>
+            <a:ext cx="1603516" cy="369332"/>
+          </a:xfrm>
+          <a:prstGeom prst="rect">
+            <a:avLst/>
+          </a:prstGeom>
+          <a:noFill/>
+        </p:spPr>
+        <p:txBody>
+          <a:bodyPr wrap="none" rtlCol="0">
+            <a:spAutoFit/>
+          </a:bodyPr>
+          <a:lstStyle/>
+          <a:p>
+            <a:r>
+              <a:rPr lang="en-US" dirty="0"/>
+              <a:t>Store as strings</a:t>
+            </a:r>
+          </a:p>
+        </p:txBody>
+      </p:sp>
+      <p:sp>
+        <p:nvSpPr>
+          <p:cNvPr id="7" name="TextBox 6"/>
+          <p:cNvSpPr txBox="1"/>
+          <p:nvPr/>
+        </p:nvSpPr>
+        <p:spPr>
+          <a:xfrm>
+            <a:off x="5530644" y="3755923"/>
+            <a:ext cx="2063706" cy="369332"/>
+          </a:xfrm>
+          <a:prstGeom prst="rect">
+            <a:avLst/>
+          </a:prstGeom>
+          <a:noFill/>
+        </p:spPr>
+        <p:txBody>
+          <a:bodyPr wrap="none" rtlCol="0">
+            <a:spAutoFit/>
+          </a:bodyPr>
+          <a:lstStyle/>
+          <a:p>
+            <a:r>
+              <a:rPr lang="en-US" dirty="0"/>
+              <a:t>List of last 5 reviews</a:t>
+            </a:r>
+          </a:p>
+        </p:txBody>
+      </p:sp>
+    </p:spTree>
+    <p:extLst>
+      <p:ext uri="{BB962C8B-B14F-4D97-AF65-F5344CB8AC3E}">
+        <p14:creationId xmlns:p14="http://schemas.microsoft.com/office/powerpoint/2010/main" val="3017650262"/>
+      </p:ext>
+    </p:extLst>
+  </p:cSld>
+  <p:clrMapOvr>
+    <a:masterClrMapping/>
+  </p:clrMapOvr>
+</p:sld>
+</file>
+
+<file path=ppt/slides/slide50.xml><?xml version="1.0" encoding="utf-8"?>
 <p:sld xmlns:a="http://schemas.openxmlformats.org/drawingml/2006/main" xmlns:r="http://schemas.openxmlformats.org/officeDocument/2006/relationships" xmlns:p="http://schemas.openxmlformats.org/presentationml/2006/main">
   <p:cSld>
     <p:spTree>
@@ -20721,235 +21488,7 @@
 </p:sld>
 </file>
 
-<file path=ppt/slides/slide5.xml><?xml version="1.0" encoding="utf-8"?>
-<p:sld xmlns:a="http://schemas.openxmlformats.org/drawingml/2006/main" xmlns:r="http://schemas.openxmlformats.org/officeDocument/2006/relationships" xmlns:p="http://schemas.openxmlformats.org/presentationml/2006/main">
-  <p:cSld>
-    <p:spTree>
-      <p:nvGrpSpPr>
-        <p:cNvPr id="1" name=""/>
-        <p:cNvGrpSpPr/>
-        <p:nvPr/>
-      </p:nvGrpSpPr>
-      <p:grpSpPr>
-        <a:xfrm>
-          <a:off x="0" y="0"/>
-          <a:ext cx="0" cy="0"/>
-          <a:chOff x="0" y="0"/>
-          <a:chExt cx="0" cy="0"/>
-        </a:xfrm>
-      </p:grpSpPr>
-      <p:sp>
-        <p:nvSpPr>
-          <p:cNvPr id="4" name="Rectangle 3"/>
-          <p:cNvSpPr/>
-          <p:nvPr/>
-        </p:nvSpPr>
-        <p:spPr>
-          <a:xfrm>
-            <a:off x="1529345" y="1465006"/>
-            <a:ext cx="1887794" cy="2035278"/>
-          </a:xfrm>
-          <a:prstGeom prst="rect">
-            <a:avLst/>
-          </a:prstGeom>
-          <a:gradFill flip="none" rotWithShape="1">
-            <a:gsLst>
-              <a:gs pos="0">
-                <a:schemeClr val="accent1">
-                  <a:lumMod val="50000"/>
-                  <a:shade val="30000"/>
-                  <a:satMod val="115000"/>
-                </a:schemeClr>
-              </a:gs>
-              <a:gs pos="50000">
-                <a:schemeClr val="accent1">
-                  <a:lumMod val="50000"/>
-                  <a:shade val="67500"/>
-                  <a:satMod val="115000"/>
-                </a:schemeClr>
-              </a:gs>
-              <a:gs pos="100000">
-                <a:schemeClr val="accent1">
-                  <a:lumMod val="50000"/>
-                  <a:shade val="100000"/>
-                  <a:satMod val="115000"/>
-                </a:schemeClr>
-              </a:gs>
-            </a:gsLst>
-            <a:lin ang="5400000" scaled="1"/>
-            <a:tileRect/>
-          </a:gradFill>
-        </p:spPr>
-        <p:style>
-          <a:lnRef idx="2">
-            <a:schemeClr val="accent1">
-              <a:shade val="50000"/>
-            </a:schemeClr>
-          </a:lnRef>
-          <a:fillRef idx="1">
-            <a:schemeClr val="accent1"/>
-          </a:fillRef>
-          <a:effectRef idx="0">
-            <a:schemeClr val="accent1"/>
-          </a:effectRef>
-          <a:fontRef idx="minor">
-            <a:schemeClr val="lt1"/>
-          </a:fontRef>
-        </p:style>
-        <p:txBody>
-          <a:bodyPr rtlCol="0" anchor="ctr"/>
-          <a:lstStyle/>
-          <a:p>
-            <a:pPr algn="ctr"/>
-            <a:r>
-              <a:rPr lang="en-US" sz="3200" dirty="0"/>
-              <a:t>Products</a:t>
-            </a:r>
-          </a:p>
-        </p:txBody>
-      </p:sp>
-      <p:sp>
-        <p:nvSpPr>
-          <p:cNvPr id="5" name="Rectangle 4"/>
-          <p:cNvSpPr/>
-          <p:nvPr/>
-        </p:nvSpPr>
-        <p:spPr>
-          <a:xfrm>
-            <a:off x="5530644" y="1465006"/>
-            <a:ext cx="1887794" cy="2035278"/>
-          </a:xfrm>
-          <a:prstGeom prst="rect">
-            <a:avLst/>
-          </a:prstGeom>
-          <a:gradFill flip="none" rotWithShape="1">
-            <a:gsLst>
-              <a:gs pos="0">
-                <a:schemeClr val="accent6">
-                  <a:lumMod val="75000"/>
-                  <a:shade val="30000"/>
-                  <a:satMod val="115000"/>
-                </a:schemeClr>
-              </a:gs>
-              <a:gs pos="50000">
-                <a:schemeClr val="accent6">
-                  <a:lumMod val="75000"/>
-                  <a:shade val="67500"/>
-                  <a:satMod val="115000"/>
-                </a:schemeClr>
-              </a:gs>
-              <a:gs pos="100000">
-                <a:schemeClr val="accent6">
-                  <a:lumMod val="75000"/>
-                  <a:shade val="100000"/>
-                  <a:satMod val="115000"/>
-                </a:schemeClr>
-              </a:gs>
-            </a:gsLst>
-            <a:lin ang="5400000" scaled="1"/>
-            <a:tileRect/>
-          </a:gradFill>
-        </p:spPr>
-        <p:style>
-          <a:lnRef idx="2">
-            <a:schemeClr val="accent1">
-              <a:shade val="50000"/>
-            </a:schemeClr>
-          </a:lnRef>
-          <a:fillRef idx="1">
-            <a:schemeClr val="accent1"/>
-          </a:fillRef>
-          <a:effectRef idx="0">
-            <a:schemeClr val="accent1"/>
-          </a:effectRef>
-          <a:fontRef idx="minor">
-            <a:schemeClr val="lt1"/>
-          </a:fontRef>
-        </p:style>
-        <p:txBody>
-          <a:bodyPr rtlCol="0" anchor="ctr"/>
-          <a:lstStyle/>
-          <a:p>
-            <a:pPr algn="ctr"/>
-            <a:r>
-              <a:rPr lang="en-US" sz="3200" dirty="0"/>
-              <a:t>Reviews</a:t>
-            </a:r>
-          </a:p>
-        </p:txBody>
-      </p:sp>
-      <p:sp>
-        <p:nvSpPr>
-          <p:cNvPr id="6" name="TextBox 5"/>
-          <p:cNvSpPr txBox="1"/>
-          <p:nvPr/>
-        </p:nvSpPr>
-        <p:spPr>
-          <a:xfrm>
-            <a:off x="1529345" y="3755923"/>
-            <a:ext cx="1603516" cy="369332"/>
-          </a:xfrm>
-          <a:prstGeom prst="rect">
-            <a:avLst/>
-          </a:prstGeom>
-          <a:noFill/>
-        </p:spPr>
-        <p:txBody>
-          <a:bodyPr wrap="none" rtlCol="0">
-            <a:spAutoFit/>
-          </a:bodyPr>
-          <a:lstStyle/>
-          <a:p>
-            <a:r>
-              <a:rPr lang="en-US" dirty="0"/>
-              <a:t>Store as strings</a:t>
-            </a:r>
-          </a:p>
-        </p:txBody>
-      </p:sp>
-      <p:sp>
-        <p:nvSpPr>
-          <p:cNvPr id="7" name="TextBox 6"/>
-          <p:cNvSpPr txBox="1"/>
-          <p:nvPr/>
-        </p:nvSpPr>
-        <p:spPr>
-          <a:xfrm>
-            <a:off x="5530644" y="3755923"/>
-            <a:ext cx="2063706" cy="369332"/>
-          </a:xfrm>
-          <a:prstGeom prst="rect">
-            <a:avLst/>
-          </a:prstGeom>
-          <a:noFill/>
-        </p:spPr>
-        <p:txBody>
-          <a:bodyPr wrap="none" rtlCol="0">
-            <a:spAutoFit/>
-          </a:bodyPr>
-          <a:lstStyle/>
-          <a:p>
-            <a:r>
-              <a:rPr lang="en-US" dirty="0"/>
-              <a:t>List of last 5 reviews</a:t>
-            </a:r>
-          </a:p>
-        </p:txBody>
-      </p:sp>
-    </p:spTree>
-    <p:extLst>
-      <p:ext uri="{BB962C8B-B14F-4D97-AF65-F5344CB8AC3E}">
-        <p14:creationId xmlns:p14="http://schemas.microsoft.com/office/powerpoint/2010/main" val="3017650262"/>
-      </p:ext>
-    </p:extLst>
-  </p:cSld>
-  <p:clrMapOvr>
-    <a:masterClrMapping/>
-  </p:clrMapOvr>
-</p:sld>
-</file>
-
-<file path=ppt/slides/slide50.xml><?xml version="1.0" encoding="utf-8"?>
+<file path=ppt/slides/slide51.xml><?xml version="1.0" encoding="utf-8"?>
 <p:sld xmlns:a="http://schemas.openxmlformats.org/drawingml/2006/main" xmlns:r="http://schemas.openxmlformats.org/officeDocument/2006/relationships" xmlns:p="http://schemas.openxmlformats.org/presentationml/2006/main">
   <p:cSld>
     <p:spTree>
@@ -22135,36 +22674,6 @@
 </p:sld>
 </file>
 
-<file path=ppt/slides/slide51.xml><?xml version="1.0" encoding="utf-8"?>
-<p:sld xmlns:a="http://schemas.openxmlformats.org/drawingml/2006/main" xmlns:r="http://schemas.openxmlformats.org/officeDocument/2006/relationships" xmlns:p="http://schemas.openxmlformats.org/presentationml/2006/main">
-  <p:cSld>
-    <p:spTree>
-      <p:nvGrpSpPr>
-        <p:cNvPr id="1" name=""/>
-        <p:cNvGrpSpPr/>
-        <p:nvPr/>
-      </p:nvGrpSpPr>
-      <p:grpSpPr>
-        <a:xfrm>
-          <a:off x="0" y="0"/>
-          <a:ext cx="0" cy="0"/>
-          <a:chOff x="0" y="0"/>
-          <a:chExt cx="0" cy="0"/>
-        </a:xfrm>
-      </p:grpSpPr>
-    </p:spTree>
-    <p:extLst>
-      <p:ext uri="{BB962C8B-B14F-4D97-AF65-F5344CB8AC3E}">
-        <p14:creationId xmlns:p14="http://schemas.microsoft.com/office/powerpoint/2010/main" val="3955733258"/>
-      </p:ext>
-    </p:extLst>
-  </p:cSld>
-  <p:clrMapOvr>
-    <a:masterClrMapping/>
-  </p:clrMapOvr>
-</p:sld>
-</file>
-
 <file path=ppt/slides/slide52.xml><?xml version="1.0" encoding="utf-8"?>
 <p:sld xmlns:a="http://schemas.openxmlformats.org/drawingml/2006/main" xmlns:r="http://schemas.openxmlformats.org/officeDocument/2006/relationships" xmlns:p="http://schemas.openxmlformats.org/presentationml/2006/main">
   <p:cSld>
@@ -22843,7 +23352,7 @@
           <a:noFill/>
           <a:extLst>
             <a:ext uri="{909E8E84-426E-40dd-AFC4-6F175D3DCCD1}">
-              <a14:hiddenFill xmlns:a14="http://schemas.microsoft.com/office/drawing/2010/main" xmlns="">
+              <a14:hiddenFill xmlns="" xmlns:a14="http://schemas.microsoft.com/office/drawing/2010/main">
                 <a:solidFill>
                   <a:srgbClr val="FFFFFF"/>
                 </a:solidFill>
@@ -23015,7 +23524,7 @@
           <a:noFill/>
           <a:extLst>
             <a:ext uri="{909E8E84-426E-40dd-AFC4-6F175D3DCCD1}">
-              <a14:hiddenFill xmlns:a14="http://schemas.microsoft.com/office/drawing/2010/main" xmlns="">
+              <a14:hiddenFill xmlns="" xmlns:a14="http://schemas.microsoft.com/office/drawing/2010/main">
                 <a:solidFill>
                   <a:srgbClr val="FFFFFF"/>
                 </a:solidFill>

--- a/NoSQLWhirlwind supprting images.pptx
+++ b/NoSQLWhirlwind supprting images.pptx
@@ -359,7 +359,7 @@
           <a:p>
             <a:fld id="{09204D5E-80CA-44E6-9838-6D2C437BFBFD}" type="datetimeFigureOut">
               <a:rPr lang="en-US" smtClean="0"/>
-              <a:t>4/3/2016</a:t>
+              <a:t>4/7/2016</a:t>
             </a:fld>
             <a:endParaRPr lang="en-US"/>
           </a:p>
@@ -2133,7 +2133,7 @@
           <a:p>
             <a:fld id="{7D161F0C-C389-4F4C-A9F9-4D86F194D20A}" type="datetimeFigureOut">
               <a:rPr lang="en-US" smtClean="0"/>
-              <a:t>4/3/2016</a:t>
+              <a:t>4/7/2016</a:t>
             </a:fld>
             <a:endParaRPr lang="en-US"/>
           </a:p>
@@ -2303,7 +2303,7 @@
           <a:p>
             <a:fld id="{7D161F0C-C389-4F4C-A9F9-4D86F194D20A}" type="datetimeFigureOut">
               <a:rPr lang="en-US" smtClean="0"/>
-              <a:t>4/3/2016</a:t>
+              <a:t>4/7/2016</a:t>
             </a:fld>
             <a:endParaRPr lang="en-US"/>
           </a:p>
@@ -2483,7 +2483,7 @@
           <a:p>
             <a:fld id="{7D161F0C-C389-4F4C-A9F9-4D86F194D20A}" type="datetimeFigureOut">
               <a:rPr lang="en-US" smtClean="0"/>
-              <a:t>4/3/2016</a:t>
+              <a:t>4/7/2016</a:t>
             </a:fld>
             <a:endParaRPr lang="en-US"/>
           </a:p>
@@ -2653,7 +2653,7 @@
           <a:p>
             <a:fld id="{7D161F0C-C389-4F4C-A9F9-4D86F194D20A}" type="datetimeFigureOut">
               <a:rPr lang="en-US" smtClean="0"/>
-              <a:t>4/3/2016</a:t>
+              <a:t>4/7/2016</a:t>
             </a:fld>
             <a:endParaRPr lang="en-US"/>
           </a:p>
@@ -2899,7 +2899,7 @@
           <a:p>
             <a:fld id="{7D161F0C-C389-4F4C-A9F9-4D86F194D20A}" type="datetimeFigureOut">
               <a:rPr lang="en-US" smtClean="0"/>
-              <a:t>4/3/2016</a:t>
+              <a:t>4/7/2016</a:t>
             </a:fld>
             <a:endParaRPr lang="en-US"/>
           </a:p>
@@ -3131,7 +3131,7 @@
           <a:p>
             <a:fld id="{7D161F0C-C389-4F4C-A9F9-4D86F194D20A}" type="datetimeFigureOut">
               <a:rPr lang="en-US" smtClean="0"/>
-              <a:t>4/3/2016</a:t>
+              <a:t>4/7/2016</a:t>
             </a:fld>
             <a:endParaRPr lang="en-US"/>
           </a:p>
@@ -3498,7 +3498,7 @@
           <a:p>
             <a:fld id="{7D161F0C-C389-4F4C-A9F9-4D86F194D20A}" type="datetimeFigureOut">
               <a:rPr lang="en-US" smtClean="0"/>
-              <a:t>4/3/2016</a:t>
+              <a:t>4/7/2016</a:t>
             </a:fld>
             <a:endParaRPr lang="en-US"/>
           </a:p>
@@ -3616,7 +3616,7 @@
           <a:p>
             <a:fld id="{7D161F0C-C389-4F4C-A9F9-4D86F194D20A}" type="datetimeFigureOut">
               <a:rPr lang="en-US" smtClean="0"/>
-              <a:t>4/3/2016</a:t>
+              <a:t>4/7/2016</a:t>
             </a:fld>
             <a:endParaRPr lang="en-US"/>
           </a:p>
@@ -3711,7 +3711,7 @@
           <a:p>
             <a:fld id="{7D161F0C-C389-4F4C-A9F9-4D86F194D20A}" type="datetimeFigureOut">
               <a:rPr lang="en-US" smtClean="0"/>
-              <a:t>4/3/2016</a:t>
+              <a:t>4/7/2016</a:t>
             </a:fld>
             <a:endParaRPr lang="en-US"/>
           </a:p>
@@ -3988,7 +3988,7 @@
           <a:p>
             <a:fld id="{7D161F0C-C389-4F4C-A9F9-4D86F194D20A}" type="datetimeFigureOut">
               <a:rPr lang="en-US" smtClean="0"/>
-              <a:t>4/3/2016</a:t>
+              <a:t>4/7/2016</a:t>
             </a:fld>
             <a:endParaRPr lang="en-US"/>
           </a:p>
@@ -4245,7 +4245,7 @@
           <a:p>
             <a:fld id="{7D161F0C-C389-4F4C-A9F9-4D86F194D20A}" type="datetimeFigureOut">
               <a:rPr lang="en-US" smtClean="0"/>
-              <a:t>4/3/2016</a:t>
+              <a:t>4/7/2016</a:t>
             </a:fld>
             <a:endParaRPr lang="en-US"/>
           </a:p>
@@ -4458,7 +4458,7 @@
           <a:p>
             <a:fld id="{7D161F0C-C389-4F4C-A9F9-4D86F194D20A}" type="datetimeFigureOut">
               <a:rPr lang="en-US" smtClean="0"/>
-              <a:t>4/3/2016</a:t>
+              <a:t>4/7/2016</a:t>
             </a:fld>
             <a:endParaRPr lang="en-US"/>
           </a:p>
@@ -6608,14 +6608,14 @@
           </a:effectLst>
           <a:extLst>
             <a:ext uri="{909E8E84-426E-40dd-AFC4-6F175D3DCCD1}">
-              <a14:hiddenFill xmlns:a14="http://schemas.microsoft.com/office/drawing/2010/main" xmlns="">
+              <a14:hiddenFill xmlns="" xmlns:a14="http://schemas.microsoft.com/office/drawing/2010/main">
                 <a:solidFill>
                   <a:schemeClr val="accent1"/>
                 </a:solidFill>
               </a14:hiddenFill>
             </a:ext>
             <a:ext uri="{91240B29-F687-4f45-9708-019B960494DF}">
-              <a14:hiddenLine xmlns:a14="http://schemas.microsoft.com/office/drawing/2010/main" xmlns="" w="9525">
+              <a14:hiddenLine xmlns="" xmlns:a14="http://schemas.microsoft.com/office/drawing/2010/main" w="9525">
                 <a:solidFill>
                   <a:schemeClr val="tx1"/>
                 </a:solidFill>
@@ -6726,13 +6726,13 @@
           <a:p>
             <a:r>
               <a:rPr lang="en-US" dirty="0"/>
-              <a:t>    "Title": "What's new in MongoDB 2.4",</a:t>
+              <a:t>    "Title": "What's new in MongoDB 3.2",</a:t>
             </a:r>
           </a:p>
           <a:p>
             <a:r>
               <a:rPr lang="en-US" dirty="0"/>
-              <a:t>    "Content" : "MongoDB 2.4 represents hundreds of  improvements and features driven 	         by user requests...",</a:t>
+              <a:t>    "Content" : "MongoDB 3.2 represents hundreds of  improvements and features driven 	         by user requests...",</a:t>
             </a:r>
           </a:p>
           <a:p>
@@ -7110,14 +7110,14 @@
           </a:ln>
           <a:extLst>
             <a:ext uri="{909E8E84-426E-40dd-AFC4-6F175D3DCCD1}">
-              <a14:hiddenFill xmlns:a14="http://schemas.microsoft.com/office/drawing/2010/main" xmlns="">
+              <a14:hiddenFill xmlns="" xmlns:a14="http://schemas.microsoft.com/office/drawing/2010/main">
                 <a:solidFill>
                   <a:schemeClr val="accent1"/>
                 </a:solidFill>
               </a14:hiddenFill>
             </a:ext>
             <a:ext uri="{91240B29-F687-4f45-9708-019B960494DF}">
-              <a14:hiddenLine xmlns:a14="http://schemas.microsoft.com/office/drawing/2010/main" xmlns="" w="9525">
+              <a14:hiddenLine xmlns="" xmlns:a14="http://schemas.microsoft.com/office/drawing/2010/main" w="9525">
                 <a:solidFill>
                   <a:schemeClr val="tx1"/>
                 </a:solidFill>
@@ -23352,7 +23352,7 @@
           <a:noFill/>
           <a:extLst>
             <a:ext uri="{909E8E84-426E-40dd-AFC4-6F175D3DCCD1}">
-              <a14:hiddenFill xmlns="" xmlns:a14="http://schemas.microsoft.com/office/drawing/2010/main">
+              <a14:hiddenFill xmlns:a14="http://schemas.microsoft.com/office/drawing/2010/main" xmlns="">
                 <a:solidFill>
                   <a:srgbClr val="FFFFFF"/>
                 </a:solidFill>
@@ -23524,7 +23524,7 @@
           <a:noFill/>
           <a:extLst>
             <a:ext uri="{909E8E84-426E-40dd-AFC4-6F175D3DCCD1}">
-              <a14:hiddenFill xmlns="" xmlns:a14="http://schemas.microsoft.com/office/drawing/2010/main">
+              <a14:hiddenFill xmlns:a14="http://schemas.microsoft.com/office/drawing/2010/main" xmlns="">
                 <a:solidFill>
                   <a:srgbClr val="FFFFFF"/>
                 </a:solidFill>
